--- a/1. intro.pptx
+++ b/1. intro.pptx
@@ -135,18 +135,21 @@
   </p:defaultTextStyle>
   <p:extLst>
     <p:ext uri="{EFAFB233-063F-42B5-8137-9DF3F51BA10A}">
-      <p15:sldGuideLst xmlns:p15="http://schemas.microsoft.com/office/powerpoint/2012/main" xmlns=""/>
+      <p15:sldGuideLst xmlns:p15="http://schemas.microsoft.com/office/powerpoint/2012/main">
+        <p15:guide id="1" orient="horz" pos="2160">
+          <p15:clr>
+            <a:srgbClr val="A4A3A4"/>
+          </p15:clr>
+        </p15:guide>
+        <p15:guide id="2" pos="3840">
+          <p15:clr>
+            <a:srgbClr val="A4A3A4"/>
+          </p15:clr>
+        </p15:guide>
+      </p15:sldGuideLst>
     </p:ext>
   </p:extLst>
 </p:presentation>
-</file>
-
-<file path=ppt/revisionInfo.xml><?xml version="1.0" encoding="utf-8"?>
-<p1510:revInfo xmlns:a="http://schemas.openxmlformats.org/drawingml/2006/main" xmlns:r="http://schemas.openxmlformats.org/officeDocument/2006/relationships" xmlns:p1510="http://schemas.microsoft.com/office/powerpoint/2015/10/main">
-  <p1510:revLst>
-    <p1510:client id="{E594DA00-7039-49B9-86C0-52C950A26DDD}" v="570" dt="2018-10-08T03:39:10.294"/>
-  </p1510:revLst>
-</p1510:revInfo>
 </file>
 
 <file path=ppt/changesInfos/changesInfo1.xml><?xml version="1.0" encoding="utf-8"?>
@@ -235,13 +238,6 @@
           </ac:spMkLst>
         </pc:spChg>
       </pc:sldChg>
-      <pc:sldChg chg="del">
-        <pc:chgData name="Rafael C." userId="ffa83960b425c528" providerId="LiveId" clId="{E594DA00-7039-49B9-86C0-52C950A26DDD}" dt="2018-10-07T23:24:18.420" v="2493" actId="2696"/>
-        <pc:sldMkLst>
-          <pc:docMk/>
-          <pc:sldMk cId="1792558265" sldId="279"/>
-        </pc:sldMkLst>
-      </pc:sldChg>
       <pc:sldChg chg="addSp delSp modSp">
         <pc:chgData name="Rafael C." userId="ffa83960b425c528" providerId="LiveId" clId="{E594DA00-7039-49B9-86C0-52C950A26DDD}" dt="2018-10-07T22:55:21.877" v="1928" actId="207"/>
         <pc:sldMkLst>
@@ -280,49 +276,6 @@
             <ac:picMk id="6" creationId="{13B1FCAF-5D21-4D30-A3ED-0E9608E7A37F}"/>
           </ac:picMkLst>
         </pc:picChg>
-      </pc:sldChg>
-      <pc:sldChg chg="del">
-        <pc:chgData name="Rafael C." userId="ffa83960b425c528" providerId="LiveId" clId="{E594DA00-7039-49B9-86C0-52C950A26DDD}" dt="2018-10-07T23:24:10.932" v="2490" actId="2696"/>
-        <pc:sldMkLst>
-          <pc:docMk/>
-          <pc:sldMk cId="1441726708" sldId="281"/>
-        </pc:sldMkLst>
-      </pc:sldChg>
-      <pc:sldChg chg="del">
-        <pc:chgData name="Rafael C." userId="ffa83960b425c528" providerId="LiveId" clId="{E594DA00-7039-49B9-86C0-52C950A26DDD}" dt="2018-10-07T23:24:05.030" v="2488" actId="2696"/>
-        <pc:sldMkLst>
-          <pc:docMk/>
-          <pc:sldMk cId="217948506" sldId="282"/>
-        </pc:sldMkLst>
-      </pc:sldChg>
-      <pc:sldChg chg="del">
-        <pc:chgData name="Rafael C." userId="ffa83960b425c528" providerId="LiveId" clId="{E594DA00-7039-49B9-86C0-52C950A26DDD}" dt="2018-10-07T23:24:08.004" v="2489" actId="2696"/>
-        <pc:sldMkLst>
-          <pc:docMk/>
-          <pc:sldMk cId="2480974897" sldId="283"/>
-        </pc:sldMkLst>
-      </pc:sldChg>
-      <pc:sldChg chg="del">
-        <pc:chgData name="Rafael C." userId="ffa83960b425c528" providerId="LiveId" clId="{E594DA00-7039-49B9-86C0-52C950A26DDD}" dt="2018-10-07T23:24:13.285" v="2491" actId="2696"/>
-        <pc:sldMkLst>
-          <pc:docMk/>
-          <pc:sldMk cId="2911275719" sldId="284"/>
-        </pc:sldMkLst>
-      </pc:sldChg>
-      <pc:sldChg chg="modSp">
-        <pc:chgData name="Rafael C." userId="ffa83960b425c528" providerId="LiveId" clId="{E594DA00-7039-49B9-86C0-52C950A26DDD}" dt="2018-10-07T23:57:10.664" v="2576" actId="20577"/>
-        <pc:sldMkLst>
-          <pc:docMk/>
-          <pc:sldMk cId="717311304" sldId="285"/>
-        </pc:sldMkLst>
-        <pc:spChg chg="mod">
-          <ac:chgData name="Rafael C." userId="ffa83960b425c528" providerId="LiveId" clId="{E594DA00-7039-49B9-86C0-52C950A26DDD}" dt="2018-10-07T23:57:10.664" v="2576" actId="20577"/>
-          <ac:spMkLst>
-            <pc:docMk/>
-            <pc:sldMk cId="717311304" sldId="285"/>
-            <ac:spMk id="2" creationId="{00000000-0000-0000-0000-000000000000}"/>
-          </ac:spMkLst>
-        </pc:spChg>
       </pc:sldChg>
       <pc:sldChg chg="addSp delSp modSp add mod">
         <pc:chgData name="Rafael C." userId="ffa83960b425c528" providerId="LiveId" clId="{E594DA00-7039-49B9-86C0-52C950A26DDD}" dt="2018-10-07T23:12:09.557" v="2285" actId="207"/>
@@ -610,67 +563,6 @@
           </ac:graphicFrameMkLst>
         </pc:graphicFrameChg>
       </pc:sldChg>
-      <pc:sldChg chg="addSp delSp modSp add">
-        <pc:chgData name="Rafael C." userId="ffa83960b425c528" providerId="LiveId" clId="{E594DA00-7039-49B9-86C0-52C950A26DDD}" dt="2018-10-07T23:39:22.659" v="2556" actId="242"/>
-        <pc:sldMkLst>
-          <pc:docMk/>
-          <pc:sldMk cId="2035168599" sldId="296"/>
-        </pc:sldMkLst>
-        <pc:spChg chg="add mod">
-          <ac:chgData name="Rafael C." userId="ffa83960b425c528" providerId="LiveId" clId="{E594DA00-7039-49B9-86C0-52C950A26DDD}" dt="2018-10-07T23:39:22.659" v="2556" actId="242"/>
-          <ac:spMkLst>
-            <pc:docMk/>
-            <pc:sldMk cId="2035168599" sldId="296"/>
-            <ac:spMk id="8" creationId="{938082F8-F353-49FE-97E8-379771AE4587}"/>
-          </ac:spMkLst>
-        </pc:spChg>
-        <pc:picChg chg="add mod">
-          <ac:chgData name="Rafael C." userId="ffa83960b425c528" providerId="LiveId" clId="{E594DA00-7039-49B9-86C0-52C950A26DDD}" dt="2018-10-07T23:34:29.820" v="2528" actId="1076"/>
-          <ac:picMkLst>
-            <pc:docMk/>
-            <pc:sldMk cId="2035168599" sldId="296"/>
-            <ac:picMk id="3" creationId="{A74EFC1E-0061-4445-BC52-5A9CC764610A}"/>
-          </ac:picMkLst>
-        </pc:picChg>
-        <pc:picChg chg="add del mod modCrop">
-          <ac:chgData name="Rafael C." userId="ffa83960b425c528" providerId="LiveId" clId="{E594DA00-7039-49B9-86C0-52C950A26DDD}" dt="2018-10-07T23:34:14.353" v="2525" actId="478"/>
-          <ac:picMkLst>
-            <pc:docMk/>
-            <pc:sldMk cId="2035168599" sldId="296"/>
-            <ac:picMk id="6" creationId="{297698F3-797C-4822-ABD0-73C9FCAC7A76}"/>
-          </ac:picMkLst>
-        </pc:picChg>
-        <pc:picChg chg="del">
-          <ac:chgData name="Rafael C." userId="ffa83960b425c528" providerId="LiveId" clId="{E594DA00-7039-49B9-86C0-52C950A26DDD}" dt="2018-10-07T23:31:33.874" v="2499" actId="478"/>
-          <ac:picMkLst>
-            <pc:docMk/>
-            <pc:sldMk cId="2035168599" sldId="296"/>
-            <ac:picMk id="7" creationId="{89CE1F4C-FE64-40BC-954F-C91BDD8CCE57}"/>
-          </ac:picMkLst>
-        </pc:picChg>
-      </pc:sldChg>
-      <pc:sldChg chg="add del">
-        <pc:chgData name="Rafael C." userId="ffa83960b425c528" providerId="LiveId" clId="{E594DA00-7039-49B9-86C0-52C950A26DDD}" dt="2018-10-07T23:24:20.581" v="2494" actId="2696"/>
-        <pc:sldMkLst>
-          <pc:docMk/>
-          <pc:sldMk cId="2241308441" sldId="296"/>
-        </pc:sldMkLst>
-      </pc:sldChg>
-      <pc:sldChg chg="modSp add ord">
-        <pc:chgData name="Rafael C." userId="ffa83960b425c528" providerId="LiveId" clId="{E594DA00-7039-49B9-86C0-52C950A26DDD}" dt="2018-10-08T03:21:21.237" v="3158"/>
-        <pc:sldMkLst>
-          <pc:docMk/>
-          <pc:sldMk cId="2224496332" sldId="297"/>
-        </pc:sldMkLst>
-        <pc:spChg chg="mod">
-          <ac:chgData name="Rafael C." userId="ffa83960b425c528" providerId="LiveId" clId="{E594DA00-7039-49B9-86C0-52C950A26DDD}" dt="2018-10-07T23:57:28.565" v="2593" actId="20577"/>
-          <ac:spMkLst>
-            <pc:docMk/>
-            <pc:sldMk cId="2224496332" sldId="297"/>
-            <ac:spMk id="17" creationId="{00000000-0000-0000-0000-000000000000}"/>
-          </ac:spMkLst>
-        </pc:spChg>
-      </pc:sldChg>
       <pc:sldChg chg="modSp add ord">
         <pc:chgData name="Rafael C." userId="ffa83960b425c528" providerId="LiveId" clId="{E594DA00-7039-49B9-86C0-52C950A26DDD}" dt="2018-10-08T02:53:33.994" v="2951" actId="20577"/>
         <pc:sldMkLst>
@@ -739,13 +631,6 @@
             <ac:spMk id="9218" creationId="{00000000-0000-0000-0000-000000000000}"/>
           </ac:spMkLst>
         </pc:spChg>
-      </pc:sldChg>
-      <pc:sldChg chg="add del">
-        <pc:chgData name="Rafael C." userId="ffa83960b425c528" providerId="LiveId" clId="{E594DA00-7039-49B9-86C0-52C950A26DDD}" dt="2018-10-08T02:39:40.646" v="2928" actId="2696"/>
-        <pc:sldMkLst>
-          <pc:docMk/>
-          <pc:sldMk cId="2401450478" sldId="300"/>
-        </pc:sldMkLst>
       </pc:sldChg>
       <pc:sldChg chg="modSp add">
         <pc:chgData name="Rafael C." userId="ffa83960b425c528" providerId="LiveId" clId="{E594DA00-7039-49B9-86C0-52C950A26DDD}" dt="2018-10-08T03:34:25.018" v="3744" actId="20577"/>
@@ -855,42 +740,13 @@
       <pc:docMkLst>
         <pc:docMk/>
       </pc:docMkLst>
-      <pc:sldChg chg="del">
-        <pc:chgData name="Rafael C." userId="ffa83960b425c528" providerId="LiveId" clId="{A1A6CC59-1AE6-40B8-B2C9-6E34EF2ED440}" dt="2018-10-07T18:29:00.289" v="5" actId="2696"/>
-        <pc:sldMkLst>
-          <pc:docMk/>
-          <pc:sldMk cId="993464317" sldId="276"/>
-        </pc:sldMkLst>
-      </pc:sldChg>
-      <pc:sldChg chg="del">
-        <pc:chgData name="Rafael C." userId="ffa83960b425c528" providerId="LiveId" clId="{A1A6CC59-1AE6-40B8-B2C9-6E34EF2ED440}" dt="2018-10-07T18:29:18.067" v="6" actId="2696"/>
-        <pc:sldMkLst>
-          <pc:docMk/>
-          <pc:sldMk cId="1481334511" sldId="277"/>
-        </pc:sldMkLst>
-      </pc:sldChg>
-      <pc:sldChg chg="addSp delSp modSp">
-        <pc:chgData name="Rafael C." userId="ffa83960b425c528" providerId="LiveId" clId="{A1A6CC59-1AE6-40B8-B2C9-6E34EF2ED440}" dt="2018-10-07T18:28:21.011" v="4" actId="478"/>
-        <pc:sldMkLst>
-          <pc:docMk/>
-          <pc:sldMk cId="2911275719" sldId="284"/>
-        </pc:sldMkLst>
-        <pc:picChg chg="add del mod">
-          <ac:chgData name="Rafael C." userId="ffa83960b425c528" providerId="LiveId" clId="{A1A6CC59-1AE6-40B8-B2C9-6E34EF2ED440}" dt="2018-10-07T18:28:21.011" v="4" actId="478"/>
-          <ac:picMkLst>
-            <pc:docMk/>
-            <pc:sldMk cId="2911275719" sldId="284"/>
-            <ac:picMk id="3" creationId="{00000000-0000-0000-0000-000000000000}"/>
-          </ac:picMkLst>
-        </pc:picChg>
-      </pc:sldChg>
     </pc:docChg>
   </pc:docChgLst>
 </pc:chgInfo>
 </file>
 
 <file path=ppt/charts/chart1.xml><?xml version="1.0" encoding="utf-8"?>
-<c:chartSpace xmlns:c="http://schemas.openxmlformats.org/drawingml/2006/chart" xmlns:a="http://schemas.openxmlformats.org/drawingml/2006/main" xmlns:r="http://schemas.openxmlformats.org/officeDocument/2006/relationships">
+<c:chartSpace xmlns:c="http://schemas.openxmlformats.org/drawingml/2006/chart" xmlns:a="http://schemas.openxmlformats.org/drawingml/2006/main" xmlns:r="http://schemas.openxmlformats.org/officeDocument/2006/relationships" xmlns:c16r2="http://schemas.microsoft.com/office/drawing/2015/06/chart">
   <c:date1904 val="0"/>
   <c:lang val="es-ES"/>
   <c:roundedCorners val="0"/>
@@ -1014,7 +870,7 @@
             </c:numRef>
           </c:val>
           <c:smooth val="0"/>
-          <c:extLst xmlns:c16r2="http://schemas.microsoft.com/office/drawing/2015/06/chart">
+          <c:extLst>
             <c:ext xmlns:c16="http://schemas.microsoft.com/office/drawing/2014/chart" uri="{C3380CC4-5D6E-409C-BE32-E72D297353CC}">
               <c16:uniqueId val="{00000000-E61B-42D3-8C55-31ED74C0922D}"/>
             </c:ext>
@@ -1115,7 +971,7 @@
             </c:numRef>
           </c:val>
           <c:smooth val="0"/>
-          <c:extLst xmlns:c16r2="http://schemas.microsoft.com/office/drawing/2015/06/chart">
+          <c:extLst>
             <c:ext xmlns:c16="http://schemas.microsoft.com/office/drawing/2014/chart" uri="{C3380CC4-5D6E-409C-BE32-E72D297353CC}">
               <c16:uniqueId val="{00000001-E61B-42D3-8C55-31ED74C0922D}"/>
             </c:ext>
@@ -1130,7 +986,6 @@
           <c:showPercent val="0"/>
           <c:showBubbleSize val="0"/>
         </c:dLbls>
-        <c:marker val="1"/>
         <c:smooth val="0"/>
         <c:axId val="5803008"/>
         <c:axId val="83665664"/>
@@ -1173,7 +1028,7 @@
                 <a:cs typeface="+mn-cs"/>
               </a:defRPr>
             </a:pPr>
-            <a:endParaRPr lang="es-ES"/>
+            <a:endParaRPr lang="es-AR"/>
           </a:p>
         </c:txPr>
         <c:crossAx val="83665664"/>
@@ -1249,20 +1104,20 @@
               <a:cs typeface="+mn-cs"/>
             </a:defRPr>
           </a:pPr>
-          <a:endParaRPr lang="es-ES"/>
+          <a:endParaRPr lang="es-AR"/>
         </a:p>
       </c:txPr>
     </c:legend>
     <c:plotVisOnly val="1"/>
     <c:dispBlanksAs val="zero"/>
-    <c:showDLblsOverMax val="0"/>
-    <c:extLst xmlns:c16r2="http://schemas.microsoft.com/office/drawing/2015/06/chart">
+    <c:extLst>
       <c:ext xmlns:c16r3="http://schemas.microsoft.com/office/drawing/2017/03/chart" uri="{56B9EC1D-385E-4148-901F-78D8002777C0}">
         <c16r3:dataDisplayOptions16>
           <c16r3:dispNaAsBlank val="1"/>
         </c16r3:dataDisplayOptions16>
       </c:ext>
     </c:extLst>
+    <c:showDLblsOverMax val="0"/>
   </c:chart>
   <c:spPr>
     <a:solidFill>
@@ -1286,10 +1141,10 @@
           </a:solidFill>
         </a:defRPr>
       </a:pPr>
-      <a:endParaRPr lang="es-ES"/>
+      <a:endParaRPr lang="es-AR"/>
     </a:p>
   </c:txPr>
-  <c:externalData r:id="rId1">
+  <c:externalData r:id="rId3">
     <c:autoUpdate val="0"/>
   </c:externalData>
 </c:chartSpace>
@@ -6055,13 +5910,6 @@
         </dgm:presLayoutVars>
       </dgm:prSet>
       <dgm:spPr/>
-      <dgm:t>
-        <a:bodyPr/>
-        <a:lstStyle/>
-        <a:p>
-          <a:endParaRPr lang="es-ES"/>
-        </a:p>
-      </dgm:t>
     </dgm:pt>
     <dgm:pt modelId="{BFE93DD5-FC32-401C-A75A-C583F465B88A}" type="pres">
       <dgm:prSet presAssocID="{016D94E9-3223-4E88-9954-CD96CBC9357E}" presName="arrow" presStyleLbl="bgShp" presStyleIdx="0" presStyleCnt="1"/>
@@ -6078,13 +5926,6 @@
         </dgm:presLayoutVars>
       </dgm:prSet>
       <dgm:spPr/>
-      <dgm:t>
-        <a:bodyPr/>
-        <a:lstStyle/>
-        <a:p>
-          <a:endParaRPr lang="es-ES"/>
-        </a:p>
-      </dgm:t>
     </dgm:pt>
     <dgm:pt modelId="{F5F4A9DB-DD7B-47E3-9ED3-6F271D6EDEA1}" type="pres">
       <dgm:prSet presAssocID="{21C76E39-F4AB-4EFF-B5B6-C43274BC0EC9}" presName="sibTrans" presStyleCnt="0"/>
@@ -6097,13 +5938,6 @@
         </dgm:presLayoutVars>
       </dgm:prSet>
       <dgm:spPr/>
-      <dgm:t>
-        <a:bodyPr/>
-        <a:lstStyle/>
-        <a:p>
-          <a:endParaRPr lang="es-ES"/>
-        </a:p>
-      </dgm:t>
     </dgm:pt>
     <dgm:pt modelId="{1FD9DC20-2472-4FE6-9988-411F3E6D2B24}" type="pres">
       <dgm:prSet presAssocID="{61CB5EDD-2E67-4C37-9A26-B01B56FFD572}" presName="sibTrans" presStyleCnt="0"/>
@@ -6116,13 +5950,6 @@
         </dgm:presLayoutVars>
       </dgm:prSet>
       <dgm:spPr/>
-      <dgm:t>
-        <a:bodyPr/>
-        <a:lstStyle/>
-        <a:p>
-          <a:endParaRPr lang="es-ES"/>
-        </a:p>
-      </dgm:t>
     </dgm:pt>
     <dgm:pt modelId="{4026000C-91F4-4AED-87EF-9151FFDD61BD}" type="pres">
       <dgm:prSet presAssocID="{78F487FB-8AD1-4CEB-AF6D-E1984FDF1AAB}" presName="sibTrans" presStyleCnt="0"/>
@@ -6135,25 +5962,18 @@
         </dgm:presLayoutVars>
       </dgm:prSet>
       <dgm:spPr/>
-      <dgm:t>
-        <a:bodyPr/>
-        <a:lstStyle/>
-        <a:p>
-          <a:endParaRPr lang="es-ES"/>
-        </a:p>
-      </dgm:t>
     </dgm:pt>
   </dgm:ptLst>
   <dgm:cxnLst>
+    <dgm:cxn modelId="{9D087B21-7ABF-4971-BBFC-C974DC6B3C96}" type="presOf" srcId="{215A01BC-4E99-4B6B-98DC-F87E74DB7FFF}" destId="{83B43B41-DDB7-4B71-A20C-CE1DB402AEF4}" srcOrd="0" destOrd="0" presId="urn:microsoft.com/office/officeart/2005/8/layout/hProcess9"/>
+    <dgm:cxn modelId="{BDA42E60-1FFE-4417-9605-872A6124B4CB}" srcId="{016D94E9-3223-4E88-9954-CD96CBC9357E}" destId="{215A01BC-4E99-4B6B-98DC-F87E74DB7FFF}" srcOrd="2" destOrd="0" parTransId="{489C5626-4077-427C-90A3-52167C4B6E17}" sibTransId="{78F487FB-8AD1-4CEB-AF6D-E1984FDF1AAB}"/>
+    <dgm:cxn modelId="{ED10F249-5A56-4A23-B9BC-C45678B0E0A9}" type="presOf" srcId="{016D94E9-3223-4E88-9954-CD96CBC9357E}" destId="{85F9DE18-D132-46B5-B2DB-2383FD3BE623}" srcOrd="0" destOrd="0" presId="urn:microsoft.com/office/officeart/2005/8/layout/hProcess9"/>
+    <dgm:cxn modelId="{647D7583-F3B9-4AFA-B707-9B7B7E36B0A9}" srcId="{016D94E9-3223-4E88-9954-CD96CBC9357E}" destId="{3994376D-DC53-4E3D-BECB-64E1EB0497F6}" srcOrd="3" destOrd="0" parTransId="{A1BFDB76-F6D8-441E-8BA5-DF27530949F5}" sibTransId="{D209AC57-2C50-489E-B736-94267674C81C}"/>
+    <dgm:cxn modelId="{FC141B89-1476-4610-94CE-E0A6FC87BD2C}" type="presOf" srcId="{73C715E0-F90C-45F9-9690-1E6567F8ED16}" destId="{D949D2A1-FF2A-4255-80B8-ACF208ED7330}" srcOrd="0" destOrd="0" presId="urn:microsoft.com/office/officeart/2005/8/layout/hProcess9"/>
+    <dgm:cxn modelId="{2A774491-A76F-4DAE-A163-135EB71CAFE1}" srcId="{016D94E9-3223-4E88-9954-CD96CBC9357E}" destId="{73C715E0-F90C-45F9-9690-1E6567F8ED16}" srcOrd="1" destOrd="0" parTransId="{7F5826C0-0A57-4F01-A111-02F6DFFF78B0}" sibTransId="{61CB5EDD-2E67-4C37-9A26-B01B56FFD572}"/>
+    <dgm:cxn modelId="{A26A98AE-315C-4318-BD3B-7AD740647693}" srcId="{016D94E9-3223-4E88-9954-CD96CBC9357E}" destId="{5CDEA72D-5B21-404C-832B-7AB371D711B1}" srcOrd="0" destOrd="0" parTransId="{A1CAEC69-4AE4-498D-8A36-3F713EC4DDBC}" sibTransId="{21C76E39-F4AB-4EFF-B5B6-C43274BC0EC9}"/>
+    <dgm:cxn modelId="{EEAA09EB-0C70-470C-ACCC-DB6C258F4A49}" type="presOf" srcId="{3994376D-DC53-4E3D-BECB-64E1EB0497F6}" destId="{A979D57B-DFAD-4B39-BB38-862577EA50C8}" srcOrd="0" destOrd="0" presId="urn:microsoft.com/office/officeart/2005/8/layout/hProcess9"/>
     <dgm:cxn modelId="{7D9E2DFA-A7A9-4651-9886-BC0576B0B1FB}" type="presOf" srcId="{5CDEA72D-5B21-404C-832B-7AB371D711B1}" destId="{8F5B59FB-A106-4D54-85EE-1AC9B88E4DD7}" srcOrd="0" destOrd="0" presId="urn:microsoft.com/office/officeart/2005/8/layout/hProcess9"/>
-    <dgm:cxn modelId="{BDA42E60-1FFE-4417-9605-872A6124B4CB}" srcId="{016D94E9-3223-4E88-9954-CD96CBC9357E}" destId="{215A01BC-4E99-4B6B-98DC-F87E74DB7FFF}" srcOrd="2" destOrd="0" parTransId="{489C5626-4077-427C-90A3-52167C4B6E17}" sibTransId="{78F487FB-8AD1-4CEB-AF6D-E1984FDF1AAB}"/>
-    <dgm:cxn modelId="{2A774491-A76F-4DAE-A163-135EB71CAFE1}" srcId="{016D94E9-3223-4E88-9954-CD96CBC9357E}" destId="{73C715E0-F90C-45F9-9690-1E6567F8ED16}" srcOrd="1" destOrd="0" parTransId="{7F5826C0-0A57-4F01-A111-02F6DFFF78B0}" sibTransId="{61CB5EDD-2E67-4C37-9A26-B01B56FFD572}"/>
-    <dgm:cxn modelId="{9D087B21-7ABF-4971-BBFC-C974DC6B3C96}" type="presOf" srcId="{215A01BC-4E99-4B6B-98DC-F87E74DB7FFF}" destId="{83B43B41-DDB7-4B71-A20C-CE1DB402AEF4}" srcOrd="0" destOrd="0" presId="urn:microsoft.com/office/officeart/2005/8/layout/hProcess9"/>
-    <dgm:cxn modelId="{EEAA09EB-0C70-470C-ACCC-DB6C258F4A49}" type="presOf" srcId="{3994376D-DC53-4E3D-BECB-64E1EB0497F6}" destId="{A979D57B-DFAD-4B39-BB38-862577EA50C8}" srcOrd="0" destOrd="0" presId="urn:microsoft.com/office/officeart/2005/8/layout/hProcess9"/>
-    <dgm:cxn modelId="{647D7583-F3B9-4AFA-B707-9B7B7E36B0A9}" srcId="{016D94E9-3223-4E88-9954-CD96CBC9357E}" destId="{3994376D-DC53-4E3D-BECB-64E1EB0497F6}" srcOrd="3" destOrd="0" parTransId="{A1BFDB76-F6D8-441E-8BA5-DF27530949F5}" sibTransId="{D209AC57-2C50-489E-B736-94267674C81C}"/>
-    <dgm:cxn modelId="{A26A98AE-315C-4318-BD3B-7AD740647693}" srcId="{016D94E9-3223-4E88-9954-CD96CBC9357E}" destId="{5CDEA72D-5B21-404C-832B-7AB371D711B1}" srcOrd="0" destOrd="0" parTransId="{A1CAEC69-4AE4-498D-8A36-3F713EC4DDBC}" sibTransId="{21C76E39-F4AB-4EFF-B5B6-C43274BC0EC9}"/>
-    <dgm:cxn modelId="{ED10F249-5A56-4A23-B9BC-C45678B0E0A9}" type="presOf" srcId="{016D94E9-3223-4E88-9954-CD96CBC9357E}" destId="{85F9DE18-D132-46B5-B2DB-2383FD3BE623}" srcOrd="0" destOrd="0" presId="urn:microsoft.com/office/officeart/2005/8/layout/hProcess9"/>
-    <dgm:cxn modelId="{FC141B89-1476-4610-94CE-E0A6FC87BD2C}" type="presOf" srcId="{73C715E0-F90C-45F9-9690-1E6567F8ED16}" destId="{D949D2A1-FF2A-4255-80B8-ACF208ED7330}" srcOrd="0" destOrd="0" presId="urn:microsoft.com/office/officeart/2005/8/layout/hProcess9"/>
     <dgm:cxn modelId="{CBCCD61D-33F5-46E3-BFAE-8DD8E5ACC210}" type="presParOf" srcId="{85F9DE18-D132-46B5-B2DB-2383FD3BE623}" destId="{BFE93DD5-FC32-401C-A75A-C583F465B88A}" srcOrd="0" destOrd="0" presId="urn:microsoft.com/office/officeart/2005/8/layout/hProcess9"/>
     <dgm:cxn modelId="{45BF5FBB-4E67-4813-BC3E-EF84FB899C6C}" type="presParOf" srcId="{85F9DE18-D132-46B5-B2DB-2383FD3BE623}" destId="{083F7534-1AA0-40C0-B191-E2B20BE4D872}" srcOrd="1" destOrd="0" presId="urn:microsoft.com/office/officeart/2005/8/layout/hProcess9"/>
     <dgm:cxn modelId="{CC4C298B-8540-4F74-BD66-FCF54E809FE7}" type="presParOf" srcId="{083F7534-1AA0-40C0-B191-E2B20BE4D872}" destId="{8F5B59FB-A106-4D54-85EE-1AC9B88E4DD7}" srcOrd="0" destOrd="0" presId="urn:microsoft.com/office/officeart/2005/8/layout/hProcess9"/>
@@ -6382,24 +6202,10 @@
         </dgm:presLayoutVars>
       </dgm:prSet>
       <dgm:spPr/>
-      <dgm:t>
-        <a:bodyPr/>
-        <a:lstStyle/>
-        <a:p>
-          <a:endParaRPr lang="es-ES"/>
-        </a:p>
-      </dgm:t>
     </dgm:pt>
     <dgm:pt modelId="{9CF5A577-9750-4BB7-96FF-4613C9B907E8}" type="pres">
       <dgm:prSet presAssocID="{016D94E9-3223-4E88-9954-CD96CBC9357E}" presName="wedge1" presStyleLbl="node1" presStyleIdx="0" presStyleCnt="5"/>
       <dgm:spPr/>
-      <dgm:t>
-        <a:bodyPr/>
-        <a:lstStyle/>
-        <a:p>
-          <a:endParaRPr lang="es-ES"/>
-        </a:p>
-      </dgm:t>
     </dgm:pt>
     <dgm:pt modelId="{601AB9FC-60B9-4354-8E3E-D4F87FF5872C}" type="pres">
       <dgm:prSet presAssocID="{016D94E9-3223-4E88-9954-CD96CBC9357E}" presName="dummy1a" presStyleCnt="0"/>
@@ -6418,24 +6224,10 @@
         </dgm:presLayoutVars>
       </dgm:prSet>
       <dgm:spPr/>
-      <dgm:t>
-        <a:bodyPr/>
-        <a:lstStyle/>
-        <a:p>
-          <a:endParaRPr lang="es-ES"/>
-        </a:p>
-      </dgm:t>
     </dgm:pt>
     <dgm:pt modelId="{1EDD9EE0-C3A8-45B3-AB4E-D9F952724A4E}" type="pres">
       <dgm:prSet presAssocID="{016D94E9-3223-4E88-9954-CD96CBC9357E}" presName="wedge2" presStyleLbl="node1" presStyleIdx="1" presStyleCnt="5"/>
       <dgm:spPr/>
-      <dgm:t>
-        <a:bodyPr/>
-        <a:lstStyle/>
-        <a:p>
-          <a:endParaRPr lang="es-ES"/>
-        </a:p>
-      </dgm:t>
     </dgm:pt>
     <dgm:pt modelId="{622F94F1-7187-4CD9-A33F-7270A748A121}" type="pres">
       <dgm:prSet presAssocID="{016D94E9-3223-4E88-9954-CD96CBC9357E}" presName="dummy2a" presStyleCnt="0"/>
@@ -6454,24 +6246,10 @@
         </dgm:presLayoutVars>
       </dgm:prSet>
       <dgm:spPr/>
-      <dgm:t>
-        <a:bodyPr/>
-        <a:lstStyle/>
-        <a:p>
-          <a:endParaRPr lang="es-ES"/>
-        </a:p>
-      </dgm:t>
     </dgm:pt>
     <dgm:pt modelId="{55BD7E63-F02F-4012-B46D-01277850DDCB}" type="pres">
       <dgm:prSet presAssocID="{016D94E9-3223-4E88-9954-CD96CBC9357E}" presName="wedge3" presStyleLbl="node1" presStyleIdx="2" presStyleCnt="5"/>
       <dgm:spPr/>
-      <dgm:t>
-        <a:bodyPr/>
-        <a:lstStyle/>
-        <a:p>
-          <a:endParaRPr lang="es-ES"/>
-        </a:p>
-      </dgm:t>
     </dgm:pt>
     <dgm:pt modelId="{B3538DC4-C38F-4F49-BC80-1471A44BFACD}" type="pres">
       <dgm:prSet presAssocID="{016D94E9-3223-4E88-9954-CD96CBC9357E}" presName="dummy3a" presStyleCnt="0"/>
@@ -6490,24 +6268,10 @@
         </dgm:presLayoutVars>
       </dgm:prSet>
       <dgm:spPr/>
-      <dgm:t>
-        <a:bodyPr/>
-        <a:lstStyle/>
-        <a:p>
-          <a:endParaRPr lang="es-ES"/>
-        </a:p>
-      </dgm:t>
     </dgm:pt>
     <dgm:pt modelId="{5CC03D9E-0F46-4F6A-B386-443AB4BC4697}" type="pres">
       <dgm:prSet presAssocID="{016D94E9-3223-4E88-9954-CD96CBC9357E}" presName="wedge4" presStyleLbl="node1" presStyleIdx="3" presStyleCnt="5"/>
       <dgm:spPr/>
-      <dgm:t>
-        <a:bodyPr/>
-        <a:lstStyle/>
-        <a:p>
-          <a:endParaRPr lang="es-ES"/>
-        </a:p>
-      </dgm:t>
     </dgm:pt>
     <dgm:pt modelId="{B793ABCC-1091-4D7D-BC4E-139FA3DB2A10}" type="pres">
       <dgm:prSet presAssocID="{016D94E9-3223-4E88-9954-CD96CBC9357E}" presName="dummy4a" presStyleCnt="0"/>
@@ -6526,24 +6290,10 @@
         </dgm:presLayoutVars>
       </dgm:prSet>
       <dgm:spPr/>
-      <dgm:t>
-        <a:bodyPr/>
-        <a:lstStyle/>
-        <a:p>
-          <a:endParaRPr lang="es-ES"/>
-        </a:p>
-      </dgm:t>
     </dgm:pt>
     <dgm:pt modelId="{680CDAEA-DA27-4566-928D-92F63BBCD13C}" type="pres">
       <dgm:prSet presAssocID="{016D94E9-3223-4E88-9954-CD96CBC9357E}" presName="wedge5" presStyleLbl="node1" presStyleIdx="4" presStyleCnt="5"/>
       <dgm:spPr/>
-      <dgm:t>
-        <a:bodyPr/>
-        <a:lstStyle/>
-        <a:p>
-          <a:endParaRPr lang="es-ES"/>
-        </a:p>
-      </dgm:t>
     </dgm:pt>
     <dgm:pt modelId="{2C7DDCCB-3A3B-4615-88E7-B245FEF101D1}" type="pres">
       <dgm:prSet presAssocID="{016D94E9-3223-4E88-9954-CD96CBC9357E}" presName="dummy5a" presStyleCnt="0"/>
@@ -6562,13 +6312,6 @@
         </dgm:presLayoutVars>
       </dgm:prSet>
       <dgm:spPr/>
-      <dgm:t>
-        <a:bodyPr/>
-        <a:lstStyle/>
-        <a:p>
-          <a:endParaRPr lang="es-ES"/>
-        </a:p>
-      </dgm:t>
     </dgm:pt>
     <dgm:pt modelId="{06EDB46D-5E8F-4905-A4E9-E5066E7FA211}" type="pres">
       <dgm:prSet presAssocID="{21C76E39-F4AB-4EFF-B5B6-C43274BC0EC9}" presName="arrowWedge1" presStyleLbl="fgSibTrans2D1" presStyleIdx="0" presStyleCnt="5"/>
@@ -6592,21 +6335,21 @@
     </dgm:pt>
   </dgm:ptLst>
   <dgm:cxnLst>
+    <dgm:cxn modelId="{D305A41B-78EE-4BF1-9F71-F31C53F2C591}" type="presOf" srcId="{73C715E0-F90C-45F9-9690-1E6567F8ED16}" destId="{1EDD9EE0-C3A8-45B3-AB4E-D9F952724A4E}" srcOrd="0" destOrd="0" presId="urn:microsoft.com/office/officeart/2005/8/layout/cycle8"/>
+    <dgm:cxn modelId="{A434BC27-BBDD-41CD-B2B5-F55D1020D324}" type="presOf" srcId="{215A01BC-4E99-4B6B-98DC-F87E74DB7FFF}" destId="{55BD7E63-F02F-4012-B46D-01277850DDCB}" srcOrd="0" destOrd="0" presId="urn:microsoft.com/office/officeart/2005/8/layout/cycle8"/>
     <dgm:cxn modelId="{BDA42E60-1FFE-4417-9605-872A6124B4CB}" srcId="{016D94E9-3223-4E88-9954-CD96CBC9357E}" destId="{215A01BC-4E99-4B6B-98DC-F87E74DB7FFF}" srcOrd="2" destOrd="0" parTransId="{489C5626-4077-427C-90A3-52167C4B6E17}" sibTransId="{78F487FB-8AD1-4CEB-AF6D-E1984FDF1AAB}"/>
+    <dgm:cxn modelId="{CEC24862-7343-4A8D-AC41-5D0D5505031C}" type="presOf" srcId="{86DC59AC-C664-4545-9E5E-55221C359EF5}" destId="{299C395E-0C51-47CC-A62C-9EA190DD8AA7}" srcOrd="1" destOrd="0" presId="urn:microsoft.com/office/officeart/2005/8/layout/cycle8"/>
     <dgm:cxn modelId="{32265278-14DE-40E2-B5AC-647256DCD394}" type="presOf" srcId="{73C715E0-F90C-45F9-9690-1E6567F8ED16}" destId="{CAD83FD2-3A81-408E-92CA-762BB0A59D9B}" srcOrd="1" destOrd="0" presId="urn:microsoft.com/office/officeart/2005/8/layout/cycle8"/>
-    <dgm:cxn modelId="{D305A41B-78EE-4BF1-9F71-F31C53F2C591}" type="presOf" srcId="{73C715E0-F90C-45F9-9690-1E6567F8ED16}" destId="{1EDD9EE0-C3A8-45B3-AB4E-D9F952724A4E}" srcOrd="0" destOrd="0" presId="urn:microsoft.com/office/officeart/2005/8/layout/cycle8"/>
+    <dgm:cxn modelId="{647D7583-F3B9-4AFA-B707-9B7B7E36B0A9}" srcId="{016D94E9-3223-4E88-9954-CD96CBC9357E}" destId="{3994376D-DC53-4E3D-BECB-64E1EB0497F6}" srcOrd="3" destOrd="0" parTransId="{A1BFDB76-F6D8-441E-8BA5-DF27530949F5}" sibTransId="{D209AC57-2C50-489E-B736-94267674C81C}"/>
+    <dgm:cxn modelId="{2A774491-A76F-4DAE-A163-135EB71CAFE1}" srcId="{016D94E9-3223-4E88-9954-CD96CBC9357E}" destId="{73C715E0-F90C-45F9-9690-1E6567F8ED16}" srcOrd="1" destOrd="0" parTransId="{7F5826C0-0A57-4F01-A111-02F6DFFF78B0}" sibTransId="{61CB5EDD-2E67-4C37-9A26-B01B56FFD572}"/>
+    <dgm:cxn modelId="{FA5A389D-3C7B-438B-89D0-BE1E52A400F3}" type="presOf" srcId="{5CDEA72D-5B21-404C-832B-7AB371D711B1}" destId="{9CF5A577-9750-4BB7-96FF-4613C9B907E8}" srcOrd="0" destOrd="0" presId="urn:microsoft.com/office/officeart/2005/8/layout/cycle8"/>
     <dgm:cxn modelId="{E69B05AB-2F27-400A-8A1A-781ABF97ECA9}" type="presOf" srcId="{3994376D-DC53-4E3D-BECB-64E1EB0497F6}" destId="{F970D3E4-472F-4D28-95D5-D59D8541B5C6}" srcOrd="1" destOrd="0" presId="urn:microsoft.com/office/officeart/2005/8/layout/cycle8"/>
-    <dgm:cxn modelId="{9075F3F2-2D54-4F2C-ABC9-9E8E6E2C5092}" type="presOf" srcId="{86DC59AC-C664-4545-9E5E-55221C359EF5}" destId="{680CDAEA-DA27-4566-928D-92F63BBCD13C}" srcOrd="0" destOrd="0" presId="urn:microsoft.com/office/officeart/2005/8/layout/cycle8"/>
-    <dgm:cxn modelId="{2A774491-A76F-4DAE-A163-135EB71CAFE1}" srcId="{016D94E9-3223-4E88-9954-CD96CBC9357E}" destId="{73C715E0-F90C-45F9-9690-1E6567F8ED16}" srcOrd="1" destOrd="0" parTransId="{7F5826C0-0A57-4F01-A111-02F6DFFF78B0}" sibTransId="{61CB5EDD-2E67-4C37-9A26-B01B56FFD572}"/>
-    <dgm:cxn modelId="{A434BC27-BBDD-41CD-B2B5-F55D1020D324}" type="presOf" srcId="{215A01BC-4E99-4B6B-98DC-F87E74DB7FFF}" destId="{55BD7E63-F02F-4012-B46D-01277850DDCB}" srcOrd="0" destOrd="0" presId="urn:microsoft.com/office/officeart/2005/8/layout/cycle8"/>
-    <dgm:cxn modelId="{647D7583-F3B9-4AFA-B707-9B7B7E36B0A9}" srcId="{016D94E9-3223-4E88-9954-CD96CBC9357E}" destId="{3994376D-DC53-4E3D-BECB-64E1EB0497F6}" srcOrd="3" destOrd="0" parTransId="{A1BFDB76-F6D8-441E-8BA5-DF27530949F5}" sibTransId="{D209AC57-2C50-489E-B736-94267674C81C}"/>
-    <dgm:cxn modelId="{CEC24862-7343-4A8D-AC41-5D0D5505031C}" type="presOf" srcId="{86DC59AC-C664-4545-9E5E-55221C359EF5}" destId="{299C395E-0C51-47CC-A62C-9EA190DD8AA7}" srcOrd="1" destOrd="0" presId="urn:microsoft.com/office/officeart/2005/8/layout/cycle8"/>
-    <dgm:cxn modelId="{22D468DB-978D-490A-9ED3-F00F9527DF38}" type="presOf" srcId="{215A01BC-4E99-4B6B-98DC-F87E74DB7FFF}" destId="{4E1A2DCF-742D-487F-AAB2-994A90441ABC}" srcOrd="1" destOrd="0" presId="urn:microsoft.com/office/officeart/2005/8/layout/cycle8"/>
     <dgm:cxn modelId="{A26A98AE-315C-4318-BD3B-7AD740647693}" srcId="{016D94E9-3223-4E88-9954-CD96CBC9357E}" destId="{5CDEA72D-5B21-404C-832B-7AB371D711B1}" srcOrd="0" destOrd="0" parTransId="{A1CAEC69-4AE4-498D-8A36-3F713EC4DDBC}" sibTransId="{21C76E39-F4AB-4EFF-B5B6-C43274BC0EC9}"/>
-    <dgm:cxn modelId="{00C17FF5-A2F7-4AC8-98A2-50C62DC567B9}" type="presOf" srcId="{3994376D-DC53-4E3D-BECB-64E1EB0497F6}" destId="{5CC03D9E-0F46-4F6A-B386-443AB4BC4697}" srcOrd="0" destOrd="0" presId="urn:microsoft.com/office/officeart/2005/8/layout/cycle8"/>
     <dgm:cxn modelId="{C2A6E6B6-E9D4-41A8-B322-6E5F6BDF45DD}" type="presOf" srcId="{5CDEA72D-5B21-404C-832B-7AB371D711B1}" destId="{7EDD6872-8360-4753-AF5B-03D95939265F}" srcOrd="1" destOrd="0" presId="urn:microsoft.com/office/officeart/2005/8/layout/cycle8"/>
     <dgm:cxn modelId="{25FB96BE-D605-4370-8825-5AE478CF300C}" type="presOf" srcId="{016D94E9-3223-4E88-9954-CD96CBC9357E}" destId="{FDCA9103-EC7F-49FC-A367-6F39F0D1C0A3}" srcOrd="0" destOrd="0" presId="urn:microsoft.com/office/officeart/2005/8/layout/cycle8"/>
-    <dgm:cxn modelId="{FA5A389D-3C7B-438B-89D0-BE1E52A400F3}" type="presOf" srcId="{5CDEA72D-5B21-404C-832B-7AB371D711B1}" destId="{9CF5A577-9750-4BB7-96FF-4613C9B907E8}" srcOrd="0" destOrd="0" presId="urn:microsoft.com/office/officeart/2005/8/layout/cycle8"/>
+    <dgm:cxn modelId="{22D468DB-978D-490A-9ED3-F00F9527DF38}" type="presOf" srcId="{215A01BC-4E99-4B6B-98DC-F87E74DB7FFF}" destId="{4E1A2DCF-742D-487F-AAB2-994A90441ABC}" srcOrd="1" destOrd="0" presId="urn:microsoft.com/office/officeart/2005/8/layout/cycle8"/>
+    <dgm:cxn modelId="{9075F3F2-2D54-4F2C-ABC9-9E8E6E2C5092}" type="presOf" srcId="{86DC59AC-C664-4545-9E5E-55221C359EF5}" destId="{680CDAEA-DA27-4566-928D-92F63BBCD13C}" srcOrd="0" destOrd="0" presId="urn:microsoft.com/office/officeart/2005/8/layout/cycle8"/>
+    <dgm:cxn modelId="{00C17FF5-A2F7-4AC8-98A2-50C62DC567B9}" type="presOf" srcId="{3994376D-DC53-4E3D-BECB-64E1EB0497F6}" destId="{5CC03D9E-0F46-4F6A-B386-443AB4BC4697}" srcOrd="0" destOrd="0" presId="urn:microsoft.com/office/officeart/2005/8/layout/cycle8"/>
     <dgm:cxn modelId="{F2D1DCF7-F0C4-48D9-996B-A7B23CC6FBA4}" srcId="{016D94E9-3223-4E88-9954-CD96CBC9357E}" destId="{86DC59AC-C664-4545-9E5E-55221C359EF5}" srcOrd="4" destOrd="0" parTransId="{B75C8893-181C-4779-B5C2-8D521CCA1619}" sibTransId="{DACCDCCE-264C-4077-8442-34E8304D4991}"/>
     <dgm:cxn modelId="{0AC8EB0F-EA9B-450E-9F89-99A47C4D9C06}" type="presParOf" srcId="{FDCA9103-EC7F-49FC-A367-6F39F0D1C0A3}" destId="{9CF5A577-9750-4BB7-96FF-4613C9B907E8}" srcOrd="0" destOrd="0" presId="urn:microsoft.com/office/officeart/2005/8/layout/cycle8"/>
     <dgm:cxn modelId="{13B64257-9054-40B3-ADDC-79D4CAD56A6F}" type="presParOf" srcId="{FDCA9103-EC7F-49FC-A367-6F39F0D1C0A3}" destId="{601AB9FC-60B9-4354-8E3E-D4F87FF5872C}" srcOrd="1" destOrd="0" presId="urn:microsoft.com/office/officeart/2005/8/layout/cycle8"/>
@@ -6669,7 +6412,7 @@
         <a:lstStyle/>
         <a:p>
           <a:r>
-            <a:rPr lang="es-AR" smtClean="0"/>
+            <a:rPr lang="es-AR"/>
             <a:t>Cambiar Hábitos</a:t>
           </a:r>
           <a:endParaRPr lang="es-AR" dirty="0"/>
@@ -6706,7 +6449,7 @@
         <a:lstStyle/>
         <a:p>
           <a:r>
-            <a:rPr lang="es-AR" b="0" i="0" baseline="0" smtClean="0"/>
+            <a:rPr lang="es-AR" b="0" i="0" baseline="0"/>
             <a:t>Vender Más</a:t>
           </a:r>
           <a:endParaRPr lang="es-AR" dirty="0"/>
@@ -6743,7 +6486,7 @@
         <a:lstStyle/>
         <a:p>
           <a:r>
-            <a:rPr lang="es-AR" b="0" i="0" baseline="0" smtClean="0"/>
+            <a:rPr lang="es-AR" b="0" i="0" baseline="0"/>
             <a:t>Saber antes del Embarazo</a:t>
           </a:r>
           <a:endParaRPr lang="es-AR" dirty="0"/>
@@ -6780,35 +6523,14 @@
         </dgm:presLayoutVars>
       </dgm:prSet>
       <dgm:spPr/>
-      <dgm:t>
-        <a:bodyPr/>
-        <a:lstStyle/>
-        <a:p>
-          <a:endParaRPr lang="es-ES"/>
-        </a:p>
-      </dgm:t>
     </dgm:pt>
     <dgm:pt modelId="{BFE93DD5-FC32-401C-A75A-C583F465B88A}" type="pres">
       <dgm:prSet presAssocID="{016D94E9-3223-4E88-9954-CD96CBC9357E}" presName="arrow" presStyleLbl="bgShp" presStyleIdx="0" presStyleCnt="1"/>
       <dgm:spPr/>
-      <dgm:t>
-        <a:bodyPr/>
-        <a:lstStyle/>
-        <a:p>
-          <a:endParaRPr lang="es-ES"/>
-        </a:p>
-      </dgm:t>
     </dgm:pt>
     <dgm:pt modelId="{083F7534-1AA0-40C0-B191-E2B20BE4D872}" type="pres">
       <dgm:prSet presAssocID="{016D94E9-3223-4E88-9954-CD96CBC9357E}" presName="linearProcess" presStyleCnt="0"/>
       <dgm:spPr/>
-      <dgm:t>
-        <a:bodyPr/>
-        <a:lstStyle/>
-        <a:p>
-          <a:endParaRPr lang="es-ES"/>
-        </a:p>
-      </dgm:t>
     </dgm:pt>
     <dgm:pt modelId="{D949D2A1-FF2A-4255-80B8-ACF208ED7330}" type="pres">
       <dgm:prSet presAssocID="{73C715E0-F90C-45F9-9690-1E6567F8ED16}" presName="textNode" presStyleLbl="node1" presStyleIdx="0" presStyleCnt="3">
@@ -6817,24 +6539,10 @@
         </dgm:presLayoutVars>
       </dgm:prSet>
       <dgm:spPr/>
-      <dgm:t>
-        <a:bodyPr/>
-        <a:lstStyle/>
-        <a:p>
-          <a:endParaRPr lang="es-ES"/>
-        </a:p>
-      </dgm:t>
     </dgm:pt>
     <dgm:pt modelId="{1FD9DC20-2472-4FE6-9988-411F3E6D2B24}" type="pres">
       <dgm:prSet presAssocID="{61CB5EDD-2E67-4C37-9A26-B01B56FFD572}" presName="sibTrans" presStyleCnt="0"/>
       <dgm:spPr/>
-      <dgm:t>
-        <a:bodyPr/>
-        <a:lstStyle/>
-        <a:p>
-          <a:endParaRPr lang="es-ES"/>
-        </a:p>
-      </dgm:t>
     </dgm:pt>
     <dgm:pt modelId="{83B43B41-DDB7-4B71-A20C-CE1DB402AEF4}" type="pres">
       <dgm:prSet presAssocID="{215A01BC-4E99-4B6B-98DC-F87E74DB7FFF}" presName="textNode" presStyleLbl="node1" presStyleIdx="1" presStyleCnt="3">
@@ -6843,24 +6551,10 @@
         </dgm:presLayoutVars>
       </dgm:prSet>
       <dgm:spPr/>
-      <dgm:t>
-        <a:bodyPr/>
-        <a:lstStyle/>
-        <a:p>
-          <a:endParaRPr lang="es-ES"/>
-        </a:p>
-      </dgm:t>
     </dgm:pt>
     <dgm:pt modelId="{4026000C-91F4-4AED-87EF-9151FFDD61BD}" type="pres">
       <dgm:prSet presAssocID="{78F487FB-8AD1-4CEB-AF6D-E1984FDF1AAB}" presName="sibTrans" presStyleCnt="0"/>
       <dgm:spPr/>
-      <dgm:t>
-        <a:bodyPr/>
-        <a:lstStyle/>
-        <a:p>
-          <a:endParaRPr lang="es-ES"/>
-        </a:p>
-      </dgm:t>
     </dgm:pt>
     <dgm:pt modelId="{A979D57B-DFAD-4B39-BB38-862577EA50C8}" type="pres">
       <dgm:prSet presAssocID="{3994376D-DC53-4E3D-BECB-64E1EB0497F6}" presName="textNode" presStyleLbl="node1" presStyleIdx="2" presStyleCnt="3">
@@ -6869,22 +6563,15 @@
         </dgm:presLayoutVars>
       </dgm:prSet>
       <dgm:spPr/>
-      <dgm:t>
-        <a:bodyPr/>
-        <a:lstStyle/>
-        <a:p>
-          <a:endParaRPr lang="es-ES"/>
-        </a:p>
-      </dgm:t>
     </dgm:pt>
   </dgm:ptLst>
   <dgm:cxnLst>
+    <dgm:cxn modelId="{66B92612-AFE0-4583-8D8C-E7D2845F87AD}" type="presOf" srcId="{016D94E9-3223-4E88-9954-CD96CBC9357E}" destId="{85F9DE18-D132-46B5-B2DB-2383FD3BE623}" srcOrd="0" destOrd="0" presId="urn:microsoft.com/office/officeart/2005/8/layout/hProcess9"/>
+    <dgm:cxn modelId="{0D199F2D-57FE-4CE7-BB06-7B4D5825853E}" type="presOf" srcId="{215A01BC-4E99-4B6B-98DC-F87E74DB7FFF}" destId="{83B43B41-DDB7-4B71-A20C-CE1DB402AEF4}" srcOrd="0" destOrd="0" presId="urn:microsoft.com/office/officeart/2005/8/layout/hProcess9"/>
+    <dgm:cxn modelId="{BDA42E60-1FFE-4417-9605-872A6124B4CB}" srcId="{016D94E9-3223-4E88-9954-CD96CBC9357E}" destId="{215A01BC-4E99-4B6B-98DC-F87E74DB7FFF}" srcOrd="1" destOrd="0" parTransId="{489C5626-4077-427C-90A3-52167C4B6E17}" sibTransId="{78F487FB-8AD1-4CEB-AF6D-E1984FDF1AAB}"/>
     <dgm:cxn modelId="{647D7583-F3B9-4AFA-B707-9B7B7E36B0A9}" srcId="{016D94E9-3223-4E88-9954-CD96CBC9357E}" destId="{3994376D-DC53-4E3D-BECB-64E1EB0497F6}" srcOrd="2" destOrd="0" parTransId="{A1BFDB76-F6D8-441E-8BA5-DF27530949F5}" sibTransId="{D209AC57-2C50-489E-B736-94267674C81C}"/>
-    <dgm:cxn modelId="{BDA42E60-1FFE-4417-9605-872A6124B4CB}" srcId="{016D94E9-3223-4E88-9954-CD96CBC9357E}" destId="{215A01BC-4E99-4B6B-98DC-F87E74DB7FFF}" srcOrd="1" destOrd="0" parTransId="{489C5626-4077-427C-90A3-52167C4B6E17}" sibTransId="{78F487FB-8AD1-4CEB-AF6D-E1984FDF1AAB}"/>
+    <dgm:cxn modelId="{2A774491-A76F-4DAE-A163-135EB71CAFE1}" srcId="{016D94E9-3223-4E88-9954-CD96CBC9357E}" destId="{73C715E0-F90C-45F9-9690-1E6567F8ED16}" srcOrd="0" destOrd="0" parTransId="{7F5826C0-0A57-4F01-A111-02F6DFFF78B0}" sibTransId="{61CB5EDD-2E67-4C37-9A26-B01B56FFD572}"/>
     <dgm:cxn modelId="{224148B3-4D26-43F3-997D-7230815E4149}" type="presOf" srcId="{3994376D-DC53-4E3D-BECB-64E1EB0497F6}" destId="{A979D57B-DFAD-4B39-BB38-862577EA50C8}" srcOrd="0" destOrd="0" presId="urn:microsoft.com/office/officeart/2005/8/layout/hProcess9"/>
-    <dgm:cxn modelId="{0D199F2D-57FE-4CE7-BB06-7B4D5825853E}" type="presOf" srcId="{215A01BC-4E99-4B6B-98DC-F87E74DB7FFF}" destId="{83B43B41-DDB7-4B71-A20C-CE1DB402AEF4}" srcOrd="0" destOrd="0" presId="urn:microsoft.com/office/officeart/2005/8/layout/hProcess9"/>
-    <dgm:cxn modelId="{2A774491-A76F-4DAE-A163-135EB71CAFE1}" srcId="{016D94E9-3223-4E88-9954-CD96CBC9357E}" destId="{73C715E0-F90C-45F9-9690-1E6567F8ED16}" srcOrd="0" destOrd="0" parTransId="{7F5826C0-0A57-4F01-A111-02F6DFFF78B0}" sibTransId="{61CB5EDD-2E67-4C37-9A26-B01B56FFD572}"/>
-    <dgm:cxn modelId="{66B92612-AFE0-4583-8D8C-E7D2845F87AD}" type="presOf" srcId="{016D94E9-3223-4E88-9954-CD96CBC9357E}" destId="{85F9DE18-D132-46B5-B2DB-2383FD3BE623}" srcOrd="0" destOrd="0" presId="urn:microsoft.com/office/officeart/2005/8/layout/hProcess9"/>
     <dgm:cxn modelId="{F346C2D7-A16B-4936-8C96-F58ECDB0B87E}" type="presOf" srcId="{73C715E0-F90C-45F9-9690-1E6567F8ED16}" destId="{D949D2A1-FF2A-4255-80B8-ACF208ED7330}" srcOrd="0" destOrd="0" presId="urn:microsoft.com/office/officeart/2005/8/layout/hProcess9"/>
     <dgm:cxn modelId="{4D5D5164-6168-4F62-A374-C26C0B4D62EF}" type="presParOf" srcId="{85F9DE18-D132-46B5-B2DB-2383FD3BE623}" destId="{BFE93DD5-FC32-401C-A75A-C583F465B88A}" srcOrd="0" destOrd="0" presId="urn:microsoft.com/office/officeart/2005/8/layout/hProcess9"/>
     <dgm:cxn modelId="{C54F374F-4417-40DE-B282-CB91EC060513}" type="presParOf" srcId="{85F9DE18-D132-46B5-B2DB-2383FD3BE623}" destId="{083F7534-1AA0-40C0-B191-E2B20BE4D872}" srcOrd="1" destOrd="0" presId="urn:microsoft.com/office/officeart/2005/8/layout/hProcess9"/>
@@ -6929,7 +6616,7 @@
         <a:lstStyle/>
         <a:p>
           <a:r>
-            <a:rPr lang="es-US" sz="2400" dirty="0" smtClean="0"/>
+            <a:rPr lang="es-US" sz="2400" dirty="0"/>
             <a:t>Sistema de Fidelización</a:t>
           </a:r>
           <a:endParaRPr lang="es-ES" sz="2400" dirty="0"/>
@@ -6966,7 +6653,7 @@
         <a:lstStyle/>
         <a:p>
           <a:r>
-            <a:rPr lang="es-US" sz="2400" dirty="0" smtClean="0"/>
+            <a:rPr lang="es-US" sz="2400" dirty="0"/>
             <a:t>ID Cliente</a:t>
           </a:r>
           <a:endParaRPr lang="es-ES" sz="2400" dirty="0"/>
@@ -7003,7 +6690,7 @@
         <a:lstStyle/>
         <a:p>
           <a:r>
-            <a:rPr lang="es-US" sz="2400" dirty="0" smtClean="0"/>
+            <a:rPr lang="es-US" sz="2400" dirty="0"/>
             <a:t>Ventas (TC)</a:t>
           </a:r>
           <a:endParaRPr lang="es-ES" sz="2400" dirty="0"/>
@@ -7040,16 +6727,16 @@
         <a:lstStyle/>
         <a:p>
           <a:r>
-            <a:rPr lang="es-US" sz="2400" dirty="0" smtClean="0"/>
+            <a:rPr lang="es-US" sz="2400" dirty="0"/>
             <a:t>Emails abiertos </a:t>
           </a:r>
         </a:p>
         <a:p>
           <a:r>
-            <a:rPr lang="es-US" sz="2400" dirty="0" err="1" smtClean="0"/>
+            <a:rPr lang="es-US" sz="2400" dirty="0" err="1"/>
             <a:t>Clicks</a:t>
           </a:r>
-          <a:endParaRPr lang="es-US" sz="2400" dirty="0" smtClean="0"/>
+          <a:endParaRPr lang="es-US" sz="2400" dirty="0"/>
         </a:p>
       </dgm:t>
     </dgm:pt>
@@ -7083,7 +6770,7 @@
         <a:lstStyle/>
         <a:p>
           <a:r>
-            <a:rPr lang="es-US" sz="2400" dirty="0" smtClean="0"/>
+            <a:rPr lang="es-US" sz="2400" dirty="0"/>
             <a:t>Lista de regalos (BS)</a:t>
           </a:r>
           <a:endParaRPr lang="es-ES" sz="2400" dirty="0"/>
@@ -7120,7 +6807,7 @@
         <a:lstStyle/>
         <a:p>
           <a:r>
-            <a:rPr lang="es-US" sz="2400" dirty="0" smtClean="0"/>
+            <a:rPr lang="es-US" sz="2400" dirty="0"/>
             <a:t>Cupones/Promociones</a:t>
           </a:r>
           <a:endParaRPr lang="es-ES" sz="2400" dirty="0"/>
@@ -7265,13 +6952,6 @@
         </dgm:presLayoutVars>
       </dgm:prSet>
       <dgm:spPr/>
-      <dgm:t>
-        <a:bodyPr/>
-        <a:lstStyle/>
-        <a:p>
-          <a:endParaRPr lang="es-ES"/>
-        </a:p>
-      </dgm:t>
     </dgm:pt>
     <dgm:pt modelId="{48FB729C-98A7-4E27-8AFE-B03BCE628512}" type="pres">
       <dgm:prSet presAssocID="{BE0D5A78-B9DA-4EB3-9E01-2E2282FC4B12}" presName="topArc2" presStyleLbl="parChTrans1D1" presStyleIdx="4" presStyleCnt="12"/>
@@ -7316,13 +6996,6 @@
         </dgm:presLayoutVars>
       </dgm:prSet>
       <dgm:spPr/>
-      <dgm:t>
-        <a:bodyPr/>
-        <a:lstStyle/>
-        <a:p>
-          <a:endParaRPr lang="es-ES"/>
-        </a:p>
-      </dgm:t>
     </dgm:pt>
     <dgm:pt modelId="{458A2C54-7F10-485B-B5DB-AED6126E11CE}" type="pres">
       <dgm:prSet presAssocID="{68F686EF-395E-44A8-8576-045EAF82171C}" presName="topArc2" presStyleLbl="parChTrans1D1" presStyleIdx="6" presStyleCnt="12"/>
@@ -7367,13 +7040,6 @@
         </dgm:presLayoutVars>
       </dgm:prSet>
       <dgm:spPr/>
-      <dgm:t>
-        <a:bodyPr/>
-        <a:lstStyle/>
-        <a:p>
-          <a:endParaRPr lang="es-ES"/>
-        </a:p>
-      </dgm:t>
     </dgm:pt>
     <dgm:pt modelId="{6C036908-3B76-41AC-9AF2-D44AE0C829CC}" type="pres">
       <dgm:prSet presAssocID="{0A0FC657-4223-4B9E-B6EA-AE73E67EC827}" presName="topArc2" presStyleLbl="parChTrans1D1" presStyleIdx="8" presStyleCnt="12"/>
@@ -7445,30 +7111,30 @@
     </dgm:pt>
   </dgm:ptLst>
   <dgm:cxnLst>
+    <dgm:cxn modelId="{78458802-558E-40BB-AA75-C2FCA1DDD1DC}" srcId="{E26FE3B1-22AB-466F-8147-8C7C23D72EA7}" destId="{BE0D5A78-B9DA-4EB3-9E01-2E2282FC4B12}" srcOrd="2" destOrd="0" parTransId="{E062B36B-CE6D-432C-9389-2CA382469801}" sibTransId="{626314EF-0969-4494-BDD2-7C39D4CDC9BC}"/>
+    <dgm:cxn modelId="{87DB860D-EB0E-4AB5-991E-AF5688860C8C}" type="presOf" srcId="{5A5A08A1-0394-47F6-AF4D-D307A7958B31}" destId="{39A49A57-5E28-4BA5-879B-ABAE2B042C4C}" srcOrd="1" destOrd="0" presId="urn:microsoft.com/office/officeart/2008/layout/HalfCircleOrganizationChart"/>
+    <dgm:cxn modelId="{4A2A5410-27F0-4EC4-A3D1-B6983BE59D60}" type="presOf" srcId="{5A5A08A1-0394-47F6-AF4D-D307A7958B31}" destId="{AE942952-42F8-475F-80A4-1A17803BF1E6}" srcOrd="0" destOrd="0" presId="urn:microsoft.com/office/officeart/2008/layout/HalfCircleOrganizationChart"/>
+    <dgm:cxn modelId="{B04AD016-336E-4008-BC58-8CAC4779A5A2}" type="presOf" srcId="{3F914563-963F-4F3D-ADFD-8B70B6248A28}" destId="{E5E5A679-066E-4392-A867-388E0BD54D1B}" srcOrd="0" destOrd="0" presId="urn:microsoft.com/office/officeart/2008/layout/HalfCircleOrganizationChart"/>
+    <dgm:cxn modelId="{B90CFA1F-0AC5-4162-B359-FB41DAD008FA}" srcId="{E26FE3B1-22AB-466F-8147-8C7C23D72EA7}" destId="{3F914563-963F-4F3D-ADFD-8B70B6248A28}" srcOrd="1" destOrd="0" parTransId="{0FD02EDE-8D49-44BF-9890-6C6B239CFBBA}" sibTransId="{71A1BD15-4853-4564-A6E5-6830A0FDE720}"/>
+    <dgm:cxn modelId="{CF2BE320-6854-495C-983A-BD3E86C7B944}" type="presOf" srcId="{E062B36B-CE6D-432C-9389-2CA382469801}" destId="{726E3113-C943-4CE4-9952-3656C7227DF4}" srcOrd="0" destOrd="0" presId="urn:microsoft.com/office/officeart/2008/layout/HalfCircleOrganizationChart"/>
+    <dgm:cxn modelId="{BCF73B3F-46EC-4F66-A879-47CFA4263560}" type="presOf" srcId="{BB088D3B-3282-499B-9F69-5B0568BE2C4C}" destId="{73877406-A094-48DD-B9E3-953DBBE4AE20}" srcOrd="0" destOrd="0" presId="urn:microsoft.com/office/officeart/2008/layout/HalfCircleOrganizationChart"/>
+    <dgm:cxn modelId="{90904F6A-82D9-46B0-BB3B-765A668789FA}" type="presOf" srcId="{9C0D718D-9037-487C-A260-C4D32275F208}" destId="{B7B2845F-5ABE-452F-B54F-C82EE84C1819}" srcOrd="0" destOrd="0" presId="urn:microsoft.com/office/officeart/2008/layout/HalfCircleOrganizationChart"/>
+    <dgm:cxn modelId="{E018EF54-79AB-4439-BF0C-EC9EB7204DE3}" type="presOf" srcId="{BE0D5A78-B9DA-4EB3-9E01-2E2282FC4B12}" destId="{928C3423-C2A1-4470-9440-630B0006BC07}" srcOrd="1" destOrd="0" presId="urn:microsoft.com/office/officeart/2008/layout/HalfCircleOrganizationChart"/>
     <dgm:cxn modelId="{4ED9E159-FCB7-4A20-AAA2-BB6BB02A528A}" srcId="{E26FE3B1-22AB-466F-8147-8C7C23D72EA7}" destId="{0A0FC657-4223-4B9E-B6EA-AE73E67EC827}" srcOrd="4" destOrd="0" parTransId="{9C0D718D-9037-487C-A260-C4D32275F208}" sibTransId="{AB95AA9C-0080-4659-AD7F-552B32D522CF}"/>
+    <dgm:cxn modelId="{6A24757A-27D5-4332-8161-7CE933051C8D}" type="presOf" srcId="{68F686EF-395E-44A8-8576-045EAF82171C}" destId="{A413231C-E2AD-4881-B4A6-1C981EB5FE6A}" srcOrd="1" destOrd="0" presId="urn:microsoft.com/office/officeart/2008/layout/HalfCircleOrganizationChart"/>
+    <dgm:cxn modelId="{222E3F82-7094-4E2D-B715-7B2FD23CF545}" type="presOf" srcId="{8E50A5AC-09A2-4DE4-9D41-7A308FF48709}" destId="{C9FE0835-7408-4A4E-AA27-5F7D3D68F6E9}" srcOrd="0" destOrd="0" presId="urn:microsoft.com/office/officeart/2008/layout/HalfCircleOrganizationChart"/>
+    <dgm:cxn modelId="{527C978B-0C4D-4DAB-822C-C3C70AF59D34}" srcId="{62F2C79E-F3A7-4156-AAA0-D8241BA1448F}" destId="{E26FE3B1-22AB-466F-8147-8C7C23D72EA7}" srcOrd="0" destOrd="0" parTransId="{9ED0AF6C-C95D-4FC4-8394-B2E68D19C0BB}" sibTransId="{9A0CBFE1-AC4D-455C-B23A-F289677A4131}"/>
+    <dgm:cxn modelId="{0014AA95-101B-45F7-8291-61C1571F857E}" type="presOf" srcId="{0FD02EDE-8D49-44BF-9890-6C6B239CFBBA}" destId="{5F30138F-2432-4AF3-8987-F877AC41FB6C}" srcOrd="0" destOrd="0" presId="urn:microsoft.com/office/officeart/2008/layout/HalfCircleOrganizationChart"/>
     <dgm:cxn modelId="{55941F99-0A41-4FDD-987B-B31A2D22193E}" srcId="{E26FE3B1-22AB-466F-8147-8C7C23D72EA7}" destId="{68F686EF-395E-44A8-8576-045EAF82171C}" srcOrd="3" destOrd="0" parTransId="{8E50A5AC-09A2-4DE4-9D41-7A308FF48709}" sibTransId="{0D9CEF42-20DC-4820-A253-3DCCEA141810}"/>
+    <dgm:cxn modelId="{EE4D649E-6EB2-4027-A71F-D5FDFC735183}" type="presOf" srcId="{3F914563-963F-4F3D-ADFD-8B70B6248A28}" destId="{63EA5F82-C08C-4D64-9DAE-84A901198F5B}" srcOrd="1" destOrd="0" presId="urn:microsoft.com/office/officeart/2008/layout/HalfCircleOrganizationChart"/>
+    <dgm:cxn modelId="{30B330A7-DAC5-4915-8511-B168C024F5D0}" type="presOf" srcId="{0A0FC657-4223-4B9E-B6EA-AE73E67EC827}" destId="{935A50C6-49C2-4888-90CA-A40100E16EF9}" srcOrd="0" destOrd="0" presId="urn:microsoft.com/office/officeart/2008/layout/HalfCircleOrganizationChart"/>
+    <dgm:cxn modelId="{8A954EB1-81A0-41E2-BF97-674501E35113}" type="presOf" srcId="{E26FE3B1-22AB-466F-8147-8C7C23D72EA7}" destId="{50E7F10E-568F-43EB-BB8A-82080F76C0CE}" srcOrd="1" destOrd="0" presId="urn:microsoft.com/office/officeart/2008/layout/HalfCircleOrganizationChart"/>
+    <dgm:cxn modelId="{B7B99CB8-44D7-49F3-8A4F-3DAB91B72CC6}" type="presOf" srcId="{0A0FC657-4223-4B9E-B6EA-AE73E67EC827}" destId="{C0AADC24-F0A9-4042-AB0C-A7B9C4F4B873}" srcOrd="1" destOrd="0" presId="urn:microsoft.com/office/officeart/2008/layout/HalfCircleOrganizationChart"/>
+    <dgm:cxn modelId="{8ADF94CF-14B4-4DC7-8C7C-3EB39EF64A76}" srcId="{E26FE3B1-22AB-466F-8147-8C7C23D72EA7}" destId="{5A5A08A1-0394-47F6-AF4D-D307A7958B31}" srcOrd="0" destOrd="0" parTransId="{BB088D3B-3282-499B-9F69-5B0568BE2C4C}" sibTransId="{3034E1A5-9E87-432B-A7E7-AF1691926F9F}"/>
+    <dgm:cxn modelId="{DFE22AD3-5A43-4CDB-994D-8BD901F2C224}" type="presOf" srcId="{62F2C79E-F3A7-4156-AAA0-D8241BA1448F}" destId="{5A800ADE-09AB-4F29-A621-0148FC8D3C33}" srcOrd="0" destOrd="0" presId="urn:microsoft.com/office/officeart/2008/layout/HalfCircleOrganizationChart"/>
+    <dgm:cxn modelId="{C2E29AE2-315B-464E-89EE-29C7F8FCD61F}" type="presOf" srcId="{E26FE3B1-22AB-466F-8147-8C7C23D72EA7}" destId="{84A5DA26-D634-4627-B07C-2266E26A394B}" srcOrd="0" destOrd="0" presId="urn:microsoft.com/office/officeart/2008/layout/HalfCircleOrganizationChart"/>
     <dgm:cxn modelId="{A522BEED-C603-451A-A5A3-3893A5E4C326}" type="presOf" srcId="{68F686EF-395E-44A8-8576-045EAF82171C}" destId="{649EF58B-1B59-45BC-BCF6-C0D25F733243}" srcOrd="0" destOrd="0" presId="urn:microsoft.com/office/officeart/2008/layout/HalfCircleOrganizationChart"/>
-    <dgm:cxn modelId="{222E3F82-7094-4E2D-B715-7B2FD23CF545}" type="presOf" srcId="{8E50A5AC-09A2-4DE4-9D41-7A308FF48709}" destId="{C9FE0835-7408-4A4E-AA27-5F7D3D68F6E9}" srcOrd="0" destOrd="0" presId="urn:microsoft.com/office/officeart/2008/layout/HalfCircleOrganizationChart"/>
-    <dgm:cxn modelId="{B7B99CB8-44D7-49F3-8A4F-3DAB91B72CC6}" type="presOf" srcId="{0A0FC657-4223-4B9E-B6EA-AE73E67EC827}" destId="{C0AADC24-F0A9-4042-AB0C-A7B9C4F4B873}" srcOrd="1" destOrd="0" presId="urn:microsoft.com/office/officeart/2008/layout/HalfCircleOrganizationChart"/>
-    <dgm:cxn modelId="{CF2BE320-6854-495C-983A-BD3E86C7B944}" type="presOf" srcId="{E062B36B-CE6D-432C-9389-2CA382469801}" destId="{726E3113-C943-4CE4-9952-3656C7227DF4}" srcOrd="0" destOrd="0" presId="urn:microsoft.com/office/officeart/2008/layout/HalfCircleOrganizationChart"/>
-    <dgm:cxn modelId="{DFE22AD3-5A43-4CDB-994D-8BD901F2C224}" type="presOf" srcId="{62F2C79E-F3A7-4156-AAA0-D8241BA1448F}" destId="{5A800ADE-09AB-4F29-A621-0148FC8D3C33}" srcOrd="0" destOrd="0" presId="urn:microsoft.com/office/officeart/2008/layout/HalfCircleOrganizationChart"/>
-    <dgm:cxn modelId="{78458802-558E-40BB-AA75-C2FCA1DDD1DC}" srcId="{E26FE3B1-22AB-466F-8147-8C7C23D72EA7}" destId="{BE0D5A78-B9DA-4EB3-9E01-2E2282FC4B12}" srcOrd="2" destOrd="0" parTransId="{E062B36B-CE6D-432C-9389-2CA382469801}" sibTransId="{626314EF-0969-4494-BDD2-7C39D4CDC9BC}"/>
-    <dgm:cxn modelId="{6A24757A-27D5-4332-8161-7CE933051C8D}" type="presOf" srcId="{68F686EF-395E-44A8-8576-045EAF82171C}" destId="{A413231C-E2AD-4881-B4A6-1C981EB5FE6A}" srcOrd="1" destOrd="0" presId="urn:microsoft.com/office/officeart/2008/layout/HalfCircleOrganizationChart"/>
-    <dgm:cxn modelId="{4A2A5410-27F0-4EC4-A3D1-B6983BE59D60}" type="presOf" srcId="{5A5A08A1-0394-47F6-AF4D-D307A7958B31}" destId="{AE942952-42F8-475F-80A4-1A17803BF1E6}" srcOrd="0" destOrd="0" presId="urn:microsoft.com/office/officeart/2008/layout/HalfCircleOrganizationChart"/>
-    <dgm:cxn modelId="{8A954EB1-81A0-41E2-BF97-674501E35113}" type="presOf" srcId="{E26FE3B1-22AB-466F-8147-8C7C23D72EA7}" destId="{50E7F10E-568F-43EB-BB8A-82080F76C0CE}" srcOrd="1" destOrd="0" presId="urn:microsoft.com/office/officeart/2008/layout/HalfCircleOrganizationChart"/>
-    <dgm:cxn modelId="{E018EF54-79AB-4439-BF0C-EC9EB7204DE3}" type="presOf" srcId="{BE0D5A78-B9DA-4EB3-9E01-2E2282FC4B12}" destId="{928C3423-C2A1-4470-9440-630B0006BC07}" srcOrd="1" destOrd="0" presId="urn:microsoft.com/office/officeart/2008/layout/HalfCircleOrganizationChart"/>
-    <dgm:cxn modelId="{EE4D649E-6EB2-4027-A71F-D5FDFC735183}" type="presOf" srcId="{3F914563-963F-4F3D-ADFD-8B70B6248A28}" destId="{63EA5F82-C08C-4D64-9DAE-84A901198F5B}" srcOrd="1" destOrd="0" presId="urn:microsoft.com/office/officeart/2008/layout/HalfCircleOrganizationChart"/>
-    <dgm:cxn modelId="{87DB860D-EB0E-4AB5-991E-AF5688860C8C}" type="presOf" srcId="{5A5A08A1-0394-47F6-AF4D-D307A7958B31}" destId="{39A49A57-5E28-4BA5-879B-ABAE2B042C4C}" srcOrd="1" destOrd="0" presId="urn:microsoft.com/office/officeart/2008/layout/HalfCircleOrganizationChart"/>
     <dgm:cxn modelId="{2F675EFB-37F6-4007-867B-2FE92F3F787C}" type="presOf" srcId="{BE0D5A78-B9DA-4EB3-9E01-2E2282FC4B12}" destId="{330D781F-F18E-4A70-A0D6-E9AA27A72D05}" srcOrd="0" destOrd="0" presId="urn:microsoft.com/office/officeart/2008/layout/HalfCircleOrganizationChart"/>
-    <dgm:cxn modelId="{8ADF94CF-14B4-4DC7-8C7C-3EB39EF64A76}" srcId="{E26FE3B1-22AB-466F-8147-8C7C23D72EA7}" destId="{5A5A08A1-0394-47F6-AF4D-D307A7958B31}" srcOrd="0" destOrd="0" parTransId="{BB088D3B-3282-499B-9F69-5B0568BE2C4C}" sibTransId="{3034E1A5-9E87-432B-A7E7-AF1691926F9F}"/>
-    <dgm:cxn modelId="{0014AA95-101B-45F7-8291-61C1571F857E}" type="presOf" srcId="{0FD02EDE-8D49-44BF-9890-6C6B239CFBBA}" destId="{5F30138F-2432-4AF3-8987-F877AC41FB6C}" srcOrd="0" destOrd="0" presId="urn:microsoft.com/office/officeart/2008/layout/HalfCircleOrganizationChart"/>
-    <dgm:cxn modelId="{B90CFA1F-0AC5-4162-B359-FB41DAD008FA}" srcId="{E26FE3B1-22AB-466F-8147-8C7C23D72EA7}" destId="{3F914563-963F-4F3D-ADFD-8B70B6248A28}" srcOrd="1" destOrd="0" parTransId="{0FD02EDE-8D49-44BF-9890-6C6B239CFBBA}" sibTransId="{71A1BD15-4853-4564-A6E5-6830A0FDE720}"/>
-    <dgm:cxn modelId="{BCF73B3F-46EC-4F66-A879-47CFA4263560}" type="presOf" srcId="{BB088D3B-3282-499B-9F69-5B0568BE2C4C}" destId="{73877406-A094-48DD-B9E3-953DBBE4AE20}" srcOrd="0" destOrd="0" presId="urn:microsoft.com/office/officeart/2008/layout/HalfCircleOrganizationChart"/>
-    <dgm:cxn modelId="{527C978B-0C4D-4DAB-822C-C3C70AF59D34}" srcId="{62F2C79E-F3A7-4156-AAA0-D8241BA1448F}" destId="{E26FE3B1-22AB-466F-8147-8C7C23D72EA7}" srcOrd="0" destOrd="0" parTransId="{9ED0AF6C-C95D-4FC4-8394-B2E68D19C0BB}" sibTransId="{9A0CBFE1-AC4D-455C-B23A-F289677A4131}"/>
-    <dgm:cxn modelId="{C2E29AE2-315B-464E-89EE-29C7F8FCD61F}" type="presOf" srcId="{E26FE3B1-22AB-466F-8147-8C7C23D72EA7}" destId="{84A5DA26-D634-4627-B07C-2266E26A394B}" srcOrd="0" destOrd="0" presId="urn:microsoft.com/office/officeart/2008/layout/HalfCircleOrganizationChart"/>
-    <dgm:cxn modelId="{B04AD016-336E-4008-BC58-8CAC4779A5A2}" type="presOf" srcId="{3F914563-963F-4F3D-ADFD-8B70B6248A28}" destId="{E5E5A679-066E-4392-A867-388E0BD54D1B}" srcOrd="0" destOrd="0" presId="urn:microsoft.com/office/officeart/2008/layout/HalfCircleOrganizationChart"/>
-    <dgm:cxn modelId="{90904F6A-82D9-46B0-BB3B-765A668789FA}" type="presOf" srcId="{9C0D718D-9037-487C-A260-C4D32275F208}" destId="{B7B2845F-5ABE-452F-B54F-C82EE84C1819}" srcOrd="0" destOrd="0" presId="urn:microsoft.com/office/officeart/2008/layout/HalfCircleOrganizationChart"/>
-    <dgm:cxn modelId="{30B330A7-DAC5-4915-8511-B168C024F5D0}" type="presOf" srcId="{0A0FC657-4223-4B9E-B6EA-AE73E67EC827}" destId="{935A50C6-49C2-4888-90CA-A40100E16EF9}" srcOrd="0" destOrd="0" presId="urn:microsoft.com/office/officeart/2008/layout/HalfCircleOrganizationChart"/>
     <dgm:cxn modelId="{9650E807-905B-4301-911E-FF5E448CF870}" type="presParOf" srcId="{5A800ADE-09AB-4F29-A621-0148FC8D3C33}" destId="{2A6B7482-AADE-4F27-B7E4-02B6E39DCD12}" srcOrd="0" destOrd="0" presId="urn:microsoft.com/office/officeart/2008/layout/HalfCircleOrganizationChart"/>
     <dgm:cxn modelId="{7BC58002-CBA9-4624-BE0A-3D84D82F8571}" type="presParOf" srcId="{2A6B7482-AADE-4F27-B7E4-02B6E39DCD12}" destId="{860A61C0-633B-4D8F-84C6-580D9C83C5D7}" srcOrd="0" destOrd="0" presId="urn:microsoft.com/office/officeart/2008/layout/HalfCircleOrganizationChart"/>
     <dgm:cxn modelId="{898A7012-7E2C-4FC7-A260-BA3B7B5ED110}" type="presParOf" srcId="{860A61C0-633B-4D8F-84C6-580D9C83C5D7}" destId="{84A5DA26-D634-4627-B07C-2266E26A394B}" srcOrd="0" destOrd="0" presId="urn:microsoft.com/office/officeart/2008/layout/HalfCircleOrganizationChart"/>
@@ -7564,7 +7230,7 @@
         <a:lstStyle/>
         <a:p>
           <a:r>
-            <a:rPr lang="es-US" dirty="0" smtClean="0"/>
+            <a:rPr lang="es-US" dirty="0"/>
             <a:t>Simples</a:t>
           </a:r>
           <a:endParaRPr lang="es-ES" dirty="0"/>
@@ -7610,7 +7276,7 @@
         <a:lstStyle/>
         <a:p>
           <a:r>
-            <a:rPr lang="en-US" dirty="0" smtClean="0"/>
+            <a:rPr lang="en-US" dirty="0"/>
             <a:t>Look for shoppers who habitually purchase swimsuits in April and send them coupons for sunscreen in July and diet books in December</a:t>
           </a:r>
           <a:endParaRPr lang="es-ES" dirty="0"/>
@@ -7656,7 +7322,7 @@
         <a:lstStyle/>
         <a:p>
           <a:r>
-            <a:rPr lang="es-US" dirty="0" smtClean="0"/>
+            <a:rPr lang="es-US" dirty="0"/>
             <a:t>Complejas</a:t>
           </a:r>
           <a:endParaRPr lang="es-ES" dirty="0"/>
@@ -7702,7 +7368,7 @@
         <a:lstStyle/>
         <a:p>
           <a:r>
-            <a:rPr lang="es-US" dirty="0" smtClean="0"/>
+            <a:rPr lang="es-US" dirty="0"/>
             <a:t>Acciones de marketing para embarazadas</a:t>
           </a:r>
           <a:endParaRPr lang="es-ES" dirty="0"/>
@@ -7821,14 +7487,14 @@
     </dgm:pt>
   </dgm:ptLst>
   <dgm:cxnLst>
+    <dgm:cxn modelId="{EB13D304-972F-4956-9472-6DF5E1D41F3F}" type="presOf" srcId="{CF34B828-0AEC-462E-BCA2-5AD6774397B7}" destId="{10FD665F-EDFF-435E-BDA3-C70396C9C209}" srcOrd="0" destOrd="0" presId="urn:microsoft.com/office/officeart/2005/8/layout/hierarchy4"/>
+    <dgm:cxn modelId="{78E8CC08-E82E-4110-AA6F-B2A2A6035192}" srcId="{CF34B828-0AEC-462E-BCA2-5AD6774397B7}" destId="{07A8F76F-FB79-4360-B46B-48289171A464}" srcOrd="0" destOrd="0" parTransId="{FACE03A4-6A78-42C5-BF63-5B02B9086FD5}" sibTransId="{F72E3774-E277-4C97-9CF2-509D91F5EF2D}"/>
+    <dgm:cxn modelId="{E84B7B43-2A71-4D19-BEAF-A09C5792C98B}" srcId="{69A05E99-CB3D-409A-AD87-FC750F72A2A1}" destId="{CF34B828-0AEC-462E-BCA2-5AD6774397B7}" srcOrd="1" destOrd="0" parTransId="{409C2044-4B34-4255-A0D9-1E68D3C7287B}" sibTransId="{C90D735A-BB03-4620-94BD-BFC0D6D103A9}"/>
+    <dgm:cxn modelId="{3C22C34D-9687-4434-8B4C-541E56990E3A}" srcId="{CCE4DD16-DC73-4CE7-8EC4-985336276270}" destId="{5C05011A-7692-4222-926E-80C3316B33B8}" srcOrd="0" destOrd="0" parTransId="{E76FA9A4-F621-44B7-BF07-F9F3C29F1F46}" sibTransId="{07F05BE3-F5F3-480D-A0B3-F1C7A1B578C3}"/>
+    <dgm:cxn modelId="{9D8D94A4-6319-4261-B06D-529FD7370361}" type="presOf" srcId="{CCE4DD16-DC73-4CE7-8EC4-985336276270}" destId="{13F0D974-EA4C-4965-9166-7A1F19E1D260}" srcOrd="0" destOrd="0" presId="urn:microsoft.com/office/officeart/2005/8/layout/hierarchy4"/>
+    <dgm:cxn modelId="{2FBEC2A7-E5DA-460D-ADB2-FD77930EF357}" type="presOf" srcId="{5C05011A-7692-4222-926E-80C3316B33B8}" destId="{5F1E60B3-A2B2-4D46-AFB7-EBB809080042}" srcOrd="0" destOrd="0" presId="urn:microsoft.com/office/officeart/2005/8/layout/hierarchy4"/>
+    <dgm:cxn modelId="{08C80BAC-34E4-454B-83D5-5A35331FC1FB}" type="presOf" srcId="{07A8F76F-FB79-4360-B46B-48289171A464}" destId="{87845128-867C-4094-93D1-880E61B80C33}" srcOrd="0" destOrd="0" presId="urn:microsoft.com/office/officeart/2005/8/layout/hierarchy4"/>
     <dgm:cxn modelId="{197C08D4-ED56-456F-9BC5-253F7104B342}" type="presOf" srcId="{69A05E99-CB3D-409A-AD87-FC750F72A2A1}" destId="{847A065D-B2C2-4137-8519-243B30297887}" srcOrd="0" destOrd="0" presId="urn:microsoft.com/office/officeart/2005/8/layout/hierarchy4"/>
-    <dgm:cxn modelId="{EB13D304-972F-4956-9472-6DF5E1D41F3F}" type="presOf" srcId="{CF34B828-0AEC-462E-BCA2-5AD6774397B7}" destId="{10FD665F-EDFF-435E-BDA3-C70396C9C209}" srcOrd="0" destOrd="0" presId="urn:microsoft.com/office/officeart/2005/8/layout/hierarchy4"/>
-    <dgm:cxn modelId="{9D8D94A4-6319-4261-B06D-529FD7370361}" type="presOf" srcId="{CCE4DD16-DC73-4CE7-8EC4-985336276270}" destId="{13F0D974-EA4C-4965-9166-7A1F19E1D260}" srcOrd="0" destOrd="0" presId="urn:microsoft.com/office/officeart/2005/8/layout/hierarchy4"/>
-    <dgm:cxn modelId="{78E8CC08-E82E-4110-AA6F-B2A2A6035192}" srcId="{CF34B828-0AEC-462E-BCA2-5AD6774397B7}" destId="{07A8F76F-FB79-4360-B46B-48289171A464}" srcOrd="0" destOrd="0" parTransId="{FACE03A4-6A78-42C5-BF63-5B02B9086FD5}" sibTransId="{F72E3774-E277-4C97-9CF2-509D91F5EF2D}"/>
-    <dgm:cxn modelId="{08C80BAC-34E4-454B-83D5-5A35331FC1FB}" type="presOf" srcId="{07A8F76F-FB79-4360-B46B-48289171A464}" destId="{87845128-867C-4094-93D1-880E61B80C33}" srcOrd="0" destOrd="0" presId="urn:microsoft.com/office/officeart/2005/8/layout/hierarchy4"/>
-    <dgm:cxn modelId="{2FBEC2A7-E5DA-460D-ADB2-FD77930EF357}" type="presOf" srcId="{5C05011A-7692-4222-926E-80C3316B33B8}" destId="{5F1E60B3-A2B2-4D46-AFB7-EBB809080042}" srcOrd="0" destOrd="0" presId="urn:microsoft.com/office/officeart/2005/8/layout/hierarchy4"/>
-    <dgm:cxn modelId="{3C22C34D-9687-4434-8B4C-541E56990E3A}" srcId="{CCE4DD16-DC73-4CE7-8EC4-985336276270}" destId="{5C05011A-7692-4222-926E-80C3316B33B8}" srcOrd="0" destOrd="0" parTransId="{E76FA9A4-F621-44B7-BF07-F9F3C29F1F46}" sibTransId="{07F05BE3-F5F3-480D-A0B3-F1C7A1B578C3}"/>
-    <dgm:cxn modelId="{E84B7B43-2A71-4D19-BEAF-A09C5792C98B}" srcId="{69A05E99-CB3D-409A-AD87-FC750F72A2A1}" destId="{CF34B828-0AEC-462E-BCA2-5AD6774397B7}" srcOrd="1" destOrd="0" parTransId="{409C2044-4B34-4255-A0D9-1E68D3C7287B}" sibTransId="{C90D735A-BB03-4620-94BD-BFC0D6D103A9}"/>
     <dgm:cxn modelId="{E41E48D7-455F-4A6F-A61D-5322F07B57E5}" srcId="{69A05E99-CB3D-409A-AD87-FC750F72A2A1}" destId="{CCE4DD16-DC73-4CE7-8EC4-985336276270}" srcOrd="0" destOrd="0" parTransId="{485F0BE8-A350-4DEB-B017-906A3F93BEC1}" sibTransId="{CCA46F2B-8553-407F-9137-B24D9A3E82C5}"/>
     <dgm:cxn modelId="{F0122ED9-4D12-43B6-AC10-ADE1E2797013}" type="presParOf" srcId="{847A065D-B2C2-4137-8519-243B30297887}" destId="{2B083A89-2866-4D1F-898B-9944033F6AA0}" srcOrd="0" destOrd="0" presId="urn:microsoft.com/office/officeart/2005/8/layout/hierarchy4"/>
     <dgm:cxn modelId="{C85AC52E-2EB1-41BE-81B5-8118FE0B4610}" type="presParOf" srcId="{2B083A89-2866-4D1F-898B-9944033F6AA0}" destId="{13F0D974-EA4C-4965-9166-7A1F19E1D260}" srcOrd="0" destOrd="0" presId="urn:microsoft.com/office/officeart/2005/8/layout/hierarchy4"/>
@@ -7959,7 +7625,7 @@
         </a:bodyPr>
         <a:lstStyle/>
         <a:p>
-          <a:pPr lvl="0" algn="ctr" defTabSz="1244600">
+          <a:pPr marL="0" lvl="0" indent="0" algn="ctr" defTabSz="1244600">
             <a:lnSpc>
               <a:spcPct val="90000"/>
             </a:lnSpc>
@@ -7969,6 +7635,7 @@
             <a:spcAft>
               <a:spcPct val="35000"/>
             </a:spcAft>
+            <a:buNone/>
           </a:pPr>
           <a:r>
             <a:rPr lang="es-AR" sz="2800" b="0" i="0" kern="1200" baseline="0" dirty="0"/>
@@ -8037,7 +7704,7 @@
         </a:bodyPr>
         <a:lstStyle/>
         <a:p>
-          <a:pPr lvl="0" algn="ctr" defTabSz="1244600">
+          <a:pPr marL="0" lvl="0" indent="0" algn="ctr" defTabSz="1244600">
             <a:lnSpc>
               <a:spcPct val="90000"/>
             </a:lnSpc>
@@ -8047,6 +7714,7 @@
             <a:spcAft>
               <a:spcPct val="35000"/>
             </a:spcAft>
+            <a:buNone/>
           </a:pPr>
           <a:r>
             <a:rPr lang="es-AR" sz="2800" b="0" i="0" kern="1200" baseline="0" dirty="0"/>
@@ -8115,7 +7783,7 @@
         </a:bodyPr>
         <a:lstStyle/>
         <a:p>
-          <a:pPr lvl="0" algn="ctr" defTabSz="1244600">
+          <a:pPr marL="0" lvl="0" indent="0" algn="ctr" defTabSz="1244600">
             <a:lnSpc>
               <a:spcPct val="90000"/>
             </a:lnSpc>
@@ -8125,6 +7793,7 @@
             <a:spcAft>
               <a:spcPct val="35000"/>
             </a:spcAft>
+            <a:buNone/>
           </a:pPr>
           <a:r>
             <a:rPr lang="es-AR" sz="2800" kern="1200" dirty="0"/>
@@ -8192,7 +7861,7 @@
         </a:bodyPr>
         <a:lstStyle/>
         <a:p>
-          <a:pPr lvl="0" algn="ctr" defTabSz="1244600">
+          <a:pPr marL="0" lvl="0" indent="0" algn="ctr" defTabSz="1244600">
             <a:lnSpc>
               <a:spcPct val="90000"/>
             </a:lnSpc>
@@ -8202,6 +7871,7 @@
             <a:spcAft>
               <a:spcPct val="35000"/>
             </a:spcAft>
+            <a:buNone/>
           </a:pPr>
           <a:r>
             <a:rPr lang="es-AR" sz="2800" b="0" kern="1200" baseline="0" dirty="0"/>
@@ -8285,7 +7955,7 @@
         </a:bodyPr>
         <a:lstStyle/>
         <a:p>
-          <a:pPr lvl="0" algn="ctr" defTabSz="622300">
+          <a:pPr marL="0" lvl="0" indent="0" algn="ctr" defTabSz="622300">
             <a:lnSpc>
               <a:spcPct val="90000"/>
             </a:lnSpc>
@@ -8295,6 +7965,7 @@
             <a:spcAft>
               <a:spcPct val="35000"/>
             </a:spcAft>
+            <a:buNone/>
           </a:pPr>
           <a:r>
             <a:rPr lang="es-AR" sz="1400" b="0" i="0" kern="1200" baseline="0" dirty="0"/>
@@ -8366,7 +8037,7 @@
         </a:bodyPr>
         <a:lstStyle/>
         <a:p>
-          <a:pPr lvl="0" algn="ctr" defTabSz="622300">
+          <a:pPr marL="0" lvl="0" indent="0" algn="ctr" defTabSz="622300">
             <a:lnSpc>
               <a:spcPct val="90000"/>
             </a:lnSpc>
@@ -8376,6 +8047,7 @@
             <a:spcAft>
               <a:spcPct val="35000"/>
             </a:spcAft>
+            <a:buNone/>
           </a:pPr>
           <a:r>
             <a:rPr lang="es-AR" sz="1400" kern="1200" dirty="0"/>
@@ -8446,7 +8118,7 @@
         </a:bodyPr>
         <a:lstStyle/>
         <a:p>
-          <a:pPr lvl="0" algn="ctr" defTabSz="622300">
+          <a:pPr marL="0" lvl="0" indent="0" algn="ctr" defTabSz="622300">
             <a:lnSpc>
               <a:spcPct val="90000"/>
             </a:lnSpc>
@@ -8456,6 +8128,7 @@
             <a:spcAft>
               <a:spcPct val="35000"/>
             </a:spcAft>
+            <a:buNone/>
           </a:pPr>
           <a:r>
             <a:rPr lang="es-AR" sz="1400" kern="1200" dirty="0"/>
@@ -8526,7 +8199,7 @@
         </a:bodyPr>
         <a:lstStyle/>
         <a:p>
-          <a:pPr lvl="0" algn="ctr" defTabSz="622300">
+          <a:pPr marL="0" lvl="0" indent="0" algn="ctr" defTabSz="622300">
             <a:lnSpc>
               <a:spcPct val="90000"/>
             </a:lnSpc>
@@ -8536,6 +8209,7 @@
             <a:spcAft>
               <a:spcPct val="35000"/>
             </a:spcAft>
+            <a:buNone/>
           </a:pPr>
           <a:r>
             <a:rPr lang="es-AR" sz="1400" b="0" kern="1200" baseline="0" dirty="0"/>
@@ -8607,7 +8281,7 @@
         </a:bodyPr>
         <a:lstStyle/>
         <a:p>
-          <a:pPr lvl="0" algn="ctr" defTabSz="622300">
+          <a:pPr marL="0" lvl="0" indent="0" algn="ctr" defTabSz="622300">
             <a:lnSpc>
               <a:spcPct val="90000"/>
             </a:lnSpc>
@@ -8617,6 +8291,7 @@
             <a:spcAft>
               <a:spcPct val="35000"/>
             </a:spcAft>
+            <a:buNone/>
           </a:pPr>
           <a:r>
             <a:rPr lang="es-AR" sz="1400" kern="1200" dirty="0"/>
@@ -8976,7 +8651,7 @@
         </a:bodyPr>
         <a:lstStyle/>
         <a:p>
-          <a:pPr lvl="0" algn="ctr" defTabSz="1555750">
+          <a:pPr marL="0" lvl="0" indent="0" algn="ctr" defTabSz="1555750">
             <a:lnSpc>
               <a:spcPct val="90000"/>
             </a:lnSpc>
@@ -8986,9 +8661,10 @@
             <a:spcAft>
               <a:spcPct val="35000"/>
             </a:spcAft>
+            <a:buNone/>
           </a:pPr>
           <a:r>
-            <a:rPr lang="es-AR" sz="3500" b="0" i="0" kern="1200" baseline="0" smtClean="0"/>
+            <a:rPr lang="es-AR" sz="3500" b="0" i="0" kern="1200" baseline="0"/>
             <a:t>Saber antes del Embarazo</a:t>
           </a:r>
           <a:endParaRPr lang="es-AR" sz="3500" kern="1200" dirty="0"/>
@@ -9054,7 +8730,7 @@
         </a:bodyPr>
         <a:lstStyle/>
         <a:p>
-          <a:pPr lvl="0" algn="ctr" defTabSz="1555750">
+          <a:pPr marL="0" lvl="0" indent="0" algn="ctr" defTabSz="1555750">
             <a:lnSpc>
               <a:spcPct val="90000"/>
             </a:lnSpc>
@@ -9064,9 +8740,10 @@
             <a:spcAft>
               <a:spcPct val="35000"/>
             </a:spcAft>
+            <a:buNone/>
           </a:pPr>
           <a:r>
-            <a:rPr lang="es-AR" sz="3500" kern="1200" smtClean="0"/>
+            <a:rPr lang="es-AR" sz="3500" kern="1200"/>
             <a:t>Cambiar Hábitos</a:t>
           </a:r>
           <a:endParaRPr lang="es-AR" sz="3500" kern="1200" dirty="0"/>
@@ -9132,7 +8809,7 @@
         </a:bodyPr>
         <a:lstStyle/>
         <a:p>
-          <a:pPr lvl="0" algn="ctr" defTabSz="1555750">
+          <a:pPr marL="0" lvl="0" indent="0" algn="ctr" defTabSz="1555750">
             <a:lnSpc>
               <a:spcPct val="90000"/>
             </a:lnSpc>
@@ -9142,9 +8819,10 @@
             <a:spcAft>
               <a:spcPct val="35000"/>
             </a:spcAft>
+            <a:buNone/>
           </a:pPr>
           <a:r>
-            <a:rPr lang="es-AR" sz="3500" b="0" i="0" kern="1200" baseline="0" smtClean="0"/>
+            <a:rPr lang="es-AR" sz="3500" b="0" i="0" kern="1200" baseline="0"/>
             <a:t>Vender Más</a:t>
           </a:r>
           <a:endParaRPr lang="es-AR" sz="3500" kern="1200" dirty="0"/>
@@ -9641,7 +9319,7 @@
         </a:bodyPr>
         <a:lstStyle/>
         <a:p>
-          <a:pPr lvl="0" algn="ctr" defTabSz="1066800">
+          <a:pPr marL="0" lvl="0" indent="0" algn="ctr" defTabSz="1066800">
             <a:lnSpc>
               <a:spcPct val="90000"/>
             </a:lnSpc>
@@ -9651,9 +9329,10 @@
             <a:spcAft>
               <a:spcPct val="35000"/>
             </a:spcAft>
+            <a:buNone/>
           </a:pPr>
           <a:r>
-            <a:rPr lang="es-US" sz="2400" kern="1200" dirty="0" smtClean="0"/>
+            <a:rPr lang="es-US" sz="2400" kern="1200" dirty="0"/>
             <a:t>Sistema de Fidelización</a:t>
           </a:r>
           <a:endParaRPr lang="es-ES" sz="2400" kern="1200" dirty="0"/>
@@ -9811,7 +9490,7 @@
         </a:bodyPr>
         <a:lstStyle/>
         <a:p>
-          <a:pPr lvl="0" algn="ctr" defTabSz="1066800">
+          <a:pPr marL="0" lvl="0" indent="0" algn="ctr" defTabSz="1066800">
             <a:lnSpc>
               <a:spcPct val="90000"/>
             </a:lnSpc>
@@ -9821,9 +9500,10 @@
             <a:spcAft>
               <a:spcPct val="35000"/>
             </a:spcAft>
+            <a:buNone/>
           </a:pPr>
           <a:r>
-            <a:rPr lang="es-US" sz="2400" kern="1200" dirty="0" smtClean="0"/>
+            <a:rPr lang="es-US" sz="2400" kern="1200" dirty="0"/>
             <a:t>Ventas (TC)</a:t>
           </a:r>
           <a:endParaRPr lang="es-ES" sz="2400" kern="1200" dirty="0"/>
@@ -9981,7 +9661,7 @@
         </a:bodyPr>
         <a:lstStyle/>
         <a:p>
-          <a:pPr lvl="0" algn="ctr" defTabSz="1066800">
+          <a:pPr marL="0" lvl="0" indent="0" algn="ctr" defTabSz="1066800">
             <a:lnSpc>
               <a:spcPct val="90000"/>
             </a:lnSpc>
@@ -9991,9 +9671,10 @@
             <a:spcAft>
               <a:spcPct val="35000"/>
             </a:spcAft>
+            <a:buNone/>
           </a:pPr>
           <a:r>
-            <a:rPr lang="es-US" sz="2400" kern="1200" dirty="0" smtClean="0"/>
+            <a:rPr lang="es-US" sz="2400" kern="1200" dirty="0"/>
             <a:t>Cupones/Promociones</a:t>
           </a:r>
           <a:endParaRPr lang="es-ES" sz="2400" kern="1200" dirty="0"/>
@@ -10151,7 +9832,7 @@
         </a:bodyPr>
         <a:lstStyle/>
         <a:p>
-          <a:pPr lvl="0" algn="ctr" defTabSz="1066800">
+          <a:pPr marL="0" lvl="0" indent="0" algn="ctr" defTabSz="1066800">
             <a:lnSpc>
               <a:spcPct val="90000"/>
             </a:lnSpc>
@@ -10161,14 +9842,15 @@
             <a:spcAft>
               <a:spcPct val="35000"/>
             </a:spcAft>
+            <a:buNone/>
           </a:pPr>
           <a:r>
-            <a:rPr lang="es-US" sz="2400" kern="1200" dirty="0" smtClean="0"/>
+            <a:rPr lang="es-US" sz="2400" kern="1200" dirty="0"/>
             <a:t>Emails abiertos </a:t>
           </a:r>
         </a:p>
         <a:p>
-          <a:pPr lvl="0" algn="ctr" defTabSz="1066800">
+          <a:pPr marL="0" lvl="0" indent="0" algn="ctr" defTabSz="1066800">
             <a:lnSpc>
               <a:spcPct val="90000"/>
             </a:lnSpc>
@@ -10178,12 +9860,13 @@
             <a:spcAft>
               <a:spcPct val="35000"/>
             </a:spcAft>
+            <a:buNone/>
           </a:pPr>
           <a:r>
-            <a:rPr lang="es-US" sz="2400" kern="1200" dirty="0" err="1" smtClean="0"/>
+            <a:rPr lang="es-US" sz="2400" kern="1200" dirty="0" err="1"/>
             <a:t>Clicks</a:t>
           </a:r>
-          <a:endParaRPr lang="es-US" sz="2400" kern="1200" dirty="0" smtClean="0"/>
+          <a:endParaRPr lang="es-US" sz="2400" kern="1200" dirty="0"/>
         </a:p>
       </dsp:txBody>
       <dsp:txXfrm>
@@ -10338,7 +10021,7 @@
         </a:bodyPr>
         <a:lstStyle/>
         <a:p>
-          <a:pPr lvl="0" algn="ctr" defTabSz="1066800">
+          <a:pPr marL="0" lvl="0" indent="0" algn="ctr" defTabSz="1066800">
             <a:lnSpc>
               <a:spcPct val="90000"/>
             </a:lnSpc>
@@ -10348,9 +10031,10 @@
             <a:spcAft>
               <a:spcPct val="35000"/>
             </a:spcAft>
+            <a:buNone/>
           </a:pPr>
           <a:r>
-            <a:rPr lang="es-US" sz="2400" kern="1200" dirty="0" smtClean="0"/>
+            <a:rPr lang="es-US" sz="2400" kern="1200" dirty="0"/>
             <a:t>Lista de regalos (BS)</a:t>
           </a:r>
           <a:endParaRPr lang="es-ES" sz="2400" kern="1200" dirty="0"/>
@@ -10508,7 +10192,7 @@
         </a:bodyPr>
         <a:lstStyle/>
         <a:p>
-          <a:pPr lvl="0" algn="ctr" defTabSz="1066800">
+          <a:pPr marL="0" lvl="0" indent="0" algn="ctr" defTabSz="1066800">
             <a:lnSpc>
               <a:spcPct val="90000"/>
             </a:lnSpc>
@@ -10518,9 +10202,10 @@
             <a:spcAft>
               <a:spcPct val="35000"/>
             </a:spcAft>
+            <a:buNone/>
           </a:pPr>
           <a:r>
-            <a:rPr lang="es-US" sz="2400" kern="1200" dirty="0" smtClean="0"/>
+            <a:rPr lang="es-US" sz="2400" kern="1200" dirty="0"/>
             <a:t>ID Cliente</a:t>
           </a:r>
           <a:endParaRPr lang="es-ES" sz="2400" kern="1200" dirty="0"/>
@@ -10600,7 +10285,7 @@
         </a:bodyPr>
         <a:lstStyle/>
         <a:p>
-          <a:pPr lvl="0" algn="ctr" defTabSz="2266950">
+          <a:pPr marL="0" lvl="0" indent="0" algn="ctr" defTabSz="2266950">
             <a:lnSpc>
               <a:spcPct val="90000"/>
             </a:lnSpc>
@@ -10610,9 +10295,10 @@
             <a:spcAft>
               <a:spcPct val="35000"/>
             </a:spcAft>
+            <a:buNone/>
           </a:pPr>
           <a:r>
-            <a:rPr lang="es-US" sz="5100" kern="1200" dirty="0" smtClean="0"/>
+            <a:rPr lang="es-US" sz="5100" kern="1200" dirty="0"/>
             <a:t>Simples</a:t>
           </a:r>
           <a:endParaRPr lang="es-ES" sz="5100" kern="1200" dirty="0"/>
@@ -10680,7 +10366,7 @@
         </a:bodyPr>
         <a:lstStyle/>
         <a:p>
-          <a:pPr lvl="0" algn="ctr" defTabSz="1244600">
+          <a:pPr marL="0" lvl="0" indent="0" algn="ctr" defTabSz="1244600">
             <a:lnSpc>
               <a:spcPct val="90000"/>
             </a:lnSpc>
@@ -10690,9 +10376,10 @@
             <a:spcAft>
               <a:spcPct val="35000"/>
             </a:spcAft>
+            <a:buNone/>
           </a:pPr>
           <a:r>
-            <a:rPr lang="en-US" sz="2800" kern="1200" dirty="0" smtClean="0"/>
+            <a:rPr lang="en-US" sz="2800" kern="1200" dirty="0"/>
             <a:t>Look for shoppers who habitually purchase swimsuits in April and send them coupons for sunscreen in July and diet books in December</a:t>
           </a:r>
           <a:endParaRPr lang="es-ES" sz="2800" kern="1200" dirty="0"/>
@@ -10760,7 +10447,7 @@
         </a:bodyPr>
         <a:lstStyle/>
         <a:p>
-          <a:pPr lvl="0" algn="ctr" defTabSz="2266950">
+          <a:pPr marL="0" lvl="0" indent="0" algn="ctr" defTabSz="2266950">
             <a:lnSpc>
               <a:spcPct val="90000"/>
             </a:lnSpc>
@@ -10770,9 +10457,10 @@
             <a:spcAft>
               <a:spcPct val="35000"/>
             </a:spcAft>
+            <a:buNone/>
           </a:pPr>
           <a:r>
-            <a:rPr lang="es-US" sz="5100" kern="1200" dirty="0" smtClean="0"/>
+            <a:rPr lang="es-US" sz="5100" kern="1200" dirty="0"/>
             <a:t>Complejas</a:t>
           </a:r>
           <a:endParaRPr lang="es-ES" sz="5100" kern="1200" dirty="0"/>
@@ -10840,7 +10528,7 @@
         </a:bodyPr>
         <a:lstStyle/>
         <a:p>
-          <a:pPr lvl="0" algn="ctr" defTabSz="1244600">
+          <a:pPr marL="0" lvl="0" indent="0" algn="ctr" defTabSz="1244600">
             <a:lnSpc>
               <a:spcPct val="90000"/>
             </a:lnSpc>
@@ -10850,9 +10538,10 @@
             <a:spcAft>
               <a:spcPct val="35000"/>
             </a:spcAft>
+            <a:buNone/>
           </a:pPr>
           <a:r>
-            <a:rPr lang="es-US" sz="2800" kern="1200" dirty="0" smtClean="0"/>
+            <a:rPr lang="es-US" sz="2800" kern="1200" dirty="0"/>
             <a:t>Acciones de marketing para embarazadas</a:t>
           </a:r>
           <a:endParaRPr lang="es-ES" sz="2800" kern="1200" dirty="0"/>
@@ -20087,7 +19776,7 @@
           <a:p>
             <a:fld id="{1B690E39-F30C-4A14-BE95-FF764D57248C}" type="datetimeFigureOut">
               <a:rPr lang="es-AR" smtClean="0"/>
-              <a:t>01/11/2018</a:t>
+              <a:t>1/11/2018</a:t>
             </a:fld>
             <a:endParaRPr lang="es-AR"/>
           </a:p>
@@ -35914,7 +35603,7 @@
               <a:t>Data </a:t>
             </a:r>
             <a:r>
-              <a:rPr lang="en" sz="6600" noProof="0" smtClean="0">
+              <a:rPr lang="en" sz="6600" noProof="0">
                 <a:latin typeface="Calibri" panose="020F0502020204030204" pitchFamily="34" charset="0"/>
                 <a:cs typeface="Calibri" panose="020F0502020204030204" pitchFamily="34" charset="0"/>
               </a:rPr>
@@ -36033,7 +35722,7 @@
           <p:cNvPr id="7" name="1 Rectángulo">
             <a:extLst>
               <a:ext uri="{FF2B5EF4-FFF2-40B4-BE49-F238E27FC236}">
-                <a16:creationId xmlns:a16="http://schemas.microsoft.com/office/drawing/2014/main" xmlns="" id="{9D08850F-0FC8-4C71-9B4A-00EC89CAA6E7}"/>
+                <a16:creationId xmlns:a16="http://schemas.microsoft.com/office/drawing/2014/main" id="{9D08850F-0FC8-4C71-9B4A-00EC89CAA6E7}"/>
               </a:ext>
             </a:extLst>
           </p:cNvPr>
@@ -36104,7 +35793,7 @@
           <p:cNvPr id="3" name="Imagen 2">
             <a:extLst>
               <a:ext uri="{FF2B5EF4-FFF2-40B4-BE49-F238E27FC236}">
-                <a16:creationId xmlns:a16="http://schemas.microsoft.com/office/drawing/2014/main" xmlns="" id="{641405AD-1ACC-4741-86BF-D69BF335F6D1}"/>
+                <a16:creationId xmlns:a16="http://schemas.microsoft.com/office/drawing/2014/main" id="{641405AD-1ACC-4741-86BF-D69BF335F6D1}"/>
               </a:ext>
             </a:extLst>
           </p:cNvPr>
@@ -36241,7 +35930,7 @@
           <p:cNvPr id="5" name="1 Rectángulo">
             <a:extLst>
               <a:ext uri="{FF2B5EF4-FFF2-40B4-BE49-F238E27FC236}">
-                <a16:creationId xmlns:a16="http://schemas.microsoft.com/office/drawing/2014/main" xmlns="" id="{70453DE5-6B67-4224-8B48-FE01CB193BBB}"/>
+                <a16:creationId xmlns:a16="http://schemas.microsoft.com/office/drawing/2014/main" id="{70453DE5-6B67-4224-8B48-FE01CB193BBB}"/>
               </a:ext>
             </a:extLst>
           </p:cNvPr>
@@ -36312,7 +36001,7 @@
           <p:cNvPr id="6" name="Picture 5">
             <a:extLst>
               <a:ext uri="{FF2B5EF4-FFF2-40B4-BE49-F238E27FC236}">
-                <a16:creationId xmlns:a16="http://schemas.microsoft.com/office/drawing/2014/main" xmlns="" id="{13B1FCAF-5D21-4D30-A3ED-0E9608E7A37F}"/>
+                <a16:creationId xmlns:a16="http://schemas.microsoft.com/office/drawing/2014/main" id="{13B1FCAF-5D21-4D30-A3ED-0E9608E7A37F}"/>
               </a:ext>
             </a:extLst>
           </p:cNvPr>
@@ -36443,7 +36132,7 @@
           <p:cNvPr id="5" name="1 Rectángulo">
             <a:extLst>
               <a:ext uri="{FF2B5EF4-FFF2-40B4-BE49-F238E27FC236}">
-                <a16:creationId xmlns:a16="http://schemas.microsoft.com/office/drawing/2014/main" xmlns="" id="{70453DE5-6B67-4224-8B48-FE01CB193BBB}"/>
+                <a16:creationId xmlns:a16="http://schemas.microsoft.com/office/drawing/2014/main" id="{70453DE5-6B67-4224-8B48-FE01CB193BBB}"/>
               </a:ext>
             </a:extLst>
           </p:cNvPr>
@@ -36514,7 +36203,7 @@
           <p:cNvPr id="7" name="Picture 1">
             <a:extLst>
               <a:ext uri="{FF2B5EF4-FFF2-40B4-BE49-F238E27FC236}">
-                <a16:creationId xmlns:a16="http://schemas.microsoft.com/office/drawing/2014/main" xmlns="" id="{89CE1F4C-FE64-40BC-954F-C91BDD8CCE57}"/>
+                <a16:creationId xmlns:a16="http://schemas.microsoft.com/office/drawing/2014/main" id="{89CE1F4C-FE64-40BC-954F-C91BDD8CCE57}"/>
               </a:ext>
             </a:extLst>
           </p:cNvPr>
@@ -36724,7 +36413,7 @@
           <p:cNvPr id="4" name="1 Rectángulo">
             <a:extLst>
               <a:ext uri="{FF2B5EF4-FFF2-40B4-BE49-F238E27FC236}">
-                <a16:creationId xmlns:a16="http://schemas.microsoft.com/office/drawing/2014/main" xmlns="" id="{C38DC9E2-A33D-43A5-B91A-49EDF1F542C3}"/>
+                <a16:creationId xmlns:a16="http://schemas.microsoft.com/office/drawing/2014/main" id="{C38DC9E2-A33D-43A5-B91A-49EDF1F542C3}"/>
               </a:ext>
             </a:extLst>
           </p:cNvPr>
@@ -36972,7 +36661,7 @@
           <p:cNvPr id="2" name="Diagrama 1">
             <a:extLst>
               <a:ext uri="{FF2B5EF4-FFF2-40B4-BE49-F238E27FC236}">
-                <a16:creationId xmlns:a16="http://schemas.microsoft.com/office/drawing/2014/main" xmlns="" id="{C4844DA5-81D4-434D-BC17-924A3A9F7C1B}"/>
+                <a16:creationId xmlns:a16="http://schemas.microsoft.com/office/drawing/2014/main" id="{C4844DA5-81D4-434D-BC17-924A3A9F7C1B}"/>
               </a:ext>
             </a:extLst>
           </p:cNvPr>
@@ -37172,7 +36861,7 @@
           <p:cNvPr id="4" name="1 Rectángulo">
             <a:extLst>
               <a:ext uri="{FF2B5EF4-FFF2-40B4-BE49-F238E27FC236}">
-                <a16:creationId xmlns:a16="http://schemas.microsoft.com/office/drawing/2014/main" xmlns="" id="{C38DC9E2-A33D-43A5-B91A-49EDF1F542C3}"/>
+                <a16:creationId xmlns:a16="http://schemas.microsoft.com/office/drawing/2014/main" id="{C38DC9E2-A33D-43A5-B91A-49EDF1F542C3}"/>
               </a:ext>
             </a:extLst>
           </p:cNvPr>
@@ -37223,7 +36912,7 @@
                 <a:hlinkClick r:id="rId3">
                   <a:extLst>
                     <a:ext uri="{A12FA001-AC4F-418D-AE19-62706E023703}">
-                      <ahyp:hlinkClr xmlns:ahyp="http://schemas.microsoft.com/office/drawing/2018/hyperlinkcolor" xmlns="" val="tx"/>
+                      <ahyp:hlinkClr xmlns:ahyp="http://schemas.microsoft.com/office/drawing/2018/hyperlinkcolor" val="tx"/>
                     </a:ext>
                   </a:extLst>
                 </a:hlinkClick>
@@ -37608,24 +37297,10 @@
                 <a:ea typeface="Microsoft YaHei" panose="020B0503020204020204" pitchFamily="34" charset="-122"/>
                 <a:cs typeface="Arial"/>
               </a:rPr>
-              <a:t>Caso </a:t>
+              <a:t>Caso Target -</a:t>
             </a:r>
             <a:r>
-              <a:rPr kumimoji="0" lang="es-AR" altLang="es-AR" sz="3600" b="1" i="0" u="none" strike="noStrike" kern="1200" cap="none" spc="0" normalizeH="0" baseline="0" noProof="0" dirty="0" smtClean="0">
-                <a:ln>
-                  <a:noFill/>
-                </a:ln>
-                <a:effectLst/>
-                <a:uLnTx/>
-                <a:uFillTx/>
-                <a:latin typeface="Arial" panose="020B0604020202020204" pitchFamily="34" charset="0"/>
-                <a:ea typeface="Microsoft YaHei" panose="020B0503020204020204" pitchFamily="34" charset="-122"/>
-                <a:cs typeface="Arial"/>
-              </a:rPr>
-              <a:t>Target -</a:t>
-            </a:r>
-            <a:r>
-              <a:rPr kumimoji="0" lang="es-AR" altLang="es-AR" sz="3600" b="1" i="0" u="none" strike="noStrike" kern="1200" cap="none" spc="0" normalizeH="0" noProof="0" dirty="0" smtClean="0">
+              <a:rPr kumimoji="0" lang="es-AR" altLang="es-AR" sz="3600" b="1" i="0" u="none" strike="noStrike" kern="1200" cap="none" spc="0" normalizeH="0" noProof="0" dirty="0">
                 <a:ln>
                   <a:noFill/>
                 </a:ln>
@@ -37651,7 +37326,7 @@
           <p:cNvPr id="4" name="1 Rectángulo">
             <a:extLst>
               <a:ext uri="{FF2B5EF4-FFF2-40B4-BE49-F238E27FC236}">
-                <a16:creationId xmlns:a16="http://schemas.microsoft.com/office/drawing/2014/main" xmlns="" id="{C38DC9E2-A33D-43A5-B91A-49EDF1F542C3}"/>
+                <a16:creationId xmlns:a16="http://schemas.microsoft.com/office/drawing/2014/main" id="{C38DC9E2-A33D-43A5-B91A-49EDF1F542C3}"/>
               </a:ext>
             </a:extLst>
           </p:cNvPr>
@@ -37750,7 +37425,7 @@
           <p:cNvPr id="7" name="Diagrama 1">
             <a:extLst>
               <a:ext uri="{FF2B5EF4-FFF2-40B4-BE49-F238E27FC236}">
-                <a16:creationId xmlns:a16="http://schemas.microsoft.com/office/drawing/2014/main" xmlns="" id="{C4844DA5-81D4-434D-BC17-924A3A9F7C1B}"/>
+                <a16:creationId xmlns:a16="http://schemas.microsoft.com/office/drawing/2014/main" id="{C4844DA5-81D4-434D-BC17-924A3A9F7C1B}"/>
               </a:ext>
             </a:extLst>
           </p:cNvPr>
@@ -37894,24 +37569,10 @@
                 <a:ea typeface="Microsoft YaHei" panose="020B0503020204020204" pitchFamily="34" charset="-122"/>
                 <a:cs typeface="Arial"/>
               </a:rPr>
-              <a:t>Caso </a:t>
+              <a:t>Caso Target -</a:t>
             </a:r>
             <a:r>
-              <a:rPr kumimoji="0" lang="es-AR" altLang="es-AR" sz="3600" b="1" i="0" u="none" strike="noStrike" kern="1200" cap="none" spc="0" normalizeH="0" baseline="0" noProof="0" dirty="0" smtClean="0">
-                <a:ln>
-                  <a:noFill/>
-                </a:ln>
-                <a:effectLst/>
-                <a:uLnTx/>
-                <a:uFillTx/>
-                <a:latin typeface="Arial" panose="020B0604020202020204" pitchFamily="34" charset="0"/>
-                <a:ea typeface="Microsoft YaHei" panose="020B0503020204020204" pitchFamily="34" charset="-122"/>
-                <a:cs typeface="Arial"/>
-              </a:rPr>
-              <a:t>Target -</a:t>
-            </a:r>
-            <a:r>
-              <a:rPr kumimoji="0" lang="es-AR" altLang="es-AR" sz="3600" b="1" i="0" u="none" strike="noStrike" kern="1200" cap="none" spc="0" normalizeH="0" noProof="0" dirty="0" smtClean="0">
+              <a:rPr kumimoji="0" lang="es-AR" altLang="es-AR" sz="3600" b="1" i="0" u="none" strike="noStrike" kern="1200" cap="none" spc="0" normalizeH="0" noProof="0" dirty="0">
                 <a:ln>
                   <a:noFill/>
                 </a:ln>
@@ -37937,7 +37598,7 @@
           <p:cNvPr id="4" name="1 Rectángulo">
             <a:extLst>
               <a:ext uri="{FF2B5EF4-FFF2-40B4-BE49-F238E27FC236}">
-                <a16:creationId xmlns:a16="http://schemas.microsoft.com/office/drawing/2014/main" xmlns="" id="{C38DC9E2-A33D-43A5-B91A-49EDF1F542C3}"/>
+                <a16:creationId xmlns:a16="http://schemas.microsoft.com/office/drawing/2014/main" id="{C38DC9E2-A33D-43A5-B91A-49EDF1F542C3}"/>
               </a:ext>
             </a:extLst>
           </p:cNvPr>
@@ -37983,11 +37644,7 @@
             </a:pPr>
             <a:r>
               <a:rPr lang="en-US" sz="3200" dirty="0"/>
-              <a:t>The desire to collect information on customers is not new for Target or any other large retailer, of course. For decades, Target has collected vast amounts of data on every person who regularly walks into one of its </a:t>
-            </a:r>
-            <a:r>
-              <a:rPr lang="en-US" sz="3200" dirty="0" smtClean="0"/>
-              <a:t>stores.</a:t>
+              <a:t>The desire to collect information on customers is not new for Target or any other large retailer, of course. For decades, Target has collected vast amounts of data on every person who regularly walks into one of its stores.</a:t>
             </a:r>
             <a:endParaRPr lang="es-AR" altLang="es-AR" sz="3200" dirty="0">
               <a:ea typeface="Microsoft YaHei" panose="020B0503020204020204" pitchFamily="34" charset="-122"/>
@@ -38157,24 +37814,10 @@
                 <a:ea typeface="Microsoft YaHei" panose="020B0503020204020204" pitchFamily="34" charset="-122"/>
                 <a:cs typeface="Arial"/>
               </a:rPr>
-              <a:t>Caso </a:t>
+              <a:t>Caso Target -</a:t>
             </a:r>
             <a:r>
-              <a:rPr kumimoji="0" lang="es-AR" altLang="es-AR" sz="3600" b="1" i="0" u="none" strike="noStrike" kern="1200" cap="none" spc="0" normalizeH="0" baseline="0" noProof="0" dirty="0" smtClean="0">
-                <a:ln>
-                  <a:noFill/>
-                </a:ln>
-                <a:effectLst/>
-                <a:uLnTx/>
-                <a:uFillTx/>
-                <a:latin typeface="Arial" panose="020B0604020202020204" pitchFamily="34" charset="0"/>
-                <a:ea typeface="Microsoft YaHei" panose="020B0503020204020204" pitchFamily="34" charset="-122"/>
-                <a:cs typeface="Arial"/>
-              </a:rPr>
-              <a:t>Target -</a:t>
-            </a:r>
-            <a:r>
-              <a:rPr kumimoji="0" lang="es-AR" altLang="es-AR" sz="3600" b="1" i="0" u="none" strike="noStrike" kern="1200" cap="none" spc="0" normalizeH="0" noProof="0" dirty="0" smtClean="0">
+              <a:rPr kumimoji="0" lang="es-AR" altLang="es-AR" sz="3600" b="1" i="0" u="none" strike="noStrike" kern="1200" cap="none" spc="0" normalizeH="0" noProof="0" dirty="0">
                 <a:ln>
                   <a:noFill/>
                 </a:ln>
@@ -38200,7 +37843,7 @@
           <p:cNvPr id="4" name="1 Rectángulo">
             <a:extLst>
               <a:ext uri="{FF2B5EF4-FFF2-40B4-BE49-F238E27FC236}">
-                <a16:creationId xmlns:a16="http://schemas.microsoft.com/office/drawing/2014/main" xmlns="" id="{C38DC9E2-A33D-43A5-B91A-49EDF1F542C3}"/>
+                <a16:creationId xmlns:a16="http://schemas.microsoft.com/office/drawing/2014/main" id="{C38DC9E2-A33D-43A5-B91A-49EDF1F542C3}"/>
               </a:ext>
             </a:extLst>
           </p:cNvPr>
@@ -38434,24 +38077,10 @@
                 <a:ea typeface="Microsoft YaHei" panose="020B0503020204020204" pitchFamily="34" charset="-122"/>
                 <a:cs typeface="Arial"/>
               </a:rPr>
-              <a:t>Caso </a:t>
+              <a:t>Caso Target -</a:t>
             </a:r>
             <a:r>
-              <a:rPr kumimoji="0" lang="es-AR" altLang="es-AR" sz="3600" b="1" i="0" u="none" strike="noStrike" kern="1200" cap="none" spc="0" normalizeH="0" baseline="0" noProof="0" dirty="0" smtClean="0">
-                <a:ln>
-                  <a:noFill/>
-                </a:ln>
-                <a:effectLst/>
-                <a:uLnTx/>
-                <a:uFillTx/>
-                <a:latin typeface="Arial" panose="020B0604020202020204" pitchFamily="34" charset="0"/>
-                <a:ea typeface="Microsoft YaHei" panose="020B0503020204020204" pitchFamily="34" charset="-122"/>
-                <a:cs typeface="Arial"/>
-              </a:rPr>
-              <a:t>Target -</a:t>
-            </a:r>
-            <a:r>
-              <a:rPr kumimoji="0" lang="es-AR" altLang="es-AR" sz="3600" b="1" i="0" u="none" strike="noStrike" kern="1200" cap="none" spc="0" normalizeH="0" noProof="0" dirty="0" smtClean="0">
+              <a:rPr kumimoji="0" lang="es-AR" altLang="es-AR" sz="3600" b="1" i="0" u="none" strike="noStrike" kern="1200" cap="none" spc="0" normalizeH="0" noProof="0" dirty="0">
                 <a:ln>
                   <a:noFill/>
                 </a:ln>
@@ -38477,7 +38106,7 @@
           <p:cNvPr id="4" name="1 Rectángulo">
             <a:extLst>
               <a:ext uri="{FF2B5EF4-FFF2-40B4-BE49-F238E27FC236}">
-                <a16:creationId xmlns:a16="http://schemas.microsoft.com/office/drawing/2014/main" xmlns="" id="{C38DC9E2-A33D-43A5-B91A-49EDF1F542C3}"/>
+                <a16:creationId xmlns:a16="http://schemas.microsoft.com/office/drawing/2014/main" id="{C38DC9E2-A33D-43A5-B91A-49EDF1F542C3}"/>
               </a:ext>
             </a:extLst>
           </p:cNvPr>
@@ -38863,7 +38492,7 @@
                 <a:hlinkClick r:id="rId3">
                   <a:extLst>
                     <a:ext uri="{A12FA001-AC4F-418D-AE19-62706E023703}">
-                      <ahyp:hlinkClr xmlns:ahyp="http://schemas.microsoft.com/office/drawing/2018/hyperlinkcolor" xmlns="" val="tx"/>
+                      <ahyp:hlinkClr xmlns:ahyp="http://schemas.microsoft.com/office/drawing/2018/hyperlinkcolor" val="tx"/>
                     </a:ext>
                   </a:extLst>
                 </a:hlinkClick>
@@ -38899,7 +38528,7 @@
                 <a:hlinkClick r:id="rId4">
                   <a:extLst>
                     <a:ext uri="{A12FA001-AC4F-418D-AE19-62706E023703}">
-                      <ahyp:hlinkClr xmlns:ahyp="http://schemas.microsoft.com/office/drawing/2018/hyperlinkcolor" xmlns="" val="tx"/>
+                      <ahyp:hlinkClr xmlns:ahyp="http://schemas.microsoft.com/office/drawing/2018/hyperlinkcolor" val="tx"/>
                     </a:ext>
                   </a:extLst>
                 </a:hlinkClick>
@@ -38935,7 +38564,7 @@
                 <a:hlinkClick r:id="rId5">
                   <a:extLst>
                     <a:ext uri="{A12FA001-AC4F-418D-AE19-62706E023703}">
-                      <ahyp:hlinkClr xmlns:ahyp="http://schemas.microsoft.com/office/drawing/2018/hyperlinkcolor" xmlns="" val="tx"/>
+                      <ahyp:hlinkClr xmlns:ahyp="http://schemas.microsoft.com/office/drawing/2018/hyperlinkcolor" val="tx"/>
                     </a:ext>
                   </a:extLst>
                 </a:hlinkClick>
@@ -38970,7 +38599,7 @@
                 <a:hlinkClick r:id="rId6">
                   <a:extLst>
                     <a:ext uri="{A12FA001-AC4F-418D-AE19-62706E023703}">
-                      <ahyp:hlinkClr xmlns:ahyp="http://schemas.microsoft.com/office/drawing/2018/hyperlinkcolor" xmlns="" val="tx"/>
+                      <ahyp:hlinkClr xmlns:ahyp="http://schemas.microsoft.com/office/drawing/2018/hyperlinkcolor" val="tx"/>
                     </a:ext>
                   </a:extLst>
                 </a:hlinkClick>
@@ -39146,24 +38775,10 @@
                 <a:ea typeface="Microsoft YaHei" panose="020B0503020204020204" pitchFamily="34" charset="-122"/>
                 <a:cs typeface="Arial"/>
               </a:rPr>
-              <a:t>Caso </a:t>
+              <a:t>Caso Target -</a:t>
             </a:r>
             <a:r>
-              <a:rPr kumimoji="0" lang="es-AR" altLang="es-AR" sz="3600" b="1" i="0" u="none" strike="noStrike" kern="1200" cap="none" spc="0" normalizeH="0" baseline="0" noProof="0" dirty="0" smtClean="0">
-                <a:ln>
-                  <a:noFill/>
-                </a:ln>
-                <a:effectLst/>
-                <a:uLnTx/>
-                <a:uFillTx/>
-                <a:latin typeface="Arial" panose="020B0604020202020204" pitchFamily="34" charset="0"/>
-                <a:ea typeface="Microsoft YaHei" panose="020B0503020204020204" pitchFamily="34" charset="-122"/>
-                <a:cs typeface="Arial"/>
-              </a:rPr>
-              <a:t>Target -</a:t>
-            </a:r>
-            <a:r>
-              <a:rPr kumimoji="0" lang="es-AR" altLang="es-AR" sz="3600" b="1" i="0" u="none" strike="noStrike" kern="1200" cap="none" spc="0" normalizeH="0" noProof="0" dirty="0" smtClean="0">
+              <a:rPr kumimoji="0" lang="es-AR" altLang="es-AR" sz="3600" b="1" i="0" u="none" strike="noStrike" kern="1200" cap="none" spc="0" normalizeH="0" noProof="0" dirty="0">
                 <a:ln>
                   <a:noFill/>
                 </a:ln>
@@ -39189,7 +38804,7 @@
           <p:cNvPr id="4" name="1 Rectángulo">
             <a:extLst>
               <a:ext uri="{FF2B5EF4-FFF2-40B4-BE49-F238E27FC236}">
-                <a16:creationId xmlns:a16="http://schemas.microsoft.com/office/drawing/2014/main" xmlns="" id="{C38DC9E2-A33D-43A5-B91A-49EDF1F542C3}"/>
+                <a16:creationId xmlns:a16="http://schemas.microsoft.com/office/drawing/2014/main" id="{C38DC9E2-A33D-43A5-B91A-49EDF1F542C3}"/>
               </a:ext>
             </a:extLst>
           </p:cNvPr>
@@ -39247,7 +38862,6 @@
               <a:rPr lang="en-US" sz="3200" dirty="0"/>
               <a:t>, can you do that? </a:t>
             </a:r>
-            <a:endParaRPr lang="en-US" sz="3200" dirty="0" smtClean="0"/>
           </a:p>
           <a:p>
             <a:pPr marL="457200" indent="-457200" defTabSz="599002" fontAlgn="base" hangingPunct="0">
@@ -39265,7 +38879,7 @@
               <a:buChar char="•"/>
               <a:defRPr/>
             </a:pPr>
-            <a:endParaRPr lang="en-US" sz="3200" dirty="0" smtClean="0"/>
+            <a:endParaRPr lang="en-US" sz="3200" dirty="0"/>
           </a:p>
           <a:p>
             <a:pPr marL="457200" indent="-457200" defTabSz="599002" fontAlgn="base" hangingPunct="0">
@@ -39284,7 +38898,7 @@
               <a:defRPr/>
             </a:pPr>
             <a:r>
-              <a:rPr lang="en-US" sz="3200" dirty="0" smtClean="0"/>
+              <a:rPr lang="en-US" sz="3200" dirty="0"/>
               <a:t>As soon as we get them buying diapers from us, they’re going to start buying everything else too</a:t>
             </a:r>
           </a:p>
@@ -39304,7 +38918,7 @@
               <a:buChar char="•"/>
               <a:defRPr/>
             </a:pPr>
-            <a:endParaRPr lang="en-US" sz="3200" dirty="0" smtClean="0"/>
+            <a:endParaRPr lang="en-US" sz="3200" dirty="0"/>
           </a:p>
           <a:p>
             <a:pPr marL="457200" indent="-457200" defTabSz="599002" fontAlgn="base" hangingPunct="0">
@@ -39323,16 +38937,8 @@
               <a:defRPr/>
             </a:pPr>
             <a:r>
-              <a:rPr lang="en-US" sz="3200" dirty="0" smtClean="0"/>
-              <a:t>How </a:t>
-            </a:r>
-            <a:r>
               <a:rPr lang="en-US" sz="3200" dirty="0"/>
-              <a:t>are women going to react when they figure out how much Target knows</a:t>
-            </a:r>
-            <a:r>
-              <a:rPr lang="en-US" sz="3200" dirty="0" smtClean="0"/>
-              <a:t>?</a:t>
+              <a:t>How are women going to react when they figure out how much Target knows?</a:t>
             </a:r>
           </a:p>
           <a:p>
@@ -39536,7 +39142,7 @@
           <p:cNvPr id="4" name="1 Rectángulo">
             <a:extLst>
               <a:ext uri="{FF2B5EF4-FFF2-40B4-BE49-F238E27FC236}">
-                <a16:creationId xmlns:a16="http://schemas.microsoft.com/office/drawing/2014/main" xmlns="" id="{C38DC9E2-A33D-43A5-B91A-49EDF1F542C3}"/>
+                <a16:creationId xmlns:a16="http://schemas.microsoft.com/office/drawing/2014/main" id="{C38DC9E2-A33D-43A5-B91A-49EDF1F542C3}"/>
               </a:ext>
             </a:extLst>
           </p:cNvPr>
@@ -39807,7 +39413,7 @@
           <p:cNvPr id="4" name="1 Rectángulo">
             <a:extLst>
               <a:ext uri="{FF2B5EF4-FFF2-40B4-BE49-F238E27FC236}">
-                <a16:creationId xmlns:a16="http://schemas.microsoft.com/office/drawing/2014/main" xmlns="" id="{C38DC9E2-A33D-43A5-B91A-49EDF1F542C3}"/>
+                <a16:creationId xmlns:a16="http://schemas.microsoft.com/office/drawing/2014/main" id="{C38DC9E2-A33D-43A5-B91A-49EDF1F542C3}"/>
               </a:ext>
             </a:extLst>
           </p:cNvPr>
@@ -40060,7 +39666,7 @@
           <p:cNvPr id="4" name="1 Rectángulo">
             <a:extLst>
               <a:ext uri="{FF2B5EF4-FFF2-40B4-BE49-F238E27FC236}">
-                <a16:creationId xmlns:a16="http://schemas.microsoft.com/office/drawing/2014/main" xmlns="" id="{C38DC9E2-A33D-43A5-B91A-49EDF1F542C3}"/>
+                <a16:creationId xmlns:a16="http://schemas.microsoft.com/office/drawing/2014/main" id="{C38DC9E2-A33D-43A5-B91A-49EDF1F542C3}"/>
               </a:ext>
             </a:extLst>
           </p:cNvPr>
@@ -40291,7 +39897,7 @@
           <p:cNvPr id="4" name="1 Rectángulo">
             <a:extLst>
               <a:ext uri="{FF2B5EF4-FFF2-40B4-BE49-F238E27FC236}">
-                <a16:creationId xmlns:a16="http://schemas.microsoft.com/office/drawing/2014/main" xmlns="" id="{C38DC9E2-A33D-43A5-B91A-49EDF1F542C3}"/>
+                <a16:creationId xmlns:a16="http://schemas.microsoft.com/office/drawing/2014/main" id="{C38DC9E2-A33D-43A5-B91A-49EDF1F542C3}"/>
               </a:ext>
             </a:extLst>
           </p:cNvPr>
@@ -40522,7 +40128,7 @@
           <p:cNvPr id="4" name="1 Rectángulo">
             <a:extLst>
               <a:ext uri="{FF2B5EF4-FFF2-40B4-BE49-F238E27FC236}">
-                <a16:creationId xmlns:a16="http://schemas.microsoft.com/office/drawing/2014/main" xmlns="" id="{C38DC9E2-A33D-43A5-B91A-49EDF1F542C3}"/>
+                <a16:creationId xmlns:a16="http://schemas.microsoft.com/office/drawing/2014/main" id="{C38DC9E2-A33D-43A5-B91A-49EDF1F542C3}"/>
               </a:ext>
             </a:extLst>
           </p:cNvPr>
@@ -40578,7 +40184,7 @@
           <p:cNvPr id="3" name="Imagen 2">
             <a:extLst>
               <a:ext uri="{FF2B5EF4-FFF2-40B4-BE49-F238E27FC236}">
-                <a16:creationId xmlns:a16="http://schemas.microsoft.com/office/drawing/2014/main" xmlns="" id="{3FCCA4E3-0811-4FD0-9052-744BBA7B906F}"/>
+                <a16:creationId xmlns:a16="http://schemas.microsoft.com/office/drawing/2014/main" id="{3FCCA4E3-0811-4FD0-9052-744BBA7B906F}"/>
               </a:ext>
             </a:extLst>
           </p:cNvPr>
@@ -41114,7 +40720,7 @@
           <p:cNvPr id="4" name="1 Rectángulo">
             <a:extLst>
               <a:ext uri="{FF2B5EF4-FFF2-40B4-BE49-F238E27FC236}">
-                <a16:creationId xmlns:a16="http://schemas.microsoft.com/office/drawing/2014/main" xmlns="" id="{C38DC9E2-A33D-43A5-B91A-49EDF1F542C3}"/>
+                <a16:creationId xmlns:a16="http://schemas.microsoft.com/office/drawing/2014/main" id="{C38DC9E2-A33D-43A5-B91A-49EDF1F542C3}"/>
               </a:ext>
             </a:extLst>
           </p:cNvPr>
@@ -41530,7 +41136,7 @@
           <p:cNvPr id="5" name="Gráfico 4">
             <a:extLst>
               <a:ext uri="{FF2B5EF4-FFF2-40B4-BE49-F238E27FC236}">
-                <a16:creationId xmlns:a16="http://schemas.microsoft.com/office/drawing/2014/main" xmlns="" id="{25BCB5EB-95AE-4647-ADEF-D74515E75CCE}"/>
+                <a16:creationId xmlns:a16="http://schemas.microsoft.com/office/drawing/2014/main" id="{25BCB5EB-95AE-4647-ADEF-D74515E75CCE}"/>
               </a:ext>
             </a:extLst>
           </p:cNvPr>
@@ -41558,7 +41164,7 @@
           <p:cNvPr id="8" name="1 Rectángulo">
             <a:extLst>
               <a:ext uri="{FF2B5EF4-FFF2-40B4-BE49-F238E27FC236}">
-                <a16:creationId xmlns:a16="http://schemas.microsoft.com/office/drawing/2014/main" xmlns="" id="{C5C56A8D-8669-4998-84AC-E61E22CB90DE}"/>
+                <a16:creationId xmlns:a16="http://schemas.microsoft.com/office/drawing/2014/main" id="{C5C56A8D-8669-4998-84AC-E61E22CB90DE}"/>
               </a:ext>
             </a:extLst>
           </p:cNvPr>
@@ -41818,7 +41424,7 @@
           <p:cNvPr id="8" name="1 Rectángulo">
             <a:extLst>
               <a:ext uri="{FF2B5EF4-FFF2-40B4-BE49-F238E27FC236}">
-                <a16:creationId xmlns:a16="http://schemas.microsoft.com/office/drawing/2014/main" xmlns="" id="{C5C56A8D-8669-4998-84AC-E61E22CB90DE}"/>
+                <a16:creationId xmlns:a16="http://schemas.microsoft.com/office/drawing/2014/main" id="{C5C56A8D-8669-4998-84AC-E61E22CB90DE}"/>
               </a:ext>
             </a:extLst>
           </p:cNvPr>
@@ -41884,7 +41490,7 @@
           <p:cNvPr id="6" name="1 Rectángulo">
             <a:extLst>
               <a:ext uri="{FF2B5EF4-FFF2-40B4-BE49-F238E27FC236}">
-                <a16:creationId xmlns:a16="http://schemas.microsoft.com/office/drawing/2014/main" xmlns="" id="{1DF0D132-D406-4E25-A315-798B0B5B79A7}"/>
+                <a16:creationId xmlns:a16="http://schemas.microsoft.com/office/drawing/2014/main" id="{1DF0D132-D406-4E25-A315-798B0B5B79A7}"/>
               </a:ext>
             </a:extLst>
           </p:cNvPr>
@@ -42111,7 +41717,7 @@
           <p:cNvPr id="8" name="1 Rectángulo">
             <a:extLst>
               <a:ext uri="{FF2B5EF4-FFF2-40B4-BE49-F238E27FC236}">
-                <a16:creationId xmlns:a16="http://schemas.microsoft.com/office/drawing/2014/main" xmlns="" id="{C5C56A8D-8669-4998-84AC-E61E22CB90DE}"/>
+                <a16:creationId xmlns:a16="http://schemas.microsoft.com/office/drawing/2014/main" id="{C5C56A8D-8669-4998-84AC-E61E22CB90DE}"/>
               </a:ext>
             </a:extLst>
           </p:cNvPr>
@@ -42177,7 +41783,7 @@
           <p:cNvPr id="6" name="1 Rectángulo">
             <a:extLst>
               <a:ext uri="{FF2B5EF4-FFF2-40B4-BE49-F238E27FC236}">
-                <a16:creationId xmlns:a16="http://schemas.microsoft.com/office/drawing/2014/main" xmlns="" id="{1DF0D132-D406-4E25-A315-798B0B5B79A7}"/>
+                <a16:creationId xmlns:a16="http://schemas.microsoft.com/office/drawing/2014/main" id="{1DF0D132-D406-4E25-A315-798B0B5B79A7}"/>
               </a:ext>
             </a:extLst>
           </p:cNvPr>
@@ -42516,7 +42122,7 @@
           <p:cNvPr id="8" name="1 Rectángulo">
             <a:extLst>
               <a:ext uri="{FF2B5EF4-FFF2-40B4-BE49-F238E27FC236}">
-                <a16:creationId xmlns:a16="http://schemas.microsoft.com/office/drawing/2014/main" xmlns="" id="{C5C56A8D-8669-4998-84AC-E61E22CB90DE}"/>
+                <a16:creationId xmlns:a16="http://schemas.microsoft.com/office/drawing/2014/main" id="{C5C56A8D-8669-4998-84AC-E61E22CB90DE}"/>
               </a:ext>
             </a:extLst>
           </p:cNvPr>
@@ -42990,7 +42596,7 @@
           <p:cNvPr id="2" name="Diagrama 1">
             <a:extLst>
               <a:ext uri="{FF2B5EF4-FFF2-40B4-BE49-F238E27FC236}">
-                <a16:creationId xmlns:a16="http://schemas.microsoft.com/office/drawing/2014/main" xmlns="" id="{C4844DA5-81D4-434D-BC17-924A3A9F7C1B}"/>
+                <a16:creationId xmlns:a16="http://schemas.microsoft.com/office/drawing/2014/main" id="{C4844DA5-81D4-434D-BC17-924A3A9F7C1B}"/>
               </a:ext>
             </a:extLst>
           </p:cNvPr>
@@ -43204,7 +42810,7 @@
           <p:cNvPr id="4" name="1 Rectángulo">
             <a:extLst>
               <a:ext uri="{FF2B5EF4-FFF2-40B4-BE49-F238E27FC236}">
-                <a16:creationId xmlns:a16="http://schemas.microsoft.com/office/drawing/2014/main" xmlns="" id="{C38DC9E2-A33D-43A5-B91A-49EDF1F542C3}"/>
+                <a16:creationId xmlns:a16="http://schemas.microsoft.com/office/drawing/2014/main" id="{C38DC9E2-A33D-43A5-B91A-49EDF1F542C3}"/>
               </a:ext>
             </a:extLst>
           </p:cNvPr>
@@ -44322,7 +43928,7 @@
   <a:extraClrSchemeLst/>
   <a:extLst>
     <a:ext uri="{05A4C25C-085E-4340-85A3-A5531E510DB2}">
-      <thm15:themeFamily xmlns:thm15="http://schemas.microsoft.com/office/thememl/2012/main" xmlns="" name="Office Theme" id="{62F939B6-93AF-4DB8-9C6B-D6C7DFDC589F}" vid="{4A3C46E8-61CC-4603-A589-7422A47A8E4A}"/>
+      <thm15:themeFamily xmlns:thm15="http://schemas.microsoft.com/office/thememl/2012/main" name="Office Theme" id="{62F939B6-93AF-4DB8-9C6B-D6C7DFDC589F}" vid="{4A3C46E8-61CC-4603-A589-7422A47A8E4A}"/>
     </a:ext>
   </a:extLst>
 </a:theme>

--- a/1. intro.pptx
+++ b/1. intro.pptx
@@ -152,256 +152,45 @@
 </p:presentation>
 </file>
 
+<file path=ppt/revisionInfo.xml><?xml version="1.0" encoding="utf-8"?>
+<p1510:revInfo xmlns:a="http://schemas.openxmlformats.org/drawingml/2006/main" xmlns:r="http://schemas.openxmlformats.org/officeDocument/2006/relationships" xmlns:p1510="http://schemas.microsoft.com/office/powerpoint/2015/10/main">
+  <p1510:revLst>
+    <p1510:client id="{14A28526-ED09-4172-8A45-5D903B7C8E49}" v="1" dt="2019-06-03T20:22:12.419"/>
+  </p1510:revLst>
+</p1510:revInfo>
+</file>
+
 <file path=ppt/changesInfos/changesInfo1.xml><?xml version="1.0" encoding="utf-8"?>
 <pc:chgInfo xmlns:a="http://schemas.openxmlformats.org/drawingml/2006/main" xmlns:r="http://schemas.openxmlformats.org/officeDocument/2006/relationships" xmlns:ac="http://schemas.microsoft.com/office/drawing/2013/main/command" xmlns:pc="http://schemas.microsoft.com/office/powerpoint/2013/main/command">
   <pc:docChgLst>
     <pc:chgData name="Rafael C." userId="ffa83960b425c528" providerId="LiveId" clId="{E594DA00-7039-49B9-86C0-52C950A26DDD}"/>
-    <pc:docChg chg="undo custSel addSld delSld modSld sldOrd">
-      <pc:chgData name="Rafael C." userId="ffa83960b425c528" providerId="LiveId" clId="{E594DA00-7039-49B9-86C0-52C950A26DDD}" dt="2018-10-08T03:39:34.812" v="3971" actId="14100"/>
+  </pc:docChgLst>
+  <pc:docChgLst>
+    <pc:chgData name="Rafael C." userId="ffa83960b425c528" providerId="LiveId" clId="{A1A6CC59-1AE6-40B8-B2C9-6E34EF2ED440}"/>
+  </pc:docChgLst>
+  <pc:docChgLst>
+    <pc:chgData name="Rafael C." userId="ffa83960b425c528" providerId="LiveId" clId="{14A28526-ED09-4172-8A45-5D903B7C8E49}"/>
+    <pc:docChg chg="custSel modSld">
+      <pc:chgData name="Rafael C." userId="ffa83960b425c528" providerId="LiveId" clId="{14A28526-ED09-4172-8A45-5D903B7C8E49}" dt="2019-06-03T20:22:12.419" v="1"/>
       <pc:docMkLst>
         <pc:docMk/>
       </pc:docMkLst>
-      <pc:sldChg chg="modSp">
-        <pc:chgData name="Rafael C." userId="ffa83960b425c528" providerId="LiveId" clId="{E594DA00-7039-49B9-86C0-52C950A26DDD}" dt="2018-10-07T23:08:15.193" v="2247" actId="207"/>
-        <pc:sldMkLst>
-          <pc:docMk/>
-          <pc:sldMk cId="727360843" sldId="259"/>
-        </pc:sldMkLst>
-        <pc:spChg chg="mod">
-          <ac:chgData name="Rafael C." userId="ffa83960b425c528" providerId="LiveId" clId="{E594DA00-7039-49B9-86C0-52C950A26DDD}" dt="2018-10-07T23:08:15.193" v="2247" actId="207"/>
-          <ac:spMkLst>
-            <pc:docMk/>
-            <pc:sldMk cId="727360843" sldId="259"/>
-            <ac:spMk id="17" creationId="{00000000-0000-0000-0000-000000000000}"/>
-          </ac:spMkLst>
-        </pc:spChg>
-      </pc:sldChg>
-      <pc:sldChg chg="addSp delSp modSp">
-        <pc:chgData name="Rafael C." userId="ffa83960b425c528" providerId="LiveId" clId="{E594DA00-7039-49B9-86C0-52C950A26DDD}" dt="2018-10-07T22:56:38.200" v="1938" actId="1076"/>
-        <pc:sldMkLst>
-          <pc:docMk/>
-          <pc:sldMk cId="2068909626" sldId="274"/>
-        </pc:sldMkLst>
-        <pc:spChg chg="add">
-          <ac:chgData name="Rafael C." userId="ffa83960b425c528" providerId="LiveId" clId="{E594DA00-7039-49B9-86C0-52C950A26DDD}" dt="2018-10-07T22:56:22.510" v="1935"/>
-          <ac:spMkLst>
-            <pc:docMk/>
-            <pc:sldMk cId="2068909626" sldId="274"/>
-            <ac:spMk id="7" creationId="{9D08850F-0FC8-4C71-9B4A-00EC89CAA6E7}"/>
-          </ac:spMkLst>
-        </pc:spChg>
-        <pc:spChg chg="del">
-          <ac:chgData name="Rafael C." userId="ffa83960b425c528" providerId="LiveId" clId="{E594DA00-7039-49B9-86C0-52C950A26DDD}" dt="2018-10-07T22:53:12.395" v="1910" actId="478"/>
-          <ac:spMkLst>
-            <pc:docMk/>
-            <pc:sldMk cId="2068909626" sldId="274"/>
-            <ac:spMk id="9218" creationId="{00000000-0000-0000-0000-000000000000}"/>
-          </ac:spMkLst>
-        </pc:spChg>
-        <pc:picChg chg="add mod ord">
-          <ac:chgData name="Rafael C." userId="ffa83960b425c528" providerId="LiveId" clId="{E594DA00-7039-49B9-86C0-52C950A26DDD}" dt="2018-10-07T22:56:38.200" v="1938" actId="1076"/>
-          <ac:picMkLst>
-            <pc:docMk/>
-            <pc:sldMk cId="2068909626" sldId="274"/>
-            <ac:picMk id="3" creationId="{641405AD-1ACC-4741-86BF-D69BF335F6D1}"/>
-          </ac:picMkLst>
-        </pc:picChg>
-        <pc:picChg chg="add del">
-          <ac:chgData name="Rafael C." userId="ffa83960b425c528" providerId="LiveId" clId="{E594DA00-7039-49B9-86C0-52C950A26DDD}" dt="2018-10-07T22:56:16.159" v="1934" actId="478"/>
-          <ac:picMkLst>
-            <pc:docMk/>
-            <pc:sldMk cId="2068909626" sldId="274"/>
-            <ac:picMk id="6" creationId="{F377EE8F-1639-4F26-8280-51866C1707EA}"/>
-          </ac:picMkLst>
-        </pc:picChg>
-      </pc:sldChg>
-      <pc:sldChg chg="addSp modSp">
-        <pc:chgData name="Rafael C." userId="ffa83960b425c528" providerId="LiveId" clId="{E594DA00-7039-49B9-86C0-52C950A26DDD}" dt="2018-10-08T02:48:26.881" v="2938" actId="20577"/>
-        <pc:sldMkLst>
-          <pc:docMk/>
-          <pc:sldMk cId="630281706" sldId="278"/>
-        </pc:sldMkLst>
-        <pc:spChg chg="add mod">
-          <ac:chgData name="Rafael C." userId="ffa83960b425c528" providerId="LiveId" clId="{E594DA00-7039-49B9-86C0-52C950A26DDD}" dt="2018-10-08T02:48:26.881" v="2938" actId="20577"/>
-          <ac:spMkLst>
-            <pc:docMk/>
-            <pc:sldMk cId="630281706" sldId="278"/>
-            <ac:spMk id="4" creationId="{C38DC9E2-A33D-43A5-B91A-49EDF1F542C3}"/>
-          </ac:spMkLst>
-        </pc:spChg>
-        <pc:spChg chg="mod">
-          <ac:chgData name="Rafael C." userId="ffa83960b425c528" providerId="LiveId" clId="{E594DA00-7039-49B9-86C0-52C950A26DDD}" dt="2018-10-07T23:09:40.029" v="2255" actId="207"/>
-          <ac:spMkLst>
-            <pc:docMk/>
-            <pc:sldMk cId="630281706" sldId="278"/>
-            <ac:spMk id="9218" creationId="{00000000-0000-0000-0000-000000000000}"/>
-          </ac:spMkLst>
-        </pc:spChg>
-      </pc:sldChg>
-      <pc:sldChg chg="addSp delSp modSp">
-        <pc:chgData name="Rafael C." userId="ffa83960b425c528" providerId="LiveId" clId="{E594DA00-7039-49B9-86C0-52C950A26DDD}" dt="2018-10-07T22:55:21.877" v="1928" actId="207"/>
-        <pc:sldMkLst>
-          <pc:docMk/>
-          <pc:sldMk cId="2169537117" sldId="280"/>
-        </pc:sldMkLst>
-        <pc:spChg chg="add mod">
-          <ac:chgData name="Rafael C." userId="ffa83960b425c528" providerId="LiveId" clId="{E594DA00-7039-49B9-86C0-52C950A26DDD}" dt="2018-10-07T22:55:21.877" v="1928" actId="207"/>
-          <ac:spMkLst>
-            <pc:docMk/>
-            <pc:sldMk cId="2169537117" sldId="280"/>
-            <ac:spMk id="5" creationId="{70453DE5-6B67-4224-8B48-FE01CB193BBB}"/>
-          </ac:spMkLst>
-        </pc:spChg>
-        <pc:spChg chg="del">
-          <ac:chgData name="Rafael C." userId="ffa83960b425c528" providerId="LiveId" clId="{E594DA00-7039-49B9-86C0-52C950A26DDD}" dt="2018-10-07T22:54:00.136" v="1917" actId="478"/>
-          <ac:spMkLst>
-            <pc:docMk/>
-            <pc:sldMk cId="2169537117" sldId="280"/>
-            <ac:spMk id="9218" creationId="{00000000-0000-0000-0000-000000000000}"/>
-          </ac:spMkLst>
-        </pc:spChg>
-        <pc:picChg chg="add del mod">
-          <ac:chgData name="Rafael C." userId="ffa83960b425c528" providerId="LiveId" clId="{E594DA00-7039-49B9-86C0-52C950A26DDD}" dt="2018-10-07T22:54:45.817" v="1921"/>
-          <ac:picMkLst>
-            <pc:docMk/>
-            <pc:sldMk cId="2169537117" sldId="280"/>
-            <ac:picMk id="4" creationId="{92235F55-E9C0-4254-A9E5-B7B788AA84D4}"/>
-          </ac:picMkLst>
-        </pc:picChg>
-        <pc:picChg chg="add mod">
-          <ac:chgData name="Rafael C." userId="ffa83960b425c528" providerId="LiveId" clId="{E594DA00-7039-49B9-86C0-52C950A26DDD}" dt="2018-10-07T22:55:10.329" v="1927" actId="1076"/>
-          <ac:picMkLst>
-            <pc:docMk/>
-            <pc:sldMk cId="2169537117" sldId="280"/>
-            <ac:picMk id="6" creationId="{13B1FCAF-5D21-4D30-A3ED-0E9608E7A37F}"/>
-          </ac:picMkLst>
-        </pc:picChg>
-      </pc:sldChg>
-      <pc:sldChg chg="addSp delSp modSp add mod">
-        <pc:chgData name="Rafael C." userId="ffa83960b425c528" providerId="LiveId" clId="{E594DA00-7039-49B9-86C0-52C950A26DDD}" dt="2018-10-07T23:12:09.557" v="2285" actId="207"/>
-        <pc:sldMkLst>
-          <pc:docMk/>
-          <pc:sldMk cId="1985583289" sldId="286"/>
-        </pc:sldMkLst>
-        <pc:spChg chg="del">
-          <ac:chgData name="Rafael C." userId="ffa83960b425c528" providerId="LiveId" clId="{E594DA00-7039-49B9-86C0-52C950A26DDD}" dt="2018-10-07T21:50:59.867" v="595" actId="478"/>
-          <ac:spMkLst>
-            <pc:docMk/>
-            <pc:sldMk cId="1985583289" sldId="286"/>
-            <ac:spMk id="4" creationId="{C38DC9E2-A33D-43A5-B91A-49EDF1F542C3}"/>
-          </ac:spMkLst>
-        </pc:spChg>
-        <pc:spChg chg="add mod">
-          <ac:chgData name="Rafael C." userId="ffa83960b425c528" providerId="LiveId" clId="{E594DA00-7039-49B9-86C0-52C950A26DDD}" dt="2018-10-07T23:11:55.507" v="2283" actId="14100"/>
-          <ac:spMkLst>
-            <pc:docMk/>
-            <pc:sldMk cId="1985583289" sldId="286"/>
-            <ac:spMk id="8" creationId="{C5C56A8D-8669-4998-84AC-E61E22CB90DE}"/>
-          </ac:spMkLst>
-        </pc:spChg>
-        <pc:spChg chg="mod">
-          <ac:chgData name="Rafael C." userId="ffa83960b425c528" providerId="LiveId" clId="{E594DA00-7039-49B9-86C0-52C950A26DDD}" dt="2018-10-07T23:12:09.557" v="2285" actId="207"/>
-          <ac:spMkLst>
-            <pc:docMk/>
-            <pc:sldMk cId="1985583289" sldId="286"/>
-            <ac:spMk id="9218" creationId="{00000000-0000-0000-0000-000000000000}"/>
-          </ac:spMkLst>
-        </pc:spChg>
-        <pc:graphicFrameChg chg="add mod">
-          <ac:chgData name="Rafael C." userId="ffa83960b425c528" providerId="LiveId" clId="{E594DA00-7039-49B9-86C0-52C950A26DDD}" dt="2018-10-07T23:11:48.544" v="2282"/>
-          <ac:graphicFrameMkLst>
-            <pc:docMk/>
-            <pc:sldMk cId="1985583289" sldId="286"/>
-            <ac:graphicFrameMk id="5" creationId="{25BCB5EB-95AE-4647-ADEF-D74515E75CCE}"/>
-          </ac:graphicFrameMkLst>
-        </pc:graphicFrameChg>
-      </pc:sldChg>
-      <pc:sldChg chg="addSp delSp modSp add">
-        <pc:chgData name="Rafael C." userId="ffa83960b425c528" providerId="LiveId" clId="{E594DA00-7039-49B9-86C0-52C950A26DDD}" dt="2018-10-07T23:12:30.147" v="2291" actId="207"/>
-        <pc:sldMkLst>
-          <pc:docMk/>
-          <pc:sldMk cId="3744157990" sldId="287"/>
-        </pc:sldMkLst>
-        <pc:spChg chg="add mod">
-          <ac:chgData name="Rafael C." userId="ffa83960b425c528" providerId="LiveId" clId="{E594DA00-7039-49B9-86C0-52C950A26DDD}" dt="2018-10-07T23:12:30.147" v="2291" actId="207"/>
-          <ac:spMkLst>
-            <pc:docMk/>
-            <pc:sldMk cId="3744157990" sldId="287"/>
-            <ac:spMk id="6" creationId="{1DF0D132-D406-4E25-A315-798B0B5B79A7}"/>
-          </ac:spMkLst>
-        </pc:spChg>
-        <pc:spChg chg="mod">
-          <ac:chgData name="Rafael C." userId="ffa83960b425c528" providerId="LiveId" clId="{E594DA00-7039-49B9-86C0-52C950A26DDD}" dt="2018-10-07T23:12:25.275" v="2289" actId="207"/>
-          <ac:spMkLst>
-            <pc:docMk/>
-            <pc:sldMk cId="3744157990" sldId="287"/>
-            <ac:spMk id="8" creationId="{C5C56A8D-8669-4998-84AC-E61E22CB90DE}"/>
-          </ac:spMkLst>
-        </pc:spChg>
-        <pc:spChg chg="mod">
-          <ac:chgData name="Rafael C." userId="ffa83960b425c528" providerId="LiveId" clId="{E594DA00-7039-49B9-86C0-52C950A26DDD}" dt="2018-10-07T23:12:20.083" v="2287" actId="207"/>
-          <ac:spMkLst>
-            <pc:docMk/>
-            <pc:sldMk cId="3744157990" sldId="287"/>
-            <ac:spMk id="9218" creationId="{00000000-0000-0000-0000-000000000000}"/>
-          </ac:spMkLst>
-        </pc:spChg>
-        <pc:graphicFrameChg chg="del">
-          <ac:chgData name="Rafael C." userId="ffa83960b425c528" providerId="LiveId" clId="{E594DA00-7039-49B9-86C0-52C950A26DDD}" dt="2018-10-07T22:04:40.511" v="793" actId="478"/>
-          <ac:graphicFrameMkLst>
-            <pc:docMk/>
-            <pc:sldMk cId="3744157990" sldId="287"/>
-            <ac:graphicFrameMk id="5" creationId="{25BCB5EB-95AE-4647-ADEF-D74515E75CCE}"/>
-          </ac:graphicFrameMkLst>
-        </pc:graphicFrameChg>
-      </pc:sldChg>
-      <pc:sldChg chg="modSp add">
-        <pc:chgData name="Rafael C." userId="ffa83960b425c528" providerId="LiveId" clId="{E594DA00-7039-49B9-86C0-52C950A26DDD}" dt="2018-10-07T23:12:59.332" v="2300" actId="20577"/>
-        <pc:sldMkLst>
-          <pc:docMk/>
-          <pc:sldMk cId="185393901" sldId="288"/>
-        </pc:sldMkLst>
-        <pc:spChg chg="mod">
-          <ac:chgData name="Rafael C." userId="ffa83960b425c528" providerId="LiveId" clId="{E594DA00-7039-49B9-86C0-52C950A26DDD}" dt="2018-10-07T23:12:52.615" v="2297" actId="207"/>
-          <ac:spMkLst>
-            <pc:docMk/>
-            <pc:sldMk cId="185393901" sldId="288"/>
-            <ac:spMk id="6" creationId="{1DF0D132-D406-4E25-A315-798B0B5B79A7}"/>
-          </ac:spMkLst>
-        </pc:spChg>
-        <pc:spChg chg="mod">
-          <ac:chgData name="Rafael C." userId="ffa83960b425c528" providerId="LiveId" clId="{E594DA00-7039-49B9-86C0-52C950A26DDD}" dt="2018-10-07T23:12:47.186" v="2295" actId="207"/>
-          <ac:spMkLst>
-            <pc:docMk/>
-            <pc:sldMk cId="185393901" sldId="288"/>
-            <ac:spMk id="8" creationId="{C5C56A8D-8669-4998-84AC-E61E22CB90DE}"/>
-          </ac:spMkLst>
-        </pc:spChg>
-        <pc:spChg chg="mod">
-          <ac:chgData name="Rafael C." userId="ffa83960b425c528" providerId="LiveId" clId="{E594DA00-7039-49B9-86C0-52C950A26DDD}" dt="2018-10-07T23:12:59.332" v="2300" actId="20577"/>
-          <ac:spMkLst>
-            <pc:docMk/>
-            <pc:sldMk cId="185393901" sldId="288"/>
-            <ac:spMk id="9218" creationId="{00000000-0000-0000-0000-000000000000}"/>
-          </ac:spMkLst>
-        </pc:spChg>
-      </pc:sldChg>
-      <pc:sldChg chg="delSp modSp add ord">
-        <pc:chgData name="Rafael C." userId="ffa83960b425c528" providerId="LiveId" clId="{E594DA00-7039-49B9-86C0-52C950A26DDD}" dt="2018-10-07T23:15:20.556" v="2337" actId="207"/>
+      <pc:sldChg chg="addSp delSp">
+        <pc:chgData name="Rafael C." userId="ffa83960b425c528" providerId="LiveId" clId="{14A28526-ED09-4172-8A45-5D903B7C8E49}" dt="2019-06-03T20:22:12.419" v="1"/>
         <pc:sldMkLst>
           <pc:docMk/>
           <pc:sldMk cId="3692097646" sldId="289"/>
         </pc:sldMkLst>
-        <pc:spChg chg="del">
-          <ac:chgData name="Rafael C." userId="ffa83960b425c528" providerId="LiveId" clId="{E594DA00-7039-49B9-86C0-52C950A26DDD}" dt="2018-10-07T22:15:28.378" v="906" actId="478"/>
+        <pc:spChg chg="add">
+          <ac:chgData name="Rafael C." userId="ffa83960b425c528" providerId="LiveId" clId="{14A28526-ED09-4172-8A45-5D903B7C8E49}" dt="2019-06-03T20:22:12.419" v="1"/>
           <ac:spMkLst>
             <pc:docMk/>
             <pc:sldMk cId="3692097646" sldId="289"/>
-            <ac:spMk id="4" creationId="{C38DC9E2-A33D-43A5-B91A-49EDF1F542C3}"/>
+            <ac:spMk id="5" creationId="{6FBE37D8-AA2E-4DC9-90C0-36848ED42BCA}"/>
           </ac:spMkLst>
         </pc:spChg>
-        <pc:spChg chg="mod">
-          <ac:chgData name="Rafael C." userId="ffa83960b425c528" providerId="LiveId" clId="{E594DA00-7039-49B9-86C0-52C950A26DDD}" dt="2018-10-07T23:15:20.556" v="2337" actId="207"/>
+        <pc:spChg chg="del">
+          <ac:chgData name="Rafael C." userId="ffa83960b425c528" providerId="LiveId" clId="{14A28526-ED09-4172-8A45-5D903B7C8E49}" dt="2019-06-03T20:22:11.888" v="0" actId="478"/>
           <ac:spMkLst>
             <pc:docMk/>
             <pc:sldMk cId="3692097646" sldId="289"/>
@@ -409,337 +198,6 @@
           </ac:spMkLst>
         </pc:spChg>
       </pc:sldChg>
-      <pc:sldChg chg="delSp modSp add">
-        <pc:chgData name="Rafael C." userId="ffa83960b425c528" providerId="LiveId" clId="{E594DA00-7039-49B9-86C0-52C950A26DDD}" dt="2018-10-07T23:53:37.323" v="2560" actId="20577"/>
-        <pc:sldMkLst>
-          <pc:docMk/>
-          <pc:sldMk cId="1351840935" sldId="290"/>
-        </pc:sldMkLst>
-        <pc:spChg chg="del">
-          <ac:chgData name="Rafael C." userId="ffa83960b425c528" providerId="LiveId" clId="{E594DA00-7039-49B9-86C0-52C950A26DDD}" dt="2018-10-07T22:25:19.455" v="1267" actId="478"/>
-          <ac:spMkLst>
-            <pc:docMk/>
-            <pc:sldMk cId="1351840935" sldId="290"/>
-            <ac:spMk id="6" creationId="{1DF0D132-D406-4E25-A315-798B0B5B79A7}"/>
-          </ac:spMkLst>
-        </pc:spChg>
-        <pc:spChg chg="mod">
-          <ac:chgData name="Rafael C." userId="ffa83960b425c528" providerId="LiveId" clId="{E594DA00-7039-49B9-86C0-52C950A26DDD}" dt="2018-10-07T23:53:37.323" v="2560" actId="20577"/>
-          <ac:spMkLst>
-            <pc:docMk/>
-            <pc:sldMk cId="1351840935" sldId="290"/>
-            <ac:spMk id="8" creationId="{C5C56A8D-8669-4998-84AC-E61E22CB90DE}"/>
-          </ac:spMkLst>
-        </pc:spChg>
-        <pc:spChg chg="mod">
-          <ac:chgData name="Rafael C." userId="ffa83960b425c528" providerId="LiveId" clId="{E594DA00-7039-49B9-86C0-52C950A26DDD}" dt="2018-10-07T23:13:11.836" v="2302" actId="207"/>
-          <ac:spMkLst>
-            <pc:docMk/>
-            <pc:sldMk cId="1351840935" sldId="290"/>
-            <ac:spMk id="9218" creationId="{00000000-0000-0000-0000-000000000000}"/>
-          </ac:spMkLst>
-        </pc:spChg>
-      </pc:sldChg>
-      <pc:sldChg chg="addSp delSp modSp add ord">
-        <pc:chgData name="Rafael C." userId="ffa83960b425c528" providerId="LiveId" clId="{E594DA00-7039-49B9-86C0-52C950A26DDD}" dt="2018-10-07T23:13:44.132" v="2307" actId="207"/>
-        <pc:sldMkLst>
-          <pc:docMk/>
-          <pc:sldMk cId="360271288" sldId="291"/>
-        </pc:sldMkLst>
-        <pc:spChg chg="add del">
-          <ac:chgData name="Rafael C." userId="ffa83960b425c528" providerId="LiveId" clId="{E594DA00-7039-49B9-86C0-52C950A26DDD}" dt="2018-10-07T22:35:38.179" v="1516" actId="12084"/>
-          <ac:spMkLst>
-            <pc:docMk/>
-            <pc:sldMk cId="360271288" sldId="291"/>
-            <ac:spMk id="4" creationId="{C38DC9E2-A33D-43A5-B91A-49EDF1F542C3}"/>
-          </ac:spMkLst>
-        </pc:spChg>
-        <pc:spChg chg="mod">
-          <ac:chgData name="Rafael C." userId="ffa83960b425c528" providerId="LiveId" clId="{E594DA00-7039-49B9-86C0-52C950A26DDD}" dt="2018-10-07T23:13:44.132" v="2307" actId="207"/>
-          <ac:spMkLst>
-            <pc:docMk/>
-            <pc:sldMk cId="360271288" sldId="291"/>
-            <ac:spMk id="9218" creationId="{00000000-0000-0000-0000-000000000000}"/>
-          </ac:spMkLst>
-        </pc:spChg>
-        <pc:graphicFrameChg chg="add mod">
-          <ac:chgData name="Rafael C." userId="ffa83960b425c528" providerId="LiveId" clId="{E594DA00-7039-49B9-86C0-52C950A26DDD}" dt="2018-10-07T22:58:00.800" v="1961" actId="20577"/>
-          <ac:graphicFrameMkLst>
-            <pc:docMk/>
-            <pc:sldMk cId="360271288" sldId="291"/>
-            <ac:graphicFrameMk id="2" creationId="{C4844DA5-81D4-434D-BC17-924A3A9F7C1B}"/>
-          </ac:graphicFrameMkLst>
-        </pc:graphicFrameChg>
-      </pc:sldChg>
-      <pc:sldChg chg="modSp add ord">
-        <pc:chgData name="Rafael C." userId="ffa83960b425c528" providerId="LiveId" clId="{E594DA00-7039-49B9-86C0-52C950A26DDD}" dt="2018-10-07T23:14:00.744" v="2311" actId="207"/>
-        <pc:sldMkLst>
-          <pc:docMk/>
-          <pc:sldMk cId="1852200853" sldId="292"/>
-        </pc:sldMkLst>
-        <pc:spChg chg="mod">
-          <ac:chgData name="Rafael C." userId="ffa83960b425c528" providerId="LiveId" clId="{E594DA00-7039-49B9-86C0-52C950A26DDD}" dt="2018-10-07T23:14:00.744" v="2311" actId="207"/>
-          <ac:spMkLst>
-            <pc:docMk/>
-            <pc:sldMk cId="1852200853" sldId="292"/>
-            <ac:spMk id="4" creationId="{C38DC9E2-A33D-43A5-B91A-49EDF1F542C3}"/>
-          </ac:spMkLst>
-        </pc:spChg>
-        <pc:spChg chg="mod">
-          <ac:chgData name="Rafael C." userId="ffa83960b425c528" providerId="LiveId" clId="{E594DA00-7039-49B9-86C0-52C950A26DDD}" dt="2018-10-07T23:13:53.847" v="2309" actId="207"/>
-          <ac:spMkLst>
-            <pc:docMk/>
-            <pc:sldMk cId="1852200853" sldId="292"/>
-            <ac:spMk id="9218" creationId="{00000000-0000-0000-0000-000000000000}"/>
-          </ac:spMkLst>
-        </pc:spChg>
-      </pc:sldChg>
-      <pc:sldChg chg="addSp delSp modSp add">
-        <pc:chgData name="Rafael C." userId="ffa83960b425c528" providerId="LiveId" clId="{E594DA00-7039-49B9-86C0-52C950A26DDD}" dt="2018-10-07T22:56:51.441" v="1940" actId="1076"/>
-        <pc:sldMkLst>
-          <pc:docMk/>
-          <pc:sldMk cId="3940013595" sldId="293"/>
-        </pc:sldMkLst>
-        <pc:picChg chg="del">
-          <ac:chgData name="Rafael C." userId="ffa83960b425c528" providerId="LiveId" clId="{E594DA00-7039-49B9-86C0-52C950A26DDD}" dt="2018-10-07T22:56:01.337" v="1930" actId="478"/>
-          <ac:picMkLst>
-            <pc:docMk/>
-            <pc:sldMk cId="3940013595" sldId="293"/>
-            <ac:picMk id="6" creationId="{13B1FCAF-5D21-4D30-A3ED-0E9608E7A37F}"/>
-          </ac:picMkLst>
-        </pc:picChg>
-        <pc:picChg chg="add mod">
-          <ac:chgData name="Rafael C." userId="ffa83960b425c528" providerId="LiveId" clId="{E594DA00-7039-49B9-86C0-52C950A26DDD}" dt="2018-10-07T22:56:51.441" v="1940" actId="1076"/>
-          <ac:picMkLst>
-            <pc:docMk/>
-            <pc:sldMk cId="3940013595" sldId="293"/>
-            <ac:picMk id="7" creationId="{89CE1F4C-FE64-40BC-954F-C91BDD8CCE57}"/>
-          </ac:picMkLst>
-        </pc:picChg>
-      </pc:sldChg>
-      <pc:sldChg chg="modSp add ord">
-        <pc:chgData name="Rafael C." userId="ffa83960b425c528" providerId="LiveId" clId="{E594DA00-7039-49B9-86C0-52C950A26DDD}" dt="2018-10-07T23:14:16.830" v="2315" actId="207"/>
-        <pc:sldMkLst>
-          <pc:docMk/>
-          <pc:sldMk cId="3232185289" sldId="294"/>
-        </pc:sldMkLst>
-        <pc:spChg chg="mod">
-          <ac:chgData name="Rafael C." userId="ffa83960b425c528" providerId="LiveId" clId="{E594DA00-7039-49B9-86C0-52C950A26DDD}" dt="2018-10-07T23:14:16.830" v="2315" actId="207"/>
-          <ac:spMkLst>
-            <pc:docMk/>
-            <pc:sldMk cId="3232185289" sldId="294"/>
-            <ac:spMk id="4" creationId="{C38DC9E2-A33D-43A5-B91A-49EDF1F542C3}"/>
-          </ac:spMkLst>
-        </pc:spChg>
-        <pc:spChg chg="mod">
-          <ac:chgData name="Rafael C." userId="ffa83960b425c528" providerId="LiveId" clId="{E594DA00-7039-49B9-86C0-52C950A26DDD}" dt="2018-10-07T23:14:14.057" v="2314" actId="207"/>
-          <ac:spMkLst>
-            <pc:docMk/>
-            <pc:sldMk cId="3232185289" sldId="294"/>
-            <ac:spMk id="9218" creationId="{00000000-0000-0000-0000-000000000000}"/>
-          </ac:spMkLst>
-        </pc:spChg>
-      </pc:sldChg>
-      <pc:sldChg chg="modSp add ord">
-        <pc:chgData name="Rafael C." userId="ffa83960b425c528" providerId="LiveId" clId="{E594DA00-7039-49B9-86C0-52C950A26DDD}" dt="2018-10-07T23:23:28.196" v="2487" actId="20577"/>
-        <pc:sldMkLst>
-          <pc:docMk/>
-          <pc:sldMk cId="1232290577" sldId="295"/>
-        </pc:sldMkLst>
-        <pc:spChg chg="mod">
-          <ac:chgData name="Rafael C." userId="ffa83960b425c528" providerId="LiveId" clId="{E594DA00-7039-49B9-86C0-52C950A26DDD}" dt="2018-10-07T23:23:28.196" v="2487" actId="20577"/>
-          <ac:spMkLst>
-            <pc:docMk/>
-            <pc:sldMk cId="1232290577" sldId="295"/>
-            <ac:spMk id="9218" creationId="{00000000-0000-0000-0000-000000000000}"/>
-          </ac:spMkLst>
-        </pc:spChg>
-        <pc:graphicFrameChg chg="mod">
-          <ac:chgData name="Rafael C." userId="ffa83960b425c528" providerId="LiveId" clId="{E594DA00-7039-49B9-86C0-52C950A26DDD}" dt="2018-10-07T23:22:56.150" v="2471" actId="14100"/>
-          <ac:graphicFrameMkLst>
-            <pc:docMk/>
-            <pc:sldMk cId="1232290577" sldId="295"/>
-            <ac:graphicFrameMk id="2" creationId="{C4844DA5-81D4-434D-BC17-924A3A9F7C1B}"/>
-          </ac:graphicFrameMkLst>
-        </pc:graphicFrameChg>
-      </pc:sldChg>
-      <pc:sldChg chg="modSp add ord">
-        <pc:chgData name="Rafael C." userId="ffa83960b425c528" providerId="LiveId" clId="{E594DA00-7039-49B9-86C0-52C950A26DDD}" dt="2018-10-08T02:53:33.994" v="2951" actId="20577"/>
-        <pc:sldMkLst>
-          <pc:docMk/>
-          <pc:sldMk cId="2700683622" sldId="298"/>
-        </pc:sldMkLst>
-        <pc:spChg chg="mod">
-          <ac:chgData name="Rafael C." userId="ffa83960b425c528" providerId="LiveId" clId="{E594DA00-7039-49B9-86C0-52C950A26DDD}" dt="2018-10-08T02:53:33.994" v="2951" actId="20577"/>
-          <ac:spMkLst>
-            <pc:docMk/>
-            <pc:sldMk cId="2700683622" sldId="298"/>
-            <ac:spMk id="4" creationId="{C38DC9E2-A33D-43A5-B91A-49EDF1F542C3}"/>
-          </ac:spMkLst>
-        </pc:spChg>
-        <pc:spChg chg="mod">
-          <ac:chgData name="Rafael C." userId="ffa83960b425c528" providerId="LiveId" clId="{E594DA00-7039-49B9-86C0-52C950A26DDD}" dt="2018-10-08T02:53:29.896" v="2950" actId="20577"/>
-          <ac:spMkLst>
-            <pc:docMk/>
-            <pc:sldMk cId="2700683622" sldId="298"/>
-            <ac:spMk id="9218" creationId="{00000000-0000-0000-0000-000000000000}"/>
-          </ac:spMkLst>
-        </pc:spChg>
-      </pc:sldChg>
-      <pc:sldChg chg="modSp add">
-        <pc:chgData name="Rafael C." userId="ffa83960b425c528" providerId="LiveId" clId="{E594DA00-7039-49B9-86C0-52C950A26DDD}" dt="2018-10-08T02:53:55.184" v="2972" actId="20577"/>
-        <pc:sldMkLst>
-          <pc:docMk/>
-          <pc:sldMk cId="852196473" sldId="299"/>
-        </pc:sldMkLst>
-        <pc:spChg chg="mod">
-          <ac:chgData name="Rafael C." userId="ffa83960b425c528" providerId="LiveId" clId="{E594DA00-7039-49B9-86C0-52C950A26DDD}" dt="2018-10-08T02:28:16.068" v="2927" actId="20577"/>
-          <ac:spMkLst>
-            <pc:docMk/>
-            <pc:sldMk cId="852196473" sldId="299"/>
-            <ac:spMk id="4" creationId="{C38DC9E2-A33D-43A5-B91A-49EDF1F542C3}"/>
-          </ac:spMkLst>
-        </pc:spChg>
-        <pc:spChg chg="mod">
-          <ac:chgData name="Rafael C." userId="ffa83960b425c528" providerId="LiveId" clId="{E594DA00-7039-49B9-86C0-52C950A26DDD}" dt="2018-10-08T02:53:55.184" v="2972" actId="20577"/>
-          <ac:spMkLst>
-            <pc:docMk/>
-            <pc:sldMk cId="852196473" sldId="299"/>
-            <ac:spMk id="9218" creationId="{00000000-0000-0000-0000-000000000000}"/>
-          </ac:spMkLst>
-        </pc:spChg>
-      </pc:sldChg>
-      <pc:sldChg chg="modSp add ord">
-        <pc:chgData name="Rafael C." userId="ffa83960b425c528" providerId="LiveId" clId="{E594DA00-7039-49B9-86C0-52C950A26DDD}" dt="2018-10-08T03:19:15.326" v="3121" actId="15"/>
-        <pc:sldMkLst>
-          <pc:docMk/>
-          <pc:sldMk cId="1424225713" sldId="300"/>
-        </pc:sldMkLst>
-        <pc:spChg chg="mod">
-          <ac:chgData name="Rafael C." userId="ffa83960b425c528" providerId="LiveId" clId="{E594DA00-7039-49B9-86C0-52C950A26DDD}" dt="2018-10-08T03:19:15.326" v="3121" actId="15"/>
-          <ac:spMkLst>
-            <pc:docMk/>
-            <pc:sldMk cId="1424225713" sldId="300"/>
-            <ac:spMk id="4" creationId="{C38DC9E2-A33D-43A5-B91A-49EDF1F542C3}"/>
-          </ac:spMkLst>
-        </pc:spChg>
-        <pc:spChg chg="mod">
-          <ac:chgData name="Rafael C." userId="ffa83960b425c528" providerId="LiveId" clId="{E594DA00-7039-49B9-86C0-52C950A26DDD}" dt="2018-10-08T03:18:29.785" v="2994" actId="20577"/>
-          <ac:spMkLst>
-            <pc:docMk/>
-            <pc:sldMk cId="1424225713" sldId="300"/>
-            <ac:spMk id="9218" creationId="{00000000-0000-0000-0000-000000000000}"/>
-          </ac:spMkLst>
-        </pc:spChg>
-      </pc:sldChg>
-      <pc:sldChg chg="modSp add">
-        <pc:chgData name="Rafael C." userId="ffa83960b425c528" providerId="LiveId" clId="{E594DA00-7039-49B9-86C0-52C950A26DDD}" dt="2018-10-08T03:34:25.018" v="3744" actId="20577"/>
-        <pc:sldMkLst>
-          <pc:docMk/>
-          <pc:sldMk cId="1681808164" sldId="301"/>
-        </pc:sldMkLst>
-        <pc:spChg chg="mod">
-          <ac:chgData name="Rafael C." userId="ffa83960b425c528" providerId="LiveId" clId="{E594DA00-7039-49B9-86C0-52C950A26DDD}" dt="2018-10-08T03:34:25.018" v="3744" actId="20577"/>
-          <ac:spMkLst>
-            <pc:docMk/>
-            <pc:sldMk cId="1681808164" sldId="301"/>
-            <ac:spMk id="4" creationId="{C38DC9E2-A33D-43A5-B91A-49EDF1F542C3}"/>
-          </ac:spMkLst>
-        </pc:spChg>
-        <pc:spChg chg="mod">
-          <ac:chgData name="Rafael C." userId="ffa83960b425c528" providerId="LiveId" clId="{E594DA00-7039-49B9-86C0-52C950A26DDD}" dt="2018-10-08T03:19:37.250" v="3152" actId="20577"/>
-          <ac:spMkLst>
-            <pc:docMk/>
-            <pc:sldMk cId="1681808164" sldId="301"/>
-            <ac:spMk id="9218" creationId="{00000000-0000-0000-0000-000000000000}"/>
-          </ac:spMkLst>
-        </pc:spChg>
-      </pc:sldChg>
-      <pc:sldChg chg="add ord">
-        <pc:chgData name="Rafael C." userId="ffa83960b425c528" providerId="LiveId" clId="{E594DA00-7039-49B9-86C0-52C950A26DDD}" dt="2018-10-08T03:21:54.025" v="3160"/>
-        <pc:sldMkLst>
-          <pc:docMk/>
-          <pc:sldMk cId="1501414601" sldId="302"/>
-        </pc:sldMkLst>
-      </pc:sldChg>
-      <pc:sldChg chg="modSp add">
-        <pc:chgData name="Rafael C." userId="ffa83960b425c528" providerId="LiveId" clId="{E594DA00-7039-49B9-86C0-52C950A26DDD}" dt="2018-10-08T03:32:33.231" v="3734" actId="20577"/>
-        <pc:sldMkLst>
-          <pc:docMk/>
-          <pc:sldMk cId="3783006610" sldId="303"/>
-        </pc:sldMkLst>
-        <pc:spChg chg="mod">
-          <ac:chgData name="Rafael C." userId="ffa83960b425c528" providerId="LiveId" clId="{E594DA00-7039-49B9-86C0-52C950A26DDD}" dt="2018-10-08T03:32:33.231" v="3734" actId="20577"/>
-          <ac:spMkLst>
-            <pc:docMk/>
-            <pc:sldMk cId="3783006610" sldId="303"/>
-            <ac:spMk id="4" creationId="{C38DC9E2-A33D-43A5-B91A-49EDF1F542C3}"/>
-          </ac:spMkLst>
-        </pc:spChg>
-      </pc:sldChg>
-      <pc:sldChg chg="modSp add">
-        <pc:chgData name="Rafael C." userId="ffa83960b425c528" providerId="LiveId" clId="{E594DA00-7039-49B9-86C0-52C950A26DDD}" dt="2018-10-08T03:36:32.960" v="3947" actId="20577"/>
-        <pc:sldMkLst>
-          <pc:docMk/>
-          <pc:sldMk cId="2707493303" sldId="304"/>
-        </pc:sldMkLst>
-        <pc:spChg chg="mod">
-          <ac:chgData name="Rafael C." userId="ffa83960b425c528" providerId="LiveId" clId="{E594DA00-7039-49B9-86C0-52C950A26DDD}" dt="2018-10-08T03:36:32.960" v="3947" actId="20577"/>
-          <ac:spMkLst>
-            <pc:docMk/>
-            <pc:sldMk cId="2707493303" sldId="304"/>
-            <ac:spMk id="4" creationId="{C38DC9E2-A33D-43A5-B91A-49EDF1F542C3}"/>
-          </ac:spMkLst>
-        </pc:spChg>
-        <pc:spChg chg="mod">
-          <ac:chgData name="Rafael C." userId="ffa83960b425c528" providerId="LiveId" clId="{E594DA00-7039-49B9-86C0-52C950A26DDD}" dt="2018-10-08T03:35:59.055" v="3780" actId="313"/>
-          <ac:spMkLst>
-            <pc:docMk/>
-            <pc:sldMk cId="2707493303" sldId="304"/>
-            <ac:spMk id="9218" creationId="{00000000-0000-0000-0000-000000000000}"/>
-          </ac:spMkLst>
-        </pc:spChg>
-      </pc:sldChg>
-      <pc:sldChg chg="addSp modSp add">
-        <pc:chgData name="Rafael C." userId="ffa83960b425c528" providerId="LiveId" clId="{E594DA00-7039-49B9-86C0-52C950A26DDD}" dt="2018-10-08T03:39:34.812" v="3971" actId="14100"/>
-        <pc:sldMkLst>
-          <pc:docMk/>
-          <pc:sldMk cId="3363998633" sldId="305"/>
-        </pc:sldMkLst>
-        <pc:spChg chg="mod">
-          <ac:chgData name="Rafael C." userId="ffa83960b425c528" providerId="LiveId" clId="{E594DA00-7039-49B9-86C0-52C950A26DDD}" dt="2018-10-08T03:39:27.501" v="3962" actId="14100"/>
-          <ac:spMkLst>
-            <pc:docMk/>
-            <pc:sldMk cId="3363998633" sldId="305"/>
-            <ac:spMk id="4" creationId="{C38DC9E2-A33D-43A5-B91A-49EDF1F542C3}"/>
-          </ac:spMkLst>
-        </pc:spChg>
-        <pc:spChg chg="mod">
-          <ac:chgData name="Rafael C." userId="ffa83960b425c528" providerId="LiveId" clId="{E594DA00-7039-49B9-86C0-52C950A26DDD}" dt="2018-10-08T03:37:07.160" v="3956" actId="5793"/>
-          <ac:spMkLst>
-            <pc:docMk/>
-            <pc:sldMk cId="3363998633" sldId="305"/>
-            <ac:spMk id="9218" creationId="{00000000-0000-0000-0000-000000000000}"/>
-          </ac:spMkLst>
-        </pc:spChg>
-        <pc:picChg chg="add mod">
-          <ac:chgData name="Rafael C." userId="ffa83960b425c528" providerId="LiveId" clId="{E594DA00-7039-49B9-86C0-52C950A26DDD}" dt="2018-10-08T03:39:34.812" v="3971" actId="14100"/>
-          <ac:picMkLst>
-            <pc:docMk/>
-            <pc:sldMk cId="3363998633" sldId="305"/>
-            <ac:picMk id="3" creationId="{3FCCA4E3-0811-4FD0-9052-744BBA7B906F}"/>
-          </ac:picMkLst>
-        </pc:picChg>
-      </pc:sldChg>
-    </pc:docChg>
-  </pc:docChgLst>
-  <pc:docChgLst>
-    <pc:chgData name="Rafael C." userId="ffa83960b425c528" providerId="LiveId" clId="{A1A6CC59-1AE6-40B8-B2C9-6E34EF2ED440}"/>
-    <pc:docChg chg="undo custSel delSld modSld">
-      <pc:chgData name="Rafael C." userId="ffa83960b425c528" providerId="LiveId" clId="{A1A6CC59-1AE6-40B8-B2C9-6E34EF2ED440}" dt="2018-10-07T18:29:18.067" v="6" actId="2696"/>
-      <pc:docMkLst>
-        <pc:docMk/>
-      </pc:docMkLst>
     </pc:docChg>
   </pc:docChgLst>
 </pc:chgInfo>
@@ -19776,7 +19234,7 @@
           <a:p>
             <a:fld id="{1B690E39-F30C-4A14-BE95-FF764D57248C}" type="datetimeFigureOut">
               <a:rPr lang="es-AR" smtClean="0"/>
-              <a:t>1/11/2018</a:t>
+              <a:t>3/6/2019</a:t>
             </a:fld>
             <a:endParaRPr lang="es-AR"/>
           </a:p>
@@ -35596,23 +35054,19 @@
               <a:t>Introducción a </a:t>
             </a:r>
             <a:r>
-              <a:rPr lang="en" sz="6000" noProof="0">
+              <a:rPr lang="en" sz="6000" noProof="0" dirty="0">
                 <a:latin typeface="Calibri" panose="020F0502020204030204" pitchFamily="34" charset="0"/>
                 <a:cs typeface="Calibri" panose="020F0502020204030204" pitchFamily="34" charset="0"/>
               </a:rPr>
               <a:t>Data </a:t>
             </a:r>
             <a:r>
-              <a:rPr lang="en" sz="6600" noProof="0">
+              <a:rPr lang="en" sz="6600" noProof="0" dirty="0">
                 <a:latin typeface="Calibri" panose="020F0502020204030204" pitchFamily="34" charset="0"/>
                 <a:cs typeface="Calibri" panose="020F0502020204030204" pitchFamily="34" charset="0"/>
               </a:rPr>
               <a:t>Science</a:t>
             </a:r>
-            <a:endParaRPr lang="en" sz="6600" noProof="0" dirty="0">
-              <a:latin typeface="Calibri" panose="020F0502020204030204" pitchFamily="34" charset="0"/>
-              <a:cs typeface="Calibri" panose="020F0502020204030204" pitchFamily="34" charset="0"/>
-            </a:endParaRPr>
           </a:p>
         </p:txBody>
       </p:sp>
@@ -38277,9 +37731,56 @@
           <a:chExt cx="0" cy="0"/>
         </a:xfrm>
       </p:grpSpPr>
+      <p:pic>
+        <p:nvPicPr>
+          <p:cNvPr id="4" name="Picture 4" descr="C:\Users\rcrescenzi\OneDrive\docencia\UCEMA\ucema_logo.png"/>
+          <p:cNvPicPr>
+            <a:picLocks noChangeAspect="1" noChangeArrowheads="1"/>
+          </p:cNvPicPr>
+          <p:nvPr/>
+        </p:nvPicPr>
+        <p:blipFill>
+          <a:blip r:embed="rId3" cstate="print">
+            <a:extLst>
+              <a:ext uri="{28A0092B-C50C-407E-A947-70E740481C1C}">
+                <a14:useLocalDpi xmlns:a14="http://schemas.microsoft.com/office/drawing/2010/main" val="0"/>
+              </a:ext>
+            </a:extLst>
+          </a:blip>
+          <a:srcRect/>
+          <a:stretch>
+            <a:fillRect/>
+          </a:stretch>
+        </p:blipFill>
+        <p:spPr bwMode="auto">
+          <a:xfrm>
+            <a:off x="8461829" y="-149930"/>
+            <a:ext cx="3672116" cy="1344437"/>
+          </a:xfrm>
+          <a:prstGeom prst="rect">
+            <a:avLst/>
+          </a:prstGeom>
+          <a:noFill/>
+          <a:extLst>
+            <a:ext uri="{909E8E84-426E-40DD-AFC4-6F175D3DCCD1}">
+              <a14:hiddenFill xmlns:a14="http://schemas.microsoft.com/office/drawing/2010/main">
+                <a:solidFill>
+                  <a:srgbClr val="FFFFFF"/>
+                </a:solidFill>
+              </a14:hiddenFill>
+            </a:ext>
+          </a:extLst>
+        </p:spPr>
+      </p:pic>
       <p:sp>
         <p:nvSpPr>
-          <p:cNvPr id="9218" name="1 Rectángulo"/>
+          <p:cNvPr id="5" name="1 Rectángulo">
+            <a:extLst>
+              <a:ext uri="{FF2B5EF4-FFF2-40B4-BE49-F238E27FC236}">
+                <a16:creationId xmlns:a16="http://schemas.microsoft.com/office/drawing/2014/main" id="{6FBE37D8-AA2E-4DC9-90C0-36848ED42BCA}"/>
+              </a:ext>
+            </a:extLst>
+          </p:cNvPr>
           <p:cNvSpPr>
             <a:spLocks noChangeArrowheads="1"/>
           </p:cNvSpPr>
@@ -38404,40 +37905,26 @@
               <a:defRPr/>
             </a:pPr>
             <a:r>
-              <a:rPr kumimoji="0" lang="es-AR" altLang="es-AR" sz="2800" b="1" i="0" u="none" strike="noStrike" kern="1200" cap="none" spc="0" normalizeH="0" baseline="0" noProof="0" dirty="0" err="1">
-                <a:ln>
-                  <a:noFill/>
-                </a:ln>
-                <a:effectLst/>
-                <a:uLnTx/>
-                <a:uFillTx/>
+              <a:rPr lang="es-AR" altLang="es-AR" sz="2800" b="1" dirty="0">
                 <a:latin typeface="Arial" panose="020B0604020202020204" pitchFamily="34" charset="0"/>
                 <a:ea typeface="Microsoft YaHei" panose="020B0503020204020204" pitchFamily="34" charset="-122"/>
-                <a:cs typeface="Arial"/>
               </a:rPr>
-              <a:t>Actuari</a:t>
+              <a:t>Actuario / Master en Data </a:t>
+            </a:r>
+            <a:r>
+              <a:rPr lang="es-AR" altLang="es-AR" sz="2800" b="1" dirty="0" err="1">
+                <a:latin typeface="Arial" panose="020B0604020202020204" pitchFamily="34" charset="0"/>
+                <a:ea typeface="Microsoft YaHei" panose="020B0503020204020204" pitchFamily="34" charset="-122"/>
+              </a:rPr>
+              <a:t>Mining</a:t>
             </a:r>
             <a:r>
               <a:rPr lang="es-AR" altLang="es-AR" sz="2800" b="1" dirty="0">
                 <a:latin typeface="Arial" panose="020B0604020202020204" pitchFamily="34" charset="0"/>
                 <a:ea typeface="Microsoft YaHei" panose="020B0503020204020204" pitchFamily="34" charset="-122"/>
-                <a:cs typeface="Arial"/>
               </a:rPr>
-              <a:t>o / Master en Data </a:t>
+              <a:t> / Doctorando</a:t>
             </a:r>
-            <a:r>
-              <a:rPr lang="es-AR" altLang="es-AR" sz="2800" b="1" dirty="0" err="1">
-                <a:latin typeface="Arial" panose="020B0604020202020204" pitchFamily="34" charset="0"/>
-                <a:ea typeface="Microsoft YaHei" panose="020B0503020204020204" pitchFamily="34" charset="-122"/>
-                <a:cs typeface="Arial"/>
-              </a:rPr>
-              <a:t>Mining</a:t>
-            </a:r>
-            <a:endParaRPr lang="es-AR" altLang="es-AR" sz="2800" b="1" dirty="0">
-              <a:latin typeface="Arial" panose="020B0604020202020204" pitchFamily="34" charset="0"/>
-              <a:ea typeface="Microsoft YaHei" panose="020B0503020204020204" pitchFamily="34" charset="-122"/>
-              <a:cs typeface="Arial"/>
-            </a:endParaRPr>
           </a:p>
           <a:p>
             <a:pPr lvl="2" defTabSz="599002" fontAlgn="base" hangingPunct="0">
@@ -38456,20 +37943,30 @@
               <a:buSzPct val="100000"/>
               <a:defRPr/>
             </a:pPr>
-            <a:endParaRPr kumimoji="0" lang="es-AR" altLang="es-AR" sz="3600" b="1" i="0" u="none" strike="noStrike" kern="1200" cap="none" spc="0" normalizeH="0" baseline="0" noProof="0" dirty="0">
-              <a:ln>
-                <a:noFill/>
-              </a:ln>
-              <a:effectLst/>
-              <a:uLnTx/>
-              <a:uFillTx/>
-              <a:latin typeface="Arial" panose="020B0604020202020204" pitchFamily="34" charset="0"/>
-              <a:ea typeface="Microsoft YaHei" panose="020B0503020204020204" pitchFamily="34" charset="-122"/>
-              <a:cs typeface="Arial"/>
-            </a:endParaRPr>
+            <a:r>
+              <a:rPr lang="es-AR" altLang="es-AR" sz="2800" b="1" dirty="0">
+                <a:latin typeface="Arial" panose="020B0604020202020204" pitchFamily="34" charset="0"/>
+                <a:ea typeface="Microsoft YaHei" panose="020B0503020204020204" pitchFamily="34" charset="-122"/>
+              </a:rPr>
+              <a:t>Data </a:t>
+            </a:r>
+            <a:r>
+              <a:rPr lang="es-AR" altLang="es-AR" sz="2800" b="1" dirty="0" err="1">
+                <a:latin typeface="Arial" panose="020B0604020202020204" pitchFamily="34" charset="0"/>
+                <a:ea typeface="Microsoft YaHei" panose="020B0503020204020204" pitchFamily="34" charset="-122"/>
+              </a:rPr>
+              <a:t>Scientist</a:t>
+            </a:r>
+            <a:r>
+              <a:rPr lang="es-AR" altLang="es-AR" sz="2800" b="1" dirty="0">
+                <a:latin typeface="Arial" panose="020B0604020202020204" pitchFamily="34" charset="0"/>
+                <a:ea typeface="Microsoft YaHei" panose="020B0503020204020204" pitchFamily="34" charset="-122"/>
+              </a:rPr>
+              <a:t> / Emprendedor</a:t>
+            </a:r>
           </a:p>
           <a:p>
-            <a:pPr marL="1485900" lvl="2" indent="-571500" defTabSz="599002" fontAlgn="base" hangingPunct="0">
+            <a:pPr lvl="2" defTabSz="599002" fontAlgn="base" hangingPunct="0">
               <a:lnSpc>
                 <a:spcPct val="93000"/>
               </a:lnSpc>
@@ -38479,30 +37976,15 @@
               <a:spcAft>
                 <a:spcPct val="0"/>
               </a:spcAft>
+              <a:buClr>
+                <a:srgbClr val="000000"/>
+              </a:buClr>
               <a:buSzPct val="100000"/>
-              <a:buFont typeface="Arial" panose="020B0604020202020204" pitchFamily="34" charset="0"/>
-              <a:buChar char="•"/>
               <a:defRPr/>
             </a:pPr>
-            <a:r>
-              <a:rPr lang="es-AR" altLang="es-AR" sz="2400" b="1" dirty="0">
-                <a:latin typeface="Arial" panose="020B0604020202020204" pitchFamily="34" charset="0"/>
-                <a:ea typeface="Microsoft YaHei" panose="020B0503020204020204" pitchFamily="34" charset="-122"/>
-                <a:cs typeface="Arial"/>
-                <a:hlinkClick r:id="rId3">
-                  <a:extLst>
-                    <a:ext uri="{A12FA001-AC4F-418D-AE19-62706E023703}">
-                      <ahyp:hlinkClr xmlns:ahyp="http://schemas.microsoft.com/office/drawing/2018/hyperlinkcolor" val="tx"/>
-                    </a:ext>
-                  </a:extLst>
-                </a:hlinkClick>
-              </a:rPr>
-              <a:t>rafael.crescenzi@Gmail.com</a:t>
-            </a:r>
-            <a:endParaRPr lang="es-AR" altLang="es-AR" sz="2400" b="1" dirty="0">
+            <a:endParaRPr lang="es-AR" altLang="es-AR" sz="3600" b="1" u="sng" dirty="0">
               <a:latin typeface="Arial" panose="020B0604020202020204" pitchFamily="34" charset="0"/>
               <a:ea typeface="Microsoft YaHei" panose="020B0503020204020204" pitchFamily="34" charset="-122"/>
-              <a:cs typeface="Arial"/>
             </a:endParaRPr>
           </a:p>
           <a:p>
@@ -38526,6 +38008,41 @@
                 <a:latin typeface="Arial" panose="020B0604020202020204" pitchFamily="34" charset="0"/>
                 <a:ea typeface="Microsoft YaHei" panose="020B0503020204020204" pitchFamily="34" charset="-122"/>
                 <a:hlinkClick r:id="rId4">
+                  <a:extLst>
+                    <a:ext uri="{A12FA001-AC4F-418D-AE19-62706E023703}">
+                      <ahyp:hlinkClr xmlns:ahyp="http://schemas.microsoft.com/office/drawing/2018/hyperlinkcolor" val="tx"/>
+                    </a:ext>
+                  </a:extLst>
+                </a:hlinkClick>
+              </a:rPr>
+              <a:t>rcrescenzi@acordarweb.com</a:t>
+            </a:r>
+            <a:endParaRPr lang="es-AR" altLang="es-AR" sz="2400" b="1" dirty="0">
+              <a:latin typeface="Arial" panose="020B0604020202020204" pitchFamily="34" charset="0"/>
+              <a:ea typeface="Microsoft YaHei" panose="020B0503020204020204" pitchFamily="34" charset="-122"/>
+            </a:endParaRPr>
+          </a:p>
+          <a:p>
+            <a:pPr marL="1485900" lvl="2" indent="-571500" defTabSz="599002" fontAlgn="base" hangingPunct="0">
+              <a:lnSpc>
+                <a:spcPct val="93000"/>
+              </a:lnSpc>
+              <a:spcBef>
+                <a:spcPct val="0"/>
+              </a:spcBef>
+              <a:spcAft>
+                <a:spcPct val="0"/>
+              </a:spcAft>
+              <a:buSzPct val="100000"/>
+              <a:buFont typeface="Arial" panose="020B0604020202020204" pitchFamily="34" charset="0"/>
+              <a:buChar char="•"/>
+              <a:defRPr/>
+            </a:pPr>
+            <a:r>
+              <a:rPr lang="es-AR" altLang="es-AR" sz="2400" b="1" dirty="0">
+                <a:latin typeface="Arial" panose="020B0604020202020204" pitchFamily="34" charset="0"/>
+                <a:ea typeface="Microsoft YaHei" panose="020B0503020204020204" pitchFamily="34" charset="-122"/>
+                <a:hlinkClick r:id="rId5">
                   <a:extLst>
                     <a:ext uri="{A12FA001-AC4F-418D-AE19-62706E023703}">
                       <ahyp:hlinkClr xmlns:ahyp="http://schemas.microsoft.com/office/drawing/2018/hyperlinkcolor" val="tx"/>
@@ -38561,7 +38078,7 @@
               <a:rPr lang="es-AR" altLang="es-AR" sz="2400" b="1" dirty="0">
                 <a:latin typeface="Arial" panose="020B0604020202020204" pitchFamily="34" charset="0"/>
                 <a:ea typeface="Microsoft YaHei" panose="020B0503020204020204" pitchFamily="34" charset="-122"/>
-                <a:hlinkClick r:id="rId5">
+                <a:hlinkClick r:id="rId6">
                   <a:extLst>
                     <a:ext uri="{A12FA001-AC4F-418D-AE19-62706E023703}">
                       <ahyp:hlinkClr xmlns:ahyp="http://schemas.microsoft.com/office/drawing/2018/hyperlinkcolor" val="tx"/>
@@ -38596,7 +38113,7 @@
               <a:rPr lang="es-AR" altLang="es-AR" sz="2400" b="1" dirty="0">
                 <a:latin typeface="Arial" panose="020B0604020202020204" pitchFamily="34" charset="0"/>
                 <a:ea typeface="Microsoft YaHei" panose="020B0503020204020204" pitchFamily="34" charset="-122"/>
-                <a:hlinkClick r:id="rId6">
+                <a:hlinkClick r:id="rId7">
                   <a:extLst>
                     <a:ext uri="{A12FA001-AC4F-418D-AE19-62706E023703}">
                       <ahyp:hlinkClr xmlns:ahyp="http://schemas.microsoft.com/office/drawing/2018/hyperlinkcolor" val="tx"/>
@@ -38613,47 +38130,6 @@
           </a:p>
         </p:txBody>
       </p:sp>
-      <p:pic>
-        <p:nvPicPr>
-          <p:cNvPr id="4" name="Picture 4" descr="C:\Users\rcrescenzi\OneDrive\docencia\UCEMA\ucema_logo.png"/>
-          <p:cNvPicPr>
-            <a:picLocks noChangeAspect="1" noChangeArrowheads="1"/>
-          </p:cNvPicPr>
-          <p:nvPr/>
-        </p:nvPicPr>
-        <p:blipFill>
-          <a:blip r:embed="rId7" cstate="print">
-            <a:extLst>
-              <a:ext uri="{28A0092B-C50C-407E-A947-70E740481C1C}">
-                <a14:useLocalDpi xmlns:a14="http://schemas.microsoft.com/office/drawing/2010/main" val="0"/>
-              </a:ext>
-            </a:extLst>
-          </a:blip>
-          <a:srcRect/>
-          <a:stretch>
-            <a:fillRect/>
-          </a:stretch>
-        </p:blipFill>
-        <p:spPr bwMode="auto">
-          <a:xfrm>
-            <a:off x="8461829" y="-149930"/>
-            <a:ext cx="3672116" cy="1344437"/>
-          </a:xfrm>
-          <a:prstGeom prst="rect">
-            <a:avLst/>
-          </a:prstGeom>
-          <a:noFill/>
-          <a:extLst>
-            <a:ext uri="{909E8E84-426E-40DD-AFC4-6F175D3DCCD1}">
-              <a14:hiddenFill xmlns:a14="http://schemas.microsoft.com/office/drawing/2010/main">
-                <a:solidFill>
-                  <a:srgbClr val="FFFFFF"/>
-                </a:solidFill>
-              </a14:hiddenFill>
-            </a:ext>
-          </a:extLst>
-        </p:spPr>
-      </p:pic>
     </p:spTree>
     <p:extLst>
       <p:ext uri="{BB962C8B-B14F-4D97-AF65-F5344CB8AC3E}">

--- a/1. intro.pptx
+++ b/1. intro.pptx
@@ -12,28 +12,28 @@
     <p:sldId id="289" r:id="rId3"/>
     <p:sldId id="278" r:id="rId4"/>
     <p:sldId id="286" r:id="rId5"/>
-    <p:sldId id="287" r:id="rId6"/>
-    <p:sldId id="288" r:id="rId7"/>
-    <p:sldId id="290" r:id="rId8"/>
-    <p:sldId id="291" r:id="rId9"/>
-    <p:sldId id="292" r:id="rId10"/>
-    <p:sldId id="274" r:id="rId11"/>
-    <p:sldId id="280" r:id="rId12"/>
-    <p:sldId id="293" r:id="rId13"/>
-    <p:sldId id="294" r:id="rId14"/>
-    <p:sldId id="295" r:id="rId15"/>
-    <p:sldId id="298" r:id="rId16"/>
-    <p:sldId id="299" r:id="rId17"/>
-    <p:sldId id="308" r:id="rId18"/>
-    <p:sldId id="310" r:id="rId19"/>
-    <p:sldId id="309" r:id="rId20"/>
-    <p:sldId id="307" r:id="rId21"/>
-    <p:sldId id="300" r:id="rId22"/>
-    <p:sldId id="301" r:id="rId23"/>
-    <p:sldId id="303" r:id="rId24"/>
-    <p:sldId id="304" r:id="rId25"/>
-    <p:sldId id="305" r:id="rId26"/>
-    <p:sldId id="302" r:id="rId27"/>
+    <p:sldId id="311" r:id="rId6"/>
+    <p:sldId id="287" r:id="rId7"/>
+    <p:sldId id="288" r:id="rId8"/>
+    <p:sldId id="290" r:id="rId9"/>
+    <p:sldId id="291" r:id="rId10"/>
+    <p:sldId id="292" r:id="rId11"/>
+    <p:sldId id="274" r:id="rId12"/>
+    <p:sldId id="280" r:id="rId13"/>
+    <p:sldId id="293" r:id="rId14"/>
+    <p:sldId id="294" r:id="rId15"/>
+    <p:sldId id="295" r:id="rId16"/>
+    <p:sldId id="298" r:id="rId17"/>
+    <p:sldId id="299" r:id="rId18"/>
+    <p:sldId id="308" r:id="rId19"/>
+    <p:sldId id="310" r:id="rId20"/>
+    <p:sldId id="309" r:id="rId21"/>
+    <p:sldId id="307" r:id="rId22"/>
+    <p:sldId id="300" r:id="rId23"/>
+    <p:sldId id="301" r:id="rId24"/>
+    <p:sldId id="303" r:id="rId25"/>
+    <p:sldId id="304" r:id="rId26"/>
+    <p:sldId id="305" r:id="rId27"/>
     <p:sldId id="306" r:id="rId28"/>
   </p:sldIdLst>
   <p:sldSz cx="12192000" cy="6858000"/>
@@ -155,7 +155,7 @@
 <file path=ppt/revisionInfo.xml><?xml version="1.0" encoding="utf-8"?>
 <p1510:revInfo xmlns:a="http://schemas.openxmlformats.org/drawingml/2006/main" xmlns:r="http://schemas.openxmlformats.org/officeDocument/2006/relationships" xmlns:p1510="http://schemas.microsoft.com/office/powerpoint/2015/10/main">
   <p1510:revLst>
-    <p1510:client id="{14A28526-ED09-4172-8A45-5D903B7C8E49}" v="1" dt="2019-06-03T20:22:12.419"/>
+    <p1510:client id="{B6E615A7-D2B1-4486-90E2-38A11958ACF4}" v="23" dt="2020-09-07T21:10:56.828"/>
   </p1510:revLst>
 </p1510:revInfo>
 </file>
@@ -163,10 +163,1040 @@
 <file path=ppt/changesInfos/changesInfo1.xml><?xml version="1.0" encoding="utf-8"?>
 <pc:chgInfo xmlns:a="http://schemas.openxmlformats.org/drawingml/2006/main" xmlns:r="http://schemas.openxmlformats.org/officeDocument/2006/relationships" xmlns:ac="http://schemas.microsoft.com/office/drawing/2013/main/command" xmlns:pc="http://schemas.microsoft.com/office/powerpoint/2013/main/command">
   <pc:docChgLst>
-    <pc:chgData name="Rafael C." userId="ffa83960b425c528" providerId="LiveId" clId="{E594DA00-7039-49B9-86C0-52C950A26DDD}"/>
+    <pc:chgData name="Rafael C." userId="ffa83960b425c528" providerId="LiveId" clId="{B6E615A7-D2B1-4486-90E2-38A11958ACF4}"/>
+    <pc:docChg chg="undo custSel addSld modSld">
+      <pc:chgData name="Rafael C." userId="ffa83960b425c528" providerId="LiveId" clId="{B6E615A7-D2B1-4486-90E2-38A11958ACF4}" dt="2020-09-07T21:17:41.805" v="283" actId="313"/>
+      <pc:docMkLst>
+        <pc:docMk/>
+      </pc:docMkLst>
+      <pc:sldChg chg="modSp mod">
+        <pc:chgData name="Rafael C." userId="ffa83960b425c528" providerId="LiveId" clId="{B6E615A7-D2B1-4486-90E2-38A11958ACF4}" dt="2020-09-07T21:06:46.691" v="30" actId="108"/>
+        <pc:sldMkLst>
+          <pc:docMk/>
+          <pc:sldMk cId="3692097646" sldId="289"/>
+        </pc:sldMkLst>
+        <pc:spChg chg="mod">
+          <ac:chgData name="Rafael C." userId="ffa83960b425c528" providerId="LiveId" clId="{B6E615A7-D2B1-4486-90E2-38A11958ACF4}" dt="2020-09-07T21:06:46.691" v="30" actId="108"/>
+          <ac:spMkLst>
+            <pc:docMk/>
+            <pc:sldMk cId="3692097646" sldId="289"/>
+            <ac:spMk id="5" creationId="{6FBE37D8-AA2E-4DC9-90C0-36848ED42BCA}"/>
+          </ac:spMkLst>
+        </pc:spChg>
+      </pc:sldChg>
+      <pc:sldChg chg="modSp mod">
+        <pc:chgData name="Rafael C." userId="ffa83960b425c528" providerId="LiveId" clId="{B6E615A7-D2B1-4486-90E2-38A11958ACF4}" dt="2020-09-07T21:17:41.805" v="283" actId="313"/>
+        <pc:sldMkLst>
+          <pc:docMk/>
+          <pc:sldMk cId="2700683622" sldId="298"/>
+        </pc:sldMkLst>
+        <pc:spChg chg="mod">
+          <ac:chgData name="Rafael C." userId="ffa83960b425c528" providerId="LiveId" clId="{B6E615A7-D2B1-4486-90E2-38A11958ACF4}" dt="2020-09-07T21:17:41.805" v="283" actId="313"/>
+          <ac:spMkLst>
+            <pc:docMk/>
+            <pc:sldMk cId="2700683622" sldId="298"/>
+            <ac:spMk id="4" creationId="{C38DC9E2-A33D-43A5-B91A-49EDF1F542C3}"/>
+          </ac:spMkLst>
+        </pc:spChg>
+      </pc:sldChg>
+      <pc:sldChg chg="addSp delSp modSp add mod delAnim modAnim">
+        <pc:chgData name="Rafael C." userId="ffa83960b425c528" providerId="LiveId" clId="{B6E615A7-D2B1-4486-90E2-38A11958ACF4}" dt="2020-09-07T21:12:21.053" v="190" actId="20577"/>
+        <pc:sldMkLst>
+          <pc:docMk/>
+          <pc:sldMk cId="1582580063" sldId="311"/>
+        </pc:sldMkLst>
+        <pc:spChg chg="add mod">
+          <ac:chgData name="Rafael C." userId="ffa83960b425c528" providerId="LiveId" clId="{B6E615A7-D2B1-4486-90E2-38A11958ACF4}" dt="2020-09-07T21:10:40.378" v="78" actId="14100"/>
+          <ac:spMkLst>
+            <pc:docMk/>
+            <pc:sldMk cId="1582580063" sldId="311"/>
+            <ac:spMk id="2" creationId="{5F07913B-D99A-4E9B-BF7F-3949940C336E}"/>
+          </ac:spMkLst>
+        </pc:spChg>
+        <pc:spChg chg="add">
+          <ac:chgData name="Rafael C." userId="ffa83960b425c528" providerId="LiveId" clId="{B6E615A7-D2B1-4486-90E2-38A11958ACF4}" dt="2020-09-07T21:11:12.313" v="82" actId="22"/>
+          <ac:spMkLst>
+            <pc:docMk/>
+            <pc:sldMk cId="1582580063" sldId="311"/>
+            <ac:spMk id="3" creationId="{AF312A61-371B-4BD1-9948-D86BEC34C04B}"/>
+          </ac:spMkLst>
+        </pc:spChg>
+        <pc:spChg chg="add del mod">
+          <ac:chgData name="Rafael C." userId="ffa83960b425c528" providerId="LiveId" clId="{B6E615A7-D2B1-4486-90E2-38A11958ACF4}" dt="2020-09-07T21:08:44.058" v="34"/>
+          <ac:spMkLst>
+            <pc:docMk/>
+            <pc:sldMk cId="1582580063" sldId="311"/>
+            <ac:spMk id="6" creationId="{6CCA8984-0554-4AAD-BEAC-530508A13817}"/>
+          </ac:spMkLst>
+        </pc:spChg>
+        <pc:spChg chg="add del mod">
+          <ac:chgData name="Rafael C." userId="ffa83960b425c528" providerId="LiveId" clId="{B6E615A7-D2B1-4486-90E2-38A11958ACF4}" dt="2020-09-07T21:08:44.058" v="34"/>
+          <ac:spMkLst>
+            <pc:docMk/>
+            <pc:sldMk cId="1582580063" sldId="311"/>
+            <ac:spMk id="7" creationId="{FD6E9B8B-678D-4373-AA5E-84CF53E4EB3D}"/>
+          </ac:spMkLst>
+        </pc:spChg>
+        <pc:spChg chg="add del">
+          <ac:chgData name="Rafael C." userId="ffa83960b425c528" providerId="LiveId" clId="{B6E615A7-D2B1-4486-90E2-38A11958ACF4}" dt="2020-09-07T21:08:51.919" v="38" actId="478"/>
+          <ac:spMkLst>
+            <pc:docMk/>
+            <pc:sldMk cId="1582580063" sldId="311"/>
+            <ac:spMk id="8" creationId="{C5C56A8D-8669-4998-84AC-E61E22CB90DE}"/>
+          </ac:spMkLst>
+        </pc:spChg>
+        <pc:spChg chg="add del mod">
+          <ac:chgData name="Rafael C." userId="ffa83960b425c528" providerId="LiveId" clId="{B6E615A7-D2B1-4486-90E2-38A11958ACF4}" dt="2020-09-07T21:08:44.058" v="34"/>
+          <ac:spMkLst>
+            <pc:docMk/>
+            <pc:sldMk cId="1582580063" sldId="311"/>
+            <ac:spMk id="14" creationId="{D7C7D2B9-B89A-416D-A998-963380B6F376}"/>
+          </ac:spMkLst>
+        </pc:spChg>
+        <pc:spChg chg="add del mod">
+          <ac:chgData name="Rafael C." userId="ffa83960b425c528" providerId="LiveId" clId="{B6E615A7-D2B1-4486-90E2-38A11958ACF4}" dt="2020-09-07T21:08:44.058" v="34"/>
+          <ac:spMkLst>
+            <pc:docMk/>
+            <pc:sldMk cId="1582580063" sldId="311"/>
+            <ac:spMk id="15" creationId="{5103F8EC-3290-4751-A645-4BDFED022B94}"/>
+          </ac:spMkLst>
+        </pc:spChg>
+        <pc:spChg chg="mod">
+          <ac:chgData name="Rafael C." userId="ffa83960b425c528" providerId="LiveId" clId="{B6E615A7-D2B1-4486-90E2-38A11958ACF4}" dt="2020-09-07T21:08:41.578" v="33"/>
+          <ac:spMkLst>
+            <pc:docMk/>
+            <pc:sldMk cId="1582580063" sldId="311"/>
+            <ac:spMk id="17" creationId="{1DC9FB9A-D4FC-499C-AD34-71868CA21194}"/>
+          </ac:spMkLst>
+        </pc:spChg>
+        <pc:spChg chg="mod">
+          <ac:chgData name="Rafael C." userId="ffa83960b425c528" providerId="LiveId" clId="{B6E615A7-D2B1-4486-90E2-38A11958ACF4}" dt="2020-09-07T21:08:41.578" v="33"/>
+          <ac:spMkLst>
+            <pc:docMk/>
+            <pc:sldMk cId="1582580063" sldId="311"/>
+            <ac:spMk id="18" creationId="{DAA99400-65B7-4444-B5CD-30EBF540567B}"/>
+          </ac:spMkLst>
+        </pc:spChg>
+        <pc:spChg chg="mod">
+          <ac:chgData name="Rafael C." userId="ffa83960b425c528" providerId="LiveId" clId="{B6E615A7-D2B1-4486-90E2-38A11958ACF4}" dt="2020-09-07T21:08:41.578" v="33"/>
+          <ac:spMkLst>
+            <pc:docMk/>
+            <pc:sldMk cId="1582580063" sldId="311"/>
+            <ac:spMk id="20" creationId="{7E1E572D-BBC5-448C-94F2-9B758037D063}"/>
+          </ac:spMkLst>
+        </pc:spChg>
+        <pc:spChg chg="mod">
+          <ac:chgData name="Rafael C." userId="ffa83960b425c528" providerId="LiveId" clId="{B6E615A7-D2B1-4486-90E2-38A11958ACF4}" dt="2020-09-07T21:08:41.578" v="33"/>
+          <ac:spMkLst>
+            <pc:docMk/>
+            <pc:sldMk cId="1582580063" sldId="311"/>
+            <ac:spMk id="21" creationId="{28C341C6-DC43-44CD-82E5-F06235C6FEE3}"/>
+          </ac:spMkLst>
+        </pc:spChg>
+        <pc:spChg chg="mod">
+          <ac:chgData name="Rafael C." userId="ffa83960b425c528" providerId="LiveId" clId="{B6E615A7-D2B1-4486-90E2-38A11958ACF4}" dt="2020-09-07T21:08:41.578" v="33"/>
+          <ac:spMkLst>
+            <pc:docMk/>
+            <pc:sldMk cId="1582580063" sldId="311"/>
+            <ac:spMk id="23" creationId="{87023CE1-FDF9-4E6D-BB11-A9BC30CDCFFB}"/>
+          </ac:spMkLst>
+        </pc:spChg>
+        <pc:spChg chg="mod">
+          <ac:chgData name="Rafael C." userId="ffa83960b425c528" providerId="LiveId" clId="{B6E615A7-D2B1-4486-90E2-38A11958ACF4}" dt="2020-09-07T21:08:41.578" v="33"/>
+          <ac:spMkLst>
+            <pc:docMk/>
+            <pc:sldMk cId="1582580063" sldId="311"/>
+            <ac:spMk id="24" creationId="{1809AC29-AAB1-41C1-90DD-3E60DD465680}"/>
+          </ac:spMkLst>
+        </pc:spChg>
+        <pc:spChg chg="mod">
+          <ac:chgData name="Rafael C." userId="ffa83960b425c528" providerId="LiveId" clId="{B6E615A7-D2B1-4486-90E2-38A11958ACF4}" dt="2020-09-07T21:08:41.578" v="33"/>
+          <ac:spMkLst>
+            <pc:docMk/>
+            <pc:sldMk cId="1582580063" sldId="311"/>
+            <ac:spMk id="26" creationId="{C7B23F26-77EC-4180-AE69-33CA92325C08}"/>
+          </ac:spMkLst>
+        </pc:spChg>
+        <pc:spChg chg="mod">
+          <ac:chgData name="Rafael C." userId="ffa83960b425c528" providerId="LiveId" clId="{B6E615A7-D2B1-4486-90E2-38A11958ACF4}" dt="2020-09-07T21:08:41.578" v="33"/>
+          <ac:spMkLst>
+            <pc:docMk/>
+            <pc:sldMk cId="1582580063" sldId="311"/>
+            <ac:spMk id="27" creationId="{228E3020-D36B-4991-8ECC-916E090F26D0}"/>
+          </ac:spMkLst>
+        </pc:spChg>
+        <pc:spChg chg="add del mod">
+          <ac:chgData name="Rafael C." userId="ffa83960b425c528" providerId="LiveId" clId="{B6E615A7-D2B1-4486-90E2-38A11958ACF4}" dt="2020-09-07T21:10:00.503" v="51"/>
+          <ac:spMkLst>
+            <pc:docMk/>
+            <pc:sldMk cId="1582580063" sldId="311"/>
+            <ac:spMk id="31" creationId="{9D8C40C3-D7FC-4525-8790-4C365831EC92}"/>
+          </ac:spMkLst>
+        </pc:spChg>
+        <pc:spChg chg="add del mod">
+          <ac:chgData name="Rafael C." userId="ffa83960b425c528" providerId="LiveId" clId="{B6E615A7-D2B1-4486-90E2-38A11958ACF4}" dt="2020-09-07T21:10:00.503" v="51"/>
+          <ac:spMkLst>
+            <pc:docMk/>
+            <pc:sldMk cId="1582580063" sldId="311"/>
+            <ac:spMk id="32" creationId="{BC3817F7-7D81-4C12-9511-5800B6013F4A}"/>
+          </ac:spMkLst>
+        </pc:spChg>
+        <pc:spChg chg="add del mod">
+          <ac:chgData name="Rafael C." userId="ffa83960b425c528" providerId="LiveId" clId="{B6E615A7-D2B1-4486-90E2-38A11958ACF4}" dt="2020-09-07T21:10:00.503" v="51"/>
+          <ac:spMkLst>
+            <pc:docMk/>
+            <pc:sldMk cId="1582580063" sldId="311"/>
+            <ac:spMk id="38" creationId="{CFE701F7-B926-43A5-9FF6-C856F746D238}"/>
+          </ac:spMkLst>
+        </pc:spChg>
+        <pc:spChg chg="add del mod">
+          <ac:chgData name="Rafael C." userId="ffa83960b425c528" providerId="LiveId" clId="{B6E615A7-D2B1-4486-90E2-38A11958ACF4}" dt="2020-09-07T21:10:00.503" v="51"/>
+          <ac:spMkLst>
+            <pc:docMk/>
+            <pc:sldMk cId="1582580063" sldId="311"/>
+            <ac:spMk id="39" creationId="{8A121766-7577-4F18-8F22-CC13962898CC}"/>
+          </ac:spMkLst>
+        </pc:spChg>
+        <pc:spChg chg="mod">
+          <ac:chgData name="Rafael C." userId="ffa83960b425c528" providerId="LiveId" clId="{B6E615A7-D2B1-4486-90E2-38A11958ACF4}" dt="2020-09-07T21:09:31.014" v="48"/>
+          <ac:spMkLst>
+            <pc:docMk/>
+            <pc:sldMk cId="1582580063" sldId="311"/>
+            <ac:spMk id="41" creationId="{0575287B-6FD6-4D9F-A9D7-E8C59F80AF4B}"/>
+          </ac:spMkLst>
+        </pc:spChg>
+        <pc:spChg chg="mod">
+          <ac:chgData name="Rafael C." userId="ffa83960b425c528" providerId="LiveId" clId="{B6E615A7-D2B1-4486-90E2-38A11958ACF4}" dt="2020-09-07T21:09:31.014" v="48"/>
+          <ac:spMkLst>
+            <pc:docMk/>
+            <pc:sldMk cId="1582580063" sldId="311"/>
+            <ac:spMk id="42" creationId="{22CF8175-6375-49B6-89A7-FDB7B5610AAE}"/>
+          </ac:spMkLst>
+        </pc:spChg>
+        <pc:spChg chg="mod">
+          <ac:chgData name="Rafael C." userId="ffa83960b425c528" providerId="LiveId" clId="{B6E615A7-D2B1-4486-90E2-38A11958ACF4}" dt="2020-09-07T21:09:31.014" v="48"/>
+          <ac:spMkLst>
+            <pc:docMk/>
+            <pc:sldMk cId="1582580063" sldId="311"/>
+            <ac:spMk id="44" creationId="{FBBEAC86-74A4-48F3-A4D3-D3D4169E9FF7}"/>
+          </ac:spMkLst>
+        </pc:spChg>
+        <pc:spChg chg="mod">
+          <ac:chgData name="Rafael C." userId="ffa83960b425c528" providerId="LiveId" clId="{B6E615A7-D2B1-4486-90E2-38A11958ACF4}" dt="2020-09-07T21:09:31.014" v="48"/>
+          <ac:spMkLst>
+            <pc:docMk/>
+            <pc:sldMk cId="1582580063" sldId="311"/>
+            <ac:spMk id="45" creationId="{29875129-6AB7-4279-A980-D8E38D75739C}"/>
+          </ac:spMkLst>
+        </pc:spChg>
+        <pc:spChg chg="mod">
+          <ac:chgData name="Rafael C." userId="ffa83960b425c528" providerId="LiveId" clId="{B6E615A7-D2B1-4486-90E2-38A11958ACF4}" dt="2020-09-07T21:09:31.014" v="48"/>
+          <ac:spMkLst>
+            <pc:docMk/>
+            <pc:sldMk cId="1582580063" sldId="311"/>
+            <ac:spMk id="47" creationId="{A124F315-1B12-4ECC-961D-3F7C9E8CA25D}"/>
+          </ac:spMkLst>
+        </pc:spChg>
+        <pc:spChg chg="mod">
+          <ac:chgData name="Rafael C." userId="ffa83960b425c528" providerId="LiveId" clId="{B6E615A7-D2B1-4486-90E2-38A11958ACF4}" dt="2020-09-07T21:09:31.014" v="48"/>
+          <ac:spMkLst>
+            <pc:docMk/>
+            <pc:sldMk cId="1582580063" sldId="311"/>
+            <ac:spMk id="48" creationId="{D2C8BAC6-3981-4112-A5FB-778BD6EBD115}"/>
+          </ac:spMkLst>
+        </pc:spChg>
+        <pc:spChg chg="mod">
+          <ac:chgData name="Rafael C." userId="ffa83960b425c528" providerId="LiveId" clId="{B6E615A7-D2B1-4486-90E2-38A11958ACF4}" dt="2020-09-07T21:09:31.014" v="48"/>
+          <ac:spMkLst>
+            <pc:docMk/>
+            <pc:sldMk cId="1582580063" sldId="311"/>
+            <ac:spMk id="50" creationId="{CE91A933-1D86-4F53-9508-7E7845A485D2}"/>
+          </ac:spMkLst>
+        </pc:spChg>
+        <pc:spChg chg="mod">
+          <ac:chgData name="Rafael C." userId="ffa83960b425c528" providerId="LiveId" clId="{B6E615A7-D2B1-4486-90E2-38A11958ACF4}" dt="2020-09-07T21:09:31.014" v="48"/>
+          <ac:spMkLst>
+            <pc:docMk/>
+            <pc:sldMk cId="1582580063" sldId="311"/>
+            <ac:spMk id="51" creationId="{26841E3B-5052-483D-B1EE-CC76B3072BC0}"/>
+          </ac:spMkLst>
+        </pc:spChg>
+        <pc:spChg chg="mod topLvl">
+          <ac:chgData name="Rafael C." userId="ffa83960b425c528" providerId="LiveId" clId="{B6E615A7-D2B1-4486-90E2-38A11958ACF4}" dt="2020-09-07T21:10:56.826" v="79" actId="165"/>
+          <ac:spMkLst>
+            <pc:docMk/>
+            <pc:sldMk cId="1582580063" sldId="311"/>
+            <ac:spMk id="58" creationId="{5FB05A28-C081-4D34-AD8E-1280D0656035}"/>
+          </ac:spMkLst>
+        </pc:spChg>
+        <pc:spChg chg="mod">
+          <ac:chgData name="Rafael C." userId="ffa83960b425c528" providerId="LiveId" clId="{B6E615A7-D2B1-4486-90E2-38A11958ACF4}" dt="2020-09-07T21:10:56.826" v="79" actId="165"/>
+          <ac:spMkLst>
+            <pc:docMk/>
+            <pc:sldMk cId="1582580063" sldId="311"/>
+            <ac:spMk id="65" creationId="{CA5717FA-677E-4E6C-BE32-0262C42F17D7}"/>
+          </ac:spMkLst>
+        </pc:spChg>
+        <pc:spChg chg="mod">
+          <ac:chgData name="Rafael C." userId="ffa83960b425c528" providerId="LiveId" clId="{B6E615A7-D2B1-4486-90E2-38A11958ACF4}" dt="2020-09-07T21:10:56.826" v="79" actId="165"/>
+          <ac:spMkLst>
+            <pc:docMk/>
+            <pc:sldMk cId="1582580063" sldId="311"/>
+            <ac:spMk id="66" creationId="{124AA9CC-12E2-43D4-B854-FB957D68E2BA}"/>
+          </ac:spMkLst>
+        </pc:spChg>
+        <pc:spChg chg="mod">
+          <ac:chgData name="Rafael C." userId="ffa83960b425c528" providerId="LiveId" clId="{B6E615A7-D2B1-4486-90E2-38A11958ACF4}" dt="2020-09-07T21:10:56.826" v="79" actId="165"/>
+          <ac:spMkLst>
+            <pc:docMk/>
+            <pc:sldMk cId="1582580063" sldId="311"/>
+            <ac:spMk id="67" creationId="{BAFCB49D-39CF-4AC2-8EC3-095D1173E51C}"/>
+          </ac:spMkLst>
+        </pc:spChg>
+        <pc:spChg chg="mod">
+          <ac:chgData name="Rafael C." userId="ffa83960b425c528" providerId="LiveId" clId="{B6E615A7-D2B1-4486-90E2-38A11958ACF4}" dt="2020-09-07T21:10:56.826" v="79" actId="165"/>
+          <ac:spMkLst>
+            <pc:docMk/>
+            <pc:sldMk cId="1582580063" sldId="311"/>
+            <ac:spMk id="68" creationId="{B7A3ABAB-9D11-4530-8147-09BF16B214F1}"/>
+          </ac:spMkLst>
+        </pc:spChg>
+        <pc:spChg chg="mod">
+          <ac:chgData name="Rafael C." userId="ffa83960b425c528" providerId="LiveId" clId="{B6E615A7-D2B1-4486-90E2-38A11958ACF4}" dt="2020-09-07T21:10:56.826" v="79" actId="165"/>
+          <ac:spMkLst>
+            <pc:docMk/>
+            <pc:sldMk cId="1582580063" sldId="311"/>
+            <ac:spMk id="69" creationId="{165E39A5-6D3B-474F-BD1D-2862B146549C}"/>
+          </ac:spMkLst>
+        </pc:spChg>
+        <pc:spChg chg="mod">
+          <ac:chgData name="Rafael C." userId="ffa83960b425c528" providerId="LiveId" clId="{B6E615A7-D2B1-4486-90E2-38A11958ACF4}" dt="2020-09-07T21:10:56.826" v="79" actId="165"/>
+          <ac:spMkLst>
+            <pc:docMk/>
+            <pc:sldMk cId="1582580063" sldId="311"/>
+            <ac:spMk id="70" creationId="{D1BAA1A7-4A5D-4499-83F6-319DAF0B1011}"/>
+          </ac:spMkLst>
+        </pc:spChg>
+        <pc:spChg chg="mod">
+          <ac:chgData name="Rafael C." userId="ffa83960b425c528" providerId="LiveId" clId="{B6E615A7-D2B1-4486-90E2-38A11958ACF4}" dt="2020-09-07T21:10:56.826" v="79" actId="165"/>
+          <ac:spMkLst>
+            <pc:docMk/>
+            <pc:sldMk cId="1582580063" sldId="311"/>
+            <ac:spMk id="71" creationId="{CEAB8522-A14F-427C-8A46-7EC1C2329324}"/>
+          </ac:spMkLst>
+        </pc:spChg>
+        <pc:spChg chg="mod">
+          <ac:chgData name="Rafael C." userId="ffa83960b425c528" providerId="LiveId" clId="{B6E615A7-D2B1-4486-90E2-38A11958ACF4}" dt="2020-09-07T21:10:56.826" v="79" actId="165"/>
+          <ac:spMkLst>
+            <pc:docMk/>
+            <pc:sldMk cId="1582580063" sldId="311"/>
+            <ac:spMk id="72" creationId="{D5234438-DB49-4304-8163-E5AE93ACF5D7}"/>
+          </ac:spMkLst>
+        </pc:spChg>
+        <pc:spChg chg="add del mod">
+          <ac:chgData name="Rafael C." userId="ffa83960b425c528" providerId="LiveId" clId="{B6E615A7-D2B1-4486-90E2-38A11958ACF4}" dt="2020-09-07T21:12:21.053" v="190" actId="20577"/>
+          <ac:spMkLst>
+            <pc:docMk/>
+            <pc:sldMk cId="1582580063" sldId="311"/>
+            <ac:spMk id="9218" creationId="{00000000-0000-0000-0000-000000000000}"/>
+          </ac:spMkLst>
+        </pc:spChg>
+        <pc:grpChg chg="add del mod">
+          <ac:chgData name="Rafael C." userId="ffa83960b425c528" providerId="LiveId" clId="{B6E615A7-D2B1-4486-90E2-38A11958ACF4}" dt="2020-09-07T21:08:44.058" v="34"/>
+          <ac:grpSpMkLst>
+            <pc:docMk/>
+            <pc:sldMk cId="1582580063" sldId="311"/>
+            <ac:grpSpMk id="9" creationId="{98556272-0C36-4A5A-8491-D49E85FD6B91}"/>
+          </ac:grpSpMkLst>
+        </pc:grpChg>
+        <pc:grpChg chg="add del mod">
+          <ac:chgData name="Rafael C." userId="ffa83960b425c528" providerId="LiveId" clId="{B6E615A7-D2B1-4486-90E2-38A11958ACF4}" dt="2020-09-07T21:08:44.058" v="34"/>
+          <ac:grpSpMkLst>
+            <pc:docMk/>
+            <pc:sldMk cId="1582580063" sldId="311"/>
+            <ac:grpSpMk id="16" creationId="{A3CD2141-FDA0-4C15-8720-DED55574D564}"/>
+          </ac:grpSpMkLst>
+        </pc:grpChg>
+        <pc:grpChg chg="add del mod">
+          <ac:chgData name="Rafael C." userId="ffa83960b425c528" providerId="LiveId" clId="{B6E615A7-D2B1-4486-90E2-38A11958ACF4}" dt="2020-09-07T21:08:44.058" v="34"/>
+          <ac:grpSpMkLst>
+            <pc:docMk/>
+            <pc:sldMk cId="1582580063" sldId="311"/>
+            <ac:grpSpMk id="19" creationId="{E647BE2C-F97B-4949-8355-33DBCD9527A9}"/>
+          </ac:grpSpMkLst>
+        </pc:grpChg>
+        <pc:grpChg chg="add del mod">
+          <ac:chgData name="Rafael C." userId="ffa83960b425c528" providerId="LiveId" clId="{B6E615A7-D2B1-4486-90E2-38A11958ACF4}" dt="2020-09-07T21:08:44.058" v="34"/>
+          <ac:grpSpMkLst>
+            <pc:docMk/>
+            <pc:sldMk cId="1582580063" sldId="311"/>
+            <ac:grpSpMk id="22" creationId="{DBA5447C-FB48-4FF4-A736-30C550E1A61A}"/>
+          </ac:grpSpMkLst>
+        </pc:grpChg>
+        <pc:grpChg chg="add del mod">
+          <ac:chgData name="Rafael C." userId="ffa83960b425c528" providerId="LiveId" clId="{B6E615A7-D2B1-4486-90E2-38A11958ACF4}" dt="2020-09-07T21:08:44.058" v="34"/>
+          <ac:grpSpMkLst>
+            <pc:docMk/>
+            <pc:sldMk cId="1582580063" sldId="311"/>
+            <ac:grpSpMk id="25" creationId="{3251935C-CF31-4243-8DA4-737613DD709F}"/>
+          </ac:grpSpMkLst>
+        </pc:grpChg>
+        <pc:grpChg chg="add del mod">
+          <ac:chgData name="Rafael C." userId="ffa83960b425c528" providerId="LiveId" clId="{B6E615A7-D2B1-4486-90E2-38A11958ACF4}" dt="2020-09-07T21:10:00.503" v="51"/>
+          <ac:grpSpMkLst>
+            <pc:docMk/>
+            <pc:sldMk cId="1582580063" sldId="311"/>
+            <ac:grpSpMk id="33" creationId="{FD99EC97-F978-4833-BBF5-BA7392E7C6A8}"/>
+          </ac:grpSpMkLst>
+        </pc:grpChg>
+        <pc:grpChg chg="add del mod">
+          <ac:chgData name="Rafael C." userId="ffa83960b425c528" providerId="LiveId" clId="{B6E615A7-D2B1-4486-90E2-38A11958ACF4}" dt="2020-09-07T21:10:00.503" v="51"/>
+          <ac:grpSpMkLst>
+            <pc:docMk/>
+            <pc:sldMk cId="1582580063" sldId="311"/>
+            <ac:grpSpMk id="40" creationId="{57013CC7-C0F1-46FB-AB22-813FB893007B}"/>
+          </ac:grpSpMkLst>
+        </pc:grpChg>
+        <pc:grpChg chg="add del mod">
+          <ac:chgData name="Rafael C." userId="ffa83960b425c528" providerId="LiveId" clId="{B6E615A7-D2B1-4486-90E2-38A11958ACF4}" dt="2020-09-07T21:10:00.503" v="51"/>
+          <ac:grpSpMkLst>
+            <pc:docMk/>
+            <pc:sldMk cId="1582580063" sldId="311"/>
+            <ac:grpSpMk id="43" creationId="{003F858F-ACB6-45D7-8179-C06337FB187B}"/>
+          </ac:grpSpMkLst>
+        </pc:grpChg>
+        <pc:grpChg chg="add del mod">
+          <ac:chgData name="Rafael C." userId="ffa83960b425c528" providerId="LiveId" clId="{B6E615A7-D2B1-4486-90E2-38A11958ACF4}" dt="2020-09-07T21:10:00.503" v="51"/>
+          <ac:grpSpMkLst>
+            <pc:docMk/>
+            <pc:sldMk cId="1582580063" sldId="311"/>
+            <ac:grpSpMk id="46" creationId="{684BD821-1EAB-42D4-AA29-E77B034EB6E0}"/>
+          </ac:grpSpMkLst>
+        </pc:grpChg>
+        <pc:grpChg chg="add del mod">
+          <ac:chgData name="Rafael C." userId="ffa83960b425c528" providerId="LiveId" clId="{B6E615A7-D2B1-4486-90E2-38A11958ACF4}" dt="2020-09-07T21:10:00.503" v="51"/>
+          <ac:grpSpMkLst>
+            <pc:docMk/>
+            <pc:sldMk cId="1582580063" sldId="311"/>
+            <ac:grpSpMk id="49" creationId="{C3C9262F-46A5-4DC2-98FA-3863F4F1CC62}"/>
+          </ac:grpSpMkLst>
+        </pc:grpChg>
+        <pc:grpChg chg="add del mod">
+          <ac:chgData name="Rafael C." userId="ffa83960b425c528" providerId="LiveId" clId="{B6E615A7-D2B1-4486-90E2-38A11958ACF4}" dt="2020-09-07T21:10:56.826" v="79" actId="165"/>
+          <ac:grpSpMkLst>
+            <pc:docMk/>
+            <pc:sldMk cId="1582580063" sldId="311"/>
+            <ac:grpSpMk id="54" creationId="{A7B253DA-A881-42FE-A22A-E9688B7D4DB8}"/>
+          </ac:grpSpMkLst>
+        </pc:grpChg>
+        <pc:grpChg chg="del mod topLvl">
+          <ac:chgData name="Rafael C." userId="ffa83960b425c528" providerId="LiveId" clId="{B6E615A7-D2B1-4486-90E2-38A11958ACF4}" dt="2020-09-07T21:10:58.476" v="80" actId="478"/>
+          <ac:grpSpMkLst>
+            <pc:docMk/>
+            <pc:sldMk cId="1582580063" sldId="311"/>
+            <ac:grpSpMk id="55" creationId="{41B1FA24-09C2-4AB6-82A8-4780E43180DC}"/>
+          </ac:grpSpMkLst>
+        </pc:grpChg>
+        <pc:grpChg chg="mod topLvl">
+          <ac:chgData name="Rafael C." userId="ffa83960b425c528" providerId="LiveId" clId="{B6E615A7-D2B1-4486-90E2-38A11958ACF4}" dt="2020-09-07T21:10:56.826" v="79" actId="165"/>
+          <ac:grpSpMkLst>
+            <pc:docMk/>
+            <pc:sldMk cId="1582580063" sldId="311"/>
+            <ac:grpSpMk id="59" creationId="{00D0F66F-F532-4CBB-8BEA-D513F066B73A}"/>
+          </ac:grpSpMkLst>
+        </pc:grpChg>
+        <pc:grpChg chg="mod topLvl">
+          <ac:chgData name="Rafael C." userId="ffa83960b425c528" providerId="LiveId" clId="{B6E615A7-D2B1-4486-90E2-38A11958ACF4}" dt="2020-09-07T21:10:56.826" v="79" actId="165"/>
+          <ac:grpSpMkLst>
+            <pc:docMk/>
+            <pc:sldMk cId="1582580063" sldId="311"/>
+            <ac:grpSpMk id="60" creationId="{879996F0-CDB7-4ACA-AC3F-15E4B845FC6F}"/>
+          </ac:grpSpMkLst>
+        </pc:grpChg>
+        <pc:grpChg chg="mod topLvl">
+          <ac:chgData name="Rafael C." userId="ffa83960b425c528" providerId="LiveId" clId="{B6E615A7-D2B1-4486-90E2-38A11958ACF4}" dt="2020-09-07T21:10:56.826" v="79" actId="165"/>
+          <ac:grpSpMkLst>
+            <pc:docMk/>
+            <pc:sldMk cId="1582580063" sldId="311"/>
+            <ac:grpSpMk id="61" creationId="{8F190C7A-36D3-468B-8F93-B1A452E56B79}"/>
+          </ac:grpSpMkLst>
+        </pc:grpChg>
+        <pc:grpChg chg="mod topLvl">
+          <ac:chgData name="Rafael C." userId="ffa83960b425c528" providerId="LiveId" clId="{B6E615A7-D2B1-4486-90E2-38A11958ACF4}" dt="2020-09-07T21:10:56.826" v="79" actId="165"/>
+          <ac:grpSpMkLst>
+            <pc:docMk/>
+            <pc:sldMk cId="1582580063" sldId="311"/>
+            <ac:grpSpMk id="62" creationId="{1CA5419E-EB1B-441A-BD80-FE3CF0242750}"/>
+          </ac:grpSpMkLst>
+        </pc:grpChg>
+        <pc:graphicFrameChg chg="add del mod">
+          <ac:chgData name="Rafael C." userId="ffa83960b425c528" providerId="LiveId" clId="{B6E615A7-D2B1-4486-90E2-38A11958ACF4}" dt="2020-09-07T21:09:13.338" v="42" actId="478"/>
+          <ac:graphicFrameMkLst>
+            <pc:docMk/>
+            <pc:sldMk cId="1582580063" sldId="311"/>
+            <ac:graphicFrameMk id="5" creationId="{25BCB5EB-95AE-4647-ADEF-D74515E75CCE}"/>
+          </ac:graphicFrameMkLst>
+        </pc:graphicFrameChg>
+        <pc:picChg chg="mod">
+          <ac:chgData name="Rafael C." userId="ffa83960b425c528" providerId="LiveId" clId="{B6E615A7-D2B1-4486-90E2-38A11958ACF4}" dt="2020-09-07T21:08:41.578" v="33"/>
+          <ac:picMkLst>
+            <pc:docMk/>
+            <pc:sldMk cId="1582580063" sldId="311"/>
+            <ac:picMk id="10" creationId="{ACE84D66-B5F6-4848-9564-F7D6ABFAEAA4}"/>
+          </ac:picMkLst>
+        </pc:picChg>
+        <pc:picChg chg="mod">
+          <ac:chgData name="Rafael C." userId="ffa83960b425c528" providerId="LiveId" clId="{B6E615A7-D2B1-4486-90E2-38A11958ACF4}" dt="2020-09-07T21:08:41.578" v="33"/>
+          <ac:picMkLst>
+            <pc:docMk/>
+            <pc:sldMk cId="1582580063" sldId="311"/>
+            <ac:picMk id="11" creationId="{39FFFA11-DD86-48D5-97FF-423CC0EFDAEE}"/>
+          </ac:picMkLst>
+        </pc:picChg>
+        <pc:picChg chg="add del mod">
+          <ac:chgData name="Rafael C." userId="ffa83960b425c528" providerId="LiveId" clId="{B6E615A7-D2B1-4486-90E2-38A11958ACF4}" dt="2020-09-07T21:08:44.058" v="34"/>
+          <ac:picMkLst>
+            <pc:docMk/>
+            <pc:sldMk cId="1582580063" sldId="311"/>
+            <ac:picMk id="29" creationId="{32E978EA-3FCF-4BDB-B777-BBF5E9596F07}"/>
+          </ac:picMkLst>
+        </pc:picChg>
+        <pc:picChg chg="mod">
+          <ac:chgData name="Rafael C." userId="ffa83960b425c528" providerId="LiveId" clId="{B6E615A7-D2B1-4486-90E2-38A11958ACF4}" dt="2020-09-07T21:09:31.014" v="48"/>
+          <ac:picMkLst>
+            <pc:docMk/>
+            <pc:sldMk cId="1582580063" sldId="311"/>
+            <ac:picMk id="34" creationId="{C1EB9AF0-CBC6-484F-85B2-4E14915BD34F}"/>
+          </ac:picMkLst>
+        </pc:picChg>
+        <pc:picChg chg="mod">
+          <ac:chgData name="Rafael C." userId="ffa83960b425c528" providerId="LiveId" clId="{B6E615A7-D2B1-4486-90E2-38A11958ACF4}" dt="2020-09-07T21:09:31.014" v="48"/>
+          <ac:picMkLst>
+            <pc:docMk/>
+            <pc:sldMk cId="1582580063" sldId="311"/>
+            <ac:picMk id="35" creationId="{E3FC3DBE-962D-43FE-80AA-50F094FD29B0}"/>
+          </ac:picMkLst>
+        </pc:picChg>
+        <pc:picChg chg="add del mod">
+          <ac:chgData name="Rafael C." userId="ffa83960b425c528" providerId="LiveId" clId="{B6E615A7-D2B1-4486-90E2-38A11958ACF4}" dt="2020-09-07T21:10:00.503" v="51"/>
+          <ac:picMkLst>
+            <pc:docMk/>
+            <pc:sldMk cId="1582580063" sldId="311"/>
+            <ac:picMk id="53" creationId="{295BCCFD-D8E6-42B7-B14B-375245B0BE2D}"/>
+          </ac:picMkLst>
+        </pc:picChg>
+        <pc:picChg chg="del mod topLvl">
+          <ac:chgData name="Rafael C." userId="ffa83960b425c528" providerId="LiveId" clId="{B6E615A7-D2B1-4486-90E2-38A11958ACF4}" dt="2020-09-07T21:10:59.549" v="81" actId="478"/>
+          <ac:picMkLst>
+            <pc:docMk/>
+            <pc:sldMk cId="1582580063" sldId="311"/>
+            <ac:picMk id="64" creationId="{43EEDD3B-F7D3-4436-93FE-14C9CF3E24A9}"/>
+          </ac:picMkLst>
+        </pc:picChg>
+        <pc:picChg chg="mod">
+          <ac:chgData name="Rafael C." userId="ffa83960b425c528" providerId="LiveId" clId="{B6E615A7-D2B1-4486-90E2-38A11958ACF4}" dt="2020-09-07T21:10:56.826" v="79" actId="165"/>
+          <ac:picMkLst>
+            <pc:docMk/>
+            <pc:sldMk cId="1582580063" sldId="311"/>
+            <ac:picMk id="73" creationId="{7F1DE9C6-83CE-45E0-B538-B57EF5788C93}"/>
+          </ac:picMkLst>
+        </pc:picChg>
+        <pc:picChg chg="mod">
+          <ac:chgData name="Rafael C." userId="ffa83960b425c528" providerId="LiveId" clId="{B6E615A7-D2B1-4486-90E2-38A11958ACF4}" dt="2020-09-07T21:10:56.826" v="79" actId="165"/>
+          <ac:picMkLst>
+            <pc:docMk/>
+            <pc:sldMk cId="1582580063" sldId="311"/>
+            <ac:picMk id="74" creationId="{E90EA7D4-E4C7-487C-9849-26D0E7B5B63D}"/>
+          </ac:picMkLst>
+        </pc:picChg>
+        <pc:inkChg chg="add del">
+          <ac:chgData name="Rafael C." userId="ffa83960b425c528" providerId="LiveId" clId="{B6E615A7-D2B1-4486-90E2-38A11958ACF4}" dt="2020-09-07T21:08:44.058" v="34"/>
+          <ac:inkMkLst>
+            <pc:docMk/>
+            <pc:sldMk cId="1582580063" sldId="311"/>
+            <ac:inkMk id="28" creationId="{7C343F19-A455-44C2-977B-748D46CA3624}"/>
+          </ac:inkMkLst>
+        </pc:inkChg>
+        <pc:inkChg chg="add del">
+          <ac:chgData name="Rafael C." userId="ffa83960b425c528" providerId="LiveId" clId="{B6E615A7-D2B1-4486-90E2-38A11958ACF4}" dt="2020-09-07T21:10:00.503" v="51"/>
+          <ac:inkMkLst>
+            <pc:docMk/>
+            <pc:sldMk cId="1582580063" sldId="311"/>
+            <ac:inkMk id="52" creationId="{E2AC5EF1-306C-472B-A9DA-E74A63130D78}"/>
+          </ac:inkMkLst>
+        </pc:inkChg>
+        <pc:inkChg chg="mod topLvl">
+          <ac:chgData name="Rafael C." userId="ffa83960b425c528" providerId="LiveId" clId="{B6E615A7-D2B1-4486-90E2-38A11958ACF4}" dt="2020-09-07T21:10:56.826" v="79" actId="165"/>
+          <ac:inkMkLst>
+            <pc:docMk/>
+            <pc:sldMk cId="1582580063" sldId="311"/>
+            <ac:inkMk id="63" creationId="{7B9215A3-2296-430A-818D-A75D48B3BCA1}"/>
+          </ac:inkMkLst>
+        </pc:inkChg>
+        <pc:cxnChg chg="add del mod">
+          <ac:chgData name="Rafael C." userId="ffa83960b425c528" providerId="LiveId" clId="{B6E615A7-D2B1-4486-90E2-38A11958ACF4}" dt="2020-09-07T21:08:44.058" v="34"/>
+          <ac:cxnSpMkLst>
+            <pc:docMk/>
+            <pc:sldMk cId="1582580063" sldId="311"/>
+            <ac:cxnSpMk id="12" creationId="{3BD7E938-821E-4B46-861E-27B863357C21}"/>
+          </ac:cxnSpMkLst>
+        </pc:cxnChg>
+        <pc:cxnChg chg="add del mod">
+          <ac:chgData name="Rafael C." userId="ffa83960b425c528" providerId="LiveId" clId="{B6E615A7-D2B1-4486-90E2-38A11958ACF4}" dt="2020-09-07T21:08:44.058" v="34"/>
+          <ac:cxnSpMkLst>
+            <pc:docMk/>
+            <pc:sldMk cId="1582580063" sldId="311"/>
+            <ac:cxnSpMk id="13" creationId="{EC85B792-3739-44F2-95AE-5D48783EF1BA}"/>
+          </ac:cxnSpMkLst>
+        </pc:cxnChg>
+        <pc:cxnChg chg="add del mod">
+          <ac:chgData name="Rafael C." userId="ffa83960b425c528" providerId="LiveId" clId="{B6E615A7-D2B1-4486-90E2-38A11958ACF4}" dt="2020-09-07T21:10:00.503" v="51"/>
+          <ac:cxnSpMkLst>
+            <pc:docMk/>
+            <pc:sldMk cId="1582580063" sldId="311"/>
+            <ac:cxnSpMk id="36" creationId="{362A851A-B05F-480B-9031-3A4E1C433EDD}"/>
+          </ac:cxnSpMkLst>
+        </pc:cxnChg>
+        <pc:cxnChg chg="add del mod">
+          <ac:chgData name="Rafael C." userId="ffa83960b425c528" providerId="LiveId" clId="{B6E615A7-D2B1-4486-90E2-38A11958ACF4}" dt="2020-09-07T21:10:00.503" v="51"/>
+          <ac:cxnSpMkLst>
+            <pc:docMk/>
+            <pc:sldMk cId="1582580063" sldId="311"/>
+            <ac:cxnSpMk id="37" creationId="{A3FEA7E3-A232-4B52-97E3-E96CC69C427F}"/>
+          </ac:cxnSpMkLst>
+        </pc:cxnChg>
+        <pc:cxnChg chg="mod topLvl">
+          <ac:chgData name="Rafael C." userId="ffa83960b425c528" providerId="LiveId" clId="{B6E615A7-D2B1-4486-90E2-38A11958ACF4}" dt="2020-09-07T21:10:56.826" v="79" actId="165"/>
+          <ac:cxnSpMkLst>
+            <pc:docMk/>
+            <pc:sldMk cId="1582580063" sldId="311"/>
+            <ac:cxnSpMk id="56" creationId="{5FE4984D-8F7F-43A2-A897-5C4215A5E3F3}"/>
+          </ac:cxnSpMkLst>
+        </pc:cxnChg>
+        <pc:cxnChg chg="mod topLvl">
+          <ac:chgData name="Rafael C." userId="ffa83960b425c528" providerId="LiveId" clId="{B6E615A7-D2B1-4486-90E2-38A11958ACF4}" dt="2020-09-07T21:10:56.826" v="79" actId="165"/>
+          <ac:cxnSpMkLst>
+            <pc:docMk/>
+            <pc:sldMk cId="1582580063" sldId="311"/>
+            <ac:cxnSpMk id="57" creationId="{01D27A79-65DD-46CB-851A-52DF55682F69}"/>
+          </ac:cxnSpMkLst>
+        </pc:cxnChg>
+      </pc:sldChg>
+    </pc:docChg>
   </pc:docChgLst>
   <pc:docChgLst>
-    <pc:chgData name="Rafael C." userId="ffa83960b425c528" providerId="LiveId" clId="{A1A6CC59-1AE6-40B8-B2C9-6E34EF2ED440}"/>
+    <pc:chgData name="Rafael C." userId="ffa83960b425c528" providerId="LiveId" clId="{3A627DD9-0CCD-4050-9CDA-0D0BFE12395C}"/>
+    <pc:docChg chg="delSld modSld">
+      <pc:chgData name="Rafael C." userId="ffa83960b425c528" providerId="LiveId" clId="{3A627DD9-0CCD-4050-9CDA-0D0BFE12395C}" dt="2019-08-06T16:32:43.681" v="28" actId="478"/>
+      <pc:docMkLst>
+        <pc:docMk/>
+      </pc:docMkLst>
+      <pc:sldChg chg="delSp">
+        <pc:chgData name="Rafael C." userId="ffa83960b425c528" providerId="LiveId" clId="{3A627DD9-0CCD-4050-9CDA-0D0BFE12395C}" dt="2019-08-06T16:31:24.305" v="0" actId="478"/>
+        <pc:sldMkLst>
+          <pc:docMk/>
+          <pc:sldMk cId="727360843" sldId="259"/>
+        </pc:sldMkLst>
+        <pc:picChg chg="del">
+          <ac:chgData name="Rafael C." userId="ffa83960b425c528" providerId="LiveId" clId="{3A627DD9-0CCD-4050-9CDA-0D0BFE12395C}" dt="2019-08-06T16:31:24.305" v="0" actId="478"/>
+          <ac:picMkLst>
+            <pc:docMk/>
+            <pc:sldMk cId="727360843" sldId="259"/>
+            <ac:picMk id="8" creationId="{00000000-0000-0000-0000-000000000000}"/>
+          </ac:picMkLst>
+        </pc:picChg>
+      </pc:sldChg>
+      <pc:sldChg chg="delSp">
+        <pc:chgData name="Rafael C." userId="ffa83960b425c528" providerId="LiveId" clId="{3A627DD9-0CCD-4050-9CDA-0D0BFE12395C}" dt="2019-08-06T16:31:57.681" v="10" actId="478"/>
+        <pc:sldMkLst>
+          <pc:docMk/>
+          <pc:sldMk cId="2068909626" sldId="274"/>
+        </pc:sldMkLst>
+        <pc:picChg chg="del">
+          <ac:chgData name="Rafael C." userId="ffa83960b425c528" providerId="LiveId" clId="{3A627DD9-0CCD-4050-9CDA-0D0BFE12395C}" dt="2019-08-06T16:31:57.681" v="10" actId="478"/>
+          <ac:picMkLst>
+            <pc:docMk/>
+            <pc:sldMk cId="2068909626" sldId="274"/>
+            <ac:picMk id="5" creationId="{00000000-0000-0000-0000-000000000000}"/>
+          </ac:picMkLst>
+        </pc:picChg>
+      </pc:sldChg>
+      <pc:sldChg chg="delSp">
+        <pc:chgData name="Rafael C." userId="ffa83960b425c528" providerId="LiveId" clId="{3A627DD9-0CCD-4050-9CDA-0D0BFE12395C}" dt="2019-08-06T16:31:33.507" v="2" actId="478"/>
+        <pc:sldMkLst>
+          <pc:docMk/>
+          <pc:sldMk cId="630281706" sldId="278"/>
+        </pc:sldMkLst>
+        <pc:picChg chg="del">
+          <ac:chgData name="Rafael C." userId="ffa83960b425c528" providerId="LiveId" clId="{3A627DD9-0CCD-4050-9CDA-0D0BFE12395C}" dt="2019-08-06T16:31:33.507" v="2" actId="478"/>
+          <ac:picMkLst>
+            <pc:docMk/>
+            <pc:sldMk cId="630281706" sldId="278"/>
+            <ac:picMk id="5" creationId="{00000000-0000-0000-0000-000000000000}"/>
+          </ac:picMkLst>
+        </pc:picChg>
+      </pc:sldChg>
+      <pc:sldChg chg="delSp">
+        <pc:chgData name="Rafael C." userId="ffa83960b425c528" providerId="LiveId" clId="{3A627DD9-0CCD-4050-9CDA-0D0BFE12395C}" dt="2019-08-06T16:31:59.915" v="11" actId="478"/>
+        <pc:sldMkLst>
+          <pc:docMk/>
+          <pc:sldMk cId="2169537117" sldId="280"/>
+        </pc:sldMkLst>
+        <pc:picChg chg="del">
+          <ac:chgData name="Rafael C." userId="ffa83960b425c528" providerId="LiveId" clId="{3A627DD9-0CCD-4050-9CDA-0D0BFE12395C}" dt="2019-08-06T16:31:59.915" v="11" actId="478"/>
+          <ac:picMkLst>
+            <pc:docMk/>
+            <pc:sldMk cId="2169537117" sldId="280"/>
+            <ac:picMk id="7" creationId="{00000000-0000-0000-0000-000000000000}"/>
+          </ac:picMkLst>
+        </pc:picChg>
+      </pc:sldChg>
+      <pc:sldChg chg="delSp">
+        <pc:chgData name="Rafael C." userId="ffa83960b425c528" providerId="LiveId" clId="{3A627DD9-0CCD-4050-9CDA-0D0BFE12395C}" dt="2019-08-06T16:31:40.382" v="3" actId="478"/>
+        <pc:sldMkLst>
+          <pc:docMk/>
+          <pc:sldMk cId="1985583289" sldId="286"/>
+        </pc:sldMkLst>
+        <pc:picChg chg="del">
+          <ac:chgData name="Rafael C." userId="ffa83960b425c528" providerId="LiveId" clId="{3A627DD9-0CCD-4050-9CDA-0D0BFE12395C}" dt="2019-08-06T16:31:40.382" v="3" actId="478"/>
+          <ac:picMkLst>
+            <pc:docMk/>
+            <pc:sldMk cId="1985583289" sldId="286"/>
+            <ac:picMk id="6" creationId="{00000000-0000-0000-0000-000000000000}"/>
+          </ac:picMkLst>
+        </pc:picChg>
+      </pc:sldChg>
+      <pc:sldChg chg="delSp">
+        <pc:chgData name="Rafael C." userId="ffa83960b425c528" providerId="LiveId" clId="{3A627DD9-0CCD-4050-9CDA-0D0BFE12395C}" dt="2019-08-06T16:31:42.382" v="4" actId="478"/>
+        <pc:sldMkLst>
+          <pc:docMk/>
+          <pc:sldMk cId="3744157990" sldId="287"/>
+        </pc:sldMkLst>
+        <pc:picChg chg="del">
+          <ac:chgData name="Rafael C." userId="ffa83960b425c528" providerId="LiveId" clId="{3A627DD9-0CCD-4050-9CDA-0D0BFE12395C}" dt="2019-08-06T16:31:42.382" v="4" actId="478"/>
+          <ac:picMkLst>
+            <pc:docMk/>
+            <pc:sldMk cId="3744157990" sldId="287"/>
+            <ac:picMk id="7" creationId="{00000000-0000-0000-0000-000000000000}"/>
+          </ac:picMkLst>
+        </pc:picChg>
+      </pc:sldChg>
+      <pc:sldChg chg="delSp">
+        <pc:chgData name="Rafael C." userId="ffa83960b425c528" providerId="LiveId" clId="{3A627DD9-0CCD-4050-9CDA-0D0BFE12395C}" dt="2019-08-06T16:31:44.853" v="5" actId="478"/>
+        <pc:sldMkLst>
+          <pc:docMk/>
+          <pc:sldMk cId="185393901" sldId="288"/>
+        </pc:sldMkLst>
+        <pc:picChg chg="del">
+          <ac:chgData name="Rafael C." userId="ffa83960b425c528" providerId="LiveId" clId="{3A627DD9-0CCD-4050-9CDA-0D0BFE12395C}" dt="2019-08-06T16:31:44.853" v="5" actId="478"/>
+          <ac:picMkLst>
+            <pc:docMk/>
+            <pc:sldMk cId="185393901" sldId="288"/>
+            <ac:picMk id="7" creationId="{00000000-0000-0000-0000-000000000000}"/>
+          </ac:picMkLst>
+        </pc:picChg>
+      </pc:sldChg>
+      <pc:sldChg chg="delSp">
+        <pc:chgData name="Rafael C." userId="ffa83960b425c528" providerId="LiveId" clId="{3A627DD9-0CCD-4050-9CDA-0D0BFE12395C}" dt="2019-08-06T16:31:30.304" v="1" actId="478"/>
+        <pc:sldMkLst>
+          <pc:docMk/>
+          <pc:sldMk cId="3692097646" sldId="289"/>
+        </pc:sldMkLst>
+        <pc:picChg chg="del">
+          <ac:chgData name="Rafael C." userId="ffa83960b425c528" providerId="LiveId" clId="{3A627DD9-0CCD-4050-9CDA-0D0BFE12395C}" dt="2019-08-06T16:31:30.304" v="1" actId="478"/>
+          <ac:picMkLst>
+            <pc:docMk/>
+            <pc:sldMk cId="3692097646" sldId="289"/>
+            <ac:picMk id="4" creationId="{00000000-0000-0000-0000-000000000000}"/>
+          </ac:picMkLst>
+        </pc:picChg>
+      </pc:sldChg>
+      <pc:sldChg chg="delSp">
+        <pc:chgData name="Rafael C." userId="ffa83960b425c528" providerId="LiveId" clId="{3A627DD9-0CCD-4050-9CDA-0D0BFE12395C}" dt="2019-08-06T16:31:49.259" v="6" actId="478"/>
+        <pc:sldMkLst>
+          <pc:docMk/>
+          <pc:sldMk cId="1351840935" sldId="290"/>
+        </pc:sldMkLst>
+        <pc:picChg chg="del">
+          <ac:chgData name="Rafael C." userId="ffa83960b425c528" providerId="LiveId" clId="{3A627DD9-0CCD-4050-9CDA-0D0BFE12395C}" dt="2019-08-06T16:31:49.259" v="6" actId="478"/>
+          <ac:picMkLst>
+            <pc:docMk/>
+            <pc:sldMk cId="1351840935" sldId="290"/>
+            <ac:picMk id="5" creationId="{00000000-0000-0000-0000-000000000000}"/>
+          </ac:picMkLst>
+        </pc:picChg>
+      </pc:sldChg>
+      <pc:sldChg chg="delSp modSp">
+        <pc:chgData name="Rafael C." userId="ffa83960b425c528" providerId="LiveId" clId="{3A627DD9-0CCD-4050-9CDA-0D0BFE12395C}" dt="2019-08-06T16:31:52.884" v="8" actId="478"/>
+        <pc:sldMkLst>
+          <pc:docMk/>
+          <pc:sldMk cId="360271288" sldId="291"/>
+        </pc:sldMkLst>
+        <pc:picChg chg="del mod">
+          <ac:chgData name="Rafael C." userId="ffa83960b425c528" providerId="LiveId" clId="{3A627DD9-0CCD-4050-9CDA-0D0BFE12395C}" dt="2019-08-06T16:31:52.884" v="8" actId="478"/>
+          <ac:picMkLst>
+            <pc:docMk/>
+            <pc:sldMk cId="360271288" sldId="291"/>
+            <ac:picMk id="5" creationId="{00000000-0000-0000-0000-000000000000}"/>
+          </ac:picMkLst>
+        </pc:picChg>
+      </pc:sldChg>
+      <pc:sldChg chg="delSp">
+        <pc:chgData name="Rafael C." userId="ffa83960b425c528" providerId="LiveId" clId="{3A627DD9-0CCD-4050-9CDA-0D0BFE12395C}" dt="2019-08-06T16:31:55.368" v="9" actId="478"/>
+        <pc:sldMkLst>
+          <pc:docMk/>
+          <pc:sldMk cId="1852200853" sldId="292"/>
+        </pc:sldMkLst>
+        <pc:picChg chg="del">
+          <ac:chgData name="Rafael C." userId="ffa83960b425c528" providerId="LiveId" clId="{3A627DD9-0CCD-4050-9CDA-0D0BFE12395C}" dt="2019-08-06T16:31:55.368" v="9" actId="478"/>
+          <ac:picMkLst>
+            <pc:docMk/>
+            <pc:sldMk cId="1852200853" sldId="292"/>
+            <ac:picMk id="5" creationId="{00000000-0000-0000-0000-000000000000}"/>
+          </ac:picMkLst>
+        </pc:picChg>
+      </pc:sldChg>
+      <pc:sldChg chg="delSp">
+        <pc:chgData name="Rafael C." userId="ffa83960b425c528" providerId="LiveId" clId="{3A627DD9-0CCD-4050-9CDA-0D0BFE12395C}" dt="2019-08-06T16:32:02.050" v="12" actId="478"/>
+        <pc:sldMkLst>
+          <pc:docMk/>
+          <pc:sldMk cId="3940013595" sldId="293"/>
+        </pc:sldMkLst>
+        <pc:picChg chg="del">
+          <ac:chgData name="Rafael C." userId="ffa83960b425c528" providerId="LiveId" clId="{3A627DD9-0CCD-4050-9CDA-0D0BFE12395C}" dt="2019-08-06T16:32:02.050" v="12" actId="478"/>
+          <ac:picMkLst>
+            <pc:docMk/>
+            <pc:sldMk cId="3940013595" sldId="293"/>
+            <ac:picMk id="6" creationId="{00000000-0000-0000-0000-000000000000}"/>
+          </ac:picMkLst>
+        </pc:picChg>
+      </pc:sldChg>
+      <pc:sldChg chg="delSp">
+        <pc:chgData name="Rafael C." userId="ffa83960b425c528" providerId="LiveId" clId="{3A627DD9-0CCD-4050-9CDA-0D0BFE12395C}" dt="2019-08-06T16:32:04.331" v="13" actId="478"/>
+        <pc:sldMkLst>
+          <pc:docMk/>
+          <pc:sldMk cId="3232185289" sldId="294"/>
+        </pc:sldMkLst>
+        <pc:picChg chg="del">
+          <ac:chgData name="Rafael C." userId="ffa83960b425c528" providerId="LiveId" clId="{3A627DD9-0CCD-4050-9CDA-0D0BFE12395C}" dt="2019-08-06T16:32:04.331" v="13" actId="478"/>
+          <ac:picMkLst>
+            <pc:docMk/>
+            <pc:sldMk cId="3232185289" sldId="294"/>
+            <ac:picMk id="5" creationId="{00000000-0000-0000-0000-000000000000}"/>
+          </ac:picMkLst>
+        </pc:picChg>
+      </pc:sldChg>
+      <pc:sldChg chg="delSp">
+        <pc:chgData name="Rafael C." userId="ffa83960b425c528" providerId="LiveId" clId="{3A627DD9-0CCD-4050-9CDA-0D0BFE12395C}" dt="2019-08-06T16:32:07.097" v="14" actId="478"/>
+        <pc:sldMkLst>
+          <pc:docMk/>
+          <pc:sldMk cId="1232290577" sldId="295"/>
+        </pc:sldMkLst>
+        <pc:picChg chg="del">
+          <ac:chgData name="Rafael C." userId="ffa83960b425c528" providerId="LiveId" clId="{3A627DD9-0CCD-4050-9CDA-0D0BFE12395C}" dt="2019-08-06T16:32:07.097" v="14" actId="478"/>
+          <ac:picMkLst>
+            <pc:docMk/>
+            <pc:sldMk cId="1232290577" sldId="295"/>
+            <ac:picMk id="5" creationId="{00000000-0000-0000-0000-000000000000}"/>
+          </ac:picMkLst>
+        </pc:picChg>
+      </pc:sldChg>
+      <pc:sldChg chg="delSp">
+        <pc:chgData name="Rafael C." userId="ffa83960b425c528" providerId="LiveId" clId="{3A627DD9-0CCD-4050-9CDA-0D0BFE12395C}" dt="2019-08-06T16:32:09.550" v="15" actId="478"/>
+        <pc:sldMkLst>
+          <pc:docMk/>
+          <pc:sldMk cId="2700683622" sldId="298"/>
+        </pc:sldMkLst>
+        <pc:picChg chg="del">
+          <ac:chgData name="Rafael C." userId="ffa83960b425c528" providerId="LiveId" clId="{3A627DD9-0CCD-4050-9CDA-0D0BFE12395C}" dt="2019-08-06T16:32:09.550" v="15" actId="478"/>
+          <ac:picMkLst>
+            <pc:docMk/>
+            <pc:sldMk cId="2700683622" sldId="298"/>
+            <ac:picMk id="5" creationId="{00000000-0000-0000-0000-000000000000}"/>
+          </ac:picMkLst>
+        </pc:picChg>
+      </pc:sldChg>
+      <pc:sldChg chg="delSp">
+        <pc:chgData name="Rafael C." userId="ffa83960b425c528" providerId="LiveId" clId="{3A627DD9-0CCD-4050-9CDA-0D0BFE12395C}" dt="2019-08-06T16:32:11.737" v="16" actId="478"/>
+        <pc:sldMkLst>
+          <pc:docMk/>
+          <pc:sldMk cId="852196473" sldId="299"/>
+        </pc:sldMkLst>
+        <pc:picChg chg="del">
+          <ac:chgData name="Rafael C." userId="ffa83960b425c528" providerId="LiveId" clId="{3A627DD9-0CCD-4050-9CDA-0D0BFE12395C}" dt="2019-08-06T16:32:11.737" v="16" actId="478"/>
+          <ac:picMkLst>
+            <pc:docMk/>
+            <pc:sldMk cId="852196473" sldId="299"/>
+            <ac:picMk id="5" creationId="{00000000-0000-0000-0000-000000000000}"/>
+          </ac:picMkLst>
+        </pc:picChg>
+      </pc:sldChg>
+      <pc:sldChg chg="delSp">
+        <pc:chgData name="Rafael C." userId="ffa83960b425c528" providerId="LiveId" clId="{3A627DD9-0CCD-4050-9CDA-0D0BFE12395C}" dt="2019-08-06T16:32:26.352" v="21" actId="478"/>
+        <pc:sldMkLst>
+          <pc:docMk/>
+          <pc:sldMk cId="1424225713" sldId="300"/>
+        </pc:sldMkLst>
+        <pc:picChg chg="del">
+          <ac:chgData name="Rafael C." userId="ffa83960b425c528" providerId="LiveId" clId="{3A627DD9-0CCD-4050-9CDA-0D0BFE12395C}" dt="2019-08-06T16:32:26.352" v="21" actId="478"/>
+          <ac:picMkLst>
+            <pc:docMk/>
+            <pc:sldMk cId="1424225713" sldId="300"/>
+            <ac:picMk id="5" creationId="{00000000-0000-0000-0000-000000000000}"/>
+          </ac:picMkLst>
+        </pc:picChg>
+      </pc:sldChg>
+      <pc:sldChg chg="delSp">
+        <pc:chgData name="Rafael C." userId="ffa83960b425c528" providerId="LiveId" clId="{3A627DD9-0CCD-4050-9CDA-0D0BFE12395C}" dt="2019-08-06T16:32:28.055" v="22" actId="478"/>
+        <pc:sldMkLst>
+          <pc:docMk/>
+          <pc:sldMk cId="1681808164" sldId="301"/>
+        </pc:sldMkLst>
+        <pc:picChg chg="del">
+          <ac:chgData name="Rafael C." userId="ffa83960b425c528" providerId="LiveId" clId="{3A627DD9-0CCD-4050-9CDA-0D0BFE12395C}" dt="2019-08-06T16:32:28.055" v="22" actId="478"/>
+          <ac:picMkLst>
+            <pc:docMk/>
+            <pc:sldMk cId="1681808164" sldId="301"/>
+            <ac:picMk id="5" creationId="{00000000-0000-0000-0000-000000000000}"/>
+          </ac:picMkLst>
+        </pc:picChg>
+      </pc:sldChg>
+      <pc:sldChg chg="delSp del">
+        <pc:chgData name="Rafael C." userId="ffa83960b425c528" providerId="LiveId" clId="{3A627DD9-0CCD-4050-9CDA-0D0BFE12395C}" dt="2019-08-06T16:32:39.164" v="27" actId="2696"/>
+        <pc:sldMkLst>
+          <pc:docMk/>
+          <pc:sldMk cId="1501414601" sldId="302"/>
+        </pc:sldMkLst>
+        <pc:picChg chg="del">
+          <ac:chgData name="Rafael C." userId="ffa83960b425c528" providerId="LiveId" clId="{3A627DD9-0CCD-4050-9CDA-0D0BFE12395C}" dt="2019-08-06T16:32:37.711" v="26" actId="478"/>
+          <ac:picMkLst>
+            <pc:docMk/>
+            <pc:sldMk cId="1501414601" sldId="302"/>
+            <ac:picMk id="4" creationId="{00000000-0000-0000-0000-000000000000}"/>
+          </ac:picMkLst>
+        </pc:picChg>
+      </pc:sldChg>
+      <pc:sldChg chg="delSp">
+        <pc:chgData name="Rafael C." userId="ffa83960b425c528" providerId="LiveId" clId="{3A627DD9-0CCD-4050-9CDA-0D0BFE12395C}" dt="2019-08-06T16:32:30.648" v="23" actId="478"/>
+        <pc:sldMkLst>
+          <pc:docMk/>
+          <pc:sldMk cId="3783006610" sldId="303"/>
+        </pc:sldMkLst>
+        <pc:picChg chg="del">
+          <ac:chgData name="Rafael C." userId="ffa83960b425c528" providerId="LiveId" clId="{3A627DD9-0CCD-4050-9CDA-0D0BFE12395C}" dt="2019-08-06T16:32:30.648" v="23" actId="478"/>
+          <ac:picMkLst>
+            <pc:docMk/>
+            <pc:sldMk cId="3783006610" sldId="303"/>
+            <ac:picMk id="5" creationId="{00000000-0000-0000-0000-000000000000}"/>
+          </ac:picMkLst>
+        </pc:picChg>
+      </pc:sldChg>
+      <pc:sldChg chg="delSp">
+        <pc:chgData name="Rafael C." userId="ffa83960b425c528" providerId="LiveId" clId="{3A627DD9-0CCD-4050-9CDA-0D0BFE12395C}" dt="2019-08-06T16:32:33.054" v="24" actId="478"/>
+        <pc:sldMkLst>
+          <pc:docMk/>
+          <pc:sldMk cId="2707493303" sldId="304"/>
+        </pc:sldMkLst>
+        <pc:picChg chg="del">
+          <ac:chgData name="Rafael C." userId="ffa83960b425c528" providerId="LiveId" clId="{3A627DD9-0CCD-4050-9CDA-0D0BFE12395C}" dt="2019-08-06T16:32:33.054" v="24" actId="478"/>
+          <ac:picMkLst>
+            <pc:docMk/>
+            <pc:sldMk cId="2707493303" sldId="304"/>
+            <ac:picMk id="5" creationId="{00000000-0000-0000-0000-000000000000}"/>
+          </ac:picMkLst>
+        </pc:picChg>
+      </pc:sldChg>
+      <pc:sldChg chg="delSp">
+        <pc:chgData name="Rafael C." userId="ffa83960b425c528" providerId="LiveId" clId="{3A627DD9-0CCD-4050-9CDA-0D0BFE12395C}" dt="2019-08-06T16:32:35.023" v="25" actId="478"/>
+        <pc:sldMkLst>
+          <pc:docMk/>
+          <pc:sldMk cId="3363998633" sldId="305"/>
+        </pc:sldMkLst>
+        <pc:picChg chg="del">
+          <ac:chgData name="Rafael C." userId="ffa83960b425c528" providerId="LiveId" clId="{3A627DD9-0CCD-4050-9CDA-0D0BFE12395C}" dt="2019-08-06T16:32:35.023" v="25" actId="478"/>
+          <ac:picMkLst>
+            <pc:docMk/>
+            <pc:sldMk cId="3363998633" sldId="305"/>
+            <ac:picMk id="6" creationId="{00000000-0000-0000-0000-000000000000}"/>
+          </ac:picMkLst>
+        </pc:picChg>
+      </pc:sldChg>
+      <pc:sldChg chg="delSp">
+        <pc:chgData name="Rafael C." userId="ffa83960b425c528" providerId="LiveId" clId="{3A627DD9-0CCD-4050-9CDA-0D0BFE12395C}" dt="2019-08-06T16:32:43.681" v="28" actId="478"/>
+        <pc:sldMkLst>
+          <pc:docMk/>
+          <pc:sldMk cId="1460351818" sldId="306"/>
+        </pc:sldMkLst>
+        <pc:picChg chg="del">
+          <ac:chgData name="Rafael C." userId="ffa83960b425c528" providerId="LiveId" clId="{3A627DD9-0CCD-4050-9CDA-0D0BFE12395C}" dt="2019-08-06T16:32:43.681" v="28" actId="478"/>
+          <ac:picMkLst>
+            <pc:docMk/>
+            <pc:sldMk cId="1460351818" sldId="306"/>
+            <ac:picMk id="4" creationId="{00000000-0000-0000-0000-000000000000}"/>
+          </ac:picMkLst>
+        </pc:picChg>
+      </pc:sldChg>
+      <pc:sldChg chg="delSp">
+        <pc:chgData name="Rafael C." userId="ffa83960b425c528" providerId="LiveId" clId="{3A627DD9-0CCD-4050-9CDA-0D0BFE12395C}" dt="2019-08-06T16:32:22.346" v="20" actId="478"/>
+        <pc:sldMkLst>
+          <pc:docMk/>
+          <pc:sldMk cId="56324968" sldId="307"/>
+        </pc:sldMkLst>
+        <pc:picChg chg="del">
+          <ac:chgData name="Rafael C." userId="ffa83960b425c528" providerId="LiveId" clId="{3A627DD9-0CCD-4050-9CDA-0D0BFE12395C}" dt="2019-08-06T16:32:22.346" v="20" actId="478"/>
+          <ac:picMkLst>
+            <pc:docMk/>
+            <pc:sldMk cId="56324968" sldId="307"/>
+            <ac:picMk id="5" creationId="{00000000-0000-0000-0000-000000000000}"/>
+          </ac:picMkLst>
+        </pc:picChg>
+      </pc:sldChg>
+      <pc:sldChg chg="delSp">
+        <pc:chgData name="Rafael C." userId="ffa83960b425c528" providerId="LiveId" clId="{3A627DD9-0CCD-4050-9CDA-0D0BFE12395C}" dt="2019-08-06T16:32:13.815" v="17" actId="478"/>
+        <pc:sldMkLst>
+          <pc:docMk/>
+          <pc:sldMk cId="603451549" sldId="308"/>
+        </pc:sldMkLst>
+        <pc:picChg chg="del">
+          <ac:chgData name="Rafael C." userId="ffa83960b425c528" providerId="LiveId" clId="{3A627DD9-0CCD-4050-9CDA-0D0BFE12395C}" dt="2019-08-06T16:32:13.815" v="17" actId="478"/>
+          <ac:picMkLst>
+            <pc:docMk/>
+            <pc:sldMk cId="603451549" sldId="308"/>
+            <ac:picMk id="5" creationId="{00000000-0000-0000-0000-000000000000}"/>
+          </ac:picMkLst>
+        </pc:picChg>
+      </pc:sldChg>
+      <pc:sldChg chg="delSp">
+        <pc:chgData name="Rafael C." userId="ffa83960b425c528" providerId="LiveId" clId="{3A627DD9-0CCD-4050-9CDA-0D0BFE12395C}" dt="2019-08-06T16:32:20.096" v="19" actId="478"/>
+        <pc:sldMkLst>
+          <pc:docMk/>
+          <pc:sldMk cId="3556518243" sldId="309"/>
+        </pc:sldMkLst>
+        <pc:picChg chg="del">
+          <ac:chgData name="Rafael C." userId="ffa83960b425c528" providerId="LiveId" clId="{3A627DD9-0CCD-4050-9CDA-0D0BFE12395C}" dt="2019-08-06T16:32:20.096" v="19" actId="478"/>
+          <ac:picMkLst>
+            <pc:docMk/>
+            <pc:sldMk cId="3556518243" sldId="309"/>
+            <ac:picMk id="5" creationId="{00000000-0000-0000-0000-000000000000}"/>
+          </ac:picMkLst>
+        </pc:picChg>
+      </pc:sldChg>
+      <pc:sldChg chg="delSp">
+        <pc:chgData name="Rafael C." userId="ffa83960b425c528" providerId="LiveId" clId="{3A627DD9-0CCD-4050-9CDA-0D0BFE12395C}" dt="2019-08-06T16:32:17.784" v="18" actId="478"/>
+        <pc:sldMkLst>
+          <pc:docMk/>
+          <pc:sldMk cId="976528594" sldId="310"/>
+        </pc:sldMkLst>
+        <pc:picChg chg="del">
+          <ac:chgData name="Rafael C." userId="ffa83960b425c528" providerId="LiveId" clId="{3A627DD9-0CCD-4050-9CDA-0D0BFE12395C}" dt="2019-08-06T16:32:17.784" v="18" actId="478"/>
+          <ac:picMkLst>
+            <pc:docMk/>
+            <pc:sldMk cId="976528594" sldId="310"/>
+            <ac:picMk id="5" creationId="{00000000-0000-0000-0000-000000000000}"/>
+          </ac:picMkLst>
+        </pc:picChg>
+      </pc:sldChg>
+    </pc:docChg>
   </pc:docChgLst>
   <pc:docChgLst>
     <pc:chgData name="Rafael C." userId="ffa83960b425c528" providerId="LiveId" clId="{14A28526-ED09-4172-8A45-5D903B7C8E49}"/>
@@ -195,6 +1225,30 @@
             <pc:docMk/>
             <pc:sldMk cId="3692097646" sldId="289"/>
             <ac:spMk id="9218" creationId="{00000000-0000-0000-0000-000000000000}"/>
+          </ac:spMkLst>
+        </pc:spChg>
+      </pc:sldChg>
+    </pc:docChg>
+  </pc:docChgLst>
+  <pc:docChgLst>
+    <pc:chgData name="Rafael C." userId="ffa83960b425c528" providerId="LiveId" clId="{E9107BF1-4D19-4451-A470-08AE77AF23D7}"/>
+    <pc:docChg chg="modSld">
+      <pc:chgData name="Rafael C." userId="ffa83960b425c528" providerId="LiveId" clId="{E9107BF1-4D19-4451-A470-08AE77AF23D7}" dt="2019-09-16T11:49:56.634" v="1" actId="20577"/>
+      <pc:docMkLst>
+        <pc:docMk/>
+      </pc:docMkLst>
+      <pc:sldChg chg="modSp">
+        <pc:chgData name="Rafael C." userId="ffa83960b425c528" providerId="LiveId" clId="{E9107BF1-4D19-4451-A470-08AE77AF23D7}" dt="2019-09-16T11:49:56.634" v="1" actId="20577"/>
+        <pc:sldMkLst>
+          <pc:docMk/>
+          <pc:sldMk cId="1985583289" sldId="286"/>
+        </pc:sldMkLst>
+        <pc:spChg chg="mod">
+          <ac:chgData name="Rafael C." userId="ffa83960b425c528" providerId="LiveId" clId="{E9107BF1-4D19-4451-A470-08AE77AF23D7}" dt="2019-09-16T11:49:56.634" v="1" actId="20577"/>
+          <ac:spMkLst>
+            <pc:docMk/>
+            <pc:sldMk cId="1985583289" sldId="286"/>
+            <ac:spMk id="8" creationId="{C5C56A8D-8669-4998-84AC-E61E22CB90DE}"/>
           </ac:spMkLst>
         </pc:spChg>
       </pc:sldChg>
@@ -6043,7 +7097,7 @@
   <dgm:whole/>
   <dgm:extLst>
     <a:ext uri="http://schemas.microsoft.com/office/drawing/2008/diagram">
-      <dsp:dataModelExt xmlns:dsp="http://schemas.microsoft.com/office/drawing/2008/diagram" relId="rId8" minVer="http://schemas.openxmlformats.org/drawingml/2006/diagram"/>
+      <dsp:dataModelExt xmlns:dsp="http://schemas.microsoft.com/office/drawing/2008/diagram" relId="rId7" minVer="http://schemas.openxmlformats.org/drawingml/2006/diagram"/>
     </a:ext>
     <a:ext uri="{C62137D5-CB1D-491B-B009-E17868A290BF}">
       <dgm14:recolorImg xmlns:dgm14="http://schemas.microsoft.com/office/drawing/2010/diagram" val="1"/>
@@ -6651,7 +7705,7 @@
   <dgm:whole/>
   <dgm:extLst>
     <a:ext uri="http://schemas.microsoft.com/office/drawing/2008/diagram">
-      <dsp:dataModelExt xmlns:dsp="http://schemas.microsoft.com/office/drawing/2008/diagram" relId="rId8" minVer="http://schemas.openxmlformats.org/drawingml/2006/diagram"/>
+      <dsp:dataModelExt xmlns:dsp="http://schemas.microsoft.com/office/drawing/2008/diagram" relId="rId7" minVer="http://schemas.openxmlformats.org/drawingml/2006/diagram"/>
     </a:ext>
   </dgm:extLst>
 </dgm:dataModel>
@@ -6974,7 +8028,7 @@
   <dgm:whole/>
   <dgm:extLst>
     <a:ext uri="http://schemas.microsoft.com/office/drawing/2008/diagram">
-      <dsp:dataModelExt xmlns:dsp="http://schemas.microsoft.com/office/drawing/2008/diagram" relId="rId8" minVer="http://schemas.openxmlformats.org/drawingml/2006/diagram"/>
+      <dsp:dataModelExt xmlns:dsp="http://schemas.microsoft.com/office/drawing/2008/diagram" relId="rId7" minVer="http://schemas.openxmlformats.org/drawingml/2006/diagram"/>
     </a:ext>
   </dgm:extLst>
 </dgm:dataModel>
@@ -19152,6 +20206,69 @@
 </dgm:styleDef>
 </file>
 
+<file path=ppt/ink/inkAction1.xml><?xml version="1.0" encoding="utf-8"?>
+<iact:actions xmlns:iact="http://schemas.microsoft.com/office/powerpoint/2014/inkAction" lengthUnit="cm" timeUnit="ms">
+  <inkml:definitions xmlns:inkml="http://www.w3.org/2003/InkML">
+    <inkml:context xml:id="ctx0">
+      <inkml:inkSource xml:id="inkSrc0">
+        <inkml:traceFormat>
+          <inkml:channel name="X" type="integer" max="3286" units="cm"/>
+          <inkml:channel name="Y" type="integer" max="1080" units="cm"/>
+          <inkml:channel name="T" type="integer" max="2.14748E9" units="dev"/>
+        </inkml:traceFormat>
+        <inkml:channelProperties>
+          <inkml:channelProperty channel="X" name="resolution" value="112.15017" units="1/cm"/>
+          <inkml:channelProperty channel="Y" name="resolution" value="65.45454" units="1/cm"/>
+          <inkml:channelProperty channel="T" name="resolution" value="1" units="1/dev"/>
+        </inkml:channelProperties>
+      </inkml:inkSource>
+      <inkml:timestamp xml:id="ts0" timeString="2020-07-19T21:41:59.982"/>
+    </inkml:context>
+    <inkml:brush xml:id="br0">
+      <inkml:brushProperty name="width" value="0.05292" units="cm"/>
+      <inkml:brushProperty name="height" value="0.05292" units="cm"/>
+      <inkml:brushProperty name="color" value="#FF0000"/>
+    </inkml:brush>
+    <inkml:brush xml:id="br1">
+      <inkml:brushProperty name="width" value="0.055" units="cm"/>
+      <inkml:brushProperty name="height" value="0.055" units="cm"/>
+    </inkml:brush>
+  </inkml:definitions>
+  <iact:action type="add" startTime="76467">
+    <iact:property name="dataType"/>
+    <iact:actionData xml:id="d0">
+      <inkml:trace xmlns:inkml="http://www.w3.org/2003/InkML" xml:id="stk0" contextRef="#ctx0" brushRef="#br0">5980 16235 0,'0'-35'32,"0"0"17,0 0-26,0-34-15,0-36 0,0 71 8,0-36 1,0 1-10,-34-36 2,-1 105-2,35-34 2,0-1-2,0 0 2,-70-34-1,70 34 0,0 0-1,-35 35-1,35-69 7,-34 69-8,-1 0 11,35-35-8,-35 35 9,35-35-1,-35 35-9,1-35 2,-1 0-2,-35 1 2,-173-71 0,139 36-2,-105-35 1,105 34 1,-1 35-2,1 35 1,0-34 2,69 34-5,0-35 4,0 35 0,1-35 7,-1 35-1,-35 0 6,36 0-8,-36 0-5,-34 0-3,69 0 4,-35 0-4,1 0 4,34 0-1,-69 0 0,69 0 2,0 0-4,0 0 3,-34 0-1,34 0 0,-34 0-1,34 0 3,-35 0-4,36 0 4,-1 0-1,0 0-4,0 0 22,0 0-20,1 0 17,-1 0 1,-35 0-12,1 35-4,-1 34 0,-34-34 0,-70 35-3,35-36 3,35 1 1,-1 35-6,36-70 5,69 34 1,-35-34-6,0 0 7,35 35 37,0 0-34,0 0-4,-34-35-2,34 69-1,0-34 2,0 0-1,0 0 8,0 34-9,0-34 3,0 0-2,0 104 8,0-70-9,0-34 10,0 0-12,34 34 5,1-34 0,0 0-3,34 34-1,-34-34 0,35 35 2,-35-36 2,34 36-3,1-35 3,-1 34-1,1 1-2,34-36 0,-34 71 0,34-36 2,35 1-1,-70-35 0,36 34 0,-36-34 1,36 0-1,-1-1 0,-35 1 1,-34-35-2,70 35 0,-36 0 3,1-35-5,34 34 4,0 1 0,1-35-3,-1 0 2,35 35 2,-104-35-4,0 0 2,69 0 0,-69 0 1,-1 0-3,1 0 4,35 0-1,-36 0-3,1 0 2,35 0 1,-1-35-2,1 35 2,69-69-1,-70 69 0,36-70-2,34 35 5,-35 1-4,0-1 0,-34 0 4,34 35-5,-104-35 2,70 35 1,-35-34-3,34 34 3,-34 0-3,35-35 12,-36 0-2,1 35 16,-35-35-8,35 35-17,0-35 10,-35 1 130,0-1-142,0-35 7,0 36-8</inkml:trace>
+    </iact:actionData>
+  </iact:action>
+  <iact:action type="add" startTime="80491">
+    <iact:property name="dataType"/>
+    <iact:actionData xml:id="d1">
+      <inkml:trace xmlns:inkml="http://www.w3.org/2003/InkML" xml:id="stk1" contextRef="#ctx0" brushRef="#br0">21071 15157 0,'0'0'3,"0"-70"3,-35 36 5,0-1-5,1 0 0,-1 0 2,0 1-3,-139-1 6,139 0-4,-139 35 3,70 0-3,-35 0 3,-35 0-4,70 0 2,0 0 0,-1 0 1,-34 70-1,35-1 0,-70-34 0,0 34-1,105-34 2,-70 35 0,69-36-5,1 36 4,34-70 4,35 35-5,-35 0 1,-35-1 1,70 1-2,0 69 0,0-34 2,0-1-2,0 1 0,0-1 3,0-34-3,0 0 1,0 0-1,0-1 2,0 71-3,0-1 4,105 0-2,-1 1 0,35-36 2,-35 35-2,105-34-1,-70 69-1,-35-104 3,-34 0 0,69-1 0,-69-34-1,34 35-1,0-35 1,70 35 2,35 0-5,34 34 4,105-34 1,34 0-4,-104 34 0,1 1 2,-71-70 1,-34 34-1,-70-34-1,-34 0 1,34 0 0,35 0 0,-104-34 0,35-1 0,-1 35 0,1-35 1,-35 0 16,-1 1-19,36-1 3,-35-104 1,34 69-4,-34 1 1,0 34 4,-35-34-7,34 69 4,1-70 2,0 35-3,-35 0 1,35 1 2,-35-1-4,0 0 1,35 0 2,-35 1-1,0-1 0,0 0 0,0 0 0,0 1 0,0-1-1,0 0 3,0-34-2,-35 34 0,0-35 1,0 35-3,0-69 2,-104 35 2,0-140-3,35 140 1,69-36 2,0 36-3,35 34 0,-34 35 0,-1-35 2,-69 0-2,-1 1 2,1 34-1,-70-70 0,70 35-2,-35 1 3,69 34 0,35 0-3,-34 0 4,34 0 14,0 0-16,1 0 0,-1 0 7,0 0-7,0 0 7,0 0-5,-34 0 0,-35-35-6,34 35 5,35 0 1,1 0 13</inkml:trace>
+    </iact:actionData>
+  </iact:action>
+  <iact:action type="remove" startTime="97261">
+    <iact:property name="style" value="instant"/>
+    <iact:actionData xml:id="d2" ref="#d0"/>
+  </iact:action>
+  <iact:action type="add" startTime="97214">
+    <iact:property name="dataType" value="strokeEraser"/>
+    <iact:actionData xml:id="d3">
+      <inkml:trace xmlns:inkml="http://www.w3.org/2003/InkML" xml:id="stk2" contextRef="#ctx0" brushRef="#br1">10709 21588 0,'0'0'4,"0"-35"17,0 0-7,70-104 3,-1 0-13,-34 0 4,35-70-2,-1 140-1,-69-1 3,35 1-1</inkml:trace>
+    </iact:actionData>
+  </iact:action>
+  <iact:action type="remove" startTime="98259">
+    <iact:property name="style" value="instant"/>
+    <iact:actionData xml:id="d4" ref="#d1"/>
+  </iact:action>
+  <iact:action type="add" startTime="98190">
+    <iact:property name="dataType" value="strokeEraser"/>
+    <iact:actionData xml:id="d5">
+      <inkml:trace xmlns:inkml="http://www.w3.org/2003/InkML" xml:id="stk3" contextRef="#ctx0" brushRef="#br1">25174 21031 0,'35'0'38,"34"-34"-29,1-36-1,34-34 0,35-35 2,0 0-1,35-35 1,-104 35-4,69 35-2,-104 34 3,-1 70 0,1-35 2</inkml:trace>
+    </iact:actionData>
+  </iact:action>
+</iact:actions>
+</file>
+
 <file path=ppt/notesMasters/notesMaster1.xml><?xml version="1.0" encoding="utf-8"?>
 <p:notesMaster xmlns:a="http://schemas.openxmlformats.org/drawingml/2006/main" xmlns:r="http://schemas.openxmlformats.org/officeDocument/2006/relationships" xmlns:p="http://schemas.openxmlformats.org/presentationml/2006/main">
   <p:cSld>
@@ -19234,7 +20351,7 @@
           <a:p>
             <a:fld id="{1B690E39-F30C-4A14-BE95-FF764D57248C}" type="datetimeFigureOut">
               <a:rPr lang="es-AR" smtClean="0"/>
-              <a:t>3/6/2019</a:t>
+              <a:t>7/9/2020</a:t>
             </a:fld>
             <a:endParaRPr lang="es-AR"/>
           </a:p>
@@ -20416,7 +21533,7 @@
     </p:spTree>
     <p:extLst>
       <p:ext uri="{BB962C8B-B14F-4D97-AF65-F5344CB8AC3E}">
-        <p14:creationId xmlns:p14="http://schemas.microsoft.com/office/powerpoint/2010/main" val="927878986"/>
+        <p14:creationId xmlns:p14="http://schemas.microsoft.com/office/powerpoint/2010/main" val="2768290376"/>
       </p:ext>
     </p:extLst>
   </p:cSld>
@@ -20878,7 +21995,7 @@
     </p:spTree>
     <p:extLst>
       <p:ext uri="{BB962C8B-B14F-4D97-AF65-F5344CB8AC3E}">
-        <p14:creationId xmlns:p14="http://schemas.microsoft.com/office/powerpoint/2010/main" val="2476464191"/>
+        <p14:creationId xmlns:p14="http://schemas.microsoft.com/office/powerpoint/2010/main" val="927878986"/>
       </p:ext>
     </p:extLst>
   </p:cSld>
@@ -21340,7 +22457,7 @@
     </p:spTree>
     <p:extLst>
       <p:ext uri="{BB962C8B-B14F-4D97-AF65-F5344CB8AC3E}">
-        <p14:creationId xmlns:p14="http://schemas.microsoft.com/office/powerpoint/2010/main" val="1644730424"/>
+        <p14:creationId xmlns:p14="http://schemas.microsoft.com/office/powerpoint/2010/main" val="2476464191"/>
       </p:ext>
     </p:extLst>
   </p:cSld>
@@ -21802,7 +22919,7 @@
     </p:spTree>
     <p:extLst>
       <p:ext uri="{BB962C8B-B14F-4D97-AF65-F5344CB8AC3E}">
-        <p14:creationId xmlns:p14="http://schemas.microsoft.com/office/powerpoint/2010/main" val="1212897906"/>
+        <p14:creationId xmlns:p14="http://schemas.microsoft.com/office/powerpoint/2010/main" val="1644730424"/>
       </p:ext>
     </p:extLst>
   </p:cSld>
@@ -22264,7 +23381,7 @@
     </p:spTree>
     <p:extLst>
       <p:ext uri="{BB962C8B-B14F-4D97-AF65-F5344CB8AC3E}">
-        <p14:creationId xmlns:p14="http://schemas.microsoft.com/office/powerpoint/2010/main" val="4028591646"/>
+        <p14:creationId xmlns:p14="http://schemas.microsoft.com/office/powerpoint/2010/main" val="1212897906"/>
       </p:ext>
     </p:extLst>
   </p:cSld>
@@ -22726,7 +23843,7 @@
     </p:spTree>
     <p:extLst>
       <p:ext uri="{BB962C8B-B14F-4D97-AF65-F5344CB8AC3E}">
-        <p14:creationId xmlns:p14="http://schemas.microsoft.com/office/powerpoint/2010/main" val="39481448"/>
+        <p14:creationId xmlns:p14="http://schemas.microsoft.com/office/powerpoint/2010/main" val="4028591646"/>
       </p:ext>
     </p:extLst>
   </p:cSld>
@@ -23188,7 +24305,7 @@
     </p:spTree>
     <p:extLst>
       <p:ext uri="{BB962C8B-B14F-4D97-AF65-F5344CB8AC3E}">
-        <p14:creationId xmlns:p14="http://schemas.microsoft.com/office/powerpoint/2010/main" val="3842814360"/>
+        <p14:creationId xmlns:p14="http://schemas.microsoft.com/office/powerpoint/2010/main" val="39481448"/>
       </p:ext>
     </p:extLst>
   </p:cSld>
@@ -25960,7 +27077,7 @@
     </p:spTree>
     <p:extLst>
       <p:ext uri="{BB962C8B-B14F-4D97-AF65-F5344CB8AC3E}">
-        <p14:creationId xmlns:p14="http://schemas.microsoft.com/office/powerpoint/2010/main" val="3642433955"/>
+        <p14:creationId xmlns:p14="http://schemas.microsoft.com/office/powerpoint/2010/main" val="3842814360"/>
       </p:ext>
     </p:extLst>
   </p:cSld>
@@ -26422,7 +27539,7 @@
     </p:spTree>
     <p:extLst>
       <p:ext uri="{BB962C8B-B14F-4D97-AF65-F5344CB8AC3E}">
-        <p14:creationId xmlns:p14="http://schemas.microsoft.com/office/powerpoint/2010/main" val="3789762772"/>
+        <p14:creationId xmlns:p14="http://schemas.microsoft.com/office/powerpoint/2010/main" val="3642433955"/>
       </p:ext>
     </p:extLst>
   </p:cSld>
@@ -26884,7 +28001,7 @@
     </p:spTree>
     <p:extLst>
       <p:ext uri="{BB962C8B-B14F-4D97-AF65-F5344CB8AC3E}">
-        <p14:creationId xmlns:p14="http://schemas.microsoft.com/office/powerpoint/2010/main" val="1376069788"/>
+        <p14:creationId xmlns:p14="http://schemas.microsoft.com/office/powerpoint/2010/main" val="3789762772"/>
       </p:ext>
     </p:extLst>
   </p:cSld>
@@ -27346,7 +28463,7 @@
     </p:spTree>
     <p:extLst>
       <p:ext uri="{BB962C8B-B14F-4D97-AF65-F5344CB8AC3E}">
-        <p14:creationId xmlns:p14="http://schemas.microsoft.com/office/powerpoint/2010/main" val="3333514842"/>
+        <p14:creationId xmlns:p14="http://schemas.microsoft.com/office/powerpoint/2010/main" val="1376069788"/>
       </p:ext>
     </p:extLst>
   </p:cSld>
@@ -27808,7 +28925,7 @@
     </p:spTree>
     <p:extLst>
       <p:ext uri="{BB962C8B-B14F-4D97-AF65-F5344CB8AC3E}">
-        <p14:creationId xmlns:p14="http://schemas.microsoft.com/office/powerpoint/2010/main" val="1035869968"/>
+        <p14:creationId xmlns:p14="http://schemas.microsoft.com/office/powerpoint/2010/main" val="3333514842"/>
       </p:ext>
     </p:extLst>
   </p:cSld>
@@ -28270,7 +29387,7 @@
     </p:spTree>
     <p:extLst>
       <p:ext uri="{BB962C8B-B14F-4D97-AF65-F5344CB8AC3E}">
-        <p14:creationId xmlns:p14="http://schemas.microsoft.com/office/powerpoint/2010/main" val="4054724110"/>
+        <p14:creationId xmlns:p14="http://schemas.microsoft.com/office/powerpoint/2010/main" val="1035869968"/>
       </p:ext>
     </p:extLst>
   </p:cSld>
@@ -30118,7 +31235,7 @@
     </p:spTree>
     <p:extLst>
       <p:ext uri="{BB962C8B-B14F-4D97-AF65-F5344CB8AC3E}">
-        <p14:creationId xmlns:p14="http://schemas.microsoft.com/office/powerpoint/2010/main" val="3945694798"/>
+        <p14:creationId xmlns:p14="http://schemas.microsoft.com/office/powerpoint/2010/main" val="538670577"/>
       </p:ext>
     </p:extLst>
   </p:cSld>
@@ -30580,7 +31697,7 @@
     </p:spTree>
     <p:extLst>
       <p:ext uri="{BB962C8B-B14F-4D97-AF65-F5344CB8AC3E}">
-        <p14:creationId xmlns:p14="http://schemas.microsoft.com/office/powerpoint/2010/main" val="514393557"/>
+        <p14:creationId xmlns:p14="http://schemas.microsoft.com/office/powerpoint/2010/main" val="3945694798"/>
       </p:ext>
     </p:extLst>
   </p:cSld>
@@ -31042,7 +32159,7 @@
     </p:spTree>
     <p:extLst>
       <p:ext uri="{BB962C8B-B14F-4D97-AF65-F5344CB8AC3E}">
-        <p14:creationId xmlns:p14="http://schemas.microsoft.com/office/powerpoint/2010/main" val="2872442911"/>
+        <p14:creationId xmlns:p14="http://schemas.microsoft.com/office/powerpoint/2010/main" val="514393557"/>
       </p:ext>
     </p:extLst>
   </p:cSld>
@@ -31504,7 +32621,7 @@
     </p:spTree>
     <p:extLst>
       <p:ext uri="{BB962C8B-B14F-4D97-AF65-F5344CB8AC3E}">
-        <p14:creationId xmlns:p14="http://schemas.microsoft.com/office/powerpoint/2010/main" val="2850114890"/>
+        <p14:creationId xmlns:p14="http://schemas.microsoft.com/office/powerpoint/2010/main" val="2872442911"/>
       </p:ext>
     </p:extLst>
   </p:cSld>
@@ -31966,7 +33083,7 @@
     </p:spTree>
     <p:extLst>
       <p:ext uri="{BB962C8B-B14F-4D97-AF65-F5344CB8AC3E}">
-        <p14:creationId xmlns:p14="http://schemas.microsoft.com/office/powerpoint/2010/main" val="2768290376"/>
+        <p14:creationId xmlns:p14="http://schemas.microsoft.com/office/powerpoint/2010/main" val="2850114890"/>
       </p:ext>
     </p:extLst>
   </p:cSld>
@@ -35029,7 +36146,6 @@
           <a:ln>
             <a:noFill/>
           </a:ln>
-          <a:extLst/>
         </p:spPr>
         <p:txBody>
           <a:bodyPr wrap="square" anchor="ctr">
@@ -35070,47 +36186,6 @@
           </a:p>
         </p:txBody>
       </p:sp>
-      <p:pic>
-        <p:nvPicPr>
-          <p:cNvPr id="8" name="Picture 4" descr="C:\Users\rcrescenzi\OneDrive\docencia\UCEMA\ucema_logo.png"/>
-          <p:cNvPicPr>
-            <a:picLocks noChangeAspect="1" noChangeArrowheads="1"/>
-          </p:cNvPicPr>
-          <p:nvPr/>
-        </p:nvPicPr>
-        <p:blipFill>
-          <a:blip r:embed="rId3" cstate="print">
-            <a:extLst>
-              <a:ext uri="{28A0092B-C50C-407E-A947-70E740481C1C}">
-                <a14:useLocalDpi xmlns:a14="http://schemas.microsoft.com/office/drawing/2010/main" val="0"/>
-              </a:ext>
-            </a:extLst>
-          </a:blip>
-          <a:srcRect/>
-          <a:stretch>
-            <a:fillRect/>
-          </a:stretch>
-        </p:blipFill>
-        <p:spPr bwMode="auto">
-          <a:xfrm>
-            <a:off x="2783114" y="0"/>
-            <a:ext cx="6625772" cy="2425831"/>
-          </a:xfrm>
-          <a:prstGeom prst="rect">
-            <a:avLst/>
-          </a:prstGeom>
-          <a:noFill/>
-          <a:extLst>
-            <a:ext uri="{909E8E84-426E-40DD-AFC4-6F175D3DCCD1}">
-              <a14:hiddenFill xmlns:a14="http://schemas.microsoft.com/office/drawing/2010/main">
-                <a:solidFill>
-                  <a:srgbClr val="FFFFFF"/>
-                </a:solidFill>
-              </a14:hiddenFill>
-            </a:ext>
-          </a:extLst>
-        </p:spPr>
-      </p:pic>
     </p:spTree>
     <p:extLst>
       <p:ext uri="{BB962C8B-B14F-4D97-AF65-F5344CB8AC3E}">
@@ -35173,6 +36248,273 @@
       </p:grpSpPr>
       <p:sp>
         <p:nvSpPr>
+          <p:cNvPr id="9218" name="1 Rectángulo"/>
+          <p:cNvSpPr>
+            <a:spLocks noChangeArrowheads="1"/>
+          </p:cNvSpPr>
+          <p:nvPr/>
+        </p:nvSpPr>
+        <p:spPr bwMode="auto">
+          <a:xfrm>
+            <a:off x="0" y="1103275"/>
+            <a:ext cx="12192000" cy="1217894"/>
+          </a:xfrm>
+          <a:prstGeom prst="rect">
+            <a:avLst/>
+          </a:prstGeom>
+          <a:solidFill>
+            <a:schemeClr val="bg1">
+              <a:alpha val="30000"/>
+            </a:schemeClr>
+          </a:solidFill>
+          <a:ln>
+            <a:noFill/>
+          </a:ln>
+        </p:spPr>
+        <p:txBody>
+          <a:bodyPr anchor="ctr"/>
+          <a:lstStyle/>
+          <a:p>
+            <a:pPr marL="0" marR="0" lvl="0" indent="0" algn="ctr" defTabSz="599002" rtl="0" eaLnBrk="1" fontAlgn="base" latinLnBrk="0" hangingPunct="0">
+              <a:lnSpc>
+                <a:spcPct val="93000"/>
+              </a:lnSpc>
+              <a:spcBef>
+                <a:spcPct val="0"/>
+              </a:spcBef>
+              <a:spcAft>
+                <a:spcPct val="0"/>
+              </a:spcAft>
+              <a:buClr>
+                <a:srgbClr val="000000"/>
+              </a:buClr>
+              <a:buSzPct val="100000"/>
+              <a:buFontTx/>
+              <a:buNone/>
+              <a:tabLst/>
+              <a:defRPr/>
+            </a:pPr>
+            <a:r>
+              <a:rPr kumimoji="0" lang="es-AR" altLang="es-AR" sz="3600" b="1" i="0" u="none" strike="noStrike" kern="1200" cap="none" spc="0" normalizeH="0" baseline="0" noProof="0" dirty="0">
+                <a:ln>
+                  <a:noFill/>
+                </a:ln>
+                <a:effectLst/>
+                <a:uLnTx/>
+                <a:uFillTx/>
+                <a:latin typeface="Arial" panose="020B0604020202020204" pitchFamily="34" charset="0"/>
+                <a:ea typeface="Microsoft YaHei" panose="020B0503020204020204" pitchFamily="34" charset="-122"/>
+                <a:cs typeface="Arial"/>
+              </a:rPr>
+              <a:t>Data </a:t>
+            </a:r>
+            <a:r>
+              <a:rPr kumimoji="0" lang="es-AR" altLang="es-AR" sz="3600" b="1" i="0" u="none" strike="noStrike" kern="1200" cap="none" spc="0" normalizeH="0" baseline="0" noProof="0" dirty="0" err="1">
+                <a:ln>
+                  <a:noFill/>
+                </a:ln>
+                <a:effectLst/>
+                <a:uLnTx/>
+                <a:uFillTx/>
+                <a:latin typeface="Arial" panose="020B0604020202020204" pitchFamily="34" charset="0"/>
+                <a:ea typeface="Microsoft YaHei" panose="020B0503020204020204" pitchFamily="34" charset="-122"/>
+                <a:cs typeface="Arial"/>
+              </a:rPr>
+              <a:t>Science</a:t>
+            </a:r>
+            <a:endParaRPr lang="es-AR" altLang="es-AR" sz="3600" b="1" dirty="0">
+              <a:latin typeface="Arial" panose="020B0604020202020204" pitchFamily="34" charset="0"/>
+              <a:ea typeface="Microsoft YaHei" panose="020B0503020204020204" pitchFamily="34" charset="-122"/>
+              <a:cs typeface="Arial"/>
+            </a:endParaRPr>
+          </a:p>
+        </p:txBody>
+      </p:sp>
+      <p:sp>
+        <p:nvSpPr>
+          <p:cNvPr id="4" name="1 Rectángulo">
+            <a:extLst>
+              <a:ext uri="{FF2B5EF4-FFF2-40B4-BE49-F238E27FC236}">
+                <a16:creationId xmlns:a16="http://schemas.microsoft.com/office/drawing/2014/main" id="{C38DC9E2-A33D-43A5-B91A-49EDF1F542C3}"/>
+              </a:ext>
+            </a:extLst>
+          </p:cNvPr>
+          <p:cNvSpPr>
+            <a:spLocks noChangeArrowheads="1"/>
+          </p:cNvSpPr>
+          <p:nvPr/>
+        </p:nvSpPr>
+        <p:spPr bwMode="auto">
+          <a:xfrm>
+            <a:off x="0" y="2700161"/>
+            <a:ext cx="12191999" cy="3377082"/>
+          </a:xfrm>
+          <a:prstGeom prst="rect">
+            <a:avLst/>
+          </a:prstGeom>
+          <a:solidFill>
+            <a:schemeClr val="bg1">
+              <a:alpha val="30000"/>
+            </a:schemeClr>
+          </a:solidFill>
+          <a:ln>
+            <a:noFill/>
+          </a:ln>
+        </p:spPr>
+        <p:txBody>
+          <a:bodyPr anchor="ctr"/>
+          <a:lstStyle/>
+          <a:p>
+            <a:pPr marL="800100" lvl="1" indent="-342900" defTabSz="599002" fontAlgn="base" hangingPunct="0">
+              <a:lnSpc>
+                <a:spcPct val="93000"/>
+              </a:lnSpc>
+              <a:spcBef>
+                <a:spcPct val="0"/>
+              </a:spcBef>
+              <a:spcAft>
+                <a:spcPct val="0"/>
+              </a:spcAft>
+              <a:buClr>
+                <a:schemeClr val="bg1"/>
+              </a:buClr>
+              <a:buSzPct val="100000"/>
+              <a:buFont typeface="Arial" panose="020B0604020202020204" pitchFamily="34" charset="0"/>
+              <a:buChar char="•"/>
+              <a:defRPr/>
+            </a:pPr>
+            <a:r>
+              <a:rPr lang="es-AR" altLang="es-AR" sz="3200" dirty="0">
+                <a:latin typeface="Arial" panose="020B0604020202020204" pitchFamily="34" charset="0"/>
+                <a:ea typeface="Microsoft YaHei" panose="020B0503020204020204" pitchFamily="34" charset="-122"/>
+                <a:cs typeface="Arial"/>
+              </a:rPr>
+              <a:t>Métodos Descriptivos: Hallar patrones relevantes en los datos. (BI?)</a:t>
+            </a:r>
+          </a:p>
+          <a:p>
+            <a:pPr marL="800100" lvl="1" indent="-342900" defTabSz="599002" fontAlgn="base" hangingPunct="0">
+              <a:lnSpc>
+                <a:spcPct val="93000"/>
+              </a:lnSpc>
+              <a:spcBef>
+                <a:spcPct val="0"/>
+              </a:spcBef>
+              <a:spcAft>
+                <a:spcPct val="0"/>
+              </a:spcAft>
+              <a:buClr>
+                <a:schemeClr val="bg1"/>
+              </a:buClr>
+              <a:buSzPct val="100000"/>
+              <a:buFont typeface="Arial" panose="020B0604020202020204" pitchFamily="34" charset="0"/>
+              <a:buChar char="•"/>
+              <a:defRPr/>
+            </a:pPr>
+            <a:endParaRPr lang="es-AR" altLang="es-AR" sz="3200" dirty="0">
+              <a:latin typeface="Arial" panose="020B0604020202020204" pitchFamily="34" charset="0"/>
+              <a:ea typeface="Microsoft YaHei" panose="020B0503020204020204" pitchFamily="34" charset="-122"/>
+              <a:cs typeface="Arial"/>
+            </a:endParaRPr>
+          </a:p>
+          <a:p>
+            <a:pPr marL="800100" lvl="1" indent="-342900" defTabSz="599002" fontAlgn="base" hangingPunct="0">
+              <a:lnSpc>
+                <a:spcPct val="93000"/>
+              </a:lnSpc>
+              <a:spcBef>
+                <a:spcPct val="0"/>
+              </a:spcBef>
+              <a:spcAft>
+                <a:spcPct val="0"/>
+              </a:spcAft>
+              <a:buClr>
+                <a:schemeClr val="bg1"/>
+              </a:buClr>
+              <a:buSzPct val="100000"/>
+              <a:buFont typeface="Arial" panose="020B0604020202020204" pitchFamily="34" charset="0"/>
+              <a:buChar char="•"/>
+              <a:defRPr/>
+            </a:pPr>
+            <a:r>
+              <a:rPr kumimoji="0" lang="es-AR" altLang="es-AR" sz="3200" b="0" u="none" strike="noStrike" kern="1200" cap="none" spc="0" normalizeH="0" baseline="0" noProof="0" dirty="0">
+                <a:ln>
+                  <a:noFill/>
+                </a:ln>
+                <a:effectLst/>
+                <a:uLnTx/>
+                <a:uFillTx/>
+                <a:latin typeface="Arial" panose="020B0604020202020204" pitchFamily="34" charset="0"/>
+                <a:ea typeface="Microsoft YaHei" panose="020B0503020204020204" pitchFamily="34" charset="-122"/>
+                <a:cs typeface="Arial"/>
+              </a:rPr>
+              <a:t>Métodos Predictivos: Usar los datos para modelar la incertidumbre. (estadísticas?)</a:t>
+            </a:r>
+          </a:p>
+        </p:txBody>
+      </p:sp>
+    </p:spTree>
+    <p:extLst>
+      <p:ext uri="{BB962C8B-B14F-4D97-AF65-F5344CB8AC3E}">
+        <p14:creationId xmlns:p14="http://schemas.microsoft.com/office/powerpoint/2010/main" val="1852200853"/>
+      </p:ext>
+    </p:extLst>
+  </p:cSld>
+  <p:clrMapOvr>
+    <a:masterClrMapping/>
+  </p:clrMapOvr>
+  <p:transition spd="slow">
+    <p:push/>
+  </p:transition>
+  <p:timing>
+    <p:tnLst>
+      <p:par>
+        <p:cTn id="1" dur="indefinite" restart="never" nodeType="tmRoot">
+          <p:childTnLst>
+            <p:seq concurrent="1" nextAc="seek">
+              <p:cTn id="2" dur="0" nodeType="mainSeq"/>
+              <p:prevCondLst>
+                <p:cond evt="onPrev" delay="0">
+                  <p:tgtEl>
+                    <p:sldTgt/>
+                  </p:tgtEl>
+                </p:cond>
+              </p:prevCondLst>
+              <p:nextCondLst>
+                <p:cond evt="onNext" delay="0">
+                  <p:tgtEl>
+                    <p:sldTgt/>
+                  </p:tgtEl>
+                </p:cond>
+              </p:nextCondLst>
+            </p:seq>
+          </p:childTnLst>
+        </p:cTn>
+      </p:par>
+    </p:tnLst>
+  </p:timing>
+</p:sld>
+</file>
+
+<file path=ppt/slides/slide11.xml><?xml version="1.0" encoding="utf-8"?>
+<p:sld xmlns:a="http://schemas.openxmlformats.org/drawingml/2006/main" xmlns:r="http://schemas.openxmlformats.org/officeDocument/2006/relationships" xmlns:p="http://schemas.openxmlformats.org/presentationml/2006/main">
+  <p:cSld>
+    <p:spTree>
+      <p:nvGrpSpPr>
+        <p:cNvPr id="1" name=""/>
+        <p:cNvGrpSpPr/>
+        <p:nvPr/>
+      </p:nvGrpSpPr>
+      <p:grpSpPr>
+        <a:xfrm>
+          <a:off x="0" y="0"/>
+          <a:ext cx="0" cy="0"/>
+          <a:chOff x="0" y="0"/>
+          <a:chExt cx="0" cy="0"/>
+        </a:xfrm>
+      </p:grpSpPr>
+      <p:sp>
+        <p:nvSpPr>
           <p:cNvPr id="7" name="1 Rectángulo">
             <a:extLst>
               <a:ext uri="{FF2B5EF4-FFF2-40B4-BE49-F238E27FC236}">
@@ -35201,7 +36543,6 @@
           <a:ln>
             <a:noFill/>
           </a:ln>
-          <a:extLst/>
         </p:spPr>
         <p:txBody>
           <a:bodyPr anchor="ctr"/>
@@ -35278,253 +36619,10 @@
           </a:prstGeom>
         </p:spPr>
       </p:pic>
-      <p:pic>
-        <p:nvPicPr>
-          <p:cNvPr id="5" name="Picture 4" descr="C:\Users\rcrescenzi\OneDrive\docencia\UCEMA\ucema_logo.png"/>
-          <p:cNvPicPr>
-            <a:picLocks noChangeAspect="1" noChangeArrowheads="1"/>
-          </p:cNvPicPr>
-          <p:nvPr/>
-        </p:nvPicPr>
-        <p:blipFill>
-          <a:blip r:embed="rId4" cstate="print">
-            <a:extLst>
-              <a:ext uri="{28A0092B-C50C-407E-A947-70E740481C1C}">
-                <a14:useLocalDpi xmlns:a14="http://schemas.microsoft.com/office/drawing/2010/main" val="0"/>
-              </a:ext>
-            </a:extLst>
-          </a:blip>
-          <a:srcRect/>
-          <a:stretch>
-            <a:fillRect/>
-          </a:stretch>
-        </p:blipFill>
-        <p:spPr bwMode="auto">
-          <a:xfrm>
-            <a:off x="8461829" y="-149930"/>
-            <a:ext cx="3672116" cy="1344437"/>
-          </a:xfrm>
-          <a:prstGeom prst="rect">
-            <a:avLst/>
-          </a:prstGeom>
-          <a:noFill/>
-          <a:extLst>
-            <a:ext uri="{909E8E84-426E-40DD-AFC4-6F175D3DCCD1}">
-              <a14:hiddenFill xmlns:a14="http://schemas.microsoft.com/office/drawing/2010/main">
-                <a:solidFill>
-                  <a:srgbClr val="FFFFFF"/>
-                </a:solidFill>
-              </a14:hiddenFill>
-            </a:ext>
-          </a:extLst>
-        </p:spPr>
-      </p:pic>
     </p:spTree>
     <p:extLst>
       <p:ext uri="{BB962C8B-B14F-4D97-AF65-F5344CB8AC3E}">
         <p14:creationId xmlns:p14="http://schemas.microsoft.com/office/powerpoint/2010/main" val="2068909626"/>
-      </p:ext>
-    </p:extLst>
-  </p:cSld>
-  <p:clrMapOvr>
-    <a:masterClrMapping/>
-  </p:clrMapOvr>
-  <p:transition spd="slow">
-    <p:push/>
-  </p:transition>
-  <p:timing>
-    <p:tnLst>
-      <p:par>
-        <p:cTn id="1" dur="indefinite" restart="never" nodeType="tmRoot">
-          <p:childTnLst>
-            <p:seq concurrent="1" nextAc="seek">
-              <p:cTn id="2" dur="0" nodeType="mainSeq"/>
-              <p:prevCondLst>
-                <p:cond evt="onPrev" delay="0">
-                  <p:tgtEl>
-                    <p:sldTgt/>
-                  </p:tgtEl>
-                </p:cond>
-              </p:prevCondLst>
-              <p:nextCondLst>
-                <p:cond evt="onNext" delay="0">
-                  <p:tgtEl>
-                    <p:sldTgt/>
-                  </p:tgtEl>
-                </p:cond>
-              </p:nextCondLst>
-            </p:seq>
-          </p:childTnLst>
-        </p:cTn>
-      </p:par>
-    </p:tnLst>
-  </p:timing>
-</p:sld>
-</file>
-
-<file path=ppt/slides/slide11.xml><?xml version="1.0" encoding="utf-8"?>
-<p:sld xmlns:a="http://schemas.openxmlformats.org/drawingml/2006/main" xmlns:r="http://schemas.openxmlformats.org/officeDocument/2006/relationships" xmlns:p="http://schemas.openxmlformats.org/presentationml/2006/main">
-  <p:cSld>
-    <p:spTree>
-      <p:nvGrpSpPr>
-        <p:cNvPr id="1" name=""/>
-        <p:cNvGrpSpPr/>
-        <p:nvPr/>
-      </p:nvGrpSpPr>
-      <p:grpSpPr>
-        <a:xfrm>
-          <a:off x="0" y="0"/>
-          <a:ext cx="0" cy="0"/>
-          <a:chOff x="0" y="0"/>
-          <a:chExt cx="0" cy="0"/>
-        </a:xfrm>
-      </p:grpSpPr>
-      <p:sp>
-        <p:nvSpPr>
-          <p:cNvPr id="5" name="1 Rectángulo">
-            <a:extLst>
-              <a:ext uri="{FF2B5EF4-FFF2-40B4-BE49-F238E27FC236}">
-                <a16:creationId xmlns:a16="http://schemas.microsoft.com/office/drawing/2014/main" id="{70453DE5-6B67-4224-8B48-FE01CB193BBB}"/>
-              </a:ext>
-            </a:extLst>
-          </p:cNvPr>
-          <p:cNvSpPr>
-            <a:spLocks noChangeArrowheads="1"/>
-          </p:cNvSpPr>
-          <p:nvPr/>
-        </p:nvSpPr>
-        <p:spPr bwMode="auto">
-          <a:xfrm>
-            <a:off x="0" y="1041008"/>
-            <a:ext cx="12191999" cy="5816991"/>
-          </a:xfrm>
-          <a:prstGeom prst="rect">
-            <a:avLst/>
-          </a:prstGeom>
-          <a:solidFill>
-            <a:schemeClr val="bg1">
-              <a:alpha val="30000"/>
-            </a:schemeClr>
-          </a:solidFill>
-          <a:ln>
-            <a:noFill/>
-          </a:ln>
-          <a:extLst/>
-        </p:spPr>
-        <p:txBody>
-          <a:bodyPr anchor="ctr"/>
-          <a:lstStyle/>
-          <a:p>
-            <a:pPr marL="800100" lvl="1" indent="-342900" defTabSz="599002" fontAlgn="base" hangingPunct="0">
-              <a:lnSpc>
-                <a:spcPct val="93000"/>
-              </a:lnSpc>
-              <a:spcBef>
-                <a:spcPct val="0"/>
-              </a:spcBef>
-              <a:spcAft>
-                <a:spcPct val="0"/>
-              </a:spcAft>
-              <a:buClr>
-                <a:schemeClr val="bg1"/>
-              </a:buClr>
-              <a:buSzPct val="100000"/>
-              <a:buFont typeface="Arial" panose="020B0604020202020204" pitchFamily="34" charset="0"/>
-              <a:buChar char="•"/>
-              <a:defRPr/>
-            </a:pPr>
-            <a:endParaRPr kumimoji="0" lang="es-AR" altLang="es-AR" sz="3200" b="0" u="none" strike="noStrike" kern="1200" cap="none" spc="0" normalizeH="0" baseline="0" noProof="0" dirty="0">
-              <a:ln>
-                <a:noFill/>
-              </a:ln>
-              <a:solidFill>
-                <a:schemeClr val="bg1"/>
-              </a:solidFill>
-              <a:effectLst/>
-              <a:uLnTx/>
-              <a:uFillTx/>
-              <a:latin typeface="Arial" panose="020B0604020202020204" pitchFamily="34" charset="0"/>
-              <a:ea typeface="Microsoft YaHei" panose="020B0503020204020204" pitchFamily="34" charset="-122"/>
-              <a:cs typeface="Arial"/>
-            </a:endParaRPr>
-          </a:p>
-        </p:txBody>
-      </p:sp>
-      <p:pic>
-        <p:nvPicPr>
-          <p:cNvPr id="6" name="Picture 5">
-            <a:extLst>
-              <a:ext uri="{FF2B5EF4-FFF2-40B4-BE49-F238E27FC236}">
-                <a16:creationId xmlns:a16="http://schemas.microsoft.com/office/drawing/2014/main" id="{13B1FCAF-5D21-4D30-A3ED-0E9608E7A37F}"/>
-              </a:ext>
-            </a:extLst>
-          </p:cNvPr>
-          <p:cNvPicPr>
-            <a:picLocks noChangeAspect="1"/>
-          </p:cNvPicPr>
-          <p:nvPr/>
-        </p:nvPicPr>
-        <p:blipFill>
-          <a:blip r:embed="rId3"/>
-          <a:stretch>
-            <a:fillRect/>
-          </a:stretch>
-        </p:blipFill>
-        <p:spPr>
-          <a:xfrm>
-            <a:off x="3645465" y="1474752"/>
-            <a:ext cx="5185193" cy="4949502"/>
-          </a:xfrm>
-          <a:prstGeom prst="rect">
-            <a:avLst/>
-          </a:prstGeom>
-        </p:spPr>
-      </p:pic>
-      <p:pic>
-        <p:nvPicPr>
-          <p:cNvPr id="7" name="Picture 4" descr="C:\Users\rcrescenzi\OneDrive\docencia\UCEMA\ucema_logo.png"/>
-          <p:cNvPicPr>
-            <a:picLocks noChangeAspect="1" noChangeArrowheads="1"/>
-          </p:cNvPicPr>
-          <p:nvPr/>
-        </p:nvPicPr>
-        <p:blipFill>
-          <a:blip r:embed="rId4" cstate="print">
-            <a:extLst>
-              <a:ext uri="{28A0092B-C50C-407E-A947-70E740481C1C}">
-                <a14:useLocalDpi xmlns:a14="http://schemas.microsoft.com/office/drawing/2010/main" val="0"/>
-              </a:ext>
-            </a:extLst>
-          </a:blip>
-          <a:srcRect/>
-          <a:stretch>
-            <a:fillRect/>
-          </a:stretch>
-        </p:blipFill>
-        <p:spPr bwMode="auto">
-          <a:xfrm>
-            <a:off x="8461829" y="-149930"/>
-            <a:ext cx="3672116" cy="1344437"/>
-          </a:xfrm>
-          <a:prstGeom prst="rect">
-            <a:avLst/>
-          </a:prstGeom>
-          <a:noFill/>
-          <a:extLst>
-            <a:ext uri="{909E8E84-426E-40DD-AFC4-6F175D3DCCD1}">
-              <a14:hiddenFill xmlns:a14="http://schemas.microsoft.com/office/drawing/2010/main">
-                <a:solidFill>
-                  <a:srgbClr val="FFFFFF"/>
-                </a:solidFill>
-              </a14:hiddenFill>
-            </a:ext>
-          </a:extLst>
-        </p:spPr>
-      </p:pic>
-    </p:spTree>
-    <p:extLst>
-      <p:ext uri="{BB962C8B-B14F-4D97-AF65-F5344CB8AC3E}">
-        <p14:creationId xmlns:p14="http://schemas.microsoft.com/office/powerpoint/2010/main" val="2169537117"/>
       </p:ext>
     </p:extLst>
   </p:cSld>
@@ -35611,7 +36709,166 @@
           <a:ln>
             <a:noFill/>
           </a:ln>
-          <a:extLst/>
+        </p:spPr>
+        <p:txBody>
+          <a:bodyPr anchor="ctr"/>
+          <a:lstStyle/>
+          <a:p>
+            <a:pPr marL="800100" lvl="1" indent="-342900" defTabSz="599002" fontAlgn="base" hangingPunct="0">
+              <a:lnSpc>
+                <a:spcPct val="93000"/>
+              </a:lnSpc>
+              <a:spcBef>
+                <a:spcPct val="0"/>
+              </a:spcBef>
+              <a:spcAft>
+                <a:spcPct val="0"/>
+              </a:spcAft>
+              <a:buClr>
+                <a:schemeClr val="bg1"/>
+              </a:buClr>
+              <a:buSzPct val="100000"/>
+              <a:buFont typeface="Arial" panose="020B0604020202020204" pitchFamily="34" charset="0"/>
+              <a:buChar char="•"/>
+              <a:defRPr/>
+            </a:pPr>
+            <a:endParaRPr kumimoji="0" lang="es-AR" altLang="es-AR" sz="3200" b="0" u="none" strike="noStrike" kern="1200" cap="none" spc="0" normalizeH="0" baseline="0" noProof="0" dirty="0">
+              <a:ln>
+                <a:noFill/>
+              </a:ln>
+              <a:solidFill>
+                <a:schemeClr val="bg1"/>
+              </a:solidFill>
+              <a:effectLst/>
+              <a:uLnTx/>
+              <a:uFillTx/>
+              <a:latin typeface="Arial" panose="020B0604020202020204" pitchFamily="34" charset="0"/>
+              <a:ea typeface="Microsoft YaHei" panose="020B0503020204020204" pitchFamily="34" charset="-122"/>
+              <a:cs typeface="Arial"/>
+            </a:endParaRPr>
+          </a:p>
+        </p:txBody>
+      </p:sp>
+      <p:pic>
+        <p:nvPicPr>
+          <p:cNvPr id="6" name="Picture 5">
+            <a:extLst>
+              <a:ext uri="{FF2B5EF4-FFF2-40B4-BE49-F238E27FC236}">
+                <a16:creationId xmlns:a16="http://schemas.microsoft.com/office/drawing/2014/main" id="{13B1FCAF-5D21-4D30-A3ED-0E9608E7A37F}"/>
+              </a:ext>
+            </a:extLst>
+          </p:cNvPr>
+          <p:cNvPicPr>
+            <a:picLocks noChangeAspect="1"/>
+          </p:cNvPicPr>
+          <p:nvPr/>
+        </p:nvPicPr>
+        <p:blipFill>
+          <a:blip r:embed="rId3"/>
+          <a:stretch>
+            <a:fillRect/>
+          </a:stretch>
+        </p:blipFill>
+        <p:spPr>
+          <a:xfrm>
+            <a:off x="3645465" y="1474752"/>
+            <a:ext cx="5185193" cy="4949502"/>
+          </a:xfrm>
+          <a:prstGeom prst="rect">
+            <a:avLst/>
+          </a:prstGeom>
+        </p:spPr>
+      </p:pic>
+    </p:spTree>
+    <p:extLst>
+      <p:ext uri="{BB962C8B-B14F-4D97-AF65-F5344CB8AC3E}">
+        <p14:creationId xmlns:p14="http://schemas.microsoft.com/office/powerpoint/2010/main" val="2169537117"/>
+      </p:ext>
+    </p:extLst>
+  </p:cSld>
+  <p:clrMapOvr>
+    <a:masterClrMapping/>
+  </p:clrMapOvr>
+  <p:transition spd="slow">
+    <p:push/>
+  </p:transition>
+  <p:timing>
+    <p:tnLst>
+      <p:par>
+        <p:cTn id="1" dur="indefinite" restart="never" nodeType="tmRoot">
+          <p:childTnLst>
+            <p:seq concurrent="1" nextAc="seek">
+              <p:cTn id="2" dur="0" nodeType="mainSeq"/>
+              <p:prevCondLst>
+                <p:cond evt="onPrev" delay="0">
+                  <p:tgtEl>
+                    <p:sldTgt/>
+                  </p:tgtEl>
+                </p:cond>
+              </p:prevCondLst>
+              <p:nextCondLst>
+                <p:cond evt="onNext" delay="0">
+                  <p:tgtEl>
+                    <p:sldTgt/>
+                  </p:tgtEl>
+                </p:cond>
+              </p:nextCondLst>
+            </p:seq>
+          </p:childTnLst>
+        </p:cTn>
+      </p:par>
+    </p:tnLst>
+  </p:timing>
+</p:sld>
+</file>
+
+<file path=ppt/slides/slide13.xml><?xml version="1.0" encoding="utf-8"?>
+<p:sld xmlns:a="http://schemas.openxmlformats.org/drawingml/2006/main" xmlns:r="http://schemas.openxmlformats.org/officeDocument/2006/relationships" xmlns:p="http://schemas.openxmlformats.org/presentationml/2006/main">
+  <p:cSld>
+    <p:spTree>
+      <p:nvGrpSpPr>
+        <p:cNvPr id="1" name=""/>
+        <p:cNvGrpSpPr/>
+        <p:nvPr/>
+      </p:nvGrpSpPr>
+      <p:grpSpPr>
+        <a:xfrm>
+          <a:off x="0" y="0"/>
+          <a:ext cx="0" cy="0"/>
+          <a:chOff x="0" y="0"/>
+          <a:chExt cx="0" cy="0"/>
+        </a:xfrm>
+      </p:grpSpPr>
+      <p:sp>
+        <p:nvSpPr>
+          <p:cNvPr id="5" name="1 Rectángulo">
+            <a:extLst>
+              <a:ext uri="{FF2B5EF4-FFF2-40B4-BE49-F238E27FC236}">
+                <a16:creationId xmlns:a16="http://schemas.microsoft.com/office/drawing/2014/main" id="{70453DE5-6B67-4224-8B48-FE01CB193BBB}"/>
+              </a:ext>
+            </a:extLst>
+          </p:cNvPr>
+          <p:cNvSpPr>
+            <a:spLocks noChangeArrowheads="1"/>
+          </p:cNvSpPr>
+          <p:nvPr/>
+        </p:nvSpPr>
+        <p:spPr bwMode="auto">
+          <a:xfrm>
+            <a:off x="0" y="1041008"/>
+            <a:ext cx="12191999" cy="5816991"/>
+          </a:xfrm>
+          <a:prstGeom prst="rect">
+            <a:avLst/>
+          </a:prstGeom>
+          <a:solidFill>
+            <a:schemeClr val="bg1">
+              <a:alpha val="30000"/>
+            </a:schemeClr>
+          </a:solidFill>
+          <a:ln>
+            <a:noFill/>
+          </a:ln>
         </p:spPr>
         <p:txBody>
           <a:bodyPr anchor="ctr"/>
@@ -35682,47 +36939,6 @@
           </a:prstGeom>
         </p:spPr>
       </p:pic>
-      <p:pic>
-        <p:nvPicPr>
-          <p:cNvPr id="6" name="Picture 4" descr="C:\Users\rcrescenzi\OneDrive\docencia\UCEMA\ucema_logo.png"/>
-          <p:cNvPicPr>
-            <a:picLocks noChangeAspect="1" noChangeArrowheads="1"/>
-          </p:cNvPicPr>
-          <p:nvPr/>
-        </p:nvPicPr>
-        <p:blipFill>
-          <a:blip r:embed="rId4" cstate="print">
-            <a:extLst>
-              <a:ext uri="{28A0092B-C50C-407E-A947-70E740481C1C}">
-                <a14:useLocalDpi xmlns:a14="http://schemas.microsoft.com/office/drawing/2010/main" val="0"/>
-              </a:ext>
-            </a:extLst>
-          </a:blip>
-          <a:srcRect/>
-          <a:stretch>
-            <a:fillRect/>
-          </a:stretch>
-        </p:blipFill>
-        <p:spPr bwMode="auto">
-          <a:xfrm>
-            <a:off x="8461829" y="-149930"/>
-            <a:ext cx="3672116" cy="1344437"/>
-          </a:xfrm>
-          <a:prstGeom prst="rect">
-            <a:avLst/>
-          </a:prstGeom>
-          <a:noFill/>
-          <a:extLst>
-            <a:ext uri="{909E8E84-426E-40DD-AFC4-6F175D3DCCD1}">
-              <a14:hiddenFill xmlns:a14="http://schemas.microsoft.com/office/drawing/2010/main">
-                <a:solidFill>
-                  <a:srgbClr val="FFFFFF"/>
-                </a:solidFill>
-              </a14:hiddenFill>
-            </a:ext>
-          </a:extLst>
-        </p:spPr>
-      </p:pic>
     </p:spTree>
     <p:extLst>
       <p:ext uri="{BB962C8B-B14F-4D97-AF65-F5344CB8AC3E}">
@@ -35766,7 +36982,7 @@
 </p:sld>
 </file>
 
-<file path=ppt/slides/slide13.xml><?xml version="1.0" encoding="utf-8"?>
+<file path=ppt/slides/slide14.xml><?xml version="1.0" encoding="utf-8"?>
 <p:sld xmlns:a="http://schemas.openxmlformats.org/drawingml/2006/main" xmlns:r="http://schemas.openxmlformats.org/officeDocument/2006/relationships" xmlns:p="http://schemas.openxmlformats.org/presentationml/2006/main">
   <p:cSld>
     <p:spTree>
@@ -35807,7 +37023,6 @@
           <a:ln>
             <a:noFill/>
           </a:ln>
-          <a:extLst/>
         </p:spPr>
         <p:txBody>
           <a:bodyPr anchor="ctr"/>
@@ -35892,7 +37107,6 @@
           <a:ln>
             <a:noFill/>
           </a:ln>
-          <a:extLst/>
         </p:spPr>
         <p:txBody>
           <a:bodyPr anchor="ctr"/>
@@ -35936,253 +37150,10 @@
           </a:p>
         </p:txBody>
       </p:sp>
-      <p:pic>
-        <p:nvPicPr>
-          <p:cNvPr id="5" name="Picture 4" descr="C:\Users\rcrescenzi\OneDrive\docencia\UCEMA\ucema_logo.png"/>
-          <p:cNvPicPr>
-            <a:picLocks noChangeAspect="1" noChangeArrowheads="1"/>
-          </p:cNvPicPr>
-          <p:nvPr/>
-        </p:nvPicPr>
-        <p:blipFill>
-          <a:blip r:embed="rId3" cstate="print">
-            <a:extLst>
-              <a:ext uri="{28A0092B-C50C-407E-A947-70E740481C1C}">
-                <a14:useLocalDpi xmlns:a14="http://schemas.microsoft.com/office/drawing/2010/main" val="0"/>
-              </a:ext>
-            </a:extLst>
-          </a:blip>
-          <a:srcRect/>
-          <a:stretch>
-            <a:fillRect/>
-          </a:stretch>
-        </p:blipFill>
-        <p:spPr bwMode="auto">
-          <a:xfrm>
-            <a:off x="8461829" y="-149930"/>
-            <a:ext cx="3672116" cy="1344437"/>
-          </a:xfrm>
-          <a:prstGeom prst="rect">
-            <a:avLst/>
-          </a:prstGeom>
-          <a:noFill/>
-          <a:extLst>
-            <a:ext uri="{909E8E84-426E-40DD-AFC4-6F175D3DCCD1}">
-              <a14:hiddenFill xmlns:a14="http://schemas.microsoft.com/office/drawing/2010/main">
-                <a:solidFill>
-                  <a:srgbClr val="FFFFFF"/>
-                </a:solidFill>
-              </a14:hiddenFill>
-            </a:ext>
-          </a:extLst>
-        </p:spPr>
-      </p:pic>
     </p:spTree>
     <p:extLst>
       <p:ext uri="{BB962C8B-B14F-4D97-AF65-F5344CB8AC3E}">
         <p14:creationId xmlns:p14="http://schemas.microsoft.com/office/powerpoint/2010/main" val="3232185289"/>
-      </p:ext>
-    </p:extLst>
-  </p:cSld>
-  <p:clrMapOvr>
-    <a:masterClrMapping/>
-  </p:clrMapOvr>
-  <p:transition spd="slow">
-    <p:push/>
-  </p:transition>
-  <p:timing>
-    <p:tnLst>
-      <p:par>
-        <p:cTn id="1" dur="indefinite" restart="never" nodeType="tmRoot">
-          <p:childTnLst>
-            <p:seq concurrent="1" nextAc="seek">
-              <p:cTn id="2" dur="0" nodeType="mainSeq"/>
-              <p:prevCondLst>
-                <p:cond evt="onPrev" delay="0">
-                  <p:tgtEl>
-                    <p:sldTgt/>
-                  </p:tgtEl>
-                </p:cond>
-              </p:prevCondLst>
-              <p:nextCondLst>
-                <p:cond evt="onNext" delay="0">
-                  <p:tgtEl>
-                    <p:sldTgt/>
-                  </p:tgtEl>
-                </p:cond>
-              </p:nextCondLst>
-            </p:seq>
-          </p:childTnLst>
-        </p:cTn>
-      </p:par>
-    </p:tnLst>
-  </p:timing>
-</p:sld>
-</file>
-
-<file path=ppt/slides/slide14.xml><?xml version="1.0" encoding="utf-8"?>
-<p:sld xmlns:a="http://schemas.openxmlformats.org/drawingml/2006/main" xmlns:r="http://schemas.openxmlformats.org/officeDocument/2006/relationships" xmlns:p="http://schemas.openxmlformats.org/presentationml/2006/main">
-  <p:cSld>
-    <p:spTree>
-      <p:nvGrpSpPr>
-        <p:cNvPr id="1" name=""/>
-        <p:cNvGrpSpPr/>
-        <p:nvPr/>
-      </p:nvGrpSpPr>
-      <p:grpSpPr>
-        <a:xfrm>
-          <a:off x="0" y="0"/>
-          <a:ext cx="0" cy="0"/>
-          <a:chOff x="0" y="0"/>
-          <a:chExt cx="0" cy="0"/>
-        </a:xfrm>
-      </p:grpSpPr>
-      <p:sp>
-        <p:nvSpPr>
-          <p:cNvPr id="9218" name="1 Rectángulo"/>
-          <p:cNvSpPr>
-            <a:spLocks noChangeArrowheads="1"/>
-          </p:cNvSpPr>
-          <p:nvPr/>
-        </p:nvSpPr>
-        <p:spPr bwMode="auto">
-          <a:xfrm>
-            <a:off x="0" y="1103275"/>
-            <a:ext cx="12192000" cy="1217894"/>
-          </a:xfrm>
-          <a:prstGeom prst="rect">
-            <a:avLst/>
-          </a:prstGeom>
-          <a:solidFill>
-            <a:schemeClr val="bg1">
-              <a:alpha val="30000"/>
-            </a:schemeClr>
-          </a:solidFill>
-          <a:ln>
-            <a:noFill/>
-          </a:ln>
-          <a:extLst/>
-        </p:spPr>
-        <p:txBody>
-          <a:bodyPr anchor="ctr"/>
-          <a:lstStyle/>
-          <a:p>
-            <a:pPr marL="0" marR="0" lvl="0" indent="0" algn="ctr" defTabSz="599002" rtl="0" eaLnBrk="1" fontAlgn="base" latinLnBrk="0" hangingPunct="0">
-              <a:lnSpc>
-                <a:spcPct val="93000"/>
-              </a:lnSpc>
-              <a:spcBef>
-                <a:spcPct val="0"/>
-              </a:spcBef>
-              <a:spcAft>
-                <a:spcPct val="0"/>
-              </a:spcAft>
-              <a:buClr>
-                <a:srgbClr val="000000"/>
-              </a:buClr>
-              <a:buSzPct val="100000"/>
-              <a:buFontTx/>
-              <a:buNone/>
-              <a:tabLst/>
-              <a:defRPr/>
-            </a:pPr>
-            <a:r>
-              <a:rPr lang="es-AR" altLang="es-AR" sz="3600" b="1" dirty="0">
-                <a:latin typeface="Arial" panose="020B0604020202020204" pitchFamily="34" charset="0"/>
-                <a:ea typeface="Microsoft YaHei" panose="020B0503020204020204" pitchFamily="34" charset="-122"/>
-                <a:cs typeface="Arial"/>
-              </a:rPr>
-              <a:t>El Ciclo del Data </a:t>
-            </a:r>
-            <a:r>
-              <a:rPr lang="es-AR" altLang="es-AR" sz="3600" b="1" dirty="0" err="1">
-                <a:latin typeface="Arial" panose="020B0604020202020204" pitchFamily="34" charset="0"/>
-                <a:ea typeface="Microsoft YaHei" panose="020B0503020204020204" pitchFamily="34" charset="-122"/>
-                <a:cs typeface="Arial"/>
-              </a:rPr>
-              <a:t>Science</a:t>
-            </a:r>
-            <a:endParaRPr lang="es-AR" altLang="es-AR" sz="3600" b="1" dirty="0">
-              <a:latin typeface="Arial" panose="020B0604020202020204" pitchFamily="34" charset="0"/>
-              <a:ea typeface="Microsoft YaHei" panose="020B0503020204020204" pitchFamily="34" charset="-122"/>
-              <a:cs typeface="Arial"/>
-            </a:endParaRPr>
-          </a:p>
-        </p:txBody>
-      </p:sp>
-      <p:graphicFrame>
-        <p:nvGraphicFramePr>
-          <p:cNvPr id="2" name="Diagrama 1">
-            <a:extLst>
-              <a:ext uri="{FF2B5EF4-FFF2-40B4-BE49-F238E27FC236}">
-                <a16:creationId xmlns:a16="http://schemas.microsoft.com/office/drawing/2014/main" id="{C4844DA5-81D4-434D-BC17-924A3A9F7C1B}"/>
-              </a:ext>
-            </a:extLst>
-          </p:cNvPr>
-          <p:cNvGraphicFramePr/>
-          <p:nvPr>
-            <p:extLst>
-              <p:ext uri="{D42A27DB-BD31-4B8C-83A1-F6EECF244321}">
-                <p14:modId xmlns:p14="http://schemas.microsoft.com/office/powerpoint/2010/main" val="94689942"/>
-              </p:ext>
-            </p:extLst>
-          </p:nvPr>
-        </p:nvGraphicFramePr>
-        <p:xfrm>
-          <a:off x="0" y="2321170"/>
-          <a:ext cx="12192000" cy="4536830"/>
-        </p:xfrm>
-        <a:graphic>
-          <a:graphicData uri="http://schemas.openxmlformats.org/drawingml/2006/diagram">
-            <dgm:relIds xmlns:dgm="http://schemas.openxmlformats.org/drawingml/2006/diagram" xmlns:r="http://schemas.openxmlformats.org/officeDocument/2006/relationships" r:dm="rId3" r:lo="rId4" r:qs="rId5" r:cs="rId6"/>
-          </a:graphicData>
-        </a:graphic>
-      </p:graphicFrame>
-      <p:pic>
-        <p:nvPicPr>
-          <p:cNvPr id="5" name="Picture 4" descr="C:\Users\rcrescenzi\OneDrive\docencia\UCEMA\ucema_logo.png"/>
-          <p:cNvPicPr>
-            <a:picLocks noChangeAspect="1" noChangeArrowheads="1"/>
-          </p:cNvPicPr>
-          <p:nvPr/>
-        </p:nvPicPr>
-        <p:blipFill>
-          <a:blip r:embed="rId8" cstate="print">
-            <a:extLst>
-              <a:ext uri="{28A0092B-C50C-407E-A947-70E740481C1C}">
-                <a14:useLocalDpi xmlns:a14="http://schemas.microsoft.com/office/drawing/2010/main" val="0"/>
-              </a:ext>
-            </a:extLst>
-          </a:blip>
-          <a:srcRect/>
-          <a:stretch>
-            <a:fillRect/>
-          </a:stretch>
-        </p:blipFill>
-        <p:spPr bwMode="auto">
-          <a:xfrm>
-            <a:off x="8461829" y="-149930"/>
-            <a:ext cx="3672116" cy="1344437"/>
-          </a:xfrm>
-          <a:prstGeom prst="rect">
-            <a:avLst/>
-          </a:prstGeom>
-          <a:noFill/>
-          <a:extLst>
-            <a:ext uri="{909E8E84-426E-40DD-AFC4-6F175D3DCCD1}">
-              <a14:hiddenFill xmlns:a14="http://schemas.microsoft.com/office/drawing/2010/main">
-                <a:solidFill>
-                  <a:srgbClr val="FFFFFF"/>
-                </a:solidFill>
-              </a14:hiddenFill>
-            </a:ext>
-          </a:extLst>
-        </p:spPr>
-      </p:pic>
-    </p:spTree>
-    <p:extLst>
-      <p:ext uri="{BB962C8B-B14F-4D97-AF65-F5344CB8AC3E}">
-        <p14:creationId xmlns:p14="http://schemas.microsoft.com/office/powerpoint/2010/main" val="1232290577"/>
       </p:ext>
     </p:extLst>
   </p:cSld>
@@ -36263,7 +37234,166 @@
           <a:ln>
             <a:noFill/>
           </a:ln>
-          <a:extLst/>
+        </p:spPr>
+        <p:txBody>
+          <a:bodyPr anchor="ctr"/>
+          <a:lstStyle/>
+          <a:p>
+            <a:pPr marL="0" marR="0" lvl="0" indent="0" algn="ctr" defTabSz="599002" rtl="0" eaLnBrk="1" fontAlgn="base" latinLnBrk="0" hangingPunct="0">
+              <a:lnSpc>
+                <a:spcPct val="93000"/>
+              </a:lnSpc>
+              <a:spcBef>
+                <a:spcPct val="0"/>
+              </a:spcBef>
+              <a:spcAft>
+                <a:spcPct val="0"/>
+              </a:spcAft>
+              <a:buClr>
+                <a:srgbClr val="000000"/>
+              </a:buClr>
+              <a:buSzPct val="100000"/>
+              <a:buFontTx/>
+              <a:buNone/>
+              <a:tabLst/>
+              <a:defRPr/>
+            </a:pPr>
+            <a:r>
+              <a:rPr lang="es-AR" altLang="es-AR" sz="3600" b="1" dirty="0">
+                <a:latin typeface="Arial" panose="020B0604020202020204" pitchFamily="34" charset="0"/>
+                <a:ea typeface="Microsoft YaHei" panose="020B0503020204020204" pitchFamily="34" charset="-122"/>
+                <a:cs typeface="Arial"/>
+              </a:rPr>
+              <a:t>El Ciclo del Data </a:t>
+            </a:r>
+            <a:r>
+              <a:rPr lang="es-AR" altLang="es-AR" sz="3600" b="1" dirty="0" err="1">
+                <a:latin typeface="Arial" panose="020B0604020202020204" pitchFamily="34" charset="0"/>
+                <a:ea typeface="Microsoft YaHei" panose="020B0503020204020204" pitchFamily="34" charset="-122"/>
+                <a:cs typeface="Arial"/>
+              </a:rPr>
+              <a:t>Science</a:t>
+            </a:r>
+            <a:endParaRPr lang="es-AR" altLang="es-AR" sz="3600" b="1" dirty="0">
+              <a:latin typeface="Arial" panose="020B0604020202020204" pitchFamily="34" charset="0"/>
+              <a:ea typeface="Microsoft YaHei" panose="020B0503020204020204" pitchFamily="34" charset="-122"/>
+              <a:cs typeface="Arial"/>
+            </a:endParaRPr>
+          </a:p>
+        </p:txBody>
+      </p:sp>
+      <p:graphicFrame>
+        <p:nvGraphicFramePr>
+          <p:cNvPr id="2" name="Diagrama 1">
+            <a:extLst>
+              <a:ext uri="{FF2B5EF4-FFF2-40B4-BE49-F238E27FC236}">
+                <a16:creationId xmlns:a16="http://schemas.microsoft.com/office/drawing/2014/main" id="{C4844DA5-81D4-434D-BC17-924A3A9F7C1B}"/>
+              </a:ext>
+            </a:extLst>
+          </p:cNvPr>
+          <p:cNvGraphicFramePr/>
+          <p:nvPr>
+            <p:extLst>
+              <p:ext uri="{D42A27DB-BD31-4B8C-83A1-F6EECF244321}">
+                <p14:modId xmlns:p14="http://schemas.microsoft.com/office/powerpoint/2010/main" val="94689942"/>
+              </p:ext>
+            </p:extLst>
+          </p:nvPr>
+        </p:nvGraphicFramePr>
+        <p:xfrm>
+          <a:off x="0" y="2321170"/>
+          <a:ext cx="12192000" cy="4536830"/>
+        </p:xfrm>
+        <a:graphic>
+          <a:graphicData uri="http://schemas.openxmlformats.org/drawingml/2006/diagram">
+            <dgm:relIds xmlns:dgm="http://schemas.openxmlformats.org/drawingml/2006/diagram" xmlns:r="http://schemas.openxmlformats.org/officeDocument/2006/relationships" r:dm="rId3" r:lo="rId4" r:qs="rId5" r:cs="rId6"/>
+          </a:graphicData>
+        </a:graphic>
+      </p:graphicFrame>
+    </p:spTree>
+    <p:extLst>
+      <p:ext uri="{BB962C8B-B14F-4D97-AF65-F5344CB8AC3E}">
+        <p14:creationId xmlns:p14="http://schemas.microsoft.com/office/powerpoint/2010/main" val="1232290577"/>
+      </p:ext>
+    </p:extLst>
+  </p:cSld>
+  <p:clrMapOvr>
+    <a:masterClrMapping/>
+  </p:clrMapOvr>
+  <p:transition spd="slow">
+    <p:push/>
+  </p:transition>
+  <p:timing>
+    <p:tnLst>
+      <p:par>
+        <p:cTn id="1" dur="indefinite" restart="never" nodeType="tmRoot">
+          <p:childTnLst>
+            <p:seq concurrent="1" nextAc="seek">
+              <p:cTn id="2" dur="0" nodeType="mainSeq"/>
+              <p:prevCondLst>
+                <p:cond evt="onPrev" delay="0">
+                  <p:tgtEl>
+                    <p:sldTgt/>
+                  </p:tgtEl>
+                </p:cond>
+              </p:prevCondLst>
+              <p:nextCondLst>
+                <p:cond evt="onNext" delay="0">
+                  <p:tgtEl>
+                    <p:sldTgt/>
+                  </p:tgtEl>
+                </p:cond>
+              </p:nextCondLst>
+            </p:seq>
+          </p:childTnLst>
+        </p:cTn>
+      </p:par>
+    </p:tnLst>
+  </p:timing>
+</p:sld>
+</file>
+
+<file path=ppt/slides/slide16.xml><?xml version="1.0" encoding="utf-8"?>
+<p:sld xmlns:a="http://schemas.openxmlformats.org/drawingml/2006/main" xmlns:r="http://schemas.openxmlformats.org/officeDocument/2006/relationships" xmlns:p="http://schemas.openxmlformats.org/presentationml/2006/main">
+  <p:cSld>
+    <p:spTree>
+      <p:nvGrpSpPr>
+        <p:cNvPr id="1" name=""/>
+        <p:cNvGrpSpPr/>
+        <p:nvPr/>
+      </p:nvGrpSpPr>
+      <p:grpSpPr>
+        <a:xfrm>
+          <a:off x="0" y="0"/>
+          <a:ext cx="0" cy="0"/>
+          <a:chOff x="0" y="0"/>
+          <a:chExt cx="0" cy="0"/>
+        </a:xfrm>
+      </p:grpSpPr>
+      <p:sp>
+        <p:nvSpPr>
+          <p:cNvPr id="9218" name="1 Rectángulo"/>
+          <p:cNvSpPr>
+            <a:spLocks noChangeArrowheads="1"/>
+          </p:cNvSpPr>
+          <p:nvPr/>
+        </p:nvSpPr>
+        <p:spPr bwMode="auto">
+          <a:xfrm>
+            <a:off x="0" y="1103275"/>
+            <a:ext cx="12192000" cy="1217894"/>
+          </a:xfrm>
+          <a:prstGeom prst="rect">
+            <a:avLst/>
+          </a:prstGeom>
+          <a:solidFill>
+            <a:schemeClr val="bg1">
+              <a:alpha val="30000"/>
+            </a:schemeClr>
+          </a:solidFill>
+          <a:ln>
+            <a:noFill/>
+          </a:ln>
         </p:spPr>
         <p:txBody>
           <a:bodyPr anchor="ctr"/>
@@ -36326,8 +37456,8 @@
         </p:nvSpPr>
         <p:spPr bwMode="auto">
           <a:xfrm>
-            <a:off x="0" y="2700161"/>
-            <a:ext cx="12191999" cy="3377082"/>
+            <a:off x="0" y="2700160"/>
+            <a:ext cx="12191999" cy="4157839"/>
           </a:xfrm>
           <a:prstGeom prst="rect">
             <a:avLst/>
@@ -36340,7 +37470,6 @@
           <a:ln>
             <a:noFill/>
           </a:ln>
-          <a:extLst/>
         </p:spPr>
         <p:txBody>
           <a:bodyPr anchor="ctr"/>
@@ -36528,8 +37657,27 @@
               <a:rPr lang="es-AR" sz="2800" dirty="0">
                 <a:latin typeface="+mj-lt"/>
               </a:rPr>
-              <a:t>"</a:t>
+              <a:t>“</a:t>
             </a:r>
+            <a:endParaRPr lang="es-AR" sz="2800" dirty="0">
+              <a:latin typeface="+mj-lt"/>
+              <a:ea typeface="Microsoft YaHei" panose="020B0503020204020204" pitchFamily="34" charset="-122"/>
+            </a:endParaRPr>
+          </a:p>
+          <a:p>
+            <a:pPr defTabSz="599002" fontAlgn="base" hangingPunct="0">
+              <a:lnSpc>
+                <a:spcPct val="93000"/>
+              </a:lnSpc>
+              <a:spcBef>
+                <a:spcPct val="0"/>
+              </a:spcBef>
+              <a:spcAft>
+                <a:spcPct val="0"/>
+              </a:spcAft>
+              <a:buSzPct val="100000"/>
+              <a:defRPr/>
+            </a:pPr>
             <a:endParaRPr lang="es-AR" altLang="es-AR" sz="2800" dirty="0">
               <a:latin typeface="+mj-lt"/>
               <a:ea typeface="Microsoft YaHei" panose="020B0503020204020204" pitchFamily="34" charset="-122"/>
@@ -36549,13 +37697,16 @@
               <a:buSzPct val="100000"/>
               <a:defRPr/>
             </a:pPr>
-            <a:endParaRPr lang="es-AR" altLang="es-AR" sz="3200" dirty="0">
-              <a:latin typeface="Arial" panose="020B0604020202020204" pitchFamily="34" charset="0"/>
-              <a:ea typeface="Microsoft YaHei" panose="020B0503020204020204" pitchFamily="34" charset="-122"/>
-            </a:endParaRPr>
+            <a:r>
+              <a:rPr lang="es-AR" altLang="es-AR" sz="2800" dirty="0">
+                <a:latin typeface="+mj-lt"/>
+                <a:ea typeface="Microsoft YaHei" panose="020B0503020204020204" pitchFamily="34" charset="-122"/>
+              </a:rPr>
+              <a:t>Consignas: </a:t>
+            </a:r>
           </a:p>
           <a:p>
-            <a:pPr lvl="6" defTabSz="599002" fontAlgn="base" hangingPunct="0">
+            <a:pPr marL="514350" indent="-514350" defTabSz="599002" fontAlgn="base" hangingPunct="0">
               <a:lnSpc>
                 <a:spcPct val="93000"/>
               </a:lnSpc>
@@ -36566,8 +37717,62 @@
                 <a:spcPct val="0"/>
               </a:spcAft>
               <a:buSzPct val="100000"/>
+              <a:buAutoNum type="alphaUcParenR"/>
               <a:defRPr/>
             </a:pPr>
+            <a:r>
+              <a:rPr lang="es-AR" altLang="es-AR" sz="2800" dirty="0">
+                <a:latin typeface="+mj-lt"/>
+                <a:ea typeface="Microsoft YaHei" panose="020B0503020204020204" pitchFamily="34" charset="-122"/>
+              </a:rPr>
+              <a:t>Determinación del problema</a:t>
+            </a:r>
+          </a:p>
+          <a:p>
+            <a:pPr marL="514350" indent="-514350" defTabSz="599002" fontAlgn="base" hangingPunct="0">
+              <a:lnSpc>
+                <a:spcPct val="93000"/>
+              </a:lnSpc>
+              <a:spcBef>
+                <a:spcPct val="0"/>
+              </a:spcBef>
+              <a:spcAft>
+                <a:spcPct val="0"/>
+              </a:spcAft>
+              <a:buSzPct val="100000"/>
+              <a:buAutoNum type="alphaUcParenR"/>
+              <a:defRPr/>
+            </a:pPr>
+            <a:r>
+              <a:rPr lang="es-AR" altLang="es-AR" sz="2800" dirty="0">
+                <a:latin typeface="+mj-lt"/>
+                <a:ea typeface="Microsoft YaHei" panose="020B0503020204020204" pitchFamily="34" charset="-122"/>
+              </a:rPr>
+              <a:t>Obtención de Datos</a:t>
+            </a:r>
+          </a:p>
+          <a:p>
+            <a:pPr marL="514350" indent="-514350" defTabSz="599002" fontAlgn="base" hangingPunct="0">
+              <a:lnSpc>
+                <a:spcPct val="93000"/>
+              </a:lnSpc>
+              <a:spcBef>
+                <a:spcPct val="0"/>
+              </a:spcBef>
+              <a:spcAft>
+                <a:spcPct val="0"/>
+              </a:spcAft>
+              <a:buSzPct val="100000"/>
+              <a:buAutoNum type="alphaUcParenR"/>
+              <a:defRPr/>
+            </a:pPr>
+            <a:r>
+              <a:rPr lang="es-AR" altLang="es-AR" sz="2800" dirty="0">
+                <a:latin typeface="+mj-lt"/>
+                <a:ea typeface="Microsoft YaHei" panose="020B0503020204020204" pitchFamily="34" charset="-122"/>
+              </a:rPr>
+              <a:t>Accionamiento</a:t>
+            </a:r>
             <a:r>
               <a:rPr lang="es-AR" altLang="es-AR" sz="3200" dirty="0">
                 <a:latin typeface="Arial" panose="020B0604020202020204" pitchFamily="34" charset="0"/>
@@ -36589,47 +37794,6 @@
           </a:p>
         </p:txBody>
       </p:sp>
-      <p:pic>
-        <p:nvPicPr>
-          <p:cNvPr id="5" name="Picture 4" descr="C:\Users\rcrescenzi\OneDrive\docencia\UCEMA\ucema_logo.png"/>
-          <p:cNvPicPr>
-            <a:picLocks noChangeAspect="1" noChangeArrowheads="1"/>
-          </p:cNvPicPr>
-          <p:nvPr/>
-        </p:nvPicPr>
-        <p:blipFill>
-          <a:blip r:embed="rId4" cstate="print">
-            <a:extLst>
-              <a:ext uri="{28A0092B-C50C-407E-A947-70E740481C1C}">
-                <a14:useLocalDpi xmlns:a14="http://schemas.microsoft.com/office/drawing/2010/main" val="0"/>
-              </a:ext>
-            </a:extLst>
-          </a:blip>
-          <a:srcRect/>
-          <a:stretch>
-            <a:fillRect/>
-          </a:stretch>
-        </p:blipFill>
-        <p:spPr bwMode="auto">
-          <a:xfrm>
-            <a:off x="8461829" y="-149930"/>
-            <a:ext cx="3672116" cy="1344437"/>
-          </a:xfrm>
-          <a:prstGeom prst="rect">
-            <a:avLst/>
-          </a:prstGeom>
-          <a:noFill/>
-          <a:extLst>
-            <a:ext uri="{909E8E84-426E-40DD-AFC4-6F175D3DCCD1}">
-              <a14:hiddenFill xmlns:a14="http://schemas.microsoft.com/office/drawing/2010/main">
-                <a:solidFill>
-                  <a:srgbClr val="FFFFFF"/>
-                </a:solidFill>
-              </a14:hiddenFill>
-            </a:ext>
-          </a:extLst>
-        </p:spPr>
-      </p:pic>
     </p:spTree>
     <p:extLst>
       <p:ext uri="{BB962C8B-B14F-4D97-AF65-F5344CB8AC3E}">
@@ -36673,7 +37837,7 @@
 </p:sld>
 </file>
 
-<file path=ppt/slides/slide16.xml><?xml version="1.0" encoding="utf-8"?>
+<file path=ppt/slides/slide17.xml><?xml version="1.0" encoding="utf-8"?>
 <p:sld xmlns:a="http://schemas.openxmlformats.org/drawingml/2006/main" xmlns:r="http://schemas.openxmlformats.org/officeDocument/2006/relationships" xmlns:p="http://schemas.openxmlformats.org/presentationml/2006/main">
   <p:cSld>
     <p:spTree>
@@ -36714,7 +37878,6 @@
           <a:ln>
             <a:noFill/>
           </a:ln>
-          <a:extLst/>
         </p:spPr>
         <p:txBody>
           <a:bodyPr anchor="ctr"/>
@@ -36805,7 +37968,6 @@
           <a:ln>
             <a:noFill/>
           </a:ln>
-          <a:extLst/>
         </p:spPr>
         <p:txBody>
           <a:bodyPr anchor="ctr"/>
@@ -36833,47 +37995,6 @@
           </a:p>
         </p:txBody>
       </p:sp>
-      <p:pic>
-        <p:nvPicPr>
-          <p:cNvPr id="5" name="Picture 4" descr="C:\Users\rcrescenzi\OneDrive\docencia\UCEMA\ucema_logo.png"/>
-          <p:cNvPicPr>
-            <a:picLocks noChangeAspect="1" noChangeArrowheads="1"/>
-          </p:cNvPicPr>
-          <p:nvPr/>
-        </p:nvPicPr>
-        <p:blipFill>
-          <a:blip r:embed="rId3" cstate="print">
-            <a:extLst>
-              <a:ext uri="{28A0092B-C50C-407E-A947-70E740481C1C}">
-                <a14:useLocalDpi xmlns:a14="http://schemas.microsoft.com/office/drawing/2010/main" val="0"/>
-              </a:ext>
-            </a:extLst>
-          </a:blip>
-          <a:srcRect/>
-          <a:stretch>
-            <a:fillRect/>
-          </a:stretch>
-        </p:blipFill>
-        <p:spPr bwMode="auto">
-          <a:xfrm>
-            <a:off x="8461829" y="-149930"/>
-            <a:ext cx="3672116" cy="1344437"/>
-          </a:xfrm>
-          <a:prstGeom prst="rect">
-            <a:avLst/>
-          </a:prstGeom>
-          <a:noFill/>
-          <a:extLst>
-            <a:ext uri="{909E8E84-426E-40DD-AFC4-6F175D3DCCD1}">
-              <a14:hiddenFill xmlns:a14="http://schemas.microsoft.com/office/drawing/2010/main">
-                <a:solidFill>
-                  <a:srgbClr val="FFFFFF"/>
-                </a:solidFill>
-              </a14:hiddenFill>
-            </a:ext>
-          </a:extLst>
-        </p:spPr>
-      </p:pic>
       <p:graphicFrame>
         <p:nvGraphicFramePr>
           <p:cNvPr id="7" name="Diagrama 1">
@@ -36898,7 +38019,7 @@
         </p:xfrm>
         <a:graphic>
           <a:graphicData uri="http://schemas.openxmlformats.org/drawingml/2006/diagram">
-            <dgm:relIds xmlns:dgm="http://schemas.openxmlformats.org/drawingml/2006/diagram" xmlns:r="http://schemas.openxmlformats.org/officeDocument/2006/relationships" r:dm="rId4" r:lo="rId5" r:qs="rId6" r:cs="rId7"/>
+            <dgm:relIds xmlns:dgm="http://schemas.openxmlformats.org/drawingml/2006/diagram" xmlns:r="http://schemas.openxmlformats.org/officeDocument/2006/relationships" r:dm="rId3" r:lo="rId4" r:qs="rId5" r:cs="rId6"/>
           </a:graphicData>
         </a:graphic>
       </p:graphicFrame>
@@ -36945,7 +38066,7 @@
 </p:sld>
 </file>
 
-<file path=ppt/slides/slide17.xml><?xml version="1.0" encoding="utf-8"?>
+<file path=ppt/slides/slide18.xml><?xml version="1.0" encoding="utf-8"?>
 <p:sld xmlns:a="http://schemas.openxmlformats.org/drawingml/2006/main" xmlns:r="http://schemas.openxmlformats.org/officeDocument/2006/relationships" xmlns:p="http://schemas.openxmlformats.org/presentationml/2006/main">
   <p:cSld>
     <p:spTree>
@@ -36986,7 +38107,6 @@
           <a:ln>
             <a:noFill/>
           </a:ln>
-          <a:extLst/>
         </p:spPr>
         <p:txBody>
           <a:bodyPr anchor="ctr"/>
@@ -37077,7 +38197,6 @@
           <a:ln>
             <a:noFill/>
           </a:ln>
-          <a:extLst/>
         </p:spPr>
         <p:txBody>
           <a:bodyPr anchor="ctr"/>
@@ -37106,47 +38225,6 @@
           </a:p>
         </p:txBody>
       </p:sp>
-      <p:pic>
-        <p:nvPicPr>
-          <p:cNvPr id="5" name="Picture 4" descr="C:\Users\rcrescenzi\OneDrive\docencia\UCEMA\ucema_logo.png"/>
-          <p:cNvPicPr>
-            <a:picLocks noChangeAspect="1" noChangeArrowheads="1"/>
-          </p:cNvPicPr>
-          <p:nvPr/>
-        </p:nvPicPr>
-        <p:blipFill>
-          <a:blip r:embed="rId3" cstate="print">
-            <a:extLst>
-              <a:ext uri="{28A0092B-C50C-407E-A947-70E740481C1C}">
-                <a14:useLocalDpi xmlns:a14="http://schemas.microsoft.com/office/drawing/2010/main" val="0"/>
-              </a:ext>
-            </a:extLst>
-          </a:blip>
-          <a:srcRect/>
-          <a:stretch>
-            <a:fillRect/>
-          </a:stretch>
-        </p:blipFill>
-        <p:spPr bwMode="auto">
-          <a:xfrm>
-            <a:off x="8461829" y="-149930"/>
-            <a:ext cx="3672116" cy="1344437"/>
-          </a:xfrm>
-          <a:prstGeom prst="rect">
-            <a:avLst/>
-          </a:prstGeom>
-          <a:noFill/>
-          <a:extLst>
-            <a:ext uri="{909E8E84-426E-40DD-AFC4-6F175D3DCCD1}">
-              <a14:hiddenFill xmlns:a14="http://schemas.microsoft.com/office/drawing/2010/main">
-                <a:solidFill>
-                  <a:srgbClr val="FFFFFF"/>
-                </a:solidFill>
-              </a14:hiddenFill>
-            </a:ext>
-          </a:extLst>
-        </p:spPr>
-      </p:pic>
     </p:spTree>
     <p:extLst>
       <p:ext uri="{BB962C8B-B14F-4D97-AF65-F5344CB8AC3E}">
@@ -37190,7 +38268,7 @@
 </p:sld>
 </file>
 
-<file path=ppt/slides/slide18.xml><?xml version="1.0" encoding="utf-8"?>
+<file path=ppt/slides/slide19.xml><?xml version="1.0" encoding="utf-8"?>
 <p:sld xmlns:a="http://schemas.openxmlformats.org/drawingml/2006/main" xmlns:r="http://schemas.openxmlformats.org/officeDocument/2006/relationships" xmlns:p="http://schemas.openxmlformats.org/presentationml/2006/main">
   <p:cSld>
     <p:spTree>
@@ -37231,7 +38309,6 @@
           <a:ln>
             <a:noFill/>
           </a:ln>
-          <a:extLst/>
         </p:spPr>
         <p:txBody>
           <a:bodyPr anchor="ctr"/>
@@ -37322,7 +38399,6 @@
           <a:ln>
             <a:noFill/>
           </a:ln>
-          <a:extLst/>
         </p:spPr>
         <p:txBody>
           <a:bodyPr anchor="ctr"/>
@@ -37347,47 +38423,6 @@
           </a:p>
         </p:txBody>
       </p:sp>
-      <p:pic>
-        <p:nvPicPr>
-          <p:cNvPr id="5" name="Picture 4" descr="C:\Users\rcrescenzi\OneDrive\docencia\UCEMA\ucema_logo.png"/>
-          <p:cNvPicPr>
-            <a:picLocks noChangeAspect="1" noChangeArrowheads="1"/>
-          </p:cNvPicPr>
-          <p:nvPr/>
-        </p:nvPicPr>
-        <p:blipFill>
-          <a:blip r:embed="rId3" cstate="print">
-            <a:extLst>
-              <a:ext uri="{28A0092B-C50C-407E-A947-70E740481C1C}">
-                <a14:useLocalDpi xmlns:a14="http://schemas.microsoft.com/office/drawing/2010/main" val="0"/>
-              </a:ext>
-            </a:extLst>
-          </a:blip>
-          <a:srcRect/>
-          <a:stretch>
-            <a:fillRect/>
-          </a:stretch>
-        </p:blipFill>
-        <p:spPr bwMode="auto">
-          <a:xfrm>
-            <a:off x="8461829" y="-149930"/>
-            <a:ext cx="3672116" cy="1344437"/>
-          </a:xfrm>
-          <a:prstGeom prst="rect">
-            <a:avLst/>
-          </a:prstGeom>
-          <a:noFill/>
-          <a:extLst>
-            <a:ext uri="{909E8E84-426E-40DD-AFC4-6F175D3DCCD1}">
-              <a14:hiddenFill xmlns:a14="http://schemas.microsoft.com/office/drawing/2010/main">
-                <a:solidFill>
-                  <a:srgbClr val="FFFFFF"/>
-                </a:solidFill>
-              </a14:hiddenFill>
-            </a:ext>
-          </a:extLst>
-        </p:spPr>
-      </p:pic>
       <p:graphicFrame>
         <p:nvGraphicFramePr>
           <p:cNvPr id="6" name="5 Diagrama"/>
@@ -37406,7 +38441,7 @@
         </p:xfrm>
         <a:graphic>
           <a:graphicData uri="http://schemas.openxmlformats.org/drawingml/2006/diagram">
-            <dgm:relIds xmlns:dgm="http://schemas.openxmlformats.org/drawingml/2006/diagram" xmlns:r="http://schemas.openxmlformats.org/officeDocument/2006/relationships" r:dm="rId4" r:lo="rId5" r:qs="rId6" r:cs="rId7"/>
+            <dgm:relIds xmlns:dgm="http://schemas.openxmlformats.org/drawingml/2006/diagram" xmlns:r="http://schemas.openxmlformats.org/officeDocument/2006/relationships" r:dm="rId3" r:lo="rId4" r:qs="rId5" r:cs="rId6"/>
           </a:graphicData>
         </a:graphic>
       </p:graphicFrame>
@@ -37414,267 +38449,6 @@
     <p:extLst>
       <p:ext uri="{BB962C8B-B14F-4D97-AF65-F5344CB8AC3E}">
         <p14:creationId xmlns:p14="http://schemas.microsoft.com/office/powerpoint/2010/main" val="976528594"/>
-      </p:ext>
-    </p:extLst>
-  </p:cSld>
-  <p:clrMapOvr>
-    <a:masterClrMapping/>
-  </p:clrMapOvr>
-  <p:transition spd="slow">
-    <p:push/>
-  </p:transition>
-  <p:timing>
-    <p:tnLst>
-      <p:par>
-        <p:cTn id="1" dur="indefinite" restart="never" nodeType="tmRoot">
-          <p:childTnLst>
-            <p:seq concurrent="1" nextAc="seek">
-              <p:cTn id="2" dur="0" nodeType="mainSeq"/>
-              <p:prevCondLst>
-                <p:cond evt="onPrev" delay="0">
-                  <p:tgtEl>
-                    <p:sldTgt/>
-                  </p:tgtEl>
-                </p:cond>
-              </p:prevCondLst>
-              <p:nextCondLst>
-                <p:cond evt="onNext" delay="0">
-                  <p:tgtEl>
-                    <p:sldTgt/>
-                  </p:tgtEl>
-                </p:cond>
-              </p:nextCondLst>
-            </p:seq>
-          </p:childTnLst>
-        </p:cTn>
-      </p:par>
-    </p:tnLst>
-  </p:timing>
-</p:sld>
-</file>
-
-<file path=ppt/slides/slide19.xml><?xml version="1.0" encoding="utf-8"?>
-<p:sld xmlns:a="http://schemas.openxmlformats.org/drawingml/2006/main" xmlns:r="http://schemas.openxmlformats.org/officeDocument/2006/relationships" xmlns:p="http://schemas.openxmlformats.org/presentationml/2006/main">
-  <p:cSld>
-    <p:spTree>
-      <p:nvGrpSpPr>
-        <p:cNvPr id="1" name=""/>
-        <p:cNvGrpSpPr/>
-        <p:nvPr/>
-      </p:nvGrpSpPr>
-      <p:grpSpPr>
-        <a:xfrm>
-          <a:off x="0" y="0"/>
-          <a:ext cx="0" cy="0"/>
-          <a:chOff x="0" y="0"/>
-          <a:chExt cx="0" cy="0"/>
-        </a:xfrm>
-      </p:grpSpPr>
-      <p:sp>
-        <p:nvSpPr>
-          <p:cNvPr id="9218" name="1 Rectángulo"/>
-          <p:cNvSpPr>
-            <a:spLocks noChangeArrowheads="1"/>
-          </p:cNvSpPr>
-          <p:nvPr/>
-        </p:nvSpPr>
-        <p:spPr bwMode="auto">
-          <a:xfrm>
-            <a:off x="0" y="1103275"/>
-            <a:ext cx="12192000" cy="1217894"/>
-          </a:xfrm>
-          <a:prstGeom prst="rect">
-            <a:avLst/>
-          </a:prstGeom>
-          <a:solidFill>
-            <a:schemeClr val="bg1">
-              <a:alpha val="30000"/>
-            </a:schemeClr>
-          </a:solidFill>
-          <a:ln>
-            <a:noFill/>
-          </a:ln>
-          <a:extLst/>
-        </p:spPr>
-        <p:txBody>
-          <a:bodyPr anchor="ctr"/>
-          <a:lstStyle/>
-          <a:p>
-            <a:pPr marL="0" marR="0" lvl="0" indent="0" algn="ctr" defTabSz="599002" rtl="0" eaLnBrk="1" fontAlgn="base" latinLnBrk="0" hangingPunct="0">
-              <a:lnSpc>
-                <a:spcPct val="93000"/>
-              </a:lnSpc>
-              <a:spcBef>
-                <a:spcPct val="0"/>
-              </a:spcBef>
-              <a:spcAft>
-                <a:spcPct val="0"/>
-              </a:spcAft>
-              <a:buClr>
-                <a:srgbClr val="000000"/>
-              </a:buClr>
-              <a:buSzPct val="100000"/>
-              <a:buFontTx/>
-              <a:buNone/>
-              <a:tabLst/>
-              <a:defRPr/>
-            </a:pPr>
-            <a:r>
-              <a:rPr kumimoji="0" lang="es-AR" altLang="es-AR" sz="3600" b="1" i="0" u="none" strike="noStrike" kern="1200" cap="none" spc="0" normalizeH="0" baseline="0" noProof="0" dirty="0">
-                <a:ln>
-                  <a:noFill/>
-                </a:ln>
-                <a:effectLst/>
-                <a:uLnTx/>
-                <a:uFillTx/>
-                <a:latin typeface="Arial" panose="020B0604020202020204" pitchFamily="34" charset="0"/>
-                <a:ea typeface="Microsoft YaHei" panose="020B0503020204020204" pitchFamily="34" charset="-122"/>
-                <a:cs typeface="Arial"/>
-              </a:rPr>
-              <a:t>Caso Target -</a:t>
-            </a:r>
-            <a:r>
-              <a:rPr kumimoji="0" lang="es-AR" altLang="es-AR" sz="3600" b="1" i="0" u="none" strike="noStrike" kern="1200" cap="none" spc="0" normalizeH="0" noProof="0" dirty="0">
-                <a:ln>
-                  <a:noFill/>
-                </a:ln>
-                <a:effectLst/>
-                <a:uLnTx/>
-                <a:uFillTx/>
-                <a:latin typeface="Arial" panose="020B0604020202020204" pitchFamily="34" charset="0"/>
-                <a:ea typeface="Microsoft YaHei" panose="020B0503020204020204" pitchFamily="34" charset="-122"/>
-                <a:cs typeface="Arial"/>
-              </a:rPr>
-              <a:t> Acciones</a:t>
-            </a:r>
-            <a:endParaRPr lang="es-AR" altLang="es-AR" sz="3600" b="1" dirty="0">
-              <a:latin typeface="Arial" panose="020B0604020202020204" pitchFamily="34" charset="0"/>
-              <a:ea typeface="Microsoft YaHei" panose="020B0503020204020204" pitchFamily="34" charset="-122"/>
-              <a:cs typeface="Arial"/>
-            </a:endParaRPr>
-          </a:p>
-        </p:txBody>
-      </p:sp>
-      <p:sp>
-        <p:nvSpPr>
-          <p:cNvPr id="4" name="1 Rectángulo">
-            <a:extLst>
-              <a:ext uri="{FF2B5EF4-FFF2-40B4-BE49-F238E27FC236}">
-                <a16:creationId xmlns:a16="http://schemas.microsoft.com/office/drawing/2014/main" id="{C38DC9E2-A33D-43A5-B91A-49EDF1F542C3}"/>
-              </a:ext>
-            </a:extLst>
-          </p:cNvPr>
-          <p:cNvSpPr>
-            <a:spLocks noChangeArrowheads="1"/>
-          </p:cNvSpPr>
-          <p:nvPr/>
-        </p:nvSpPr>
-        <p:spPr bwMode="auto">
-          <a:xfrm>
-            <a:off x="0" y="2321170"/>
-            <a:ext cx="12191999" cy="4536830"/>
-          </a:xfrm>
-          <a:prstGeom prst="rect">
-            <a:avLst/>
-          </a:prstGeom>
-          <a:solidFill>
-            <a:schemeClr val="bg1">
-              <a:alpha val="30000"/>
-            </a:schemeClr>
-          </a:solidFill>
-          <a:ln>
-            <a:noFill/>
-          </a:ln>
-          <a:extLst/>
-        </p:spPr>
-        <p:txBody>
-          <a:bodyPr anchor="ctr"/>
-          <a:lstStyle/>
-          <a:p>
-            <a:pPr defTabSz="599002" fontAlgn="base" hangingPunct="0">
-              <a:lnSpc>
-                <a:spcPct val="93000"/>
-              </a:lnSpc>
-              <a:spcBef>
-                <a:spcPct val="0"/>
-              </a:spcBef>
-              <a:spcAft>
-                <a:spcPct val="0"/>
-              </a:spcAft>
-              <a:buSzPct val="100000"/>
-              <a:defRPr/>
-            </a:pPr>
-            <a:endParaRPr lang="en-US" sz="3200" dirty="0"/>
-          </a:p>
-        </p:txBody>
-      </p:sp>
-      <p:pic>
-        <p:nvPicPr>
-          <p:cNvPr id="5" name="Picture 4" descr="C:\Users\rcrescenzi\OneDrive\docencia\UCEMA\ucema_logo.png"/>
-          <p:cNvPicPr>
-            <a:picLocks noChangeAspect="1" noChangeArrowheads="1"/>
-          </p:cNvPicPr>
-          <p:nvPr/>
-        </p:nvPicPr>
-        <p:blipFill>
-          <a:blip r:embed="rId3" cstate="print">
-            <a:extLst>
-              <a:ext uri="{28A0092B-C50C-407E-A947-70E740481C1C}">
-                <a14:useLocalDpi xmlns:a14="http://schemas.microsoft.com/office/drawing/2010/main" val="0"/>
-              </a:ext>
-            </a:extLst>
-          </a:blip>
-          <a:srcRect/>
-          <a:stretch>
-            <a:fillRect/>
-          </a:stretch>
-        </p:blipFill>
-        <p:spPr bwMode="auto">
-          <a:xfrm>
-            <a:off x="8461829" y="-149930"/>
-            <a:ext cx="3672116" cy="1344437"/>
-          </a:xfrm>
-          <a:prstGeom prst="rect">
-            <a:avLst/>
-          </a:prstGeom>
-          <a:noFill/>
-          <a:extLst>
-            <a:ext uri="{909E8E84-426E-40DD-AFC4-6F175D3DCCD1}">
-              <a14:hiddenFill xmlns:a14="http://schemas.microsoft.com/office/drawing/2010/main">
-                <a:solidFill>
-                  <a:srgbClr val="FFFFFF"/>
-                </a:solidFill>
-              </a14:hiddenFill>
-            </a:ext>
-          </a:extLst>
-        </p:spPr>
-      </p:pic>
-      <p:graphicFrame>
-        <p:nvGraphicFramePr>
-          <p:cNvPr id="2" name="1 Diagrama"/>
-          <p:cNvGraphicFramePr/>
-          <p:nvPr>
-            <p:extLst>
-              <p:ext uri="{D42A27DB-BD31-4B8C-83A1-F6EECF244321}">
-                <p14:modId xmlns:p14="http://schemas.microsoft.com/office/powerpoint/2010/main" val="3649436259"/>
-              </p:ext>
-            </p:extLst>
-          </p:nvPr>
-        </p:nvGraphicFramePr>
-        <p:xfrm>
-          <a:off x="870856" y="2190541"/>
-          <a:ext cx="10450287" cy="4369916"/>
-        </p:xfrm>
-        <a:graphic>
-          <a:graphicData uri="http://schemas.openxmlformats.org/drawingml/2006/diagram">
-            <dgm:relIds xmlns:dgm="http://schemas.openxmlformats.org/drawingml/2006/diagram" xmlns:r="http://schemas.openxmlformats.org/officeDocument/2006/relationships" r:dm="rId4" r:lo="rId5" r:qs="rId6" r:cs="rId7"/>
-          </a:graphicData>
-        </a:graphic>
-      </p:graphicFrame>
-    </p:spTree>
-    <p:extLst>
-      <p:ext uri="{BB962C8B-B14F-4D97-AF65-F5344CB8AC3E}">
-        <p14:creationId xmlns:p14="http://schemas.microsoft.com/office/powerpoint/2010/main" val="3556518243"/>
       </p:ext>
     </p:extLst>
   </p:cSld>
@@ -37731,47 +38505,6 @@
           <a:chExt cx="0" cy="0"/>
         </a:xfrm>
       </p:grpSpPr>
-      <p:pic>
-        <p:nvPicPr>
-          <p:cNvPr id="4" name="Picture 4" descr="C:\Users\rcrescenzi\OneDrive\docencia\UCEMA\ucema_logo.png"/>
-          <p:cNvPicPr>
-            <a:picLocks noChangeAspect="1" noChangeArrowheads="1"/>
-          </p:cNvPicPr>
-          <p:nvPr/>
-        </p:nvPicPr>
-        <p:blipFill>
-          <a:blip r:embed="rId3" cstate="print">
-            <a:extLst>
-              <a:ext uri="{28A0092B-C50C-407E-A947-70E740481C1C}">
-                <a14:useLocalDpi xmlns:a14="http://schemas.microsoft.com/office/drawing/2010/main" val="0"/>
-              </a:ext>
-            </a:extLst>
-          </a:blip>
-          <a:srcRect/>
-          <a:stretch>
-            <a:fillRect/>
-          </a:stretch>
-        </p:blipFill>
-        <p:spPr bwMode="auto">
-          <a:xfrm>
-            <a:off x="8461829" y="-149930"/>
-            <a:ext cx="3672116" cy="1344437"/>
-          </a:xfrm>
-          <a:prstGeom prst="rect">
-            <a:avLst/>
-          </a:prstGeom>
-          <a:noFill/>
-          <a:extLst>
-            <a:ext uri="{909E8E84-426E-40DD-AFC4-6F175D3DCCD1}">
-              <a14:hiddenFill xmlns:a14="http://schemas.microsoft.com/office/drawing/2010/main">
-                <a:solidFill>
-                  <a:srgbClr val="FFFFFF"/>
-                </a:solidFill>
-              </a14:hiddenFill>
-            </a:ext>
-          </a:extLst>
-        </p:spPr>
-      </p:pic>
       <p:sp>
         <p:nvSpPr>
           <p:cNvPr id="5" name="1 Rectángulo">
@@ -37802,7 +38535,6 @@
           <a:ln>
             <a:noFill/>
           </a:ln>
-          <a:extLst/>
         </p:spPr>
         <p:txBody>
           <a:bodyPr anchor="ctr"/>
@@ -38004,10 +38736,10 @@
               <a:defRPr/>
             </a:pPr>
             <a:r>
-              <a:rPr lang="es-AR" altLang="es-AR" sz="2400" b="1" dirty="0">
+              <a:rPr lang="es-AR" altLang="es-AR" sz="2400" b="1" dirty="0" err="1">
                 <a:latin typeface="Arial" panose="020B0604020202020204" pitchFamily="34" charset="0"/>
                 <a:ea typeface="Microsoft YaHei" panose="020B0503020204020204" pitchFamily="34" charset="-122"/>
-                <a:hlinkClick r:id="rId4">
+                <a:hlinkClick r:id="rId3">
                   <a:extLst>
                     <a:ext uri="{A12FA001-AC4F-418D-AE19-62706E023703}">
                       <ahyp:hlinkClr xmlns:ahyp="http://schemas.microsoft.com/office/drawing/2018/hyperlinkcolor" val="tx"/>
@@ -38015,7 +38747,7 @@
                   </a:extLst>
                 </a:hlinkClick>
               </a:rPr>
-              <a:t>rcrescenzi@acordarweb.com</a:t>
+              <a:t>rcrescenzi@mauna.app</a:t>
             </a:r>
             <a:endParaRPr lang="es-AR" altLang="es-AR" sz="2400" b="1" dirty="0">
               <a:latin typeface="Arial" panose="020B0604020202020204" pitchFamily="34" charset="0"/>
@@ -38042,7 +38774,7 @@
               <a:rPr lang="es-AR" altLang="es-AR" sz="2400" b="1" dirty="0">
                 <a:latin typeface="Arial" panose="020B0604020202020204" pitchFamily="34" charset="0"/>
                 <a:ea typeface="Microsoft YaHei" panose="020B0503020204020204" pitchFamily="34" charset="-122"/>
-                <a:hlinkClick r:id="rId5">
+                <a:hlinkClick r:id="rId4">
                   <a:extLst>
                     <a:ext uri="{A12FA001-AC4F-418D-AE19-62706E023703}">
                       <ahyp:hlinkClr xmlns:ahyp="http://schemas.microsoft.com/office/drawing/2018/hyperlinkcolor" val="tx"/>
@@ -38078,7 +38810,7 @@
               <a:rPr lang="es-AR" altLang="es-AR" sz="2400" b="1" dirty="0">
                 <a:latin typeface="Arial" panose="020B0604020202020204" pitchFamily="34" charset="0"/>
                 <a:ea typeface="Microsoft YaHei" panose="020B0503020204020204" pitchFamily="34" charset="-122"/>
-                <a:hlinkClick r:id="rId6">
+                <a:hlinkClick r:id="rId5">
                   <a:extLst>
                     <a:ext uri="{A12FA001-AC4F-418D-AE19-62706E023703}">
                       <ahyp:hlinkClr xmlns:ahyp="http://schemas.microsoft.com/office/drawing/2018/hyperlinkcolor" val="tx"/>
@@ -38113,7 +38845,7 @@
               <a:rPr lang="es-AR" altLang="es-AR" sz="2400" b="1" dirty="0">
                 <a:latin typeface="Arial" panose="020B0604020202020204" pitchFamily="34" charset="0"/>
                 <a:ea typeface="Microsoft YaHei" panose="020B0503020204020204" pitchFamily="34" charset="-122"/>
-                <a:hlinkClick r:id="rId7">
+                <a:hlinkClick r:id="rId6">
                   <a:extLst>
                     <a:ext uri="{A12FA001-AC4F-418D-AE19-62706E023703}">
                       <ahyp:hlinkClr xmlns:ahyp="http://schemas.microsoft.com/office/drawing/2018/hyperlinkcolor" val="tx"/>
@@ -38214,7 +38946,224 @@
           <a:ln>
             <a:noFill/>
           </a:ln>
-          <a:extLst/>
+        </p:spPr>
+        <p:txBody>
+          <a:bodyPr anchor="ctr"/>
+          <a:lstStyle/>
+          <a:p>
+            <a:pPr marL="0" marR="0" lvl="0" indent="0" algn="ctr" defTabSz="599002" rtl="0" eaLnBrk="1" fontAlgn="base" latinLnBrk="0" hangingPunct="0">
+              <a:lnSpc>
+                <a:spcPct val="93000"/>
+              </a:lnSpc>
+              <a:spcBef>
+                <a:spcPct val="0"/>
+              </a:spcBef>
+              <a:spcAft>
+                <a:spcPct val="0"/>
+              </a:spcAft>
+              <a:buClr>
+                <a:srgbClr val="000000"/>
+              </a:buClr>
+              <a:buSzPct val="100000"/>
+              <a:buFontTx/>
+              <a:buNone/>
+              <a:tabLst/>
+              <a:defRPr/>
+            </a:pPr>
+            <a:r>
+              <a:rPr kumimoji="0" lang="es-AR" altLang="es-AR" sz="3600" b="1" i="0" u="none" strike="noStrike" kern="1200" cap="none" spc="0" normalizeH="0" baseline="0" noProof="0" dirty="0">
+                <a:ln>
+                  <a:noFill/>
+                </a:ln>
+                <a:effectLst/>
+                <a:uLnTx/>
+                <a:uFillTx/>
+                <a:latin typeface="Arial" panose="020B0604020202020204" pitchFamily="34" charset="0"/>
+                <a:ea typeface="Microsoft YaHei" panose="020B0503020204020204" pitchFamily="34" charset="-122"/>
+                <a:cs typeface="Arial"/>
+              </a:rPr>
+              <a:t>Caso Target -</a:t>
+            </a:r>
+            <a:r>
+              <a:rPr kumimoji="0" lang="es-AR" altLang="es-AR" sz="3600" b="1" i="0" u="none" strike="noStrike" kern="1200" cap="none" spc="0" normalizeH="0" noProof="0" dirty="0">
+                <a:ln>
+                  <a:noFill/>
+                </a:ln>
+                <a:effectLst/>
+                <a:uLnTx/>
+                <a:uFillTx/>
+                <a:latin typeface="Arial" panose="020B0604020202020204" pitchFamily="34" charset="0"/>
+                <a:ea typeface="Microsoft YaHei" panose="020B0503020204020204" pitchFamily="34" charset="-122"/>
+                <a:cs typeface="Arial"/>
+              </a:rPr>
+              <a:t> Acciones</a:t>
+            </a:r>
+            <a:endParaRPr lang="es-AR" altLang="es-AR" sz="3600" b="1" dirty="0">
+              <a:latin typeface="Arial" panose="020B0604020202020204" pitchFamily="34" charset="0"/>
+              <a:ea typeface="Microsoft YaHei" panose="020B0503020204020204" pitchFamily="34" charset="-122"/>
+              <a:cs typeface="Arial"/>
+            </a:endParaRPr>
+          </a:p>
+        </p:txBody>
+      </p:sp>
+      <p:sp>
+        <p:nvSpPr>
+          <p:cNvPr id="4" name="1 Rectángulo">
+            <a:extLst>
+              <a:ext uri="{FF2B5EF4-FFF2-40B4-BE49-F238E27FC236}">
+                <a16:creationId xmlns:a16="http://schemas.microsoft.com/office/drawing/2014/main" id="{C38DC9E2-A33D-43A5-B91A-49EDF1F542C3}"/>
+              </a:ext>
+            </a:extLst>
+          </p:cNvPr>
+          <p:cNvSpPr>
+            <a:spLocks noChangeArrowheads="1"/>
+          </p:cNvSpPr>
+          <p:nvPr/>
+        </p:nvSpPr>
+        <p:spPr bwMode="auto">
+          <a:xfrm>
+            <a:off x="0" y="2321170"/>
+            <a:ext cx="12191999" cy="4536830"/>
+          </a:xfrm>
+          <a:prstGeom prst="rect">
+            <a:avLst/>
+          </a:prstGeom>
+          <a:solidFill>
+            <a:schemeClr val="bg1">
+              <a:alpha val="30000"/>
+            </a:schemeClr>
+          </a:solidFill>
+          <a:ln>
+            <a:noFill/>
+          </a:ln>
+        </p:spPr>
+        <p:txBody>
+          <a:bodyPr anchor="ctr"/>
+          <a:lstStyle/>
+          <a:p>
+            <a:pPr defTabSz="599002" fontAlgn="base" hangingPunct="0">
+              <a:lnSpc>
+                <a:spcPct val="93000"/>
+              </a:lnSpc>
+              <a:spcBef>
+                <a:spcPct val="0"/>
+              </a:spcBef>
+              <a:spcAft>
+                <a:spcPct val="0"/>
+              </a:spcAft>
+              <a:buSzPct val="100000"/>
+              <a:defRPr/>
+            </a:pPr>
+            <a:endParaRPr lang="en-US" sz="3200" dirty="0"/>
+          </a:p>
+        </p:txBody>
+      </p:sp>
+      <p:graphicFrame>
+        <p:nvGraphicFramePr>
+          <p:cNvPr id="2" name="1 Diagrama"/>
+          <p:cNvGraphicFramePr/>
+          <p:nvPr>
+            <p:extLst>
+              <p:ext uri="{D42A27DB-BD31-4B8C-83A1-F6EECF244321}">
+                <p14:modId xmlns:p14="http://schemas.microsoft.com/office/powerpoint/2010/main" val="3649436259"/>
+              </p:ext>
+            </p:extLst>
+          </p:nvPr>
+        </p:nvGraphicFramePr>
+        <p:xfrm>
+          <a:off x="870856" y="2190541"/>
+          <a:ext cx="10450287" cy="4369916"/>
+        </p:xfrm>
+        <a:graphic>
+          <a:graphicData uri="http://schemas.openxmlformats.org/drawingml/2006/diagram">
+            <dgm:relIds xmlns:dgm="http://schemas.openxmlformats.org/drawingml/2006/diagram" xmlns:r="http://schemas.openxmlformats.org/officeDocument/2006/relationships" r:dm="rId3" r:lo="rId4" r:qs="rId5" r:cs="rId6"/>
+          </a:graphicData>
+        </a:graphic>
+      </p:graphicFrame>
+    </p:spTree>
+    <p:extLst>
+      <p:ext uri="{BB962C8B-B14F-4D97-AF65-F5344CB8AC3E}">
+        <p14:creationId xmlns:p14="http://schemas.microsoft.com/office/powerpoint/2010/main" val="3556518243"/>
+      </p:ext>
+    </p:extLst>
+  </p:cSld>
+  <p:clrMapOvr>
+    <a:masterClrMapping/>
+  </p:clrMapOvr>
+  <p:transition spd="slow">
+    <p:push/>
+  </p:transition>
+  <p:timing>
+    <p:tnLst>
+      <p:par>
+        <p:cTn id="1" dur="indefinite" restart="never" nodeType="tmRoot">
+          <p:childTnLst>
+            <p:seq concurrent="1" nextAc="seek">
+              <p:cTn id="2" dur="0" nodeType="mainSeq"/>
+              <p:prevCondLst>
+                <p:cond evt="onPrev" delay="0">
+                  <p:tgtEl>
+                    <p:sldTgt/>
+                  </p:tgtEl>
+                </p:cond>
+              </p:prevCondLst>
+              <p:nextCondLst>
+                <p:cond evt="onNext" delay="0">
+                  <p:tgtEl>
+                    <p:sldTgt/>
+                  </p:tgtEl>
+                </p:cond>
+              </p:nextCondLst>
+            </p:seq>
+          </p:childTnLst>
+        </p:cTn>
+      </p:par>
+    </p:tnLst>
+  </p:timing>
+</p:sld>
+</file>
+
+<file path=ppt/slides/slide21.xml><?xml version="1.0" encoding="utf-8"?>
+<p:sld xmlns:a="http://schemas.openxmlformats.org/drawingml/2006/main" xmlns:r="http://schemas.openxmlformats.org/officeDocument/2006/relationships" xmlns:p="http://schemas.openxmlformats.org/presentationml/2006/main">
+  <p:cSld>
+    <p:spTree>
+      <p:nvGrpSpPr>
+        <p:cNvPr id="1" name=""/>
+        <p:cNvGrpSpPr/>
+        <p:nvPr/>
+      </p:nvGrpSpPr>
+      <p:grpSpPr>
+        <a:xfrm>
+          <a:off x="0" y="0"/>
+          <a:ext cx="0" cy="0"/>
+          <a:chOff x="0" y="0"/>
+          <a:chExt cx="0" cy="0"/>
+        </a:xfrm>
+      </p:grpSpPr>
+      <p:sp>
+        <p:nvSpPr>
+          <p:cNvPr id="9218" name="1 Rectángulo"/>
+          <p:cNvSpPr>
+            <a:spLocks noChangeArrowheads="1"/>
+          </p:cNvSpPr>
+          <p:nvPr/>
+        </p:nvSpPr>
+        <p:spPr bwMode="auto">
+          <a:xfrm>
+            <a:off x="0" y="1103275"/>
+            <a:ext cx="12192000" cy="1217894"/>
+          </a:xfrm>
+          <a:prstGeom prst="rect">
+            <a:avLst/>
+          </a:prstGeom>
+          <a:solidFill>
+            <a:schemeClr val="bg1">
+              <a:alpha val="30000"/>
+            </a:schemeClr>
+          </a:solidFill>
+          <a:ln>
+            <a:noFill/>
+          </a:ln>
         </p:spPr>
         <p:txBody>
           <a:bodyPr anchor="ctr"/>
@@ -38305,7 +39254,6 @@
           <a:ln>
             <a:noFill/>
           </a:ln>
-          <a:extLst/>
         </p:spPr>
         <p:txBody>
           <a:bodyPr anchor="ctr"/>
@@ -38441,322 +39389,10 @@
           </a:p>
         </p:txBody>
       </p:sp>
-      <p:pic>
-        <p:nvPicPr>
-          <p:cNvPr id="5" name="Picture 4" descr="C:\Users\rcrescenzi\OneDrive\docencia\UCEMA\ucema_logo.png"/>
-          <p:cNvPicPr>
-            <a:picLocks noChangeAspect="1" noChangeArrowheads="1"/>
-          </p:cNvPicPr>
-          <p:nvPr/>
-        </p:nvPicPr>
-        <p:blipFill>
-          <a:blip r:embed="rId3" cstate="print">
-            <a:extLst>
-              <a:ext uri="{28A0092B-C50C-407E-A947-70E740481C1C}">
-                <a14:useLocalDpi xmlns:a14="http://schemas.microsoft.com/office/drawing/2010/main" val="0"/>
-              </a:ext>
-            </a:extLst>
-          </a:blip>
-          <a:srcRect/>
-          <a:stretch>
-            <a:fillRect/>
-          </a:stretch>
-        </p:blipFill>
-        <p:spPr bwMode="auto">
-          <a:xfrm>
-            <a:off x="8461829" y="-149930"/>
-            <a:ext cx="3672116" cy="1344437"/>
-          </a:xfrm>
-          <a:prstGeom prst="rect">
-            <a:avLst/>
-          </a:prstGeom>
-          <a:noFill/>
-          <a:extLst>
-            <a:ext uri="{909E8E84-426E-40DD-AFC4-6F175D3DCCD1}">
-              <a14:hiddenFill xmlns:a14="http://schemas.microsoft.com/office/drawing/2010/main">
-                <a:solidFill>
-                  <a:srgbClr val="FFFFFF"/>
-                </a:solidFill>
-              </a14:hiddenFill>
-            </a:ext>
-          </a:extLst>
-        </p:spPr>
-      </p:pic>
     </p:spTree>
     <p:extLst>
       <p:ext uri="{BB962C8B-B14F-4D97-AF65-F5344CB8AC3E}">
         <p14:creationId xmlns:p14="http://schemas.microsoft.com/office/powerpoint/2010/main" val="56324968"/>
-      </p:ext>
-    </p:extLst>
-  </p:cSld>
-  <p:clrMapOvr>
-    <a:masterClrMapping/>
-  </p:clrMapOvr>
-  <p:transition spd="slow">
-    <p:push/>
-  </p:transition>
-  <p:timing>
-    <p:tnLst>
-      <p:par>
-        <p:cTn id="1" dur="indefinite" restart="never" nodeType="tmRoot">
-          <p:childTnLst>
-            <p:seq concurrent="1" nextAc="seek">
-              <p:cTn id="2" dur="0" nodeType="mainSeq"/>
-              <p:prevCondLst>
-                <p:cond evt="onPrev" delay="0">
-                  <p:tgtEl>
-                    <p:sldTgt/>
-                  </p:tgtEl>
-                </p:cond>
-              </p:prevCondLst>
-              <p:nextCondLst>
-                <p:cond evt="onNext" delay="0">
-                  <p:tgtEl>
-                    <p:sldTgt/>
-                  </p:tgtEl>
-                </p:cond>
-              </p:nextCondLst>
-            </p:seq>
-          </p:childTnLst>
-        </p:cTn>
-      </p:par>
-    </p:tnLst>
-  </p:timing>
-</p:sld>
-</file>
-
-<file path=ppt/slides/slide21.xml><?xml version="1.0" encoding="utf-8"?>
-<p:sld xmlns:a="http://schemas.openxmlformats.org/drawingml/2006/main" xmlns:r="http://schemas.openxmlformats.org/officeDocument/2006/relationships" xmlns:p="http://schemas.openxmlformats.org/presentationml/2006/main">
-  <p:cSld>
-    <p:spTree>
-      <p:nvGrpSpPr>
-        <p:cNvPr id="1" name=""/>
-        <p:cNvGrpSpPr/>
-        <p:nvPr/>
-      </p:nvGrpSpPr>
-      <p:grpSpPr>
-        <a:xfrm>
-          <a:off x="0" y="0"/>
-          <a:ext cx="0" cy="0"/>
-          <a:chOff x="0" y="0"/>
-          <a:chExt cx="0" cy="0"/>
-        </a:xfrm>
-      </p:grpSpPr>
-      <p:sp>
-        <p:nvSpPr>
-          <p:cNvPr id="9218" name="1 Rectángulo"/>
-          <p:cNvSpPr>
-            <a:spLocks noChangeArrowheads="1"/>
-          </p:cNvSpPr>
-          <p:nvPr/>
-        </p:nvSpPr>
-        <p:spPr bwMode="auto">
-          <a:xfrm>
-            <a:off x="0" y="1103275"/>
-            <a:ext cx="12192000" cy="1217894"/>
-          </a:xfrm>
-          <a:prstGeom prst="rect">
-            <a:avLst/>
-          </a:prstGeom>
-          <a:solidFill>
-            <a:schemeClr val="bg1">
-              <a:alpha val="30000"/>
-            </a:schemeClr>
-          </a:solidFill>
-          <a:ln>
-            <a:noFill/>
-          </a:ln>
-          <a:extLst/>
-        </p:spPr>
-        <p:txBody>
-          <a:bodyPr anchor="ctr"/>
-          <a:lstStyle/>
-          <a:p>
-            <a:pPr marL="0" marR="0" lvl="0" indent="0" algn="ctr" defTabSz="599002" rtl="0" eaLnBrk="1" fontAlgn="base" latinLnBrk="0" hangingPunct="0">
-              <a:lnSpc>
-                <a:spcPct val="93000"/>
-              </a:lnSpc>
-              <a:spcBef>
-                <a:spcPct val="0"/>
-              </a:spcBef>
-              <a:spcAft>
-                <a:spcPct val="0"/>
-              </a:spcAft>
-              <a:buClr>
-                <a:srgbClr val="000000"/>
-              </a:buClr>
-              <a:buSzPct val="100000"/>
-              <a:buFontTx/>
-              <a:buNone/>
-              <a:tabLst/>
-              <a:defRPr/>
-            </a:pPr>
-            <a:r>
-              <a:rPr kumimoji="0" lang="es-AR" altLang="es-AR" sz="3600" b="1" i="0" u="none" strike="noStrike" kern="1200" cap="none" spc="0" normalizeH="0" baseline="0" noProof="0" dirty="0">
-                <a:ln>
-                  <a:noFill/>
-                </a:ln>
-                <a:effectLst/>
-                <a:uLnTx/>
-                <a:uFillTx/>
-                <a:latin typeface="Arial" panose="020B0604020202020204" pitchFamily="34" charset="0"/>
-                <a:ea typeface="Microsoft YaHei" panose="020B0503020204020204" pitchFamily="34" charset="-122"/>
-                <a:cs typeface="Arial"/>
-              </a:rPr>
-              <a:t>Obtención de Datos</a:t>
-            </a:r>
-            <a:endParaRPr lang="es-AR" altLang="es-AR" sz="3600" b="1" dirty="0">
-              <a:latin typeface="Arial" panose="020B0604020202020204" pitchFamily="34" charset="0"/>
-              <a:ea typeface="Microsoft YaHei" panose="020B0503020204020204" pitchFamily="34" charset="-122"/>
-              <a:cs typeface="Arial"/>
-            </a:endParaRPr>
-          </a:p>
-        </p:txBody>
-      </p:sp>
-      <p:sp>
-        <p:nvSpPr>
-          <p:cNvPr id="4" name="1 Rectángulo">
-            <a:extLst>
-              <a:ext uri="{FF2B5EF4-FFF2-40B4-BE49-F238E27FC236}">
-                <a16:creationId xmlns:a16="http://schemas.microsoft.com/office/drawing/2014/main" id="{C38DC9E2-A33D-43A5-B91A-49EDF1F542C3}"/>
-              </a:ext>
-            </a:extLst>
-          </p:cNvPr>
-          <p:cNvSpPr>
-            <a:spLocks noChangeArrowheads="1"/>
-          </p:cNvSpPr>
-          <p:nvPr/>
-        </p:nvSpPr>
-        <p:spPr bwMode="auto">
-          <a:xfrm>
-            <a:off x="0" y="2700161"/>
-            <a:ext cx="12191999" cy="3377082"/>
-          </a:xfrm>
-          <a:prstGeom prst="rect">
-            <a:avLst/>
-          </a:prstGeom>
-          <a:solidFill>
-            <a:schemeClr val="bg1">
-              <a:alpha val="30000"/>
-            </a:schemeClr>
-          </a:solidFill>
-          <a:ln>
-            <a:noFill/>
-          </a:ln>
-          <a:extLst/>
-        </p:spPr>
-        <p:txBody>
-          <a:bodyPr anchor="ctr"/>
-          <a:lstStyle/>
-          <a:p>
-            <a:pPr lvl="2" defTabSz="599002" fontAlgn="base" hangingPunct="0">
-              <a:lnSpc>
-                <a:spcPct val="93000"/>
-              </a:lnSpc>
-              <a:spcBef>
-                <a:spcPct val="0"/>
-              </a:spcBef>
-              <a:spcAft>
-                <a:spcPct val="0"/>
-              </a:spcAft>
-              <a:buSzPct val="100000"/>
-              <a:defRPr/>
-            </a:pPr>
-            <a:r>
-              <a:rPr lang="es-AR" altLang="es-AR" sz="2800" dirty="0">
-                <a:latin typeface="Arial" panose="020B0604020202020204" pitchFamily="34" charset="0"/>
-                <a:ea typeface="Microsoft YaHei" panose="020B0503020204020204" pitchFamily="34" charset="-122"/>
-              </a:rPr>
-              <a:t>¿Qué hago con los datos que tengo? vs </a:t>
-            </a:r>
-          </a:p>
-          <a:p>
-            <a:pPr lvl="2" defTabSz="599002" fontAlgn="base" hangingPunct="0">
-              <a:lnSpc>
-                <a:spcPct val="93000"/>
-              </a:lnSpc>
-              <a:spcBef>
-                <a:spcPct val="0"/>
-              </a:spcBef>
-              <a:spcAft>
-                <a:spcPct val="0"/>
-              </a:spcAft>
-              <a:buSzPct val="100000"/>
-              <a:defRPr/>
-            </a:pPr>
-            <a:r>
-              <a:rPr lang="es-AR" altLang="es-AR" sz="2800" dirty="0">
-                <a:latin typeface="Arial" panose="020B0604020202020204" pitchFamily="34" charset="0"/>
-                <a:ea typeface="Microsoft YaHei" panose="020B0503020204020204" pitchFamily="34" charset="-122"/>
-              </a:rPr>
-              <a:t>¿Qué datos necesito para solucionar mi problema?</a:t>
-            </a:r>
-            <a:r>
-              <a:rPr lang="es-AR" altLang="es-AR" sz="3200" dirty="0">
-                <a:latin typeface="Arial" panose="020B0604020202020204" pitchFamily="34" charset="0"/>
-                <a:ea typeface="Microsoft YaHei" panose="020B0503020204020204" pitchFamily="34" charset="-122"/>
-              </a:rPr>
-              <a:t> </a:t>
-            </a:r>
-            <a:endParaRPr kumimoji="0" lang="es-AR" altLang="es-AR" sz="3200" b="0" i="1" u="none" strike="noStrike" kern="1200" cap="none" spc="0" normalizeH="0" baseline="0" noProof="0" dirty="0">
-              <a:ln>
-                <a:noFill/>
-              </a:ln>
-              <a:effectLst/>
-              <a:uLnTx/>
-              <a:uFillTx/>
-              <a:latin typeface="Arial" panose="020B0604020202020204" pitchFamily="34" charset="0"/>
-              <a:ea typeface="Microsoft YaHei" panose="020B0503020204020204" pitchFamily="34" charset="-122"/>
-              <a:cs typeface="Arial"/>
-            </a:endParaRPr>
-          </a:p>
-        </p:txBody>
-      </p:sp>
-      <p:pic>
-        <p:nvPicPr>
-          <p:cNvPr id="5" name="Picture 4" descr="C:\Users\rcrescenzi\OneDrive\docencia\UCEMA\ucema_logo.png"/>
-          <p:cNvPicPr>
-            <a:picLocks noChangeAspect="1" noChangeArrowheads="1"/>
-          </p:cNvPicPr>
-          <p:nvPr/>
-        </p:nvPicPr>
-        <p:blipFill>
-          <a:blip r:embed="rId3" cstate="print">
-            <a:extLst>
-              <a:ext uri="{28A0092B-C50C-407E-A947-70E740481C1C}">
-                <a14:useLocalDpi xmlns:a14="http://schemas.microsoft.com/office/drawing/2010/main" val="0"/>
-              </a:ext>
-            </a:extLst>
-          </a:blip>
-          <a:srcRect/>
-          <a:stretch>
-            <a:fillRect/>
-          </a:stretch>
-        </p:blipFill>
-        <p:spPr bwMode="auto">
-          <a:xfrm>
-            <a:off x="8461829" y="-149930"/>
-            <a:ext cx="3672116" cy="1344437"/>
-          </a:xfrm>
-          <a:prstGeom prst="rect">
-            <a:avLst/>
-          </a:prstGeom>
-          <a:noFill/>
-          <a:extLst>
-            <a:ext uri="{909E8E84-426E-40DD-AFC4-6F175D3DCCD1}">
-              <a14:hiddenFill xmlns:a14="http://schemas.microsoft.com/office/drawing/2010/main">
-                <a:solidFill>
-                  <a:srgbClr val="FFFFFF"/>
-                </a:solidFill>
-              </a14:hiddenFill>
-            </a:ext>
-          </a:extLst>
-        </p:spPr>
-      </p:pic>
-    </p:spTree>
-    <p:extLst>
-      <p:ext uri="{BB962C8B-B14F-4D97-AF65-F5344CB8AC3E}">
-        <p14:creationId xmlns:p14="http://schemas.microsoft.com/office/powerpoint/2010/main" val="1424225713"/>
       </p:ext>
     </p:extLst>
   </p:cSld>
@@ -38837,7 +39473,6 @@
           <a:ln>
             <a:noFill/>
           </a:ln>
-          <a:extLst/>
         </p:spPr>
         <p:txBody>
           <a:bodyPr anchor="ctr"/>
@@ -38874,7 +39509,7 @@
                 <a:ea typeface="Microsoft YaHei" panose="020B0503020204020204" pitchFamily="34" charset="-122"/>
                 <a:cs typeface="Arial"/>
               </a:rPr>
-              <a:t>Proceso de Generación de Datos</a:t>
+              <a:t>Obtención de Datos</a:t>
             </a:r>
             <a:endParaRPr lang="es-AR" altLang="es-AR" sz="3600" b="1" dirty="0">
               <a:latin typeface="Arial" panose="020B0604020202020204" pitchFamily="34" charset="0"/>
@@ -38914,7 +39549,6 @@
           <a:ln>
             <a:noFill/>
           </a:ln>
-          <a:extLst/>
         </p:spPr>
         <p:txBody>
           <a:bodyPr anchor="ctr"/>
@@ -38934,11 +39568,11 @@
               <a:defRPr/>
             </a:pPr>
             <a:r>
-              <a:rPr lang="es-AR" altLang="es-AR" sz="3200" dirty="0">
+              <a:rPr lang="es-AR" altLang="es-AR" sz="2800" dirty="0">
                 <a:latin typeface="Arial" panose="020B0604020202020204" pitchFamily="34" charset="0"/>
                 <a:ea typeface="Microsoft YaHei" panose="020B0503020204020204" pitchFamily="34" charset="-122"/>
               </a:rPr>
-              <a:t>Primero esta el problema, la pregunta. </a:t>
+              <a:t>¿Qué hago con los datos que tengo? vs </a:t>
             </a:r>
           </a:p>
           <a:p>
@@ -38956,60 +39590,37 @@
               <a:defRPr/>
             </a:pPr>
             <a:r>
+              <a:rPr lang="es-AR" altLang="es-AR" sz="2800" dirty="0">
+                <a:latin typeface="Arial" panose="020B0604020202020204" pitchFamily="34" charset="0"/>
+                <a:ea typeface="Microsoft YaHei" panose="020B0503020204020204" pitchFamily="34" charset="-122"/>
+              </a:rPr>
+              <a:t>¿Qué datos necesito para solucionar mi problema?</a:t>
+            </a:r>
+            <a:r>
               <a:rPr lang="es-AR" altLang="es-AR" sz="3200" dirty="0">
                 <a:latin typeface="Arial" panose="020B0604020202020204" pitchFamily="34" charset="0"/>
                 <a:ea typeface="Microsoft YaHei" panose="020B0503020204020204" pitchFamily="34" charset="-122"/>
               </a:rPr>
-              <a:t>Minar datos “a ver qué encuentro” es sólo solución de ínterin y por falencia de los datos</a:t>
+              <a:t> </a:t>
             </a:r>
+            <a:endParaRPr kumimoji="0" lang="es-AR" altLang="es-AR" sz="3200" b="0" i="1" u="none" strike="noStrike" kern="1200" cap="none" spc="0" normalizeH="0" baseline="0" noProof="0" dirty="0">
+              <a:ln>
+                <a:noFill/>
+              </a:ln>
+              <a:effectLst/>
+              <a:uLnTx/>
+              <a:uFillTx/>
+              <a:latin typeface="Arial" panose="020B0604020202020204" pitchFamily="34" charset="0"/>
+              <a:ea typeface="Microsoft YaHei" panose="020B0503020204020204" pitchFamily="34" charset="-122"/>
+              <a:cs typeface="Arial"/>
+            </a:endParaRPr>
           </a:p>
         </p:txBody>
       </p:sp>
-      <p:pic>
-        <p:nvPicPr>
-          <p:cNvPr id="5" name="Picture 4" descr="C:\Users\rcrescenzi\OneDrive\docencia\UCEMA\ucema_logo.png"/>
-          <p:cNvPicPr>
-            <a:picLocks noChangeAspect="1" noChangeArrowheads="1"/>
-          </p:cNvPicPr>
-          <p:nvPr/>
-        </p:nvPicPr>
-        <p:blipFill>
-          <a:blip r:embed="rId3" cstate="print">
-            <a:extLst>
-              <a:ext uri="{28A0092B-C50C-407E-A947-70E740481C1C}">
-                <a14:useLocalDpi xmlns:a14="http://schemas.microsoft.com/office/drawing/2010/main" val="0"/>
-              </a:ext>
-            </a:extLst>
-          </a:blip>
-          <a:srcRect/>
-          <a:stretch>
-            <a:fillRect/>
-          </a:stretch>
-        </p:blipFill>
-        <p:spPr bwMode="auto">
-          <a:xfrm>
-            <a:off x="8461829" y="-149930"/>
-            <a:ext cx="3672116" cy="1344437"/>
-          </a:xfrm>
-          <a:prstGeom prst="rect">
-            <a:avLst/>
-          </a:prstGeom>
-          <a:noFill/>
-          <a:extLst>
-            <a:ext uri="{909E8E84-426E-40DD-AFC4-6F175D3DCCD1}">
-              <a14:hiddenFill xmlns:a14="http://schemas.microsoft.com/office/drawing/2010/main">
-                <a:solidFill>
-                  <a:srgbClr val="FFFFFF"/>
-                </a:solidFill>
-              </a14:hiddenFill>
-            </a:ext>
-          </a:extLst>
-        </p:spPr>
-      </p:pic>
     </p:spTree>
     <p:extLst>
       <p:ext uri="{BB962C8B-B14F-4D97-AF65-F5344CB8AC3E}">
-        <p14:creationId xmlns:p14="http://schemas.microsoft.com/office/powerpoint/2010/main" val="1681808164"/>
+        <p14:creationId xmlns:p14="http://schemas.microsoft.com/office/powerpoint/2010/main" val="1424225713"/>
       </p:ext>
     </p:extLst>
   </p:cSld>
@@ -39090,7 +39701,6 @@
           <a:ln>
             <a:noFill/>
           </a:ln>
-          <a:extLst/>
         </p:spPr>
         <p:txBody>
           <a:bodyPr anchor="ctr"/>
@@ -39167,7 +39777,6 @@
           <a:ln>
             <a:noFill/>
           </a:ln>
-          <a:extLst/>
         </p:spPr>
         <p:txBody>
           <a:bodyPr anchor="ctr"/>
@@ -39191,56 +39800,37 @@
                 <a:latin typeface="Arial" panose="020B0604020202020204" pitchFamily="34" charset="0"/>
                 <a:ea typeface="Microsoft YaHei" panose="020B0503020204020204" pitchFamily="34" charset="-122"/>
               </a:rPr>
-              <a:t>El problema, sin embargo, no siempre tiene que se totalmente concreto de antemano, suele ser un proceso iterativo y siempre es mejor registrar todo dato “gratuito”.</a:t>
+              <a:t>Primero esta el problema, la pregunta. </a:t>
+            </a:r>
+          </a:p>
+          <a:p>
+            <a:pPr lvl="2" defTabSz="599002" fontAlgn="base" hangingPunct="0">
+              <a:lnSpc>
+                <a:spcPct val="93000"/>
+              </a:lnSpc>
+              <a:spcBef>
+                <a:spcPct val="0"/>
+              </a:spcBef>
+              <a:spcAft>
+                <a:spcPct val="0"/>
+              </a:spcAft>
+              <a:buSzPct val="100000"/>
+              <a:defRPr/>
+            </a:pPr>
+            <a:r>
+              <a:rPr lang="es-AR" altLang="es-AR" sz="3200" dirty="0">
+                <a:latin typeface="Arial" panose="020B0604020202020204" pitchFamily="34" charset="0"/>
+                <a:ea typeface="Microsoft YaHei" panose="020B0503020204020204" pitchFamily="34" charset="-122"/>
+              </a:rPr>
+              <a:t>Minar datos “a ver qué encuentro” es sólo solución de ínterin y por falencia de los datos</a:t>
             </a:r>
           </a:p>
         </p:txBody>
       </p:sp>
-      <p:pic>
-        <p:nvPicPr>
-          <p:cNvPr id="5" name="Picture 4" descr="C:\Users\rcrescenzi\OneDrive\docencia\UCEMA\ucema_logo.png"/>
-          <p:cNvPicPr>
-            <a:picLocks noChangeAspect="1" noChangeArrowheads="1"/>
-          </p:cNvPicPr>
-          <p:nvPr/>
-        </p:nvPicPr>
-        <p:blipFill>
-          <a:blip r:embed="rId3" cstate="print">
-            <a:extLst>
-              <a:ext uri="{28A0092B-C50C-407E-A947-70E740481C1C}">
-                <a14:useLocalDpi xmlns:a14="http://schemas.microsoft.com/office/drawing/2010/main" val="0"/>
-              </a:ext>
-            </a:extLst>
-          </a:blip>
-          <a:srcRect/>
-          <a:stretch>
-            <a:fillRect/>
-          </a:stretch>
-        </p:blipFill>
-        <p:spPr bwMode="auto">
-          <a:xfrm>
-            <a:off x="8461829" y="-149930"/>
-            <a:ext cx="3672116" cy="1344437"/>
-          </a:xfrm>
-          <a:prstGeom prst="rect">
-            <a:avLst/>
-          </a:prstGeom>
-          <a:noFill/>
-          <a:extLst>
-            <a:ext uri="{909E8E84-426E-40DD-AFC4-6F175D3DCCD1}">
-              <a14:hiddenFill xmlns:a14="http://schemas.microsoft.com/office/drawing/2010/main">
-                <a:solidFill>
-                  <a:srgbClr val="FFFFFF"/>
-                </a:solidFill>
-              </a14:hiddenFill>
-            </a:ext>
-          </a:extLst>
-        </p:spPr>
-      </p:pic>
     </p:spTree>
     <p:extLst>
       <p:ext uri="{BB962C8B-B14F-4D97-AF65-F5344CB8AC3E}">
-        <p14:creationId xmlns:p14="http://schemas.microsoft.com/office/powerpoint/2010/main" val="3783006610"/>
+        <p14:creationId xmlns:p14="http://schemas.microsoft.com/office/powerpoint/2010/main" val="1681808164"/>
       </p:ext>
     </p:extLst>
   </p:cSld>
@@ -39321,7 +39911,6 @@
           <a:ln>
             <a:noFill/>
           </a:ln>
-          <a:extLst/>
         </p:spPr>
         <p:txBody>
           <a:bodyPr anchor="ctr"/>
@@ -39358,7 +39947,7 @@
                 <a:ea typeface="Microsoft YaHei" panose="020B0503020204020204" pitchFamily="34" charset="-122"/>
                 <a:cs typeface="Arial"/>
               </a:rPr>
-              <a:t>Descubrimiento de Conocimiento</a:t>
+              <a:t>Proceso de Generación de Datos</a:t>
             </a:r>
             <a:endParaRPr lang="es-AR" altLang="es-AR" sz="3600" b="1" dirty="0">
               <a:latin typeface="Arial" panose="020B0604020202020204" pitchFamily="34" charset="0"/>
@@ -39398,7 +39987,6 @@
           <a:ln>
             <a:noFill/>
           </a:ln>
-          <a:extLst/>
         </p:spPr>
         <p:txBody>
           <a:bodyPr anchor="ctr"/>
@@ -39422,56 +40010,15 @@
                 <a:latin typeface="Arial" panose="020B0604020202020204" pitchFamily="34" charset="0"/>
                 <a:ea typeface="Microsoft YaHei" panose="020B0503020204020204" pitchFamily="34" charset="-122"/>
               </a:rPr>
-              <a:t>El verdadero descubrimiento del conocimiento no se alcanza sólo con buenas predicciones, sino con el entendimiento de los procesos que las generan.</a:t>
+              <a:t>El problema, sin embargo, no siempre tiene que se totalmente concreto de antemano, suele ser un proceso iterativo y siempre es mejor registrar todo dato “gratuito”.</a:t>
             </a:r>
           </a:p>
         </p:txBody>
       </p:sp>
-      <p:pic>
-        <p:nvPicPr>
-          <p:cNvPr id="5" name="Picture 4" descr="C:\Users\rcrescenzi\OneDrive\docencia\UCEMA\ucema_logo.png"/>
-          <p:cNvPicPr>
-            <a:picLocks noChangeAspect="1" noChangeArrowheads="1"/>
-          </p:cNvPicPr>
-          <p:nvPr/>
-        </p:nvPicPr>
-        <p:blipFill>
-          <a:blip r:embed="rId3" cstate="print">
-            <a:extLst>
-              <a:ext uri="{28A0092B-C50C-407E-A947-70E740481C1C}">
-                <a14:useLocalDpi xmlns:a14="http://schemas.microsoft.com/office/drawing/2010/main" val="0"/>
-              </a:ext>
-            </a:extLst>
-          </a:blip>
-          <a:srcRect/>
-          <a:stretch>
-            <a:fillRect/>
-          </a:stretch>
-        </p:blipFill>
-        <p:spPr bwMode="auto">
-          <a:xfrm>
-            <a:off x="8461829" y="-149930"/>
-            <a:ext cx="3672116" cy="1344437"/>
-          </a:xfrm>
-          <a:prstGeom prst="rect">
-            <a:avLst/>
-          </a:prstGeom>
-          <a:noFill/>
-          <a:extLst>
-            <a:ext uri="{909E8E84-426E-40DD-AFC4-6F175D3DCCD1}">
-              <a14:hiddenFill xmlns:a14="http://schemas.microsoft.com/office/drawing/2010/main">
-                <a:solidFill>
-                  <a:srgbClr val="FFFFFF"/>
-                </a:solidFill>
-              </a14:hiddenFill>
-            </a:ext>
-          </a:extLst>
-        </p:spPr>
-      </p:pic>
     </p:spTree>
     <p:extLst>
       <p:ext uri="{BB962C8B-B14F-4D97-AF65-F5344CB8AC3E}">
-        <p14:creationId xmlns:p14="http://schemas.microsoft.com/office/powerpoint/2010/main" val="2707493303"/>
+        <p14:creationId xmlns:p14="http://schemas.microsoft.com/office/powerpoint/2010/main" val="3783006610"/>
       </p:ext>
     </p:extLst>
   </p:cSld>
@@ -39552,7 +40099,194 @@
           <a:ln>
             <a:noFill/>
           </a:ln>
-          <a:extLst/>
+        </p:spPr>
+        <p:txBody>
+          <a:bodyPr anchor="ctr"/>
+          <a:lstStyle/>
+          <a:p>
+            <a:pPr marL="0" marR="0" lvl="0" indent="0" algn="ctr" defTabSz="599002" rtl="0" eaLnBrk="1" fontAlgn="base" latinLnBrk="0" hangingPunct="0">
+              <a:lnSpc>
+                <a:spcPct val="93000"/>
+              </a:lnSpc>
+              <a:spcBef>
+                <a:spcPct val="0"/>
+              </a:spcBef>
+              <a:spcAft>
+                <a:spcPct val="0"/>
+              </a:spcAft>
+              <a:buClr>
+                <a:srgbClr val="000000"/>
+              </a:buClr>
+              <a:buSzPct val="100000"/>
+              <a:buFontTx/>
+              <a:buNone/>
+              <a:tabLst/>
+              <a:defRPr/>
+            </a:pPr>
+            <a:r>
+              <a:rPr kumimoji="0" lang="es-AR" altLang="es-AR" sz="3600" b="1" i="0" u="none" strike="noStrike" kern="1200" cap="none" spc="0" normalizeH="0" baseline="0" noProof="0" dirty="0">
+                <a:ln>
+                  <a:noFill/>
+                </a:ln>
+                <a:effectLst/>
+                <a:uLnTx/>
+                <a:uFillTx/>
+                <a:latin typeface="Arial" panose="020B0604020202020204" pitchFamily="34" charset="0"/>
+                <a:ea typeface="Microsoft YaHei" panose="020B0503020204020204" pitchFamily="34" charset="-122"/>
+                <a:cs typeface="Arial"/>
+              </a:rPr>
+              <a:t>Descubrimiento de Conocimiento</a:t>
+            </a:r>
+            <a:endParaRPr lang="es-AR" altLang="es-AR" sz="3600" b="1" dirty="0">
+              <a:latin typeface="Arial" panose="020B0604020202020204" pitchFamily="34" charset="0"/>
+              <a:ea typeface="Microsoft YaHei" panose="020B0503020204020204" pitchFamily="34" charset="-122"/>
+              <a:cs typeface="Arial"/>
+            </a:endParaRPr>
+          </a:p>
+        </p:txBody>
+      </p:sp>
+      <p:sp>
+        <p:nvSpPr>
+          <p:cNvPr id="4" name="1 Rectángulo">
+            <a:extLst>
+              <a:ext uri="{FF2B5EF4-FFF2-40B4-BE49-F238E27FC236}">
+                <a16:creationId xmlns:a16="http://schemas.microsoft.com/office/drawing/2014/main" id="{C38DC9E2-A33D-43A5-B91A-49EDF1F542C3}"/>
+              </a:ext>
+            </a:extLst>
+          </p:cNvPr>
+          <p:cNvSpPr>
+            <a:spLocks noChangeArrowheads="1"/>
+          </p:cNvSpPr>
+          <p:nvPr/>
+        </p:nvSpPr>
+        <p:spPr bwMode="auto">
+          <a:xfrm>
+            <a:off x="0" y="2700161"/>
+            <a:ext cx="12191999" cy="3377082"/>
+          </a:xfrm>
+          <a:prstGeom prst="rect">
+            <a:avLst/>
+          </a:prstGeom>
+          <a:solidFill>
+            <a:schemeClr val="bg1">
+              <a:alpha val="30000"/>
+            </a:schemeClr>
+          </a:solidFill>
+          <a:ln>
+            <a:noFill/>
+          </a:ln>
+        </p:spPr>
+        <p:txBody>
+          <a:bodyPr anchor="ctr"/>
+          <a:lstStyle/>
+          <a:p>
+            <a:pPr lvl="2" defTabSz="599002" fontAlgn="base" hangingPunct="0">
+              <a:lnSpc>
+                <a:spcPct val="93000"/>
+              </a:lnSpc>
+              <a:spcBef>
+                <a:spcPct val="0"/>
+              </a:spcBef>
+              <a:spcAft>
+                <a:spcPct val="0"/>
+              </a:spcAft>
+              <a:buSzPct val="100000"/>
+              <a:defRPr/>
+            </a:pPr>
+            <a:r>
+              <a:rPr lang="es-AR" altLang="es-AR" sz="3200" dirty="0">
+                <a:latin typeface="Arial" panose="020B0604020202020204" pitchFamily="34" charset="0"/>
+                <a:ea typeface="Microsoft YaHei" panose="020B0503020204020204" pitchFamily="34" charset="-122"/>
+              </a:rPr>
+              <a:t>El verdadero descubrimiento del conocimiento no se alcanza sólo con buenas predicciones, sino con el entendimiento de los procesos que las generan.</a:t>
+            </a:r>
+          </a:p>
+        </p:txBody>
+      </p:sp>
+    </p:spTree>
+    <p:extLst>
+      <p:ext uri="{BB962C8B-B14F-4D97-AF65-F5344CB8AC3E}">
+        <p14:creationId xmlns:p14="http://schemas.microsoft.com/office/powerpoint/2010/main" val="2707493303"/>
+      </p:ext>
+    </p:extLst>
+  </p:cSld>
+  <p:clrMapOvr>
+    <a:masterClrMapping/>
+  </p:clrMapOvr>
+  <p:transition spd="slow">
+    <p:push/>
+  </p:transition>
+  <p:timing>
+    <p:tnLst>
+      <p:par>
+        <p:cTn id="1" dur="indefinite" restart="never" nodeType="tmRoot">
+          <p:childTnLst>
+            <p:seq concurrent="1" nextAc="seek">
+              <p:cTn id="2" dur="0" nodeType="mainSeq"/>
+              <p:prevCondLst>
+                <p:cond evt="onPrev" delay="0">
+                  <p:tgtEl>
+                    <p:sldTgt/>
+                  </p:tgtEl>
+                </p:cond>
+              </p:prevCondLst>
+              <p:nextCondLst>
+                <p:cond evt="onNext" delay="0">
+                  <p:tgtEl>
+                    <p:sldTgt/>
+                  </p:tgtEl>
+                </p:cond>
+              </p:nextCondLst>
+            </p:seq>
+          </p:childTnLst>
+        </p:cTn>
+      </p:par>
+    </p:tnLst>
+  </p:timing>
+</p:sld>
+</file>
+
+<file path=ppt/slides/slide26.xml><?xml version="1.0" encoding="utf-8"?>
+<p:sld xmlns:a="http://schemas.openxmlformats.org/drawingml/2006/main" xmlns:r="http://schemas.openxmlformats.org/officeDocument/2006/relationships" xmlns:p="http://schemas.openxmlformats.org/presentationml/2006/main">
+  <p:cSld>
+    <p:spTree>
+      <p:nvGrpSpPr>
+        <p:cNvPr id="1" name=""/>
+        <p:cNvGrpSpPr/>
+        <p:nvPr/>
+      </p:nvGrpSpPr>
+      <p:grpSpPr>
+        <a:xfrm>
+          <a:off x="0" y="0"/>
+          <a:ext cx="0" cy="0"/>
+          <a:chOff x="0" y="0"/>
+          <a:chExt cx="0" cy="0"/>
+        </a:xfrm>
+      </p:grpSpPr>
+      <p:sp>
+        <p:nvSpPr>
+          <p:cNvPr id="9218" name="1 Rectángulo"/>
+          <p:cNvSpPr>
+            <a:spLocks noChangeArrowheads="1"/>
+          </p:cNvSpPr>
+          <p:nvPr/>
+        </p:nvSpPr>
+        <p:spPr bwMode="auto">
+          <a:xfrm>
+            <a:off x="0" y="1103275"/>
+            <a:ext cx="12192000" cy="1217894"/>
+          </a:xfrm>
+          <a:prstGeom prst="rect">
+            <a:avLst/>
+          </a:prstGeom>
+          <a:solidFill>
+            <a:schemeClr val="bg1">
+              <a:alpha val="30000"/>
+            </a:schemeClr>
+          </a:solidFill>
+          <a:ln>
+            <a:noFill/>
+          </a:ln>
         </p:spPr>
         <p:txBody>
           <a:bodyPr anchor="ctr"/>
@@ -39629,7 +40363,6 @@
           <a:ln>
             <a:noFill/>
           </a:ln>
-          <a:extLst/>
         </p:spPr>
         <p:txBody>
           <a:bodyPr anchor="ctr"/>
@@ -39691,207 +40424,10 @@
           </a:prstGeom>
         </p:spPr>
       </p:pic>
-      <p:pic>
-        <p:nvPicPr>
-          <p:cNvPr id="6" name="Picture 4" descr="C:\Users\rcrescenzi\OneDrive\docencia\UCEMA\ucema_logo.png"/>
-          <p:cNvPicPr>
-            <a:picLocks noChangeAspect="1" noChangeArrowheads="1"/>
-          </p:cNvPicPr>
-          <p:nvPr/>
-        </p:nvPicPr>
-        <p:blipFill>
-          <a:blip r:embed="rId4" cstate="print">
-            <a:extLst>
-              <a:ext uri="{28A0092B-C50C-407E-A947-70E740481C1C}">
-                <a14:useLocalDpi xmlns:a14="http://schemas.microsoft.com/office/drawing/2010/main" val="0"/>
-              </a:ext>
-            </a:extLst>
-          </a:blip>
-          <a:srcRect/>
-          <a:stretch>
-            <a:fillRect/>
-          </a:stretch>
-        </p:blipFill>
-        <p:spPr bwMode="auto">
-          <a:xfrm>
-            <a:off x="8461829" y="-149930"/>
-            <a:ext cx="3672116" cy="1344437"/>
-          </a:xfrm>
-          <a:prstGeom prst="rect">
-            <a:avLst/>
-          </a:prstGeom>
-          <a:noFill/>
-          <a:extLst>
-            <a:ext uri="{909E8E84-426E-40DD-AFC4-6F175D3DCCD1}">
-              <a14:hiddenFill xmlns:a14="http://schemas.microsoft.com/office/drawing/2010/main">
-                <a:solidFill>
-                  <a:srgbClr val="FFFFFF"/>
-                </a:solidFill>
-              </a14:hiddenFill>
-            </a:ext>
-          </a:extLst>
-        </p:spPr>
-      </p:pic>
     </p:spTree>
     <p:extLst>
       <p:ext uri="{BB962C8B-B14F-4D97-AF65-F5344CB8AC3E}">
         <p14:creationId xmlns:p14="http://schemas.microsoft.com/office/powerpoint/2010/main" val="3363998633"/>
-      </p:ext>
-    </p:extLst>
-  </p:cSld>
-  <p:clrMapOvr>
-    <a:masterClrMapping/>
-  </p:clrMapOvr>
-  <p:transition spd="slow">
-    <p:push/>
-  </p:transition>
-  <p:timing>
-    <p:tnLst>
-      <p:par>
-        <p:cTn id="1" dur="indefinite" restart="never" nodeType="tmRoot">
-          <p:childTnLst>
-            <p:seq concurrent="1" nextAc="seek">
-              <p:cTn id="2" dur="0" nodeType="mainSeq"/>
-              <p:prevCondLst>
-                <p:cond evt="onPrev" delay="0">
-                  <p:tgtEl>
-                    <p:sldTgt/>
-                  </p:tgtEl>
-                </p:cond>
-              </p:prevCondLst>
-              <p:nextCondLst>
-                <p:cond evt="onNext" delay="0">
-                  <p:tgtEl>
-                    <p:sldTgt/>
-                  </p:tgtEl>
-                </p:cond>
-              </p:nextCondLst>
-            </p:seq>
-          </p:childTnLst>
-        </p:cTn>
-      </p:par>
-    </p:tnLst>
-  </p:timing>
-</p:sld>
-</file>
-
-<file path=ppt/slides/slide26.xml><?xml version="1.0" encoding="utf-8"?>
-<p:sld xmlns:a="http://schemas.openxmlformats.org/drawingml/2006/main" xmlns:r="http://schemas.openxmlformats.org/officeDocument/2006/relationships" xmlns:p="http://schemas.openxmlformats.org/presentationml/2006/main">
-  <p:cSld>
-    <p:spTree>
-      <p:nvGrpSpPr>
-        <p:cNvPr id="1" name=""/>
-        <p:cNvGrpSpPr/>
-        <p:nvPr/>
-      </p:nvGrpSpPr>
-      <p:grpSpPr>
-        <a:xfrm>
-          <a:off x="0" y="0"/>
-          <a:ext cx="0" cy="0"/>
-          <a:chOff x="0" y="0"/>
-          <a:chExt cx="0" cy="0"/>
-        </a:xfrm>
-      </p:grpSpPr>
-      <p:sp>
-        <p:nvSpPr>
-          <p:cNvPr id="17" name="2 CuadroTexto"/>
-          <p:cNvSpPr txBox="1">
-            <a:spLocks noChangeArrowheads="1"/>
-          </p:cNvSpPr>
-          <p:nvPr/>
-        </p:nvSpPr>
-        <p:spPr bwMode="auto">
-          <a:xfrm>
-            <a:off x="0" y="2921168"/>
-            <a:ext cx="12192000" cy="1015663"/>
-          </a:xfrm>
-          <a:prstGeom prst="rect">
-            <a:avLst/>
-          </a:prstGeom>
-          <a:solidFill>
-            <a:schemeClr val="bg1">
-              <a:alpha val="60000"/>
-            </a:schemeClr>
-          </a:solidFill>
-          <a:ln>
-            <a:noFill/>
-          </a:ln>
-          <a:extLst/>
-        </p:spPr>
-        <p:txBody>
-          <a:bodyPr wrap="square" anchor="ctr">
-            <a:spAutoFit/>
-          </a:bodyPr>
-          <a:lstStyle/>
-          <a:p>
-            <a:pPr lvl="1" defTabSz="599002" eaLnBrk="0" fontAlgn="base" hangingPunct="0">
-              <a:spcBef>
-                <a:spcPct val="0"/>
-              </a:spcBef>
-              <a:spcAft>
-                <a:spcPct val="0"/>
-              </a:spcAft>
-              <a:defRPr/>
-            </a:pPr>
-            <a:r>
-              <a:rPr lang="es-AR" sz="6000" noProof="0" dirty="0">
-                <a:latin typeface="Calibri" panose="020F0502020204030204" pitchFamily="34" charset="0"/>
-                <a:cs typeface="Calibri" panose="020F0502020204030204" pitchFamily="34" charset="0"/>
-              </a:rPr>
-              <a:t>Tarea de Grupos</a:t>
-            </a:r>
-            <a:endParaRPr lang="en" sz="6600" noProof="0" dirty="0">
-              <a:latin typeface="Calibri" panose="020F0502020204030204" pitchFamily="34" charset="0"/>
-              <a:cs typeface="Calibri" panose="020F0502020204030204" pitchFamily="34" charset="0"/>
-            </a:endParaRPr>
-          </a:p>
-        </p:txBody>
-      </p:sp>
-      <p:pic>
-        <p:nvPicPr>
-          <p:cNvPr id="4" name="Picture 4" descr="C:\Users\rcrescenzi\OneDrive\docencia\UCEMA\ucema_logo.png"/>
-          <p:cNvPicPr>
-            <a:picLocks noChangeAspect="1" noChangeArrowheads="1"/>
-          </p:cNvPicPr>
-          <p:nvPr/>
-        </p:nvPicPr>
-        <p:blipFill>
-          <a:blip r:embed="rId3" cstate="print">
-            <a:extLst>
-              <a:ext uri="{28A0092B-C50C-407E-A947-70E740481C1C}">
-                <a14:useLocalDpi xmlns:a14="http://schemas.microsoft.com/office/drawing/2010/main" val="0"/>
-              </a:ext>
-            </a:extLst>
-          </a:blip>
-          <a:srcRect/>
-          <a:stretch>
-            <a:fillRect/>
-          </a:stretch>
-        </p:blipFill>
-        <p:spPr bwMode="auto">
-          <a:xfrm>
-            <a:off x="8461829" y="-149930"/>
-            <a:ext cx="3672116" cy="1344437"/>
-          </a:xfrm>
-          <a:prstGeom prst="rect">
-            <a:avLst/>
-          </a:prstGeom>
-          <a:noFill/>
-          <a:extLst>
-            <a:ext uri="{909E8E84-426E-40DD-AFC4-6F175D3DCCD1}">
-              <a14:hiddenFill xmlns:a14="http://schemas.microsoft.com/office/drawing/2010/main">
-                <a:solidFill>
-                  <a:srgbClr val="FFFFFF"/>
-                </a:solidFill>
-              </a14:hiddenFill>
-            </a:ext>
-          </a:extLst>
-        </p:spPr>
-      </p:pic>
-    </p:spTree>
-    <p:extLst>
-      <p:ext uri="{BB962C8B-B14F-4D97-AF65-F5344CB8AC3E}">
-        <p14:creationId xmlns:p14="http://schemas.microsoft.com/office/powerpoint/2010/main" val="1501414601"/>
       </p:ext>
     </p:extLst>
   </p:cSld>
@@ -39948,47 +40484,6 @@
           <a:chExt cx="0" cy="0"/>
         </a:xfrm>
       </p:grpSpPr>
-      <p:pic>
-        <p:nvPicPr>
-          <p:cNvPr id="4" name="Picture 4" descr="C:\Users\rcrescenzi\OneDrive\docencia\UCEMA\ucema_logo.png"/>
-          <p:cNvPicPr>
-            <a:picLocks noChangeAspect="1" noChangeArrowheads="1"/>
-          </p:cNvPicPr>
-          <p:nvPr/>
-        </p:nvPicPr>
-        <p:blipFill>
-          <a:blip r:embed="rId3" cstate="print">
-            <a:extLst>
-              <a:ext uri="{28A0092B-C50C-407E-A947-70E740481C1C}">
-                <a14:useLocalDpi xmlns:a14="http://schemas.microsoft.com/office/drawing/2010/main" val="0"/>
-              </a:ext>
-            </a:extLst>
-          </a:blip>
-          <a:srcRect/>
-          <a:stretch>
-            <a:fillRect/>
-          </a:stretch>
-        </p:blipFill>
-        <p:spPr bwMode="auto">
-          <a:xfrm>
-            <a:off x="8461829" y="-149930"/>
-            <a:ext cx="3672116" cy="1344437"/>
-          </a:xfrm>
-          <a:prstGeom prst="rect">
-            <a:avLst/>
-          </a:prstGeom>
-          <a:noFill/>
-          <a:extLst>
-            <a:ext uri="{909E8E84-426E-40DD-AFC4-6F175D3DCCD1}">
-              <a14:hiddenFill xmlns:a14="http://schemas.microsoft.com/office/drawing/2010/main">
-                <a:solidFill>
-                  <a:srgbClr val="FFFFFF"/>
-                </a:solidFill>
-              </a14:hiddenFill>
-            </a:ext>
-          </a:extLst>
-        </p:spPr>
-      </p:pic>
       <p:sp>
         <p:nvSpPr>
           <p:cNvPr id="5" name="CuadroTexto 1"/>
@@ -40106,7 +40601,6 @@
           <a:ln>
             <a:noFill/>
           </a:ln>
-          <a:extLst/>
         </p:spPr>
         <p:txBody>
           <a:bodyPr anchor="ctr"/>
@@ -40221,7 +40715,6 @@
           <a:ln>
             <a:noFill/>
           </a:ln>
-          <a:extLst/>
         </p:spPr>
         <p:txBody>
           <a:bodyPr anchor="ctr"/>
@@ -40413,47 +40906,6 @@
           </a:p>
         </p:txBody>
       </p:sp>
-      <p:pic>
-        <p:nvPicPr>
-          <p:cNvPr id="5" name="Picture 4" descr="C:\Users\rcrescenzi\OneDrive\docencia\UCEMA\ucema_logo.png"/>
-          <p:cNvPicPr>
-            <a:picLocks noChangeAspect="1" noChangeArrowheads="1"/>
-          </p:cNvPicPr>
-          <p:nvPr/>
-        </p:nvPicPr>
-        <p:blipFill>
-          <a:blip r:embed="rId3" cstate="print">
-            <a:extLst>
-              <a:ext uri="{28A0092B-C50C-407E-A947-70E740481C1C}">
-                <a14:useLocalDpi xmlns:a14="http://schemas.microsoft.com/office/drawing/2010/main" val="0"/>
-              </a:ext>
-            </a:extLst>
-          </a:blip>
-          <a:srcRect/>
-          <a:stretch>
-            <a:fillRect/>
-          </a:stretch>
-        </p:blipFill>
-        <p:spPr bwMode="auto">
-          <a:xfrm>
-            <a:off x="8461829" y="-149930"/>
-            <a:ext cx="3672116" cy="1344437"/>
-          </a:xfrm>
-          <a:prstGeom prst="rect">
-            <a:avLst/>
-          </a:prstGeom>
-          <a:noFill/>
-          <a:extLst>
-            <a:ext uri="{909E8E84-426E-40DD-AFC4-6F175D3DCCD1}">
-              <a14:hiddenFill xmlns:a14="http://schemas.microsoft.com/office/drawing/2010/main">
-                <a:solidFill>
-                  <a:srgbClr val="FFFFFF"/>
-                </a:solidFill>
-              </a14:hiddenFill>
-            </a:ext>
-          </a:extLst>
-        </p:spPr>
-      </p:pic>
     </p:spTree>
     <p:extLst>
       <p:ext uri="{BB962C8B-B14F-4D97-AF65-F5344CB8AC3E}">
@@ -40538,7 +40990,6 @@
           <a:ln>
             <a:noFill/>
           </a:ln>
-          <a:extLst/>
         </p:spPr>
         <p:txBody>
           <a:bodyPr anchor="ctr"/>
@@ -40665,7 +41116,6 @@
           <a:ln>
             <a:noFill/>
           </a:ln>
-          <a:extLst/>
         </p:spPr>
         <p:txBody>
           <a:bodyPr anchor="ctr"/>
@@ -40696,52 +41146,24 @@
                 <a:ea typeface="Microsoft YaHei" panose="020B0503020204020204" pitchFamily="34" charset="-122"/>
                 <a:cs typeface="Arial"/>
               </a:rPr>
-              <a:t>Porque ahora se puede</a:t>
+              <a:t>Porque ahora </a:t>
             </a:r>
+            <a:r>
+              <a:rPr lang="es-AR" altLang="es-AR" sz="3600" b="1">
+                <a:latin typeface="Arial" panose="020B0604020202020204" pitchFamily="34" charset="0"/>
+                <a:ea typeface="Microsoft YaHei" panose="020B0503020204020204" pitchFamily="34" charset="-122"/>
+                <a:cs typeface="Arial"/>
+              </a:rPr>
+              <a:t>se puede</a:t>
+            </a:r>
+            <a:endParaRPr lang="es-AR" altLang="es-AR" sz="3600" b="1" dirty="0">
+              <a:latin typeface="Arial" panose="020B0604020202020204" pitchFamily="34" charset="0"/>
+              <a:ea typeface="Microsoft YaHei" panose="020B0503020204020204" pitchFamily="34" charset="-122"/>
+              <a:cs typeface="Arial"/>
+            </a:endParaRPr>
           </a:p>
         </p:txBody>
       </p:sp>
-      <p:pic>
-        <p:nvPicPr>
-          <p:cNvPr id="6" name="Picture 4" descr="C:\Users\rcrescenzi\OneDrive\docencia\UCEMA\ucema_logo.png"/>
-          <p:cNvPicPr>
-            <a:picLocks noChangeAspect="1" noChangeArrowheads="1"/>
-          </p:cNvPicPr>
-          <p:nvPr/>
-        </p:nvPicPr>
-        <p:blipFill>
-          <a:blip r:embed="rId4" cstate="print">
-            <a:extLst>
-              <a:ext uri="{28A0092B-C50C-407E-A947-70E740481C1C}">
-                <a14:useLocalDpi xmlns:a14="http://schemas.microsoft.com/office/drawing/2010/main" val="0"/>
-              </a:ext>
-            </a:extLst>
-          </a:blip>
-          <a:srcRect/>
-          <a:stretch>
-            <a:fillRect/>
-          </a:stretch>
-        </p:blipFill>
-        <p:spPr bwMode="auto">
-          <a:xfrm>
-            <a:off x="8461829" y="-149930"/>
-            <a:ext cx="3672116" cy="1344437"/>
-          </a:xfrm>
-          <a:prstGeom prst="rect">
-            <a:avLst/>
-          </a:prstGeom>
-          <a:noFill/>
-          <a:extLst>
-            <a:ext uri="{909E8E84-426E-40DD-AFC4-6F175D3DCCD1}">
-              <a14:hiddenFill xmlns:a14="http://schemas.microsoft.com/office/drawing/2010/main">
-                <a:solidFill>
-                  <a:srgbClr val="FFFFFF"/>
-                </a:solidFill>
-              </a14:hiddenFill>
-            </a:ext>
-          </a:extLst>
-        </p:spPr>
-      </p:pic>
     </p:spTree>
     <p:extLst>
       <p:ext uri="{BB962C8B-B14F-4D97-AF65-F5344CB8AC3E}">
@@ -40812,6 +41234,1169 @@
         </p:nvSpPr>
         <p:spPr bwMode="auto">
           <a:xfrm>
+            <a:off x="0" y="21635"/>
+            <a:ext cx="12192000" cy="1217894"/>
+          </a:xfrm>
+          <a:prstGeom prst="rect">
+            <a:avLst/>
+          </a:prstGeom>
+          <a:solidFill>
+            <a:schemeClr val="bg1">
+              <a:alpha val="30000"/>
+            </a:schemeClr>
+          </a:solidFill>
+          <a:ln>
+            <a:noFill/>
+          </a:ln>
+        </p:spPr>
+        <p:txBody>
+          <a:bodyPr anchor="ctr"/>
+          <a:lstStyle/>
+          <a:p>
+            <a:pPr marL="0" marR="0" lvl="0" indent="0" algn="ctr" defTabSz="599002" rtl="0" eaLnBrk="1" fontAlgn="base" latinLnBrk="0" hangingPunct="0">
+              <a:lnSpc>
+                <a:spcPct val="93000"/>
+              </a:lnSpc>
+              <a:spcBef>
+                <a:spcPct val="0"/>
+              </a:spcBef>
+              <a:spcAft>
+                <a:spcPct val="0"/>
+              </a:spcAft>
+              <a:buClr>
+                <a:srgbClr val="000000"/>
+              </a:buClr>
+              <a:buSzPct val="100000"/>
+              <a:buFontTx/>
+              <a:buNone/>
+              <a:tabLst/>
+              <a:defRPr/>
+            </a:pPr>
+            <a:r>
+              <a:rPr kumimoji="0" lang="es-AR" altLang="es-AR" sz="3600" b="1" i="0" u="none" strike="noStrike" kern="1200" cap="none" spc="0" normalizeH="0" baseline="0" noProof="0" dirty="0">
+                <a:ln>
+                  <a:noFill/>
+                </a:ln>
+                <a:effectLst/>
+                <a:uLnTx/>
+                <a:uFillTx/>
+                <a:latin typeface="Arial" panose="020B0604020202020204" pitchFamily="34" charset="0"/>
+                <a:ea typeface="Microsoft YaHei" panose="020B0503020204020204" pitchFamily="34" charset="-122"/>
+                <a:cs typeface="Arial"/>
+              </a:rPr>
+              <a:t>Resultado en función de Cantidad </a:t>
+            </a:r>
+            <a:r>
+              <a:rPr kumimoji="0" lang="es-AR" altLang="es-AR" sz="3600" b="1" i="0" u="none" strike="noStrike" kern="1200" cap="none" spc="0" normalizeH="0" baseline="0" noProof="0">
+                <a:ln>
+                  <a:noFill/>
+                </a:ln>
+                <a:effectLst/>
+                <a:uLnTx/>
+                <a:uFillTx/>
+                <a:latin typeface="Arial" panose="020B0604020202020204" pitchFamily="34" charset="0"/>
+                <a:ea typeface="Microsoft YaHei" panose="020B0503020204020204" pitchFamily="34" charset="-122"/>
+                <a:cs typeface="Arial"/>
+              </a:rPr>
+              <a:t>de Datos</a:t>
+            </a:r>
+            <a:endParaRPr lang="es-AR" altLang="es-AR" sz="3600" b="1" dirty="0">
+              <a:latin typeface="Arial" panose="020B0604020202020204" pitchFamily="34" charset="0"/>
+              <a:ea typeface="Microsoft YaHei" panose="020B0503020204020204" pitchFamily="34" charset="-122"/>
+              <a:cs typeface="Arial"/>
+            </a:endParaRPr>
+          </a:p>
+        </p:txBody>
+      </p:sp>
+      <p:sp>
+        <p:nvSpPr>
+          <p:cNvPr id="2" name="1 Rectángulo">
+            <a:extLst>
+              <a:ext uri="{FF2B5EF4-FFF2-40B4-BE49-F238E27FC236}">
+                <a16:creationId xmlns:a16="http://schemas.microsoft.com/office/drawing/2014/main" id="{5F07913B-D99A-4E9B-BF7F-3949940C336E}"/>
+              </a:ext>
+            </a:extLst>
+          </p:cNvPr>
+          <p:cNvSpPr>
+            <a:spLocks noChangeArrowheads="1"/>
+          </p:cNvSpPr>
+          <p:nvPr/>
+        </p:nvSpPr>
+        <p:spPr bwMode="auto">
+          <a:xfrm>
+            <a:off x="0" y="1239530"/>
+            <a:ext cx="12192000" cy="5618470"/>
+          </a:xfrm>
+          <a:prstGeom prst="rect">
+            <a:avLst/>
+          </a:prstGeom>
+          <a:solidFill>
+            <a:schemeClr val="bg1">
+              <a:alpha val="30000"/>
+            </a:schemeClr>
+          </a:solidFill>
+          <a:ln>
+            <a:noFill/>
+          </a:ln>
+        </p:spPr>
+        <p:txBody>
+          <a:bodyPr anchor="ctr"/>
+          <a:lstStyle/>
+          <a:p>
+            <a:pPr marL="0" marR="0" lvl="0" indent="0" algn="ctr" defTabSz="599002" rtl="0" eaLnBrk="1" fontAlgn="base" latinLnBrk="0" hangingPunct="0">
+              <a:lnSpc>
+                <a:spcPct val="93000"/>
+              </a:lnSpc>
+              <a:spcBef>
+                <a:spcPct val="0"/>
+              </a:spcBef>
+              <a:spcAft>
+                <a:spcPct val="0"/>
+              </a:spcAft>
+              <a:buClr>
+                <a:srgbClr val="000000"/>
+              </a:buClr>
+              <a:buSzPct val="100000"/>
+              <a:buFontTx/>
+              <a:buNone/>
+              <a:tabLst/>
+              <a:defRPr/>
+            </a:pPr>
+            <a:endParaRPr lang="es-AR" altLang="es-AR" sz="3600" b="1" dirty="0">
+              <a:latin typeface="Arial" panose="020B0604020202020204" pitchFamily="34" charset="0"/>
+              <a:ea typeface="Microsoft YaHei" panose="020B0503020204020204" pitchFamily="34" charset="-122"/>
+              <a:cs typeface="Arial"/>
+            </a:endParaRPr>
+          </a:p>
+        </p:txBody>
+      </p:sp>
+      <p:cxnSp>
+        <p:nvCxnSpPr>
+          <p:cNvPr id="56" name="Straight Arrow Connector 4">
+            <a:extLst>
+              <a:ext uri="{FF2B5EF4-FFF2-40B4-BE49-F238E27FC236}">
+                <a16:creationId xmlns:a16="http://schemas.microsoft.com/office/drawing/2014/main" id="{5FE4984D-8F7F-43A2-A897-5C4215A5E3F3}"/>
+              </a:ext>
+            </a:extLst>
+          </p:cNvPr>
+          <p:cNvCxnSpPr/>
+          <p:nvPr/>
+        </p:nvCxnSpPr>
+        <p:spPr>
+          <a:xfrm flipV="1">
+            <a:off x="650763" y="1700987"/>
+            <a:ext cx="0" cy="4383725"/>
+          </a:xfrm>
+          <a:prstGeom prst="straightConnector1">
+            <a:avLst/>
+          </a:prstGeom>
+          <a:ln>
+            <a:solidFill>
+              <a:schemeClr val="tx1"/>
+            </a:solidFill>
+            <a:tailEnd type="triangle" w="lg" len="lg"/>
+          </a:ln>
+        </p:spPr>
+        <p:style>
+          <a:lnRef idx="1">
+            <a:schemeClr val="accent1"/>
+          </a:lnRef>
+          <a:fillRef idx="0">
+            <a:schemeClr val="accent1"/>
+          </a:fillRef>
+          <a:effectRef idx="0">
+            <a:schemeClr val="accent1"/>
+          </a:effectRef>
+          <a:fontRef idx="minor">
+            <a:schemeClr val="tx1"/>
+          </a:fontRef>
+        </p:style>
+      </p:cxnSp>
+      <p:cxnSp>
+        <p:nvCxnSpPr>
+          <p:cNvPr id="57" name="Straight Arrow Connector 8">
+            <a:extLst>
+              <a:ext uri="{FF2B5EF4-FFF2-40B4-BE49-F238E27FC236}">
+                <a16:creationId xmlns:a16="http://schemas.microsoft.com/office/drawing/2014/main" id="{01D27A79-65DD-46CB-851A-52DF55682F69}"/>
+              </a:ext>
+            </a:extLst>
+          </p:cNvPr>
+          <p:cNvCxnSpPr/>
+          <p:nvPr/>
+        </p:nvCxnSpPr>
+        <p:spPr>
+          <a:xfrm>
+            <a:off x="650763" y="6084712"/>
+            <a:ext cx="9091372" cy="0"/>
+          </a:xfrm>
+          <a:prstGeom prst="straightConnector1">
+            <a:avLst/>
+          </a:prstGeom>
+          <a:ln>
+            <a:solidFill>
+              <a:schemeClr val="tx1"/>
+            </a:solidFill>
+            <a:tailEnd type="triangle" w="lg" len="lg"/>
+          </a:ln>
+        </p:spPr>
+        <p:style>
+          <a:lnRef idx="1">
+            <a:schemeClr val="accent1"/>
+          </a:lnRef>
+          <a:fillRef idx="0">
+            <a:schemeClr val="accent1"/>
+          </a:fillRef>
+          <a:effectRef idx="0">
+            <a:schemeClr val="accent1"/>
+          </a:effectRef>
+          <a:fontRef idx="minor">
+            <a:schemeClr val="tx1"/>
+          </a:fontRef>
+        </p:style>
+      </p:cxnSp>
+      <p:sp>
+        <p:nvSpPr>
+          <p:cNvPr id="58" name="TextBox 10">
+            <a:extLst>
+              <a:ext uri="{FF2B5EF4-FFF2-40B4-BE49-F238E27FC236}">
+                <a16:creationId xmlns:a16="http://schemas.microsoft.com/office/drawing/2014/main" id="{5FB05A28-C081-4D34-AD8E-1280D0656035}"/>
+              </a:ext>
+            </a:extLst>
+          </p:cNvPr>
+          <p:cNvSpPr txBox="1"/>
+          <p:nvPr/>
+        </p:nvSpPr>
+        <p:spPr>
+          <a:xfrm>
+            <a:off x="3285930" y="6325567"/>
+            <a:ext cx="2834430" cy="461665"/>
+          </a:xfrm>
+          <a:prstGeom prst="rect">
+            <a:avLst/>
+          </a:prstGeom>
+          <a:noFill/>
+        </p:spPr>
+        <p:txBody>
+          <a:bodyPr wrap="none" rtlCol="0">
+            <a:spAutoFit/>
+          </a:bodyPr>
+          <a:lstStyle/>
+          <a:p>
+            <a:r>
+              <a:rPr lang="en-US" sz="2400" dirty="0" err="1">
+                <a:latin typeface="Century Schoolbook" charset="0"/>
+                <a:ea typeface="Century Schoolbook" charset="0"/>
+                <a:cs typeface="Century Schoolbook" charset="0"/>
+              </a:rPr>
+              <a:t>Cantidad</a:t>
+            </a:r>
+            <a:r>
+              <a:rPr lang="en-US" sz="2400" dirty="0">
+                <a:latin typeface="Century Schoolbook" charset="0"/>
+                <a:ea typeface="Century Schoolbook" charset="0"/>
+                <a:cs typeface="Century Schoolbook" charset="0"/>
+              </a:rPr>
+              <a:t> de </a:t>
+            </a:r>
+            <a:r>
+              <a:rPr lang="en-US" sz="2400" dirty="0" err="1">
+                <a:latin typeface="Century Schoolbook" charset="0"/>
+                <a:ea typeface="Century Schoolbook" charset="0"/>
+                <a:cs typeface="Century Schoolbook" charset="0"/>
+              </a:rPr>
+              <a:t>Datos</a:t>
+            </a:r>
+            <a:endParaRPr lang="en-US" sz="2400" dirty="0">
+              <a:latin typeface="Century Schoolbook" charset="0"/>
+              <a:ea typeface="Century Schoolbook" charset="0"/>
+              <a:cs typeface="Century Schoolbook" charset="0"/>
+            </a:endParaRPr>
+          </a:p>
+        </p:txBody>
+      </p:sp>
+      <p:grpSp>
+        <p:nvGrpSpPr>
+          <p:cNvPr id="59" name="Grupo 58">
+            <a:extLst>
+              <a:ext uri="{FF2B5EF4-FFF2-40B4-BE49-F238E27FC236}">
+                <a16:creationId xmlns:a16="http://schemas.microsoft.com/office/drawing/2014/main" id="{00D0F66F-F532-4CBB-8BEA-D513F066B73A}"/>
+              </a:ext>
+            </a:extLst>
+          </p:cNvPr>
+          <p:cNvGrpSpPr/>
+          <p:nvPr/>
+        </p:nvGrpSpPr>
+        <p:grpSpPr>
+          <a:xfrm>
+            <a:off x="659430" y="4394370"/>
+            <a:ext cx="11095246" cy="1690681"/>
+            <a:chOff x="659430" y="3879694"/>
+            <a:chExt cx="11095246" cy="1690681"/>
+          </a:xfrm>
+        </p:grpSpPr>
+        <p:sp>
+          <p:nvSpPr>
+            <p:cNvPr id="71" name="Forma libre: forma 70">
+              <a:extLst>
+                <a:ext uri="{FF2B5EF4-FFF2-40B4-BE49-F238E27FC236}">
+                  <a16:creationId xmlns:a16="http://schemas.microsoft.com/office/drawing/2014/main" id="{CEAB8522-A14F-427C-8A46-7EC1C2329324}"/>
+                </a:ext>
+              </a:extLst>
+            </p:cNvPr>
+            <p:cNvSpPr/>
+            <p:nvPr/>
+          </p:nvSpPr>
+          <p:spPr>
+            <a:xfrm>
+              <a:off x="659430" y="4110300"/>
+              <a:ext cx="9022815" cy="1460075"/>
+            </a:xfrm>
+            <a:custGeom>
+              <a:avLst/>
+              <a:gdLst>
+                <a:gd name="connsiteX0" fmla="*/ 0 w 9022815"/>
+                <a:gd name="connsiteY0" fmla="*/ 1529036 h 1529036"/>
+                <a:gd name="connsiteX1" fmla="*/ 782198 w 9022815"/>
+                <a:gd name="connsiteY1" fmla="*/ 350231 h 1529036"/>
+                <a:gd name="connsiteX2" fmla="*/ 3172858 w 9022815"/>
+                <a:gd name="connsiteY2" fmla="*/ 30742 h 1529036"/>
+                <a:gd name="connsiteX3" fmla="*/ 9022815 w 9022815"/>
+                <a:gd name="connsiteY3" fmla="*/ 30742 h 1529036"/>
+              </a:gdLst>
+              <a:ahLst/>
+              <a:cxnLst>
+                <a:cxn ang="0">
+                  <a:pos x="connsiteX0" y="connsiteY0"/>
+                </a:cxn>
+                <a:cxn ang="0">
+                  <a:pos x="connsiteX1" y="connsiteY1"/>
+                </a:cxn>
+                <a:cxn ang="0">
+                  <a:pos x="connsiteX2" y="connsiteY2"/>
+                </a:cxn>
+                <a:cxn ang="0">
+                  <a:pos x="connsiteX3" y="connsiteY3"/>
+                </a:cxn>
+              </a:cxnLst>
+              <a:rect l="l" t="t" r="r" b="b"/>
+              <a:pathLst>
+                <a:path w="9022815" h="1529036">
+                  <a:moveTo>
+                    <a:pt x="0" y="1529036"/>
+                  </a:moveTo>
+                  <a:cubicBezTo>
+                    <a:pt x="126694" y="1064491"/>
+                    <a:pt x="253388" y="599947"/>
+                    <a:pt x="782198" y="350231"/>
+                  </a:cubicBezTo>
+                  <a:cubicBezTo>
+                    <a:pt x="1311008" y="100515"/>
+                    <a:pt x="1799422" y="83990"/>
+                    <a:pt x="3172858" y="30742"/>
+                  </a:cubicBezTo>
+                  <a:cubicBezTo>
+                    <a:pt x="4546294" y="-22506"/>
+                    <a:pt x="6784554" y="4118"/>
+                    <a:pt x="9022815" y="30742"/>
+                  </a:cubicBezTo>
+                </a:path>
+              </a:pathLst>
+            </a:custGeom>
+            <a:noFill/>
+            <a:ln w="28575"/>
+          </p:spPr>
+          <p:style>
+            <a:lnRef idx="2">
+              <a:schemeClr val="accent1">
+                <a:shade val="50000"/>
+              </a:schemeClr>
+            </a:lnRef>
+            <a:fillRef idx="1">
+              <a:schemeClr val="accent1"/>
+            </a:fillRef>
+            <a:effectRef idx="0">
+              <a:schemeClr val="accent1"/>
+            </a:effectRef>
+            <a:fontRef idx="minor">
+              <a:schemeClr val="lt1"/>
+            </a:fontRef>
+          </p:style>
+          <p:txBody>
+            <a:bodyPr rtlCol="0" anchor="ctr"/>
+            <a:lstStyle/>
+            <a:p>
+              <a:pPr algn="ctr"/>
+              <a:endParaRPr lang="es-AR"/>
+            </a:p>
+          </p:txBody>
+        </p:sp>
+        <p:sp>
+          <p:nvSpPr>
+            <p:cNvPr id="72" name="Rectángulo 71">
+              <a:extLst>
+                <a:ext uri="{FF2B5EF4-FFF2-40B4-BE49-F238E27FC236}">
+                  <a16:creationId xmlns:a16="http://schemas.microsoft.com/office/drawing/2014/main" id="{D5234438-DB49-4304-8163-E5AE93ACF5D7}"/>
+                </a:ext>
+              </a:extLst>
+            </p:cNvPr>
+            <p:cNvSpPr/>
+            <p:nvPr/>
+          </p:nvSpPr>
+          <p:spPr>
+            <a:xfrm>
+              <a:off x="9984965" y="3879694"/>
+              <a:ext cx="1769711" cy="569844"/>
+            </a:xfrm>
+            <a:prstGeom prst="rect">
+              <a:avLst/>
+            </a:prstGeom>
+          </p:spPr>
+          <p:style>
+            <a:lnRef idx="2">
+              <a:schemeClr val="accent1">
+                <a:shade val="50000"/>
+              </a:schemeClr>
+            </a:lnRef>
+            <a:fillRef idx="1">
+              <a:schemeClr val="accent1"/>
+            </a:fillRef>
+            <a:effectRef idx="0">
+              <a:schemeClr val="accent1"/>
+            </a:effectRef>
+            <a:fontRef idx="minor">
+              <a:schemeClr val="lt1"/>
+            </a:fontRef>
+          </p:style>
+          <p:txBody>
+            <a:bodyPr rtlCol="0" anchor="ctr"/>
+            <a:lstStyle/>
+            <a:p>
+              <a:pPr algn="ctr"/>
+              <a:r>
+                <a:rPr lang="es-AR" dirty="0"/>
+                <a:t>Algoritmos tradicionales</a:t>
+              </a:r>
+            </a:p>
+          </p:txBody>
+        </p:sp>
+      </p:grpSp>
+      <p:grpSp>
+        <p:nvGrpSpPr>
+          <p:cNvPr id="60" name="Grupo 59">
+            <a:extLst>
+              <a:ext uri="{FF2B5EF4-FFF2-40B4-BE49-F238E27FC236}">
+                <a16:creationId xmlns:a16="http://schemas.microsoft.com/office/drawing/2014/main" id="{879996F0-CDB7-4ACA-AC3F-15E4B845FC6F}"/>
+              </a:ext>
+            </a:extLst>
+          </p:cNvPr>
+          <p:cNvGrpSpPr/>
+          <p:nvPr/>
+        </p:nvGrpSpPr>
+        <p:grpSpPr>
+          <a:xfrm>
+            <a:off x="648413" y="3747909"/>
+            <a:ext cx="11106265" cy="2326126"/>
+            <a:chOff x="648413" y="3233233"/>
+            <a:chExt cx="11106265" cy="2326126"/>
+          </a:xfrm>
+        </p:grpSpPr>
+        <p:sp>
+          <p:nvSpPr>
+            <p:cNvPr id="69" name="Forma libre: forma 68">
+              <a:extLst>
+                <a:ext uri="{FF2B5EF4-FFF2-40B4-BE49-F238E27FC236}">
+                  <a16:creationId xmlns:a16="http://schemas.microsoft.com/office/drawing/2014/main" id="{165E39A5-6D3B-474F-BD1D-2862B146549C}"/>
+                </a:ext>
+              </a:extLst>
+            </p:cNvPr>
+            <p:cNvSpPr/>
+            <p:nvPr/>
+          </p:nvSpPr>
+          <p:spPr>
+            <a:xfrm>
+              <a:off x="648413" y="3542982"/>
+              <a:ext cx="9011798" cy="2016377"/>
+            </a:xfrm>
+            <a:custGeom>
+              <a:avLst/>
+              <a:gdLst>
+                <a:gd name="connsiteX0" fmla="*/ 0 w 9011798"/>
+                <a:gd name="connsiteY0" fmla="*/ 2016377 h 2016377"/>
+                <a:gd name="connsiteX1" fmla="*/ 1972020 w 9011798"/>
+                <a:gd name="connsiteY1" fmla="*/ 518083 h 2016377"/>
+                <a:gd name="connsiteX2" fmla="*/ 4516916 w 9011798"/>
+                <a:gd name="connsiteY2" fmla="*/ 66392 h 2016377"/>
+                <a:gd name="connsiteX3" fmla="*/ 9011798 w 9011798"/>
+                <a:gd name="connsiteY3" fmla="*/ 11307 h 2016377"/>
+              </a:gdLst>
+              <a:ahLst/>
+              <a:cxnLst>
+                <a:cxn ang="0">
+                  <a:pos x="connsiteX0" y="connsiteY0"/>
+                </a:cxn>
+                <a:cxn ang="0">
+                  <a:pos x="connsiteX1" y="connsiteY1"/>
+                </a:cxn>
+                <a:cxn ang="0">
+                  <a:pos x="connsiteX2" y="connsiteY2"/>
+                </a:cxn>
+                <a:cxn ang="0">
+                  <a:pos x="connsiteX3" y="connsiteY3"/>
+                </a:cxn>
+              </a:cxnLst>
+              <a:rect l="l" t="t" r="r" b="b"/>
+              <a:pathLst>
+                <a:path w="9011798" h="2016377">
+                  <a:moveTo>
+                    <a:pt x="0" y="2016377"/>
+                  </a:moveTo>
+                  <a:cubicBezTo>
+                    <a:pt x="609600" y="1429728"/>
+                    <a:pt x="1219201" y="843080"/>
+                    <a:pt x="1972020" y="518083"/>
+                  </a:cubicBezTo>
+                  <a:cubicBezTo>
+                    <a:pt x="2724839" y="193085"/>
+                    <a:pt x="3343620" y="150855"/>
+                    <a:pt x="4516916" y="66392"/>
+                  </a:cubicBezTo>
+                  <a:cubicBezTo>
+                    <a:pt x="5690212" y="-18071"/>
+                    <a:pt x="7351005" y="-3382"/>
+                    <a:pt x="9011798" y="11307"/>
+                  </a:cubicBezTo>
+                </a:path>
+              </a:pathLst>
+            </a:custGeom>
+            <a:noFill/>
+            <a:ln w="28575">
+              <a:solidFill>
+                <a:schemeClr val="accent2">
+                  <a:lumMod val="75000"/>
+                </a:schemeClr>
+              </a:solidFill>
+            </a:ln>
+          </p:spPr>
+          <p:style>
+            <a:lnRef idx="2">
+              <a:schemeClr val="accent1">
+                <a:shade val="50000"/>
+              </a:schemeClr>
+            </a:lnRef>
+            <a:fillRef idx="1">
+              <a:schemeClr val="accent1"/>
+            </a:fillRef>
+            <a:effectRef idx="0">
+              <a:schemeClr val="accent1"/>
+            </a:effectRef>
+            <a:fontRef idx="minor">
+              <a:schemeClr val="lt1"/>
+            </a:fontRef>
+          </p:style>
+          <p:txBody>
+            <a:bodyPr rtlCol="0" anchor="ctr"/>
+            <a:lstStyle/>
+            <a:p>
+              <a:pPr algn="ctr"/>
+              <a:endParaRPr lang="es-AR"/>
+            </a:p>
+          </p:txBody>
+        </p:sp>
+        <p:sp>
+          <p:nvSpPr>
+            <p:cNvPr id="70" name="Rectángulo 69">
+              <a:extLst>
+                <a:ext uri="{FF2B5EF4-FFF2-40B4-BE49-F238E27FC236}">
+                  <a16:creationId xmlns:a16="http://schemas.microsoft.com/office/drawing/2014/main" id="{D1BAA1A7-4A5D-4499-83F6-319DAF0B1011}"/>
+                </a:ext>
+              </a:extLst>
+            </p:cNvPr>
+            <p:cNvSpPr/>
+            <p:nvPr/>
+          </p:nvSpPr>
+          <p:spPr>
+            <a:xfrm>
+              <a:off x="9984967" y="3233233"/>
+              <a:ext cx="1769711" cy="569844"/>
+            </a:xfrm>
+            <a:prstGeom prst="rect">
+              <a:avLst/>
+            </a:prstGeom>
+            <a:solidFill>
+              <a:schemeClr val="accent2">
+                <a:lumMod val="75000"/>
+              </a:schemeClr>
+            </a:solidFill>
+            <a:ln>
+              <a:solidFill>
+                <a:schemeClr val="accent2">
+                  <a:lumMod val="75000"/>
+                </a:schemeClr>
+              </a:solidFill>
+            </a:ln>
+          </p:spPr>
+          <p:style>
+            <a:lnRef idx="2">
+              <a:schemeClr val="accent1">
+                <a:shade val="50000"/>
+              </a:schemeClr>
+            </a:lnRef>
+            <a:fillRef idx="1">
+              <a:schemeClr val="accent1"/>
+            </a:fillRef>
+            <a:effectRef idx="0">
+              <a:schemeClr val="accent1"/>
+            </a:effectRef>
+            <a:fontRef idx="minor">
+              <a:schemeClr val="lt1"/>
+            </a:fontRef>
+          </p:style>
+          <p:txBody>
+            <a:bodyPr rtlCol="0" anchor="ctr"/>
+            <a:lstStyle/>
+            <a:p>
+              <a:pPr algn="ctr"/>
+              <a:r>
+                <a:rPr lang="es-AR" dirty="0"/>
+                <a:t>Red Pequeña</a:t>
+              </a:r>
+            </a:p>
+          </p:txBody>
+        </p:sp>
+      </p:grpSp>
+      <p:grpSp>
+        <p:nvGrpSpPr>
+          <p:cNvPr id="61" name="Grupo 60">
+            <a:extLst>
+              <a:ext uri="{FF2B5EF4-FFF2-40B4-BE49-F238E27FC236}">
+                <a16:creationId xmlns:a16="http://schemas.microsoft.com/office/drawing/2014/main" id="{8F190C7A-36D3-468B-8F93-B1A452E56B79}"/>
+              </a:ext>
+            </a:extLst>
+          </p:cNvPr>
+          <p:cNvGrpSpPr/>
+          <p:nvPr/>
+        </p:nvGrpSpPr>
+        <p:grpSpPr>
+          <a:xfrm>
+            <a:off x="626380" y="3106747"/>
+            <a:ext cx="11128297" cy="2978305"/>
+            <a:chOff x="626380" y="2592071"/>
+            <a:chExt cx="11128297" cy="2978305"/>
+          </a:xfrm>
+        </p:grpSpPr>
+        <p:sp>
+          <p:nvSpPr>
+            <p:cNvPr id="67" name="Forma libre: forma 66">
+              <a:extLst>
+                <a:ext uri="{FF2B5EF4-FFF2-40B4-BE49-F238E27FC236}">
+                  <a16:creationId xmlns:a16="http://schemas.microsoft.com/office/drawing/2014/main" id="{BAFCB49D-39CF-4AC2-8EC3-095D1173E51C}"/>
+                </a:ext>
+              </a:extLst>
+            </p:cNvPr>
+            <p:cNvSpPr/>
+            <p:nvPr/>
+          </p:nvSpPr>
+          <p:spPr>
+            <a:xfrm>
+              <a:off x="626380" y="2951176"/>
+              <a:ext cx="9022814" cy="2619200"/>
+            </a:xfrm>
+            <a:custGeom>
+              <a:avLst/>
+              <a:gdLst>
+                <a:gd name="connsiteX0" fmla="*/ 0 w 9022814"/>
+                <a:gd name="connsiteY0" fmla="*/ 2619200 h 2619200"/>
+                <a:gd name="connsiteX1" fmla="*/ 4329628 w 9022814"/>
+                <a:gd name="connsiteY1" fmla="*/ 470911 h 2619200"/>
+                <a:gd name="connsiteX2" fmla="*/ 9022814 w 9022814"/>
+                <a:gd name="connsiteY2" fmla="*/ 8202 h 2619200"/>
+              </a:gdLst>
+              <a:ahLst/>
+              <a:cxnLst>
+                <a:cxn ang="0">
+                  <a:pos x="connsiteX0" y="connsiteY0"/>
+                </a:cxn>
+                <a:cxn ang="0">
+                  <a:pos x="connsiteX1" y="connsiteY1"/>
+                </a:cxn>
+                <a:cxn ang="0">
+                  <a:pos x="connsiteX2" y="connsiteY2"/>
+                </a:cxn>
+              </a:cxnLst>
+              <a:rect l="l" t="t" r="r" b="b"/>
+              <a:pathLst>
+                <a:path w="9022814" h="2619200">
+                  <a:moveTo>
+                    <a:pt x="0" y="2619200"/>
+                  </a:moveTo>
+                  <a:cubicBezTo>
+                    <a:pt x="1412913" y="1762638"/>
+                    <a:pt x="2825826" y="906077"/>
+                    <a:pt x="4329628" y="470911"/>
+                  </a:cubicBezTo>
+                  <a:cubicBezTo>
+                    <a:pt x="5833430" y="35745"/>
+                    <a:pt x="8077200" y="-26685"/>
+                    <a:pt x="9022814" y="8202"/>
+                  </a:cubicBezTo>
+                </a:path>
+              </a:pathLst>
+            </a:custGeom>
+            <a:noFill/>
+            <a:ln w="28575">
+              <a:solidFill>
+                <a:schemeClr val="accent4">
+                  <a:lumMod val="75000"/>
+                </a:schemeClr>
+              </a:solidFill>
+            </a:ln>
+          </p:spPr>
+          <p:style>
+            <a:lnRef idx="2">
+              <a:schemeClr val="accent1">
+                <a:shade val="50000"/>
+              </a:schemeClr>
+            </a:lnRef>
+            <a:fillRef idx="1">
+              <a:schemeClr val="accent1"/>
+            </a:fillRef>
+            <a:effectRef idx="0">
+              <a:schemeClr val="accent1"/>
+            </a:effectRef>
+            <a:fontRef idx="minor">
+              <a:schemeClr val="lt1"/>
+            </a:fontRef>
+          </p:style>
+          <p:txBody>
+            <a:bodyPr rtlCol="0" anchor="ctr"/>
+            <a:lstStyle/>
+            <a:p>
+              <a:pPr algn="ctr"/>
+              <a:endParaRPr lang="es-AR"/>
+            </a:p>
+          </p:txBody>
+        </p:sp>
+        <p:sp>
+          <p:nvSpPr>
+            <p:cNvPr id="68" name="Rectángulo 67">
+              <a:extLst>
+                <a:ext uri="{FF2B5EF4-FFF2-40B4-BE49-F238E27FC236}">
+                  <a16:creationId xmlns:a16="http://schemas.microsoft.com/office/drawing/2014/main" id="{B7A3ABAB-9D11-4530-8147-09BF16B214F1}"/>
+                </a:ext>
+              </a:extLst>
+            </p:cNvPr>
+            <p:cNvSpPr/>
+            <p:nvPr/>
+          </p:nvSpPr>
+          <p:spPr>
+            <a:xfrm>
+              <a:off x="9984966" y="2592071"/>
+              <a:ext cx="1769711" cy="569844"/>
+            </a:xfrm>
+            <a:prstGeom prst="rect">
+              <a:avLst/>
+            </a:prstGeom>
+            <a:solidFill>
+              <a:schemeClr val="accent4">
+                <a:lumMod val="75000"/>
+              </a:schemeClr>
+            </a:solidFill>
+            <a:ln>
+              <a:solidFill>
+                <a:schemeClr val="accent4">
+                  <a:lumMod val="75000"/>
+                </a:schemeClr>
+              </a:solidFill>
+            </a:ln>
+          </p:spPr>
+          <p:style>
+            <a:lnRef idx="2">
+              <a:schemeClr val="accent1">
+                <a:shade val="50000"/>
+              </a:schemeClr>
+            </a:lnRef>
+            <a:fillRef idx="1">
+              <a:schemeClr val="accent1"/>
+            </a:fillRef>
+            <a:effectRef idx="0">
+              <a:schemeClr val="accent1"/>
+            </a:effectRef>
+            <a:fontRef idx="minor">
+              <a:schemeClr val="lt1"/>
+            </a:fontRef>
+          </p:style>
+          <p:txBody>
+            <a:bodyPr rtlCol="0" anchor="ctr"/>
+            <a:lstStyle/>
+            <a:p>
+              <a:pPr algn="ctr"/>
+              <a:r>
+                <a:rPr lang="es-AR" dirty="0"/>
+                <a:t>Red Mediana</a:t>
+              </a:r>
+            </a:p>
+          </p:txBody>
+        </p:sp>
+      </p:grpSp>
+      <p:grpSp>
+        <p:nvGrpSpPr>
+          <p:cNvPr id="62" name="Grupo 61">
+            <a:extLst>
+              <a:ext uri="{FF2B5EF4-FFF2-40B4-BE49-F238E27FC236}">
+                <a16:creationId xmlns:a16="http://schemas.microsoft.com/office/drawing/2014/main" id="{1CA5419E-EB1B-441A-BD80-FE3CF0242750}"/>
+              </a:ext>
+            </a:extLst>
+          </p:cNvPr>
+          <p:cNvGrpSpPr/>
+          <p:nvPr/>
+        </p:nvGrpSpPr>
+        <p:grpSpPr>
+          <a:xfrm>
+            <a:off x="648413" y="1700987"/>
+            <a:ext cx="11106262" cy="4384065"/>
+            <a:chOff x="648413" y="1186311"/>
+            <a:chExt cx="11106262" cy="4384065"/>
+          </a:xfrm>
+        </p:grpSpPr>
+        <p:sp>
+          <p:nvSpPr>
+            <p:cNvPr id="65" name="Forma libre: forma 64">
+              <a:extLst>
+                <a:ext uri="{FF2B5EF4-FFF2-40B4-BE49-F238E27FC236}">
+                  <a16:creationId xmlns:a16="http://schemas.microsoft.com/office/drawing/2014/main" id="{CA5717FA-677E-4E6C-BE32-0262C42F17D7}"/>
+                </a:ext>
+              </a:extLst>
+            </p:cNvPr>
+            <p:cNvSpPr/>
+            <p:nvPr/>
+          </p:nvSpPr>
+          <p:spPr>
+            <a:xfrm>
+              <a:off x="648413" y="1516169"/>
+              <a:ext cx="8945697" cy="4054207"/>
+            </a:xfrm>
+            <a:custGeom>
+              <a:avLst/>
+              <a:gdLst>
+                <a:gd name="connsiteX0" fmla="*/ 0 w 8945697"/>
+                <a:gd name="connsiteY0" fmla="*/ 4054207 h 4054207"/>
+                <a:gd name="connsiteX1" fmla="*/ 2875403 w 8945697"/>
+                <a:gd name="connsiteY1" fmla="*/ 2919470 h 4054207"/>
+                <a:gd name="connsiteX2" fmla="*/ 5365215 w 8945697"/>
+                <a:gd name="connsiteY2" fmla="*/ 969484 h 4054207"/>
+                <a:gd name="connsiteX3" fmla="*/ 8945697 w 8945697"/>
+                <a:gd name="connsiteY3" fmla="*/ 0 h 4054207"/>
+              </a:gdLst>
+              <a:ahLst/>
+              <a:cxnLst>
+                <a:cxn ang="0">
+                  <a:pos x="connsiteX0" y="connsiteY0"/>
+                </a:cxn>
+                <a:cxn ang="0">
+                  <a:pos x="connsiteX1" y="connsiteY1"/>
+                </a:cxn>
+                <a:cxn ang="0">
+                  <a:pos x="connsiteX2" y="connsiteY2"/>
+                </a:cxn>
+                <a:cxn ang="0">
+                  <a:pos x="connsiteX3" y="connsiteY3"/>
+                </a:cxn>
+              </a:cxnLst>
+              <a:rect l="l" t="t" r="r" b="b"/>
+              <a:pathLst>
+                <a:path w="8945697" h="4054207">
+                  <a:moveTo>
+                    <a:pt x="0" y="4054207"/>
+                  </a:moveTo>
+                  <a:cubicBezTo>
+                    <a:pt x="990600" y="3743898"/>
+                    <a:pt x="1981201" y="3433590"/>
+                    <a:pt x="2875403" y="2919470"/>
+                  </a:cubicBezTo>
+                  <a:cubicBezTo>
+                    <a:pt x="3769606" y="2405349"/>
+                    <a:pt x="4353499" y="1456062"/>
+                    <a:pt x="5365215" y="969484"/>
+                  </a:cubicBezTo>
+                  <a:cubicBezTo>
+                    <a:pt x="6376931" y="482906"/>
+                    <a:pt x="8273668" y="108332"/>
+                    <a:pt x="8945697" y="0"/>
+                  </a:cubicBezTo>
+                </a:path>
+              </a:pathLst>
+            </a:custGeom>
+            <a:noFill/>
+            <a:ln w="28575">
+              <a:solidFill>
+                <a:schemeClr val="accent6">
+                  <a:lumMod val="75000"/>
+                </a:schemeClr>
+              </a:solidFill>
+            </a:ln>
+          </p:spPr>
+          <p:style>
+            <a:lnRef idx="2">
+              <a:schemeClr val="accent1">
+                <a:shade val="50000"/>
+              </a:schemeClr>
+            </a:lnRef>
+            <a:fillRef idx="1">
+              <a:schemeClr val="accent1"/>
+            </a:fillRef>
+            <a:effectRef idx="0">
+              <a:schemeClr val="accent1"/>
+            </a:effectRef>
+            <a:fontRef idx="minor">
+              <a:schemeClr val="lt1"/>
+            </a:fontRef>
+          </p:style>
+          <p:txBody>
+            <a:bodyPr rtlCol="0" anchor="ctr"/>
+            <a:lstStyle/>
+            <a:p>
+              <a:pPr algn="ctr"/>
+              <a:endParaRPr lang="es-AR"/>
+            </a:p>
+          </p:txBody>
+        </p:sp>
+        <p:sp>
+          <p:nvSpPr>
+            <p:cNvPr id="66" name="Rectángulo 65">
+              <a:extLst>
+                <a:ext uri="{FF2B5EF4-FFF2-40B4-BE49-F238E27FC236}">
+                  <a16:creationId xmlns:a16="http://schemas.microsoft.com/office/drawing/2014/main" id="{124AA9CC-12E2-43D4-B854-FB957D68E2BA}"/>
+                </a:ext>
+              </a:extLst>
+            </p:cNvPr>
+            <p:cNvSpPr/>
+            <p:nvPr/>
+          </p:nvSpPr>
+          <p:spPr>
+            <a:xfrm>
+              <a:off x="9984964" y="1186311"/>
+              <a:ext cx="1769711" cy="569844"/>
+            </a:xfrm>
+            <a:prstGeom prst="rect">
+              <a:avLst/>
+            </a:prstGeom>
+            <a:solidFill>
+              <a:schemeClr val="accent6">
+                <a:lumMod val="60000"/>
+                <a:lumOff val="40000"/>
+              </a:schemeClr>
+            </a:solidFill>
+            <a:ln>
+              <a:solidFill>
+                <a:schemeClr val="accent6">
+                  <a:lumMod val="60000"/>
+                  <a:lumOff val="40000"/>
+                </a:schemeClr>
+              </a:solidFill>
+            </a:ln>
+          </p:spPr>
+          <p:style>
+            <a:lnRef idx="2">
+              <a:schemeClr val="accent1">
+                <a:shade val="50000"/>
+              </a:schemeClr>
+            </a:lnRef>
+            <a:fillRef idx="1">
+              <a:schemeClr val="accent1"/>
+            </a:fillRef>
+            <a:effectRef idx="0">
+              <a:schemeClr val="accent1"/>
+            </a:effectRef>
+            <a:fontRef idx="minor">
+              <a:schemeClr val="lt1"/>
+            </a:fontRef>
+          </p:style>
+          <p:txBody>
+            <a:bodyPr rtlCol="0" anchor="ctr"/>
+            <a:lstStyle/>
+            <a:p>
+              <a:pPr algn="ctr"/>
+              <a:r>
+                <a:rPr lang="es-AR" dirty="0"/>
+                <a:t>Red Grande</a:t>
+              </a:r>
+            </a:p>
+          </p:txBody>
+        </p:sp>
+      </p:grpSp>
+      <mc:AlternateContent xmlns:mc="http://schemas.openxmlformats.org/markup-compatibility/2006" xmlns:p14="http://schemas.microsoft.com/office/powerpoint/2010/main" xmlns:iact="http://schemas.microsoft.com/office/powerpoint/2014/inkAction">
+        <mc:Choice Requires="p14 iact">
+          <p:contentPart p14:bwMode="auto" r:id="rId3">
+            <p14:nvContentPartPr>
+              <p14:cNvPr id="63" name="Entrada de lápiz 62">
+                <a:extLst>
+                  <a:ext uri="{FF2B5EF4-FFF2-40B4-BE49-F238E27FC236}">
+                    <a16:creationId xmlns:a16="http://schemas.microsoft.com/office/drawing/2014/main" id="{7B9215A3-2296-430A-818D-A75D48B3BCA1}"/>
+                  </a:ext>
+                </a:extLst>
+              </p14:cNvPr>
+              <p14:cNvContentPartPr/>
+              <p14:nvPr>
+                <p:extLst>
+                  <p:ext uri="{42D2F446-02D8-4167-A562-619A0277C38B}">
+                    <p15:isNarration xmlns:p15="http://schemas.microsoft.com/office/powerpoint/2012/main" val="1"/>
+                  </p:ext>
+                </p:extLst>
+              </p14:nvPr>
+            </p14:nvContentPartPr>
+            <p14:xfrm>
+              <a:off x="5107319" y="7047595"/>
+              <a:ext cx="2" cy="2"/>
+            </p14:xfrm>
+          </p:contentPart>
+        </mc:Choice>
+        <mc:Fallback xmlns="">
+          <p:pic>
+            <p:nvPicPr>
+              <p:cNvPr id="63" name="Entrada de lápiz 62">
+                <a:extLst>
+                  <a:ext uri="{FF2B5EF4-FFF2-40B4-BE49-F238E27FC236}">
+                    <a16:creationId xmlns:a16="http://schemas.microsoft.com/office/drawing/2014/main" id="{7B9215A3-2296-430A-818D-A75D48B3BCA1}"/>
+                  </a:ext>
+                </a:extLst>
+              </p:cNvPr>
+              <p:cNvPicPr>
+                <a:picLocks noGrp="1" noRot="1" noChangeAspect="1" noMove="1" noResize="1" noEditPoints="1" noAdjustHandles="1" noChangeArrowheads="1" noChangeShapeType="1"/>
+              </p:cNvPicPr>
+              <p:nvPr/>
+            </p:nvPicPr>
+            <p:blipFill>
+              <a:blip r:embed="rId4"/>
+              <a:stretch>
+                <a:fillRect/>
+              </a:stretch>
+            </p:blipFill>
+            <p:spPr>
+              <a:xfrm>
+                <a:off x="5107319" y="7047595"/>
+                <a:ext cx="2" cy="2"/>
+              </a:xfrm>
+              <a:prstGeom prst="rect">
+                <a:avLst/>
+              </a:prstGeom>
+            </p:spPr>
+          </p:pic>
+        </mc:Fallback>
+      </mc:AlternateContent>
+      <p:sp>
+        <p:nvSpPr>
+          <p:cNvPr id="3" name="TextBox 11">
+            <a:extLst>
+              <a:ext uri="{FF2B5EF4-FFF2-40B4-BE49-F238E27FC236}">
+                <a16:creationId xmlns:a16="http://schemas.microsoft.com/office/drawing/2014/main" id="{AF312A61-371B-4BD1-9948-D86BEC34C04B}"/>
+              </a:ext>
+            </a:extLst>
+          </p:cNvPr>
+          <p:cNvSpPr txBox="1"/>
+          <p:nvPr/>
+        </p:nvSpPr>
+        <p:spPr>
+          <a:xfrm rot="16200000">
+            <a:off x="-655719" y="3235314"/>
+            <a:ext cx="1752403" cy="461665"/>
+          </a:xfrm>
+          <a:prstGeom prst="rect">
+            <a:avLst/>
+          </a:prstGeom>
+          <a:noFill/>
+        </p:spPr>
+        <p:txBody>
+          <a:bodyPr wrap="none" rtlCol="0">
+            <a:spAutoFit/>
+          </a:bodyPr>
+          <a:lstStyle/>
+          <a:p>
+            <a:r>
+              <a:rPr lang="en-US" sz="2400" dirty="0" err="1">
+                <a:latin typeface="Century Schoolbook" charset="0"/>
+                <a:ea typeface="Century Schoolbook" charset="0"/>
+                <a:cs typeface="Century Schoolbook" charset="0"/>
+              </a:rPr>
+              <a:t>Resultados</a:t>
+            </a:r>
+            <a:endParaRPr lang="en-US" sz="2000" dirty="0">
+              <a:latin typeface="Century Schoolbook" charset="0"/>
+              <a:ea typeface="Century Schoolbook" charset="0"/>
+              <a:cs typeface="Century Schoolbook" charset="0"/>
+            </a:endParaRPr>
+          </a:p>
+        </p:txBody>
+      </p:sp>
+    </p:spTree>
+    <p:extLst>
+      <p:ext uri="{BB962C8B-B14F-4D97-AF65-F5344CB8AC3E}">
+        <p14:creationId xmlns:p14="http://schemas.microsoft.com/office/powerpoint/2010/main" val="1582580063"/>
+      </p:ext>
+    </p:extLst>
+  </p:cSld>
+  <p:clrMapOvr>
+    <a:masterClrMapping/>
+  </p:clrMapOvr>
+  <p:transition spd="slow">
+    <p:push/>
+  </p:transition>
+  <p:timing>
+    <p:tnLst>
+      <p:par>
+        <p:cTn id="1" dur="indefinite" restart="never" nodeType="tmRoot">
+          <p:childTnLst>
+            <p:seq concurrent="1" nextAc="seek">
+              <p:cTn id="2" dur="0" nodeType="mainSeq"/>
+              <p:prevCondLst>
+                <p:cond evt="onPrev" delay="0">
+                  <p:tgtEl>
+                    <p:sldTgt/>
+                  </p:tgtEl>
+                </p:cond>
+              </p:prevCondLst>
+              <p:nextCondLst>
+                <p:cond evt="onNext" delay="0">
+                  <p:tgtEl>
+                    <p:sldTgt/>
+                  </p:tgtEl>
+                </p:cond>
+              </p:nextCondLst>
+            </p:seq>
+          </p:childTnLst>
+        </p:cTn>
+      </p:par>
+    </p:tnLst>
+  </p:timing>
+</p:sld>
+</file>
+
+<file path=ppt/slides/slide6.xml><?xml version="1.0" encoding="utf-8"?>
+<p:sld xmlns:a="http://schemas.openxmlformats.org/drawingml/2006/main" xmlns:r="http://schemas.openxmlformats.org/officeDocument/2006/relationships" xmlns:p="http://schemas.openxmlformats.org/presentationml/2006/main">
+  <p:cSld>
+    <p:spTree>
+      <p:nvGrpSpPr>
+        <p:cNvPr id="1" name=""/>
+        <p:cNvGrpSpPr/>
+        <p:nvPr/>
+      </p:nvGrpSpPr>
+      <p:grpSpPr>
+        <a:xfrm>
+          <a:off x="0" y="0"/>
+          <a:ext cx="0" cy="0"/>
+          <a:chOff x="0" y="0"/>
+          <a:chExt cx="0" cy="0"/>
+        </a:xfrm>
+      </p:grpSpPr>
+      <p:sp>
+        <p:nvSpPr>
+          <p:cNvPr id="9218" name="1 Rectángulo"/>
+          <p:cNvSpPr>
+            <a:spLocks noChangeArrowheads="1"/>
+          </p:cNvSpPr>
+          <p:nvPr/>
+        </p:nvSpPr>
+        <p:spPr bwMode="auto">
+          <a:xfrm>
             <a:off x="0" y="1103275"/>
             <a:ext cx="12192000" cy="1217894"/>
           </a:xfrm>
@@ -40826,7 +42411,6 @@
           <a:ln>
             <a:noFill/>
           </a:ln>
-          <a:extLst/>
         </p:spPr>
         <p:txBody>
           <a:bodyPr anchor="ctr"/>
@@ -40925,7 +42509,6 @@
           <a:ln>
             <a:noFill/>
           </a:ln>
-          <a:extLst/>
         </p:spPr>
         <p:txBody>
           <a:bodyPr anchor="ctr"/>
@@ -40991,7 +42574,6 @@
           <a:ln>
             <a:noFill/>
           </a:ln>
-          <a:extLst/>
         </p:spPr>
         <p:txBody>
           <a:bodyPr anchor="ctr"/>
@@ -41027,47 +42609,6 @@
           </a:p>
         </p:txBody>
       </p:sp>
-      <p:pic>
-        <p:nvPicPr>
-          <p:cNvPr id="7" name="Picture 4" descr="C:\Users\rcrescenzi\OneDrive\docencia\UCEMA\ucema_logo.png"/>
-          <p:cNvPicPr>
-            <a:picLocks noChangeAspect="1" noChangeArrowheads="1"/>
-          </p:cNvPicPr>
-          <p:nvPr/>
-        </p:nvPicPr>
-        <p:blipFill>
-          <a:blip r:embed="rId3" cstate="print">
-            <a:extLst>
-              <a:ext uri="{28A0092B-C50C-407E-A947-70E740481C1C}">
-                <a14:useLocalDpi xmlns:a14="http://schemas.microsoft.com/office/drawing/2010/main" val="0"/>
-              </a:ext>
-            </a:extLst>
-          </a:blip>
-          <a:srcRect/>
-          <a:stretch>
-            <a:fillRect/>
-          </a:stretch>
-        </p:blipFill>
-        <p:spPr bwMode="auto">
-          <a:xfrm>
-            <a:off x="8461829" y="-149930"/>
-            <a:ext cx="3672116" cy="1344437"/>
-          </a:xfrm>
-          <a:prstGeom prst="rect">
-            <a:avLst/>
-          </a:prstGeom>
-          <a:noFill/>
-          <a:extLst>
-            <a:ext uri="{909E8E84-426E-40DD-AFC4-6F175D3DCCD1}">
-              <a14:hiddenFill xmlns:a14="http://schemas.microsoft.com/office/drawing/2010/main">
-                <a:solidFill>
-                  <a:srgbClr val="FFFFFF"/>
-                </a:solidFill>
-              </a14:hiddenFill>
-            </a:ext>
-          </a:extLst>
-        </p:spPr>
-      </p:pic>
     </p:spTree>
     <p:extLst>
       <p:ext uri="{BB962C8B-B14F-4D97-AF65-F5344CB8AC3E}">
@@ -41111,7 +42652,7 @@
 </p:sld>
 </file>
 
-<file path=ppt/slides/slide6.xml><?xml version="1.0" encoding="utf-8"?>
+<file path=ppt/slides/slide7.xml><?xml version="1.0" encoding="utf-8"?>
 <p:sld xmlns:a="http://schemas.openxmlformats.org/drawingml/2006/main" xmlns:r="http://schemas.openxmlformats.org/officeDocument/2006/relationships" xmlns:p="http://schemas.openxmlformats.org/presentationml/2006/main">
   <p:cSld>
     <p:spTree>
@@ -41152,7 +42693,6 @@
           <a:ln>
             <a:noFill/>
           </a:ln>
-          <a:extLst/>
         </p:spPr>
         <p:txBody>
           <a:bodyPr anchor="ctr"/>
@@ -41218,7 +42758,6 @@
           <a:ln>
             <a:noFill/>
           </a:ln>
-          <a:extLst/>
         </p:spPr>
         <p:txBody>
           <a:bodyPr anchor="ctr"/>
@@ -41284,7 +42823,6 @@
           <a:ln>
             <a:noFill/>
           </a:ln>
-          <a:extLst/>
         </p:spPr>
         <p:txBody>
           <a:bodyPr anchor="ctr"/>
@@ -41407,47 +42945,6 @@
           </a:p>
         </p:txBody>
       </p:sp>
-      <p:pic>
-        <p:nvPicPr>
-          <p:cNvPr id="7" name="Picture 4" descr="C:\Users\rcrescenzi\OneDrive\docencia\UCEMA\ucema_logo.png"/>
-          <p:cNvPicPr>
-            <a:picLocks noChangeAspect="1" noChangeArrowheads="1"/>
-          </p:cNvPicPr>
-          <p:nvPr/>
-        </p:nvPicPr>
-        <p:blipFill>
-          <a:blip r:embed="rId3" cstate="print">
-            <a:extLst>
-              <a:ext uri="{28A0092B-C50C-407E-A947-70E740481C1C}">
-                <a14:useLocalDpi xmlns:a14="http://schemas.microsoft.com/office/drawing/2010/main" val="0"/>
-              </a:ext>
-            </a:extLst>
-          </a:blip>
-          <a:srcRect/>
-          <a:stretch>
-            <a:fillRect/>
-          </a:stretch>
-        </p:blipFill>
-        <p:spPr bwMode="auto">
-          <a:xfrm>
-            <a:off x="8461829" y="-149930"/>
-            <a:ext cx="3672116" cy="1344437"/>
-          </a:xfrm>
-          <a:prstGeom prst="rect">
-            <a:avLst/>
-          </a:prstGeom>
-          <a:noFill/>
-          <a:extLst>
-            <a:ext uri="{909E8E84-426E-40DD-AFC4-6F175D3DCCD1}">
-              <a14:hiddenFill xmlns:a14="http://schemas.microsoft.com/office/drawing/2010/main">
-                <a:solidFill>
-                  <a:srgbClr val="FFFFFF"/>
-                </a:solidFill>
-              </a14:hiddenFill>
-            </a:ext>
-          </a:extLst>
-        </p:spPr>
-      </p:pic>
     </p:spTree>
     <p:extLst>
       <p:ext uri="{BB962C8B-B14F-4D97-AF65-F5344CB8AC3E}">
@@ -41491,7 +42988,7 @@
 </p:sld>
 </file>
 
-<file path=ppt/slides/slide7.xml><?xml version="1.0" encoding="utf-8"?>
+<file path=ppt/slides/slide8.xml><?xml version="1.0" encoding="utf-8"?>
 <p:sld xmlns:a="http://schemas.openxmlformats.org/drawingml/2006/main" xmlns:r="http://schemas.openxmlformats.org/officeDocument/2006/relationships" xmlns:p="http://schemas.openxmlformats.org/presentationml/2006/main">
   <p:cSld>
     <p:spTree>
@@ -41532,7 +43029,6 @@
           <a:ln>
             <a:noFill/>
           </a:ln>
-          <a:extLst/>
         </p:spPr>
         <p:txBody>
           <a:bodyPr anchor="ctr"/>
@@ -41623,7 +43119,6 @@
           <a:ln>
             <a:noFill/>
           </a:ln>
-          <a:extLst/>
         </p:spPr>
         <p:txBody>
           <a:bodyPr numCol="2" anchor="ctr"/>
@@ -41906,240 +43401,10 @@
           </a:p>
         </p:txBody>
       </p:sp>
-      <p:pic>
-        <p:nvPicPr>
-          <p:cNvPr id="5" name="Picture 4" descr="C:\Users\rcrescenzi\OneDrive\docencia\UCEMA\ucema_logo.png"/>
-          <p:cNvPicPr>
-            <a:picLocks noChangeAspect="1" noChangeArrowheads="1"/>
-          </p:cNvPicPr>
-          <p:nvPr/>
-        </p:nvPicPr>
-        <p:blipFill>
-          <a:blip r:embed="rId3" cstate="print">
-            <a:extLst>
-              <a:ext uri="{28A0092B-C50C-407E-A947-70E740481C1C}">
-                <a14:useLocalDpi xmlns:a14="http://schemas.microsoft.com/office/drawing/2010/main" val="0"/>
-              </a:ext>
-            </a:extLst>
-          </a:blip>
-          <a:srcRect/>
-          <a:stretch>
-            <a:fillRect/>
-          </a:stretch>
-        </p:blipFill>
-        <p:spPr bwMode="auto">
-          <a:xfrm>
-            <a:off x="8461829" y="-149930"/>
-            <a:ext cx="3672116" cy="1344437"/>
-          </a:xfrm>
-          <a:prstGeom prst="rect">
-            <a:avLst/>
-          </a:prstGeom>
-          <a:noFill/>
-          <a:extLst>
-            <a:ext uri="{909E8E84-426E-40DD-AFC4-6F175D3DCCD1}">
-              <a14:hiddenFill xmlns:a14="http://schemas.microsoft.com/office/drawing/2010/main">
-                <a:solidFill>
-                  <a:srgbClr val="FFFFFF"/>
-                </a:solidFill>
-              </a14:hiddenFill>
-            </a:ext>
-          </a:extLst>
-        </p:spPr>
-      </p:pic>
     </p:spTree>
     <p:extLst>
       <p:ext uri="{BB962C8B-B14F-4D97-AF65-F5344CB8AC3E}">
         <p14:creationId xmlns:p14="http://schemas.microsoft.com/office/powerpoint/2010/main" val="1351840935"/>
-      </p:ext>
-    </p:extLst>
-  </p:cSld>
-  <p:clrMapOvr>
-    <a:masterClrMapping/>
-  </p:clrMapOvr>
-  <p:transition spd="slow">
-    <p:push/>
-  </p:transition>
-  <p:timing>
-    <p:tnLst>
-      <p:par>
-        <p:cTn id="1" dur="indefinite" restart="never" nodeType="tmRoot">
-          <p:childTnLst>
-            <p:seq concurrent="1" nextAc="seek">
-              <p:cTn id="2" dur="0" nodeType="mainSeq"/>
-              <p:prevCondLst>
-                <p:cond evt="onPrev" delay="0">
-                  <p:tgtEl>
-                    <p:sldTgt/>
-                  </p:tgtEl>
-                </p:cond>
-              </p:prevCondLst>
-              <p:nextCondLst>
-                <p:cond evt="onNext" delay="0">
-                  <p:tgtEl>
-                    <p:sldTgt/>
-                  </p:tgtEl>
-                </p:cond>
-              </p:nextCondLst>
-            </p:seq>
-          </p:childTnLst>
-        </p:cTn>
-      </p:par>
-    </p:tnLst>
-  </p:timing>
-</p:sld>
-</file>
-
-<file path=ppt/slides/slide8.xml><?xml version="1.0" encoding="utf-8"?>
-<p:sld xmlns:a="http://schemas.openxmlformats.org/drawingml/2006/main" xmlns:r="http://schemas.openxmlformats.org/officeDocument/2006/relationships" xmlns:p="http://schemas.openxmlformats.org/presentationml/2006/main">
-  <p:cSld>
-    <p:spTree>
-      <p:nvGrpSpPr>
-        <p:cNvPr id="1" name=""/>
-        <p:cNvGrpSpPr/>
-        <p:nvPr/>
-      </p:nvGrpSpPr>
-      <p:grpSpPr>
-        <a:xfrm>
-          <a:off x="0" y="0"/>
-          <a:ext cx="0" cy="0"/>
-          <a:chOff x="0" y="0"/>
-          <a:chExt cx="0" cy="0"/>
-        </a:xfrm>
-      </p:grpSpPr>
-      <p:sp>
-        <p:nvSpPr>
-          <p:cNvPr id="9218" name="1 Rectángulo"/>
-          <p:cNvSpPr>
-            <a:spLocks noChangeArrowheads="1"/>
-          </p:cNvSpPr>
-          <p:nvPr/>
-        </p:nvSpPr>
-        <p:spPr bwMode="auto">
-          <a:xfrm>
-            <a:off x="0" y="1103275"/>
-            <a:ext cx="12192000" cy="1217894"/>
-          </a:xfrm>
-          <a:prstGeom prst="rect">
-            <a:avLst/>
-          </a:prstGeom>
-          <a:solidFill>
-            <a:schemeClr val="bg1">
-              <a:alpha val="30000"/>
-            </a:schemeClr>
-          </a:solidFill>
-          <a:ln>
-            <a:noFill/>
-          </a:ln>
-          <a:extLst/>
-        </p:spPr>
-        <p:txBody>
-          <a:bodyPr anchor="ctr"/>
-          <a:lstStyle/>
-          <a:p>
-            <a:pPr marL="0" marR="0" lvl="0" indent="0" algn="ctr" defTabSz="599002" rtl="0" eaLnBrk="1" fontAlgn="base" latinLnBrk="0" hangingPunct="0">
-              <a:lnSpc>
-                <a:spcPct val="93000"/>
-              </a:lnSpc>
-              <a:spcBef>
-                <a:spcPct val="0"/>
-              </a:spcBef>
-              <a:spcAft>
-                <a:spcPct val="0"/>
-              </a:spcAft>
-              <a:buClr>
-                <a:srgbClr val="000000"/>
-              </a:buClr>
-              <a:buSzPct val="100000"/>
-              <a:buFontTx/>
-              <a:buNone/>
-              <a:tabLst/>
-              <a:defRPr/>
-            </a:pPr>
-            <a:r>
-              <a:rPr lang="es-AR" altLang="es-AR" sz="3600" b="1" dirty="0">
-                <a:latin typeface="Arial" panose="020B0604020202020204" pitchFamily="34" charset="0"/>
-                <a:ea typeface="Microsoft YaHei" panose="020B0503020204020204" pitchFamily="34" charset="-122"/>
-                <a:cs typeface="Arial"/>
-              </a:rPr>
-              <a:t>Data Pipeline</a:t>
-            </a:r>
-          </a:p>
-        </p:txBody>
-      </p:sp>
-      <p:graphicFrame>
-        <p:nvGraphicFramePr>
-          <p:cNvPr id="2" name="Diagrama 1">
-            <a:extLst>
-              <a:ext uri="{FF2B5EF4-FFF2-40B4-BE49-F238E27FC236}">
-                <a16:creationId xmlns:a16="http://schemas.microsoft.com/office/drawing/2014/main" id="{C4844DA5-81D4-434D-BC17-924A3A9F7C1B}"/>
-              </a:ext>
-            </a:extLst>
-          </p:cNvPr>
-          <p:cNvGraphicFramePr/>
-          <p:nvPr>
-            <p:extLst>
-              <p:ext uri="{D42A27DB-BD31-4B8C-83A1-F6EECF244321}">
-                <p14:modId xmlns:p14="http://schemas.microsoft.com/office/powerpoint/2010/main" val="1102795092"/>
-              </p:ext>
-            </p:extLst>
-          </p:nvPr>
-        </p:nvGraphicFramePr>
-        <p:xfrm>
-          <a:off x="0" y="2700161"/>
-          <a:ext cx="12191999" cy="3377082"/>
-        </p:xfrm>
-        <a:graphic>
-          <a:graphicData uri="http://schemas.openxmlformats.org/drawingml/2006/diagram">
-            <dgm:relIds xmlns:dgm="http://schemas.openxmlformats.org/drawingml/2006/diagram" xmlns:r="http://schemas.openxmlformats.org/officeDocument/2006/relationships" r:dm="rId3" r:lo="rId4" r:qs="rId5" r:cs="rId6"/>
-          </a:graphicData>
-        </a:graphic>
-      </p:graphicFrame>
-      <p:pic>
-        <p:nvPicPr>
-          <p:cNvPr id="5" name="Picture 4" descr="C:\Users\rcrescenzi\OneDrive\docencia\UCEMA\ucema_logo.png"/>
-          <p:cNvPicPr>
-            <a:picLocks noChangeAspect="1" noChangeArrowheads="1"/>
-          </p:cNvPicPr>
-          <p:nvPr/>
-        </p:nvPicPr>
-        <p:blipFill>
-          <a:blip r:embed="rId8" cstate="print">
-            <a:extLst>
-              <a:ext uri="{28A0092B-C50C-407E-A947-70E740481C1C}">
-                <a14:useLocalDpi xmlns:a14="http://schemas.microsoft.com/office/drawing/2010/main" val="0"/>
-              </a:ext>
-            </a:extLst>
-          </a:blip>
-          <a:srcRect/>
-          <a:stretch>
-            <a:fillRect/>
-          </a:stretch>
-        </p:blipFill>
-        <p:spPr bwMode="auto">
-          <a:xfrm>
-            <a:off x="8461829" y="-149930"/>
-            <a:ext cx="3672116" cy="1344437"/>
-          </a:xfrm>
-          <a:prstGeom prst="rect">
-            <a:avLst/>
-          </a:prstGeom>
-          <a:noFill/>
-          <a:extLst>
-            <a:ext uri="{909E8E84-426E-40DD-AFC4-6F175D3DCCD1}">
-              <a14:hiddenFill xmlns:a14="http://schemas.microsoft.com/office/drawing/2010/main">
-                <a:solidFill>
-                  <a:srgbClr val="FFFFFF"/>
-                </a:solidFill>
-              </a14:hiddenFill>
-            </a:ext>
-          </a:extLst>
-        </p:spPr>
-      </p:pic>
-    </p:spTree>
-    <p:extLst>
-      <p:ext uri="{BB962C8B-B14F-4D97-AF65-F5344CB8AC3E}">
-        <p14:creationId xmlns:p14="http://schemas.microsoft.com/office/powerpoint/2010/main" val="360271288"/>
       </p:ext>
     </p:extLst>
   </p:cSld>
@@ -42220,7 +43485,6 @@
           <a:ln>
             <a:noFill/>
           </a:ln>
-          <a:extLst/>
         </p:spPr>
         <p:txBody>
           <a:bodyPr anchor="ctr"/>
@@ -42246,210 +43510,48 @@
               <a:defRPr/>
             </a:pPr>
             <a:r>
-              <a:rPr kumimoji="0" lang="es-AR" altLang="es-AR" sz="3600" b="1" i="0" u="none" strike="noStrike" kern="1200" cap="none" spc="0" normalizeH="0" baseline="0" noProof="0" dirty="0">
-                <a:ln>
-                  <a:noFill/>
-                </a:ln>
-                <a:effectLst/>
-                <a:uLnTx/>
-                <a:uFillTx/>
+              <a:rPr lang="es-AR" altLang="es-AR" sz="3600" b="1" dirty="0">
                 <a:latin typeface="Arial" panose="020B0604020202020204" pitchFamily="34" charset="0"/>
                 <a:ea typeface="Microsoft YaHei" panose="020B0503020204020204" pitchFamily="34" charset="-122"/>
                 <a:cs typeface="Arial"/>
               </a:rPr>
-              <a:t>Data </a:t>
-            </a:r>
-            <a:r>
-              <a:rPr kumimoji="0" lang="es-AR" altLang="es-AR" sz="3600" b="1" i="0" u="none" strike="noStrike" kern="1200" cap="none" spc="0" normalizeH="0" baseline="0" noProof="0" dirty="0" err="1">
-                <a:ln>
-                  <a:noFill/>
-                </a:ln>
-                <a:effectLst/>
-                <a:uLnTx/>
-                <a:uFillTx/>
-                <a:latin typeface="Arial" panose="020B0604020202020204" pitchFamily="34" charset="0"/>
-                <a:ea typeface="Microsoft YaHei" panose="020B0503020204020204" pitchFamily="34" charset="-122"/>
-                <a:cs typeface="Arial"/>
-              </a:rPr>
-              <a:t>Science</a:t>
-            </a:r>
-            <a:endParaRPr lang="es-AR" altLang="es-AR" sz="3600" b="1" dirty="0">
-              <a:latin typeface="Arial" panose="020B0604020202020204" pitchFamily="34" charset="0"/>
-              <a:ea typeface="Microsoft YaHei" panose="020B0503020204020204" pitchFamily="34" charset="-122"/>
-              <a:cs typeface="Arial"/>
-            </a:endParaRPr>
-          </a:p>
-        </p:txBody>
-      </p:sp>
-      <p:sp>
-        <p:nvSpPr>
-          <p:cNvPr id="4" name="1 Rectángulo">
-            <a:extLst>
-              <a:ext uri="{FF2B5EF4-FFF2-40B4-BE49-F238E27FC236}">
-                <a16:creationId xmlns:a16="http://schemas.microsoft.com/office/drawing/2014/main" id="{C38DC9E2-A33D-43A5-B91A-49EDF1F542C3}"/>
-              </a:ext>
-            </a:extLst>
-          </p:cNvPr>
-          <p:cNvSpPr>
-            <a:spLocks noChangeArrowheads="1"/>
-          </p:cNvSpPr>
-          <p:nvPr/>
-        </p:nvSpPr>
-        <p:spPr bwMode="auto">
-          <a:xfrm>
-            <a:off x="0" y="2700161"/>
-            <a:ext cx="12191999" cy="3377082"/>
-          </a:xfrm>
-          <a:prstGeom prst="rect">
-            <a:avLst/>
-          </a:prstGeom>
-          <a:solidFill>
-            <a:schemeClr val="bg1">
-              <a:alpha val="30000"/>
-            </a:schemeClr>
-          </a:solidFill>
-          <a:ln>
-            <a:noFill/>
-          </a:ln>
-          <a:extLst/>
-        </p:spPr>
-        <p:txBody>
-          <a:bodyPr anchor="ctr"/>
-          <a:lstStyle/>
-          <a:p>
-            <a:pPr marL="800100" lvl="1" indent="-342900" defTabSz="599002" fontAlgn="base" hangingPunct="0">
-              <a:lnSpc>
-                <a:spcPct val="93000"/>
-              </a:lnSpc>
-              <a:spcBef>
-                <a:spcPct val="0"/>
-              </a:spcBef>
-              <a:spcAft>
-                <a:spcPct val="0"/>
-              </a:spcAft>
-              <a:buClr>
-                <a:schemeClr val="bg1"/>
-              </a:buClr>
-              <a:buSzPct val="100000"/>
-              <a:buFont typeface="Arial" panose="020B0604020202020204" pitchFamily="34" charset="0"/>
-              <a:buChar char="•"/>
-              <a:defRPr/>
-            </a:pPr>
-            <a:r>
-              <a:rPr lang="es-AR" altLang="es-AR" sz="3200" dirty="0">
-                <a:latin typeface="Arial" panose="020B0604020202020204" pitchFamily="34" charset="0"/>
-                <a:ea typeface="Microsoft YaHei" panose="020B0503020204020204" pitchFamily="34" charset="-122"/>
-                <a:cs typeface="Arial"/>
-              </a:rPr>
-              <a:t>Métodos Descriptivos: Hallar patrones relevantes en los datos. (BI?)</a:t>
-            </a:r>
-          </a:p>
-          <a:p>
-            <a:pPr marL="800100" lvl="1" indent="-342900" defTabSz="599002" fontAlgn="base" hangingPunct="0">
-              <a:lnSpc>
-                <a:spcPct val="93000"/>
-              </a:lnSpc>
-              <a:spcBef>
-                <a:spcPct val="0"/>
-              </a:spcBef>
-              <a:spcAft>
-                <a:spcPct val="0"/>
-              </a:spcAft>
-              <a:buClr>
-                <a:schemeClr val="bg1"/>
-              </a:buClr>
-              <a:buSzPct val="100000"/>
-              <a:buFont typeface="Arial" panose="020B0604020202020204" pitchFamily="34" charset="0"/>
-              <a:buChar char="•"/>
-              <a:defRPr/>
-            </a:pPr>
-            <a:endParaRPr lang="es-AR" altLang="es-AR" sz="3200" dirty="0">
-              <a:latin typeface="Arial" panose="020B0604020202020204" pitchFamily="34" charset="0"/>
-              <a:ea typeface="Microsoft YaHei" panose="020B0503020204020204" pitchFamily="34" charset="-122"/>
-              <a:cs typeface="Arial"/>
-            </a:endParaRPr>
-          </a:p>
-          <a:p>
-            <a:pPr marL="800100" lvl="1" indent="-342900" defTabSz="599002" fontAlgn="base" hangingPunct="0">
-              <a:lnSpc>
-                <a:spcPct val="93000"/>
-              </a:lnSpc>
-              <a:spcBef>
-                <a:spcPct val="0"/>
-              </a:spcBef>
-              <a:spcAft>
-                <a:spcPct val="0"/>
-              </a:spcAft>
-              <a:buClr>
-                <a:schemeClr val="bg1"/>
-              </a:buClr>
-              <a:buSzPct val="100000"/>
-              <a:buFont typeface="Arial" panose="020B0604020202020204" pitchFamily="34" charset="0"/>
-              <a:buChar char="•"/>
-              <a:defRPr/>
-            </a:pPr>
-            <a:r>
-              <a:rPr kumimoji="0" lang="es-AR" altLang="es-AR" sz="3200" b="0" u="none" strike="noStrike" kern="1200" cap="none" spc="0" normalizeH="0" baseline="0" noProof="0" dirty="0">
-                <a:ln>
-                  <a:noFill/>
-                </a:ln>
-                <a:effectLst/>
-                <a:uLnTx/>
-                <a:uFillTx/>
-                <a:latin typeface="Arial" panose="020B0604020202020204" pitchFamily="34" charset="0"/>
-                <a:ea typeface="Microsoft YaHei" panose="020B0503020204020204" pitchFamily="34" charset="-122"/>
-                <a:cs typeface="Arial"/>
-              </a:rPr>
-              <a:t>Métodos Predictivos: Usar los datos para modelar la incertidumbre. (estadísticas?)</a:t>
+              <a:t>Data Pipeline</a:t>
             </a:r>
           </a:p>
         </p:txBody>
       </p:sp>
-      <p:pic>
-        <p:nvPicPr>
-          <p:cNvPr id="5" name="Picture 4" descr="C:\Users\rcrescenzi\OneDrive\docencia\UCEMA\ucema_logo.png"/>
-          <p:cNvPicPr>
-            <a:picLocks noChangeAspect="1" noChangeArrowheads="1"/>
-          </p:cNvPicPr>
-          <p:nvPr/>
-        </p:nvPicPr>
-        <p:blipFill>
-          <a:blip r:embed="rId3" cstate="print">
+      <p:graphicFrame>
+        <p:nvGraphicFramePr>
+          <p:cNvPr id="2" name="Diagrama 1">
             <a:extLst>
-              <a:ext uri="{28A0092B-C50C-407E-A947-70E740481C1C}">
-                <a14:useLocalDpi xmlns:a14="http://schemas.microsoft.com/office/drawing/2010/main" val="0"/>
+              <a:ext uri="{FF2B5EF4-FFF2-40B4-BE49-F238E27FC236}">
+                <a16:creationId xmlns:a16="http://schemas.microsoft.com/office/drawing/2014/main" id="{C4844DA5-81D4-434D-BC17-924A3A9F7C1B}"/>
               </a:ext>
             </a:extLst>
-          </a:blip>
-          <a:srcRect/>
-          <a:stretch>
-            <a:fillRect/>
-          </a:stretch>
-        </p:blipFill>
-        <p:spPr bwMode="auto">
-          <a:xfrm>
-            <a:off x="8461829" y="-149930"/>
-            <a:ext cx="3672116" cy="1344437"/>
-          </a:xfrm>
-          <a:prstGeom prst="rect">
-            <a:avLst/>
-          </a:prstGeom>
-          <a:noFill/>
-          <a:extLst>
-            <a:ext uri="{909E8E84-426E-40DD-AFC4-6F175D3DCCD1}">
-              <a14:hiddenFill xmlns:a14="http://schemas.microsoft.com/office/drawing/2010/main">
-                <a:solidFill>
-                  <a:srgbClr val="FFFFFF"/>
-                </a:solidFill>
-              </a14:hiddenFill>
-            </a:ext>
-          </a:extLst>
-        </p:spPr>
-      </p:pic>
+          </p:cNvPr>
+          <p:cNvGraphicFramePr/>
+          <p:nvPr>
+            <p:extLst>
+              <p:ext uri="{D42A27DB-BD31-4B8C-83A1-F6EECF244321}">
+                <p14:modId xmlns:p14="http://schemas.microsoft.com/office/powerpoint/2010/main" val="1102795092"/>
+              </p:ext>
+            </p:extLst>
+          </p:nvPr>
+        </p:nvGraphicFramePr>
+        <p:xfrm>
+          <a:off x="0" y="2700161"/>
+          <a:ext cx="12191999" cy="3377082"/>
+        </p:xfrm>
+        <a:graphic>
+          <a:graphicData uri="http://schemas.openxmlformats.org/drawingml/2006/diagram">
+            <dgm:relIds xmlns:dgm="http://schemas.openxmlformats.org/drawingml/2006/diagram" xmlns:r="http://schemas.openxmlformats.org/officeDocument/2006/relationships" r:dm="rId3" r:lo="rId4" r:qs="rId5" r:cs="rId6"/>
+          </a:graphicData>
+        </a:graphic>
+      </p:graphicFrame>
     </p:spTree>
     <p:extLst>
       <p:ext uri="{BB962C8B-B14F-4D97-AF65-F5344CB8AC3E}">
-        <p14:creationId xmlns:p14="http://schemas.microsoft.com/office/powerpoint/2010/main" val="1852200853"/>
+        <p14:creationId xmlns:p14="http://schemas.microsoft.com/office/powerpoint/2010/main" val="360271288"/>
       </p:ext>
     </p:extLst>
   </p:cSld>

--- a/1. intro.pptx
+++ b/1. intro.pptx
@@ -12,28 +12,28 @@
     <p:sldId id="289" r:id="rId3"/>
     <p:sldId id="278" r:id="rId4"/>
     <p:sldId id="286" r:id="rId5"/>
-    <p:sldId id="287" r:id="rId6"/>
-    <p:sldId id="288" r:id="rId7"/>
-    <p:sldId id="290" r:id="rId8"/>
-    <p:sldId id="291" r:id="rId9"/>
-    <p:sldId id="292" r:id="rId10"/>
-    <p:sldId id="274" r:id="rId11"/>
-    <p:sldId id="280" r:id="rId12"/>
-    <p:sldId id="293" r:id="rId13"/>
-    <p:sldId id="294" r:id="rId14"/>
-    <p:sldId id="295" r:id="rId15"/>
-    <p:sldId id="298" r:id="rId16"/>
-    <p:sldId id="299" r:id="rId17"/>
-    <p:sldId id="308" r:id="rId18"/>
-    <p:sldId id="310" r:id="rId19"/>
-    <p:sldId id="309" r:id="rId20"/>
-    <p:sldId id="307" r:id="rId21"/>
-    <p:sldId id="300" r:id="rId22"/>
-    <p:sldId id="301" r:id="rId23"/>
-    <p:sldId id="303" r:id="rId24"/>
-    <p:sldId id="304" r:id="rId25"/>
-    <p:sldId id="305" r:id="rId26"/>
-    <p:sldId id="302" r:id="rId27"/>
+    <p:sldId id="311" r:id="rId6"/>
+    <p:sldId id="287" r:id="rId7"/>
+    <p:sldId id="288" r:id="rId8"/>
+    <p:sldId id="290" r:id="rId9"/>
+    <p:sldId id="291" r:id="rId10"/>
+    <p:sldId id="292" r:id="rId11"/>
+    <p:sldId id="274" r:id="rId12"/>
+    <p:sldId id="280" r:id="rId13"/>
+    <p:sldId id="293" r:id="rId14"/>
+    <p:sldId id="294" r:id="rId15"/>
+    <p:sldId id="295" r:id="rId16"/>
+    <p:sldId id="298" r:id="rId17"/>
+    <p:sldId id="299" r:id="rId18"/>
+    <p:sldId id="308" r:id="rId19"/>
+    <p:sldId id="310" r:id="rId20"/>
+    <p:sldId id="309" r:id="rId21"/>
+    <p:sldId id="307" r:id="rId22"/>
+    <p:sldId id="300" r:id="rId23"/>
+    <p:sldId id="301" r:id="rId24"/>
+    <p:sldId id="303" r:id="rId25"/>
+    <p:sldId id="304" r:id="rId26"/>
+    <p:sldId id="305" r:id="rId27"/>
     <p:sldId id="306" r:id="rId28"/>
   </p:sldIdLst>
   <p:sldSz cx="12192000" cy="6858000"/>
@@ -155,7 +155,7 @@
 <file path=ppt/revisionInfo.xml><?xml version="1.0" encoding="utf-8"?>
 <p1510:revInfo xmlns:a="http://schemas.openxmlformats.org/drawingml/2006/main" xmlns:r="http://schemas.openxmlformats.org/officeDocument/2006/relationships" xmlns:p1510="http://schemas.microsoft.com/office/powerpoint/2015/10/main">
   <p1510:revLst>
-    <p1510:client id="{14A28526-ED09-4172-8A45-5D903B7C8E49}" v="1" dt="2019-06-03T20:22:12.419"/>
+    <p1510:client id="{59FFB481-0AA2-427A-873D-3B54507F710A}" v="1" dt="2020-12-02T14:57:55.306"/>
   </p1510:revLst>
 </p1510:revInfo>
 </file>
@@ -163,10 +163,1064 @@
 <file path=ppt/changesInfos/changesInfo1.xml><?xml version="1.0" encoding="utf-8"?>
 <pc:chgInfo xmlns:a="http://schemas.openxmlformats.org/drawingml/2006/main" xmlns:r="http://schemas.openxmlformats.org/officeDocument/2006/relationships" xmlns:ac="http://schemas.microsoft.com/office/drawing/2013/main/command" xmlns:pc="http://schemas.microsoft.com/office/powerpoint/2013/main/command">
   <pc:docChgLst>
-    <pc:chgData name="Rafael C." userId="ffa83960b425c528" providerId="LiveId" clId="{E594DA00-7039-49B9-86C0-52C950A26DDD}"/>
+    <pc:chgData name="Rafael C." userId="ffa83960b425c528" providerId="LiveId" clId="{B6E615A7-D2B1-4486-90E2-38A11958ACF4}"/>
+    <pc:docChg chg="undo custSel addSld modSld">
+      <pc:chgData name="Rafael C." userId="ffa83960b425c528" providerId="LiveId" clId="{B6E615A7-D2B1-4486-90E2-38A11958ACF4}" dt="2020-09-07T21:17:41.805" v="283" actId="313"/>
+      <pc:docMkLst>
+        <pc:docMk/>
+      </pc:docMkLst>
+      <pc:sldChg chg="modSp mod">
+        <pc:chgData name="Rafael C." userId="ffa83960b425c528" providerId="LiveId" clId="{B6E615A7-D2B1-4486-90E2-38A11958ACF4}" dt="2020-09-07T21:06:46.691" v="30" actId="108"/>
+        <pc:sldMkLst>
+          <pc:docMk/>
+          <pc:sldMk cId="3692097646" sldId="289"/>
+        </pc:sldMkLst>
+        <pc:spChg chg="mod">
+          <ac:chgData name="Rafael C." userId="ffa83960b425c528" providerId="LiveId" clId="{B6E615A7-D2B1-4486-90E2-38A11958ACF4}" dt="2020-09-07T21:06:46.691" v="30" actId="108"/>
+          <ac:spMkLst>
+            <pc:docMk/>
+            <pc:sldMk cId="3692097646" sldId="289"/>
+            <ac:spMk id="5" creationId="{6FBE37D8-AA2E-4DC9-90C0-36848ED42BCA}"/>
+          </ac:spMkLst>
+        </pc:spChg>
+      </pc:sldChg>
+      <pc:sldChg chg="modSp mod">
+        <pc:chgData name="Rafael C." userId="ffa83960b425c528" providerId="LiveId" clId="{B6E615A7-D2B1-4486-90E2-38A11958ACF4}" dt="2020-09-07T21:17:41.805" v="283" actId="313"/>
+        <pc:sldMkLst>
+          <pc:docMk/>
+          <pc:sldMk cId="2700683622" sldId="298"/>
+        </pc:sldMkLst>
+        <pc:spChg chg="mod">
+          <ac:chgData name="Rafael C." userId="ffa83960b425c528" providerId="LiveId" clId="{B6E615A7-D2B1-4486-90E2-38A11958ACF4}" dt="2020-09-07T21:17:41.805" v="283" actId="313"/>
+          <ac:spMkLst>
+            <pc:docMk/>
+            <pc:sldMk cId="2700683622" sldId="298"/>
+            <ac:spMk id="4" creationId="{C38DC9E2-A33D-43A5-B91A-49EDF1F542C3}"/>
+          </ac:spMkLst>
+        </pc:spChg>
+      </pc:sldChg>
+      <pc:sldChg chg="addSp delSp modSp add mod delAnim modAnim">
+        <pc:chgData name="Rafael C." userId="ffa83960b425c528" providerId="LiveId" clId="{B6E615A7-D2B1-4486-90E2-38A11958ACF4}" dt="2020-09-07T21:12:21.053" v="190" actId="20577"/>
+        <pc:sldMkLst>
+          <pc:docMk/>
+          <pc:sldMk cId="1582580063" sldId="311"/>
+        </pc:sldMkLst>
+        <pc:spChg chg="add mod">
+          <ac:chgData name="Rafael C." userId="ffa83960b425c528" providerId="LiveId" clId="{B6E615A7-D2B1-4486-90E2-38A11958ACF4}" dt="2020-09-07T21:10:40.378" v="78" actId="14100"/>
+          <ac:spMkLst>
+            <pc:docMk/>
+            <pc:sldMk cId="1582580063" sldId="311"/>
+            <ac:spMk id="2" creationId="{5F07913B-D99A-4E9B-BF7F-3949940C336E}"/>
+          </ac:spMkLst>
+        </pc:spChg>
+        <pc:spChg chg="add">
+          <ac:chgData name="Rafael C." userId="ffa83960b425c528" providerId="LiveId" clId="{B6E615A7-D2B1-4486-90E2-38A11958ACF4}" dt="2020-09-07T21:11:12.313" v="82" actId="22"/>
+          <ac:spMkLst>
+            <pc:docMk/>
+            <pc:sldMk cId="1582580063" sldId="311"/>
+            <ac:spMk id="3" creationId="{AF312A61-371B-4BD1-9948-D86BEC34C04B}"/>
+          </ac:spMkLst>
+        </pc:spChg>
+        <pc:spChg chg="add del mod">
+          <ac:chgData name="Rafael C." userId="ffa83960b425c528" providerId="LiveId" clId="{B6E615A7-D2B1-4486-90E2-38A11958ACF4}" dt="2020-09-07T21:08:44.058" v="34"/>
+          <ac:spMkLst>
+            <pc:docMk/>
+            <pc:sldMk cId="1582580063" sldId="311"/>
+            <ac:spMk id="6" creationId="{6CCA8984-0554-4AAD-BEAC-530508A13817}"/>
+          </ac:spMkLst>
+        </pc:spChg>
+        <pc:spChg chg="add del mod">
+          <ac:chgData name="Rafael C." userId="ffa83960b425c528" providerId="LiveId" clId="{B6E615A7-D2B1-4486-90E2-38A11958ACF4}" dt="2020-09-07T21:08:44.058" v="34"/>
+          <ac:spMkLst>
+            <pc:docMk/>
+            <pc:sldMk cId="1582580063" sldId="311"/>
+            <ac:spMk id="7" creationId="{FD6E9B8B-678D-4373-AA5E-84CF53E4EB3D}"/>
+          </ac:spMkLst>
+        </pc:spChg>
+        <pc:spChg chg="add del">
+          <ac:chgData name="Rafael C." userId="ffa83960b425c528" providerId="LiveId" clId="{B6E615A7-D2B1-4486-90E2-38A11958ACF4}" dt="2020-09-07T21:08:51.919" v="38" actId="478"/>
+          <ac:spMkLst>
+            <pc:docMk/>
+            <pc:sldMk cId="1582580063" sldId="311"/>
+            <ac:spMk id="8" creationId="{C5C56A8D-8669-4998-84AC-E61E22CB90DE}"/>
+          </ac:spMkLst>
+        </pc:spChg>
+        <pc:spChg chg="add del mod">
+          <ac:chgData name="Rafael C." userId="ffa83960b425c528" providerId="LiveId" clId="{B6E615A7-D2B1-4486-90E2-38A11958ACF4}" dt="2020-09-07T21:08:44.058" v="34"/>
+          <ac:spMkLst>
+            <pc:docMk/>
+            <pc:sldMk cId="1582580063" sldId="311"/>
+            <ac:spMk id="14" creationId="{D7C7D2B9-B89A-416D-A998-963380B6F376}"/>
+          </ac:spMkLst>
+        </pc:spChg>
+        <pc:spChg chg="add del mod">
+          <ac:chgData name="Rafael C." userId="ffa83960b425c528" providerId="LiveId" clId="{B6E615A7-D2B1-4486-90E2-38A11958ACF4}" dt="2020-09-07T21:08:44.058" v="34"/>
+          <ac:spMkLst>
+            <pc:docMk/>
+            <pc:sldMk cId="1582580063" sldId="311"/>
+            <ac:spMk id="15" creationId="{5103F8EC-3290-4751-A645-4BDFED022B94}"/>
+          </ac:spMkLst>
+        </pc:spChg>
+        <pc:spChg chg="mod">
+          <ac:chgData name="Rafael C." userId="ffa83960b425c528" providerId="LiveId" clId="{B6E615A7-D2B1-4486-90E2-38A11958ACF4}" dt="2020-09-07T21:08:41.578" v="33"/>
+          <ac:spMkLst>
+            <pc:docMk/>
+            <pc:sldMk cId="1582580063" sldId="311"/>
+            <ac:spMk id="17" creationId="{1DC9FB9A-D4FC-499C-AD34-71868CA21194}"/>
+          </ac:spMkLst>
+        </pc:spChg>
+        <pc:spChg chg="mod">
+          <ac:chgData name="Rafael C." userId="ffa83960b425c528" providerId="LiveId" clId="{B6E615A7-D2B1-4486-90E2-38A11958ACF4}" dt="2020-09-07T21:08:41.578" v="33"/>
+          <ac:spMkLst>
+            <pc:docMk/>
+            <pc:sldMk cId="1582580063" sldId="311"/>
+            <ac:spMk id="18" creationId="{DAA99400-65B7-4444-B5CD-30EBF540567B}"/>
+          </ac:spMkLst>
+        </pc:spChg>
+        <pc:spChg chg="mod">
+          <ac:chgData name="Rafael C." userId="ffa83960b425c528" providerId="LiveId" clId="{B6E615A7-D2B1-4486-90E2-38A11958ACF4}" dt="2020-09-07T21:08:41.578" v="33"/>
+          <ac:spMkLst>
+            <pc:docMk/>
+            <pc:sldMk cId="1582580063" sldId="311"/>
+            <ac:spMk id="20" creationId="{7E1E572D-BBC5-448C-94F2-9B758037D063}"/>
+          </ac:spMkLst>
+        </pc:spChg>
+        <pc:spChg chg="mod">
+          <ac:chgData name="Rafael C." userId="ffa83960b425c528" providerId="LiveId" clId="{B6E615A7-D2B1-4486-90E2-38A11958ACF4}" dt="2020-09-07T21:08:41.578" v="33"/>
+          <ac:spMkLst>
+            <pc:docMk/>
+            <pc:sldMk cId="1582580063" sldId="311"/>
+            <ac:spMk id="21" creationId="{28C341C6-DC43-44CD-82E5-F06235C6FEE3}"/>
+          </ac:spMkLst>
+        </pc:spChg>
+        <pc:spChg chg="mod">
+          <ac:chgData name="Rafael C." userId="ffa83960b425c528" providerId="LiveId" clId="{B6E615A7-D2B1-4486-90E2-38A11958ACF4}" dt="2020-09-07T21:08:41.578" v="33"/>
+          <ac:spMkLst>
+            <pc:docMk/>
+            <pc:sldMk cId="1582580063" sldId="311"/>
+            <ac:spMk id="23" creationId="{87023CE1-FDF9-4E6D-BB11-A9BC30CDCFFB}"/>
+          </ac:spMkLst>
+        </pc:spChg>
+        <pc:spChg chg="mod">
+          <ac:chgData name="Rafael C." userId="ffa83960b425c528" providerId="LiveId" clId="{B6E615A7-D2B1-4486-90E2-38A11958ACF4}" dt="2020-09-07T21:08:41.578" v="33"/>
+          <ac:spMkLst>
+            <pc:docMk/>
+            <pc:sldMk cId="1582580063" sldId="311"/>
+            <ac:spMk id="24" creationId="{1809AC29-AAB1-41C1-90DD-3E60DD465680}"/>
+          </ac:spMkLst>
+        </pc:spChg>
+        <pc:spChg chg="mod">
+          <ac:chgData name="Rafael C." userId="ffa83960b425c528" providerId="LiveId" clId="{B6E615A7-D2B1-4486-90E2-38A11958ACF4}" dt="2020-09-07T21:08:41.578" v="33"/>
+          <ac:spMkLst>
+            <pc:docMk/>
+            <pc:sldMk cId="1582580063" sldId="311"/>
+            <ac:spMk id="26" creationId="{C7B23F26-77EC-4180-AE69-33CA92325C08}"/>
+          </ac:spMkLst>
+        </pc:spChg>
+        <pc:spChg chg="mod">
+          <ac:chgData name="Rafael C." userId="ffa83960b425c528" providerId="LiveId" clId="{B6E615A7-D2B1-4486-90E2-38A11958ACF4}" dt="2020-09-07T21:08:41.578" v="33"/>
+          <ac:spMkLst>
+            <pc:docMk/>
+            <pc:sldMk cId="1582580063" sldId="311"/>
+            <ac:spMk id="27" creationId="{228E3020-D36B-4991-8ECC-916E090F26D0}"/>
+          </ac:spMkLst>
+        </pc:spChg>
+        <pc:spChg chg="add del mod">
+          <ac:chgData name="Rafael C." userId="ffa83960b425c528" providerId="LiveId" clId="{B6E615A7-D2B1-4486-90E2-38A11958ACF4}" dt="2020-09-07T21:10:00.503" v="51"/>
+          <ac:spMkLst>
+            <pc:docMk/>
+            <pc:sldMk cId="1582580063" sldId="311"/>
+            <ac:spMk id="31" creationId="{9D8C40C3-D7FC-4525-8790-4C365831EC92}"/>
+          </ac:spMkLst>
+        </pc:spChg>
+        <pc:spChg chg="add del mod">
+          <ac:chgData name="Rafael C." userId="ffa83960b425c528" providerId="LiveId" clId="{B6E615A7-D2B1-4486-90E2-38A11958ACF4}" dt="2020-09-07T21:10:00.503" v="51"/>
+          <ac:spMkLst>
+            <pc:docMk/>
+            <pc:sldMk cId="1582580063" sldId="311"/>
+            <ac:spMk id="32" creationId="{BC3817F7-7D81-4C12-9511-5800B6013F4A}"/>
+          </ac:spMkLst>
+        </pc:spChg>
+        <pc:spChg chg="add del mod">
+          <ac:chgData name="Rafael C." userId="ffa83960b425c528" providerId="LiveId" clId="{B6E615A7-D2B1-4486-90E2-38A11958ACF4}" dt="2020-09-07T21:10:00.503" v="51"/>
+          <ac:spMkLst>
+            <pc:docMk/>
+            <pc:sldMk cId="1582580063" sldId="311"/>
+            <ac:spMk id="38" creationId="{CFE701F7-B926-43A5-9FF6-C856F746D238}"/>
+          </ac:spMkLst>
+        </pc:spChg>
+        <pc:spChg chg="add del mod">
+          <ac:chgData name="Rafael C." userId="ffa83960b425c528" providerId="LiveId" clId="{B6E615A7-D2B1-4486-90E2-38A11958ACF4}" dt="2020-09-07T21:10:00.503" v="51"/>
+          <ac:spMkLst>
+            <pc:docMk/>
+            <pc:sldMk cId="1582580063" sldId="311"/>
+            <ac:spMk id="39" creationId="{8A121766-7577-4F18-8F22-CC13962898CC}"/>
+          </ac:spMkLst>
+        </pc:spChg>
+        <pc:spChg chg="mod">
+          <ac:chgData name="Rafael C." userId="ffa83960b425c528" providerId="LiveId" clId="{B6E615A7-D2B1-4486-90E2-38A11958ACF4}" dt="2020-09-07T21:09:31.014" v="48"/>
+          <ac:spMkLst>
+            <pc:docMk/>
+            <pc:sldMk cId="1582580063" sldId="311"/>
+            <ac:spMk id="41" creationId="{0575287B-6FD6-4D9F-A9D7-E8C59F80AF4B}"/>
+          </ac:spMkLst>
+        </pc:spChg>
+        <pc:spChg chg="mod">
+          <ac:chgData name="Rafael C." userId="ffa83960b425c528" providerId="LiveId" clId="{B6E615A7-D2B1-4486-90E2-38A11958ACF4}" dt="2020-09-07T21:09:31.014" v="48"/>
+          <ac:spMkLst>
+            <pc:docMk/>
+            <pc:sldMk cId="1582580063" sldId="311"/>
+            <ac:spMk id="42" creationId="{22CF8175-6375-49B6-89A7-FDB7B5610AAE}"/>
+          </ac:spMkLst>
+        </pc:spChg>
+        <pc:spChg chg="mod">
+          <ac:chgData name="Rafael C." userId="ffa83960b425c528" providerId="LiveId" clId="{B6E615A7-D2B1-4486-90E2-38A11958ACF4}" dt="2020-09-07T21:09:31.014" v="48"/>
+          <ac:spMkLst>
+            <pc:docMk/>
+            <pc:sldMk cId="1582580063" sldId="311"/>
+            <ac:spMk id="44" creationId="{FBBEAC86-74A4-48F3-A4D3-D3D4169E9FF7}"/>
+          </ac:spMkLst>
+        </pc:spChg>
+        <pc:spChg chg="mod">
+          <ac:chgData name="Rafael C." userId="ffa83960b425c528" providerId="LiveId" clId="{B6E615A7-D2B1-4486-90E2-38A11958ACF4}" dt="2020-09-07T21:09:31.014" v="48"/>
+          <ac:spMkLst>
+            <pc:docMk/>
+            <pc:sldMk cId="1582580063" sldId="311"/>
+            <ac:spMk id="45" creationId="{29875129-6AB7-4279-A980-D8E38D75739C}"/>
+          </ac:spMkLst>
+        </pc:spChg>
+        <pc:spChg chg="mod">
+          <ac:chgData name="Rafael C." userId="ffa83960b425c528" providerId="LiveId" clId="{B6E615A7-D2B1-4486-90E2-38A11958ACF4}" dt="2020-09-07T21:09:31.014" v="48"/>
+          <ac:spMkLst>
+            <pc:docMk/>
+            <pc:sldMk cId="1582580063" sldId="311"/>
+            <ac:spMk id="47" creationId="{A124F315-1B12-4ECC-961D-3F7C9E8CA25D}"/>
+          </ac:spMkLst>
+        </pc:spChg>
+        <pc:spChg chg="mod">
+          <ac:chgData name="Rafael C." userId="ffa83960b425c528" providerId="LiveId" clId="{B6E615A7-D2B1-4486-90E2-38A11958ACF4}" dt="2020-09-07T21:09:31.014" v="48"/>
+          <ac:spMkLst>
+            <pc:docMk/>
+            <pc:sldMk cId="1582580063" sldId="311"/>
+            <ac:spMk id="48" creationId="{D2C8BAC6-3981-4112-A5FB-778BD6EBD115}"/>
+          </ac:spMkLst>
+        </pc:spChg>
+        <pc:spChg chg="mod">
+          <ac:chgData name="Rafael C." userId="ffa83960b425c528" providerId="LiveId" clId="{B6E615A7-D2B1-4486-90E2-38A11958ACF4}" dt="2020-09-07T21:09:31.014" v="48"/>
+          <ac:spMkLst>
+            <pc:docMk/>
+            <pc:sldMk cId="1582580063" sldId="311"/>
+            <ac:spMk id="50" creationId="{CE91A933-1D86-4F53-9508-7E7845A485D2}"/>
+          </ac:spMkLst>
+        </pc:spChg>
+        <pc:spChg chg="mod">
+          <ac:chgData name="Rafael C." userId="ffa83960b425c528" providerId="LiveId" clId="{B6E615A7-D2B1-4486-90E2-38A11958ACF4}" dt="2020-09-07T21:09:31.014" v="48"/>
+          <ac:spMkLst>
+            <pc:docMk/>
+            <pc:sldMk cId="1582580063" sldId="311"/>
+            <ac:spMk id="51" creationId="{26841E3B-5052-483D-B1EE-CC76B3072BC0}"/>
+          </ac:spMkLst>
+        </pc:spChg>
+        <pc:spChg chg="mod topLvl">
+          <ac:chgData name="Rafael C." userId="ffa83960b425c528" providerId="LiveId" clId="{B6E615A7-D2B1-4486-90E2-38A11958ACF4}" dt="2020-09-07T21:10:56.826" v="79" actId="165"/>
+          <ac:spMkLst>
+            <pc:docMk/>
+            <pc:sldMk cId="1582580063" sldId="311"/>
+            <ac:spMk id="58" creationId="{5FB05A28-C081-4D34-AD8E-1280D0656035}"/>
+          </ac:spMkLst>
+        </pc:spChg>
+        <pc:spChg chg="mod">
+          <ac:chgData name="Rafael C." userId="ffa83960b425c528" providerId="LiveId" clId="{B6E615A7-D2B1-4486-90E2-38A11958ACF4}" dt="2020-09-07T21:10:56.826" v="79" actId="165"/>
+          <ac:spMkLst>
+            <pc:docMk/>
+            <pc:sldMk cId="1582580063" sldId="311"/>
+            <ac:spMk id="65" creationId="{CA5717FA-677E-4E6C-BE32-0262C42F17D7}"/>
+          </ac:spMkLst>
+        </pc:spChg>
+        <pc:spChg chg="mod">
+          <ac:chgData name="Rafael C." userId="ffa83960b425c528" providerId="LiveId" clId="{B6E615A7-D2B1-4486-90E2-38A11958ACF4}" dt="2020-09-07T21:10:56.826" v="79" actId="165"/>
+          <ac:spMkLst>
+            <pc:docMk/>
+            <pc:sldMk cId="1582580063" sldId="311"/>
+            <ac:spMk id="66" creationId="{124AA9CC-12E2-43D4-B854-FB957D68E2BA}"/>
+          </ac:spMkLst>
+        </pc:spChg>
+        <pc:spChg chg="mod">
+          <ac:chgData name="Rafael C." userId="ffa83960b425c528" providerId="LiveId" clId="{B6E615A7-D2B1-4486-90E2-38A11958ACF4}" dt="2020-09-07T21:10:56.826" v="79" actId="165"/>
+          <ac:spMkLst>
+            <pc:docMk/>
+            <pc:sldMk cId="1582580063" sldId="311"/>
+            <ac:spMk id="67" creationId="{BAFCB49D-39CF-4AC2-8EC3-095D1173E51C}"/>
+          </ac:spMkLst>
+        </pc:spChg>
+        <pc:spChg chg="mod">
+          <ac:chgData name="Rafael C." userId="ffa83960b425c528" providerId="LiveId" clId="{B6E615A7-D2B1-4486-90E2-38A11958ACF4}" dt="2020-09-07T21:10:56.826" v="79" actId="165"/>
+          <ac:spMkLst>
+            <pc:docMk/>
+            <pc:sldMk cId="1582580063" sldId="311"/>
+            <ac:spMk id="68" creationId="{B7A3ABAB-9D11-4530-8147-09BF16B214F1}"/>
+          </ac:spMkLst>
+        </pc:spChg>
+        <pc:spChg chg="mod">
+          <ac:chgData name="Rafael C." userId="ffa83960b425c528" providerId="LiveId" clId="{B6E615A7-D2B1-4486-90E2-38A11958ACF4}" dt="2020-09-07T21:10:56.826" v="79" actId="165"/>
+          <ac:spMkLst>
+            <pc:docMk/>
+            <pc:sldMk cId="1582580063" sldId="311"/>
+            <ac:spMk id="69" creationId="{165E39A5-6D3B-474F-BD1D-2862B146549C}"/>
+          </ac:spMkLst>
+        </pc:spChg>
+        <pc:spChg chg="mod">
+          <ac:chgData name="Rafael C." userId="ffa83960b425c528" providerId="LiveId" clId="{B6E615A7-D2B1-4486-90E2-38A11958ACF4}" dt="2020-09-07T21:10:56.826" v="79" actId="165"/>
+          <ac:spMkLst>
+            <pc:docMk/>
+            <pc:sldMk cId="1582580063" sldId="311"/>
+            <ac:spMk id="70" creationId="{D1BAA1A7-4A5D-4499-83F6-319DAF0B1011}"/>
+          </ac:spMkLst>
+        </pc:spChg>
+        <pc:spChg chg="mod">
+          <ac:chgData name="Rafael C." userId="ffa83960b425c528" providerId="LiveId" clId="{B6E615A7-D2B1-4486-90E2-38A11958ACF4}" dt="2020-09-07T21:10:56.826" v="79" actId="165"/>
+          <ac:spMkLst>
+            <pc:docMk/>
+            <pc:sldMk cId="1582580063" sldId="311"/>
+            <ac:spMk id="71" creationId="{CEAB8522-A14F-427C-8A46-7EC1C2329324}"/>
+          </ac:spMkLst>
+        </pc:spChg>
+        <pc:spChg chg="mod">
+          <ac:chgData name="Rafael C." userId="ffa83960b425c528" providerId="LiveId" clId="{B6E615A7-D2B1-4486-90E2-38A11958ACF4}" dt="2020-09-07T21:10:56.826" v="79" actId="165"/>
+          <ac:spMkLst>
+            <pc:docMk/>
+            <pc:sldMk cId="1582580063" sldId="311"/>
+            <ac:spMk id="72" creationId="{D5234438-DB49-4304-8163-E5AE93ACF5D7}"/>
+          </ac:spMkLst>
+        </pc:spChg>
+        <pc:spChg chg="add del mod">
+          <ac:chgData name="Rafael C." userId="ffa83960b425c528" providerId="LiveId" clId="{B6E615A7-D2B1-4486-90E2-38A11958ACF4}" dt="2020-09-07T21:12:21.053" v="190" actId="20577"/>
+          <ac:spMkLst>
+            <pc:docMk/>
+            <pc:sldMk cId="1582580063" sldId="311"/>
+            <ac:spMk id="9218" creationId="{00000000-0000-0000-0000-000000000000}"/>
+          </ac:spMkLst>
+        </pc:spChg>
+        <pc:grpChg chg="add del mod">
+          <ac:chgData name="Rafael C." userId="ffa83960b425c528" providerId="LiveId" clId="{B6E615A7-D2B1-4486-90E2-38A11958ACF4}" dt="2020-09-07T21:08:44.058" v="34"/>
+          <ac:grpSpMkLst>
+            <pc:docMk/>
+            <pc:sldMk cId="1582580063" sldId="311"/>
+            <ac:grpSpMk id="9" creationId="{98556272-0C36-4A5A-8491-D49E85FD6B91}"/>
+          </ac:grpSpMkLst>
+        </pc:grpChg>
+        <pc:grpChg chg="add del mod">
+          <ac:chgData name="Rafael C." userId="ffa83960b425c528" providerId="LiveId" clId="{B6E615A7-D2B1-4486-90E2-38A11958ACF4}" dt="2020-09-07T21:08:44.058" v="34"/>
+          <ac:grpSpMkLst>
+            <pc:docMk/>
+            <pc:sldMk cId="1582580063" sldId="311"/>
+            <ac:grpSpMk id="16" creationId="{A3CD2141-FDA0-4C15-8720-DED55574D564}"/>
+          </ac:grpSpMkLst>
+        </pc:grpChg>
+        <pc:grpChg chg="add del mod">
+          <ac:chgData name="Rafael C." userId="ffa83960b425c528" providerId="LiveId" clId="{B6E615A7-D2B1-4486-90E2-38A11958ACF4}" dt="2020-09-07T21:08:44.058" v="34"/>
+          <ac:grpSpMkLst>
+            <pc:docMk/>
+            <pc:sldMk cId="1582580063" sldId="311"/>
+            <ac:grpSpMk id="19" creationId="{E647BE2C-F97B-4949-8355-33DBCD9527A9}"/>
+          </ac:grpSpMkLst>
+        </pc:grpChg>
+        <pc:grpChg chg="add del mod">
+          <ac:chgData name="Rafael C." userId="ffa83960b425c528" providerId="LiveId" clId="{B6E615A7-D2B1-4486-90E2-38A11958ACF4}" dt="2020-09-07T21:08:44.058" v="34"/>
+          <ac:grpSpMkLst>
+            <pc:docMk/>
+            <pc:sldMk cId="1582580063" sldId="311"/>
+            <ac:grpSpMk id="22" creationId="{DBA5447C-FB48-4FF4-A736-30C550E1A61A}"/>
+          </ac:grpSpMkLst>
+        </pc:grpChg>
+        <pc:grpChg chg="add del mod">
+          <ac:chgData name="Rafael C." userId="ffa83960b425c528" providerId="LiveId" clId="{B6E615A7-D2B1-4486-90E2-38A11958ACF4}" dt="2020-09-07T21:08:44.058" v="34"/>
+          <ac:grpSpMkLst>
+            <pc:docMk/>
+            <pc:sldMk cId="1582580063" sldId="311"/>
+            <ac:grpSpMk id="25" creationId="{3251935C-CF31-4243-8DA4-737613DD709F}"/>
+          </ac:grpSpMkLst>
+        </pc:grpChg>
+        <pc:grpChg chg="add del mod">
+          <ac:chgData name="Rafael C." userId="ffa83960b425c528" providerId="LiveId" clId="{B6E615A7-D2B1-4486-90E2-38A11958ACF4}" dt="2020-09-07T21:10:00.503" v="51"/>
+          <ac:grpSpMkLst>
+            <pc:docMk/>
+            <pc:sldMk cId="1582580063" sldId="311"/>
+            <ac:grpSpMk id="33" creationId="{FD99EC97-F978-4833-BBF5-BA7392E7C6A8}"/>
+          </ac:grpSpMkLst>
+        </pc:grpChg>
+        <pc:grpChg chg="add del mod">
+          <ac:chgData name="Rafael C." userId="ffa83960b425c528" providerId="LiveId" clId="{B6E615A7-D2B1-4486-90E2-38A11958ACF4}" dt="2020-09-07T21:10:00.503" v="51"/>
+          <ac:grpSpMkLst>
+            <pc:docMk/>
+            <pc:sldMk cId="1582580063" sldId="311"/>
+            <ac:grpSpMk id="40" creationId="{57013CC7-C0F1-46FB-AB22-813FB893007B}"/>
+          </ac:grpSpMkLst>
+        </pc:grpChg>
+        <pc:grpChg chg="add del mod">
+          <ac:chgData name="Rafael C." userId="ffa83960b425c528" providerId="LiveId" clId="{B6E615A7-D2B1-4486-90E2-38A11958ACF4}" dt="2020-09-07T21:10:00.503" v="51"/>
+          <ac:grpSpMkLst>
+            <pc:docMk/>
+            <pc:sldMk cId="1582580063" sldId="311"/>
+            <ac:grpSpMk id="43" creationId="{003F858F-ACB6-45D7-8179-C06337FB187B}"/>
+          </ac:grpSpMkLst>
+        </pc:grpChg>
+        <pc:grpChg chg="add del mod">
+          <ac:chgData name="Rafael C." userId="ffa83960b425c528" providerId="LiveId" clId="{B6E615A7-D2B1-4486-90E2-38A11958ACF4}" dt="2020-09-07T21:10:00.503" v="51"/>
+          <ac:grpSpMkLst>
+            <pc:docMk/>
+            <pc:sldMk cId="1582580063" sldId="311"/>
+            <ac:grpSpMk id="46" creationId="{684BD821-1EAB-42D4-AA29-E77B034EB6E0}"/>
+          </ac:grpSpMkLst>
+        </pc:grpChg>
+        <pc:grpChg chg="add del mod">
+          <ac:chgData name="Rafael C." userId="ffa83960b425c528" providerId="LiveId" clId="{B6E615A7-D2B1-4486-90E2-38A11958ACF4}" dt="2020-09-07T21:10:00.503" v="51"/>
+          <ac:grpSpMkLst>
+            <pc:docMk/>
+            <pc:sldMk cId="1582580063" sldId="311"/>
+            <ac:grpSpMk id="49" creationId="{C3C9262F-46A5-4DC2-98FA-3863F4F1CC62}"/>
+          </ac:grpSpMkLst>
+        </pc:grpChg>
+        <pc:grpChg chg="add del mod">
+          <ac:chgData name="Rafael C." userId="ffa83960b425c528" providerId="LiveId" clId="{B6E615A7-D2B1-4486-90E2-38A11958ACF4}" dt="2020-09-07T21:10:56.826" v="79" actId="165"/>
+          <ac:grpSpMkLst>
+            <pc:docMk/>
+            <pc:sldMk cId="1582580063" sldId="311"/>
+            <ac:grpSpMk id="54" creationId="{A7B253DA-A881-42FE-A22A-E9688B7D4DB8}"/>
+          </ac:grpSpMkLst>
+        </pc:grpChg>
+        <pc:grpChg chg="del mod topLvl">
+          <ac:chgData name="Rafael C." userId="ffa83960b425c528" providerId="LiveId" clId="{B6E615A7-D2B1-4486-90E2-38A11958ACF4}" dt="2020-09-07T21:10:58.476" v="80" actId="478"/>
+          <ac:grpSpMkLst>
+            <pc:docMk/>
+            <pc:sldMk cId="1582580063" sldId="311"/>
+            <ac:grpSpMk id="55" creationId="{41B1FA24-09C2-4AB6-82A8-4780E43180DC}"/>
+          </ac:grpSpMkLst>
+        </pc:grpChg>
+        <pc:grpChg chg="mod topLvl">
+          <ac:chgData name="Rafael C." userId="ffa83960b425c528" providerId="LiveId" clId="{B6E615A7-D2B1-4486-90E2-38A11958ACF4}" dt="2020-09-07T21:10:56.826" v="79" actId="165"/>
+          <ac:grpSpMkLst>
+            <pc:docMk/>
+            <pc:sldMk cId="1582580063" sldId="311"/>
+            <ac:grpSpMk id="59" creationId="{00D0F66F-F532-4CBB-8BEA-D513F066B73A}"/>
+          </ac:grpSpMkLst>
+        </pc:grpChg>
+        <pc:grpChg chg="mod topLvl">
+          <ac:chgData name="Rafael C." userId="ffa83960b425c528" providerId="LiveId" clId="{B6E615A7-D2B1-4486-90E2-38A11958ACF4}" dt="2020-09-07T21:10:56.826" v="79" actId="165"/>
+          <ac:grpSpMkLst>
+            <pc:docMk/>
+            <pc:sldMk cId="1582580063" sldId="311"/>
+            <ac:grpSpMk id="60" creationId="{879996F0-CDB7-4ACA-AC3F-15E4B845FC6F}"/>
+          </ac:grpSpMkLst>
+        </pc:grpChg>
+        <pc:grpChg chg="mod topLvl">
+          <ac:chgData name="Rafael C." userId="ffa83960b425c528" providerId="LiveId" clId="{B6E615A7-D2B1-4486-90E2-38A11958ACF4}" dt="2020-09-07T21:10:56.826" v="79" actId="165"/>
+          <ac:grpSpMkLst>
+            <pc:docMk/>
+            <pc:sldMk cId="1582580063" sldId="311"/>
+            <ac:grpSpMk id="61" creationId="{8F190C7A-36D3-468B-8F93-B1A452E56B79}"/>
+          </ac:grpSpMkLst>
+        </pc:grpChg>
+        <pc:grpChg chg="mod topLvl">
+          <ac:chgData name="Rafael C." userId="ffa83960b425c528" providerId="LiveId" clId="{B6E615A7-D2B1-4486-90E2-38A11958ACF4}" dt="2020-09-07T21:10:56.826" v="79" actId="165"/>
+          <ac:grpSpMkLst>
+            <pc:docMk/>
+            <pc:sldMk cId="1582580063" sldId="311"/>
+            <ac:grpSpMk id="62" creationId="{1CA5419E-EB1B-441A-BD80-FE3CF0242750}"/>
+          </ac:grpSpMkLst>
+        </pc:grpChg>
+        <pc:graphicFrameChg chg="add del mod">
+          <ac:chgData name="Rafael C." userId="ffa83960b425c528" providerId="LiveId" clId="{B6E615A7-D2B1-4486-90E2-38A11958ACF4}" dt="2020-09-07T21:09:13.338" v="42" actId="478"/>
+          <ac:graphicFrameMkLst>
+            <pc:docMk/>
+            <pc:sldMk cId="1582580063" sldId="311"/>
+            <ac:graphicFrameMk id="5" creationId="{25BCB5EB-95AE-4647-ADEF-D74515E75CCE}"/>
+          </ac:graphicFrameMkLst>
+        </pc:graphicFrameChg>
+        <pc:picChg chg="mod">
+          <ac:chgData name="Rafael C." userId="ffa83960b425c528" providerId="LiveId" clId="{B6E615A7-D2B1-4486-90E2-38A11958ACF4}" dt="2020-09-07T21:08:41.578" v="33"/>
+          <ac:picMkLst>
+            <pc:docMk/>
+            <pc:sldMk cId="1582580063" sldId="311"/>
+            <ac:picMk id="10" creationId="{ACE84D66-B5F6-4848-9564-F7D6ABFAEAA4}"/>
+          </ac:picMkLst>
+        </pc:picChg>
+        <pc:picChg chg="mod">
+          <ac:chgData name="Rafael C." userId="ffa83960b425c528" providerId="LiveId" clId="{B6E615A7-D2B1-4486-90E2-38A11958ACF4}" dt="2020-09-07T21:08:41.578" v="33"/>
+          <ac:picMkLst>
+            <pc:docMk/>
+            <pc:sldMk cId="1582580063" sldId="311"/>
+            <ac:picMk id="11" creationId="{39FFFA11-DD86-48D5-97FF-423CC0EFDAEE}"/>
+          </ac:picMkLst>
+        </pc:picChg>
+        <pc:picChg chg="add del mod">
+          <ac:chgData name="Rafael C." userId="ffa83960b425c528" providerId="LiveId" clId="{B6E615A7-D2B1-4486-90E2-38A11958ACF4}" dt="2020-09-07T21:08:44.058" v="34"/>
+          <ac:picMkLst>
+            <pc:docMk/>
+            <pc:sldMk cId="1582580063" sldId="311"/>
+            <ac:picMk id="29" creationId="{32E978EA-3FCF-4BDB-B777-BBF5E9596F07}"/>
+          </ac:picMkLst>
+        </pc:picChg>
+        <pc:picChg chg="mod">
+          <ac:chgData name="Rafael C." userId="ffa83960b425c528" providerId="LiveId" clId="{B6E615A7-D2B1-4486-90E2-38A11958ACF4}" dt="2020-09-07T21:09:31.014" v="48"/>
+          <ac:picMkLst>
+            <pc:docMk/>
+            <pc:sldMk cId="1582580063" sldId="311"/>
+            <ac:picMk id="34" creationId="{C1EB9AF0-CBC6-484F-85B2-4E14915BD34F}"/>
+          </ac:picMkLst>
+        </pc:picChg>
+        <pc:picChg chg="mod">
+          <ac:chgData name="Rafael C." userId="ffa83960b425c528" providerId="LiveId" clId="{B6E615A7-D2B1-4486-90E2-38A11958ACF4}" dt="2020-09-07T21:09:31.014" v="48"/>
+          <ac:picMkLst>
+            <pc:docMk/>
+            <pc:sldMk cId="1582580063" sldId="311"/>
+            <ac:picMk id="35" creationId="{E3FC3DBE-962D-43FE-80AA-50F094FD29B0}"/>
+          </ac:picMkLst>
+        </pc:picChg>
+        <pc:picChg chg="add del mod">
+          <ac:chgData name="Rafael C." userId="ffa83960b425c528" providerId="LiveId" clId="{B6E615A7-D2B1-4486-90E2-38A11958ACF4}" dt="2020-09-07T21:10:00.503" v="51"/>
+          <ac:picMkLst>
+            <pc:docMk/>
+            <pc:sldMk cId="1582580063" sldId="311"/>
+            <ac:picMk id="53" creationId="{295BCCFD-D8E6-42B7-B14B-375245B0BE2D}"/>
+          </ac:picMkLst>
+        </pc:picChg>
+        <pc:picChg chg="del mod topLvl">
+          <ac:chgData name="Rafael C." userId="ffa83960b425c528" providerId="LiveId" clId="{B6E615A7-D2B1-4486-90E2-38A11958ACF4}" dt="2020-09-07T21:10:59.549" v="81" actId="478"/>
+          <ac:picMkLst>
+            <pc:docMk/>
+            <pc:sldMk cId="1582580063" sldId="311"/>
+            <ac:picMk id="64" creationId="{43EEDD3B-F7D3-4436-93FE-14C9CF3E24A9}"/>
+          </ac:picMkLst>
+        </pc:picChg>
+        <pc:picChg chg="mod">
+          <ac:chgData name="Rafael C." userId="ffa83960b425c528" providerId="LiveId" clId="{B6E615A7-D2B1-4486-90E2-38A11958ACF4}" dt="2020-09-07T21:10:56.826" v="79" actId="165"/>
+          <ac:picMkLst>
+            <pc:docMk/>
+            <pc:sldMk cId="1582580063" sldId="311"/>
+            <ac:picMk id="73" creationId="{7F1DE9C6-83CE-45E0-B538-B57EF5788C93}"/>
+          </ac:picMkLst>
+        </pc:picChg>
+        <pc:picChg chg="mod">
+          <ac:chgData name="Rafael C." userId="ffa83960b425c528" providerId="LiveId" clId="{B6E615A7-D2B1-4486-90E2-38A11958ACF4}" dt="2020-09-07T21:10:56.826" v="79" actId="165"/>
+          <ac:picMkLst>
+            <pc:docMk/>
+            <pc:sldMk cId="1582580063" sldId="311"/>
+            <ac:picMk id="74" creationId="{E90EA7D4-E4C7-487C-9849-26D0E7B5B63D}"/>
+          </ac:picMkLst>
+        </pc:picChg>
+        <pc:inkChg chg="add del">
+          <ac:chgData name="Rafael C." userId="ffa83960b425c528" providerId="LiveId" clId="{B6E615A7-D2B1-4486-90E2-38A11958ACF4}" dt="2020-09-07T21:08:44.058" v="34"/>
+          <ac:inkMkLst>
+            <pc:docMk/>
+            <pc:sldMk cId="1582580063" sldId="311"/>
+            <ac:inkMk id="28" creationId="{7C343F19-A455-44C2-977B-748D46CA3624}"/>
+          </ac:inkMkLst>
+        </pc:inkChg>
+        <pc:inkChg chg="add del">
+          <ac:chgData name="Rafael C." userId="ffa83960b425c528" providerId="LiveId" clId="{B6E615A7-D2B1-4486-90E2-38A11958ACF4}" dt="2020-09-07T21:10:00.503" v="51"/>
+          <ac:inkMkLst>
+            <pc:docMk/>
+            <pc:sldMk cId="1582580063" sldId="311"/>
+            <ac:inkMk id="52" creationId="{E2AC5EF1-306C-472B-A9DA-E74A63130D78}"/>
+          </ac:inkMkLst>
+        </pc:inkChg>
+        <pc:inkChg chg="mod topLvl">
+          <ac:chgData name="Rafael C." userId="ffa83960b425c528" providerId="LiveId" clId="{B6E615A7-D2B1-4486-90E2-38A11958ACF4}" dt="2020-09-07T21:10:56.826" v="79" actId="165"/>
+          <ac:inkMkLst>
+            <pc:docMk/>
+            <pc:sldMk cId="1582580063" sldId="311"/>
+            <ac:inkMk id="63" creationId="{7B9215A3-2296-430A-818D-A75D48B3BCA1}"/>
+          </ac:inkMkLst>
+        </pc:inkChg>
+        <pc:cxnChg chg="add del mod">
+          <ac:chgData name="Rafael C." userId="ffa83960b425c528" providerId="LiveId" clId="{B6E615A7-D2B1-4486-90E2-38A11958ACF4}" dt="2020-09-07T21:08:44.058" v="34"/>
+          <ac:cxnSpMkLst>
+            <pc:docMk/>
+            <pc:sldMk cId="1582580063" sldId="311"/>
+            <ac:cxnSpMk id="12" creationId="{3BD7E938-821E-4B46-861E-27B863357C21}"/>
+          </ac:cxnSpMkLst>
+        </pc:cxnChg>
+        <pc:cxnChg chg="add del mod">
+          <ac:chgData name="Rafael C." userId="ffa83960b425c528" providerId="LiveId" clId="{B6E615A7-D2B1-4486-90E2-38A11958ACF4}" dt="2020-09-07T21:08:44.058" v="34"/>
+          <ac:cxnSpMkLst>
+            <pc:docMk/>
+            <pc:sldMk cId="1582580063" sldId="311"/>
+            <ac:cxnSpMk id="13" creationId="{EC85B792-3739-44F2-95AE-5D48783EF1BA}"/>
+          </ac:cxnSpMkLst>
+        </pc:cxnChg>
+        <pc:cxnChg chg="add del mod">
+          <ac:chgData name="Rafael C." userId="ffa83960b425c528" providerId="LiveId" clId="{B6E615A7-D2B1-4486-90E2-38A11958ACF4}" dt="2020-09-07T21:10:00.503" v="51"/>
+          <ac:cxnSpMkLst>
+            <pc:docMk/>
+            <pc:sldMk cId="1582580063" sldId="311"/>
+            <ac:cxnSpMk id="36" creationId="{362A851A-B05F-480B-9031-3A4E1C433EDD}"/>
+          </ac:cxnSpMkLst>
+        </pc:cxnChg>
+        <pc:cxnChg chg="add del mod">
+          <ac:chgData name="Rafael C." userId="ffa83960b425c528" providerId="LiveId" clId="{B6E615A7-D2B1-4486-90E2-38A11958ACF4}" dt="2020-09-07T21:10:00.503" v="51"/>
+          <ac:cxnSpMkLst>
+            <pc:docMk/>
+            <pc:sldMk cId="1582580063" sldId="311"/>
+            <ac:cxnSpMk id="37" creationId="{A3FEA7E3-A232-4B52-97E3-E96CC69C427F}"/>
+          </ac:cxnSpMkLst>
+        </pc:cxnChg>
+        <pc:cxnChg chg="mod topLvl">
+          <ac:chgData name="Rafael C." userId="ffa83960b425c528" providerId="LiveId" clId="{B6E615A7-D2B1-4486-90E2-38A11958ACF4}" dt="2020-09-07T21:10:56.826" v="79" actId="165"/>
+          <ac:cxnSpMkLst>
+            <pc:docMk/>
+            <pc:sldMk cId="1582580063" sldId="311"/>
+            <ac:cxnSpMk id="56" creationId="{5FE4984D-8F7F-43A2-A897-5C4215A5E3F3}"/>
+          </ac:cxnSpMkLst>
+        </pc:cxnChg>
+        <pc:cxnChg chg="mod topLvl">
+          <ac:chgData name="Rafael C." userId="ffa83960b425c528" providerId="LiveId" clId="{B6E615A7-D2B1-4486-90E2-38A11958ACF4}" dt="2020-09-07T21:10:56.826" v="79" actId="165"/>
+          <ac:cxnSpMkLst>
+            <pc:docMk/>
+            <pc:sldMk cId="1582580063" sldId="311"/>
+            <ac:cxnSpMk id="57" creationId="{01D27A79-65DD-46CB-851A-52DF55682F69}"/>
+          </ac:cxnSpMkLst>
+        </pc:cxnChg>
+      </pc:sldChg>
+    </pc:docChg>
   </pc:docChgLst>
   <pc:docChgLst>
-    <pc:chgData name="Rafael C." userId="ffa83960b425c528" providerId="LiveId" clId="{A1A6CC59-1AE6-40B8-B2C9-6E34EF2ED440}"/>
+    <pc:chgData name="Rafael C." userId="ffa83960b425c528" providerId="LiveId" clId="{C8AAC7EF-BD1E-45EB-BF4E-17CB6804CB72}"/>
+    <pc:docChg chg="modSld">
+      <pc:chgData name="Rafael C." userId="ffa83960b425c528" providerId="LiveId" clId="{C8AAC7EF-BD1E-45EB-BF4E-17CB6804CB72}" dt="2020-09-14T19:46:30.525" v="3" actId="20577"/>
+      <pc:docMkLst>
+        <pc:docMk/>
+      </pc:docMkLst>
+      <pc:sldChg chg="modSp mod">
+        <pc:chgData name="Rafael C." userId="ffa83960b425c528" providerId="LiveId" clId="{C8AAC7EF-BD1E-45EB-BF4E-17CB6804CB72}" dt="2020-09-14T19:46:30.525" v="3" actId="20577"/>
+        <pc:sldMkLst>
+          <pc:docMk/>
+          <pc:sldMk cId="3692097646" sldId="289"/>
+        </pc:sldMkLst>
+        <pc:spChg chg="mod">
+          <ac:chgData name="Rafael C." userId="ffa83960b425c528" providerId="LiveId" clId="{C8AAC7EF-BD1E-45EB-BF4E-17CB6804CB72}" dt="2020-09-14T19:46:30.525" v="3" actId="20577"/>
+          <ac:spMkLst>
+            <pc:docMk/>
+            <pc:sldMk cId="3692097646" sldId="289"/>
+            <ac:spMk id="5" creationId="{6FBE37D8-AA2E-4DC9-90C0-36848ED42BCA}"/>
+          </ac:spMkLst>
+        </pc:spChg>
+      </pc:sldChg>
+    </pc:docChg>
+  </pc:docChgLst>
+  <pc:docChgLst>
+    <pc:chgData name="Rafael C." userId="ffa83960b425c528" providerId="LiveId" clId="{3A627DD9-0CCD-4050-9CDA-0D0BFE12395C}"/>
+    <pc:docChg chg="delSld modSld">
+      <pc:chgData name="Rafael C." userId="ffa83960b425c528" providerId="LiveId" clId="{3A627DD9-0CCD-4050-9CDA-0D0BFE12395C}" dt="2019-08-06T16:32:43.681" v="28" actId="478"/>
+      <pc:docMkLst>
+        <pc:docMk/>
+      </pc:docMkLst>
+      <pc:sldChg chg="delSp">
+        <pc:chgData name="Rafael C." userId="ffa83960b425c528" providerId="LiveId" clId="{3A627DD9-0CCD-4050-9CDA-0D0BFE12395C}" dt="2019-08-06T16:31:24.305" v="0" actId="478"/>
+        <pc:sldMkLst>
+          <pc:docMk/>
+          <pc:sldMk cId="727360843" sldId="259"/>
+        </pc:sldMkLst>
+        <pc:picChg chg="del">
+          <ac:chgData name="Rafael C." userId="ffa83960b425c528" providerId="LiveId" clId="{3A627DD9-0CCD-4050-9CDA-0D0BFE12395C}" dt="2019-08-06T16:31:24.305" v="0" actId="478"/>
+          <ac:picMkLst>
+            <pc:docMk/>
+            <pc:sldMk cId="727360843" sldId="259"/>
+            <ac:picMk id="8" creationId="{00000000-0000-0000-0000-000000000000}"/>
+          </ac:picMkLst>
+        </pc:picChg>
+      </pc:sldChg>
+      <pc:sldChg chg="delSp">
+        <pc:chgData name="Rafael C." userId="ffa83960b425c528" providerId="LiveId" clId="{3A627DD9-0CCD-4050-9CDA-0D0BFE12395C}" dt="2019-08-06T16:31:57.681" v="10" actId="478"/>
+        <pc:sldMkLst>
+          <pc:docMk/>
+          <pc:sldMk cId="2068909626" sldId="274"/>
+        </pc:sldMkLst>
+        <pc:picChg chg="del">
+          <ac:chgData name="Rafael C." userId="ffa83960b425c528" providerId="LiveId" clId="{3A627DD9-0CCD-4050-9CDA-0D0BFE12395C}" dt="2019-08-06T16:31:57.681" v="10" actId="478"/>
+          <ac:picMkLst>
+            <pc:docMk/>
+            <pc:sldMk cId="2068909626" sldId="274"/>
+            <ac:picMk id="5" creationId="{00000000-0000-0000-0000-000000000000}"/>
+          </ac:picMkLst>
+        </pc:picChg>
+      </pc:sldChg>
+      <pc:sldChg chg="delSp">
+        <pc:chgData name="Rafael C." userId="ffa83960b425c528" providerId="LiveId" clId="{3A627DD9-0CCD-4050-9CDA-0D0BFE12395C}" dt="2019-08-06T16:31:33.507" v="2" actId="478"/>
+        <pc:sldMkLst>
+          <pc:docMk/>
+          <pc:sldMk cId="630281706" sldId="278"/>
+        </pc:sldMkLst>
+        <pc:picChg chg="del">
+          <ac:chgData name="Rafael C." userId="ffa83960b425c528" providerId="LiveId" clId="{3A627DD9-0CCD-4050-9CDA-0D0BFE12395C}" dt="2019-08-06T16:31:33.507" v="2" actId="478"/>
+          <ac:picMkLst>
+            <pc:docMk/>
+            <pc:sldMk cId="630281706" sldId="278"/>
+            <ac:picMk id="5" creationId="{00000000-0000-0000-0000-000000000000}"/>
+          </ac:picMkLst>
+        </pc:picChg>
+      </pc:sldChg>
+      <pc:sldChg chg="delSp">
+        <pc:chgData name="Rafael C." userId="ffa83960b425c528" providerId="LiveId" clId="{3A627DD9-0CCD-4050-9CDA-0D0BFE12395C}" dt="2019-08-06T16:31:59.915" v="11" actId="478"/>
+        <pc:sldMkLst>
+          <pc:docMk/>
+          <pc:sldMk cId="2169537117" sldId="280"/>
+        </pc:sldMkLst>
+        <pc:picChg chg="del">
+          <ac:chgData name="Rafael C." userId="ffa83960b425c528" providerId="LiveId" clId="{3A627DD9-0CCD-4050-9CDA-0D0BFE12395C}" dt="2019-08-06T16:31:59.915" v="11" actId="478"/>
+          <ac:picMkLst>
+            <pc:docMk/>
+            <pc:sldMk cId="2169537117" sldId="280"/>
+            <ac:picMk id="7" creationId="{00000000-0000-0000-0000-000000000000}"/>
+          </ac:picMkLst>
+        </pc:picChg>
+      </pc:sldChg>
+      <pc:sldChg chg="delSp">
+        <pc:chgData name="Rafael C." userId="ffa83960b425c528" providerId="LiveId" clId="{3A627DD9-0CCD-4050-9CDA-0D0BFE12395C}" dt="2019-08-06T16:31:40.382" v="3" actId="478"/>
+        <pc:sldMkLst>
+          <pc:docMk/>
+          <pc:sldMk cId="1985583289" sldId="286"/>
+        </pc:sldMkLst>
+        <pc:picChg chg="del">
+          <ac:chgData name="Rafael C." userId="ffa83960b425c528" providerId="LiveId" clId="{3A627DD9-0CCD-4050-9CDA-0D0BFE12395C}" dt="2019-08-06T16:31:40.382" v="3" actId="478"/>
+          <ac:picMkLst>
+            <pc:docMk/>
+            <pc:sldMk cId="1985583289" sldId="286"/>
+            <ac:picMk id="6" creationId="{00000000-0000-0000-0000-000000000000}"/>
+          </ac:picMkLst>
+        </pc:picChg>
+      </pc:sldChg>
+      <pc:sldChg chg="delSp">
+        <pc:chgData name="Rafael C." userId="ffa83960b425c528" providerId="LiveId" clId="{3A627DD9-0CCD-4050-9CDA-0D0BFE12395C}" dt="2019-08-06T16:31:42.382" v="4" actId="478"/>
+        <pc:sldMkLst>
+          <pc:docMk/>
+          <pc:sldMk cId="3744157990" sldId="287"/>
+        </pc:sldMkLst>
+        <pc:picChg chg="del">
+          <ac:chgData name="Rafael C." userId="ffa83960b425c528" providerId="LiveId" clId="{3A627DD9-0CCD-4050-9CDA-0D0BFE12395C}" dt="2019-08-06T16:31:42.382" v="4" actId="478"/>
+          <ac:picMkLst>
+            <pc:docMk/>
+            <pc:sldMk cId="3744157990" sldId="287"/>
+            <ac:picMk id="7" creationId="{00000000-0000-0000-0000-000000000000}"/>
+          </ac:picMkLst>
+        </pc:picChg>
+      </pc:sldChg>
+      <pc:sldChg chg="delSp">
+        <pc:chgData name="Rafael C." userId="ffa83960b425c528" providerId="LiveId" clId="{3A627DD9-0CCD-4050-9CDA-0D0BFE12395C}" dt="2019-08-06T16:31:44.853" v="5" actId="478"/>
+        <pc:sldMkLst>
+          <pc:docMk/>
+          <pc:sldMk cId="185393901" sldId="288"/>
+        </pc:sldMkLst>
+        <pc:picChg chg="del">
+          <ac:chgData name="Rafael C." userId="ffa83960b425c528" providerId="LiveId" clId="{3A627DD9-0CCD-4050-9CDA-0D0BFE12395C}" dt="2019-08-06T16:31:44.853" v="5" actId="478"/>
+          <ac:picMkLst>
+            <pc:docMk/>
+            <pc:sldMk cId="185393901" sldId="288"/>
+            <ac:picMk id="7" creationId="{00000000-0000-0000-0000-000000000000}"/>
+          </ac:picMkLst>
+        </pc:picChg>
+      </pc:sldChg>
+      <pc:sldChg chg="delSp">
+        <pc:chgData name="Rafael C." userId="ffa83960b425c528" providerId="LiveId" clId="{3A627DD9-0CCD-4050-9CDA-0D0BFE12395C}" dt="2019-08-06T16:31:30.304" v="1" actId="478"/>
+        <pc:sldMkLst>
+          <pc:docMk/>
+          <pc:sldMk cId="3692097646" sldId="289"/>
+        </pc:sldMkLst>
+        <pc:picChg chg="del">
+          <ac:chgData name="Rafael C." userId="ffa83960b425c528" providerId="LiveId" clId="{3A627DD9-0CCD-4050-9CDA-0D0BFE12395C}" dt="2019-08-06T16:31:30.304" v="1" actId="478"/>
+          <ac:picMkLst>
+            <pc:docMk/>
+            <pc:sldMk cId="3692097646" sldId="289"/>
+            <ac:picMk id="4" creationId="{00000000-0000-0000-0000-000000000000}"/>
+          </ac:picMkLst>
+        </pc:picChg>
+      </pc:sldChg>
+      <pc:sldChg chg="delSp">
+        <pc:chgData name="Rafael C." userId="ffa83960b425c528" providerId="LiveId" clId="{3A627DD9-0CCD-4050-9CDA-0D0BFE12395C}" dt="2019-08-06T16:31:49.259" v="6" actId="478"/>
+        <pc:sldMkLst>
+          <pc:docMk/>
+          <pc:sldMk cId="1351840935" sldId="290"/>
+        </pc:sldMkLst>
+        <pc:picChg chg="del">
+          <ac:chgData name="Rafael C." userId="ffa83960b425c528" providerId="LiveId" clId="{3A627DD9-0CCD-4050-9CDA-0D0BFE12395C}" dt="2019-08-06T16:31:49.259" v="6" actId="478"/>
+          <ac:picMkLst>
+            <pc:docMk/>
+            <pc:sldMk cId="1351840935" sldId="290"/>
+            <ac:picMk id="5" creationId="{00000000-0000-0000-0000-000000000000}"/>
+          </ac:picMkLst>
+        </pc:picChg>
+      </pc:sldChg>
+      <pc:sldChg chg="delSp modSp">
+        <pc:chgData name="Rafael C." userId="ffa83960b425c528" providerId="LiveId" clId="{3A627DD9-0CCD-4050-9CDA-0D0BFE12395C}" dt="2019-08-06T16:31:52.884" v="8" actId="478"/>
+        <pc:sldMkLst>
+          <pc:docMk/>
+          <pc:sldMk cId="360271288" sldId="291"/>
+        </pc:sldMkLst>
+        <pc:picChg chg="del mod">
+          <ac:chgData name="Rafael C." userId="ffa83960b425c528" providerId="LiveId" clId="{3A627DD9-0CCD-4050-9CDA-0D0BFE12395C}" dt="2019-08-06T16:31:52.884" v="8" actId="478"/>
+          <ac:picMkLst>
+            <pc:docMk/>
+            <pc:sldMk cId="360271288" sldId="291"/>
+            <ac:picMk id="5" creationId="{00000000-0000-0000-0000-000000000000}"/>
+          </ac:picMkLst>
+        </pc:picChg>
+      </pc:sldChg>
+      <pc:sldChg chg="delSp">
+        <pc:chgData name="Rafael C." userId="ffa83960b425c528" providerId="LiveId" clId="{3A627DD9-0CCD-4050-9CDA-0D0BFE12395C}" dt="2019-08-06T16:31:55.368" v="9" actId="478"/>
+        <pc:sldMkLst>
+          <pc:docMk/>
+          <pc:sldMk cId="1852200853" sldId="292"/>
+        </pc:sldMkLst>
+        <pc:picChg chg="del">
+          <ac:chgData name="Rafael C." userId="ffa83960b425c528" providerId="LiveId" clId="{3A627DD9-0CCD-4050-9CDA-0D0BFE12395C}" dt="2019-08-06T16:31:55.368" v="9" actId="478"/>
+          <ac:picMkLst>
+            <pc:docMk/>
+            <pc:sldMk cId="1852200853" sldId="292"/>
+            <ac:picMk id="5" creationId="{00000000-0000-0000-0000-000000000000}"/>
+          </ac:picMkLst>
+        </pc:picChg>
+      </pc:sldChg>
+      <pc:sldChg chg="delSp">
+        <pc:chgData name="Rafael C." userId="ffa83960b425c528" providerId="LiveId" clId="{3A627DD9-0CCD-4050-9CDA-0D0BFE12395C}" dt="2019-08-06T16:32:02.050" v="12" actId="478"/>
+        <pc:sldMkLst>
+          <pc:docMk/>
+          <pc:sldMk cId="3940013595" sldId="293"/>
+        </pc:sldMkLst>
+        <pc:picChg chg="del">
+          <ac:chgData name="Rafael C." userId="ffa83960b425c528" providerId="LiveId" clId="{3A627DD9-0CCD-4050-9CDA-0D0BFE12395C}" dt="2019-08-06T16:32:02.050" v="12" actId="478"/>
+          <ac:picMkLst>
+            <pc:docMk/>
+            <pc:sldMk cId="3940013595" sldId="293"/>
+            <ac:picMk id="6" creationId="{00000000-0000-0000-0000-000000000000}"/>
+          </ac:picMkLst>
+        </pc:picChg>
+      </pc:sldChg>
+      <pc:sldChg chg="delSp">
+        <pc:chgData name="Rafael C." userId="ffa83960b425c528" providerId="LiveId" clId="{3A627DD9-0CCD-4050-9CDA-0D0BFE12395C}" dt="2019-08-06T16:32:04.331" v="13" actId="478"/>
+        <pc:sldMkLst>
+          <pc:docMk/>
+          <pc:sldMk cId="3232185289" sldId="294"/>
+        </pc:sldMkLst>
+        <pc:picChg chg="del">
+          <ac:chgData name="Rafael C." userId="ffa83960b425c528" providerId="LiveId" clId="{3A627DD9-0CCD-4050-9CDA-0D0BFE12395C}" dt="2019-08-06T16:32:04.331" v="13" actId="478"/>
+          <ac:picMkLst>
+            <pc:docMk/>
+            <pc:sldMk cId="3232185289" sldId="294"/>
+            <ac:picMk id="5" creationId="{00000000-0000-0000-0000-000000000000}"/>
+          </ac:picMkLst>
+        </pc:picChg>
+      </pc:sldChg>
+      <pc:sldChg chg="delSp">
+        <pc:chgData name="Rafael C." userId="ffa83960b425c528" providerId="LiveId" clId="{3A627DD9-0CCD-4050-9CDA-0D0BFE12395C}" dt="2019-08-06T16:32:07.097" v="14" actId="478"/>
+        <pc:sldMkLst>
+          <pc:docMk/>
+          <pc:sldMk cId="1232290577" sldId="295"/>
+        </pc:sldMkLst>
+        <pc:picChg chg="del">
+          <ac:chgData name="Rafael C." userId="ffa83960b425c528" providerId="LiveId" clId="{3A627DD9-0CCD-4050-9CDA-0D0BFE12395C}" dt="2019-08-06T16:32:07.097" v="14" actId="478"/>
+          <ac:picMkLst>
+            <pc:docMk/>
+            <pc:sldMk cId="1232290577" sldId="295"/>
+            <ac:picMk id="5" creationId="{00000000-0000-0000-0000-000000000000}"/>
+          </ac:picMkLst>
+        </pc:picChg>
+      </pc:sldChg>
+      <pc:sldChg chg="delSp">
+        <pc:chgData name="Rafael C." userId="ffa83960b425c528" providerId="LiveId" clId="{3A627DD9-0CCD-4050-9CDA-0D0BFE12395C}" dt="2019-08-06T16:32:09.550" v="15" actId="478"/>
+        <pc:sldMkLst>
+          <pc:docMk/>
+          <pc:sldMk cId="2700683622" sldId="298"/>
+        </pc:sldMkLst>
+        <pc:picChg chg="del">
+          <ac:chgData name="Rafael C." userId="ffa83960b425c528" providerId="LiveId" clId="{3A627DD9-0CCD-4050-9CDA-0D0BFE12395C}" dt="2019-08-06T16:32:09.550" v="15" actId="478"/>
+          <ac:picMkLst>
+            <pc:docMk/>
+            <pc:sldMk cId="2700683622" sldId="298"/>
+            <ac:picMk id="5" creationId="{00000000-0000-0000-0000-000000000000}"/>
+          </ac:picMkLst>
+        </pc:picChg>
+      </pc:sldChg>
+      <pc:sldChg chg="delSp">
+        <pc:chgData name="Rafael C." userId="ffa83960b425c528" providerId="LiveId" clId="{3A627DD9-0CCD-4050-9CDA-0D0BFE12395C}" dt="2019-08-06T16:32:11.737" v="16" actId="478"/>
+        <pc:sldMkLst>
+          <pc:docMk/>
+          <pc:sldMk cId="852196473" sldId="299"/>
+        </pc:sldMkLst>
+        <pc:picChg chg="del">
+          <ac:chgData name="Rafael C." userId="ffa83960b425c528" providerId="LiveId" clId="{3A627DD9-0CCD-4050-9CDA-0D0BFE12395C}" dt="2019-08-06T16:32:11.737" v="16" actId="478"/>
+          <ac:picMkLst>
+            <pc:docMk/>
+            <pc:sldMk cId="852196473" sldId="299"/>
+            <ac:picMk id="5" creationId="{00000000-0000-0000-0000-000000000000}"/>
+          </ac:picMkLst>
+        </pc:picChg>
+      </pc:sldChg>
+      <pc:sldChg chg="delSp">
+        <pc:chgData name="Rafael C." userId="ffa83960b425c528" providerId="LiveId" clId="{3A627DD9-0CCD-4050-9CDA-0D0BFE12395C}" dt="2019-08-06T16:32:26.352" v="21" actId="478"/>
+        <pc:sldMkLst>
+          <pc:docMk/>
+          <pc:sldMk cId="1424225713" sldId="300"/>
+        </pc:sldMkLst>
+        <pc:picChg chg="del">
+          <ac:chgData name="Rafael C." userId="ffa83960b425c528" providerId="LiveId" clId="{3A627DD9-0CCD-4050-9CDA-0D0BFE12395C}" dt="2019-08-06T16:32:26.352" v="21" actId="478"/>
+          <ac:picMkLst>
+            <pc:docMk/>
+            <pc:sldMk cId="1424225713" sldId="300"/>
+            <ac:picMk id="5" creationId="{00000000-0000-0000-0000-000000000000}"/>
+          </ac:picMkLst>
+        </pc:picChg>
+      </pc:sldChg>
+      <pc:sldChg chg="delSp">
+        <pc:chgData name="Rafael C." userId="ffa83960b425c528" providerId="LiveId" clId="{3A627DD9-0CCD-4050-9CDA-0D0BFE12395C}" dt="2019-08-06T16:32:28.055" v="22" actId="478"/>
+        <pc:sldMkLst>
+          <pc:docMk/>
+          <pc:sldMk cId="1681808164" sldId="301"/>
+        </pc:sldMkLst>
+        <pc:picChg chg="del">
+          <ac:chgData name="Rafael C." userId="ffa83960b425c528" providerId="LiveId" clId="{3A627DD9-0CCD-4050-9CDA-0D0BFE12395C}" dt="2019-08-06T16:32:28.055" v="22" actId="478"/>
+          <ac:picMkLst>
+            <pc:docMk/>
+            <pc:sldMk cId="1681808164" sldId="301"/>
+            <ac:picMk id="5" creationId="{00000000-0000-0000-0000-000000000000}"/>
+          </ac:picMkLst>
+        </pc:picChg>
+      </pc:sldChg>
+      <pc:sldChg chg="delSp del">
+        <pc:chgData name="Rafael C." userId="ffa83960b425c528" providerId="LiveId" clId="{3A627DD9-0CCD-4050-9CDA-0D0BFE12395C}" dt="2019-08-06T16:32:39.164" v="27" actId="2696"/>
+        <pc:sldMkLst>
+          <pc:docMk/>
+          <pc:sldMk cId="1501414601" sldId="302"/>
+        </pc:sldMkLst>
+        <pc:picChg chg="del">
+          <ac:chgData name="Rafael C." userId="ffa83960b425c528" providerId="LiveId" clId="{3A627DD9-0CCD-4050-9CDA-0D0BFE12395C}" dt="2019-08-06T16:32:37.711" v="26" actId="478"/>
+          <ac:picMkLst>
+            <pc:docMk/>
+            <pc:sldMk cId="1501414601" sldId="302"/>
+            <ac:picMk id="4" creationId="{00000000-0000-0000-0000-000000000000}"/>
+          </ac:picMkLst>
+        </pc:picChg>
+      </pc:sldChg>
+      <pc:sldChg chg="delSp">
+        <pc:chgData name="Rafael C." userId="ffa83960b425c528" providerId="LiveId" clId="{3A627DD9-0CCD-4050-9CDA-0D0BFE12395C}" dt="2019-08-06T16:32:30.648" v="23" actId="478"/>
+        <pc:sldMkLst>
+          <pc:docMk/>
+          <pc:sldMk cId="3783006610" sldId="303"/>
+        </pc:sldMkLst>
+        <pc:picChg chg="del">
+          <ac:chgData name="Rafael C." userId="ffa83960b425c528" providerId="LiveId" clId="{3A627DD9-0CCD-4050-9CDA-0D0BFE12395C}" dt="2019-08-06T16:32:30.648" v="23" actId="478"/>
+          <ac:picMkLst>
+            <pc:docMk/>
+            <pc:sldMk cId="3783006610" sldId="303"/>
+            <ac:picMk id="5" creationId="{00000000-0000-0000-0000-000000000000}"/>
+          </ac:picMkLst>
+        </pc:picChg>
+      </pc:sldChg>
+      <pc:sldChg chg="delSp">
+        <pc:chgData name="Rafael C." userId="ffa83960b425c528" providerId="LiveId" clId="{3A627DD9-0CCD-4050-9CDA-0D0BFE12395C}" dt="2019-08-06T16:32:33.054" v="24" actId="478"/>
+        <pc:sldMkLst>
+          <pc:docMk/>
+          <pc:sldMk cId="2707493303" sldId="304"/>
+        </pc:sldMkLst>
+        <pc:picChg chg="del">
+          <ac:chgData name="Rafael C." userId="ffa83960b425c528" providerId="LiveId" clId="{3A627DD9-0CCD-4050-9CDA-0D0BFE12395C}" dt="2019-08-06T16:32:33.054" v="24" actId="478"/>
+          <ac:picMkLst>
+            <pc:docMk/>
+            <pc:sldMk cId="2707493303" sldId="304"/>
+            <ac:picMk id="5" creationId="{00000000-0000-0000-0000-000000000000}"/>
+          </ac:picMkLst>
+        </pc:picChg>
+      </pc:sldChg>
+      <pc:sldChg chg="delSp">
+        <pc:chgData name="Rafael C." userId="ffa83960b425c528" providerId="LiveId" clId="{3A627DD9-0CCD-4050-9CDA-0D0BFE12395C}" dt="2019-08-06T16:32:35.023" v="25" actId="478"/>
+        <pc:sldMkLst>
+          <pc:docMk/>
+          <pc:sldMk cId="3363998633" sldId="305"/>
+        </pc:sldMkLst>
+        <pc:picChg chg="del">
+          <ac:chgData name="Rafael C." userId="ffa83960b425c528" providerId="LiveId" clId="{3A627DD9-0CCD-4050-9CDA-0D0BFE12395C}" dt="2019-08-06T16:32:35.023" v="25" actId="478"/>
+          <ac:picMkLst>
+            <pc:docMk/>
+            <pc:sldMk cId="3363998633" sldId="305"/>
+            <ac:picMk id="6" creationId="{00000000-0000-0000-0000-000000000000}"/>
+          </ac:picMkLst>
+        </pc:picChg>
+      </pc:sldChg>
+      <pc:sldChg chg="delSp">
+        <pc:chgData name="Rafael C." userId="ffa83960b425c528" providerId="LiveId" clId="{3A627DD9-0CCD-4050-9CDA-0D0BFE12395C}" dt="2019-08-06T16:32:43.681" v="28" actId="478"/>
+        <pc:sldMkLst>
+          <pc:docMk/>
+          <pc:sldMk cId="1460351818" sldId="306"/>
+        </pc:sldMkLst>
+        <pc:picChg chg="del">
+          <ac:chgData name="Rafael C." userId="ffa83960b425c528" providerId="LiveId" clId="{3A627DD9-0CCD-4050-9CDA-0D0BFE12395C}" dt="2019-08-06T16:32:43.681" v="28" actId="478"/>
+          <ac:picMkLst>
+            <pc:docMk/>
+            <pc:sldMk cId="1460351818" sldId="306"/>
+            <ac:picMk id="4" creationId="{00000000-0000-0000-0000-000000000000}"/>
+          </ac:picMkLst>
+        </pc:picChg>
+      </pc:sldChg>
+      <pc:sldChg chg="delSp">
+        <pc:chgData name="Rafael C." userId="ffa83960b425c528" providerId="LiveId" clId="{3A627DD9-0CCD-4050-9CDA-0D0BFE12395C}" dt="2019-08-06T16:32:22.346" v="20" actId="478"/>
+        <pc:sldMkLst>
+          <pc:docMk/>
+          <pc:sldMk cId="56324968" sldId="307"/>
+        </pc:sldMkLst>
+        <pc:picChg chg="del">
+          <ac:chgData name="Rafael C." userId="ffa83960b425c528" providerId="LiveId" clId="{3A627DD9-0CCD-4050-9CDA-0D0BFE12395C}" dt="2019-08-06T16:32:22.346" v="20" actId="478"/>
+          <ac:picMkLst>
+            <pc:docMk/>
+            <pc:sldMk cId="56324968" sldId="307"/>
+            <ac:picMk id="5" creationId="{00000000-0000-0000-0000-000000000000}"/>
+          </ac:picMkLst>
+        </pc:picChg>
+      </pc:sldChg>
+      <pc:sldChg chg="delSp">
+        <pc:chgData name="Rafael C." userId="ffa83960b425c528" providerId="LiveId" clId="{3A627DD9-0CCD-4050-9CDA-0D0BFE12395C}" dt="2019-08-06T16:32:13.815" v="17" actId="478"/>
+        <pc:sldMkLst>
+          <pc:docMk/>
+          <pc:sldMk cId="603451549" sldId="308"/>
+        </pc:sldMkLst>
+        <pc:picChg chg="del">
+          <ac:chgData name="Rafael C." userId="ffa83960b425c528" providerId="LiveId" clId="{3A627DD9-0CCD-4050-9CDA-0D0BFE12395C}" dt="2019-08-06T16:32:13.815" v="17" actId="478"/>
+          <ac:picMkLst>
+            <pc:docMk/>
+            <pc:sldMk cId="603451549" sldId="308"/>
+            <ac:picMk id="5" creationId="{00000000-0000-0000-0000-000000000000}"/>
+          </ac:picMkLst>
+        </pc:picChg>
+      </pc:sldChg>
+      <pc:sldChg chg="delSp">
+        <pc:chgData name="Rafael C." userId="ffa83960b425c528" providerId="LiveId" clId="{3A627DD9-0CCD-4050-9CDA-0D0BFE12395C}" dt="2019-08-06T16:32:20.096" v="19" actId="478"/>
+        <pc:sldMkLst>
+          <pc:docMk/>
+          <pc:sldMk cId="3556518243" sldId="309"/>
+        </pc:sldMkLst>
+        <pc:picChg chg="del">
+          <ac:chgData name="Rafael C." userId="ffa83960b425c528" providerId="LiveId" clId="{3A627DD9-0CCD-4050-9CDA-0D0BFE12395C}" dt="2019-08-06T16:32:20.096" v="19" actId="478"/>
+          <ac:picMkLst>
+            <pc:docMk/>
+            <pc:sldMk cId="3556518243" sldId="309"/>
+            <ac:picMk id="5" creationId="{00000000-0000-0000-0000-000000000000}"/>
+          </ac:picMkLst>
+        </pc:picChg>
+      </pc:sldChg>
+      <pc:sldChg chg="delSp">
+        <pc:chgData name="Rafael C." userId="ffa83960b425c528" providerId="LiveId" clId="{3A627DD9-0CCD-4050-9CDA-0D0BFE12395C}" dt="2019-08-06T16:32:17.784" v="18" actId="478"/>
+        <pc:sldMkLst>
+          <pc:docMk/>
+          <pc:sldMk cId="976528594" sldId="310"/>
+        </pc:sldMkLst>
+        <pc:picChg chg="del">
+          <ac:chgData name="Rafael C." userId="ffa83960b425c528" providerId="LiveId" clId="{3A627DD9-0CCD-4050-9CDA-0D0BFE12395C}" dt="2019-08-06T16:32:17.784" v="18" actId="478"/>
+          <ac:picMkLst>
+            <pc:docMk/>
+            <pc:sldMk cId="976528594" sldId="310"/>
+            <ac:picMk id="5" creationId="{00000000-0000-0000-0000-000000000000}"/>
+          </ac:picMkLst>
+        </pc:picChg>
+      </pc:sldChg>
+    </pc:docChg>
   </pc:docChgLst>
   <pc:docChgLst>
     <pc:chgData name="Rafael C." userId="ffa83960b425c528" providerId="LiveId" clId="{14A28526-ED09-4172-8A45-5D903B7C8E49}"/>
@@ -195,6 +1249,30 @@
             <pc:docMk/>
             <pc:sldMk cId="3692097646" sldId="289"/>
             <ac:spMk id="9218" creationId="{00000000-0000-0000-0000-000000000000}"/>
+          </ac:spMkLst>
+        </pc:spChg>
+      </pc:sldChg>
+    </pc:docChg>
+  </pc:docChgLst>
+  <pc:docChgLst>
+    <pc:chgData name="Rafael C." userId="ffa83960b425c528" providerId="LiveId" clId="{E9107BF1-4D19-4451-A470-08AE77AF23D7}"/>
+    <pc:docChg chg="modSld">
+      <pc:chgData name="Rafael C." userId="ffa83960b425c528" providerId="LiveId" clId="{E9107BF1-4D19-4451-A470-08AE77AF23D7}" dt="2019-09-16T11:49:56.634" v="1" actId="20577"/>
+      <pc:docMkLst>
+        <pc:docMk/>
+      </pc:docMkLst>
+      <pc:sldChg chg="modSp">
+        <pc:chgData name="Rafael C." userId="ffa83960b425c528" providerId="LiveId" clId="{E9107BF1-4D19-4451-A470-08AE77AF23D7}" dt="2019-09-16T11:49:56.634" v="1" actId="20577"/>
+        <pc:sldMkLst>
+          <pc:docMk/>
+          <pc:sldMk cId="1985583289" sldId="286"/>
+        </pc:sldMkLst>
+        <pc:spChg chg="mod">
+          <ac:chgData name="Rafael C." userId="ffa83960b425c528" providerId="LiveId" clId="{E9107BF1-4D19-4451-A470-08AE77AF23D7}" dt="2019-09-16T11:49:56.634" v="1" actId="20577"/>
+          <ac:spMkLst>
+            <pc:docMk/>
+            <pc:sldMk cId="1985583289" sldId="286"/>
+            <ac:spMk id="8" creationId="{C5C56A8D-8669-4998-84AC-E61E22CB90DE}"/>
           </ac:spMkLst>
         </pc:spChg>
       </pc:sldChg>
@@ -6043,7 +7121,7 @@
   <dgm:whole/>
   <dgm:extLst>
     <a:ext uri="http://schemas.microsoft.com/office/drawing/2008/diagram">
-      <dsp:dataModelExt xmlns:dsp="http://schemas.microsoft.com/office/drawing/2008/diagram" relId="rId8" minVer="http://schemas.openxmlformats.org/drawingml/2006/diagram"/>
+      <dsp:dataModelExt xmlns:dsp="http://schemas.microsoft.com/office/drawing/2008/diagram" relId="rId7" minVer="http://schemas.openxmlformats.org/drawingml/2006/diagram"/>
     </a:ext>
     <a:ext uri="{C62137D5-CB1D-491B-B009-E17868A290BF}">
       <dgm14:recolorImg xmlns:dgm14="http://schemas.microsoft.com/office/drawing/2010/diagram" val="1"/>
@@ -6651,7 +7729,7 @@
   <dgm:whole/>
   <dgm:extLst>
     <a:ext uri="http://schemas.microsoft.com/office/drawing/2008/diagram">
-      <dsp:dataModelExt xmlns:dsp="http://schemas.microsoft.com/office/drawing/2008/diagram" relId="rId8" minVer="http://schemas.openxmlformats.org/drawingml/2006/diagram"/>
+      <dsp:dataModelExt xmlns:dsp="http://schemas.microsoft.com/office/drawing/2008/diagram" relId="rId7" minVer="http://schemas.openxmlformats.org/drawingml/2006/diagram"/>
     </a:ext>
   </dgm:extLst>
 </dgm:dataModel>
@@ -6974,7 +8052,7 @@
   <dgm:whole/>
   <dgm:extLst>
     <a:ext uri="http://schemas.microsoft.com/office/drawing/2008/diagram">
-      <dsp:dataModelExt xmlns:dsp="http://schemas.microsoft.com/office/drawing/2008/diagram" relId="rId8" minVer="http://schemas.openxmlformats.org/drawingml/2006/diagram"/>
+      <dsp:dataModelExt xmlns:dsp="http://schemas.microsoft.com/office/drawing/2008/diagram" relId="rId7" minVer="http://schemas.openxmlformats.org/drawingml/2006/diagram"/>
     </a:ext>
   </dgm:extLst>
 </dgm:dataModel>
@@ -19152,6 +20230,69 @@
 </dgm:styleDef>
 </file>
 
+<file path=ppt/ink/inkAction1.xml><?xml version="1.0" encoding="utf-8"?>
+<iact:actions xmlns:iact="http://schemas.microsoft.com/office/powerpoint/2014/inkAction" lengthUnit="cm" timeUnit="ms">
+  <inkml:definitions xmlns:inkml="http://www.w3.org/2003/InkML">
+    <inkml:context xml:id="ctx0">
+      <inkml:inkSource xml:id="inkSrc0">
+        <inkml:traceFormat>
+          <inkml:channel name="X" type="integer" max="3286" units="cm"/>
+          <inkml:channel name="Y" type="integer" max="1080" units="cm"/>
+          <inkml:channel name="T" type="integer" max="2.14748E9" units="dev"/>
+        </inkml:traceFormat>
+        <inkml:channelProperties>
+          <inkml:channelProperty channel="X" name="resolution" value="112.15017" units="1/cm"/>
+          <inkml:channelProperty channel="Y" name="resolution" value="65.45454" units="1/cm"/>
+          <inkml:channelProperty channel="T" name="resolution" value="1" units="1/dev"/>
+        </inkml:channelProperties>
+      </inkml:inkSource>
+      <inkml:timestamp xml:id="ts0" timeString="2020-07-19T21:41:59.982"/>
+    </inkml:context>
+    <inkml:brush xml:id="br0">
+      <inkml:brushProperty name="width" value="0.05292" units="cm"/>
+      <inkml:brushProperty name="height" value="0.05292" units="cm"/>
+      <inkml:brushProperty name="color" value="#FF0000"/>
+    </inkml:brush>
+    <inkml:brush xml:id="br1">
+      <inkml:brushProperty name="width" value="0.055" units="cm"/>
+      <inkml:brushProperty name="height" value="0.055" units="cm"/>
+    </inkml:brush>
+  </inkml:definitions>
+  <iact:action type="add" startTime="76467">
+    <iact:property name="dataType"/>
+    <iact:actionData xml:id="d0">
+      <inkml:trace xmlns:inkml="http://www.w3.org/2003/InkML" xml:id="stk0" contextRef="#ctx0" brushRef="#br0">5980 16235 0,'0'-35'32,"0"0"17,0 0-26,0-34-15,0-36 0,0 71 8,0-36 1,0 1-10,-34-36 2,-1 105-2,35-34 2,0-1-2,0 0 2,-70-34-1,70 34 0,0 0-1,-35 35-1,35-69 7,-34 69-8,-1 0 11,35-35-8,-35 35 9,35-35-1,-35 35-9,1-35 2,-1 0-2,-35 1 2,-173-71 0,139 36-2,-105-35 1,105 34 1,-1 35-2,1 35 1,0-34 2,69 34-5,0-35 4,0 35 0,1-35 7,-1 35-1,-35 0 6,36 0-8,-36 0-5,-34 0-3,69 0 4,-35 0-4,1 0 4,34 0-1,-69 0 0,69 0 2,0 0-4,0 0 3,-34 0-1,34 0 0,-34 0-1,34 0 3,-35 0-4,36 0 4,-1 0-1,0 0-4,0 0 22,0 0-20,1 0 17,-1 0 1,-35 0-12,1 35-4,-1 34 0,-34-34 0,-70 35-3,35-36 3,35 1 1,-1 35-6,36-70 5,69 34 1,-35-34-6,0 0 7,35 35 37,0 0-34,0 0-4,-34-35-2,34 69-1,0-34 2,0 0-1,0 0 8,0 34-9,0-34 3,0 0-2,0 104 8,0-70-9,0-34 10,0 0-12,34 34 5,1-34 0,0 0-3,34 34-1,-34-34 0,35 35 2,-35-36 2,34 36-3,1-35 3,-1 34-1,1 1-2,34-36 0,-34 71 0,34-36 2,35 1-1,-70-35 0,36 34 0,-36-34 1,36 0-1,-1-1 0,-35 1 1,-34-35-2,70 35 0,-36 0 3,1-35-5,34 34 4,0 1 0,1-35-3,-1 0 2,35 35 2,-104-35-4,0 0 2,69 0 0,-69 0 1,-1 0-3,1 0 4,35 0-1,-36 0-3,1 0 2,35 0 1,-1-35-2,1 35 2,69-69-1,-70 69 0,36-70-2,34 35 5,-35 1-4,0-1 0,-34 0 4,34 35-5,-104-35 2,70 35 1,-35-34-3,34 34 3,-34 0-3,35-35 12,-36 0-2,1 35 16,-35-35-8,35 35-17,0-35 10,-35 1 130,0-1-142,0-35 7,0 36-8</inkml:trace>
+    </iact:actionData>
+  </iact:action>
+  <iact:action type="add" startTime="80491">
+    <iact:property name="dataType"/>
+    <iact:actionData xml:id="d1">
+      <inkml:trace xmlns:inkml="http://www.w3.org/2003/InkML" xml:id="stk1" contextRef="#ctx0" brushRef="#br0">21071 15157 0,'0'0'3,"0"-70"3,-35 36 5,0-1-5,1 0 0,-1 0 2,0 1-3,-139-1 6,139 0-4,-139 35 3,70 0-3,-35 0 3,-35 0-4,70 0 2,0 0 0,-1 0 1,-34 70-1,35-1 0,-70-34 0,0 34-1,105-34 2,-70 35 0,69-36-5,1 36 4,34-70 4,35 35-5,-35 0 1,-35-1 1,70 1-2,0 69 0,0-34 2,0-1-2,0 1 0,0-1 3,0-34-3,0 0 1,0 0-1,0-1 2,0 71-3,0-1 4,105 0-2,-1 1 0,35-36 2,-35 35-2,105-34-1,-70 69-1,-35-104 3,-34 0 0,69-1 0,-69-34-1,34 35-1,0-35 1,70 35 2,35 0-5,34 34 4,105-34 1,34 0-4,-104 34 0,1 1 2,-71-70 1,-34 34-1,-70-34-1,-34 0 1,34 0 0,35 0 0,-104-34 0,35-1 0,-1 35 0,1-35 1,-35 0 16,-1 1-19,36-1 3,-35-104 1,34 69-4,-34 1 1,0 34 4,-35-34-7,34 69 4,1-70 2,0 35-3,-35 0 1,35 1 2,-35-1-4,0 0 1,35 0 2,-35 1-1,0-1 0,0 0 0,0 0 0,0 1 0,0-1-1,0 0 3,0-34-2,-35 34 0,0-35 1,0 35-3,0-69 2,-104 35 2,0-140-3,35 140 1,69-36 2,0 36-3,35 34 0,-34 35 0,-1-35 2,-69 0-2,-1 1 2,1 34-1,-70-70 0,70 35-2,-35 1 3,69 34 0,35 0-3,-34 0 4,34 0 14,0 0-16,1 0 0,-1 0 7,0 0-7,0 0 7,0 0-5,-34 0 0,-35-35-6,34 35 5,35 0 1,1 0 13</inkml:trace>
+    </iact:actionData>
+  </iact:action>
+  <iact:action type="remove" startTime="97261">
+    <iact:property name="style" value="instant"/>
+    <iact:actionData xml:id="d2" ref="#d0"/>
+  </iact:action>
+  <iact:action type="add" startTime="97214">
+    <iact:property name="dataType" value="strokeEraser"/>
+    <iact:actionData xml:id="d3">
+      <inkml:trace xmlns:inkml="http://www.w3.org/2003/InkML" xml:id="stk2" contextRef="#ctx0" brushRef="#br1">10709 21588 0,'0'0'4,"0"-35"17,0 0-7,70-104 3,-1 0-13,-34 0 4,35-70-2,-1 140-1,-69-1 3,35 1-1</inkml:trace>
+    </iact:actionData>
+  </iact:action>
+  <iact:action type="remove" startTime="98259">
+    <iact:property name="style" value="instant"/>
+    <iact:actionData xml:id="d4" ref="#d1"/>
+  </iact:action>
+  <iact:action type="add" startTime="98190">
+    <iact:property name="dataType" value="strokeEraser"/>
+    <iact:actionData xml:id="d5">
+      <inkml:trace xmlns:inkml="http://www.w3.org/2003/InkML" xml:id="stk3" contextRef="#ctx0" brushRef="#br1">25174 21031 0,'35'0'38,"34"-34"-29,1-36-1,34-34 0,35-35 2,0 0-1,35-35 1,-104 35-4,69 35-2,-104 34 3,-1 70 0,1-35 2</inkml:trace>
+    </iact:actionData>
+  </iact:action>
+</iact:actions>
+</file>
+
 <file path=ppt/notesMasters/notesMaster1.xml><?xml version="1.0" encoding="utf-8"?>
 <p:notesMaster xmlns:a="http://schemas.openxmlformats.org/drawingml/2006/main" xmlns:r="http://schemas.openxmlformats.org/officeDocument/2006/relationships" xmlns:p="http://schemas.openxmlformats.org/presentationml/2006/main">
   <p:cSld>
@@ -19234,7 +20375,7 @@
           <a:p>
             <a:fld id="{1B690E39-F30C-4A14-BE95-FF764D57248C}" type="datetimeFigureOut">
               <a:rPr lang="es-AR" smtClean="0"/>
-              <a:t>3/6/2019</a:t>
+              <a:t>2/12/2020</a:t>
             </a:fld>
             <a:endParaRPr lang="es-AR"/>
           </a:p>
@@ -20416,7 +21557,7 @@
     </p:spTree>
     <p:extLst>
       <p:ext uri="{BB962C8B-B14F-4D97-AF65-F5344CB8AC3E}">
-        <p14:creationId xmlns:p14="http://schemas.microsoft.com/office/powerpoint/2010/main" val="927878986"/>
+        <p14:creationId xmlns:p14="http://schemas.microsoft.com/office/powerpoint/2010/main" val="2768290376"/>
       </p:ext>
     </p:extLst>
   </p:cSld>
@@ -20878,7 +22019,7 @@
     </p:spTree>
     <p:extLst>
       <p:ext uri="{BB962C8B-B14F-4D97-AF65-F5344CB8AC3E}">
-        <p14:creationId xmlns:p14="http://schemas.microsoft.com/office/powerpoint/2010/main" val="2476464191"/>
+        <p14:creationId xmlns:p14="http://schemas.microsoft.com/office/powerpoint/2010/main" val="927878986"/>
       </p:ext>
     </p:extLst>
   </p:cSld>
@@ -21340,7 +22481,7 @@
     </p:spTree>
     <p:extLst>
       <p:ext uri="{BB962C8B-B14F-4D97-AF65-F5344CB8AC3E}">
-        <p14:creationId xmlns:p14="http://schemas.microsoft.com/office/powerpoint/2010/main" val="1644730424"/>
+        <p14:creationId xmlns:p14="http://schemas.microsoft.com/office/powerpoint/2010/main" val="2476464191"/>
       </p:ext>
     </p:extLst>
   </p:cSld>
@@ -21802,7 +22943,7 @@
     </p:spTree>
     <p:extLst>
       <p:ext uri="{BB962C8B-B14F-4D97-AF65-F5344CB8AC3E}">
-        <p14:creationId xmlns:p14="http://schemas.microsoft.com/office/powerpoint/2010/main" val="1212897906"/>
+        <p14:creationId xmlns:p14="http://schemas.microsoft.com/office/powerpoint/2010/main" val="1644730424"/>
       </p:ext>
     </p:extLst>
   </p:cSld>
@@ -22264,7 +23405,7 @@
     </p:spTree>
     <p:extLst>
       <p:ext uri="{BB962C8B-B14F-4D97-AF65-F5344CB8AC3E}">
-        <p14:creationId xmlns:p14="http://schemas.microsoft.com/office/powerpoint/2010/main" val="4028591646"/>
+        <p14:creationId xmlns:p14="http://schemas.microsoft.com/office/powerpoint/2010/main" val="1212897906"/>
       </p:ext>
     </p:extLst>
   </p:cSld>
@@ -22726,7 +23867,7 @@
     </p:spTree>
     <p:extLst>
       <p:ext uri="{BB962C8B-B14F-4D97-AF65-F5344CB8AC3E}">
-        <p14:creationId xmlns:p14="http://schemas.microsoft.com/office/powerpoint/2010/main" val="39481448"/>
+        <p14:creationId xmlns:p14="http://schemas.microsoft.com/office/powerpoint/2010/main" val="4028591646"/>
       </p:ext>
     </p:extLst>
   </p:cSld>
@@ -23188,7 +24329,7 @@
     </p:spTree>
     <p:extLst>
       <p:ext uri="{BB962C8B-B14F-4D97-AF65-F5344CB8AC3E}">
-        <p14:creationId xmlns:p14="http://schemas.microsoft.com/office/powerpoint/2010/main" val="3842814360"/>
+        <p14:creationId xmlns:p14="http://schemas.microsoft.com/office/powerpoint/2010/main" val="39481448"/>
       </p:ext>
     </p:extLst>
   </p:cSld>
@@ -25960,7 +27101,7 @@
     </p:spTree>
     <p:extLst>
       <p:ext uri="{BB962C8B-B14F-4D97-AF65-F5344CB8AC3E}">
-        <p14:creationId xmlns:p14="http://schemas.microsoft.com/office/powerpoint/2010/main" val="3642433955"/>
+        <p14:creationId xmlns:p14="http://schemas.microsoft.com/office/powerpoint/2010/main" val="3842814360"/>
       </p:ext>
     </p:extLst>
   </p:cSld>
@@ -26422,7 +27563,7 @@
     </p:spTree>
     <p:extLst>
       <p:ext uri="{BB962C8B-B14F-4D97-AF65-F5344CB8AC3E}">
-        <p14:creationId xmlns:p14="http://schemas.microsoft.com/office/powerpoint/2010/main" val="3789762772"/>
+        <p14:creationId xmlns:p14="http://schemas.microsoft.com/office/powerpoint/2010/main" val="3642433955"/>
       </p:ext>
     </p:extLst>
   </p:cSld>
@@ -26884,7 +28025,7 @@
     </p:spTree>
     <p:extLst>
       <p:ext uri="{BB962C8B-B14F-4D97-AF65-F5344CB8AC3E}">
-        <p14:creationId xmlns:p14="http://schemas.microsoft.com/office/powerpoint/2010/main" val="1376069788"/>
+        <p14:creationId xmlns:p14="http://schemas.microsoft.com/office/powerpoint/2010/main" val="3789762772"/>
       </p:ext>
     </p:extLst>
   </p:cSld>
@@ -27346,7 +28487,7 @@
     </p:spTree>
     <p:extLst>
       <p:ext uri="{BB962C8B-B14F-4D97-AF65-F5344CB8AC3E}">
-        <p14:creationId xmlns:p14="http://schemas.microsoft.com/office/powerpoint/2010/main" val="3333514842"/>
+        <p14:creationId xmlns:p14="http://schemas.microsoft.com/office/powerpoint/2010/main" val="1376069788"/>
       </p:ext>
     </p:extLst>
   </p:cSld>
@@ -27808,7 +28949,7 @@
     </p:spTree>
     <p:extLst>
       <p:ext uri="{BB962C8B-B14F-4D97-AF65-F5344CB8AC3E}">
-        <p14:creationId xmlns:p14="http://schemas.microsoft.com/office/powerpoint/2010/main" val="1035869968"/>
+        <p14:creationId xmlns:p14="http://schemas.microsoft.com/office/powerpoint/2010/main" val="3333514842"/>
       </p:ext>
     </p:extLst>
   </p:cSld>
@@ -28270,7 +29411,7 @@
     </p:spTree>
     <p:extLst>
       <p:ext uri="{BB962C8B-B14F-4D97-AF65-F5344CB8AC3E}">
-        <p14:creationId xmlns:p14="http://schemas.microsoft.com/office/powerpoint/2010/main" val="4054724110"/>
+        <p14:creationId xmlns:p14="http://schemas.microsoft.com/office/powerpoint/2010/main" val="1035869968"/>
       </p:ext>
     </p:extLst>
   </p:cSld>
@@ -30118,7 +31259,7 @@
     </p:spTree>
     <p:extLst>
       <p:ext uri="{BB962C8B-B14F-4D97-AF65-F5344CB8AC3E}">
-        <p14:creationId xmlns:p14="http://schemas.microsoft.com/office/powerpoint/2010/main" val="3945694798"/>
+        <p14:creationId xmlns:p14="http://schemas.microsoft.com/office/powerpoint/2010/main" val="538670577"/>
       </p:ext>
     </p:extLst>
   </p:cSld>
@@ -30580,7 +31721,7 @@
     </p:spTree>
     <p:extLst>
       <p:ext uri="{BB962C8B-B14F-4D97-AF65-F5344CB8AC3E}">
-        <p14:creationId xmlns:p14="http://schemas.microsoft.com/office/powerpoint/2010/main" val="514393557"/>
+        <p14:creationId xmlns:p14="http://schemas.microsoft.com/office/powerpoint/2010/main" val="3945694798"/>
       </p:ext>
     </p:extLst>
   </p:cSld>
@@ -31042,7 +32183,7 @@
     </p:spTree>
     <p:extLst>
       <p:ext uri="{BB962C8B-B14F-4D97-AF65-F5344CB8AC3E}">
-        <p14:creationId xmlns:p14="http://schemas.microsoft.com/office/powerpoint/2010/main" val="2872442911"/>
+        <p14:creationId xmlns:p14="http://schemas.microsoft.com/office/powerpoint/2010/main" val="514393557"/>
       </p:ext>
     </p:extLst>
   </p:cSld>
@@ -31504,7 +32645,7 @@
     </p:spTree>
     <p:extLst>
       <p:ext uri="{BB962C8B-B14F-4D97-AF65-F5344CB8AC3E}">
-        <p14:creationId xmlns:p14="http://schemas.microsoft.com/office/powerpoint/2010/main" val="2850114890"/>
+        <p14:creationId xmlns:p14="http://schemas.microsoft.com/office/powerpoint/2010/main" val="2872442911"/>
       </p:ext>
     </p:extLst>
   </p:cSld>
@@ -31966,7 +33107,7 @@
     </p:spTree>
     <p:extLst>
       <p:ext uri="{BB962C8B-B14F-4D97-AF65-F5344CB8AC3E}">
-        <p14:creationId xmlns:p14="http://schemas.microsoft.com/office/powerpoint/2010/main" val="2768290376"/>
+        <p14:creationId xmlns:p14="http://schemas.microsoft.com/office/powerpoint/2010/main" val="2850114890"/>
       </p:ext>
     </p:extLst>
   </p:cSld>
@@ -35029,7 +36170,6 @@
           <a:ln>
             <a:noFill/>
           </a:ln>
-          <a:extLst/>
         </p:spPr>
         <p:txBody>
           <a:bodyPr wrap="square" anchor="ctr">
@@ -35070,47 +36210,6 @@
           </a:p>
         </p:txBody>
       </p:sp>
-      <p:pic>
-        <p:nvPicPr>
-          <p:cNvPr id="8" name="Picture 4" descr="C:\Users\rcrescenzi\OneDrive\docencia\UCEMA\ucema_logo.png"/>
-          <p:cNvPicPr>
-            <a:picLocks noChangeAspect="1" noChangeArrowheads="1"/>
-          </p:cNvPicPr>
-          <p:nvPr/>
-        </p:nvPicPr>
-        <p:blipFill>
-          <a:blip r:embed="rId3" cstate="print">
-            <a:extLst>
-              <a:ext uri="{28A0092B-C50C-407E-A947-70E740481C1C}">
-                <a14:useLocalDpi xmlns:a14="http://schemas.microsoft.com/office/drawing/2010/main" val="0"/>
-              </a:ext>
-            </a:extLst>
-          </a:blip>
-          <a:srcRect/>
-          <a:stretch>
-            <a:fillRect/>
-          </a:stretch>
-        </p:blipFill>
-        <p:spPr bwMode="auto">
-          <a:xfrm>
-            <a:off x="2783114" y="0"/>
-            <a:ext cx="6625772" cy="2425831"/>
-          </a:xfrm>
-          <a:prstGeom prst="rect">
-            <a:avLst/>
-          </a:prstGeom>
-          <a:noFill/>
-          <a:extLst>
-            <a:ext uri="{909E8E84-426E-40DD-AFC4-6F175D3DCCD1}">
-              <a14:hiddenFill xmlns:a14="http://schemas.microsoft.com/office/drawing/2010/main">
-                <a:solidFill>
-                  <a:srgbClr val="FFFFFF"/>
-                </a:solidFill>
-              </a14:hiddenFill>
-            </a:ext>
-          </a:extLst>
-        </p:spPr>
-      </p:pic>
     </p:spTree>
     <p:extLst>
       <p:ext uri="{BB962C8B-B14F-4D97-AF65-F5344CB8AC3E}">
@@ -35173,6 +36272,273 @@
       </p:grpSpPr>
       <p:sp>
         <p:nvSpPr>
+          <p:cNvPr id="9218" name="1 Rectángulo"/>
+          <p:cNvSpPr>
+            <a:spLocks noChangeArrowheads="1"/>
+          </p:cNvSpPr>
+          <p:nvPr/>
+        </p:nvSpPr>
+        <p:spPr bwMode="auto">
+          <a:xfrm>
+            <a:off x="0" y="1103275"/>
+            <a:ext cx="12192000" cy="1217894"/>
+          </a:xfrm>
+          <a:prstGeom prst="rect">
+            <a:avLst/>
+          </a:prstGeom>
+          <a:solidFill>
+            <a:schemeClr val="bg1">
+              <a:alpha val="30000"/>
+            </a:schemeClr>
+          </a:solidFill>
+          <a:ln>
+            <a:noFill/>
+          </a:ln>
+        </p:spPr>
+        <p:txBody>
+          <a:bodyPr anchor="ctr"/>
+          <a:lstStyle/>
+          <a:p>
+            <a:pPr marL="0" marR="0" lvl="0" indent="0" algn="ctr" defTabSz="599002" rtl="0" eaLnBrk="1" fontAlgn="base" latinLnBrk="0" hangingPunct="0">
+              <a:lnSpc>
+                <a:spcPct val="93000"/>
+              </a:lnSpc>
+              <a:spcBef>
+                <a:spcPct val="0"/>
+              </a:spcBef>
+              <a:spcAft>
+                <a:spcPct val="0"/>
+              </a:spcAft>
+              <a:buClr>
+                <a:srgbClr val="000000"/>
+              </a:buClr>
+              <a:buSzPct val="100000"/>
+              <a:buFontTx/>
+              <a:buNone/>
+              <a:tabLst/>
+              <a:defRPr/>
+            </a:pPr>
+            <a:r>
+              <a:rPr kumimoji="0" lang="es-AR" altLang="es-AR" sz="3600" b="1" i="0" u="none" strike="noStrike" kern="1200" cap="none" spc="0" normalizeH="0" baseline="0" noProof="0" dirty="0">
+                <a:ln>
+                  <a:noFill/>
+                </a:ln>
+                <a:effectLst/>
+                <a:uLnTx/>
+                <a:uFillTx/>
+                <a:latin typeface="Arial" panose="020B0604020202020204" pitchFamily="34" charset="0"/>
+                <a:ea typeface="Microsoft YaHei" panose="020B0503020204020204" pitchFamily="34" charset="-122"/>
+                <a:cs typeface="Arial"/>
+              </a:rPr>
+              <a:t>Data </a:t>
+            </a:r>
+            <a:r>
+              <a:rPr kumimoji="0" lang="es-AR" altLang="es-AR" sz="3600" b="1" i="0" u="none" strike="noStrike" kern="1200" cap="none" spc="0" normalizeH="0" baseline="0" noProof="0" dirty="0" err="1">
+                <a:ln>
+                  <a:noFill/>
+                </a:ln>
+                <a:effectLst/>
+                <a:uLnTx/>
+                <a:uFillTx/>
+                <a:latin typeface="Arial" panose="020B0604020202020204" pitchFamily="34" charset="0"/>
+                <a:ea typeface="Microsoft YaHei" panose="020B0503020204020204" pitchFamily="34" charset="-122"/>
+                <a:cs typeface="Arial"/>
+              </a:rPr>
+              <a:t>Science</a:t>
+            </a:r>
+            <a:endParaRPr lang="es-AR" altLang="es-AR" sz="3600" b="1" dirty="0">
+              <a:latin typeface="Arial" panose="020B0604020202020204" pitchFamily="34" charset="0"/>
+              <a:ea typeface="Microsoft YaHei" panose="020B0503020204020204" pitchFamily="34" charset="-122"/>
+              <a:cs typeface="Arial"/>
+            </a:endParaRPr>
+          </a:p>
+        </p:txBody>
+      </p:sp>
+      <p:sp>
+        <p:nvSpPr>
+          <p:cNvPr id="4" name="1 Rectángulo">
+            <a:extLst>
+              <a:ext uri="{FF2B5EF4-FFF2-40B4-BE49-F238E27FC236}">
+                <a16:creationId xmlns:a16="http://schemas.microsoft.com/office/drawing/2014/main" id="{C38DC9E2-A33D-43A5-B91A-49EDF1F542C3}"/>
+              </a:ext>
+            </a:extLst>
+          </p:cNvPr>
+          <p:cNvSpPr>
+            <a:spLocks noChangeArrowheads="1"/>
+          </p:cNvSpPr>
+          <p:nvPr/>
+        </p:nvSpPr>
+        <p:spPr bwMode="auto">
+          <a:xfrm>
+            <a:off x="0" y="2700161"/>
+            <a:ext cx="12191999" cy="3377082"/>
+          </a:xfrm>
+          <a:prstGeom prst="rect">
+            <a:avLst/>
+          </a:prstGeom>
+          <a:solidFill>
+            <a:schemeClr val="bg1">
+              <a:alpha val="30000"/>
+            </a:schemeClr>
+          </a:solidFill>
+          <a:ln>
+            <a:noFill/>
+          </a:ln>
+        </p:spPr>
+        <p:txBody>
+          <a:bodyPr anchor="ctr"/>
+          <a:lstStyle/>
+          <a:p>
+            <a:pPr marL="800100" lvl="1" indent="-342900" defTabSz="599002" fontAlgn="base" hangingPunct="0">
+              <a:lnSpc>
+                <a:spcPct val="93000"/>
+              </a:lnSpc>
+              <a:spcBef>
+                <a:spcPct val="0"/>
+              </a:spcBef>
+              <a:spcAft>
+                <a:spcPct val="0"/>
+              </a:spcAft>
+              <a:buClr>
+                <a:schemeClr val="bg1"/>
+              </a:buClr>
+              <a:buSzPct val="100000"/>
+              <a:buFont typeface="Arial" panose="020B0604020202020204" pitchFamily="34" charset="0"/>
+              <a:buChar char="•"/>
+              <a:defRPr/>
+            </a:pPr>
+            <a:r>
+              <a:rPr lang="es-AR" altLang="es-AR" sz="3200" dirty="0">
+                <a:latin typeface="Arial" panose="020B0604020202020204" pitchFamily="34" charset="0"/>
+                <a:ea typeface="Microsoft YaHei" panose="020B0503020204020204" pitchFamily="34" charset="-122"/>
+                <a:cs typeface="Arial"/>
+              </a:rPr>
+              <a:t>Métodos Descriptivos: Hallar patrones relevantes en los datos. (BI?)</a:t>
+            </a:r>
+          </a:p>
+          <a:p>
+            <a:pPr marL="800100" lvl="1" indent="-342900" defTabSz="599002" fontAlgn="base" hangingPunct="0">
+              <a:lnSpc>
+                <a:spcPct val="93000"/>
+              </a:lnSpc>
+              <a:spcBef>
+                <a:spcPct val="0"/>
+              </a:spcBef>
+              <a:spcAft>
+                <a:spcPct val="0"/>
+              </a:spcAft>
+              <a:buClr>
+                <a:schemeClr val="bg1"/>
+              </a:buClr>
+              <a:buSzPct val="100000"/>
+              <a:buFont typeface="Arial" panose="020B0604020202020204" pitchFamily="34" charset="0"/>
+              <a:buChar char="•"/>
+              <a:defRPr/>
+            </a:pPr>
+            <a:endParaRPr lang="es-AR" altLang="es-AR" sz="3200" dirty="0">
+              <a:latin typeface="Arial" panose="020B0604020202020204" pitchFamily="34" charset="0"/>
+              <a:ea typeface="Microsoft YaHei" panose="020B0503020204020204" pitchFamily="34" charset="-122"/>
+              <a:cs typeface="Arial"/>
+            </a:endParaRPr>
+          </a:p>
+          <a:p>
+            <a:pPr marL="800100" lvl="1" indent="-342900" defTabSz="599002" fontAlgn="base" hangingPunct="0">
+              <a:lnSpc>
+                <a:spcPct val="93000"/>
+              </a:lnSpc>
+              <a:spcBef>
+                <a:spcPct val="0"/>
+              </a:spcBef>
+              <a:spcAft>
+                <a:spcPct val="0"/>
+              </a:spcAft>
+              <a:buClr>
+                <a:schemeClr val="bg1"/>
+              </a:buClr>
+              <a:buSzPct val="100000"/>
+              <a:buFont typeface="Arial" panose="020B0604020202020204" pitchFamily="34" charset="0"/>
+              <a:buChar char="•"/>
+              <a:defRPr/>
+            </a:pPr>
+            <a:r>
+              <a:rPr kumimoji="0" lang="es-AR" altLang="es-AR" sz="3200" b="0" u="none" strike="noStrike" kern="1200" cap="none" spc="0" normalizeH="0" baseline="0" noProof="0" dirty="0">
+                <a:ln>
+                  <a:noFill/>
+                </a:ln>
+                <a:effectLst/>
+                <a:uLnTx/>
+                <a:uFillTx/>
+                <a:latin typeface="Arial" panose="020B0604020202020204" pitchFamily="34" charset="0"/>
+                <a:ea typeface="Microsoft YaHei" panose="020B0503020204020204" pitchFamily="34" charset="-122"/>
+                <a:cs typeface="Arial"/>
+              </a:rPr>
+              <a:t>Métodos Predictivos: Usar los datos para modelar la incertidumbre. (estadísticas?)</a:t>
+            </a:r>
+          </a:p>
+        </p:txBody>
+      </p:sp>
+    </p:spTree>
+    <p:extLst>
+      <p:ext uri="{BB962C8B-B14F-4D97-AF65-F5344CB8AC3E}">
+        <p14:creationId xmlns:p14="http://schemas.microsoft.com/office/powerpoint/2010/main" val="1852200853"/>
+      </p:ext>
+    </p:extLst>
+  </p:cSld>
+  <p:clrMapOvr>
+    <a:masterClrMapping/>
+  </p:clrMapOvr>
+  <p:transition spd="slow">
+    <p:push/>
+  </p:transition>
+  <p:timing>
+    <p:tnLst>
+      <p:par>
+        <p:cTn id="1" dur="indefinite" restart="never" nodeType="tmRoot">
+          <p:childTnLst>
+            <p:seq concurrent="1" nextAc="seek">
+              <p:cTn id="2" dur="0" nodeType="mainSeq"/>
+              <p:prevCondLst>
+                <p:cond evt="onPrev" delay="0">
+                  <p:tgtEl>
+                    <p:sldTgt/>
+                  </p:tgtEl>
+                </p:cond>
+              </p:prevCondLst>
+              <p:nextCondLst>
+                <p:cond evt="onNext" delay="0">
+                  <p:tgtEl>
+                    <p:sldTgt/>
+                  </p:tgtEl>
+                </p:cond>
+              </p:nextCondLst>
+            </p:seq>
+          </p:childTnLst>
+        </p:cTn>
+      </p:par>
+    </p:tnLst>
+  </p:timing>
+</p:sld>
+</file>
+
+<file path=ppt/slides/slide11.xml><?xml version="1.0" encoding="utf-8"?>
+<p:sld xmlns:a="http://schemas.openxmlformats.org/drawingml/2006/main" xmlns:r="http://schemas.openxmlformats.org/officeDocument/2006/relationships" xmlns:p="http://schemas.openxmlformats.org/presentationml/2006/main">
+  <p:cSld>
+    <p:spTree>
+      <p:nvGrpSpPr>
+        <p:cNvPr id="1" name=""/>
+        <p:cNvGrpSpPr/>
+        <p:nvPr/>
+      </p:nvGrpSpPr>
+      <p:grpSpPr>
+        <a:xfrm>
+          <a:off x="0" y="0"/>
+          <a:ext cx="0" cy="0"/>
+          <a:chOff x="0" y="0"/>
+          <a:chExt cx="0" cy="0"/>
+        </a:xfrm>
+      </p:grpSpPr>
+      <p:sp>
+        <p:nvSpPr>
           <p:cNvPr id="7" name="1 Rectángulo">
             <a:extLst>
               <a:ext uri="{FF2B5EF4-FFF2-40B4-BE49-F238E27FC236}">
@@ -35201,7 +36567,6 @@
           <a:ln>
             <a:noFill/>
           </a:ln>
-          <a:extLst/>
         </p:spPr>
         <p:txBody>
           <a:bodyPr anchor="ctr"/>
@@ -35278,253 +36643,10 @@
           </a:prstGeom>
         </p:spPr>
       </p:pic>
-      <p:pic>
-        <p:nvPicPr>
-          <p:cNvPr id="5" name="Picture 4" descr="C:\Users\rcrescenzi\OneDrive\docencia\UCEMA\ucema_logo.png"/>
-          <p:cNvPicPr>
-            <a:picLocks noChangeAspect="1" noChangeArrowheads="1"/>
-          </p:cNvPicPr>
-          <p:nvPr/>
-        </p:nvPicPr>
-        <p:blipFill>
-          <a:blip r:embed="rId4" cstate="print">
-            <a:extLst>
-              <a:ext uri="{28A0092B-C50C-407E-A947-70E740481C1C}">
-                <a14:useLocalDpi xmlns:a14="http://schemas.microsoft.com/office/drawing/2010/main" val="0"/>
-              </a:ext>
-            </a:extLst>
-          </a:blip>
-          <a:srcRect/>
-          <a:stretch>
-            <a:fillRect/>
-          </a:stretch>
-        </p:blipFill>
-        <p:spPr bwMode="auto">
-          <a:xfrm>
-            <a:off x="8461829" y="-149930"/>
-            <a:ext cx="3672116" cy="1344437"/>
-          </a:xfrm>
-          <a:prstGeom prst="rect">
-            <a:avLst/>
-          </a:prstGeom>
-          <a:noFill/>
-          <a:extLst>
-            <a:ext uri="{909E8E84-426E-40DD-AFC4-6F175D3DCCD1}">
-              <a14:hiddenFill xmlns:a14="http://schemas.microsoft.com/office/drawing/2010/main">
-                <a:solidFill>
-                  <a:srgbClr val="FFFFFF"/>
-                </a:solidFill>
-              </a14:hiddenFill>
-            </a:ext>
-          </a:extLst>
-        </p:spPr>
-      </p:pic>
     </p:spTree>
     <p:extLst>
       <p:ext uri="{BB962C8B-B14F-4D97-AF65-F5344CB8AC3E}">
         <p14:creationId xmlns:p14="http://schemas.microsoft.com/office/powerpoint/2010/main" val="2068909626"/>
-      </p:ext>
-    </p:extLst>
-  </p:cSld>
-  <p:clrMapOvr>
-    <a:masterClrMapping/>
-  </p:clrMapOvr>
-  <p:transition spd="slow">
-    <p:push/>
-  </p:transition>
-  <p:timing>
-    <p:tnLst>
-      <p:par>
-        <p:cTn id="1" dur="indefinite" restart="never" nodeType="tmRoot">
-          <p:childTnLst>
-            <p:seq concurrent="1" nextAc="seek">
-              <p:cTn id="2" dur="0" nodeType="mainSeq"/>
-              <p:prevCondLst>
-                <p:cond evt="onPrev" delay="0">
-                  <p:tgtEl>
-                    <p:sldTgt/>
-                  </p:tgtEl>
-                </p:cond>
-              </p:prevCondLst>
-              <p:nextCondLst>
-                <p:cond evt="onNext" delay="0">
-                  <p:tgtEl>
-                    <p:sldTgt/>
-                  </p:tgtEl>
-                </p:cond>
-              </p:nextCondLst>
-            </p:seq>
-          </p:childTnLst>
-        </p:cTn>
-      </p:par>
-    </p:tnLst>
-  </p:timing>
-</p:sld>
-</file>
-
-<file path=ppt/slides/slide11.xml><?xml version="1.0" encoding="utf-8"?>
-<p:sld xmlns:a="http://schemas.openxmlformats.org/drawingml/2006/main" xmlns:r="http://schemas.openxmlformats.org/officeDocument/2006/relationships" xmlns:p="http://schemas.openxmlformats.org/presentationml/2006/main">
-  <p:cSld>
-    <p:spTree>
-      <p:nvGrpSpPr>
-        <p:cNvPr id="1" name=""/>
-        <p:cNvGrpSpPr/>
-        <p:nvPr/>
-      </p:nvGrpSpPr>
-      <p:grpSpPr>
-        <a:xfrm>
-          <a:off x="0" y="0"/>
-          <a:ext cx="0" cy="0"/>
-          <a:chOff x="0" y="0"/>
-          <a:chExt cx="0" cy="0"/>
-        </a:xfrm>
-      </p:grpSpPr>
-      <p:sp>
-        <p:nvSpPr>
-          <p:cNvPr id="5" name="1 Rectángulo">
-            <a:extLst>
-              <a:ext uri="{FF2B5EF4-FFF2-40B4-BE49-F238E27FC236}">
-                <a16:creationId xmlns:a16="http://schemas.microsoft.com/office/drawing/2014/main" id="{70453DE5-6B67-4224-8B48-FE01CB193BBB}"/>
-              </a:ext>
-            </a:extLst>
-          </p:cNvPr>
-          <p:cNvSpPr>
-            <a:spLocks noChangeArrowheads="1"/>
-          </p:cNvSpPr>
-          <p:nvPr/>
-        </p:nvSpPr>
-        <p:spPr bwMode="auto">
-          <a:xfrm>
-            <a:off x="0" y="1041008"/>
-            <a:ext cx="12191999" cy="5816991"/>
-          </a:xfrm>
-          <a:prstGeom prst="rect">
-            <a:avLst/>
-          </a:prstGeom>
-          <a:solidFill>
-            <a:schemeClr val="bg1">
-              <a:alpha val="30000"/>
-            </a:schemeClr>
-          </a:solidFill>
-          <a:ln>
-            <a:noFill/>
-          </a:ln>
-          <a:extLst/>
-        </p:spPr>
-        <p:txBody>
-          <a:bodyPr anchor="ctr"/>
-          <a:lstStyle/>
-          <a:p>
-            <a:pPr marL="800100" lvl="1" indent="-342900" defTabSz="599002" fontAlgn="base" hangingPunct="0">
-              <a:lnSpc>
-                <a:spcPct val="93000"/>
-              </a:lnSpc>
-              <a:spcBef>
-                <a:spcPct val="0"/>
-              </a:spcBef>
-              <a:spcAft>
-                <a:spcPct val="0"/>
-              </a:spcAft>
-              <a:buClr>
-                <a:schemeClr val="bg1"/>
-              </a:buClr>
-              <a:buSzPct val="100000"/>
-              <a:buFont typeface="Arial" panose="020B0604020202020204" pitchFamily="34" charset="0"/>
-              <a:buChar char="•"/>
-              <a:defRPr/>
-            </a:pPr>
-            <a:endParaRPr kumimoji="0" lang="es-AR" altLang="es-AR" sz="3200" b="0" u="none" strike="noStrike" kern="1200" cap="none" spc="0" normalizeH="0" baseline="0" noProof="0" dirty="0">
-              <a:ln>
-                <a:noFill/>
-              </a:ln>
-              <a:solidFill>
-                <a:schemeClr val="bg1"/>
-              </a:solidFill>
-              <a:effectLst/>
-              <a:uLnTx/>
-              <a:uFillTx/>
-              <a:latin typeface="Arial" panose="020B0604020202020204" pitchFamily="34" charset="0"/>
-              <a:ea typeface="Microsoft YaHei" panose="020B0503020204020204" pitchFamily="34" charset="-122"/>
-              <a:cs typeface="Arial"/>
-            </a:endParaRPr>
-          </a:p>
-        </p:txBody>
-      </p:sp>
-      <p:pic>
-        <p:nvPicPr>
-          <p:cNvPr id="6" name="Picture 5">
-            <a:extLst>
-              <a:ext uri="{FF2B5EF4-FFF2-40B4-BE49-F238E27FC236}">
-                <a16:creationId xmlns:a16="http://schemas.microsoft.com/office/drawing/2014/main" id="{13B1FCAF-5D21-4D30-A3ED-0E9608E7A37F}"/>
-              </a:ext>
-            </a:extLst>
-          </p:cNvPr>
-          <p:cNvPicPr>
-            <a:picLocks noChangeAspect="1"/>
-          </p:cNvPicPr>
-          <p:nvPr/>
-        </p:nvPicPr>
-        <p:blipFill>
-          <a:blip r:embed="rId3"/>
-          <a:stretch>
-            <a:fillRect/>
-          </a:stretch>
-        </p:blipFill>
-        <p:spPr>
-          <a:xfrm>
-            <a:off x="3645465" y="1474752"/>
-            <a:ext cx="5185193" cy="4949502"/>
-          </a:xfrm>
-          <a:prstGeom prst="rect">
-            <a:avLst/>
-          </a:prstGeom>
-        </p:spPr>
-      </p:pic>
-      <p:pic>
-        <p:nvPicPr>
-          <p:cNvPr id="7" name="Picture 4" descr="C:\Users\rcrescenzi\OneDrive\docencia\UCEMA\ucema_logo.png"/>
-          <p:cNvPicPr>
-            <a:picLocks noChangeAspect="1" noChangeArrowheads="1"/>
-          </p:cNvPicPr>
-          <p:nvPr/>
-        </p:nvPicPr>
-        <p:blipFill>
-          <a:blip r:embed="rId4" cstate="print">
-            <a:extLst>
-              <a:ext uri="{28A0092B-C50C-407E-A947-70E740481C1C}">
-                <a14:useLocalDpi xmlns:a14="http://schemas.microsoft.com/office/drawing/2010/main" val="0"/>
-              </a:ext>
-            </a:extLst>
-          </a:blip>
-          <a:srcRect/>
-          <a:stretch>
-            <a:fillRect/>
-          </a:stretch>
-        </p:blipFill>
-        <p:spPr bwMode="auto">
-          <a:xfrm>
-            <a:off x="8461829" y="-149930"/>
-            <a:ext cx="3672116" cy="1344437"/>
-          </a:xfrm>
-          <a:prstGeom prst="rect">
-            <a:avLst/>
-          </a:prstGeom>
-          <a:noFill/>
-          <a:extLst>
-            <a:ext uri="{909E8E84-426E-40DD-AFC4-6F175D3DCCD1}">
-              <a14:hiddenFill xmlns:a14="http://schemas.microsoft.com/office/drawing/2010/main">
-                <a:solidFill>
-                  <a:srgbClr val="FFFFFF"/>
-                </a:solidFill>
-              </a14:hiddenFill>
-            </a:ext>
-          </a:extLst>
-        </p:spPr>
-      </p:pic>
-    </p:spTree>
-    <p:extLst>
-      <p:ext uri="{BB962C8B-B14F-4D97-AF65-F5344CB8AC3E}">
-        <p14:creationId xmlns:p14="http://schemas.microsoft.com/office/powerpoint/2010/main" val="2169537117"/>
       </p:ext>
     </p:extLst>
   </p:cSld>
@@ -35611,7 +36733,166 @@
           <a:ln>
             <a:noFill/>
           </a:ln>
-          <a:extLst/>
+        </p:spPr>
+        <p:txBody>
+          <a:bodyPr anchor="ctr"/>
+          <a:lstStyle/>
+          <a:p>
+            <a:pPr marL="800100" lvl="1" indent="-342900" defTabSz="599002" fontAlgn="base" hangingPunct="0">
+              <a:lnSpc>
+                <a:spcPct val="93000"/>
+              </a:lnSpc>
+              <a:spcBef>
+                <a:spcPct val="0"/>
+              </a:spcBef>
+              <a:spcAft>
+                <a:spcPct val="0"/>
+              </a:spcAft>
+              <a:buClr>
+                <a:schemeClr val="bg1"/>
+              </a:buClr>
+              <a:buSzPct val="100000"/>
+              <a:buFont typeface="Arial" panose="020B0604020202020204" pitchFamily="34" charset="0"/>
+              <a:buChar char="•"/>
+              <a:defRPr/>
+            </a:pPr>
+            <a:endParaRPr kumimoji="0" lang="es-AR" altLang="es-AR" sz="3200" b="0" u="none" strike="noStrike" kern="1200" cap="none" spc="0" normalizeH="0" baseline="0" noProof="0" dirty="0">
+              <a:ln>
+                <a:noFill/>
+              </a:ln>
+              <a:solidFill>
+                <a:schemeClr val="bg1"/>
+              </a:solidFill>
+              <a:effectLst/>
+              <a:uLnTx/>
+              <a:uFillTx/>
+              <a:latin typeface="Arial" panose="020B0604020202020204" pitchFamily="34" charset="0"/>
+              <a:ea typeface="Microsoft YaHei" panose="020B0503020204020204" pitchFamily="34" charset="-122"/>
+              <a:cs typeface="Arial"/>
+            </a:endParaRPr>
+          </a:p>
+        </p:txBody>
+      </p:sp>
+      <p:pic>
+        <p:nvPicPr>
+          <p:cNvPr id="6" name="Picture 5">
+            <a:extLst>
+              <a:ext uri="{FF2B5EF4-FFF2-40B4-BE49-F238E27FC236}">
+                <a16:creationId xmlns:a16="http://schemas.microsoft.com/office/drawing/2014/main" id="{13B1FCAF-5D21-4D30-A3ED-0E9608E7A37F}"/>
+              </a:ext>
+            </a:extLst>
+          </p:cNvPr>
+          <p:cNvPicPr>
+            <a:picLocks noChangeAspect="1"/>
+          </p:cNvPicPr>
+          <p:nvPr/>
+        </p:nvPicPr>
+        <p:blipFill>
+          <a:blip r:embed="rId3"/>
+          <a:stretch>
+            <a:fillRect/>
+          </a:stretch>
+        </p:blipFill>
+        <p:spPr>
+          <a:xfrm>
+            <a:off x="3645465" y="1474752"/>
+            <a:ext cx="5185193" cy="4949502"/>
+          </a:xfrm>
+          <a:prstGeom prst="rect">
+            <a:avLst/>
+          </a:prstGeom>
+        </p:spPr>
+      </p:pic>
+    </p:spTree>
+    <p:extLst>
+      <p:ext uri="{BB962C8B-B14F-4D97-AF65-F5344CB8AC3E}">
+        <p14:creationId xmlns:p14="http://schemas.microsoft.com/office/powerpoint/2010/main" val="2169537117"/>
+      </p:ext>
+    </p:extLst>
+  </p:cSld>
+  <p:clrMapOvr>
+    <a:masterClrMapping/>
+  </p:clrMapOvr>
+  <p:transition spd="slow">
+    <p:push/>
+  </p:transition>
+  <p:timing>
+    <p:tnLst>
+      <p:par>
+        <p:cTn id="1" dur="indefinite" restart="never" nodeType="tmRoot">
+          <p:childTnLst>
+            <p:seq concurrent="1" nextAc="seek">
+              <p:cTn id="2" dur="0" nodeType="mainSeq"/>
+              <p:prevCondLst>
+                <p:cond evt="onPrev" delay="0">
+                  <p:tgtEl>
+                    <p:sldTgt/>
+                  </p:tgtEl>
+                </p:cond>
+              </p:prevCondLst>
+              <p:nextCondLst>
+                <p:cond evt="onNext" delay="0">
+                  <p:tgtEl>
+                    <p:sldTgt/>
+                  </p:tgtEl>
+                </p:cond>
+              </p:nextCondLst>
+            </p:seq>
+          </p:childTnLst>
+        </p:cTn>
+      </p:par>
+    </p:tnLst>
+  </p:timing>
+</p:sld>
+</file>
+
+<file path=ppt/slides/slide13.xml><?xml version="1.0" encoding="utf-8"?>
+<p:sld xmlns:a="http://schemas.openxmlformats.org/drawingml/2006/main" xmlns:r="http://schemas.openxmlformats.org/officeDocument/2006/relationships" xmlns:p="http://schemas.openxmlformats.org/presentationml/2006/main">
+  <p:cSld>
+    <p:spTree>
+      <p:nvGrpSpPr>
+        <p:cNvPr id="1" name=""/>
+        <p:cNvGrpSpPr/>
+        <p:nvPr/>
+      </p:nvGrpSpPr>
+      <p:grpSpPr>
+        <a:xfrm>
+          <a:off x="0" y="0"/>
+          <a:ext cx="0" cy="0"/>
+          <a:chOff x="0" y="0"/>
+          <a:chExt cx="0" cy="0"/>
+        </a:xfrm>
+      </p:grpSpPr>
+      <p:sp>
+        <p:nvSpPr>
+          <p:cNvPr id="5" name="1 Rectángulo">
+            <a:extLst>
+              <a:ext uri="{FF2B5EF4-FFF2-40B4-BE49-F238E27FC236}">
+                <a16:creationId xmlns:a16="http://schemas.microsoft.com/office/drawing/2014/main" id="{70453DE5-6B67-4224-8B48-FE01CB193BBB}"/>
+              </a:ext>
+            </a:extLst>
+          </p:cNvPr>
+          <p:cNvSpPr>
+            <a:spLocks noChangeArrowheads="1"/>
+          </p:cNvSpPr>
+          <p:nvPr/>
+        </p:nvSpPr>
+        <p:spPr bwMode="auto">
+          <a:xfrm>
+            <a:off x="0" y="1041008"/>
+            <a:ext cx="12191999" cy="5816991"/>
+          </a:xfrm>
+          <a:prstGeom prst="rect">
+            <a:avLst/>
+          </a:prstGeom>
+          <a:solidFill>
+            <a:schemeClr val="bg1">
+              <a:alpha val="30000"/>
+            </a:schemeClr>
+          </a:solidFill>
+          <a:ln>
+            <a:noFill/>
+          </a:ln>
         </p:spPr>
         <p:txBody>
           <a:bodyPr anchor="ctr"/>
@@ -35682,47 +36963,6 @@
           </a:prstGeom>
         </p:spPr>
       </p:pic>
-      <p:pic>
-        <p:nvPicPr>
-          <p:cNvPr id="6" name="Picture 4" descr="C:\Users\rcrescenzi\OneDrive\docencia\UCEMA\ucema_logo.png"/>
-          <p:cNvPicPr>
-            <a:picLocks noChangeAspect="1" noChangeArrowheads="1"/>
-          </p:cNvPicPr>
-          <p:nvPr/>
-        </p:nvPicPr>
-        <p:blipFill>
-          <a:blip r:embed="rId4" cstate="print">
-            <a:extLst>
-              <a:ext uri="{28A0092B-C50C-407E-A947-70E740481C1C}">
-                <a14:useLocalDpi xmlns:a14="http://schemas.microsoft.com/office/drawing/2010/main" val="0"/>
-              </a:ext>
-            </a:extLst>
-          </a:blip>
-          <a:srcRect/>
-          <a:stretch>
-            <a:fillRect/>
-          </a:stretch>
-        </p:blipFill>
-        <p:spPr bwMode="auto">
-          <a:xfrm>
-            <a:off x="8461829" y="-149930"/>
-            <a:ext cx="3672116" cy="1344437"/>
-          </a:xfrm>
-          <a:prstGeom prst="rect">
-            <a:avLst/>
-          </a:prstGeom>
-          <a:noFill/>
-          <a:extLst>
-            <a:ext uri="{909E8E84-426E-40DD-AFC4-6F175D3DCCD1}">
-              <a14:hiddenFill xmlns:a14="http://schemas.microsoft.com/office/drawing/2010/main">
-                <a:solidFill>
-                  <a:srgbClr val="FFFFFF"/>
-                </a:solidFill>
-              </a14:hiddenFill>
-            </a:ext>
-          </a:extLst>
-        </p:spPr>
-      </p:pic>
     </p:spTree>
     <p:extLst>
       <p:ext uri="{BB962C8B-B14F-4D97-AF65-F5344CB8AC3E}">
@@ -35766,7 +37006,7 @@
 </p:sld>
 </file>
 
-<file path=ppt/slides/slide13.xml><?xml version="1.0" encoding="utf-8"?>
+<file path=ppt/slides/slide14.xml><?xml version="1.0" encoding="utf-8"?>
 <p:sld xmlns:a="http://schemas.openxmlformats.org/drawingml/2006/main" xmlns:r="http://schemas.openxmlformats.org/officeDocument/2006/relationships" xmlns:p="http://schemas.openxmlformats.org/presentationml/2006/main">
   <p:cSld>
     <p:spTree>
@@ -35807,7 +37047,6 @@
           <a:ln>
             <a:noFill/>
           </a:ln>
-          <a:extLst/>
         </p:spPr>
         <p:txBody>
           <a:bodyPr anchor="ctr"/>
@@ -35892,7 +37131,6 @@
           <a:ln>
             <a:noFill/>
           </a:ln>
-          <a:extLst/>
         </p:spPr>
         <p:txBody>
           <a:bodyPr anchor="ctr"/>
@@ -35936,253 +37174,10 @@
           </a:p>
         </p:txBody>
       </p:sp>
-      <p:pic>
-        <p:nvPicPr>
-          <p:cNvPr id="5" name="Picture 4" descr="C:\Users\rcrescenzi\OneDrive\docencia\UCEMA\ucema_logo.png"/>
-          <p:cNvPicPr>
-            <a:picLocks noChangeAspect="1" noChangeArrowheads="1"/>
-          </p:cNvPicPr>
-          <p:nvPr/>
-        </p:nvPicPr>
-        <p:blipFill>
-          <a:blip r:embed="rId3" cstate="print">
-            <a:extLst>
-              <a:ext uri="{28A0092B-C50C-407E-A947-70E740481C1C}">
-                <a14:useLocalDpi xmlns:a14="http://schemas.microsoft.com/office/drawing/2010/main" val="0"/>
-              </a:ext>
-            </a:extLst>
-          </a:blip>
-          <a:srcRect/>
-          <a:stretch>
-            <a:fillRect/>
-          </a:stretch>
-        </p:blipFill>
-        <p:spPr bwMode="auto">
-          <a:xfrm>
-            <a:off x="8461829" y="-149930"/>
-            <a:ext cx="3672116" cy="1344437"/>
-          </a:xfrm>
-          <a:prstGeom prst="rect">
-            <a:avLst/>
-          </a:prstGeom>
-          <a:noFill/>
-          <a:extLst>
-            <a:ext uri="{909E8E84-426E-40DD-AFC4-6F175D3DCCD1}">
-              <a14:hiddenFill xmlns:a14="http://schemas.microsoft.com/office/drawing/2010/main">
-                <a:solidFill>
-                  <a:srgbClr val="FFFFFF"/>
-                </a:solidFill>
-              </a14:hiddenFill>
-            </a:ext>
-          </a:extLst>
-        </p:spPr>
-      </p:pic>
     </p:spTree>
     <p:extLst>
       <p:ext uri="{BB962C8B-B14F-4D97-AF65-F5344CB8AC3E}">
         <p14:creationId xmlns:p14="http://schemas.microsoft.com/office/powerpoint/2010/main" val="3232185289"/>
-      </p:ext>
-    </p:extLst>
-  </p:cSld>
-  <p:clrMapOvr>
-    <a:masterClrMapping/>
-  </p:clrMapOvr>
-  <p:transition spd="slow">
-    <p:push/>
-  </p:transition>
-  <p:timing>
-    <p:tnLst>
-      <p:par>
-        <p:cTn id="1" dur="indefinite" restart="never" nodeType="tmRoot">
-          <p:childTnLst>
-            <p:seq concurrent="1" nextAc="seek">
-              <p:cTn id="2" dur="0" nodeType="mainSeq"/>
-              <p:prevCondLst>
-                <p:cond evt="onPrev" delay="0">
-                  <p:tgtEl>
-                    <p:sldTgt/>
-                  </p:tgtEl>
-                </p:cond>
-              </p:prevCondLst>
-              <p:nextCondLst>
-                <p:cond evt="onNext" delay="0">
-                  <p:tgtEl>
-                    <p:sldTgt/>
-                  </p:tgtEl>
-                </p:cond>
-              </p:nextCondLst>
-            </p:seq>
-          </p:childTnLst>
-        </p:cTn>
-      </p:par>
-    </p:tnLst>
-  </p:timing>
-</p:sld>
-</file>
-
-<file path=ppt/slides/slide14.xml><?xml version="1.0" encoding="utf-8"?>
-<p:sld xmlns:a="http://schemas.openxmlformats.org/drawingml/2006/main" xmlns:r="http://schemas.openxmlformats.org/officeDocument/2006/relationships" xmlns:p="http://schemas.openxmlformats.org/presentationml/2006/main">
-  <p:cSld>
-    <p:spTree>
-      <p:nvGrpSpPr>
-        <p:cNvPr id="1" name=""/>
-        <p:cNvGrpSpPr/>
-        <p:nvPr/>
-      </p:nvGrpSpPr>
-      <p:grpSpPr>
-        <a:xfrm>
-          <a:off x="0" y="0"/>
-          <a:ext cx="0" cy="0"/>
-          <a:chOff x="0" y="0"/>
-          <a:chExt cx="0" cy="0"/>
-        </a:xfrm>
-      </p:grpSpPr>
-      <p:sp>
-        <p:nvSpPr>
-          <p:cNvPr id="9218" name="1 Rectángulo"/>
-          <p:cNvSpPr>
-            <a:spLocks noChangeArrowheads="1"/>
-          </p:cNvSpPr>
-          <p:nvPr/>
-        </p:nvSpPr>
-        <p:spPr bwMode="auto">
-          <a:xfrm>
-            <a:off x="0" y="1103275"/>
-            <a:ext cx="12192000" cy="1217894"/>
-          </a:xfrm>
-          <a:prstGeom prst="rect">
-            <a:avLst/>
-          </a:prstGeom>
-          <a:solidFill>
-            <a:schemeClr val="bg1">
-              <a:alpha val="30000"/>
-            </a:schemeClr>
-          </a:solidFill>
-          <a:ln>
-            <a:noFill/>
-          </a:ln>
-          <a:extLst/>
-        </p:spPr>
-        <p:txBody>
-          <a:bodyPr anchor="ctr"/>
-          <a:lstStyle/>
-          <a:p>
-            <a:pPr marL="0" marR="0" lvl="0" indent="0" algn="ctr" defTabSz="599002" rtl="0" eaLnBrk="1" fontAlgn="base" latinLnBrk="0" hangingPunct="0">
-              <a:lnSpc>
-                <a:spcPct val="93000"/>
-              </a:lnSpc>
-              <a:spcBef>
-                <a:spcPct val="0"/>
-              </a:spcBef>
-              <a:spcAft>
-                <a:spcPct val="0"/>
-              </a:spcAft>
-              <a:buClr>
-                <a:srgbClr val="000000"/>
-              </a:buClr>
-              <a:buSzPct val="100000"/>
-              <a:buFontTx/>
-              <a:buNone/>
-              <a:tabLst/>
-              <a:defRPr/>
-            </a:pPr>
-            <a:r>
-              <a:rPr lang="es-AR" altLang="es-AR" sz="3600" b="1" dirty="0">
-                <a:latin typeface="Arial" panose="020B0604020202020204" pitchFamily="34" charset="0"/>
-                <a:ea typeface="Microsoft YaHei" panose="020B0503020204020204" pitchFamily="34" charset="-122"/>
-                <a:cs typeface="Arial"/>
-              </a:rPr>
-              <a:t>El Ciclo del Data </a:t>
-            </a:r>
-            <a:r>
-              <a:rPr lang="es-AR" altLang="es-AR" sz="3600" b="1" dirty="0" err="1">
-                <a:latin typeface="Arial" panose="020B0604020202020204" pitchFamily="34" charset="0"/>
-                <a:ea typeface="Microsoft YaHei" panose="020B0503020204020204" pitchFamily="34" charset="-122"/>
-                <a:cs typeface="Arial"/>
-              </a:rPr>
-              <a:t>Science</a:t>
-            </a:r>
-            <a:endParaRPr lang="es-AR" altLang="es-AR" sz="3600" b="1" dirty="0">
-              <a:latin typeface="Arial" panose="020B0604020202020204" pitchFamily="34" charset="0"/>
-              <a:ea typeface="Microsoft YaHei" panose="020B0503020204020204" pitchFamily="34" charset="-122"/>
-              <a:cs typeface="Arial"/>
-            </a:endParaRPr>
-          </a:p>
-        </p:txBody>
-      </p:sp>
-      <p:graphicFrame>
-        <p:nvGraphicFramePr>
-          <p:cNvPr id="2" name="Diagrama 1">
-            <a:extLst>
-              <a:ext uri="{FF2B5EF4-FFF2-40B4-BE49-F238E27FC236}">
-                <a16:creationId xmlns:a16="http://schemas.microsoft.com/office/drawing/2014/main" id="{C4844DA5-81D4-434D-BC17-924A3A9F7C1B}"/>
-              </a:ext>
-            </a:extLst>
-          </p:cNvPr>
-          <p:cNvGraphicFramePr/>
-          <p:nvPr>
-            <p:extLst>
-              <p:ext uri="{D42A27DB-BD31-4B8C-83A1-F6EECF244321}">
-                <p14:modId xmlns:p14="http://schemas.microsoft.com/office/powerpoint/2010/main" val="94689942"/>
-              </p:ext>
-            </p:extLst>
-          </p:nvPr>
-        </p:nvGraphicFramePr>
-        <p:xfrm>
-          <a:off x="0" y="2321170"/>
-          <a:ext cx="12192000" cy="4536830"/>
-        </p:xfrm>
-        <a:graphic>
-          <a:graphicData uri="http://schemas.openxmlformats.org/drawingml/2006/diagram">
-            <dgm:relIds xmlns:dgm="http://schemas.openxmlformats.org/drawingml/2006/diagram" xmlns:r="http://schemas.openxmlformats.org/officeDocument/2006/relationships" r:dm="rId3" r:lo="rId4" r:qs="rId5" r:cs="rId6"/>
-          </a:graphicData>
-        </a:graphic>
-      </p:graphicFrame>
-      <p:pic>
-        <p:nvPicPr>
-          <p:cNvPr id="5" name="Picture 4" descr="C:\Users\rcrescenzi\OneDrive\docencia\UCEMA\ucema_logo.png"/>
-          <p:cNvPicPr>
-            <a:picLocks noChangeAspect="1" noChangeArrowheads="1"/>
-          </p:cNvPicPr>
-          <p:nvPr/>
-        </p:nvPicPr>
-        <p:blipFill>
-          <a:blip r:embed="rId8" cstate="print">
-            <a:extLst>
-              <a:ext uri="{28A0092B-C50C-407E-A947-70E740481C1C}">
-                <a14:useLocalDpi xmlns:a14="http://schemas.microsoft.com/office/drawing/2010/main" val="0"/>
-              </a:ext>
-            </a:extLst>
-          </a:blip>
-          <a:srcRect/>
-          <a:stretch>
-            <a:fillRect/>
-          </a:stretch>
-        </p:blipFill>
-        <p:spPr bwMode="auto">
-          <a:xfrm>
-            <a:off x="8461829" y="-149930"/>
-            <a:ext cx="3672116" cy="1344437"/>
-          </a:xfrm>
-          <a:prstGeom prst="rect">
-            <a:avLst/>
-          </a:prstGeom>
-          <a:noFill/>
-          <a:extLst>
-            <a:ext uri="{909E8E84-426E-40DD-AFC4-6F175D3DCCD1}">
-              <a14:hiddenFill xmlns:a14="http://schemas.microsoft.com/office/drawing/2010/main">
-                <a:solidFill>
-                  <a:srgbClr val="FFFFFF"/>
-                </a:solidFill>
-              </a14:hiddenFill>
-            </a:ext>
-          </a:extLst>
-        </p:spPr>
-      </p:pic>
-    </p:spTree>
-    <p:extLst>
-      <p:ext uri="{BB962C8B-B14F-4D97-AF65-F5344CB8AC3E}">
-        <p14:creationId xmlns:p14="http://schemas.microsoft.com/office/powerpoint/2010/main" val="1232290577"/>
       </p:ext>
     </p:extLst>
   </p:cSld>
@@ -36263,7 +37258,166 @@
           <a:ln>
             <a:noFill/>
           </a:ln>
-          <a:extLst/>
+        </p:spPr>
+        <p:txBody>
+          <a:bodyPr anchor="ctr"/>
+          <a:lstStyle/>
+          <a:p>
+            <a:pPr marL="0" marR="0" lvl="0" indent="0" algn="ctr" defTabSz="599002" rtl="0" eaLnBrk="1" fontAlgn="base" latinLnBrk="0" hangingPunct="0">
+              <a:lnSpc>
+                <a:spcPct val="93000"/>
+              </a:lnSpc>
+              <a:spcBef>
+                <a:spcPct val="0"/>
+              </a:spcBef>
+              <a:spcAft>
+                <a:spcPct val="0"/>
+              </a:spcAft>
+              <a:buClr>
+                <a:srgbClr val="000000"/>
+              </a:buClr>
+              <a:buSzPct val="100000"/>
+              <a:buFontTx/>
+              <a:buNone/>
+              <a:tabLst/>
+              <a:defRPr/>
+            </a:pPr>
+            <a:r>
+              <a:rPr lang="es-AR" altLang="es-AR" sz="3600" b="1" dirty="0">
+                <a:latin typeface="Arial" panose="020B0604020202020204" pitchFamily="34" charset="0"/>
+                <a:ea typeface="Microsoft YaHei" panose="020B0503020204020204" pitchFamily="34" charset="-122"/>
+                <a:cs typeface="Arial"/>
+              </a:rPr>
+              <a:t>El Ciclo del Data </a:t>
+            </a:r>
+            <a:r>
+              <a:rPr lang="es-AR" altLang="es-AR" sz="3600" b="1" dirty="0" err="1">
+                <a:latin typeface="Arial" panose="020B0604020202020204" pitchFamily="34" charset="0"/>
+                <a:ea typeface="Microsoft YaHei" panose="020B0503020204020204" pitchFamily="34" charset="-122"/>
+                <a:cs typeface="Arial"/>
+              </a:rPr>
+              <a:t>Science</a:t>
+            </a:r>
+            <a:endParaRPr lang="es-AR" altLang="es-AR" sz="3600" b="1" dirty="0">
+              <a:latin typeface="Arial" panose="020B0604020202020204" pitchFamily="34" charset="0"/>
+              <a:ea typeface="Microsoft YaHei" panose="020B0503020204020204" pitchFamily="34" charset="-122"/>
+              <a:cs typeface="Arial"/>
+            </a:endParaRPr>
+          </a:p>
+        </p:txBody>
+      </p:sp>
+      <p:graphicFrame>
+        <p:nvGraphicFramePr>
+          <p:cNvPr id="2" name="Diagrama 1">
+            <a:extLst>
+              <a:ext uri="{FF2B5EF4-FFF2-40B4-BE49-F238E27FC236}">
+                <a16:creationId xmlns:a16="http://schemas.microsoft.com/office/drawing/2014/main" id="{C4844DA5-81D4-434D-BC17-924A3A9F7C1B}"/>
+              </a:ext>
+            </a:extLst>
+          </p:cNvPr>
+          <p:cNvGraphicFramePr/>
+          <p:nvPr>
+            <p:extLst>
+              <p:ext uri="{D42A27DB-BD31-4B8C-83A1-F6EECF244321}">
+                <p14:modId xmlns:p14="http://schemas.microsoft.com/office/powerpoint/2010/main" val="94689942"/>
+              </p:ext>
+            </p:extLst>
+          </p:nvPr>
+        </p:nvGraphicFramePr>
+        <p:xfrm>
+          <a:off x="0" y="2321170"/>
+          <a:ext cx="12192000" cy="4536830"/>
+        </p:xfrm>
+        <a:graphic>
+          <a:graphicData uri="http://schemas.openxmlformats.org/drawingml/2006/diagram">
+            <dgm:relIds xmlns:dgm="http://schemas.openxmlformats.org/drawingml/2006/diagram" xmlns:r="http://schemas.openxmlformats.org/officeDocument/2006/relationships" r:dm="rId3" r:lo="rId4" r:qs="rId5" r:cs="rId6"/>
+          </a:graphicData>
+        </a:graphic>
+      </p:graphicFrame>
+    </p:spTree>
+    <p:extLst>
+      <p:ext uri="{BB962C8B-B14F-4D97-AF65-F5344CB8AC3E}">
+        <p14:creationId xmlns:p14="http://schemas.microsoft.com/office/powerpoint/2010/main" val="1232290577"/>
+      </p:ext>
+    </p:extLst>
+  </p:cSld>
+  <p:clrMapOvr>
+    <a:masterClrMapping/>
+  </p:clrMapOvr>
+  <p:transition spd="slow">
+    <p:push/>
+  </p:transition>
+  <p:timing>
+    <p:tnLst>
+      <p:par>
+        <p:cTn id="1" dur="indefinite" restart="never" nodeType="tmRoot">
+          <p:childTnLst>
+            <p:seq concurrent="1" nextAc="seek">
+              <p:cTn id="2" dur="0" nodeType="mainSeq"/>
+              <p:prevCondLst>
+                <p:cond evt="onPrev" delay="0">
+                  <p:tgtEl>
+                    <p:sldTgt/>
+                  </p:tgtEl>
+                </p:cond>
+              </p:prevCondLst>
+              <p:nextCondLst>
+                <p:cond evt="onNext" delay="0">
+                  <p:tgtEl>
+                    <p:sldTgt/>
+                  </p:tgtEl>
+                </p:cond>
+              </p:nextCondLst>
+            </p:seq>
+          </p:childTnLst>
+        </p:cTn>
+      </p:par>
+    </p:tnLst>
+  </p:timing>
+</p:sld>
+</file>
+
+<file path=ppt/slides/slide16.xml><?xml version="1.0" encoding="utf-8"?>
+<p:sld xmlns:a="http://schemas.openxmlformats.org/drawingml/2006/main" xmlns:r="http://schemas.openxmlformats.org/officeDocument/2006/relationships" xmlns:p="http://schemas.openxmlformats.org/presentationml/2006/main">
+  <p:cSld>
+    <p:spTree>
+      <p:nvGrpSpPr>
+        <p:cNvPr id="1" name=""/>
+        <p:cNvGrpSpPr/>
+        <p:nvPr/>
+      </p:nvGrpSpPr>
+      <p:grpSpPr>
+        <a:xfrm>
+          <a:off x="0" y="0"/>
+          <a:ext cx="0" cy="0"/>
+          <a:chOff x="0" y="0"/>
+          <a:chExt cx="0" cy="0"/>
+        </a:xfrm>
+      </p:grpSpPr>
+      <p:sp>
+        <p:nvSpPr>
+          <p:cNvPr id="9218" name="1 Rectángulo"/>
+          <p:cNvSpPr>
+            <a:spLocks noChangeArrowheads="1"/>
+          </p:cNvSpPr>
+          <p:nvPr/>
+        </p:nvSpPr>
+        <p:spPr bwMode="auto">
+          <a:xfrm>
+            <a:off x="0" y="1103275"/>
+            <a:ext cx="12192000" cy="1217894"/>
+          </a:xfrm>
+          <a:prstGeom prst="rect">
+            <a:avLst/>
+          </a:prstGeom>
+          <a:solidFill>
+            <a:schemeClr val="bg1">
+              <a:alpha val="30000"/>
+            </a:schemeClr>
+          </a:solidFill>
+          <a:ln>
+            <a:noFill/>
+          </a:ln>
         </p:spPr>
         <p:txBody>
           <a:bodyPr anchor="ctr"/>
@@ -36326,8 +37480,8 @@
         </p:nvSpPr>
         <p:spPr bwMode="auto">
           <a:xfrm>
-            <a:off x="0" y="2700161"/>
-            <a:ext cx="12191999" cy="3377082"/>
+            <a:off x="0" y="2700160"/>
+            <a:ext cx="12191999" cy="4157839"/>
           </a:xfrm>
           <a:prstGeom prst="rect">
             <a:avLst/>
@@ -36340,7 +37494,6 @@
           <a:ln>
             <a:noFill/>
           </a:ln>
-          <a:extLst/>
         </p:spPr>
         <p:txBody>
           <a:bodyPr anchor="ctr"/>
@@ -36528,8 +37681,27 @@
               <a:rPr lang="es-AR" sz="2800" dirty="0">
                 <a:latin typeface="+mj-lt"/>
               </a:rPr>
-              <a:t>"</a:t>
+              <a:t>“</a:t>
             </a:r>
+            <a:endParaRPr lang="es-AR" sz="2800" dirty="0">
+              <a:latin typeface="+mj-lt"/>
+              <a:ea typeface="Microsoft YaHei" panose="020B0503020204020204" pitchFamily="34" charset="-122"/>
+            </a:endParaRPr>
+          </a:p>
+          <a:p>
+            <a:pPr defTabSz="599002" fontAlgn="base" hangingPunct="0">
+              <a:lnSpc>
+                <a:spcPct val="93000"/>
+              </a:lnSpc>
+              <a:spcBef>
+                <a:spcPct val="0"/>
+              </a:spcBef>
+              <a:spcAft>
+                <a:spcPct val="0"/>
+              </a:spcAft>
+              <a:buSzPct val="100000"/>
+              <a:defRPr/>
+            </a:pPr>
             <a:endParaRPr lang="es-AR" altLang="es-AR" sz="2800" dirty="0">
               <a:latin typeface="+mj-lt"/>
               <a:ea typeface="Microsoft YaHei" panose="020B0503020204020204" pitchFamily="34" charset="-122"/>
@@ -36549,13 +37721,16 @@
               <a:buSzPct val="100000"/>
               <a:defRPr/>
             </a:pPr>
-            <a:endParaRPr lang="es-AR" altLang="es-AR" sz="3200" dirty="0">
-              <a:latin typeface="Arial" panose="020B0604020202020204" pitchFamily="34" charset="0"/>
-              <a:ea typeface="Microsoft YaHei" panose="020B0503020204020204" pitchFamily="34" charset="-122"/>
-            </a:endParaRPr>
+            <a:r>
+              <a:rPr lang="es-AR" altLang="es-AR" sz="2800" dirty="0">
+                <a:latin typeface="+mj-lt"/>
+                <a:ea typeface="Microsoft YaHei" panose="020B0503020204020204" pitchFamily="34" charset="-122"/>
+              </a:rPr>
+              <a:t>Consignas: </a:t>
+            </a:r>
           </a:p>
           <a:p>
-            <a:pPr lvl="6" defTabSz="599002" fontAlgn="base" hangingPunct="0">
+            <a:pPr marL="514350" indent="-514350" defTabSz="599002" fontAlgn="base" hangingPunct="0">
               <a:lnSpc>
                 <a:spcPct val="93000"/>
               </a:lnSpc>
@@ -36566,8 +37741,62 @@
                 <a:spcPct val="0"/>
               </a:spcAft>
               <a:buSzPct val="100000"/>
+              <a:buAutoNum type="alphaUcParenR"/>
               <a:defRPr/>
             </a:pPr>
+            <a:r>
+              <a:rPr lang="es-AR" altLang="es-AR" sz="2800" dirty="0">
+                <a:latin typeface="+mj-lt"/>
+                <a:ea typeface="Microsoft YaHei" panose="020B0503020204020204" pitchFamily="34" charset="-122"/>
+              </a:rPr>
+              <a:t>Determinación del problema</a:t>
+            </a:r>
+          </a:p>
+          <a:p>
+            <a:pPr marL="514350" indent="-514350" defTabSz="599002" fontAlgn="base" hangingPunct="0">
+              <a:lnSpc>
+                <a:spcPct val="93000"/>
+              </a:lnSpc>
+              <a:spcBef>
+                <a:spcPct val="0"/>
+              </a:spcBef>
+              <a:spcAft>
+                <a:spcPct val="0"/>
+              </a:spcAft>
+              <a:buSzPct val="100000"/>
+              <a:buAutoNum type="alphaUcParenR"/>
+              <a:defRPr/>
+            </a:pPr>
+            <a:r>
+              <a:rPr lang="es-AR" altLang="es-AR" sz="2800" dirty="0">
+                <a:latin typeface="+mj-lt"/>
+                <a:ea typeface="Microsoft YaHei" panose="020B0503020204020204" pitchFamily="34" charset="-122"/>
+              </a:rPr>
+              <a:t>Obtención de Datos</a:t>
+            </a:r>
+          </a:p>
+          <a:p>
+            <a:pPr marL="514350" indent="-514350" defTabSz="599002" fontAlgn="base" hangingPunct="0">
+              <a:lnSpc>
+                <a:spcPct val="93000"/>
+              </a:lnSpc>
+              <a:spcBef>
+                <a:spcPct val="0"/>
+              </a:spcBef>
+              <a:spcAft>
+                <a:spcPct val="0"/>
+              </a:spcAft>
+              <a:buSzPct val="100000"/>
+              <a:buAutoNum type="alphaUcParenR"/>
+              <a:defRPr/>
+            </a:pPr>
+            <a:r>
+              <a:rPr lang="es-AR" altLang="es-AR" sz="2800" dirty="0">
+                <a:latin typeface="+mj-lt"/>
+                <a:ea typeface="Microsoft YaHei" panose="020B0503020204020204" pitchFamily="34" charset="-122"/>
+              </a:rPr>
+              <a:t>Accionamiento</a:t>
+            </a:r>
             <a:r>
               <a:rPr lang="es-AR" altLang="es-AR" sz="3200" dirty="0">
                 <a:latin typeface="Arial" panose="020B0604020202020204" pitchFamily="34" charset="0"/>
@@ -36589,47 +37818,6 @@
           </a:p>
         </p:txBody>
       </p:sp>
-      <p:pic>
-        <p:nvPicPr>
-          <p:cNvPr id="5" name="Picture 4" descr="C:\Users\rcrescenzi\OneDrive\docencia\UCEMA\ucema_logo.png"/>
-          <p:cNvPicPr>
-            <a:picLocks noChangeAspect="1" noChangeArrowheads="1"/>
-          </p:cNvPicPr>
-          <p:nvPr/>
-        </p:nvPicPr>
-        <p:blipFill>
-          <a:blip r:embed="rId4" cstate="print">
-            <a:extLst>
-              <a:ext uri="{28A0092B-C50C-407E-A947-70E740481C1C}">
-                <a14:useLocalDpi xmlns:a14="http://schemas.microsoft.com/office/drawing/2010/main" val="0"/>
-              </a:ext>
-            </a:extLst>
-          </a:blip>
-          <a:srcRect/>
-          <a:stretch>
-            <a:fillRect/>
-          </a:stretch>
-        </p:blipFill>
-        <p:spPr bwMode="auto">
-          <a:xfrm>
-            <a:off x="8461829" y="-149930"/>
-            <a:ext cx="3672116" cy="1344437"/>
-          </a:xfrm>
-          <a:prstGeom prst="rect">
-            <a:avLst/>
-          </a:prstGeom>
-          <a:noFill/>
-          <a:extLst>
-            <a:ext uri="{909E8E84-426E-40DD-AFC4-6F175D3DCCD1}">
-              <a14:hiddenFill xmlns:a14="http://schemas.microsoft.com/office/drawing/2010/main">
-                <a:solidFill>
-                  <a:srgbClr val="FFFFFF"/>
-                </a:solidFill>
-              </a14:hiddenFill>
-            </a:ext>
-          </a:extLst>
-        </p:spPr>
-      </p:pic>
     </p:spTree>
     <p:extLst>
       <p:ext uri="{BB962C8B-B14F-4D97-AF65-F5344CB8AC3E}">
@@ -36673,7 +37861,7 @@
 </p:sld>
 </file>
 
-<file path=ppt/slides/slide16.xml><?xml version="1.0" encoding="utf-8"?>
+<file path=ppt/slides/slide17.xml><?xml version="1.0" encoding="utf-8"?>
 <p:sld xmlns:a="http://schemas.openxmlformats.org/drawingml/2006/main" xmlns:r="http://schemas.openxmlformats.org/officeDocument/2006/relationships" xmlns:p="http://schemas.openxmlformats.org/presentationml/2006/main">
   <p:cSld>
     <p:spTree>
@@ -36714,7 +37902,6 @@
           <a:ln>
             <a:noFill/>
           </a:ln>
-          <a:extLst/>
         </p:spPr>
         <p:txBody>
           <a:bodyPr anchor="ctr"/>
@@ -36805,7 +37992,6 @@
           <a:ln>
             <a:noFill/>
           </a:ln>
-          <a:extLst/>
         </p:spPr>
         <p:txBody>
           <a:bodyPr anchor="ctr"/>
@@ -36833,47 +38019,6 @@
           </a:p>
         </p:txBody>
       </p:sp>
-      <p:pic>
-        <p:nvPicPr>
-          <p:cNvPr id="5" name="Picture 4" descr="C:\Users\rcrescenzi\OneDrive\docencia\UCEMA\ucema_logo.png"/>
-          <p:cNvPicPr>
-            <a:picLocks noChangeAspect="1" noChangeArrowheads="1"/>
-          </p:cNvPicPr>
-          <p:nvPr/>
-        </p:nvPicPr>
-        <p:blipFill>
-          <a:blip r:embed="rId3" cstate="print">
-            <a:extLst>
-              <a:ext uri="{28A0092B-C50C-407E-A947-70E740481C1C}">
-                <a14:useLocalDpi xmlns:a14="http://schemas.microsoft.com/office/drawing/2010/main" val="0"/>
-              </a:ext>
-            </a:extLst>
-          </a:blip>
-          <a:srcRect/>
-          <a:stretch>
-            <a:fillRect/>
-          </a:stretch>
-        </p:blipFill>
-        <p:spPr bwMode="auto">
-          <a:xfrm>
-            <a:off x="8461829" y="-149930"/>
-            <a:ext cx="3672116" cy="1344437"/>
-          </a:xfrm>
-          <a:prstGeom prst="rect">
-            <a:avLst/>
-          </a:prstGeom>
-          <a:noFill/>
-          <a:extLst>
-            <a:ext uri="{909E8E84-426E-40DD-AFC4-6F175D3DCCD1}">
-              <a14:hiddenFill xmlns:a14="http://schemas.microsoft.com/office/drawing/2010/main">
-                <a:solidFill>
-                  <a:srgbClr val="FFFFFF"/>
-                </a:solidFill>
-              </a14:hiddenFill>
-            </a:ext>
-          </a:extLst>
-        </p:spPr>
-      </p:pic>
       <p:graphicFrame>
         <p:nvGraphicFramePr>
           <p:cNvPr id="7" name="Diagrama 1">
@@ -36898,7 +38043,7 @@
         </p:xfrm>
         <a:graphic>
           <a:graphicData uri="http://schemas.openxmlformats.org/drawingml/2006/diagram">
-            <dgm:relIds xmlns:dgm="http://schemas.openxmlformats.org/drawingml/2006/diagram" xmlns:r="http://schemas.openxmlformats.org/officeDocument/2006/relationships" r:dm="rId4" r:lo="rId5" r:qs="rId6" r:cs="rId7"/>
+            <dgm:relIds xmlns:dgm="http://schemas.openxmlformats.org/drawingml/2006/diagram" xmlns:r="http://schemas.openxmlformats.org/officeDocument/2006/relationships" r:dm="rId3" r:lo="rId4" r:qs="rId5" r:cs="rId6"/>
           </a:graphicData>
         </a:graphic>
       </p:graphicFrame>
@@ -36945,7 +38090,7 @@
 </p:sld>
 </file>
 
-<file path=ppt/slides/slide17.xml><?xml version="1.0" encoding="utf-8"?>
+<file path=ppt/slides/slide18.xml><?xml version="1.0" encoding="utf-8"?>
 <p:sld xmlns:a="http://schemas.openxmlformats.org/drawingml/2006/main" xmlns:r="http://schemas.openxmlformats.org/officeDocument/2006/relationships" xmlns:p="http://schemas.openxmlformats.org/presentationml/2006/main">
   <p:cSld>
     <p:spTree>
@@ -36986,7 +38131,6 @@
           <a:ln>
             <a:noFill/>
           </a:ln>
-          <a:extLst/>
         </p:spPr>
         <p:txBody>
           <a:bodyPr anchor="ctr"/>
@@ -37077,7 +38221,6 @@
           <a:ln>
             <a:noFill/>
           </a:ln>
-          <a:extLst/>
         </p:spPr>
         <p:txBody>
           <a:bodyPr anchor="ctr"/>
@@ -37106,47 +38249,6 @@
           </a:p>
         </p:txBody>
       </p:sp>
-      <p:pic>
-        <p:nvPicPr>
-          <p:cNvPr id="5" name="Picture 4" descr="C:\Users\rcrescenzi\OneDrive\docencia\UCEMA\ucema_logo.png"/>
-          <p:cNvPicPr>
-            <a:picLocks noChangeAspect="1" noChangeArrowheads="1"/>
-          </p:cNvPicPr>
-          <p:nvPr/>
-        </p:nvPicPr>
-        <p:blipFill>
-          <a:blip r:embed="rId3" cstate="print">
-            <a:extLst>
-              <a:ext uri="{28A0092B-C50C-407E-A947-70E740481C1C}">
-                <a14:useLocalDpi xmlns:a14="http://schemas.microsoft.com/office/drawing/2010/main" val="0"/>
-              </a:ext>
-            </a:extLst>
-          </a:blip>
-          <a:srcRect/>
-          <a:stretch>
-            <a:fillRect/>
-          </a:stretch>
-        </p:blipFill>
-        <p:spPr bwMode="auto">
-          <a:xfrm>
-            <a:off x="8461829" y="-149930"/>
-            <a:ext cx="3672116" cy="1344437"/>
-          </a:xfrm>
-          <a:prstGeom prst="rect">
-            <a:avLst/>
-          </a:prstGeom>
-          <a:noFill/>
-          <a:extLst>
-            <a:ext uri="{909E8E84-426E-40DD-AFC4-6F175D3DCCD1}">
-              <a14:hiddenFill xmlns:a14="http://schemas.microsoft.com/office/drawing/2010/main">
-                <a:solidFill>
-                  <a:srgbClr val="FFFFFF"/>
-                </a:solidFill>
-              </a14:hiddenFill>
-            </a:ext>
-          </a:extLst>
-        </p:spPr>
-      </p:pic>
     </p:spTree>
     <p:extLst>
       <p:ext uri="{BB962C8B-B14F-4D97-AF65-F5344CB8AC3E}">
@@ -37190,7 +38292,7 @@
 </p:sld>
 </file>
 
-<file path=ppt/slides/slide18.xml><?xml version="1.0" encoding="utf-8"?>
+<file path=ppt/slides/slide19.xml><?xml version="1.0" encoding="utf-8"?>
 <p:sld xmlns:a="http://schemas.openxmlformats.org/drawingml/2006/main" xmlns:r="http://schemas.openxmlformats.org/officeDocument/2006/relationships" xmlns:p="http://schemas.openxmlformats.org/presentationml/2006/main">
   <p:cSld>
     <p:spTree>
@@ -37231,7 +38333,6 @@
           <a:ln>
             <a:noFill/>
           </a:ln>
-          <a:extLst/>
         </p:spPr>
         <p:txBody>
           <a:bodyPr anchor="ctr"/>
@@ -37322,7 +38423,6 @@
           <a:ln>
             <a:noFill/>
           </a:ln>
-          <a:extLst/>
         </p:spPr>
         <p:txBody>
           <a:bodyPr anchor="ctr"/>
@@ -37347,47 +38447,6 @@
           </a:p>
         </p:txBody>
       </p:sp>
-      <p:pic>
-        <p:nvPicPr>
-          <p:cNvPr id="5" name="Picture 4" descr="C:\Users\rcrescenzi\OneDrive\docencia\UCEMA\ucema_logo.png"/>
-          <p:cNvPicPr>
-            <a:picLocks noChangeAspect="1" noChangeArrowheads="1"/>
-          </p:cNvPicPr>
-          <p:nvPr/>
-        </p:nvPicPr>
-        <p:blipFill>
-          <a:blip r:embed="rId3" cstate="print">
-            <a:extLst>
-              <a:ext uri="{28A0092B-C50C-407E-A947-70E740481C1C}">
-                <a14:useLocalDpi xmlns:a14="http://schemas.microsoft.com/office/drawing/2010/main" val="0"/>
-              </a:ext>
-            </a:extLst>
-          </a:blip>
-          <a:srcRect/>
-          <a:stretch>
-            <a:fillRect/>
-          </a:stretch>
-        </p:blipFill>
-        <p:spPr bwMode="auto">
-          <a:xfrm>
-            <a:off x="8461829" y="-149930"/>
-            <a:ext cx="3672116" cy="1344437"/>
-          </a:xfrm>
-          <a:prstGeom prst="rect">
-            <a:avLst/>
-          </a:prstGeom>
-          <a:noFill/>
-          <a:extLst>
-            <a:ext uri="{909E8E84-426E-40DD-AFC4-6F175D3DCCD1}">
-              <a14:hiddenFill xmlns:a14="http://schemas.microsoft.com/office/drawing/2010/main">
-                <a:solidFill>
-                  <a:srgbClr val="FFFFFF"/>
-                </a:solidFill>
-              </a14:hiddenFill>
-            </a:ext>
-          </a:extLst>
-        </p:spPr>
-      </p:pic>
       <p:graphicFrame>
         <p:nvGraphicFramePr>
           <p:cNvPr id="6" name="5 Diagrama"/>
@@ -37406,7 +38465,7 @@
         </p:xfrm>
         <a:graphic>
           <a:graphicData uri="http://schemas.openxmlformats.org/drawingml/2006/diagram">
-            <dgm:relIds xmlns:dgm="http://schemas.openxmlformats.org/drawingml/2006/diagram" xmlns:r="http://schemas.openxmlformats.org/officeDocument/2006/relationships" r:dm="rId4" r:lo="rId5" r:qs="rId6" r:cs="rId7"/>
+            <dgm:relIds xmlns:dgm="http://schemas.openxmlformats.org/drawingml/2006/diagram" xmlns:r="http://schemas.openxmlformats.org/officeDocument/2006/relationships" r:dm="rId3" r:lo="rId4" r:qs="rId5" r:cs="rId6"/>
           </a:graphicData>
         </a:graphic>
       </p:graphicFrame>
@@ -37414,267 +38473,6 @@
     <p:extLst>
       <p:ext uri="{BB962C8B-B14F-4D97-AF65-F5344CB8AC3E}">
         <p14:creationId xmlns:p14="http://schemas.microsoft.com/office/powerpoint/2010/main" val="976528594"/>
-      </p:ext>
-    </p:extLst>
-  </p:cSld>
-  <p:clrMapOvr>
-    <a:masterClrMapping/>
-  </p:clrMapOvr>
-  <p:transition spd="slow">
-    <p:push/>
-  </p:transition>
-  <p:timing>
-    <p:tnLst>
-      <p:par>
-        <p:cTn id="1" dur="indefinite" restart="never" nodeType="tmRoot">
-          <p:childTnLst>
-            <p:seq concurrent="1" nextAc="seek">
-              <p:cTn id="2" dur="0" nodeType="mainSeq"/>
-              <p:prevCondLst>
-                <p:cond evt="onPrev" delay="0">
-                  <p:tgtEl>
-                    <p:sldTgt/>
-                  </p:tgtEl>
-                </p:cond>
-              </p:prevCondLst>
-              <p:nextCondLst>
-                <p:cond evt="onNext" delay="0">
-                  <p:tgtEl>
-                    <p:sldTgt/>
-                  </p:tgtEl>
-                </p:cond>
-              </p:nextCondLst>
-            </p:seq>
-          </p:childTnLst>
-        </p:cTn>
-      </p:par>
-    </p:tnLst>
-  </p:timing>
-</p:sld>
-</file>
-
-<file path=ppt/slides/slide19.xml><?xml version="1.0" encoding="utf-8"?>
-<p:sld xmlns:a="http://schemas.openxmlformats.org/drawingml/2006/main" xmlns:r="http://schemas.openxmlformats.org/officeDocument/2006/relationships" xmlns:p="http://schemas.openxmlformats.org/presentationml/2006/main">
-  <p:cSld>
-    <p:spTree>
-      <p:nvGrpSpPr>
-        <p:cNvPr id="1" name=""/>
-        <p:cNvGrpSpPr/>
-        <p:nvPr/>
-      </p:nvGrpSpPr>
-      <p:grpSpPr>
-        <a:xfrm>
-          <a:off x="0" y="0"/>
-          <a:ext cx="0" cy="0"/>
-          <a:chOff x="0" y="0"/>
-          <a:chExt cx="0" cy="0"/>
-        </a:xfrm>
-      </p:grpSpPr>
-      <p:sp>
-        <p:nvSpPr>
-          <p:cNvPr id="9218" name="1 Rectángulo"/>
-          <p:cNvSpPr>
-            <a:spLocks noChangeArrowheads="1"/>
-          </p:cNvSpPr>
-          <p:nvPr/>
-        </p:nvSpPr>
-        <p:spPr bwMode="auto">
-          <a:xfrm>
-            <a:off x="0" y="1103275"/>
-            <a:ext cx="12192000" cy="1217894"/>
-          </a:xfrm>
-          <a:prstGeom prst="rect">
-            <a:avLst/>
-          </a:prstGeom>
-          <a:solidFill>
-            <a:schemeClr val="bg1">
-              <a:alpha val="30000"/>
-            </a:schemeClr>
-          </a:solidFill>
-          <a:ln>
-            <a:noFill/>
-          </a:ln>
-          <a:extLst/>
-        </p:spPr>
-        <p:txBody>
-          <a:bodyPr anchor="ctr"/>
-          <a:lstStyle/>
-          <a:p>
-            <a:pPr marL="0" marR="0" lvl="0" indent="0" algn="ctr" defTabSz="599002" rtl="0" eaLnBrk="1" fontAlgn="base" latinLnBrk="0" hangingPunct="0">
-              <a:lnSpc>
-                <a:spcPct val="93000"/>
-              </a:lnSpc>
-              <a:spcBef>
-                <a:spcPct val="0"/>
-              </a:spcBef>
-              <a:spcAft>
-                <a:spcPct val="0"/>
-              </a:spcAft>
-              <a:buClr>
-                <a:srgbClr val="000000"/>
-              </a:buClr>
-              <a:buSzPct val="100000"/>
-              <a:buFontTx/>
-              <a:buNone/>
-              <a:tabLst/>
-              <a:defRPr/>
-            </a:pPr>
-            <a:r>
-              <a:rPr kumimoji="0" lang="es-AR" altLang="es-AR" sz="3600" b="1" i="0" u="none" strike="noStrike" kern="1200" cap="none" spc="0" normalizeH="0" baseline="0" noProof="0" dirty="0">
-                <a:ln>
-                  <a:noFill/>
-                </a:ln>
-                <a:effectLst/>
-                <a:uLnTx/>
-                <a:uFillTx/>
-                <a:latin typeface="Arial" panose="020B0604020202020204" pitchFamily="34" charset="0"/>
-                <a:ea typeface="Microsoft YaHei" panose="020B0503020204020204" pitchFamily="34" charset="-122"/>
-                <a:cs typeface="Arial"/>
-              </a:rPr>
-              <a:t>Caso Target -</a:t>
-            </a:r>
-            <a:r>
-              <a:rPr kumimoji="0" lang="es-AR" altLang="es-AR" sz="3600" b="1" i="0" u="none" strike="noStrike" kern="1200" cap="none" spc="0" normalizeH="0" noProof="0" dirty="0">
-                <a:ln>
-                  <a:noFill/>
-                </a:ln>
-                <a:effectLst/>
-                <a:uLnTx/>
-                <a:uFillTx/>
-                <a:latin typeface="Arial" panose="020B0604020202020204" pitchFamily="34" charset="0"/>
-                <a:ea typeface="Microsoft YaHei" panose="020B0503020204020204" pitchFamily="34" charset="-122"/>
-                <a:cs typeface="Arial"/>
-              </a:rPr>
-              <a:t> Acciones</a:t>
-            </a:r>
-            <a:endParaRPr lang="es-AR" altLang="es-AR" sz="3600" b="1" dirty="0">
-              <a:latin typeface="Arial" panose="020B0604020202020204" pitchFamily="34" charset="0"/>
-              <a:ea typeface="Microsoft YaHei" panose="020B0503020204020204" pitchFamily="34" charset="-122"/>
-              <a:cs typeface="Arial"/>
-            </a:endParaRPr>
-          </a:p>
-        </p:txBody>
-      </p:sp>
-      <p:sp>
-        <p:nvSpPr>
-          <p:cNvPr id="4" name="1 Rectángulo">
-            <a:extLst>
-              <a:ext uri="{FF2B5EF4-FFF2-40B4-BE49-F238E27FC236}">
-                <a16:creationId xmlns:a16="http://schemas.microsoft.com/office/drawing/2014/main" id="{C38DC9E2-A33D-43A5-B91A-49EDF1F542C3}"/>
-              </a:ext>
-            </a:extLst>
-          </p:cNvPr>
-          <p:cNvSpPr>
-            <a:spLocks noChangeArrowheads="1"/>
-          </p:cNvSpPr>
-          <p:nvPr/>
-        </p:nvSpPr>
-        <p:spPr bwMode="auto">
-          <a:xfrm>
-            <a:off x="0" y="2321170"/>
-            <a:ext cx="12191999" cy="4536830"/>
-          </a:xfrm>
-          <a:prstGeom prst="rect">
-            <a:avLst/>
-          </a:prstGeom>
-          <a:solidFill>
-            <a:schemeClr val="bg1">
-              <a:alpha val="30000"/>
-            </a:schemeClr>
-          </a:solidFill>
-          <a:ln>
-            <a:noFill/>
-          </a:ln>
-          <a:extLst/>
-        </p:spPr>
-        <p:txBody>
-          <a:bodyPr anchor="ctr"/>
-          <a:lstStyle/>
-          <a:p>
-            <a:pPr defTabSz="599002" fontAlgn="base" hangingPunct="0">
-              <a:lnSpc>
-                <a:spcPct val="93000"/>
-              </a:lnSpc>
-              <a:spcBef>
-                <a:spcPct val="0"/>
-              </a:spcBef>
-              <a:spcAft>
-                <a:spcPct val="0"/>
-              </a:spcAft>
-              <a:buSzPct val="100000"/>
-              <a:defRPr/>
-            </a:pPr>
-            <a:endParaRPr lang="en-US" sz="3200" dirty="0"/>
-          </a:p>
-        </p:txBody>
-      </p:sp>
-      <p:pic>
-        <p:nvPicPr>
-          <p:cNvPr id="5" name="Picture 4" descr="C:\Users\rcrescenzi\OneDrive\docencia\UCEMA\ucema_logo.png"/>
-          <p:cNvPicPr>
-            <a:picLocks noChangeAspect="1" noChangeArrowheads="1"/>
-          </p:cNvPicPr>
-          <p:nvPr/>
-        </p:nvPicPr>
-        <p:blipFill>
-          <a:blip r:embed="rId3" cstate="print">
-            <a:extLst>
-              <a:ext uri="{28A0092B-C50C-407E-A947-70E740481C1C}">
-                <a14:useLocalDpi xmlns:a14="http://schemas.microsoft.com/office/drawing/2010/main" val="0"/>
-              </a:ext>
-            </a:extLst>
-          </a:blip>
-          <a:srcRect/>
-          <a:stretch>
-            <a:fillRect/>
-          </a:stretch>
-        </p:blipFill>
-        <p:spPr bwMode="auto">
-          <a:xfrm>
-            <a:off x="8461829" y="-149930"/>
-            <a:ext cx="3672116" cy="1344437"/>
-          </a:xfrm>
-          <a:prstGeom prst="rect">
-            <a:avLst/>
-          </a:prstGeom>
-          <a:noFill/>
-          <a:extLst>
-            <a:ext uri="{909E8E84-426E-40DD-AFC4-6F175D3DCCD1}">
-              <a14:hiddenFill xmlns:a14="http://schemas.microsoft.com/office/drawing/2010/main">
-                <a:solidFill>
-                  <a:srgbClr val="FFFFFF"/>
-                </a:solidFill>
-              </a14:hiddenFill>
-            </a:ext>
-          </a:extLst>
-        </p:spPr>
-      </p:pic>
-      <p:graphicFrame>
-        <p:nvGraphicFramePr>
-          <p:cNvPr id="2" name="1 Diagrama"/>
-          <p:cNvGraphicFramePr/>
-          <p:nvPr>
-            <p:extLst>
-              <p:ext uri="{D42A27DB-BD31-4B8C-83A1-F6EECF244321}">
-                <p14:modId xmlns:p14="http://schemas.microsoft.com/office/powerpoint/2010/main" val="3649436259"/>
-              </p:ext>
-            </p:extLst>
-          </p:nvPr>
-        </p:nvGraphicFramePr>
-        <p:xfrm>
-          <a:off x="870856" y="2190541"/>
-          <a:ext cx="10450287" cy="4369916"/>
-        </p:xfrm>
-        <a:graphic>
-          <a:graphicData uri="http://schemas.openxmlformats.org/drawingml/2006/diagram">
-            <dgm:relIds xmlns:dgm="http://schemas.openxmlformats.org/drawingml/2006/diagram" xmlns:r="http://schemas.openxmlformats.org/officeDocument/2006/relationships" r:dm="rId4" r:lo="rId5" r:qs="rId6" r:cs="rId7"/>
-          </a:graphicData>
-        </a:graphic>
-      </p:graphicFrame>
-    </p:spTree>
-    <p:extLst>
-      <p:ext uri="{BB962C8B-B14F-4D97-AF65-F5344CB8AC3E}">
-        <p14:creationId xmlns:p14="http://schemas.microsoft.com/office/powerpoint/2010/main" val="3556518243"/>
       </p:ext>
     </p:extLst>
   </p:cSld>
@@ -37731,47 +38529,6 @@
           <a:chExt cx="0" cy="0"/>
         </a:xfrm>
       </p:grpSpPr>
-      <p:pic>
-        <p:nvPicPr>
-          <p:cNvPr id="4" name="Picture 4" descr="C:\Users\rcrescenzi\OneDrive\docencia\UCEMA\ucema_logo.png"/>
-          <p:cNvPicPr>
-            <a:picLocks noChangeAspect="1" noChangeArrowheads="1"/>
-          </p:cNvPicPr>
-          <p:nvPr/>
-        </p:nvPicPr>
-        <p:blipFill>
-          <a:blip r:embed="rId3" cstate="print">
-            <a:extLst>
-              <a:ext uri="{28A0092B-C50C-407E-A947-70E740481C1C}">
-                <a14:useLocalDpi xmlns:a14="http://schemas.microsoft.com/office/drawing/2010/main" val="0"/>
-              </a:ext>
-            </a:extLst>
-          </a:blip>
-          <a:srcRect/>
-          <a:stretch>
-            <a:fillRect/>
-          </a:stretch>
-        </p:blipFill>
-        <p:spPr bwMode="auto">
-          <a:xfrm>
-            <a:off x="8461829" y="-149930"/>
-            <a:ext cx="3672116" cy="1344437"/>
-          </a:xfrm>
-          <a:prstGeom prst="rect">
-            <a:avLst/>
-          </a:prstGeom>
-          <a:noFill/>
-          <a:extLst>
-            <a:ext uri="{909E8E84-426E-40DD-AFC4-6F175D3DCCD1}">
-              <a14:hiddenFill xmlns:a14="http://schemas.microsoft.com/office/drawing/2010/main">
-                <a:solidFill>
-                  <a:srgbClr val="FFFFFF"/>
-                </a:solidFill>
-              </a14:hiddenFill>
-            </a:ext>
-          </a:extLst>
-        </p:spPr>
-      </p:pic>
       <p:sp>
         <p:nvSpPr>
           <p:cNvPr id="5" name="1 Rectángulo">
@@ -37802,7 +38559,6 @@
           <a:ln>
             <a:noFill/>
           </a:ln>
-          <a:extLst/>
         </p:spPr>
         <p:txBody>
           <a:bodyPr anchor="ctr"/>
@@ -38004,10 +38760,10 @@
               <a:defRPr/>
             </a:pPr>
             <a:r>
-              <a:rPr lang="es-AR" altLang="es-AR" sz="2400" b="1" dirty="0">
+              <a:rPr lang="es-AR" altLang="es-AR" sz="2400" b="1" dirty="0" err="1">
                 <a:latin typeface="Arial" panose="020B0604020202020204" pitchFamily="34" charset="0"/>
                 <a:ea typeface="Microsoft YaHei" panose="020B0503020204020204" pitchFamily="34" charset="-122"/>
-                <a:hlinkClick r:id="rId4">
+                <a:hlinkClick r:id="rId3">
                   <a:extLst>
                     <a:ext uri="{A12FA001-AC4F-418D-AE19-62706E023703}">
                       <ahyp:hlinkClr xmlns:ahyp="http://schemas.microsoft.com/office/drawing/2018/hyperlinkcolor" val="tx"/>
@@ -38015,7 +38771,7 @@
                   </a:extLst>
                 </a:hlinkClick>
               </a:rPr>
-              <a:t>rcrescenzi@acordarweb.com</a:t>
+              <a:t>rafa@mauna.app</a:t>
             </a:r>
             <a:endParaRPr lang="es-AR" altLang="es-AR" sz="2400" b="1" dirty="0">
               <a:latin typeface="Arial" panose="020B0604020202020204" pitchFamily="34" charset="0"/>
@@ -38042,7 +38798,7 @@
               <a:rPr lang="es-AR" altLang="es-AR" sz="2400" b="1" dirty="0">
                 <a:latin typeface="Arial" panose="020B0604020202020204" pitchFamily="34" charset="0"/>
                 <a:ea typeface="Microsoft YaHei" panose="020B0503020204020204" pitchFamily="34" charset="-122"/>
-                <a:hlinkClick r:id="rId5">
+                <a:hlinkClick r:id="rId4">
                   <a:extLst>
                     <a:ext uri="{A12FA001-AC4F-418D-AE19-62706E023703}">
                       <ahyp:hlinkClr xmlns:ahyp="http://schemas.microsoft.com/office/drawing/2018/hyperlinkcolor" val="tx"/>
@@ -38078,7 +38834,7 @@
               <a:rPr lang="es-AR" altLang="es-AR" sz="2400" b="1" dirty="0">
                 <a:latin typeface="Arial" panose="020B0604020202020204" pitchFamily="34" charset="0"/>
                 <a:ea typeface="Microsoft YaHei" panose="020B0503020204020204" pitchFamily="34" charset="-122"/>
-                <a:hlinkClick r:id="rId6">
+                <a:hlinkClick r:id="rId5">
                   <a:extLst>
                     <a:ext uri="{A12FA001-AC4F-418D-AE19-62706E023703}">
                       <ahyp:hlinkClr xmlns:ahyp="http://schemas.microsoft.com/office/drawing/2018/hyperlinkcolor" val="tx"/>
@@ -38113,7 +38869,7 @@
               <a:rPr lang="es-AR" altLang="es-AR" sz="2400" b="1" dirty="0">
                 <a:latin typeface="Arial" panose="020B0604020202020204" pitchFamily="34" charset="0"/>
                 <a:ea typeface="Microsoft YaHei" panose="020B0503020204020204" pitchFamily="34" charset="-122"/>
-                <a:hlinkClick r:id="rId7">
+                <a:hlinkClick r:id="rId6">
                   <a:extLst>
                     <a:ext uri="{A12FA001-AC4F-418D-AE19-62706E023703}">
                       <ahyp:hlinkClr xmlns:ahyp="http://schemas.microsoft.com/office/drawing/2018/hyperlinkcolor" val="tx"/>
@@ -38214,7 +38970,224 @@
           <a:ln>
             <a:noFill/>
           </a:ln>
-          <a:extLst/>
+        </p:spPr>
+        <p:txBody>
+          <a:bodyPr anchor="ctr"/>
+          <a:lstStyle/>
+          <a:p>
+            <a:pPr marL="0" marR="0" lvl="0" indent="0" algn="ctr" defTabSz="599002" rtl="0" eaLnBrk="1" fontAlgn="base" latinLnBrk="0" hangingPunct="0">
+              <a:lnSpc>
+                <a:spcPct val="93000"/>
+              </a:lnSpc>
+              <a:spcBef>
+                <a:spcPct val="0"/>
+              </a:spcBef>
+              <a:spcAft>
+                <a:spcPct val="0"/>
+              </a:spcAft>
+              <a:buClr>
+                <a:srgbClr val="000000"/>
+              </a:buClr>
+              <a:buSzPct val="100000"/>
+              <a:buFontTx/>
+              <a:buNone/>
+              <a:tabLst/>
+              <a:defRPr/>
+            </a:pPr>
+            <a:r>
+              <a:rPr kumimoji="0" lang="es-AR" altLang="es-AR" sz="3600" b="1" i="0" u="none" strike="noStrike" kern="1200" cap="none" spc="0" normalizeH="0" baseline="0" noProof="0" dirty="0">
+                <a:ln>
+                  <a:noFill/>
+                </a:ln>
+                <a:effectLst/>
+                <a:uLnTx/>
+                <a:uFillTx/>
+                <a:latin typeface="Arial" panose="020B0604020202020204" pitchFamily="34" charset="0"/>
+                <a:ea typeface="Microsoft YaHei" panose="020B0503020204020204" pitchFamily="34" charset="-122"/>
+                <a:cs typeface="Arial"/>
+              </a:rPr>
+              <a:t>Caso Target -</a:t>
+            </a:r>
+            <a:r>
+              <a:rPr kumimoji="0" lang="es-AR" altLang="es-AR" sz="3600" b="1" i="0" u="none" strike="noStrike" kern="1200" cap="none" spc="0" normalizeH="0" noProof="0" dirty="0">
+                <a:ln>
+                  <a:noFill/>
+                </a:ln>
+                <a:effectLst/>
+                <a:uLnTx/>
+                <a:uFillTx/>
+                <a:latin typeface="Arial" panose="020B0604020202020204" pitchFamily="34" charset="0"/>
+                <a:ea typeface="Microsoft YaHei" panose="020B0503020204020204" pitchFamily="34" charset="-122"/>
+                <a:cs typeface="Arial"/>
+              </a:rPr>
+              <a:t> Acciones</a:t>
+            </a:r>
+            <a:endParaRPr lang="es-AR" altLang="es-AR" sz="3600" b="1" dirty="0">
+              <a:latin typeface="Arial" panose="020B0604020202020204" pitchFamily="34" charset="0"/>
+              <a:ea typeface="Microsoft YaHei" panose="020B0503020204020204" pitchFamily="34" charset="-122"/>
+              <a:cs typeface="Arial"/>
+            </a:endParaRPr>
+          </a:p>
+        </p:txBody>
+      </p:sp>
+      <p:sp>
+        <p:nvSpPr>
+          <p:cNvPr id="4" name="1 Rectángulo">
+            <a:extLst>
+              <a:ext uri="{FF2B5EF4-FFF2-40B4-BE49-F238E27FC236}">
+                <a16:creationId xmlns:a16="http://schemas.microsoft.com/office/drawing/2014/main" id="{C38DC9E2-A33D-43A5-B91A-49EDF1F542C3}"/>
+              </a:ext>
+            </a:extLst>
+          </p:cNvPr>
+          <p:cNvSpPr>
+            <a:spLocks noChangeArrowheads="1"/>
+          </p:cNvSpPr>
+          <p:nvPr/>
+        </p:nvSpPr>
+        <p:spPr bwMode="auto">
+          <a:xfrm>
+            <a:off x="0" y="2321170"/>
+            <a:ext cx="12191999" cy="4536830"/>
+          </a:xfrm>
+          <a:prstGeom prst="rect">
+            <a:avLst/>
+          </a:prstGeom>
+          <a:solidFill>
+            <a:schemeClr val="bg1">
+              <a:alpha val="30000"/>
+            </a:schemeClr>
+          </a:solidFill>
+          <a:ln>
+            <a:noFill/>
+          </a:ln>
+        </p:spPr>
+        <p:txBody>
+          <a:bodyPr anchor="ctr"/>
+          <a:lstStyle/>
+          <a:p>
+            <a:pPr defTabSz="599002" fontAlgn="base" hangingPunct="0">
+              <a:lnSpc>
+                <a:spcPct val="93000"/>
+              </a:lnSpc>
+              <a:spcBef>
+                <a:spcPct val="0"/>
+              </a:spcBef>
+              <a:spcAft>
+                <a:spcPct val="0"/>
+              </a:spcAft>
+              <a:buSzPct val="100000"/>
+              <a:defRPr/>
+            </a:pPr>
+            <a:endParaRPr lang="en-US" sz="3200" dirty="0"/>
+          </a:p>
+        </p:txBody>
+      </p:sp>
+      <p:graphicFrame>
+        <p:nvGraphicFramePr>
+          <p:cNvPr id="2" name="1 Diagrama"/>
+          <p:cNvGraphicFramePr/>
+          <p:nvPr>
+            <p:extLst>
+              <p:ext uri="{D42A27DB-BD31-4B8C-83A1-F6EECF244321}">
+                <p14:modId xmlns:p14="http://schemas.microsoft.com/office/powerpoint/2010/main" val="3649436259"/>
+              </p:ext>
+            </p:extLst>
+          </p:nvPr>
+        </p:nvGraphicFramePr>
+        <p:xfrm>
+          <a:off x="870856" y="2190541"/>
+          <a:ext cx="10450287" cy="4369916"/>
+        </p:xfrm>
+        <a:graphic>
+          <a:graphicData uri="http://schemas.openxmlformats.org/drawingml/2006/diagram">
+            <dgm:relIds xmlns:dgm="http://schemas.openxmlformats.org/drawingml/2006/diagram" xmlns:r="http://schemas.openxmlformats.org/officeDocument/2006/relationships" r:dm="rId3" r:lo="rId4" r:qs="rId5" r:cs="rId6"/>
+          </a:graphicData>
+        </a:graphic>
+      </p:graphicFrame>
+    </p:spTree>
+    <p:extLst>
+      <p:ext uri="{BB962C8B-B14F-4D97-AF65-F5344CB8AC3E}">
+        <p14:creationId xmlns:p14="http://schemas.microsoft.com/office/powerpoint/2010/main" val="3556518243"/>
+      </p:ext>
+    </p:extLst>
+  </p:cSld>
+  <p:clrMapOvr>
+    <a:masterClrMapping/>
+  </p:clrMapOvr>
+  <p:transition spd="slow">
+    <p:push/>
+  </p:transition>
+  <p:timing>
+    <p:tnLst>
+      <p:par>
+        <p:cTn id="1" dur="indefinite" restart="never" nodeType="tmRoot">
+          <p:childTnLst>
+            <p:seq concurrent="1" nextAc="seek">
+              <p:cTn id="2" dur="0" nodeType="mainSeq"/>
+              <p:prevCondLst>
+                <p:cond evt="onPrev" delay="0">
+                  <p:tgtEl>
+                    <p:sldTgt/>
+                  </p:tgtEl>
+                </p:cond>
+              </p:prevCondLst>
+              <p:nextCondLst>
+                <p:cond evt="onNext" delay="0">
+                  <p:tgtEl>
+                    <p:sldTgt/>
+                  </p:tgtEl>
+                </p:cond>
+              </p:nextCondLst>
+            </p:seq>
+          </p:childTnLst>
+        </p:cTn>
+      </p:par>
+    </p:tnLst>
+  </p:timing>
+</p:sld>
+</file>
+
+<file path=ppt/slides/slide21.xml><?xml version="1.0" encoding="utf-8"?>
+<p:sld xmlns:a="http://schemas.openxmlformats.org/drawingml/2006/main" xmlns:r="http://schemas.openxmlformats.org/officeDocument/2006/relationships" xmlns:p="http://schemas.openxmlformats.org/presentationml/2006/main">
+  <p:cSld>
+    <p:spTree>
+      <p:nvGrpSpPr>
+        <p:cNvPr id="1" name=""/>
+        <p:cNvGrpSpPr/>
+        <p:nvPr/>
+      </p:nvGrpSpPr>
+      <p:grpSpPr>
+        <a:xfrm>
+          <a:off x="0" y="0"/>
+          <a:ext cx="0" cy="0"/>
+          <a:chOff x="0" y="0"/>
+          <a:chExt cx="0" cy="0"/>
+        </a:xfrm>
+      </p:grpSpPr>
+      <p:sp>
+        <p:nvSpPr>
+          <p:cNvPr id="9218" name="1 Rectángulo"/>
+          <p:cNvSpPr>
+            <a:spLocks noChangeArrowheads="1"/>
+          </p:cNvSpPr>
+          <p:nvPr/>
+        </p:nvSpPr>
+        <p:spPr bwMode="auto">
+          <a:xfrm>
+            <a:off x="0" y="1103275"/>
+            <a:ext cx="12192000" cy="1217894"/>
+          </a:xfrm>
+          <a:prstGeom prst="rect">
+            <a:avLst/>
+          </a:prstGeom>
+          <a:solidFill>
+            <a:schemeClr val="bg1">
+              <a:alpha val="30000"/>
+            </a:schemeClr>
+          </a:solidFill>
+          <a:ln>
+            <a:noFill/>
+          </a:ln>
         </p:spPr>
         <p:txBody>
           <a:bodyPr anchor="ctr"/>
@@ -38305,7 +39278,6 @@
           <a:ln>
             <a:noFill/>
           </a:ln>
-          <a:extLst/>
         </p:spPr>
         <p:txBody>
           <a:bodyPr anchor="ctr"/>
@@ -38441,322 +39413,10 @@
           </a:p>
         </p:txBody>
       </p:sp>
-      <p:pic>
-        <p:nvPicPr>
-          <p:cNvPr id="5" name="Picture 4" descr="C:\Users\rcrescenzi\OneDrive\docencia\UCEMA\ucema_logo.png"/>
-          <p:cNvPicPr>
-            <a:picLocks noChangeAspect="1" noChangeArrowheads="1"/>
-          </p:cNvPicPr>
-          <p:nvPr/>
-        </p:nvPicPr>
-        <p:blipFill>
-          <a:blip r:embed="rId3" cstate="print">
-            <a:extLst>
-              <a:ext uri="{28A0092B-C50C-407E-A947-70E740481C1C}">
-                <a14:useLocalDpi xmlns:a14="http://schemas.microsoft.com/office/drawing/2010/main" val="0"/>
-              </a:ext>
-            </a:extLst>
-          </a:blip>
-          <a:srcRect/>
-          <a:stretch>
-            <a:fillRect/>
-          </a:stretch>
-        </p:blipFill>
-        <p:spPr bwMode="auto">
-          <a:xfrm>
-            <a:off x="8461829" y="-149930"/>
-            <a:ext cx="3672116" cy="1344437"/>
-          </a:xfrm>
-          <a:prstGeom prst="rect">
-            <a:avLst/>
-          </a:prstGeom>
-          <a:noFill/>
-          <a:extLst>
-            <a:ext uri="{909E8E84-426E-40DD-AFC4-6F175D3DCCD1}">
-              <a14:hiddenFill xmlns:a14="http://schemas.microsoft.com/office/drawing/2010/main">
-                <a:solidFill>
-                  <a:srgbClr val="FFFFFF"/>
-                </a:solidFill>
-              </a14:hiddenFill>
-            </a:ext>
-          </a:extLst>
-        </p:spPr>
-      </p:pic>
     </p:spTree>
     <p:extLst>
       <p:ext uri="{BB962C8B-B14F-4D97-AF65-F5344CB8AC3E}">
         <p14:creationId xmlns:p14="http://schemas.microsoft.com/office/powerpoint/2010/main" val="56324968"/>
-      </p:ext>
-    </p:extLst>
-  </p:cSld>
-  <p:clrMapOvr>
-    <a:masterClrMapping/>
-  </p:clrMapOvr>
-  <p:transition spd="slow">
-    <p:push/>
-  </p:transition>
-  <p:timing>
-    <p:tnLst>
-      <p:par>
-        <p:cTn id="1" dur="indefinite" restart="never" nodeType="tmRoot">
-          <p:childTnLst>
-            <p:seq concurrent="1" nextAc="seek">
-              <p:cTn id="2" dur="0" nodeType="mainSeq"/>
-              <p:prevCondLst>
-                <p:cond evt="onPrev" delay="0">
-                  <p:tgtEl>
-                    <p:sldTgt/>
-                  </p:tgtEl>
-                </p:cond>
-              </p:prevCondLst>
-              <p:nextCondLst>
-                <p:cond evt="onNext" delay="0">
-                  <p:tgtEl>
-                    <p:sldTgt/>
-                  </p:tgtEl>
-                </p:cond>
-              </p:nextCondLst>
-            </p:seq>
-          </p:childTnLst>
-        </p:cTn>
-      </p:par>
-    </p:tnLst>
-  </p:timing>
-</p:sld>
-</file>
-
-<file path=ppt/slides/slide21.xml><?xml version="1.0" encoding="utf-8"?>
-<p:sld xmlns:a="http://schemas.openxmlformats.org/drawingml/2006/main" xmlns:r="http://schemas.openxmlformats.org/officeDocument/2006/relationships" xmlns:p="http://schemas.openxmlformats.org/presentationml/2006/main">
-  <p:cSld>
-    <p:spTree>
-      <p:nvGrpSpPr>
-        <p:cNvPr id="1" name=""/>
-        <p:cNvGrpSpPr/>
-        <p:nvPr/>
-      </p:nvGrpSpPr>
-      <p:grpSpPr>
-        <a:xfrm>
-          <a:off x="0" y="0"/>
-          <a:ext cx="0" cy="0"/>
-          <a:chOff x="0" y="0"/>
-          <a:chExt cx="0" cy="0"/>
-        </a:xfrm>
-      </p:grpSpPr>
-      <p:sp>
-        <p:nvSpPr>
-          <p:cNvPr id="9218" name="1 Rectángulo"/>
-          <p:cNvSpPr>
-            <a:spLocks noChangeArrowheads="1"/>
-          </p:cNvSpPr>
-          <p:nvPr/>
-        </p:nvSpPr>
-        <p:spPr bwMode="auto">
-          <a:xfrm>
-            <a:off x="0" y="1103275"/>
-            <a:ext cx="12192000" cy="1217894"/>
-          </a:xfrm>
-          <a:prstGeom prst="rect">
-            <a:avLst/>
-          </a:prstGeom>
-          <a:solidFill>
-            <a:schemeClr val="bg1">
-              <a:alpha val="30000"/>
-            </a:schemeClr>
-          </a:solidFill>
-          <a:ln>
-            <a:noFill/>
-          </a:ln>
-          <a:extLst/>
-        </p:spPr>
-        <p:txBody>
-          <a:bodyPr anchor="ctr"/>
-          <a:lstStyle/>
-          <a:p>
-            <a:pPr marL="0" marR="0" lvl="0" indent="0" algn="ctr" defTabSz="599002" rtl="0" eaLnBrk="1" fontAlgn="base" latinLnBrk="0" hangingPunct="0">
-              <a:lnSpc>
-                <a:spcPct val="93000"/>
-              </a:lnSpc>
-              <a:spcBef>
-                <a:spcPct val="0"/>
-              </a:spcBef>
-              <a:spcAft>
-                <a:spcPct val="0"/>
-              </a:spcAft>
-              <a:buClr>
-                <a:srgbClr val="000000"/>
-              </a:buClr>
-              <a:buSzPct val="100000"/>
-              <a:buFontTx/>
-              <a:buNone/>
-              <a:tabLst/>
-              <a:defRPr/>
-            </a:pPr>
-            <a:r>
-              <a:rPr kumimoji="0" lang="es-AR" altLang="es-AR" sz="3600" b="1" i="0" u="none" strike="noStrike" kern="1200" cap="none" spc="0" normalizeH="0" baseline="0" noProof="0" dirty="0">
-                <a:ln>
-                  <a:noFill/>
-                </a:ln>
-                <a:effectLst/>
-                <a:uLnTx/>
-                <a:uFillTx/>
-                <a:latin typeface="Arial" panose="020B0604020202020204" pitchFamily="34" charset="0"/>
-                <a:ea typeface="Microsoft YaHei" panose="020B0503020204020204" pitchFamily="34" charset="-122"/>
-                <a:cs typeface="Arial"/>
-              </a:rPr>
-              <a:t>Obtención de Datos</a:t>
-            </a:r>
-            <a:endParaRPr lang="es-AR" altLang="es-AR" sz="3600" b="1" dirty="0">
-              <a:latin typeface="Arial" panose="020B0604020202020204" pitchFamily="34" charset="0"/>
-              <a:ea typeface="Microsoft YaHei" panose="020B0503020204020204" pitchFamily="34" charset="-122"/>
-              <a:cs typeface="Arial"/>
-            </a:endParaRPr>
-          </a:p>
-        </p:txBody>
-      </p:sp>
-      <p:sp>
-        <p:nvSpPr>
-          <p:cNvPr id="4" name="1 Rectángulo">
-            <a:extLst>
-              <a:ext uri="{FF2B5EF4-FFF2-40B4-BE49-F238E27FC236}">
-                <a16:creationId xmlns:a16="http://schemas.microsoft.com/office/drawing/2014/main" id="{C38DC9E2-A33D-43A5-B91A-49EDF1F542C3}"/>
-              </a:ext>
-            </a:extLst>
-          </p:cNvPr>
-          <p:cNvSpPr>
-            <a:spLocks noChangeArrowheads="1"/>
-          </p:cNvSpPr>
-          <p:nvPr/>
-        </p:nvSpPr>
-        <p:spPr bwMode="auto">
-          <a:xfrm>
-            <a:off x="0" y="2700161"/>
-            <a:ext cx="12191999" cy="3377082"/>
-          </a:xfrm>
-          <a:prstGeom prst="rect">
-            <a:avLst/>
-          </a:prstGeom>
-          <a:solidFill>
-            <a:schemeClr val="bg1">
-              <a:alpha val="30000"/>
-            </a:schemeClr>
-          </a:solidFill>
-          <a:ln>
-            <a:noFill/>
-          </a:ln>
-          <a:extLst/>
-        </p:spPr>
-        <p:txBody>
-          <a:bodyPr anchor="ctr"/>
-          <a:lstStyle/>
-          <a:p>
-            <a:pPr lvl="2" defTabSz="599002" fontAlgn="base" hangingPunct="0">
-              <a:lnSpc>
-                <a:spcPct val="93000"/>
-              </a:lnSpc>
-              <a:spcBef>
-                <a:spcPct val="0"/>
-              </a:spcBef>
-              <a:spcAft>
-                <a:spcPct val="0"/>
-              </a:spcAft>
-              <a:buSzPct val="100000"/>
-              <a:defRPr/>
-            </a:pPr>
-            <a:r>
-              <a:rPr lang="es-AR" altLang="es-AR" sz="2800" dirty="0">
-                <a:latin typeface="Arial" panose="020B0604020202020204" pitchFamily="34" charset="0"/>
-                <a:ea typeface="Microsoft YaHei" panose="020B0503020204020204" pitchFamily="34" charset="-122"/>
-              </a:rPr>
-              <a:t>¿Qué hago con los datos que tengo? vs </a:t>
-            </a:r>
-          </a:p>
-          <a:p>
-            <a:pPr lvl="2" defTabSz="599002" fontAlgn="base" hangingPunct="0">
-              <a:lnSpc>
-                <a:spcPct val="93000"/>
-              </a:lnSpc>
-              <a:spcBef>
-                <a:spcPct val="0"/>
-              </a:spcBef>
-              <a:spcAft>
-                <a:spcPct val="0"/>
-              </a:spcAft>
-              <a:buSzPct val="100000"/>
-              <a:defRPr/>
-            </a:pPr>
-            <a:r>
-              <a:rPr lang="es-AR" altLang="es-AR" sz="2800" dirty="0">
-                <a:latin typeface="Arial" panose="020B0604020202020204" pitchFamily="34" charset="0"/>
-                <a:ea typeface="Microsoft YaHei" panose="020B0503020204020204" pitchFamily="34" charset="-122"/>
-              </a:rPr>
-              <a:t>¿Qué datos necesito para solucionar mi problema?</a:t>
-            </a:r>
-            <a:r>
-              <a:rPr lang="es-AR" altLang="es-AR" sz="3200" dirty="0">
-                <a:latin typeface="Arial" panose="020B0604020202020204" pitchFamily="34" charset="0"/>
-                <a:ea typeface="Microsoft YaHei" panose="020B0503020204020204" pitchFamily="34" charset="-122"/>
-              </a:rPr>
-              <a:t> </a:t>
-            </a:r>
-            <a:endParaRPr kumimoji="0" lang="es-AR" altLang="es-AR" sz="3200" b="0" i="1" u="none" strike="noStrike" kern="1200" cap="none" spc="0" normalizeH="0" baseline="0" noProof="0" dirty="0">
-              <a:ln>
-                <a:noFill/>
-              </a:ln>
-              <a:effectLst/>
-              <a:uLnTx/>
-              <a:uFillTx/>
-              <a:latin typeface="Arial" panose="020B0604020202020204" pitchFamily="34" charset="0"/>
-              <a:ea typeface="Microsoft YaHei" panose="020B0503020204020204" pitchFamily="34" charset="-122"/>
-              <a:cs typeface="Arial"/>
-            </a:endParaRPr>
-          </a:p>
-        </p:txBody>
-      </p:sp>
-      <p:pic>
-        <p:nvPicPr>
-          <p:cNvPr id="5" name="Picture 4" descr="C:\Users\rcrescenzi\OneDrive\docencia\UCEMA\ucema_logo.png"/>
-          <p:cNvPicPr>
-            <a:picLocks noChangeAspect="1" noChangeArrowheads="1"/>
-          </p:cNvPicPr>
-          <p:nvPr/>
-        </p:nvPicPr>
-        <p:blipFill>
-          <a:blip r:embed="rId3" cstate="print">
-            <a:extLst>
-              <a:ext uri="{28A0092B-C50C-407E-A947-70E740481C1C}">
-                <a14:useLocalDpi xmlns:a14="http://schemas.microsoft.com/office/drawing/2010/main" val="0"/>
-              </a:ext>
-            </a:extLst>
-          </a:blip>
-          <a:srcRect/>
-          <a:stretch>
-            <a:fillRect/>
-          </a:stretch>
-        </p:blipFill>
-        <p:spPr bwMode="auto">
-          <a:xfrm>
-            <a:off x="8461829" y="-149930"/>
-            <a:ext cx="3672116" cy="1344437"/>
-          </a:xfrm>
-          <a:prstGeom prst="rect">
-            <a:avLst/>
-          </a:prstGeom>
-          <a:noFill/>
-          <a:extLst>
-            <a:ext uri="{909E8E84-426E-40DD-AFC4-6F175D3DCCD1}">
-              <a14:hiddenFill xmlns:a14="http://schemas.microsoft.com/office/drawing/2010/main">
-                <a:solidFill>
-                  <a:srgbClr val="FFFFFF"/>
-                </a:solidFill>
-              </a14:hiddenFill>
-            </a:ext>
-          </a:extLst>
-        </p:spPr>
-      </p:pic>
-    </p:spTree>
-    <p:extLst>
-      <p:ext uri="{BB962C8B-B14F-4D97-AF65-F5344CB8AC3E}">
-        <p14:creationId xmlns:p14="http://schemas.microsoft.com/office/powerpoint/2010/main" val="1424225713"/>
       </p:ext>
     </p:extLst>
   </p:cSld>
@@ -38837,7 +39497,6 @@
           <a:ln>
             <a:noFill/>
           </a:ln>
-          <a:extLst/>
         </p:spPr>
         <p:txBody>
           <a:bodyPr anchor="ctr"/>
@@ -38874,7 +39533,7 @@
                 <a:ea typeface="Microsoft YaHei" panose="020B0503020204020204" pitchFamily="34" charset="-122"/>
                 <a:cs typeface="Arial"/>
               </a:rPr>
-              <a:t>Proceso de Generación de Datos</a:t>
+              <a:t>Obtención de Datos</a:t>
             </a:r>
             <a:endParaRPr lang="es-AR" altLang="es-AR" sz="3600" b="1" dirty="0">
               <a:latin typeface="Arial" panose="020B0604020202020204" pitchFamily="34" charset="0"/>
@@ -38914,7 +39573,6 @@
           <a:ln>
             <a:noFill/>
           </a:ln>
-          <a:extLst/>
         </p:spPr>
         <p:txBody>
           <a:bodyPr anchor="ctr"/>
@@ -38934,11 +39592,11 @@
               <a:defRPr/>
             </a:pPr>
             <a:r>
-              <a:rPr lang="es-AR" altLang="es-AR" sz="3200" dirty="0">
+              <a:rPr lang="es-AR" altLang="es-AR" sz="2800" dirty="0">
                 <a:latin typeface="Arial" panose="020B0604020202020204" pitchFamily="34" charset="0"/>
                 <a:ea typeface="Microsoft YaHei" panose="020B0503020204020204" pitchFamily="34" charset="-122"/>
               </a:rPr>
-              <a:t>Primero esta el problema, la pregunta. </a:t>
+              <a:t>¿Qué hago con los datos que tengo? vs </a:t>
             </a:r>
           </a:p>
           <a:p>
@@ -38956,60 +39614,37 @@
               <a:defRPr/>
             </a:pPr>
             <a:r>
+              <a:rPr lang="es-AR" altLang="es-AR" sz="2800" dirty="0">
+                <a:latin typeface="Arial" panose="020B0604020202020204" pitchFamily="34" charset="0"/>
+                <a:ea typeface="Microsoft YaHei" panose="020B0503020204020204" pitchFamily="34" charset="-122"/>
+              </a:rPr>
+              <a:t>¿Qué datos necesito para solucionar mi problema?</a:t>
+            </a:r>
+            <a:r>
               <a:rPr lang="es-AR" altLang="es-AR" sz="3200" dirty="0">
                 <a:latin typeface="Arial" panose="020B0604020202020204" pitchFamily="34" charset="0"/>
                 <a:ea typeface="Microsoft YaHei" panose="020B0503020204020204" pitchFamily="34" charset="-122"/>
               </a:rPr>
-              <a:t>Minar datos “a ver qué encuentro” es sólo solución de ínterin y por falencia de los datos</a:t>
+              <a:t> </a:t>
             </a:r>
+            <a:endParaRPr kumimoji="0" lang="es-AR" altLang="es-AR" sz="3200" b="0" i="1" u="none" strike="noStrike" kern="1200" cap="none" spc="0" normalizeH="0" baseline="0" noProof="0" dirty="0">
+              <a:ln>
+                <a:noFill/>
+              </a:ln>
+              <a:effectLst/>
+              <a:uLnTx/>
+              <a:uFillTx/>
+              <a:latin typeface="Arial" panose="020B0604020202020204" pitchFamily="34" charset="0"/>
+              <a:ea typeface="Microsoft YaHei" panose="020B0503020204020204" pitchFamily="34" charset="-122"/>
+              <a:cs typeface="Arial"/>
+            </a:endParaRPr>
           </a:p>
         </p:txBody>
       </p:sp>
-      <p:pic>
-        <p:nvPicPr>
-          <p:cNvPr id="5" name="Picture 4" descr="C:\Users\rcrescenzi\OneDrive\docencia\UCEMA\ucema_logo.png"/>
-          <p:cNvPicPr>
-            <a:picLocks noChangeAspect="1" noChangeArrowheads="1"/>
-          </p:cNvPicPr>
-          <p:nvPr/>
-        </p:nvPicPr>
-        <p:blipFill>
-          <a:blip r:embed="rId3" cstate="print">
-            <a:extLst>
-              <a:ext uri="{28A0092B-C50C-407E-A947-70E740481C1C}">
-                <a14:useLocalDpi xmlns:a14="http://schemas.microsoft.com/office/drawing/2010/main" val="0"/>
-              </a:ext>
-            </a:extLst>
-          </a:blip>
-          <a:srcRect/>
-          <a:stretch>
-            <a:fillRect/>
-          </a:stretch>
-        </p:blipFill>
-        <p:spPr bwMode="auto">
-          <a:xfrm>
-            <a:off x="8461829" y="-149930"/>
-            <a:ext cx="3672116" cy="1344437"/>
-          </a:xfrm>
-          <a:prstGeom prst="rect">
-            <a:avLst/>
-          </a:prstGeom>
-          <a:noFill/>
-          <a:extLst>
-            <a:ext uri="{909E8E84-426E-40DD-AFC4-6F175D3DCCD1}">
-              <a14:hiddenFill xmlns:a14="http://schemas.microsoft.com/office/drawing/2010/main">
-                <a:solidFill>
-                  <a:srgbClr val="FFFFFF"/>
-                </a:solidFill>
-              </a14:hiddenFill>
-            </a:ext>
-          </a:extLst>
-        </p:spPr>
-      </p:pic>
     </p:spTree>
     <p:extLst>
       <p:ext uri="{BB962C8B-B14F-4D97-AF65-F5344CB8AC3E}">
-        <p14:creationId xmlns:p14="http://schemas.microsoft.com/office/powerpoint/2010/main" val="1681808164"/>
+        <p14:creationId xmlns:p14="http://schemas.microsoft.com/office/powerpoint/2010/main" val="1424225713"/>
       </p:ext>
     </p:extLst>
   </p:cSld>
@@ -39090,7 +39725,6 @@
           <a:ln>
             <a:noFill/>
           </a:ln>
-          <a:extLst/>
         </p:spPr>
         <p:txBody>
           <a:bodyPr anchor="ctr"/>
@@ -39167,7 +39801,6 @@
           <a:ln>
             <a:noFill/>
           </a:ln>
-          <a:extLst/>
         </p:spPr>
         <p:txBody>
           <a:bodyPr anchor="ctr"/>
@@ -39191,56 +39824,37 @@
                 <a:latin typeface="Arial" panose="020B0604020202020204" pitchFamily="34" charset="0"/>
                 <a:ea typeface="Microsoft YaHei" panose="020B0503020204020204" pitchFamily="34" charset="-122"/>
               </a:rPr>
-              <a:t>El problema, sin embargo, no siempre tiene que se totalmente concreto de antemano, suele ser un proceso iterativo y siempre es mejor registrar todo dato “gratuito”.</a:t>
+              <a:t>Primero esta el problema, la pregunta. </a:t>
+            </a:r>
+          </a:p>
+          <a:p>
+            <a:pPr lvl="2" defTabSz="599002" fontAlgn="base" hangingPunct="0">
+              <a:lnSpc>
+                <a:spcPct val="93000"/>
+              </a:lnSpc>
+              <a:spcBef>
+                <a:spcPct val="0"/>
+              </a:spcBef>
+              <a:spcAft>
+                <a:spcPct val="0"/>
+              </a:spcAft>
+              <a:buSzPct val="100000"/>
+              <a:defRPr/>
+            </a:pPr>
+            <a:r>
+              <a:rPr lang="es-AR" altLang="es-AR" sz="3200" dirty="0">
+                <a:latin typeface="Arial" panose="020B0604020202020204" pitchFamily="34" charset="0"/>
+                <a:ea typeface="Microsoft YaHei" panose="020B0503020204020204" pitchFamily="34" charset="-122"/>
+              </a:rPr>
+              <a:t>Minar datos “a ver qué encuentro” es sólo solución de ínterin y por falencia de los datos</a:t>
             </a:r>
           </a:p>
         </p:txBody>
       </p:sp>
-      <p:pic>
-        <p:nvPicPr>
-          <p:cNvPr id="5" name="Picture 4" descr="C:\Users\rcrescenzi\OneDrive\docencia\UCEMA\ucema_logo.png"/>
-          <p:cNvPicPr>
-            <a:picLocks noChangeAspect="1" noChangeArrowheads="1"/>
-          </p:cNvPicPr>
-          <p:nvPr/>
-        </p:nvPicPr>
-        <p:blipFill>
-          <a:blip r:embed="rId3" cstate="print">
-            <a:extLst>
-              <a:ext uri="{28A0092B-C50C-407E-A947-70E740481C1C}">
-                <a14:useLocalDpi xmlns:a14="http://schemas.microsoft.com/office/drawing/2010/main" val="0"/>
-              </a:ext>
-            </a:extLst>
-          </a:blip>
-          <a:srcRect/>
-          <a:stretch>
-            <a:fillRect/>
-          </a:stretch>
-        </p:blipFill>
-        <p:spPr bwMode="auto">
-          <a:xfrm>
-            <a:off x="8461829" y="-149930"/>
-            <a:ext cx="3672116" cy="1344437"/>
-          </a:xfrm>
-          <a:prstGeom prst="rect">
-            <a:avLst/>
-          </a:prstGeom>
-          <a:noFill/>
-          <a:extLst>
-            <a:ext uri="{909E8E84-426E-40DD-AFC4-6F175D3DCCD1}">
-              <a14:hiddenFill xmlns:a14="http://schemas.microsoft.com/office/drawing/2010/main">
-                <a:solidFill>
-                  <a:srgbClr val="FFFFFF"/>
-                </a:solidFill>
-              </a14:hiddenFill>
-            </a:ext>
-          </a:extLst>
-        </p:spPr>
-      </p:pic>
     </p:spTree>
     <p:extLst>
       <p:ext uri="{BB962C8B-B14F-4D97-AF65-F5344CB8AC3E}">
-        <p14:creationId xmlns:p14="http://schemas.microsoft.com/office/powerpoint/2010/main" val="3783006610"/>
+        <p14:creationId xmlns:p14="http://schemas.microsoft.com/office/powerpoint/2010/main" val="1681808164"/>
       </p:ext>
     </p:extLst>
   </p:cSld>
@@ -39321,7 +39935,6 @@
           <a:ln>
             <a:noFill/>
           </a:ln>
-          <a:extLst/>
         </p:spPr>
         <p:txBody>
           <a:bodyPr anchor="ctr"/>
@@ -39358,7 +39971,7 @@
                 <a:ea typeface="Microsoft YaHei" panose="020B0503020204020204" pitchFamily="34" charset="-122"/>
                 <a:cs typeface="Arial"/>
               </a:rPr>
-              <a:t>Descubrimiento de Conocimiento</a:t>
+              <a:t>Proceso de Generación de Datos</a:t>
             </a:r>
             <a:endParaRPr lang="es-AR" altLang="es-AR" sz="3600" b="1" dirty="0">
               <a:latin typeface="Arial" panose="020B0604020202020204" pitchFamily="34" charset="0"/>
@@ -39398,7 +40011,6 @@
           <a:ln>
             <a:noFill/>
           </a:ln>
-          <a:extLst/>
         </p:spPr>
         <p:txBody>
           <a:bodyPr anchor="ctr"/>
@@ -39422,56 +40034,15 @@
                 <a:latin typeface="Arial" panose="020B0604020202020204" pitchFamily="34" charset="0"/>
                 <a:ea typeface="Microsoft YaHei" panose="020B0503020204020204" pitchFamily="34" charset="-122"/>
               </a:rPr>
-              <a:t>El verdadero descubrimiento del conocimiento no se alcanza sólo con buenas predicciones, sino con el entendimiento de los procesos que las generan.</a:t>
+              <a:t>El problema, sin embargo, no siempre tiene que se totalmente concreto de antemano, suele ser un proceso iterativo y siempre es mejor registrar todo dato “gratuito”.</a:t>
             </a:r>
           </a:p>
         </p:txBody>
       </p:sp>
-      <p:pic>
-        <p:nvPicPr>
-          <p:cNvPr id="5" name="Picture 4" descr="C:\Users\rcrescenzi\OneDrive\docencia\UCEMA\ucema_logo.png"/>
-          <p:cNvPicPr>
-            <a:picLocks noChangeAspect="1" noChangeArrowheads="1"/>
-          </p:cNvPicPr>
-          <p:nvPr/>
-        </p:nvPicPr>
-        <p:blipFill>
-          <a:blip r:embed="rId3" cstate="print">
-            <a:extLst>
-              <a:ext uri="{28A0092B-C50C-407E-A947-70E740481C1C}">
-                <a14:useLocalDpi xmlns:a14="http://schemas.microsoft.com/office/drawing/2010/main" val="0"/>
-              </a:ext>
-            </a:extLst>
-          </a:blip>
-          <a:srcRect/>
-          <a:stretch>
-            <a:fillRect/>
-          </a:stretch>
-        </p:blipFill>
-        <p:spPr bwMode="auto">
-          <a:xfrm>
-            <a:off x="8461829" y="-149930"/>
-            <a:ext cx="3672116" cy="1344437"/>
-          </a:xfrm>
-          <a:prstGeom prst="rect">
-            <a:avLst/>
-          </a:prstGeom>
-          <a:noFill/>
-          <a:extLst>
-            <a:ext uri="{909E8E84-426E-40DD-AFC4-6F175D3DCCD1}">
-              <a14:hiddenFill xmlns:a14="http://schemas.microsoft.com/office/drawing/2010/main">
-                <a:solidFill>
-                  <a:srgbClr val="FFFFFF"/>
-                </a:solidFill>
-              </a14:hiddenFill>
-            </a:ext>
-          </a:extLst>
-        </p:spPr>
-      </p:pic>
     </p:spTree>
     <p:extLst>
       <p:ext uri="{BB962C8B-B14F-4D97-AF65-F5344CB8AC3E}">
-        <p14:creationId xmlns:p14="http://schemas.microsoft.com/office/powerpoint/2010/main" val="2707493303"/>
+        <p14:creationId xmlns:p14="http://schemas.microsoft.com/office/powerpoint/2010/main" val="3783006610"/>
       </p:ext>
     </p:extLst>
   </p:cSld>
@@ -39552,7 +40123,194 @@
           <a:ln>
             <a:noFill/>
           </a:ln>
-          <a:extLst/>
+        </p:spPr>
+        <p:txBody>
+          <a:bodyPr anchor="ctr"/>
+          <a:lstStyle/>
+          <a:p>
+            <a:pPr marL="0" marR="0" lvl="0" indent="0" algn="ctr" defTabSz="599002" rtl="0" eaLnBrk="1" fontAlgn="base" latinLnBrk="0" hangingPunct="0">
+              <a:lnSpc>
+                <a:spcPct val="93000"/>
+              </a:lnSpc>
+              <a:spcBef>
+                <a:spcPct val="0"/>
+              </a:spcBef>
+              <a:spcAft>
+                <a:spcPct val="0"/>
+              </a:spcAft>
+              <a:buClr>
+                <a:srgbClr val="000000"/>
+              </a:buClr>
+              <a:buSzPct val="100000"/>
+              <a:buFontTx/>
+              <a:buNone/>
+              <a:tabLst/>
+              <a:defRPr/>
+            </a:pPr>
+            <a:r>
+              <a:rPr kumimoji="0" lang="es-AR" altLang="es-AR" sz="3600" b="1" i="0" u="none" strike="noStrike" kern="1200" cap="none" spc="0" normalizeH="0" baseline="0" noProof="0" dirty="0">
+                <a:ln>
+                  <a:noFill/>
+                </a:ln>
+                <a:effectLst/>
+                <a:uLnTx/>
+                <a:uFillTx/>
+                <a:latin typeface="Arial" panose="020B0604020202020204" pitchFamily="34" charset="0"/>
+                <a:ea typeface="Microsoft YaHei" panose="020B0503020204020204" pitchFamily="34" charset="-122"/>
+                <a:cs typeface="Arial"/>
+              </a:rPr>
+              <a:t>Descubrimiento de Conocimiento</a:t>
+            </a:r>
+            <a:endParaRPr lang="es-AR" altLang="es-AR" sz="3600" b="1" dirty="0">
+              <a:latin typeface="Arial" panose="020B0604020202020204" pitchFamily="34" charset="0"/>
+              <a:ea typeface="Microsoft YaHei" panose="020B0503020204020204" pitchFamily="34" charset="-122"/>
+              <a:cs typeface="Arial"/>
+            </a:endParaRPr>
+          </a:p>
+        </p:txBody>
+      </p:sp>
+      <p:sp>
+        <p:nvSpPr>
+          <p:cNvPr id="4" name="1 Rectángulo">
+            <a:extLst>
+              <a:ext uri="{FF2B5EF4-FFF2-40B4-BE49-F238E27FC236}">
+                <a16:creationId xmlns:a16="http://schemas.microsoft.com/office/drawing/2014/main" id="{C38DC9E2-A33D-43A5-B91A-49EDF1F542C3}"/>
+              </a:ext>
+            </a:extLst>
+          </p:cNvPr>
+          <p:cNvSpPr>
+            <a:spLocks noChangeArrowheads="1"/>
+          </p:cNvSpPr>
+          <p:nvPr/>
+        </p:nvSpPr>
+        <p:spPr bwMode="auto">
+          <a:xfrm>
+            <a:off x="0" y="2700161"/>
+            <a:ext cx="12191999" cy="3377082"/>
+          </a:xfrm>
+          <a:prstGeom prst="rect">
+            <a:avLst/>
+          </a:prstGeom>
+          <a:solidFill>
+            <a:schemeClr val="bg1">
+              <a:alpha val="30000"/>
+            </a:schemeClr>
+          </a:solidFill>
+          <a:ln>
+            <a:noFill/>
+          </a:ln>
+        </p:spPr>
+        <p:txBody>
+          <a:bodyPr anchor="ctr"/>
+          <a:lstStyle/>
+          <a:p>
+            <a:pPr lvl="2" defTabSz="599002" fontAlgn="base" hangingPunct="0">
+              <a:lnSpc>
+                <a:spcPct val="93000"/>
+              </a:lnSpc>
+              <a:spcBef>
+                <a:spcPct val="0"/>
+              </a:spcBef>
+              <a:spcAft>
+                <a:spcPct val="0"/>
+              </a:spcAft>
+              <a:buSzPct val="100000"/>
+              <a:defRPr/>
+            </a:pPr>
+            <a:r>
+              <a:rPr lang="es-AR" altLang="es-AR" sz="3200" dirty="0">
+                <a:latin typeface="Arial" panose="020B0604020202020204" pitchFamily="34" charset="0"/>
+                <a:ea typeface="Microsoft YaHei" panose="020B0503020204020204" pitchFamily="34" charset="-122"/>
+              </a:rPr>
+              <a:t>El verdadero descubrimiento del conocimiento no se alcanza sólo con buenas predicciones, sino con el entendimiento de los procesos que las generan.</a:t>
+            </a:r>
+          </a:p>
+        </p:txBody>
+      </p:sp>
+    </p:spTree>
+    <p:extLst>
+      <p:ext uri="{BB962C8B-B14F-4D97-AF65-F5344CB8AC3E}">
+        <p14:creationId xmlns:p14="http://schemas.microsoft.com/office/powerpoint/2010/main" val="2707493303"/>
+      </p:ext>
+    </p:extLst>
+  </p:cSld>
+  <p:clrMapOvr>
+    <a:masterClrMapping/>
+  </p:clrMapOvr>
+  <p:transition spd="slow">
+    <p:push/>
+  </p:transition>
+  <p:timing>
+    <p:tnLst>
+      <p:par>
+        <p:cTn id="1" dur="indefinite" restart="never" nodeType="tmRoot">
+          <p:childTnLst>
+            <p:seq concurrent="1" nextAc="seek">
+              <p:cTn id="2" dur="0" nodeType="mainSeq"/>
+              <p:prevCondLst>
+                <p:cond evt="onPrev" delay="0">
+                  <p:tgtEl>
+                    <p:sldTgt/>
+                  </p:tgtEl>
+                </p:cond>
+              </p:prevCondLst>
+              <p:nextCondLst>
+                <p:cond evt="onNext" delay="0">
+                  <p:tgtEl>
+                    <p:sldTgt/>
+                  </p:tgtEl>
+                </p:cond>
+              </p:nextCondLst>
+            </p:seq>
+          </p:childTnLst>
+        </p:cTn>
+      </p:par>
+    </p:tnLst>
+  </p:timing>
+</p:sld>
+</file>
+
+<file path=ppt/slides/slide26.xml><?xml version="1.0" encoding="utf-8"?>
+<p:sld xmlns:a="http://schemas.openxmlformats.org/drawingml/2006/main" xmlns:r="http://schemas.openxmlformats.org/officeDocument/2006/relationships" xmlns:p="http://schemas.openxmlformats.org/presentationml/2006/main">
+  <p:cSld>
+    <p:spTree>
+      <p:nvGrpSpPr>
+        <p:cNvPr id="1" name=""/>
+        <p:cNvGrpSpPr/>
+        <p:nvPr/>
+      </p:nvGrpSpPr>
+      <p:grpSpPr>
+        <a:xfrm>
+          <a:off x="0" y="0"/>
+          <a:ext cx="0" cy="0"/>
+          <a:chOff x="0" y="0"/>
+          <a:chExt cx="0" cy="0"/>
+        </a:xfrm>
+      </p:grpSpPr>
+      <p:sp>
+        <p:nvSpPr>
+          <p:cNvPr id="9218" name="1 Rectángulo"/>
+          <p:cNvSpPr>
+            <a:spLocks noChangeArrowheads="1"/>
+          </p:cNvSpPr>
+          <p:nvPr/>
+        </p:nvSpPr>
+        <p:spPr bwMode="auto">
+          <a:xfrm>
+            <a:off x="0" y="1103275"/>
+            <a:ext cx="12192000" cy="1217894"/>
+          </a:xfrm>
+          <a:prstGeom prst="rect">
+            <a:avLst/>
+          </a:prstGeom>
+          <a:solidFill>
+            <a:schemeClr val="bg1">
+              <a:alpha val="30000"/>
+            </a:schemeClr>
+          </a:solidFill>
+          <a:ln>
+            <a:noFill/>
+          </a:ln>
         </p:spPr>
         <p:txBody>
           <a:bodyPr anchor="ctr"/>
@@ -39629,7 +40387,6 @@
           <a:ln>
             <a:noFill/>
           </a:ln>
-          <a:extLst/>
         </p:spPr>
         <p:txBody>
           <a:bodyPr anchor="ctr"/>
@@ -39691,207 +40448,10 @@
           </a:prstGeom>
         </p:spPr>
       </p:pic>
-      <p:pic>
-        <p:nvPicPr>
-          <p:cNvPr id="6" name="Picture 4" descr="C:\Users\rcrescenzi\OneDrive\docencia\UCEMA\ucema_logo.png"/>
-          <p:cNvPicPr>
-            <a:picLocks noChangeAspect="1" noChangeArrowheads="1"/>
-          </p:cNvPicPr>
-          <p:nvPr/>
-        </p:nvPicPr>
-        <p:blipFill>
-          <a:blip r:embed="rId4" cstate="print">
-            <a:extLst>
-              <a:ext uri="{28A0092B-C50C-407E-A947-70E740481C1C}">
-                <a14:useLocalDpi xmlns:a14="http://schemas.microsoft.com/office/drawing/2010/main" val="0"/>
-              </a:ext>
-            </a:extLst>
-          </a:blip>
-          <a:srcRect/>
-          <a:stretch>
-            <a:fillRect/>
-          </a:stretch>
-        </p:blipFill>
-        <p:spPr bwMode="auto">
-          <a:xfrm>
-            <a:off x="8461829" y="-149930"/>
-            <a:ext cx="3672116" cy="1344437"/>
-          </a:xfrm>
-          <a:prstGeom prst="rect">
-            <a:avLst/>
-          </a:prstGeom>
-          <a:noFill/>
-          <a:extLst>
-            <a:ext uri="{909E8E84-426E-40DD-AFC4-6F175D3DCCD1}">
-              <a14:hiddenFill xmlns:a14="http://schemas.microsoft.com/office/drawing/2010/main">
-                <a:solidFill>
-                  <a:srgbClr val="FFFFFF"/>
-                </a:solidFill>
-              </a14:hiddenFill>
-            </a:ext>
-          </a:extLst>
-        </p:spPr>
-      </p:pic>
     </p:spTree>
     <p:extLst>
       <p:ext uri="{BB962C8B-B14F-4D97-AF65-F5344CB8AC3E}">
         <p14:creationId xmlns:p14="http://schemas.microsoft.com/office/powerpoint/2010/main" val="3363998633"/>
-      </p:ext>
-    </p:extLst>
-  </p:cSld>
-  <p:clrMapOvr>
-    <a:masterClrMapping/>
-  </p:clrMapOvr>
-  <p:transition spd="slow">
-    <p:push/>
-  </p:transition>
-  <p:timing>
-    <p:tnLst>
-      <p:par>
-        <p:cTn id="1" dur="indefinite" restart="never" nodeType="tmRoot">
-          <p:childTnLst>
-            <p:seq concurrent="1" nextAc="seek">
-              <p:cTn id="2" dur="0" nodeType="mainSeq"/>
-              <p:prevCondLst>
-                <p:cond evt="onPrev" delay="0">
-                  <p:tgtEl>
-                    <p:sldTgt/>
-                  </p:tgtEl>
-                </p:cond>
-              </p:prevCondLst>
-              <p:nextCondLst>
-                <p:cond evt="onNext" delay="0">
-                  <p:tgtEl>
-                    <p:sldTgt/>
-                  </p:tgtEl>
-                </p:cond>
-              </p:nextCondLst>
-            </p:seq>
-          </p:childTnLst>
-        </p:cTn>
-      </p:par>
-    </p:tnLst>
-  </p:timing>
-</p:sld>
-</file>
-
-<file path=ppt/slides/slide26.xml><?xml version="1.0" encoding="utf-8"?>
-<p:sld xmlns:a="http://schemas.openxmlformats.org/drawingml/2006/main" xmlns:r="http://schemas.openxmlformats.org/officeDocument/2006/relationships" xmlns:p="http://schemas.openxmlformats.org/presentationml/2006/main">
-  <p:cSld>
-    <p:spTree>
-      <p:nvGrpSpPr>
-        <p:cNvPr id="1" name=""/>
-        <p:cNvGrpSpPr/>
-        <p:nvPr/>
-      </p:nvGrpSpPr>
-      <p:grpSpPr>
-        <a:xfrm>
-          <a:off x="0" y="0"/>
-          <a:ext cx="0" cy="0"/>
-          <a:chOff x="0" y="0"/>
-          <a:chExt cx="0" cy="0"/>
-        </a:xfrm>
-      </p:grpSpPr>
-      <p:sp>
-        <p:nvSpPr>
-          <p:cNvPr id="17" name="2 CuadroTexto"/>
-          <p:cNvSpPr txBox="1">
-            <a:spLocks noChangeArrowheads="1"/>
-          </p:cNvSpPr>
-          <p:nvPr/>
-        </p:nvSpPr>
-        <p:spPr bwMode="auto">
-          <a:xfrm>
-            <a:off x="0" y="2921168"/>
-            <a:ext cx="12192000" cy="1015663"/>
-          </a:xfrm>
-          <a:prstGeom prst="rect">
-            <a:avLst/>
-          </a:prstGeom>
-          <a:solidFill>
-            <a:schemeClr val="bg1">
-              <a:alpha val="60000"/>
-            </a:schemeClr>
-          </a:solidFill>
-          <a:ln>
-            <a:noFill/>
-          </a:ln>
-          <a:extLst/>
-        </p:spPr>
-        <p:txBody>
-          <a:bodyPr wrap="square" anchor="ctr">
-            <a:spAutoFit/>
-          </a:bodyPr>
-          <a:lstStyle/>
-          <a:p>
-            <a:pPr lvl="1" defTabSz="599002" eaLnBrk="0" fontAlgn="base" hangingPunct="0">
-              <a:spcBef>
-                <a:spcPct val="0"/>
-              </a:spcBef>
-              <a:spcAft>
-                <a:spcPct val="0"/>
-              </a:spcAft>
-              <a:defRPr/>
-            </a:pPr>
-            <a:r>
-              <a:rPr lang="es-AR" sz="6000" noProof="0" dirty="0">
-                <a:latin typeface="Calibri" panose="020F0502020204030204" pitchFamily="34" charset="0"/>
-                <a:cs typeface="Calibri" panose="020F0502020204030204" pitchFamily="34" charset="0"/>
-              </a:rPr>
-              <a:t>Tarea de Grupos</a:t>
-            </a:r>
-            <a:endParaRPr lang="en" sz="6600" noProof="0" dirty="0">
-              <a:latin typeface="Calibri" panose="020F0502020204030204" pitchFamily="34" charset="0"/>
-              <a:cs typeface="Calibri" panose="020F0502020204030204" pitchFamily="34" charset="0"/>
-            </a:endParaRPr>
-          </a:p>
-        </p:txBody>
-      </p:sp>
-      <p:pic>
-        <p:nvPicPr>
-          <p:cNvPr id="4" name="Picture 4" descr="C:\Users\rcrescenzi\OneDrive\docencia\UCEMA\ucema_logo.png"/>
-          <p:cNvPicPr>
-            <a:picLocks noChangeAspect="1" noChangeArrowheads="1"/>
-          </p:cNvPicPr>
-          <p:nvPr/>
-        </p:nvPicPr>
-        <p:blipFill>
-          <a:blip r:embed="rId3" cstate="print">
-            <a:extLst>
-              <a:ext uri="{28A0092B-C50C-407E-A947-70E740481C1C}">
-                <a14:useLocalDpi xmlns:a14="http://schemas.microsoft.com/office/drawing/2010/main" val="0"/>
-              </a:ext>
-            </a:extLst>
-          </a:blip>
-          <a:srcRect/>
-          <a:stretch>
-            <a:fillRect/>
-          </a:stretch>
-        </p:blipFill>
-        <p:spPr bwMode="auto">
-          <a:xfrm>
-            <a:off x="8461829" y="-149930"/>
-            <a:ext cx="3672116" cy="1344437"/>
-          </a:xfrm>
-          <a:prstGeom prst="rect">
-            <a:avLst/>
-          </a:prstGeom>
-          <a:noFill/>
-          <a:extLst>
-            <a:ext uri="{909E8E84-426E-40DD-AFC4-6F175D3DCCD1}">
-              <a14:hiddenFill xmlns:a14="http://schemas.microsoft.com/office/drawing/2010/main">
-                <a:solidFill>
-                  <a:srgbClr val="FFFFFF"/>
-                </a:solidFill>
-              </a14:hiddenFill>
-            </a:ext>
-          </a:extLst>
-        </p:spPr>
-      </p:pic>
-    </p:spTree>
-    <p:extLst>
-      <p:ext uri="{BB962C8B-B14F-4D97-AF65-F5344CB8AC3E}">
-        <p14:creationId xmlns:p14="http://schemas.microsoft.com/office/powerpoint/2010/main" val="1501414601"/>
       </p:ext>
     </p:extLst>
   </p:cSld>
@@ -39948,47 +40508,6 @@
           <a:chExt cx="0" cy="0"/>
         </a:xfrm>
       </p:grpSpPr>
-      <p:pic>
-        <p:nvPicPr>
-          <p:cNvPr id="4" name="Picture 4" descr="C:\Users\rcrescenzi\OneDrive\docencia\UCEMA\ucema_logo.png"/>
-          <p:cNvPicPr>
-            <a:picLocks noChangeAspect="1" noChangeArrowheads="1"/>
-          </p:cNvPicPr>
-          <p:nvPr/>
-        </p:nvPicPr>
-        <p:blipFill>
-          <a:blip r:embed="rId3" cstate="print">
-            <a:extLst>
-              <a:ext uri="{28A0092B-C50C-407E-A947-70E740481C1C}">
-                <a14:useLocalDpi xmlns:a14="http://schemas.microsoft.com/office/drawing/2010/main" val="0"/>
-              </a:ext>
-            </a:extLst>
-          </a:blip>
-          <a:srcRect/>
-          <a:stretch>
-            <a:fillRect/>
-          </a:stretch>
-        </p:blipFill>
-        <p:spPr bwMode="auto">
-          <a:xfrm>
-            <a:off x="8461829" y="-149930"/>
-            <a:ext cx="3672116" cy="1344437"/>
-          </a:xfrm>
-          <a:prstGeom prst="rect">
-            <a:avLst/>
-          </a:prstGeom>
-          <a:noFill/>
-          <a:extLst>
-            <a:ext uri="{909E8E84-426E-40DD-AFC4-6F175D3DCCD1}">
-              <a14:hiddenFill xmlns:a14="http://schemas.microsoft.com/office/drawing/2010/main">
-                <a:solidFill>
-                  <a:srgbClr val="FFFFFF"/>
-                </a:solidFill>
-              </a14:hiddenFill>
-            </a:ext>
-          </a:extLst>
-        </p:spPr>
-      </p:pic>
       <p:sp>
         <p:nvSpPr>
           <p:cNvPr id="5" name="CuadroTexto 1"/>
@@ -40106,7 +40625,6 @@
           <a:ln>
             <a:noFill/>
           </a:ln>
-          <a:extLst/>
         </p:spPr>
         <p:txBody>
           <a:bodyPr anchor="ctr"/>
@@ -40221,7 +40739,6 @@
           <a:ln>
             <a:noFill/>
           </a:ln>
-          <a:extLst/>
         </p:spPr>
         <p:txBody>
           <a:bodyPr anchor="ctr"/>
@@ -40413,47 +40930,6 @@
           </a:p>
         </p:txBody>
       </p:sp>
-      <p:pic>
-        <p:nvPicPr>
-          <p:cNvPr id="5" name="Picture 4" descr="C:\Users\rcrescenzi\OneDrive\docencia\UCEMA\ucema_logo.png"/>
-          <p:cNvPicPr>
-            <a:picLocks noChangeAspect="1" noChangeArrowheads="1"/>
-          </p:cNvPicPr>
-          <p:nvPr/>
-        </p:nvPicPr>
-        <p:blipFill>
-          <a:blip r:embed="rId3" cstate="print">
-            <a:extLst>
-              <a:ext uri="{28A0092B-C50C-407E-A947-70E740481C1C}">
-                <a14:useLocalDpi xmlns:a14="http://schemas.microsoft.com/office/drawing/2010/main" val="0"/>
-              </a:ext>
-            </a:extLst>
-          </a:blip>
-          <a:srcRect/>
-          <a:stretch>
-            <a:fillRect/>
-          </a:stretch>
-        </p:blipFill>
-        <p:spPr bwMode="auto">
-          <a:xfrm>
-            <a:off x="8461829" y="-149930"/>
-            <a:ext cx="3672116" cy="1344437"/>
-          </a:xfrm>
-          <a:prstGeom prst="rect">
-            <a:avLst/>
-          </a:prstGeom>
-          <a:noFill/>
-          <a:extLst>
-            <a:ext uri="{909E8E84-426E-40DD-AFC4-6F175D3DCCD1}">
-              <a14:hiddenFill xmlns:a14="http://schemas.microsoft.com/office/drawing/2010/main">
-                <a:solidFill>
-                  <a:srgbClr val="FFFFFF"/>
-                </a:solidFill>
-              </a14:hiddenFill>
-            </a:ext>
-          </a:extLst>
-        </p:spPr>
-      </p:pic>
     </p:spTree>
     <p:extLst>
       <p:ext uri="{BB962C8B-B14F-4D97-AF65-F5344CB8AC3E}">
@@ -40538,7 +41014,6 @@
           <a:ln>
             <a:noFill/>
           </a:ln>
-          <a:extLst/>
         </p:spPr>
         <p:txBody>
           <a:bodyPr anchor="ctr"/>
@@ -40665,7 +41140,6 @@
           <a:ln>
             <a:noFill/>
           </a:ln>
-          <a:extLst/>
         </p:spPr>
         <p:txBody>
           <a:bodyPr anchor="ctr"/>
@@ -40696,52 +41170,24 @@
                 <a:ea typeface="Microsoft YaHei" panose="020B0503020204020204" pitchFamily="34" charset="-122"/>
                 <a:cs typeface="Arial"/>
               </a:rPr>
-              <a:t>Porque ahora se puede</a:t>
+              <a:t>Porque ahora </a:t>
             </a:r>
+            <a:r>
+              <a:rPr lang="es-AR" altLang="es-AR" sz="3600" b="1">
+                <a:latin typeface="Arial" panose="020B0604020202020204" pitchFamily="34" charset="0"/>
+                <a:ea typeface="Microsoft YaHei" panose="020B0503020204020204" pitchFamily="34" charset="-122"/>
+                <a:cs typeface="Arial"/>
+              </a:rPr>
+              <a:t>se puede</a:t>
+            </a:r>
+            <a:endParaRPr lang="es-AR" altLang="es-AR" sz="3600" b="1" dirty="0">
+              <a:latin typeface="Arial" panose="020B0604020202020204" pitchFamily="34" charset="0"/>
+              <a:ea typeface="Microsoft YaHei" panose="020B0503020204020204" pitchFamily="34" charset="-122"/>
+              <a:cs typeface="Arial"/>
+            </a:endParaRPr>
           </a:p>
         </p:txBody>
       </p:sp>
-      <p:pic>
-        <p:nvPicPr>
-          <p:cNvPr id="6" name="Picture 4" descr="C:\Users\rcrescenzi\OneDrive\docencia\UCEMA\ucema_logo.png"/>
-          <p:cNvPicPr>
-            <a:picLocks noChangeAspect="1" noChangeArrowheads="1"/>
-          </p:cNvPicPr>
-          <p:nvPr/>
-        </p:nvPicPr>
-        <p:blipFill>
-          <a:blip r:embed="rId4" cstate="print">
-            <a:extLst>
-              <a:ext uri="{28A0092B-C50C-407E-A947-70E740481C1C}">
-                <a14:useLocalDpi xmlns:a14="http://schemas.microsoft.com/office/drawing/2010/main" val="0"/>
-              </a:ext>
-            </a:extLst>
-          </a:blip>
-          <a:srcRect/>
-          <a:stretch>
-            <a:fillRect/>
-          </a:stretch>
-        </p:blipFill>
-        <p:spPr bwMode="auto">
-          <a:xfrm>
-            <a:off x="8461829" y="-149930"/>
-            <a:ext cx="3672116" cy="1344437"/>
-          </a:xfrm>
-          <a:prstGeom prst="rect">
-            <a:avLst/>
-          </a:prstGeom>
-          <a:noFill/>
-          <a:extLst>
-            <a:ext uri="{909E8E84-426E-40DD-AFC4-6F175D3DCCD1}">
-              <a14:hiddenFill xmlns:a14="http://schemas.microsoft.com/office/drawing/2010/main">
-                <a:solidFill>
-                  <a:srgbClr val="FFFFFF"/>
-                </a:solidFill>
-              </a14:hiddenFill>
-            </a:ext>
-          </a:extLst>
-        </p:spPr>
-      </p:pic>
     </p:spTree>
     <p:extLst>
       <p:ext uri="{BB962C8B-B14F-4D97-AF65-F5344CB8AC3E}">
@@ -40812,6 +41258,1169 @@
         </p:nvSpPr>
         <p:spPr bwMode="auto">
           <a:xfrm>
+            <a:off x="0" y="21635"/>
+            <a:ext cx="12192000" cy="1217894"/>
+          </a:xfrm>
+          <a:prstGeom prst="rect">
+            <a:avLst/>
+          </a:prstGeom>
+          <a:solidFill>
+            <a:schemeClr val="bg1">
+              <a:alpha val="30000"/>
+            </a:schemeClr>
+          </a:solidFill>
+          <a:ln>
+            <a:noFill/>
+          </a:ln>
+        </p:spPr>
+        <p:txBody>
+          <a:bodyPr anchor="ctr"/>
+          <a:lstStyle/>
+          <a:p>
+            <a:pPr marL="0" marR="0" lvl="0" indent="0" algn="ctr" defTabSz="599002" rtl="0" eaLnBrk="1" fontAlgn="base" latinLnBrk="0" hangingPunct="0">
+              <a:lnSpc>
+                <a:spcPct val="93000"/>
+              </a:lnSpc>
+              <a:spcBef>
+                <a:spcPct val="0"/>
+              </a:spcBef>
+              <a:spcAft>
+                <a:spcPct val="0"/>
+              </a:spcAft>
+              <a:buClr>
+                <a:srgbClr val="000000"/>
+              </a:buClr>
+              <a:buSzPct val="100000"/>
+              <a:buFontTx/>
+              <a:buNone/>
+              <a:tabLst/>
+              <a:defRPr/>
+            </a:pPr>
+            <a:r>
+              <a:rPr kumimoji="0" lang="es-AR" altLang="es-AR" sz="3600" b="1" i="0" u="none" strike="noStrike" kern="1200" cap="none" spc="0" normalizeH="0" baseline="0" noProof="0" dirty="0">
+                <a:ln>
+                  <a:noFill/>
+                </a:ln>
+                <a:effectLst/>
+                <a:uLnTx/>
+                <a:uFillTx/>
+                <a:latin typeface="Arial" panose="020B0604020202020204" pitchFamily="34" charset="0"/>
+                <a:ea typeface="Microsoft YaHei" panose="020B0503020204020204" pitchFamily="34" charset="-122"/>
+                <a:cs typeface="Arial"/>
+              </a:rPr>
+              <a:t>Resultado en función de Cantidad </a:t>
+            </a:r>
+            <a:r>
+              <a:rPr kumimoji="0" lang="es-AR" altLang="es-AR" sz="3600" b="1" i="0" u="none" strike="noStrike" kern="1200" cap="none" spc="0" normalizeH="0" baseline="0" noProof="0">
+                <a:ln>
+                  <a:noFill/>
+                </a:ln>
+                <a:effectLst/>
+                <a:uLnTx/>
+                <a:uFillTx/>
+                <a:latin typeface="Arial" panose="020B0604020202020204" pitchFamily="34" charset="0"/>
+                <a:ea typeface="Microsoft YaHei" panose="020B0503020204020204" pitchFamily="34" charset="-122"/>
+                <a:cs typeface="Arial"/>
+              </a:rPr>
+              <a:t>de Datos</a:t>
+            </a:r>
+            <a:endParaRPr lang="es-AR" altLang="es-AR" sz="3600" b="1" dirty="0">
+              <a:latin typeface="Arial" panose="020B0604020202020204" pitchFamily="34" charset="0"/>
+              <a:ea typeface="Microsoft YaHei" panose="020B0503020204020204" pitchFamily="34" charset="-122"/>
+              <a:cs typeface="Arial"/>
+            </a:endParaRPr>
+          </a:p>
+        </p:txBody>
+      </p:sp>
+      <p:sp>
+        <p:nvSpPr>
+          <p:cNvPr id="2" name="1 Rectángulo">
+            <a:extLst>
+              <a:ext uri="{FF2B5EF4-FFF2-40B4-BE49-F238E27FC236}">
+                <a16:creationId xmlns:a16="http://schemas.microsoft.com/office/drawing/2014/main" id="{5F07913B-D99A-4E9B-BF7F-3949940C336E}"/>
+              </a:ext>
+            </a:extLst>
+          </p:cNvPr>
+          <p:cNvSpPr>
+            <a:spLocks noChangeArrowheads="1"/>
+          </p:cNvSpPr>
+          <p:nvPr/>
+        </p:nvSpPr>
+        <p:spPr bwMode="auto">
+          <a:xfrm>
+            <a:off x="0" y="1239530"/>
+            <a:ext cx="12192000" cy="5618470"/>
+          </a:xfrm>
+          <a:prstGeom prst="rect">
+            <a:avLst/>
+          </a:prstGeom>
+          <a:solidFill>
+            <a:schemeClr val="bg1">
+              <a:alpha val="30000"/>
+            </a:schemeClr>
+          </a:solidFill>
+          <a:ln>
+            <a:noFill/>
+          </a:ln>
+        </p:spPr>
+        <p:txBody>
+          <a:bodyPr anchor="ctr"/>
+          <a:lstStyle/>
+          <a:p>
+            <a:pPr marL="0" marR="0" lvl="0" indent="0" algn="ctr" defTabSz="599002" rtl="0" eaLnBrk="1" fontAlgn="base" latinLnBrk="0" hangingPunct="0">
+              <a:lnSpc>
+                <a:spcPct val="93000"/>
+              </a:lnSpc>
+              <a:spcBef>
+                <a:spcPct val="0"/>
+              </a:spcBef>
+              <a:spcAft>
+                <a:spcPct val="0"/>
+              </a:spcAft>
+              <a:buClr>
+                <a:srgbClr val="000000"/>
+              </a:buClr>
+              <a:buSzPct val="100000"/>
+              <a:buFontTx/>
+              <a:buNone/>
+              <a:tabLst/>
+              <a:defRPr/>
+            </a:pPr>
+            <a:endParaRPr lang="es-AR" altLang="es-AR" sz="3600" b="1" dirty="0">
+              <a:latin typeface="Arial" panose="020B0604020202020204" pitchFamily="34" charset="0"/>
+              <a:ea typeface="Microsoft YaHei" panose="020B0503020204020204" pitchFamily="34" charset="-122"/>
+              <a:cs typeface="Arial"/>
+            </a:endParaRPr>
+          </a:p>
+        </p:txBody>
+      </p:sp>
+      <p:cxnSp>
+        <p:nvCxnSpPr>
+          <p:cNvPr id="56" name="Straight Arrow Connector 4">
+            <a:extLst>
+              <a:ext uri="{FF2B5EF4-FFF2-40B4-BE49-F238E27FC236}">
+                <a16:creationId xmlns:a16="http://schemas.microsoft.com/office/drawing/2014/main" id="{5FE4984D-8F7F-43A2-A897-5C4215A5E3F3}"/>
+              </a:ext>
+            </a:extLst>
+          </p:cNvPr>
+          <p:cNvCxnSpPr/>
+          <p:nvPr/>
+        </p:nvCxnSpPr>
+        <p:spPr>
+          <a:xfrm flipV="1">
+            <a:off x="650763" y="1700987"/>
+            <a:ext cx="0" cy="4383725"/>
+          </a:xfrm>
+          <a:prstGeom prst="straightConnector1">
+            <a:avLst/>
+          </a:prstGeom>
+          <a:ln>
+            <a:solidFill>
+              <a:schemeClr val="tx1"/>
+            </a:solidFill>
+            <a:tailEnd type="triangle" w="lg" len="lg"/>
+          </a:ln>
+        </p:spPr>
+        <p:style>
+          <a:lnRef idx="1">
+            <a:schemeClr val="accent1"/>
+          </a:lnRef>
+          <a:fillRef idx="0">
+            <a:schemeClr val="accent1"/>
+          </a:fillRef>
+          <a:effectRef idx="0">
+            <a:schemeClr val="accent1"/>
+          </a:effectRef>
+          <a:fontRef idx="minor">
+            <a:schemeClr val="tx1"/>
+          </a:fontRef>
+        </p:style>
+      </p:cxnSp>
+      <p:cxnSp>
+        <p:nvCxnSpPr>
+          <p:cNvPr id="57" name="Straight Arrow Connector 8">
+            <a:extLst>
+              <a:ext uri="{FF2B5EF4-FFF2-40B4-BE49-F238E27FC236}">
+                <a16:creationId xmlns:a16="http://schemas.microsoft.com/office/drawing/2014/main" id="{01D27A79-65DD-46CB-851A-52DF55682F69}"/>
+              </a:ext>
+            </a:extLst>
+          </p:cNvPr>
+          <p:cNvCxnSpPr/>
+          <p:nvPr/>
+        </p:nvCxnSpPr>
+        <p:spPr>
+          <a:xfrm>
+            <a:off x="650763" y="6084712"/>
+            <a:ext cx="9091372" cy="0"/>
+          </a:xfrm>
+          <a:prstGeom prst="straightConnector1">
+            <a:avLst/>
+          </a:prstGeom>
+          <a:ln>
+            <a:solidFill>
+              <a:schemeClr val="tx1"/>
+            </a:solidFill>
+            <a:tailEnd type="triangle" w="lg" len="lg"/>
+          </a:ln>
+        </p:spPr>
+        <p:style>
+          <a:lnRef idx="1">
+            <a:schemeClr val="accent1"/>
+          </a:lnRef>
+          <a:fillRef idx="0">
+            <a:schemeClr val="accent1"/>
+          </a:fillRef>
+          <a:effectRef idx="0">
+            <a:schemeClr val="accent1"/>
+          </a:effectRef>
+          <a:fontRef idx="minor">
+            <a:schemeClr val="tx1"/>
+          </a:fontRef>
+        </p:style>
+      </p:cxnSp>
+      <p:sp>
+        <p:nvSpPr>
+          <p:cNvPr id="58" name="TextBox 10">
+            <a:extLst>
+              <a:ext uri="{FF2B5EF4-FFF2-40B4-BE49-F238E27FC236}">
+                <a16:creationId xmlns:a16="http://schemas.microsoft.com/office/drawing/2014/main" id="{5FB05A28-C081-4D34-AD8E-1280D0656035}"/>
+              </a:ext>
+            </a:extLst>
+          </p:cNvPr>
+          <p:cNvSpPr txBox="1"/>
+          <p:nvPr/>
+        </p:nvSpPr>
+        <p:spPr>
+          <a:xfrm>
+            <a:off x="3285930" y="6325567"/>
+            <a:ext cx="2834430" cy="461665"/>
+          </a:xfrm>
+          <a:prstGeom prst="rect">
+            <a:avLst/>
+          </a:prstGeom>
+          <a:noFill/>
+        </p:spPr>
+        <p:txBody>
+          <a:bodyPr wrap="none" rtlCol="0">
+            <a:spAutoFit/>
+          </a:bodyPr>
+          <a:lstStyle/>
+          <a:p>
+            <a:r>
+              <a:rPr lang="en-US" sz="2400" dirty="0" err="1">
+                <a:latin typeface="Century Schoolbook" charset="0"/>
+                <a:ea typeface="Century Schoolbook" charset="0"/>
+                <a:cs typeface="Century Schoolbook" charset="0"/>
+              </a:rPr>
+              <a:t>Cantidad</a:t>
+            </a:r>
+            <a:r>
+              <a:rPr lang="en-US" sz="2400" dirty="0">
+                <a:latin typeface="Century Schoolbook" charset="0"/>
+                <a:ea typeface="Century Schoolbook" charset="0"/>
+                <a:cs typeface="Century Schoolbook" charset="0"/>
+              </a:rPr>
+              <a:t> de </a:t>
+            </a:r>
+            <a:r>
+              <a:rPr lang="en-US" sz="2400" dirty="0" err="1">
+                <a:latin typeface="Century Schoolbook" charset="0"/>
+                <a:ea typeface="Century Schoolbook" charset="0"/>
+                <a:cs typeface="Century Schoolbook" charset="0"/>
+              </a:rPr>
+              <a:t>Datos</a:t>
+            </a:r>
+            <a:endParaRPr lang="en-US" sz="2400" dirty="0">
+              <a:latin typeface="Century Schoolbook" charset="0"/>
+              <a:ea typeface="Century Schoolbook" charset="0"/>
+              <a:cs typeface="Century Schoolbook" charset="0"/>
+            </a:endParaRPr>
+          </a:p>
+        </p:txBody>
+      </p:sp>
+      <p:grpSp>
+        <p:nvGrpSpPr>
+          <p:cNvPr id="59" name="Grupo 58">
+            <a:extLst>
+              <a:ext uri="{FF2B5EF4-FFF2-40B4-BE49-F238E27FC236}">
+                <a16:creationId xmlns:a16="http://schemas.microsoft.com/office/drawing/2014/main" id="{00D0F66F-F532-4CBB-8BEA-D513F066B73A}"/>
+              </a:ext>
+            </a:extLst>
+          </p:cNvPr>
+          <p:cNvGrpSpPr/>
+          <p:nvPr/>
+        </p:nvGrpSpPr>
+        <p:grpSpPr>
+          <a:xfrm>
+            <a:off x="659430" y="4394370"/>
+            <a:ext cx="11095246" cy="1690681"/>
+            <a:chOff x="659430" y="3879694"/>
+            <a:chExt cx="11095246" cy="1690681"/>
+          </a:xfrm>
+        </p:grpSpPr>
+        <p:sp>
+          <p:nvSpPr>
+            <p:cNvPr id="71" name="Forma libre: forma 70">
+              <a:extLst>
+                <a:ext uri="{FF2B5EF4-FFF2-40B4-BE49-F238E27FC236}">
+                  <a16:creationId xmlns:a16="http://schemas.microsoft.com/office/drawing/2014/main" id="{CEAB8522-A14F-427C-8A46-7EC1C2329324}"/>
+                </a:ext>
+              </a:extLst>
+            </p:cNvPr>
+            <p:cNvSpPr/>
+            <p:nvPr/>
+          </p:nvSpPr>
+          <p:spPr>
+            <a:xfrm>
+              <a:off x="659430" y="4110300"/>
+              <a:ext cx="9022815" cy="1460075"/>
+            </a:xfrm>
+            <a:custGeom>
+              <a:avLst/>
+              <a:gdLst>
+                <a:gd name="connsiteX0" fmla="*/ 0 w 9022815"/>
+                <a:gd name="connsiteY0" fmla="*/ 1529036 h 1529036"/>
+                <a:gd name="connsiteX1" fmla="*/ 782198 w 9022815"/>
+                <a:gd name="connsiteY1" fmla="*/ 350231 h 1529036"/>
+                <a:gd name="connsiteX2" fmla="*/ 3172858 w 9022815"/>
+                <a:gd name="connsiteY2" fmla="*/ 30742 h 1529036"/>
+                <a:gd name="connsiteX3" fmla="*/ 9022815 w 9022815"/>
+                <a:gd name="connsiteY3" fmla="*/ 30742 h 1529036"/>
+              </a:gdLst>
+              <a:ahLst/>
+              <a:cxnLst>
+                <a:cxn ang="0">
+                  <a:pos x="connsiteX0" y="connsiteY0"/>
+                </a:cxn>
+                <a:cxn ang="0">
+                  <a:pos x="connsiteX1" y="connsiteY1"/>
+                </a:cxn>
+                <a:cxn ang="0">
+                  <a:pos x="connsiteX2" y="connsiteY2"/>
+                </a:cxn>
+                <a:cxn ang="0">
+                  <a:pos x="connsiteX3" y="connsiteY3"/>
+                </a:cxn>
+              </a:cxnLst>
+              <a:rect l="l" t="t" r="r" b="b"/>
+              <a:pathLst>
+                <a:path w="9022815" h="1529036">
+                  <a:moveTo>
+                    <a:pt x="0" y="1529036"/>
+                  </a:moveTo>
+                  <a:cubicBezTo>
+                    <a:pt x="126694" y="1064491"/>
+                    <a:pt x="253388" y="599947"/>
+                    <a:pt x="782198" y="350231"/>
+                  </a:cubicBezTo>
+                  <a:cubicBezTo>
+                    <a:pt x="1311008" y="100515"/>
+                    <a:pt x="1799422" y="83990"/>
+                    <a:pt x="3172858" y="30742"/>
+                  </a:cubicBezTo>
+                  <a:cubicBezTo>
+                    <a:pt x="4546294" y="-22506"/>
+                    <a:pt x="6784554" y="4118"/>
+                    <a:pt x="9022815" y="30742"/>
+                  </a:cubicBezTo>
+                </a:path>
+              </a:pathLst>
+            </a:custGeom>
+            <a:noFill/>
+            <a:ln w="28575"/>
+          </p:spPr>
+          <p:style>
+            <a:lnRef idx="2">
+              <a:schemeClr val="accent1">
+                <a:shade val="50000"/>
+              </a:schemeClr>
+            </a:lnRef>
+            <a:fillRef idx="1">
+              <a:schemeClr val="accent1"/>
+            </a:fillRef>
+            <a:effectRef idx="0">
+              <a:schemeClr val="accent1"/>
+            </a:effectRef>
+            <a:fontRef idx="minor">
+              <a:schemeClr val="lt1"/>
+            </a:fontRef>
+          </p:style>
+          <p:txBody>
+            <a:bodyPr rtlCol="0" anchor="ctr"/>
+            <a:lstStyle/>
+            <a:p>
+              <a:pPr algn="ctr"/>
+              <a:endParaRPr lang="es-AR"/>
+            </a:p>
+          </p:txBody>
+        </p:sp>
+        <p:sp>
+          <p:nvSpPr>
+            <p:cNvPr id="72" name="Rectángulo 71">
+              <a:extLst>
+                <a:ext uri="{FF2B5EF4-FFF2-40B4-BE49-F238E27FC236}">
+                  <a16:creationId xmlns:a16="http://schemas.microsoft.com/office/drawing/2014/main" id="{D5234438-DB49-4304-8163-E5AE93ACF5D7}"/>
+                </a:ext>
+              </a:extLst>
+            </p:cNvPr>
+            <p:cNvSpPr/>
+            <p:nvPr/>
+          </p:nvSpPr>
+          <p:spPr>
+            <a:xfrm>
+              <a:off x="9984965" y="3879694"/>
+              <a:ext cx="1769711" cy="569844"/>
+            </a:xfrm>
+            <a:prstGeom prst="rect">
+              <a:avLst/>
+            </a:prstGeom>
+          </p:spPr>
+          <p:style>
+            <a:lnRef idx="2">
+              <a:schemeClr val="accent1">
+                <a:shade val="50000"/>
+              </a:schemeClr>
+            </a:lnRef>
+            <a:fillRef idx="1">
+              <a:schemeClr val="accent1"/>
+            </a:fillRef>
+            <a:effectRef idx="0">
+              <a:schemeClr val="accent1"/>
+            </a:effectRef>
+            <a:fontRef idx="minor">
+              <a:schemeClr val="lt1"/>
+            </a:fontRef>
+          </p:style>
+          <p:txBody>
+            <a:bodyPr rtlCol="0" anchor="ctr"/>
+            <a:lstStyle/>
+            <a:p>
+              <a:pPr algn="ctr"/>
+              <a:r>
+                <a:rPr lang="es-AR" dirty="0"/>
+                <a:t>Algoritmos tradicionales</a:t>
+              </a:r>
+            </a:p>
+          </p:txBody>
+        </p:sp>
+      </p:grpSp>
+      <p:grpSp>
+        <p:nvGrpSpPr>
+          <p:cNvPr id="60" name="Grupo 59">
+            <a:extLst>
+              <a:ext uri="{FF2B5EF4-FFF2-40B4-BE49-F238E27FC236}">
+                <a16:creationId xmlns:a16="http://schemas.microsoft.com/office/drawing/2014/main" id="{879996F0-CDB7-4ACA-AC3F-15E4B845FC6F}"/>
+              </a:ext>
+            </a:extLst>
+          </p:cNvPr>
+          <p:cNvGrpSpPr/>
+          <p:nvPr/>
+        </p:nvGrpSpPr>
+        <p:grpSpPr>
+          <a:xfrm>
+            <a:off x="648413" y="3747909"/>
+            <a:ext cx="11106265" cy="2326126"/>
+            <a:chOff x="648413" y="3233233"/>
+            <a:chExt cx="11106265" cy="2326126"/>
+          </a:xfrm>
+        </p:grpSpPr>
+        <p:sp>
+          <p:nvSpPr>
+            <p:cNvPr id="69" name="Forma libre: forma 68">
+              <a:extLst>
+                <a:ext uri="{FF2B5EF4-FFF2-40B4-BE49-F238E27FC236}">
+                  <a16:creationId xmlns:a16="http://schemas.microsoft.com/office/drawing/2014/main" id="{165E39A5-6D3B-474F-BD1D-2862B146549C}"/>
+                </a:ext>
+              </a:extLst>
+            </p:cNvPr>
+            <p:cNvSpPr/>
+            <p:nvPr/>
+          </p:nvSpPr>
+          <p:spPr>
+            <a:xfrm>
+              <a:off x="648413" y="3542982"/>
+              <a:ext cx="9011798" cy="2016377"/>
+            </a:xfrm>
+            <a:custGeom>
+              <a:avLst/>
+              <a:gdLst>
+                <a:gd name="connsiteX0" fmla="*/ 0 w 9011798"/>
+                <a:gd name="connsiteY0" fmla="*/ 2016377 h 2016377"/>
+                <a:gd name="connsiteX1" fmla="*/ 1972020 w 9011798"/>
+                <a:gd name="connsiteY1" fmla="*/ 518083 h 2016377"/>
+                <a:gd name="connsiteX2" fmla="*/ 4516916 w 9011798"/>
+                <a:gd name="connsiteY2" fmla="*/ 66392 h 2016377"/>
+                <a:gd name="connsiteX3" fmla="*/ 9011798 w 9011798"/>
+                <a:gd name="connsiteY3" fmla="*/ 11307 h 2016377"/>
+              </a:gdLst>
+              <a:ahLst/>
+              <a:cxnLst>
+                <a:cxn ang="0">
+                  <a:pos x="connsiteX0" y="connsiteY0"/>
+                </a:cxn>
+                <a:cxn ang="0">
+                  <a:pos x="connsiteX1" y="connsiteY1"/>
+                </a:cxn>
+                <a:cxn ang="0">
+                  <a:pos x="connsiteX2" y="connsiteY2"/>
+                </a:cxn>
+                <a:cxn ang="0">
+                  <a:pos x="connsiteX3" y="connsiteY3"/>
+                </a:cxn>
+              </a:cxnLst>
+              <a:rect l="l" t="t" r="r" b="b"/>
+              <a:pathLst>
+                <a:path w="9011798" h="2016377">
+                  <a:moveTo>
+                    <a:pt x="0" y="2016377"/>
+                  </a:moveTo>
+                  <a:cubicBezTo>
+                    <a:pt x="609600" y="1429728"/>
+                    <a:pt x="1219201" y="843080"/>
+                    <a:pt x="1972020" y="518083"/>
+                  </a:cubicBezTo>
+                  <a:cubicBezTo>
+                    <a:pt x="2724839" y="193085"/>
+                    <a:pt x="3343620" y="150855"/>
+                    <a:pt x="4516916" y="66392"/>
+                  </a:cubicBezTo>
+                  <a:cubicBezTo>
+                    <a:pt x="5690212" y="-18071"/>
+                    <a:pt x="7351005" y="-3382"/>
+                    <a:pt x="9011798" y="11307"/>
+                  </a:cubicBezTo>
+                </a:path>
+              </a:pathLst>
+            </a:custGeom>
+            <a:noFill/>
+            <a:ln w="28575">
+              <a:solidFill>
+                <a:schemeClr val="accent2">
+                  <a:lumMod val="75000"/>
+                </a:schemeClr>
+              </a:solidFill>
+            </a:ln>
+          </p:spPr>
+          <p:style>
+            <a:lnRef idx="2">
+              <a:schemeClr val="accent1">
+                <a:shade val="50000"/>
+              </a:schemeClr>
+            </a:lnRef>
+            <a:fillRef idx="1">
+              <a:schemeClr val="accent1"/>
+            </a:fillRef>
+            <a:effectRef idx="0">
+              <a:schemeClr val="accent1"/>
+            </a:effectRef>
+            <a:fontRef idx="minor">
+              <a:schemeClr val="lt1"/>
+            </a:fontRef>
+          </p:style>
+          <p:txBody>
+            <a:bodyPr rtlCol="0" anchor="ctr"/>
+            <a:lstStyle/>
+            <a:p>
+              <a:pPr algn="ctr"/>
+              <a:endParaRPr lang="es-AR"/>
+            </a:p>
+          </p:txBody>
+        </p:sp>
+        <p:sp>
+          <p:nvSpPr>
+            <p:cNvPr id="70" name="Rectángulo 69">
+              <a:extLst>
+                <a:ext uri="{FF2B5EF4-FFF2-40B4-BE49-F238E27FC236}">
+                  <a16:creationId xmlns:a16="http://schemas.microsoft.com/office/drawing/2014/main" id="{D1BAA1A7-4A5D-4499-83F6-319DAF0B1011}"/>
+                </a:ext>
+              </a:extLst>
+            </p:cNvPr>
+            <p:cNvSpPr/>
+            <p:nvPr/>
+          </p:nvSpPr>
+          <p:spPr>
+            <a:xfrm>
+              <a:off x="9984967" y="3233233"/>
+              <a:ext cx="1769711" cy="569844"/>
+            </a:xfrm>
+            <a:prstGeom prst="rect">
+              <a:avLst/>
+            </a:prstGeom>
+            <a:solidFill>
+              <a:schemeClr val="accent2">
+                <a:lumMod val="75000"/>
+              </a:schemeClr>
+            </a:solidFill>
+            <a:ln>
+              <a:solidFill>
+                <a:schemeClr val="accent2">
+                  <a:lumMod val="75000"/>
+                </a:schemeClr>
+              </a:solidFill>
+            </a:ln>
+          </p:spPr>
+          <p:style>
+            <a:lnRef idx="2">
+              <a:schemeClr val="accent1">
+                <a:shade val="50000"/>
+              </a:schemeClr>
+            </a:lnRef>
+            <a:fillRef idx="1">
+              <a:schemeClr val="accent1"/>
+            </a:fillRef>
+            <a:effectRef idx="0">
+              <a:schemeClr val="accent1"/>
+            </a:effectRef>
+            <a:fontRef idx="minor">
+              <a:schemeClr val="lt1"/>
+            </a:fontRef>
+          </p:style>
+          <p:txBody>
+            <a:bodyPr rtlCol="0" anchor="ctr"/>
+            <a:lstStyle/>
+            <a:p>
+              <a:pPr algn="ctr"/>
+              <a:r>
+                <a:rPr lang="es-AR" dirty="0"/>
+                <a:t>Red Pequeña</a:t>
+              </a:r>
+            </a:p>
+          </p:txBody>
+        </p:sp>
+      </p:grpSp>
+      <p:grpSp>
+        <p:nvGrpSpPr>
+          <p:cNvPr id="61" name="Grupo 60">
+            <a:extLst>
+              <a:ext uri="{FF2B5EF4-FFF2-40B4-BE49-F238E27FC236}">
+                <a16:creationId xmlns:a16="http://schemas.microsoft.com/office/drawing/2014/main" id="{8F190C7A-36D3-468B-8F93-B1A452E56B79}"/>
+              </a:ext>
+            </a:extLst>
+          </p:cNvPr>
+          <p:cNvGrpSpPr/>
+          <p:nvPr/>
+        </p:nvGrpSpPr>
+        <p:grpSpPr>
+          <a:xfrm>
+            <a:off x="626380" y="3106747"/>
+            <a:ext cx="11128297" cy="2978305"/>
+            <a:chOff x="626380" y="2592071"/>
+            <a:chExt cx="11128297" cy="2978305"/>
+          </a:xfrm>
+        </p:grpSpPr>
+        <p:sp>
+          <p:nvSpPr>
+            <p:cNvPr id="67" name="Forma libre: forma 66">
+              <a:extLst>
+                <a:ext uri="{FF2B5EF4-FFF2-40B4-BE49-F238E27FC236}">
+                  <a16:creationId xmlns:a16="http://schemas.microsoft.com/office/drawing/2014/main" id="{BAFCB49D-39CF-4AC2-8EC3-095D1173E51C}"/>
+                </a:ext>
+              </a:extLst>
+            </p:cNvPr>
+            <p:cNvSpPr/>
+            <p:nvPr/>
+          </p:nvSpPr>
+          <p:spPr>
+            <a:xfrm>
+              <a:off x="626380" y="2951176"/>
+              <a:ext cx="9022814" cy="2619200"/>
+            </a:xfrm>
+            <a:custGeom>
+              <a:avLst/>
+              <a:gdLst>
+                <a:gd name="connsiteX0" fmla="*/ 0 w 9022814"/>
+                <a:gd name="connsiteY0" fmla="*/ 2619200 h 2619200"/>
+                <a:gd name="connsiteX1" fmla="*/ 4329628 w 9022814"/>
+                <a:gd name="connsiteY1" fmla="*/ 470911 h 2619200"/>
+                <a:gd name="connsiteX2" fmla="*/ 9022814 w 9022814"/>
+                <a:gd name="connsiteY2" fmla="*/ 8202 h 2619200"/>
+              </a:gdLst>
+              <a:ahLst/>
+              <a:cxnLst>
+                <a:cxn ang="0">
+                  <a:pos x="connsiteX0" y="connsiteY0"/>
+                </a:cxn>
+                <a:cxn ang="0">
+                  <a:pos x="connsiteX1" y="connsiteY1"/>
+                </a:cxn>
+                <a:cxn ang="0">
+                  <a:pos x="connsiteX2" y="connsiteY2"/>
+                </a:cxn>
+              </a:cxnLst>
+              <a:rect l="l" t="t" r="r" b="b"/>
+              <a:pathLst>
+                <a:path w="9022814" h="2619200">
+                  <a:moveTo>
+                    <a:pt x="0" y="2619200"/>
+                  </a:moveTo>
+                  <a:cubicBezTo>
+                    <a:pt x="1412913" y="1762638"/>
+                    <a:pt x="2825826" y="906077"/>
+                    <a:pt x="4329628" y="470911"/>
+                  </a:cubicBezTo>
+                  <a:cubicBezTo>
+                    <a:pt x="5833430" y="35745"/>
+                    <a:pt x="8077200" y="-26685"/>
+                    <a:pt x="9022814" y="8202"/>
+                  </a:cubicBezTo>
+                </a:path>
+              </a:pathLst>
+            </a:custGeom>
+            <a:noFill/>
+            <a:ln w="28575">
+              <a:solidFill>
+                <a:schemeClr val="accent4">
+                  <a:lumMod val="75000"/>
+                </a:schemeClr>
+              </a:solidFill>
+            </a:ln>
+          </p:spPr>
+          <p:style>
+            <a:lnRef idx="2">
+              <a:schemeClr val="accent1">
+                <a:shade val="50000"/>
+              </a:schemeClr>
+            </a:lnRef>
+            <a:fillRef idx="1">
+              <a:schemeClr val="accent1"/>
+            </a:fillRef>
+            <a:effectRef idx="0">
+              <a:schemeClr val="accent1"/>
+            </a:effectRef>
+            <a:fontRef idx="minor">
+              <a:schemeClr val="lt1"/>
+            </a:fontRef>
+          </p:style>
+          <p:txBody>
+            <a:bodyPr rtlCol="0" anchor="ctr"/>
+            <a:lstStyle/>
+            <a:p>
+              <a:pPr algn="ctr"/>
+              <a:endParaRPr lang="es-AR"/>
+            </a:p>
+          </p:txBody>
+        </p:sp>
+        <p:sp>
+          <p:nvSpPr>
+            <p:cNvPr id="68" name="Rectángulo 67">
+              <a:extLst>
+                <a:ext uri="{FF2B5EF4-FFF2-40B4-BE49-F238E27FC236}">
+                  <a16:creationId xmlns:a16="http://schemas.microsoft.com/office/drawing/2014/main" id="{B7A3ABAB-9D11-4530-8147-09BF16B214F1}"/>
+                </a:ext>
+              </a:extLst>
+            </p:cNvPr>
+            <p:cNvSpPr/>
+            <p:nvPr/>
+          </p:nvSpPr>
+          <p:spPr>
+            <a:xfrm>
+              <a:off x="9984966" y="2592071"/>
+              <a:ext cx="1769711" cy="569844"/>
+            </a:xfrm>
+            <a:prstGeom prst="rect">
+              <a:avLst/>
+            </a:prstGeom>
+            <a:solidFill>
+              <a:schemeClr val="accent4">
+                <a:lumMod val="75000"/>
+              </a:schemeClr>
+            </a:solidFill>
+            <a:ln>
+              <a:solidFill>
+                <a:schemeClr val="accent4">
+                  <a:lumMod val="75000"/>
+                </a:schemeClr>
+              </a:solidFill>
+            </a:ln>
+          </p:spPr>
+          <p:style>
+            <a:lnRef idx="2">
+              <a:schemeClr val="accent1">
+                <a:shade val="50000"/>
+              </a:schemeClr>
+            </a:lnRef>
+            <a:fillRef idx="1">
+              <a:schemeClr val="accent1"/>
+            </a:fillRef>
+            <a:effectRef idx="0">
+              <a:schemeClr val="accent1"/>
+            </a:effectRef>
+            <a:fontRef idx="minor">
+              <a:schemeClr val="lt1"/>
+            </a:fontRef>
+          </p:style>
+          <p:txBody>
+            <a:bodyPr rtlCol="0" anchor="ctr"/>
+            <a:lstStyle/>
+            <a:p>
+              <a:pPr algn="ctr"/>
+              <a:r>
+                <a:rPr lang="es-AR" dirty="0"/>
+                <a:t>Red Mediana</a:t>
+              </a:r>
+            </a:p>
+          </p:txBody>
+        </p:sp>
+      </p:grpSp>
+      <p:grpSp>
+        <p:nvGrpSpPr>
+          <p:cNvPr id="62" name="Grupo 61">
+            <a:extLst>
+              <a:ext uri="{FF2B5EF4-FFF2-40B4-BE49-F238E27FC236}">
+                <a16:creationId xmlns:a16="http://schemas.microsoft.com/office/drawing/2014/main" id="{1CA5419E-EB1B-441A-BD80-FE3CF0242750}"/>
+              </a:ext>
+            </a:extLst>
+          </p:cNvPr>
+          <p:cNvGrpSpPr/>
+          <p:nvPr/>
+        </p:nvGrpSpPr>
+        <p:grpSpPr>
+          <a:xfrm>
+            <a:off x="648413" y="1700987"/>
+            <a:ext cx="11106262" cy="4384065"/>
+            <a:chOff x="648413" y="1186311"/>
+            <a:chExt cx="11106262" cy="4384065"/>
+          </a:xfrm>
+        </p:grpSpPr>
+        <p:sp>
+          <p:nvSpPr>
+            <p:cNvPr id="65" name="Forma libre: forma 64">
+              <a:extLst>
+                <a:ext uri="{FF2B5EF4-FFF2-40B4-BE49-F238E27FC236}">
+                  <a16:creationId xmlns:a16="http://schemas.microsoft.com/office/drawing/2014/main" id="{CA5717FA-677E-4E6C-BE32-0262C42F17D7}"/>
+                </a:ext>
+              </a:extLst>
+            </p:cNvPr>
+            <p:cNvSpPr/>
+            <p:nvPr/>
+          </p:nvSpPr>
+          <p:spPr>
+            <a:xfrm>
+              <a:off x="648413" y="1516169"/>
+              <a:ext cx="8945697" cy="4054207"/>
+            </a:xfrm>
+            <a:custGeom>
+              <a:avLst/>
+              <a:gdLst>
+                <a:gd name="connsiteX0" fmla="*/ 0 w 8945697"/>
+                <a:gd name="connsiteY0" fmla="*/ 4054207 h 4054207"/>
+                <a:gd name="connsiteX1" fmla="*/ 2875403 w 8945697"/>
+                <a:gd name="connsiteY1" fmla="*/ 2919470 h 4054207"/>
+                <a:gd name="connsiteX2" fmla="*/ 5365215 w 8945697"/>
+                <a:gd name="connsiteY2" fmla="*/ 969484 h 4054207"/>
+                <a:gd name="connsiteX3" fmla="*/ 8945697 w 8945697"/>
+                <a:gd name="connsiteY3" fmla="*/ 0 h 4054207"/>
+              </a:gdLst>
+              <a:ahLst/>
+              <a:cxnLst>
+                <a:cxn ang="0">
+                  <a:pos x="connsiteX0" y="connsiteY0"/>
+                </a:cxn>
+                <a:cxn ang="0">
+                  <a:pos x="connsiteX1" y="connsiteY1"/>
+                </a:cxn>
+                <a:cxn ang="0">
+                  <a:pos x="connsiteX2" y="connsiteY2"/>
+                </a:cxn>
+                <a:cxn ang="0">
+                  <a:pos x="connsiteX3" y="connsiteY3"/>
+                </a:cxn>
+              </a:cxnLst>
+              <a:rect l="l" t="t" r="r" b="b"/>
+              <a:pathLst>
+                <a:path w="8945697" h="4054207">
+                  <a:moveTo>
+                    <a:pt x="0" y="4054207"/>
+                  </a:moveTo>
+                  <a:cubicBezTo>
+                    <a:pt x="990600" y="3743898"/>
+                    <a:pt x="1981201" y="3433590"/>
+                    <a:pt x="2875403" y="2919470"/>
+                  </a:cubicBezTo>
+                  <a:cubicBezTo>
+                    <a:pt x="3769606" y="2405349"/>
+                    <a:pt x="4353499" y="1456062"/>
+                    <a:pt x="5365215" y="969484"/>
+                  </a:cubicBezTo>
+                  <a:cubicBezTo>
+                    <a:pt x="6376931" y="482906"/>
+                    <a:pt x="8273668" y="108332"/>
+                    <a:pt x="8945697" y="0"/>
+                  </a:cubicBezTo>
+                </a:path>
+              </a:pathLst>
+            </a:custGeom>
+            <a:noFill/>
+            <a:ln w="28575">
+              <a:solidFill>
+                <a:schemeClr val="accent6">
+                  <a:lumMod val="75000"/>
+                </a:schemeClr>
+              </a:solidFill>
+            </a:ln>
+          </p:spPr>
+          <p:style>
+            <a:lnRef idx="2">
+              <a:schemeClr val="accent1">
+                <a:shade val="50000"/>
+              </a:schemeClr>
+            </a:lnRef>
+            <a:fillRef idx="1">
+              <a:schemeClr val="accent1"/>
+            </a:fillRef>
+            <a:effectRef idx="0">
+              <a:schemeClr val="accent1"/>
+            </a:effectRef>
+            <a:fontRef idx="minor">
+              <a:schemeClr val="lt1"/>
+            </a:fontRef>
+          </p:style>
+          <p:txBody>
+            <a:bodyPr rtlCol="0" anchor="ctr"/>
+            <a:lstStyle/>
+            <a:p>
+              <a:pPr algn="ctr"/>
+              <a:endParaRPr lang="es-AR"/>
+            </a:p>
+          </p:txBody>
+        </p:sp>
+        <p:sp>
+          <p:nvSpPr>
+            <p:cNvPr id="66" name="Rectángulo 65">
+              <a:extLst>
+                <a:ext uri="{FF2B5EF4-FFF2-40B4-BE49-F238E27FC236}">
+                  <a16:creationId xmlns:a16="http://schemas.microsoft.com/office/drawing/2014/main" id="{124AA9CC-12E2-43D4-B854-FB957D68E2BA}"/>
+                </a:ext>
+              </a:extLst>
+            </p:cNvPr>
+            <p:cNvSpPr/>
+            <p:nvPr/>
+          </p:nvSpPr>
+          <p:spPr>
+            <a:xfrm>
+              <a:off x="9984964" y="1186311"/>
+              <a:ext cx="1769711" cy="569844"/>
+            </a:xfrm>
+            <a:prstGeom prst="rect">
+              <a:avLst/>
+            </a:prstGeom>
+            <a:solidFill>
+              <a:schemeClr val="accent6">
+                <a:lumMod val="60000"/>
+                <a:lumOff val="40000"/>
+              </a:schemeClr>
+            </a:solidFill>
+            <a:ln>
+              <a:solidFill>
+                <a:schemeClr val="accent6">
+                  <a:lumMod val="60000"/>
+                  <a:lumOff val="40000"/>
+                </a:schemeClr>
+              </a:solidFill>
+            </a:ln>
+          </p:spPr>
+          <p:style>
+            <a:lnRef idx="2">
+              <a:schemeClr val="accent1">
+                <a:shade val="50000"/>
+              </a:schemeClr>
+            </a:lnRef>
+            <a:fillRef idx="1">
+              <a:schemeClr val="accent1"/>
+            </a:fillRef>
+            <a:effectRef idx="0">
+              <a:schemeClr val="accent1"/>
+            </a:effectRef>
+            <a:fontRef idx="minor">
+              <a:schemeClr val="lt1"/>
+            </a:fontRef>
+          </p:style>
+          <p:txBody>
+            <a:bodyPr rtlCol="0" anchor="ctr"/>
+            <a:lstStyle/>
+            <a:p>
+              <a:pPr algn="ctr"/>
+              <a:r>
+                <a:rPr lang="es-AR" dirty="0"/>
+                <a:t>Red Grande</a:t>
+              </a:r>
+            </a:p>
+          </p:txBody>
+        </p:sp>
+      </p:grpSp>
+      <mc:AlternateContent xmlns:mc="http://schemas.openxmlformats.org/markup-compatibility/2006" xmlns:p14="http://schemas.microsoft.com/office/powerpoint/2010/main" xmlns:iact="http://schemas.microsoft.com/office/powerpoint/2014/inkAction">
+        <mc:Choice Requires="p14 iact">
+          <p:contentPart p14:bwMode="auto" r:id="rId3">
+            <p14:nvContentPartPr>
+              <p14:cNvPr id="63" name="Entrada de lápiz 62">
+                <a:extLst>
+                  <a:ext uri="{FF2B5EF4-FFF2-40B4-BE49-F238E27FC236}">
+                    <a16:creationId xmlns:a16="http://schemas.microsoft.com/office/drawing/2014/main" id="{7B9215A3-2296-430A-818D-A75D48B3BCA1}"/>
+                  </a:ext>
+                </a:extLst>
+              </p14:cNvPr>
+              <p14:cNvContentPartPr/>
+              <p14:nvPr>
+                <p:extLst>
+                  <p:ext uri="{42D2F446-02D8-4167-A562-619A0277C38B}">
+                    <p15:isNarration xmlns:p15="http://schemas.microsoft.com/office/powerpoint/2012/main" val="1"/>
+                  </p:ext>
+                </p:extLst>
+              </p14:nvPr>
+            </p14:nvContentPartPr>
+            <p14:xfrm>
+              <a:off x="5107319" y="7047595"/>
+              <a:ext cx="2" cy="2"/>
+            </p14:xfrm>
+          </p:contentPart>
+        </mc:Choice>
+        <mc:Fallback xmlns="">
+          <p:pic>
+            <p:nvPicPr>
+              <p:cNvPr id="63" name="Entrada de lápiz 62">
+                <a:extLst>
+                  <a:ext uri="{FF2B5EF4-FFF2-40B4-BE49-F238E27FC236}">
+                    <a16:creationId xmlns:a16="http://schemas.microsoft.com/office/drawing/2014/main" id="{7B9215A3-2296-430A-818D-A75D48B3BCA1}"/>
+                  </a:ext>
+                </a:extLst>
+              </p:cNvPr>
+              <p:cNvPicPr>
+                <a:picLocks noGrp="1" noRot="1" noChangeAspect="1" noMove="1" noResize="1" noEditPoints="1" noAdjustHandles="1" noChangeArrowheads="1" noChangeShapeType="1"/>
+              </p:cNvPicPr>
+              <p:nvPr/>
+            </p:nvPicPr>
+            <p:blipFill>
+              <a:blip r:embed="rId4"/>
+              <a:stretch>
+                <a:fillRect/>
+              </a:stretch>
+            </p:blipFill>
+            <p:spPr>
+              <a:xfrm>
+                <a:off x="5107319" y="7047595"/>
+                <a:ext cx="2" cy="2"/>
+              </a:xfrm>
+              <a:prstGeom prst="rect">
+                <a:avLst/>
+              </a:prstGeom>
+            </p:spPr>
+          </p:pic>
+        </mc:Fallback>
+      </mc:AlternateContent>
+      <p:sp>
+        <p:nvSpPr>
+          <p:cNvPr id="3" name="TextBox 11">
+            <a:extLst>
+              <a:ext uri="{FF2B5EF4-FFF2-40B4-BE49-F238E27FC236}">
+                <a16:creationId xmlns:a16="http://schemas.microsoft.com/office/drawing/2014/main" id="{AF312A61-371B-4BD1-9948-D86BEC34C04B}"/>
+              </a:ext>
+            </a:extLst>
+          </p:cNvPr>
+          <p:cNvSpPr txBox="1"/>
+          <p:nvPr/>
+        </p:nvSpPr>
+        <p:spPr>
+          <a:xfrm rot="16200000">
+            <a:off x="-655719" y="3235314"/>
+            <a:ext cx="1752403" cy="461665"/>
+          </a:xfrm>
+          <a:prstGeom prst="rect">
+            <a:avLst/>
+          </a:prstGeom>
+          <a:noFill/>
+        </p:spPr>
+        <p:txBody>
+          <a:bodyPr wrap="none" rtlCol="0">
+            <a:spAutoFit/>
+          </a:bodyPr>
+          <a:lstStyle/>
+          <a:p>
+            <a:r>
+              <a:rPr lang="en-US" sz="2400" dirty="0" err="1">
+                <a:latin typeface="Century Schoolbook" charset="0"/>
+                <a:ea typeface="Century Schoolbook" charset="0"/>
+                <a:cs typeface="Century Schoolbook" charset="0"/>
+              </a:rPr>
+              <a:t>Resultados</a:t>
+            </a:r>
+            <a:endParaRPr lang="en-US" sz="2000" dirty="0">
+              <a:latin typeface="Century Schoolbook" charset="0"/>
+              <a:ea typeface="Century Schoolbook" charset="0"/>
+              <a:cs typeface="Century Schoolbook" charset="0"/>
+            </a:endParaRPr>
+          </a:p>
+        </p:txBody>
+      </p:sp>
+    </p:spTree>
+    <p:extLst>
+      <p:ext uri="{BB962C8B-B14F-4D97-AF65-F5344CB8AC3E}">
+        <p14:creationId xmlns:p14="http://schemas.microsoft.com/office/powerpoint/2010/main" val="1582580063"/>
+      </p:ext>
+    </p:extLst>
+  </p:cSld>
+  <p:clrMapOvr>
+    <a:masterClrMapping/>
+  </p:clrMapOvr>
+  <p:transition spd="slow">
+    <p:push/>
+  </p:transition>
+  <p:timing>
+    <p:tnLst>
+      <p:par>
+        <p:cTn id="1" dur="indefinite" restart="never" nodeType="tmRoot">
+          <p:childTnLst>
+            <p:seq concurrent="1" nextAc="seek">
+              <p:cTn id="2" dur="0" nodeType="mainSeq"/>
+              <p:prevCondLst>
+                <p:cond evt="onPrev" delay="0">
+                  <p:tgtEl>
+                    <p:sldTgt/>
+                  </p:tgtEl>
+                </p:cond>
+              </p:prevCondLst>
+              <p:nextCondLst>
+                <p:cond evt="onNext" delay="0">
+                  <p:tgtEl>
+                    <p:sldTgt/>
+                  </p:tgtEl>
+                </p:cond>
+              </p:nextCondLst>
+            </p:seq>
+          </p:childTnLst>
+        </p:cTn>
+      </p:par>
+    </p:tnLst>
+  </p:timing>
+</p:sld>
+</file>
+
+<file path=ppt/slides/slide6.xml><?xml version="1.0" encoding="utf-8"?>
+<p:sld xmlns:a="http://schemas.openxmlformats.org/drawingml/2006/main" xmlns:r="http://schemas.openxmlformats.org/officeDocument/2006/relationships" xmlns:p="http://schemas.openxmlformats.org/presentationml/2006/main">
+  <p:cSld>
+    <p:spTree>
+      <p:nvGrpSpPr>
+        <p:cNvPr id="1" name=""/>
+        <p:cNvGrpSpPr/>
+        <p:nvPr/>
+      </p:nvGrpSpPr>
+      <p:grpSpPr>
+        <a:xfrm>
+          <a:off x="0" y="0"/>
+          <a:ext cx="0" cy="0"/>
+          <a:chOff x="0" y="0"/>
+          <a:chExt cx="0" cy="0"/>
+        </a:xfrm>
+      </p:grpSpPr>
+      <p:sp>
+        <p:nvSpPr>
+          <p:cNvPr id="9218" name="1 Rectángulo"/>
+          <p:cNvSpPr>
+            <a:spLocks noChangeArrowheads="1"/>
+          </p:cNvSpPr>
+          <p:nvPr/>
+        </p:nvSpPr>
+        <p:spPr bwMode="auto">
+          <a:xfrm>
             <a:off x="0" y="1103275"/>
             <a:ext cx="12192000" cy="1217894"/>
           </a:xfrm>
@@ -40826,7 +42435,6 @@
           <a:ln>
             <a:noFill/>
           </a:ln>
-          <a:extLst/>
         </p:spPr>
         <p:txBody>
           <a:bodyPr anchor="ctr"/>
@@ -40925,7 +42533,6 @@
           <a:ln>
             <a:noFill/>
           </a:ln>
-          <a:extLst/>
         </p:spPr>
         <p:txBody>
           <a:bodyPr anchor="ctr"/>
@@ -40991,7 +42598,6 @@
           <a:ln>
             <a:noFill/>
           </a:ln>
-          <a:extLst/>
         </p:spPr>
         <p:txBody>
           <a:bodyPr anchor="ctr"/>
@@ -41027,47 +42633,6 @@
           </a:p>
         </p:txBody>
       </p:sp>
-      <p:pic>
-        <p:nvPicPr>
-          <p:cNvPr id="7" name="Picture 4" descr="C:\Users\rcrescenzi\OneDrive\docencia\UCEMA\ucema_logo.png"/>
-          <p:cNvPicPr>
-            <a:picLocks noChangeAspect="1" noChangeArrowheads="1"/>
-          </p:cNvPicPr>
-          <p:nvPr/>
-        </p:nvPicPr>
-        <p:blipFill>
-          <a:blip r:embed="rId3" cstate="print">
-            <a:extLst>
-              <a:ext uri="{28A0092B-C50C-407E-A947-70E740481C1C}">
-                <a14:useLocalDpi xmlns:a14="http://schemas.microsoft.com/office/drawing/2010/main" val="0"/>
-              </a:ext>
-            </a:extLst>
-          </a:blip>
-          <a:srcRect/>
-          <a:stretch>
-            <a:fillRect/>
-          </a:stretch>
-        </p:blipFill>
-        <p:spPr bwMode="auto">
-          <a:xfrm>
-            <a:off x="8461829" y="-149930"/>
-            <a:ext cx="3672116" cy="1344437"/>
-          </a:xfrm>
-          <a:prstGeom prst="rect">
-            <a:avLst/>
-          </a:prstGeom>
-          <a:noFill/>
-          <a:extLst>
-            <a:ext uri="{909E8E84-426E-40DD-AFC4-6F175D3DCCD1}">
-              <a14:hiddenFill xmlns:a14="http://schemas.microsoft.com/office/drawing/2010/main">
-                <a:solidFill>
-                  <a:srgbClr val="FFFFFF"/>
-                </a:solidFill>
-              </a14:hiddenFill>
-            </a:ext>
-          </a:extLst>
-        </p:spPr>
-      </p:pic>
     </p:spTree>
     <p:extLst>
       <p:ext uri="{BB962C8B-B14F-4D97-AF65-F5344CB8AC3E}">
@@ -41111,7 +42676,7 @@
 </p:sld>
 </file>
 
-<file path=ppt/slides/slide6.xml><?xml version="1.0" encoding="utf-8"?>
+<file path=ppt/slides/slide7.xml><?xml version="1.0" encoding="utf-8"?>
 <p:sld xmlns:a="http://schemas.openxmlformats.org/drawingml/2006/main" xmlns:r="http://schemas.openxmlformats.org/officeDocument/2006/relationships" xmlns:p="http://schemas.openxmlformats.org/presentationml/2006/main">
   <p:cSld>
     <p:spTree>
@@ -41152,7 +42717,6 @@
           <a:ln>
             <a:noFill/>
           </a:ln>
-          <a:extLst/>
         </p:spPr>
         <p:txBody>
           <a:bodyPr anchor="ctr"/>
@@ -41218,7 +42782,6 @@
           <a:ln>
             <a:noFill/>
           </a:ln>
-          <a:extLst/>
         </p:spPr>
         <p:txBody>
           <a:bodyPr anchor="ctr"/>
@@ -41284,7 +42847,6 @@
           <a:ln>
             <a:noFill/>
           </a:ln>
-          <a:extLst/>
         </p:spPr>
         <p:txBody>
           <a:bodyPr anchor="ctr"/>
@@ -41407,47 +42969,6 @@
           </a:p>
         </p:txBody>
       </p:sp>
-      <p:pic>
-        <p:nvPicPr>
-          <p:cNvPr id="7" name="Picture 4" descr="C:\Users\rcrescenzi\OneDrive\docencia\UCEMA\ucema_logo.png"/>
-          <p:cNvPicPr>
-            <a:picLocks noChangeAspect="1" noChangeArrowheads="1"/>
-          </p:cNvPicPr>
-          <p:nvPr/>
-        </p:nvPicPr>
-        <p:blipFill>
-          <a:blip r:embed="rId3" cstate="print">
-            <a:extLst>
-              <a:ext uri="{28A0092B-C50C-407E-A947-70E740481C1C}">
-                <a14:useLocalDpi xmlns:a14="http://schemas.microsoft.com/office/drawing/2010/main" val="0"/>
-              </a:ext>
-            </a:extLst>
-          </a:blip>
-          <a:srcRect/>
-          <a:stretch>
-            <a:fillRect/>
-          </a:stretch>
-        </p:blipFill>
-        <p:spPr bwMode="auto">
-          <a:xfrm>
-            <a:off x="8461829" y="-149930"/>
-            <a:ext cx="3672116" cy="1344437"/>
-          </a:xfrm>
-          <a:prstGeom prst="rect">
-            <a:avLst/>
-          </a:prstGeom>
-          <a:noFill/>
-          <a:extLst>
-            <a:ext uri="{909E8E84-426E-40DD-AFC4-6F175D3DCCD1}">
-              <a14:hiddenFill xmlns:a14="http://schemas.microsoft.com/office/drawing/2010/main">
-                <a:solidFill>
-                  <a:srgbClr val="FFFFFF"/>
-                </a:solidFill>
-              </a14:hiddenFill>
-            </a:ext>
-          </a:extLst>
-        </p:spPr>
-      </p:pic>
     </p:spTree>
     <p:extLst>
       <p:ext uri="{BB962C8B-B14F-4D97-AF65-F5344CB8AC3E}">
@@ -41491,7 +43012,7 @@
 </p:sld>
 </file>
 
-<file path=ppt/slides/slide7.xml><?xml version="1.0" encoding="utf-8"?>
+<file path=ppt/slides/slide8.xml><?xml version="1.0" encoding="utf-8"?>
 <p:sld xmlns:a="http://schemas.openxmlformats.org/drawingml/2006/main" xmlns:r="http://schemas.openxmlformats.org/officeDocument/2006/relationships" xmlns:p="http://schemas.openxmlformats.org/presentationml/2006/main">
   <p:cSld>
     <p:spTree>
@@ -41532,7 +43053,6 @@
           <a:ln>
             <a:noFill/>
           </a:ln>
-          <a:extLst/>
         </p:spPr>
         <p:txBody>
           <a:bodyPr anchor="ctr"/>
@@ -41623,7 +43143,6 @@
           <a:ln>
             <a:noFill/>
           </a:ln>
-          <a:extLst/>
         </p:spPr>
         <p:txBody>
           <a:bodyPr numCol="2" anchor="ctr"/>
@@ -41906,240 +43425,10 @@
           </a:p>
         </p:txBody>
       </p:sp>
-      <p:pic>
-        <p:nvPicPr>
-          <p:cNvPr id="5" name="Picture 4" descr="C:\Users\rcrescenzi\OneDrive\docencia\UCEMA\ucema_logo.png"/>
-          <p:cNvPicPr>
-            <a:picLocks noChangeAspect="1" noChangeArrowheads="1"/>
-          </p:cNvPicPr>
-          <p:nvPr/>
-        </p:nvPicPr>
-        <p:blipFill>
-          <a:blip r:embed="rId3" cstate="print">
-            <a:extLst>
-              <a:ext uri="{28A0092B-C50C-407E-A947-70E740481C1C}">
-                <a14:useLocalDpi xmlns:a14="http://schemas.microsoft.com/office/drawing/2010/main" val="0"/>
-              </a:ext>
-            </a:extLst>
-          </a:blip>
-          <a:srcRect/>
-          <a:stretch>
-            <a:fillRect/>
-          </a:stretch>
-        </p:blipFill>
-        <p:spPr bwMode="auto">
-          <a:xfrm>
-            <a:off x="8461829" y="-149930"/>
-            <a:ext cx="3672116" cy="1344437"/>
-          </a:xfrm>
-          <a:prstGeom prst="rect">
-            <a:avLst/>
-          </a:prstGeom>
-          <a:noFill/>
-          <a:extLst>
-            <a:ext uri="{909E8E84-426E-40DD-AFC4-6F175D3DCCD1}">
-              <a14:hiddenFill xmlns:a14="http://schemas.microsoft.com/office/drawing/2010/main">
-                <a:solidFill>
-                  <a:srgbClr val="FFFFFF"/>
-                </a:solidFill>
-              </a14:hiddenFill>
-            </a:ext>
-          </a:extLst>
-        </p:spPr>
-      </p:pic>
     </p:spTree>
     <p:extLst>
       <p:ext uri="{BB962C8B-B14F-4D97-AF65-F5344CB8AC3E}">
         <p14:creationId xmlns:p14="http://schemas.microsoft.com/office/powerpoint/2010/main" val="1351840935"/>
-      </p:ext>
-    </p:extLst>
-  </p:cSld>
-  <p:clrMapOvr>
-    <a:masterClrMapping/>
-  </p:clrMapOvr>
-  <p:transition spd="slow">
-    <p:push/>
-  </p:transition>
-  <p:timing>
-    <p:tnLst>
-      <p:par>
-        <p:cTn id="1" dur="indefinite" restart="never" nodeType="tmRoot">
-          <p:childTnLst>
-            <p:seq concurrent="1" nextAc="seek">
-              <p:cTn id="2" dur="0" nodeType="mainSeq"/>
-              <p:prevCondLst>
-                <p:cond evt="onPrev" delay="0">
-                  <p:tgtEl>
-                    <p:sldTgt/>
-                  </p:tgtEl>
-                </p:cond>
-              </p:prevCondLst>
-              <p:nextCondLst>
-                <p:cond evt="onNext" delay="0">
-                  <p:tgtEl>
-                    <p:sldTgt/>
-                  </p:tgtEl>
-                </p:cond>
-              </p:nextCondLst>
-            </p:seq>
-          </p:childTnLst>
-        </p:cTn>
-      </p:par>
-    </p:tnLst>
-  </p:timing>
-</p:sld>
-</file>
-
-<file path=ppt/slides/slide8.xml><?xml version="1.0" encoding="utf-8"?>
-<p:sld xmlns:a="http://schemas.openxmlformats.org/drawingml/2006/main" xmlns:r="http://schemas.openxmlformats.org/officeDocument/2006/relationships" xmlns:p="http://schemas.openxmlformats.org/presentationml/2006/main">
-  <p:cSld>
-    <p:spTree>
-      <p:nvGrpSpPr>
-        <p:cNvPr id="1" name=""/>
-        <p:cNvGrpSpPr/>
-        <p:nvPr/>
-      </p:nvGrpSpPr>
-      <p:grpSpPr>
-        <a:xfrm>
-          <a:off x="0" y="0"/>
-          <a:ext cx="0" cy="0"/>
-          <a:chOff x="0" y="0"/>
-          <a:chExt cx="0" cy="0"/>
-        </a:xfrm>
-      </p:grpSpPr>
-      <p:sp>
-        <p:nvSpPr>
-          <p:cNvPr id="9218" name="1 Rectángulo"/>
-          <p:cNvSpPr>
-            <a:spLocks noChangeArrowheads="1"/>
-          </p:cNvSpPr>
-          <p:nvPr/>
-        </p:nvSpPr>
-        <p:spPr bwMode="auto">
-          <a:xfrm>
-            <a:off x="0" y="1103275"/>
-            <a:ext cx="12192000" cy="1217894"/>
-          </a:xfrm>
-          <a:prstGeom prst="rect">
-            <a:avLst/>
-          </a:prstGeom>
-          <a:solidFill>
-            <a:schemeClr val="bg1">
-              <a:alpha val="30000"/>
-            </a:schemeClr>
-          </a:solidFill>
-          <a:ln>
-            <a:noFill/>
-          </a:ln>
-          <a:extLst/>
-        </p:spPr>
-        <p:txBody>
-          <a:bodyPr anchor="ctr"/>
-          <a:lstStyle/>
-          <a:p>
-            <a:pPr marL="0" marR="0" lvl="0" indent="0" algn="ctr" defTabSz="599002" rtl="0" eaLnBrk="1" fontAlgn="base" latinLnBrk="0" hangingPunct="0">
-              <a:lnSpc>
-                <a:spcPct val="93000"/>
-              </a:lnSpc>
-              <a:spcBef>
-                <a:spcPct val="0"/>
-              </a:spcBef>
-              <a:spcAft>
-                <a:spcPct val="0"/>
-              </a:spcAft>
-              <a:buClr>
-                <a:srgbClr val="000000"/>
-              </a:buClr>
-              <a:buSzPct val="100000"/>
-              <a:buFontTx/>
-              <a:buNone/>
-              <a:tabLst/>
-              <a:defRPr/>
-            </a:pPr>
-            <a:r>
-              <a:rPr lang="es-AR" altLang="es-AR" sz="3600" b="1" dirty="0">
-                <a:latin typeface="Arial" panose="020B0604020202020204" pitchFamily="34" charset="0"/>
-                <a:ea typeface="Microsoft YaHei" panose="020B0503020204020204" pitchFamily="34" charset="-122"/>
-                <a:cs typeface="Arial"/>
-              </a:rPr>
-              <a:t>Data Pipeline</a:t>
-            </a:r>
-          </a:p>
-        </p:txBody>
-      </p:sp>
-      <p:graphicFrame>
-        <p:nvGraphicFramePr>
-          <p:cNvPr id="2" name="Diagrama 1">
-            <a:extLst>
-              <a:ext uri="{FF2B5EF4-FFF2-40B4-BE49-F238E27FC236}">
-                <a16:creationId xmlns:a16="http://schemas.microsoft.com/office/drawing/2014/main" id="{C4844DA5-81D4-434D-BC17-924A3A9F7C1B}"/>
-              </a:ext>
-            </a:extLst>
-          </p:cNvPr>
-          <p:cNvGraphicFramePr/>
-          <p:nvPr>
-            <p:extLst>
-              <p:ext uri="{D42A27DB-BD31-4B8C-83A1-F6EECF244321}">
-                <p14:modId xmlns:p14="http://schemas.microsoft.com/office/powerpoint/2010/main" val="1102795092"/>
-              </p:ext>
-            </p:extLst>
-          </p:nvPr>
-        </p:nvGraphicFramePr>
-        <p:xfrm>
-          <a:off x="0" y="2700161"/>
-          <a:ext cx="12191999" cy="3377082"/>
-        </p:xfrm>
-        <a:graphic>
-          <a:graphicData uri="http://schemas.openxmlformats.org/drawingml/2006/diagram">
-            <dgm:relIds xmlns:dgm="http://schemas.openxmlformats.org/drawingml/2006/diagram" xmlns:r="http://schemas.openxmlformats.org/officeDocument/2006/relationships" r:dm="rId3" r:lo="rId4" r:qs="rId5" r:cs="rId6"/>
-          </a:graphicData>
-        </a:graphic>
-      </p:graphicFrame>
-      <p:pic>
-        <p:nvPicPr>
-          <p:cNvPr id="5" name="Picture 4" descr="C:\Users\rcrescenzi\OneDrive\docencia\UCEMA\ucema_logo.png"/>
-          <p:cNvPicPr>
-            <a:picLocks noChangeAspect="1" noChangeArrowheads="1"/>
-          </p:cNvPicPr>
-          <p:nvPr/>
-        </p:nvPicPr>
-        <p:blipFill>
-          <a:blip r:embed="rId8" cstate="print">
-            <a:extLst>
-              <a:ext uri="{28A0092B-C50C-407E-A947-70E740481C1C}">
-                <a14:useLocalDpi xmlns:a14="http://schemas.microsoft.com/office/drawing/2010/main" val="0"/>
-              </a:ext>
-            </a:extLst>
-          </a:blip>
-          <a:srcRect/>
-          <a:stretch>
-            <a:fillRect/>
-          </a:stretch>
-        </p:blipFill>
-        <p:spPr bwMode="auto">
-          <a:xfrm>
-            <a:off x="8461829" y="-149930"/>
-            <a:ext cx="3672116" cy="1344437"/>
-          </a:xfrm>
-          <a:prstGeom prst="rect">
-            <a:avLst/>
-          </a:prstGeom>
-          <a:noFill/>
-          <a:extLst>
-            <a:ext uri="{909E8E84-426E-40DD-AFC4-6F175D3DCCD1}">
-              <a14:hiddenFill xmlns:a14="http://schemas.microsoft.com/office/drawing/2010/main">
-                <a:solidFill>
-                  <a:srgbClr val="FFFFFF"/>
-                </a:solidFill>
-              </a14:hiddenFill>
-            </a:ext>
-          </a:extLst>
-        </p:spPr>
-      </p:pic>
-    </p:spTree>
-    <p:extLst>
-      <p:ext uri="{BB962C8B-B14F-4D97-AF65-F5344CB8AC3E}">
-        <p14:creationId xmlns:p14="http://schemas.microsoft.com/office/powerpoint/2010/main" val="360271288"/>
       </p:ext>
     </p:extLst>
   </p:cSld>
@@ -42220,7 +43509,6 @@
           <a:ln>
             <a:noFill/>
           </a:ln>
-          <a:extLst/>
         </p:spPr>
         <p:txBody>
           <a:bodyPr anchor="ctr"/>
@@ -42246,210 +43534,48 @@
               <a:defRPr/>
             </a:pPr>
             <a:r>
-              <a:rPr kumimoji="0" lang="es-AR" altLang="es-AR" sz="3600" b="1" i="0" u="none" strike="noStrike" kern="1200" cap="none" spc="0" normalizeH="0" baseline="0" noProof="0" dirty="0">
-                <a:ln>
-                  <a:noFill/>
-                </a:ln>
-                <a:effectLst/>
-                <a:uLnTx/>
-                <a:uFillTx/>
+              <a:rPr lang="es-AR" altLang="es-AR" sz="3600" b="1" dirty="0">
                 <a:latin typeface="Arial" panose="020B0604020202020204" pitchFamily="34" charset="0"/>
                 <a:ea typeface="Microsoft YaHei" panose="020B0503020204020204" pitchFamily="34" charset="-122"/>
                 <a:cs typeface="Arial"/>
               </a:rPr>
-              <a:t>Data </a:t>
-            </a:r>
-            <a:r>
-              <a:rPr kumimoji="0" lang="es-AR" altLang="es-AR" sz="3600" b="1" i="0" u="none" strike="noStrike" kern="1200" cap="none" spc="0" normalizeH="0" baseline="0" noProof="0" dirty="0" err="1">
-                <a:ln>
-                  <a:noFill/>
-                </a:ln>
-                <a:effectLst/>
-                <a:uLnTx/>
-                <a:uFillTx/>
-                <a:latin typeface="Arial" panose="020B0604020202020204" pitchFamily="34" charset="0"/>
-                <a:ea typeface="Microsoft YaHei" panose="020B0503020204020204" pitchFamily="34" charset="-122"/>
-                <a:cs typeface="Arial"/>
-              </a:rPr>
-              <a:t>Science</a:t>
-            </a:r>
-            <a:endParaRPr lang="es-AR" altLang="es-AR" sz="3600" b="1" dirty="0">
-              <a:latin typeface="Arial" panose="020B0604020202020204" pitchFamily="34" charset="0"/>
-              <a:ea typeface="Microsoft YaHei" panose="020B0503020204020204" pitchFamily="34" charset="-122"/>
-              <a:cs typeface="Arial"/>
-            </a:endParaRPr>
-          </a:p>
-        </p:txBody>
-      </p:sp>
-      <p:sp>
-        <p:nvSpPr>
-          <p:cNvPr id="4" name="1 Rectángulo">
-            <a:extLst>
-              <a:ext uri="{FF2B5EF4-FFF2-40B4-BE49-F238E27FC236}">
-                <a16:creationId xmlns:a16="http://schemas.microsoft.com/office/drawing/2014/main" id="{C38DC9E2-A33D-43A5-B91A-49EDF1F542C3}"/>
-              </a:ext>
-            </a:extLst>
-          </p:cNvPr>
-          <p:cNvSpPr>
-            <a:spLocks noChangeArrowheads="1"/>
-          </p:cNvSpPr>
-          <p:nvPr/>
-        </p:nvSpPr>
-        <p:spPr bwMode="auto">
-          <a:xfrm>
-            <a:off x="0" y="2700161"/>
-            <a:ext cx="12191999" cy="3377082"/>
-          </a:xfrm>
-          <a:prstGeom prst="rect">
-            <a:avLst/>
-          </a:prstGeom>
-          <a:solidFill>
-            <a:schemeClr val="bg1">
-              <a:alpha val="30000"/>
-            </a:schemeClr>
-          </a:solidFill>
-          <a:ln>
-            <a:noFill/>
-          </a:ln>
-          <a:extLst/>
-        </p:spPr>
-        <p:txBody>
-          <a:bodyPr anchor="ctr"/>
-          <a:lstStyle/>
-          <a:p>
-            <a:pPr marL="800100" lvl="1" indent="-342900" defTabSz="599002" fontAlgn="base" hangingPunct="0">
-              <a:lnSpc>
-                <a:spcPct val="93000"/>
-              </a:lnSpc>
-              <a:spcBef>
-                <a:spcPct val="0"/>
-              </a:spcBef>
-              <a:spcAft>
-                <a:spcPct val="0"/>
-              </a:spcAft>
-              <a:buClr>
-                <a:schemeClr val="bg1"/>
-              </a:buClr>
-              <a:buSzPct val="100000"/>
-              <a:buFont typeface="Arial" panose="020B0604020202020204" pitchFamily="34" charset="0"/>
-              <a:buChar char="•"/>
-              <a:defRPr/>
-            </a:pPr>
-            <a:r>
-              <a:rPr lang="es-AR" altLang="es-AR" sz="3200" dirty="0">
-                <a:latin typeface="Arial" panose="020B0604020202020204" pitchFamily="34" charset="0"/>
-                <a:ea typeface="Microsoft YaHei" panose="020B0503020204020204" pitchFamily="34" charset="-122"/>
-                <a:cs typeface="Arial"/>
-              </a:rPr>
-              <a:t>Métodos Descriptivos: Hallar patrones relevantes en los datos. (BI?)</a:t>
-            </a:r>
-          </a:p>
-          <a:p>
-            <a:pPr marL="800100" lvl="1" indent="-342900" defTabSz="599002" fontAlgn="base" hangingPunct="0">
-              <a:lnSpc>
-                <a:spcPct val="93000"/>
-              </a:lnSpc>
-              <a:spcBef>
-                <a:spcPct val="0"/>
-              </a:spcBef>
-              <a:spcAft>
-                <a:spcPct val="0"/>
-              </a:spcAft>
-              <a:buClr>
-                <a:schemeClr val="bg1"/>
-              </a:buClr>
-              <a:buSzPct val="100000"/>
-              <a:buFont typeface="Arial" panose="020B0604020202020204" pitchFamily="34" charset="0"/>
-              <a:buChar char="•"/>
-              <a:defRPr/>
-            </a:pPr>
-            <a:endParaRPr lang="es-AR" altLang="es-AR" sz="3200" dirty="0">
-              <a:latin typeface="Arial" panose="020B0604020202020204" pitchFamily="34" charset="0"/>
-              <a:ea typeface="Microsoft YaHei" panose="020B0503020204020204" pitchFamily="34" charset="-122"/>
-              <a:cs typeface="Arial"/>
-            </a:endParaRPr>
-          </a:p>
-          <a:p>
-            <a:pPr marL="800100" lvl="1" indent="-342900" defTabSz="599002" fontAlgn="base" hangingPunct="0">
-              <a:lnSpc>
-                <a:spcPct val="93000"/>
-              </a:lnSpc>
-              <a:spcBef>
-                <a:spcPct val="0"/>
-              </a:spcBef>
-              <a:spcAft>
-                <a:spcPct val="0"/>
-              </a:spcAft>
-              <a:buClr>
-                <a:schemeClr val="bg1"/>
-              </a:buClr>
-              <a:buSzPct val="100000"/>
-              <a:buFont typeface="Arial" panose="020B0604020202020204" pitchFamily="34" charset="0"/>
-              <a:buChar char="•"/>
-              <a:defRPr/>
-            </a:pPr>
-            <a:r>
-              <a:rPr kumimoji="0" lang="es-AR" altLang="es-AR" sz="3200" b="0" u="none" strike="noStrike" kern="1200" cap="none" spc="0" normalizeH="0" baseline="0" noProof="0" dirty="0">
-                <a:ln>
-                  <a:noFill/>
-                </a:ln>
-                <a:effectLst/>
-                <a:uLnTx/>
-                <a:uFillTx/>
-                <a:latin typeface="Arial" panose="020B0604020202020204" pitchFamily="34" charset="0"/>
-                <a:ea typeface="Microsoft YaHei" panose="020B0503020204020204" pitchFamily="34" charset="-122"/>
-                <a:cs typeface="Arial"/>
-              </a:rPr>
-              <a:t>Métodos Predictivos: Usar los datos para modelar la incertidumbre. (estadísticas?)</a:t>
+              <a:t>Data Pipeline</a:t>
             </a:r>
           </a:p>
         </p:txBody>
       </p:sp>
-      <p:pic>
-        <p:nvPicPr>
-          <p:cNvPr id="5" name="Picture 4" descr="C:\Users\rcrescenzi\OneDrive\docencia\UCEMA\ucema_logo.png"/>
-          <p:cNvPicPr>
-            <a:picLocks noChangeAspect="1" noChangeArrowheads="1"/>
-          </p:cNvPicPr>
-          <p:nvPr/>
-        </p:nvPicPr>
-        <p:blipFill>
-          <a:blip r:embed="rId3" cstate="print">
+      <p:graphicFrame>
+        <p:nvGraphicFramePr>
+          <p:cNvPr id="2" name="Diagrama 1">
             <a:extLst>
-              <a:ext uri="{28A0092B-C50C-407E-A947-70E740481C1C}">
-                <a14:useLocalDpi xmlns:a14="http://schemas.microsoft.com/office/drawing/2010/main" val="0"/>
+              <a:ext uri="{FF2B5EF4-FFF2-40B4-BE49-F238E27FC236}">
+                <a16:creationId xmlns:a16="http://schemas.microsoft.com/office/drawing/2014/main" id="{C4844DA5-81D4-434D-BC17-924A3A9F7C1B}"/>
               </a:ext>
             </a:extLst>
-          </a:blip>
-          <a:srcRect/>
-          <a:stretch>
-            <a:fillRect/>
-          </a:stretch>
-        </p:blipFill>
-        <p:spPr bwMode="auto">
-          <a:xfrm>
-            <a:off x="8461829" y="-149930"/>
-            <a:ext cx="3672116" cy="1344437"/>
-          </a:xfrm>
-          <a:prstGeom prst="rect">
-            <a:avLst/>
-          </a:prstGeom>
-          <a:noFill/>
-          <a:extLst>
-            <a:ext uri="{909E8E84-426E-40DD-AFC4-6F175D3DCCD1}">
-              <a14:hiddenFill xmlns:a14="http://schemas.microsoft.com/office/drawing/2010/main">
-                <a:solidFill>
-                  <a:srgbClr val="FFFFFF"/>
-                </a:solidFill>
-              </a14:hiddenFill>
-            </a:ext>
-          </a:extLst>
-        </p:spPr>
-      </p:pic>
+          </p:cNvPr>
+          <p:cNvGraphicFramePr/>
+          <p:nvPr>
+            <p:extLst>
+              <p:ext uri="{D42A27DB-BD31-4B8C-83A1-F6EECF244321}">
+                <p14:modId xmlns:p14="http://schemas.microsoft.com/office/powerpoint/2010/main" val="1102795092"/>
+              </p:ext>
+            </p:extLst>
+          </p:nvPr>
+        </p:nvGraphicFramePr>
+        <p:xfrm>
+          <a:off x="0" y="2700161"/>
+          <a:ext cx="12191999" cy="3377082"/>
+        </p:xfrm>
+        <a:graphic>
+          <a:graphicData uri="http://schemas.openxmlformats.org/drawingml/2006/diagram">
+            <dgm:relIds xmlns:dgm="http://schemas.openxmlformats.org/drawingml/2006/diagram" xmlns:r="http://schemas.openxmlformats.org/officeDocument/2006/relationships" r:dm="rId3" r:lo="rId4" r:qs="rId5" r:cs="rId6"/>
+          </a:graphicData>
+        </a:graphic>
+      </p:graphicFrame>
     </p:spTree>
     <p:extLst>
       <p:ext uri="{BB962C8B-B14F-4D97-AF65-F5344CB8AC3E}">
-        <p14:creationId xmlns:p14="http://schemas.microsoft.com/office/powerpoint/2010/main" val="1852200853"/>
+        <p14:creationId xmlns:p14="http://schemas.microsoft.com/office/powerpoint/2010/main" val="360271288"/>
       </p:ext>
     </p:extLst>
   </p:cSld>
